--- a/com.yrtech.bentleyAPI/com.yrtech.InventoryAPI/template/ReportOnLine.pptx
+++ b/com.yrtech.bentleyAPI/com.yrtech.InventoryAPI/template/ReportOnLine.pptx
@@ -117,7 +117,7 @@
   </p:defaultTextStyle>
   <p:extLst>
     <p:ext uri="{EFAFB233-063F-42B5-8137-9DF3F51BA10A}">
-      <p15:sldGuideLst xmlns:p15="http://schemas.microsoft.com/office/powerpoint/2012/main">
+      <p15:sldGuideLst xmlns:p15="http://schemas.microsoft.com/office/powerpoint/2012/main" xmlns="">
         <p15:guide id="1" pos="7310" userDrawn="1">
           <p15:clr>
             <a:srgbClr val="A4A3A4"/>
@@ -216,7 +216,7 @@
           <a:p>
             <a:fld id="{69A4D669-94F9-4D70-8C76-4C2D35D4E5D0}" type="datetimeFigureOut">
               <a:rPr lang="en-US" smtClean="0"/>
-              <a:t>3/30/2022</a:t>
+              <a:t>4/9/2022</a:t>
             </a:fld>
             <a:endParaRPr lang="en-US"/>
           </a:p>
@@ -954,7 +954,7 @@
           <a:graphicData uri="http://schemas.openxmlformats.org/presentationml/2006/ole">
             <mc:AlternateContent xmlns:mc="http://schemas.openxmlformats.org/markup-compatibility/2006">
               <mc:Choice xmlns:v="urn:schemas-microsoft-com:vml" Requires="v">
-                <p:oleObj spid="_x0000_s32800" name="think-cell Slide" r:id="rId5" imgW="216" imgH="216" progId="TCLayout.ActiveDocument.1">
+                <p:oleObj spid="_x0000_s32802" name="think-cell Slide" r:id="rId5" imgW="216" imgH="216" progId="TCLayout.ActiveDocument.1">
                   <p:embed/>
                 </p:oleObj>
               </mc:Choice>
@@ -1151,7 +1151,7 @@
           <p:cNvPr id="4" name="Footer Placeholder 3">
             <a:extLst>
               <a:ext uri="{FF2B5EF4-FFF2-40B4-BE49-F238E27FC236}">
-                <a16:creationId xmlns:a16="http://schemas.microsoft.com/office/drawing/2014/main" id="{17D6DE4C-D976-4B4B-B087-C035EF8D4F6F}"/>
+                <a16:creationId xmlns:a16="http://schemas.microsoft.com/office/drawing/2014/main" xmlns="" id="{17D6DE4C-D976-4B4B-B087-C035EF8D4F6F}"/>
               </a:ext>
             </a:extLst>
           </p:cNvPr>
@@ -1210,7 +1210,7 @@
           <p:cNvPr id="13" name="Straight Connector 12">
             <a:extLst>
               <a:ext uri="{FF2B5EF4-FFF2-40B4-BE49-F238E27FC236}">
-                <a16:creationId xmlns:a16="http://schemas.microsoft.com/office/drawing/2014/main" id="{95C486A1-9876-924E-85C2-906892F8B9AC}"/>
+                <a16:creationId xmlns:a16="http://schemas.microsoft.com/office/drawing/2014/main" xmlns="" id="{95C486A1-9876-924E-85C2-906892F8B9AC}"/>
               </a:ext>
             </a:extLst>
           </p:cNvPr>
@@ -1253,7 +1253,7 @@
           <p:cNvPr id="17" name="Slide Number Placeholder 5">
             <a:extLst>
               <a:ext uri="{FF2B5EF4-FFF2-40B4-BE49-F238E27FC236}">
-                <a16:creationId xmlns:a16="http://schemas.microsoft.com/office/drawing/2014/main" id="{CC67CD5C-67EC-5144-B858-5347C50D1ACD}"/>
+                <a16:creationId xmlns:a16="http://schemas.microsoft.com/office/drawing/2014/main" xmlns="" id="{CC67CD5C-67EC-5144-B858-5347C50D1ACD}"/>
               </a:ext>
             </a:extLst>
           </p:cNvPr>
@@ -1305,7 +1305,7 @@
           <p:cNvPr id="8" name="Title 7">
             <a:extLst>
               <a:ext uri="{FF2B5EF4-FFF2-40B4-BE49-F238E27FC236}">
-                <a16:creationId xmlns:a16="http://schemas.microsoft.com/office/drawing/2014/main" id="{8A6F1540-D306-D44E-B1B3-1ACCF1041F70}"/>
+                <a16:creationId xmlns:a16="http://schemas.microsoft.com/office/drawing/2014/main" xmlns="" id="{8A6F1540-D306-D44E-B1B3-1ACCF1041F70}"/>
               </a:ext>
             </a:extLst>
           </p:cNvPr>
@@ -1712,7 +1712,7 @@
           <a:graphicData uri="http://schemas.openxmlformats.org/presentationml/2006/ole">
             <mc:AlternateContent xmlns:mc="http://schemas.openxmlformats.org/markup-compatibility/2006">
               <mc:Choice xmlns:v="urn:schemas-microsoft-com:vml" Requires="v">
-                <p:oleObj spid="_x0000_s33824" name="think-cell Slide" r:id="rId4" imgW="216" imgH="216" progId="TCLayout.ActiveDocument.1">
+                <p:oleObj spid="_x0000_s33826" name="think-cell Slide" r:id="rId4" imgW="216" imgH="216" progId="TCLayout.ActiveDocument.1">
                   <p:embed/>
                 </p:oleObj>
               </mc:Choice>
@@ -1838,7 +1838,7 @@
           <p:cNvPr id="8" name="Title 7">
             <a:extLst>
               <a:ext uri="{FF2B5EF4-FFF2-40B4-BE49-F238E27FC236}">
-                <a16:creationId xmlns:a16="http://schemas.microsoft.com/office/drawing/2014/main" id="{8A6F1540-D306-D44E-B1B3-1ACCF1041F70}"/>
+                <a16:creationId xmlns:a16="http://schemas.microsoft.com/office/drawing/2014/main" xmlns="" id="{8A6F1540-D306-D44E-B1B3-1ACCF1041F70}"/>
               </a:ext>
             </a:extLst>
           </p:cNvPr>
@@ -1874,7 +1874,7 @@
           <p:cNvPr id="9" name="Content Placeholder 2">
             <a:extLst>
               <a:ext uri="{FF2B5EF4-FFF2-40B4-BE49-F238E27FC236}">
-                <a16:creationId xmlns:a16="http://schemas.microsoft.com/office/drawing/2014/main" id="{0A7C1352-3D49-F849-9BC3-BC0AF9CD8F04}"/>
+                <a16:creationId xmlns:a16="http://schemas.microsoft.com/office/drawing/2014/main" xmlns="" id="{0A7C1352-3D49-F849-9BC3-BC0AF9CD8F04}"/>
               </a:ext>
             </a:extLst>
           </p:cNvPr>
@@ -1966,7 +1966,7 @@
           <p:cNvPr id="10" name="Content Placeholder 2">
             <a:extLst>
               <a:ext uri="{FF2B5EF4-FFF2-40B4-BE49-F238E27FC236}">
-                <a16:creationId xmlns:a16="http://schemas.microsoft.com/office/drawing/2014/main" id="{D1AA7CFB-7669-2648-A3E1-E647E531399E}"/>
+                <a16:creationId xmlns:a16="http://schemas.microsoft.com/office/drawing/2014/main" xmlns="" id="{D1AA7CFB-7669-2648-A3E1-E647E531399E}"/>
               </a:ext>
             </a:extLst>
           </p:cNvPr>
@@ -2058,7 +2058,7 @@
           <p:cNvPr id="11" name="Content Placeholder 2">
             <a:extLst>
               <a:ext uri="{FF2B5EF4-FFF2-40B4-BE49-F238E27FC236}">
-                <a16:creationId xmlns:a16="http://schemas.microsoft.com/office/drawing/2014/main" id="{2E4B4082-D988-5D43-9C32-2C7F747717ED}"/>
+                <a16:creationId xmlns:a16="http://schemas.microsoft.com/office/drawing/2014/main" xmlns="" id="{2E4B4082-D988-5D43-9C32-2C7F747717ED}"/>
               </a:ext>
             </a:extLst>
           </p:cNvPr>
@@ -2150,7 +2150,7 @@
           <p:cNvPr id="12" name="Content Placeholder 2">
             <a:extLst>
               <a:ext uri="{FF2B5EF4-FFF2-40B4-BE49-F238E27FC236}">
-                <a16:creationId xmlns:a16="http://schemas.microsoft.com/office/drawing/2014/main" id="{45B8DE4D-1F9B-7341-8CB2-D70634815B55}"/>
+                <a16:creationId xmlns:a16="http://schemas.microsoft.com/office/drawing/2014/main" xmlns="" id="{45B8DE4D-1F9B-7341-8CB2-D70634815B55}"/>
               </a:ext>
             </a:extLst>
           </p:cNvPr>
@@ -2242,7 +2242,7 @@
           <p:cNvPr id="14" name="Footer Placeholder 3">
             <a:extLst>
               <a:ext uri="{FF2B5EF4-FFF2-40B4-BE49-F238E27FC236}">
-                <a16:creationId xmlns:a16="http://schemas.microsoft.com/office/drawing/2014/main" id="{DBA440F4-82E0-7E45-8A6F-4A8C7572AEE5}"/>
+                <a16:creationId xmlns:a16="http://schemas.microsoft.com/office/drawing/2014/main" xmlns="" id="{DBA440F4-82E0-7E45-8A6F-4A8C7572AEE5}"/>
               </a:ext>
             </a:extLst>
           </p:cNvPr>
@@ -2301,7 +2301,7 @@
           <p:cNvPr id="15" name="Slide Number Placeholder 5">
             <a:extLst>
               <a:ext uri="{FF2B5EF4-FFF2-40B4-BE49-F238E27FC236}">
-                <a16:creationId xmlns:a16="http://schemas.microsoft.com/office/drawing/2014/main" id="{CC67CD5C-67EC-5144-B858-5347C50D1ACD}"/>
+                <a16:creationId xmlns:a16="http://schemas.microsoft.com/office/drawing/2014/main" xmlns="" id="{CC67CD5C-67EC-5144-B858-5347C50D1ACD}"/>
               </a:ext>
             </a:extLst>
           </p:cNvPr>
@@ -2353,7 +2353,7 @@
           <p:cNvPr id="16" name="Straight Connector 15">
             <a:extLst>
               <a:ext uri="{FF2B5EF4-FFF2-40B4-BE49-F238E27FC236}">
-                <a16:creationId xmlns:a16="http://schemas.microsoft.com/office/drawing/2014/main" id="{95C486A1-9876-924E-85C2-906892F8B9AC}"/>
+                <a16:creationId xmlns:a16="http://schemas.microsoft.com/office/drawing/2014/main" xmlns="" id="{95C486A1-9876-924E-85C2-906892F8B9AC}"/>
               </a:ext>
             </a:extLst>
           </p:cNvPr>
@@ -2449,7 +2449,7 @@
           <a:graphicData uri="http://schemas.openxmlformats.org/presentationml/2006/ole">
             <mc:AlternateContent xmlns:mc="http://schemas.openxmlformats.org/markup-compatibility/2006">
               <mc:Choice xmlns:v="urn:schemas-microsoft-com:vml" Requires="v">
-                <p:oleObj spid="_x0000_s34848" name="think-cell Slide" r:id="rId4" imgW="216" imgH="216" progId="TCLayout.ActiveDocument.1">
+                <p:oleObj spid="_x0000_s34850" name="think-cell Slide" r:id="rId4" imgW="216" imgH="216" progId="TCLayout.ActiveDocument.1">
                   <p:embed/>
                 </p:oleObj>
               </mc:Choice>
@@ -2489,7 +2489,7 @@
           <p:cNvPr id="8" name="Title 7">
             <a:extLst>
               <a:ext uri="{FF2B5EF4-FFF2-40B4-BE49-F238E27FC236}">
-                <a16:creationId xmlns:a16="http://schemas.microsoft.com/office/drawing/2014/main" id="{8A6F1540-D306-D44E-B1B3-1ACCF1041F70}"/>
+                <a16:creationId xmlns:a16="http://schemas.microsoft.com/office/drawing/2014/main" xmlns="" id="{8A6F1540-D306-D44E-B1B3-1ACCF1041F70}"/>
               </a:ext>
             </a:extLst>
           </p:cNvPr>
@@ -3285,7 +3285,7 @@
           <p:cNvPr id="37" name="Footer Placeholder 3">
             <a:extLst>
               <a:ext uri="{FF2B5EF4-FFF2-40B4-BE49-F238E27FC236}">
-                <a16:creationId xmlns:a16="http://schemas.microsoft.com/office/drawing/2014/main" id="{DBA440F4-82E0-7E45-8A6F-4A8C7572AEE5}"/>
+                <a16:creationId xmlns:a16="http://schemas.microsoft.com/office/drawing/2014/main" xmlns="" id="{DBA440F4-82E0-7E45-8A6F-4A8C7572AEE5}"/>
               </a:ext>
             </a:extLst>
           </p:cNvPr>
@@ -3344,7 +3344,7 @@
           <p:cNvPr id="38" name="Slide Number Placeholder 5">
             <a:extLst>
               <a:ext uri="{FF2B5EF4-FFF2-40B4-BE49-F238E27FC236}">
-                <a16:creationId xmlns:a16="http://schemas.microsoft.com/office/drawing/2014/main" id="{CC67CD5C-67EC-5144-B858-5347C50D1ACD}"/>
+                <a16:creationId xmlns:a16="http://schemas.microsoft.com/office/drawing/2014/main" xmlns="" id="{CC67CD5C-67EC-5144-B858-5347C50D1ACD}"/>
               </a:ext>
             </a:extLst>
           </p:cNvPr>
@@ -3396,7 +3396,7 @@
           <p:cNvPr id="39" name="Straight Connector 38">
             <a:extLst>
               <a:ext uri="{FF2B5EF4-FFF2-40B4-BE49-F238E27FC236}">
-                <a16:creationId xmlns:a16="http://schemas.microsoft.com/office/drawing/2014/main" id="{95C486A1-9876-924E-85C2-906892F8B9AC}"/>
+                <a16:creationId xmlns:a16="http://schemas.microsoft.com/office/drawing/2014/main" xmlns="" id="{95C486A1-9876-924E-85C2-906892F8B9AC}"/>
               </a:ext>
             </a:extLst>
           </p:cNvPr>
@@ -3497,7 +3497,7 @@
           <a:graphicData uri="http://schemas.openxmlformats.org/presentationml/2006/ole">
             <mc:AlternateContent xmlns:mc="http://schemas.openxmlformats.org/markup-compatibility/2006">
               <mc:Choice xmlns:v="urn:schemas-microsoft-com:vml" Requires="v">
-                <p:oleObj spid="_x0000_s35872" name="think-cell Slide" r:id="rId5" imgW="216" imgH="216" progId="TCLayout.ActiveDocument.1">
+                <p:oleObj spid="_x0000_s35874" name="think-cell Slide" r:id="rId5" imgW="216" imgH="216" progId="TCLayout.ActiveDocument.1">
                   <p:embed/>
                 </p:oleObj>
               </mc:Choice>
@@ -3714,7 +3714,7 @@
           <p:cNvPr id="4" name="Footer Placeholder 3">
             <a:extLst>
               <a:ext uri="{FF2B5EF4-FFF2-40B4-BE49-F238E27FC236}">
-                <a16:creationId xmlns:a16="http://schemas.microsoft.com/office/drawing/2014/main" id="{17D6DE4C-D976-4B4B-B087-C035EF8D4F6F}"/>
+                <a16:creationId xmlns:a16="http://schemas.microsoft.com/office/drawing/2014/main" xmlns="" id="{17D6DE4C-D976-4B4B-B087-C035EF8D4F6F}"/>
               </a:ext>
             </a:extLst>
           </p:cNvPr>
@@ -3773,7 +3773,7 @@
           <p:cNvPr id="17" name="Slide Number Placeholder 5">
             <a:extLst>
               <a:ext uri="{FF2B5EF4-FFF2-40B4-BE49-F238E27FC236}">
-                <a16:creationId xmlns:a16="http://schemas.microsoft.com/office/drawing/2014/main" id="{CC67CD5C-67EC-5144-B858-5347C50D1ACD}"/>
+                <a16:creationId xmlns:a16="http://schemas.microsoft.com/office/drawing/2014/main" xmlns="" id="{CC67CD5C-67EC-5144-B858-5347C50D1ACD}"/>
               </a:ext>
             </a:extLst>
           </p:cNvPr>
@@ -3825,7 +3825,7 @@
           <p:cNvPr id="8" name="Title 7">
             <a:extLst>
               <a:ext uri="{FF2B5EF4-FFF2-40B4-BE49-F238E27FC236}">
-                <a16:creationId xmlns:a16="http://schemas.microsoft.com/office/drawing/2014/main" id="{8A6F1540-D306-D44E-B1B3-1ACCF1041F70}"/>
+                <a16:creationId xmlns:a16="http://schemas.microsoft.com/office/drawing/2014/main" xmlns="" id="{8A6F1540-D306-D44E-B1B3-1ACCF1041F70}"/>
               </a:ext>
             </a:extLst>
           </p:cNvPr>
@@ -3869,7 +3869,7 @@
           <p:cNvPr id="9" name="Straight Connector 8">
             <a:extLst>
               <a:ext uri="{FF2B5EF4-FFF2-40B4-BE49-F238E27FC236}">
-                <a16:creationId xmlns:a16="http://schemas.microsoft.com/office/drawing/2014/main" id="{BB1AA2BE-B537-254D-958A-FBAFDE7E90DC}"/>
+                <a16:creationId xmlns:a16="http://schemas.microsoft.com/office/drawing/2014/main" xmlns="" id="{BB1AA2BE-B537-254D-958A-FBAFDE7E90DC}"/>
               </a:ext>
             </a:extLst>
           </p:cNvPr>
@@ -3912,7 +3912,7 @@
           <p:cNvPr id="10" name="Straight Connector 9">
             <a:extLst>
               <a:ext uri="{FF2B5EF4-FFF2-40B4-BE49-F238E27FC236}">
-                <a16:creationId xmlns:a16="http://schemas.microsoft.com/office/drawing/2014/main" id="{95C486A1-9876-924E-85C2-906892F8B9AC}"/>
+                <a16:creationId xmlns:a16="http://schemas.microsoft.com/office/drawing/2014/main" xmlns="" id="{95C486A1-9876-924E-85C2-906892F8B9AC}"/>
               </a:ext>
             </a:extLst>
           </p:cNvPr>
@@ -4289,7 +4289,7 @@
           <a:graphicData uri="http://schemas.openxmlformats.org/presentationml/2006/ole">
             <mc:AlternateContent xmlns:mc="http://schemas.openxmlformats.org/markup-compatibility/2006">
               <mc:Choice xmlns:v="urn:schemas-microsoft-com:vml" Requires="v">
-                <p:oleObj spid="_x0000_s37920" name="think-cell Slide" r:id="rId5" imgW="216" imgH="216" progId="TCLayout.ActiveDocument.1">
+                <p:oleObj spid="_x0000_s37922" name="think-cell Slide" r:id="rId5" imgW="216" imgH="216" progId="TCLayout.ActiveDocument.1">
                   <p:embed/>
                 </p:oleObj>
               </mc:Choice>
@@ -4486,7 +4486,7 @@
           <p:cNvPr id="4" name="Footer Placeholder 3">
             <a:extLst>
               <a:ext uri="{FF2B5EF4-FFF2-40B4-BE49-F238E27FC236}">
-                <a16:creationId xmlns:a16="http://schemas.microsoft.com/office/drawing/2014/main" id="{17D6DE4C-D976-4B4B-B087-C035EF8D4F6F}"/>
+                <a16:creationId xmlns:a16="http://schemas.microsoft.com/office/drawing/2014/main" xmlns="" id="{17D6DE4C-D976-4B4B-B087-C035EF8D4F6F}"/>
               </a:ext>
             </a:extLst>
           </p:cNvPr>
@@ -4545,7 +4545,7 @@
           <p:cNvPr id="13" name="Straight Connector 12">
             <a:extLst>
               <a:ext uri="{FF2B5EF4-FFF2-40B4-BE49-F238E27FC236}">
-                <a16:creationId xmlns:a16="http://schemas.microsoft.com/office/drawing/2014/main" id="{95C486A1-9876-924E-85C2-906892F8B9AC}"/>
+                <a16:creationId xmlns:a16="http://schemas.microsoft.com/office/drawing/2014/main" xmlns="" id="{95C486A1-9876-924E-85C2-906892F8B9AC}"/>
               </a:ext>
             </a:extLst>
           </p:cNvPr>
@@ -4588,7 +4588,7 @@
           <p:cNvPr id="17" name="Slide Number Placeholder 5">
             <a:extLst>
               <a:ext uri="{FF2B5EF4-FFF2-40B4-BE49-F238E27FC236}">
-                <a16:creationId xmlns:a16="http://schemas.microsoft.com/office/drawing/2014/main" id="{CC67CD5C-67EC-5144-B858-5347C50D1ACD}"/>
+                <a16:creationId xmlns:a16="http://schemas.microsoft.com/office/drawing/2014/main" xmlns="" id="{CC67CD5C-67EC-5144-B858-5347C50D1ACD}"/>
               </a:ext>
             </a:extLst>
           </p:cNvPr>
@@ -4640,7 +4640,7 @@
           <p:cNvPr id="8" name="Title 7">
             <a:extLst>
               <a:ext uri="{FF2B5EF4-FFF2-40B4-BE49-F238E27FC236}">
-                <a16:creationId xmlns:a16="http://schemas.microsoft.com/office/drawing/2014/main" id="{8A6F1540-D306-D44E-B1B3-1ACCF1041F70}"/>
+                <a16:creationId xmlns:a16="http://schemas.microsoft.com/office/drawing/2014/main" xmlns="" id="{8A6F1540-D306-D44E-B1B3-1ACCF1041F70}"/>
               </a:ext>
             </a:extLst>
           </p:cNvPr>
@@ -4766,7 +4766,7 @@
           <a:graphicData uri="http://schemas.openxmlformats.org/presentationml/2006/ole">
             <mc:AlternateContent xmlns:mc="http://schemas.openxmlformats.org/markup-compatibility/2006">
               <mc:Choice xmlns:v="urn:schemas-microsoft-com:vml" Requires="v">
-                <p:oleObj spid="_x0000_s38944" name="think-cell Slide" r:id="rId4" imgW="216" imgH="216" progId="TCLayout.ActiveDocument.1">
+                <p:oleObj spid="_x0000_s38946" name="think-cell Slide" r:id="rId4" imgW="216" imgH="216" progId="TCLayout.ActiveDocument.1">
                   <p:embed/>
                 </p:oleObj>
               </mc:Choice>
@@ -4892,7 +4892,7 @@
           <p:cNvPr id="8" name="Title 7">
             <a:extLst>
               <a:ext uri="{FF2B5EF4-FFF2-40B4-BE49-F238E27FC236}">
-                <a16:creationId xmlns:a16="http://schemas.microsoft.com/office/drawing/2014/main" id="{8A6F1540-D306-D44E-B1B3-1ACCF1041F70}"/>
+                <a16:creationId xmlns:a16="http://schemas.microsoft.com/office/drawing/2014/main" xmlns="" id="{8A6F1540-D306-D44E-B1B3-1ACCF1041F70}"/>
               </a:ext>
             </a:extLst>
           </p:cNvPr>
@@ -4928,7 +4928,7 @@
           <p:cNvPr id="9" name="Content Placeholder 2">
             <a:extLst>
               <a:ext uri="{FF2B5EF4-FFF2-40B4-BE49-F238E27FC236}">
-                <a16:creationId xmlns:a16="http://schemas.microsoft.com/office/drawing/2014/main" id="{0A7C1352-3D49-F849-9BC3-BC0AF9CD8F04}"/>
+                <a16:creationId xmlns:a16="http://schemas.microsoft.com/office/drawing/2014/main" xmlns="" id="{0A7C1352-3D49-F849-9BC3-BC0AF9CD8F04}"/>
               </a:ext>
             </a:extLst>
           </p:cNvPr>
@@ -5020,7 +5020,7 @@
           <p:cNvPr id="10" name="Content Placeholder 2">
             <a:extLst>
               <a:ext uri="{FF2B5EF4-FFF2-40B4-BE49-F238E27FC236}">
-                <a16:creationId xmlns:a16="http://schemas.microsoft.com/office/drawing/2014/main" id="{D1AA7CFB-7669-2648-A3E1-E647E531399E}"/>
+                <a16:creationId xmlns:a16="http://schemas.microsoft.com/office/drawing/2014/main" xmlns="" id="{D1AA7CFB-7669-2648-A3E1-E647E531399E}"/>
               </a:ext>
             </a:extLst>
           </p:cNvPr>
@@ -5112,7 +5112,7 @@
           <p:cNvPr id="11" name="Content Placeholder 2">
             <a:extLst>
               <a:ext uri="{FF2B5EF4-FFF2-40B4-BE49-F238E27FC236}">
-                <a16:creationId xmlns:a16="http://schemas.microsoft.com/office/drawing/2014/main" id="{2E4B4082-D988-5D43-9C32-2C7F747717ED}"/>
+                <a16:creationId xmlns:a16="http://schemas.microsoft.com/office/drawing/2014/main" xmlns="" id="{2E4B4082-D988-5D43-9C32-2C7F747717ED}"/>
               </a:ext>
             </a:extLst>
           </p:cNvPr>
@@ -5204,7 +5204,7 @@
           <p:cNvPr id="12" name="Content Placeholder 2">
             <a:extLst>
               <a:ext uri="{FF2B5EF4-FFF2-40B4-BE49-F238E27FC236}">
-                <a16:creationId xmlns:a16="http://schemas.microsoft.com/office/drawing/2014/main" id="{45B8DE4D-1F9B-7341-8CB2-D70634815B55}"/>
+                <a16:creationId xmlns:a16="http://schemas.microsoft.com/office/drawing/2014/main" xmlns="" id="{45B8DE4D-1F9B-7341-8CB2-D70634815B55}"/>
               </a:ext>
             </a:extLst>
           </p:cNvPr>
@@ -5296,7 +5296,7 @@
           <p:cNvPr id="14" name="Footer Placeholder 3">
             <a:extLst>
               <a:ext uri="{FF2B5EF4-FFF2-40B4-BE49-F238E27FC236}">
-                <a16:creationId xmlns:a16="http://schemas.microsoft.com/office/drawing/2014/main" id="{DBA440F4-82E0-7E45-8A6F-4A8C7572AEE5}"/>
+                <a16:creationId xmlns:a16="http://schemas.microsoft.com/office/drawing/2014/main" xmlns="" id="{DBA440F4-82E0-7E45-8A6F-4A8C7572AEE5}"/>
               </a:ext>
             </a:extLst>
           </p:cNvPr>
@@ -5355,7 +5355,7 @@
           <p:cNvPr id="15" name="Slide Number Placeholder 5">
             <a:extLst>
               <a:ext uri="{FF2B5EF4-FFF2-40B4-BE49-F238E27FC236}">
-                <a16:creationId xmlns:a16="http://schemas.microsoft.com/office/drawing/2014/main" id="{CC67CD5C-67EC-5144-B858-5347C50D1ACD}"/>
+                <a16:creationId xmlns:a16="http://schemas.microsoft.com/office/drawing/2014/main" xmlns="" id="{CC67CD5C-67EC-5144-B858-5347C50D1ACD}"/>
               </a:ext>
             </a:extLst>
           </p:cNvPr>
@@ -5407,7 +5407,7 @@
           <p:cNvPr id="16" name="Straight Connector 15">
             <a:extLst>
               <a:ext uri="{FF2B5EF4-FFF2-40B4-BE49-F238E27FC236}">
-                <a16:creationId xmlns:a16="http://schemas.microsoft.com/office/drawing/2014/main" id="{95C486A1-9876-924E-85C2-906892F8B9AC}"/>
+                <a16:creationId xmlns:a16="http://schemas.microsoft.com/office/drawing/2014/main" xmlns="" id="{95C486A1-9876-924E-85C2-906892F8B9AC}"/>
               </a:ext>
             </a:extLst>
           </p:cNvPr>
@@ -5503,7 +5503,7 @@
           <a:graphicData uri="http://schemas.openxmlformats.org/presentationml/2006/ole">
             <mc:AlternateContent xmlns:mc="http://schemas.openxmlformats.org/markup-compatibility/2006">
               <mc:Choice xmlns:v="urn:schemas-microsoft-com:vml" Requires="v">
-                <p:oleObj spid="_x0000_s39968" name="think-cell Slide" r:id="rId4" imgW="216" imgH="216" progId="TCLayout.ActiveDocument.1">
+                <p:oleObj spid="_x0000_s39970" name="think-cell Slide" r:id="rId4" imgW="216" imgH="216" progId="TCLayout.ActiveDocument.1">
                   <p:embed/>
                 </p:oleObj>
               </mc:Choice>
@@ -5543,7 +5543,7 @@
           <p:cNvPr id="8" name="Title 7">
             <a:extLst>
               <a:ext uri="{FF2B5EF4-FFF2-40B4-BE49-F238E27FC236}">
-                <a16:creationId xmlns:a16="http://schemas.microsoft.com/office/drawing/2014/main" id="{8A6F1540-D306-D44E-B1B3-1ACCF1041F70}"/>
+                <a16:creationId xmlns:a16="http://schemas.microsoft.com/office/drawing/2014/main" xmlns="" id="{8A6F1540-D306-D44E-B1B3-1ACCF1041F70}"/>
               </a:ext>
             </a:extLst>
           </p:cNvPr>
@@ -6339,7 +6339,7 @@
           <p:cNvPr id="37" name="Footer Placeholder 3">
             <a:extLst>
               <a:ext uri="{FF2B5EF4-FFF2-40B4-BE49-F238E27FC236}">
-                <a16:creationId xmlns:a16="http://schemas.microsoft.com/office/drawing/2014/main" id="{DBA440F4-82E0-7E45-8A6F-4A8C7572AEE5}"/>
+                <a16:creationId xmlns:a16="http://schemas.microsoft.com/office/drawing/2014/main" xmlns="" id="{DBA440F4-82E0-7E45-8A6F-4A8C7572AEE5}"/>
               </a:ext>
             </a:extLst>
           </p:cNvPr>
@@ -6398,7 +6398,7 @@
           <p:cNvPr id="38" name="Slide Number Placeholder 5">
             <a:extLst>
               <a:ext uri="{FF2B5EF4-FFF2-40B4-BE49-F238E27FC236}">
-                <a16:creationId xmlns:a16="http://schemas.microsoft.com/office/drawing/2014/main" id="{CC67CD5C-67EC-5144-B858-5347C50D1ACD}"/>
+                <a16:creationId xmlns:a16="http://schemas.microsoft.com/office/drawing/2014/main" xmlns="" id="{CC67CD5C-67EC-5144-B858-5347C50D1ACD}"/>
               </a:ext>
             </a:extLst>
           </p:cNvPr>
@@ -6450,7 +6450,7 @@
           <p:cNvPr id="39" name="Straight Connector 38">
             <a:extLst>
               <a:ext uri="{FF2B5EF4-FFF2-40B4-BE49-F238E27FC236}">
-                <a16:creationId xmlns:a16="http://schemas.microsoft.com/office/drawing/2014/main" id="{95C486A1-9876-924E-85C2-906892F8B9AC}"/>
+                <a16:creationId xmlns:a16="http://schemas.microsoft.com/office/drawing/2014/main" xmlns="" id="{95C486A1-9876-924E-85C2-906892F8B9AC}"/>
               </a:ext>
             </a:extLst>
           </p:cNvPr>
@@ -6551,7 +6551,7 @@
           <a:graphicData uri="http://schemas.openxmlformats.org/presentationml/2006/ole">
             <mc:AlternateContent xmlns:mc="http://schemas.openxmlformats.org/markup-compatibility/2006">
               <mc:Choice xmlns:v="urn:schemas-microsoft-com:vml" Requires="v">
-                <p:oleObj spid="_x0000_s40992" name="think-cell Slide" r:id="rId5" imgW="216" imgH="216" progId="TCLayout.ActiveDocument.1">
+                <p:oleObj spid="_x0000_s40994" name="think-cell Slide" r:id="rId5" imgW="216" imgH="216" progId="TCLayout.ActiveDocument.1">
                   <p:embed/>
                 </p:oleObj>
               </mc:Choice>
@@ -6768,7 +6768,7 @@
           <p:cNvPr id="4" name="Footer Placeholder 3">
             <a:extLst>
               <a:ext uri="{FF2B5EF4-FFF2-40B4-BE49-F238E27FC236}">
-                <a16:creationId xmlns:a16="http://schemas.microsoft.com/office/drawing/2014/main" id="{17D6DE4C-D976-4B4B-B087-C035EF8D4F6F}"/>
+                <a16:creationId xmlns:a16="http://schemas.microsoft.com/office/drawing/2014/main" xmlns="" id="{17D6DE4C-D976-4B4B-B087-C035EF8D4F6F}"/>
               </a:ext>
             </a:extLst>
           </p:cNvPr>
@@ -6827,7 +6827,7 @@
           <p:cNvPr id="17" name="Slide Number Placeholder 5">
             <a:extLst>
               <a:ext uri="{FF2B5EF4-FFF2-40B4-BE49-F238E27FC236}">
-                <a16:creationId xmlns:a16="http://schemas.microsoft.com/office/drawing/2014/main" id="{CC67CD5C-67EC-5144-B858-5347C50D1ACD}"/>
+                <a16:creationId xmlns:a16="http://schemas.microsoft.com/office/drawing/2014/main" xmlns="" id="{CC67CD5C-67EC-5144-B858-5347C50D1ACD}"/>
               </a:ext>
             </a:extLst>
           </p:cNvPr>
@@ -6879,7 +6879,7 @@
           <p:cNvPr id="8" name="Title 7">
             <a:extLst>
               <a:ext uri="{FF2B5EF4-FFF2-40B4-BE49-F238E27FC236}">
-                <a16:creationId xmlns:a16="http://schemas.microsoft.com/office/drawing/2014/main" id="{8A6F1540-D306-D44E-B1B3-1ACCF1041F70}"/>
+                <a16:creationId xmlns:a16="http://schemas.microsoft.com/office/drawing/2014/main" xmlns="" id="{8A6F1540-D306-D44E-B1B3-1ACCF1041F70}"/>
               </a:ext>
             </a:extLst>
           </p:cNvPr>
@@ -6923,7 +6923,7 @@
           <p:cNvPr id="9" name="Straight Connector 8">
             <a:extLst>
               <a:ext uri="{FF2B5EF4-FFF2-40B4-BE49-F238E27FC236}">
-                <a16:creationId xmlns:a16="http://schemas.microsoft.com/office/drawing/2014/main" id="{BB1AA2BE-B537-254D-958A-FBAFDE7E90DC}"/>
+                <a16:creationId xmlns:a16="http://schemas.microsoft.com/office/drawing/2014/main" xmlns="" id="{BB1AA2BE-B537-254D-958A-FBAFDE7E90DC}"/>
               </a:ext>
             </a:extLst>
           </p:cNvPr>
@@ -6966,7 +6966,7 @@
           <p:cNvPr id="10" name="Straight Connector 9">
             <a:extLst>
               <a:ext uri="{FF2B5EF4-FFF2-40B4-BE49-F238E27FC236}">
-                <a16:creationId xmlns:a16="http://schemas.microsoft.com/office/drawing/2014/main" id="{95C486A1-9876-924E-85C2-906892F8B9AC}"/>
+                <a16:creationId xmlns:a16="http://schemas.microsoft.com/office/drawing/2014/main" xmlns="" id="{95C486A1-9876-924E-85C2-906892F8B9AC}"/>
               </a:ext>
             </a:extLst>
           </p:cNvPr>
@@ -7071,7 +7071,7 @@
           <a:graphicData uri="http://schemas.openxmlformats.org/presentationml/2006/ole">
             <mc:AlternateContent xmlns:mc="http://schemas.openxmlformats.org/markup-compatibility/2006">
               <mc:Choice xmlns:v="urn:schemas-microsoft-com:vml" Requires="v">
-                <p:oleObj spid="_x0000_s31776" name="think-cell Slide" r:id="rId10" imgW="216" imgH="216" progId="TCLayout.ActiveDocument.1">
+                <p:oleObj spid="_x0000_s31778" name="think-cell Slide" r:id="rId10" imgW="216" imgH="216" progId="TCLayout.ActiveDocument.1">
                   <p:embed/>
                 </p:oleObj>
               </mc:Choice>
@@ -7191,7 +7191,7 @@
           <p:cNvPr id="10" name="Straight Connector 9">
             <a:extLst>
               <a:ext uri="{FF2B5EF4-FFF2-40B4-BE49-F238E27FC236}">
-                <a16:creationId xmlns:a16="http://schemas.microsoft.com/office/drawing/2014/main" id="{BB1AA2BE-B537-254D-958A-FBAFDE7E90DC}"/>
+                <a16:creationId xmlns:a16="http://schemas.microsoft.com/office/drawing/2014/main" xmlns="" id="{BB1AA2BE-B537-254D-958A-FBAFDE7E90DC}"/>
               </a:ext>
             </a:extLst>
           </p:cNvPr>
@@ -7234,7 +7234,7 @@
           <p:cNvPr id="15" name="Footer Placeholder 3">
             <a:extLst>
               <a:ext uri="{FF2B5EF4-FFF2-40B4-BE49-F238E27FC236}">
-                <a16:creationId xmlns:a16="http://schemas.microsoft.com/office/drawing/2014/main" id="{DBA440F4-82E0-7E45-8A6F-4A8C7572AEE5}"/>
+                <a16:creationId xmlns:a16="http://schemas.microsoft.com/office/drawing/2014/main" xmlns="" id="{DBA440F4-82E0-7E45-8A6F-4A8C7572AEE5}"/>
               </a:ext>
             </a:extLst>
           </p:cNvPr>
@@ -7293,7 +7293,7 @@
           <p:cNvPr id="16" name="Slide Number Placeholder 5">
             <a:extLst>
               <a:ext uri="{FF2B5EF4-FFF2-40B4-BE49-F238E27FC236}">
-                <a16:creationId xmlns:a16="http://schemas.microsoft.com/office/drawing/2014/main" id="{2D9636C8-FF6B-E141-B9E1-70C7091B23B1}"/>
+                <a16:creationId xmlns:a16="http://schemas.microsoft.com/office/drawing/2014/main" xmlns="" id="{2D9636C8-FF6B-E141-B9E1-70C7091B23B1}"/>
               </a:ext>
             </a:extLst>
           </p:cNvPr>
@@ -7660,7 +7660,7 @@
   </p:txStyles>
   <p:extLst mod="1">
     <p:ext uri="{27BBF7A9-308A-43DC-89C8-2F10F3537804}">
-      <p15:sldGuideLst xmlns:p15="http://schemas.microsoft.com/office/powerpoint/2012/main">
+      <p15:sldGuideLst xmlns:p15="http://schemas.microsoft.com/office/powerpoint/2012/main" xmlns="">
         <p15:guide id="1" orient="horz" pos="2041">
           <p15:clr>
             <a:srgbClr val="F26B43"/>
@@ -7829,7 +7829,7 @@
           <a:graphicData uri="http://schemas.openxmlformats.org/presentationml/2006/ole">
             <mc:AlternateContent xmlns:mc="http://schemas.openxmlformats.org/markup-compatibility/2006">
               <mc:Choice xmlns:v="urn:schemas-microsoft-com:vml" Requires="v">
-                <p:oleObj spid="_x0000_s36897" name="think-cell Slide" r:id="rId10" imgW="216" imgH="216" progId="TCLayout.ActiveDocument.1">
+                <p:oleObj spid="_x0000_s36899" name="think-cell Slide" r:id="rId10" imgW="216" imgH="216" progId="TCLayout.ActiveDocument.1">
                   <p:embed/>
                 </p:oleObj>
               </mc:Choice>
@@ -7949,7 +7949,7 @@
           <p:cNvPr id="10" name="Straight Connector 9">
             <a:extLst>
               <a:ext uri="{FF2B5EF4-FFF2-40B4-BE49-F238E27FC236}">
-                <a16:creationId xmlns:a16="http://schemas.microsoft.com/office/drawing/2014/main" id="{BB1AA2BE-B537-254D-958A-FBAFDE7E90DC}"/>
+                <a16:creationId xmlns:a16="http://schemas.microsoft.com/office/drawing/2014/main" xmlns="" id="{BB1AA2BE-B537-254D-958A-FBAFDE7E90DC}"/>
               </a:ext>
             </a:extLst>
           </p:cNvPr>
@@ -7992,7 +7992,7 @@
           <p:cNvPr id="15" name="Footer Placeholder 3">
             <a:extLst>
               <a:ext uri="{FF2B5EF4-FFF2-40B4-BE49-F238E27FC236}">
-                <a16:creationId xmlns:a16="http://schemas.microsoft.com/office/drawing/2014/main" id="{DBA440F4-82E0-7E45-8A6F-4A8C7572AEE5}"/>
+                <a16:creationId xmlns:a16="http://schemas.microsoft.com/office/drawing/2014/main" xmlns="" id="{DBA440F4-82E0-7E45-8A6F-4A8C7572AEE5}"/>
               </a:ext>
             </a:extLst>
           </p:cNvPr>
@@ -8051,7 +8051,7 @@
           <p:cNvPr id="16" name="Slide Number Placeholder 5">
             <a:extLst>
               <a:ext uri="{FF2B5EF4-FFF2-40B4-BE49-F238E27FC236}">
-                <a16:creationId xmlns:a16="http://schemas.microsoft.com/office/drawing/2014/main" id="{2D9636C8-FF6B-E141-B9E1-70C7091B23B1}"/>
+                <a16:creationId xmlns:a16="http://schemas.microsoft.com/office/drawing/2014/main" xmlns="" id="{2D9636C8-FF6B-E141-B9E1-70C7091B23B1}"/>
               </a:ext>
             </a:extLst>
           </p:cNvPr>
@@ -8418,7 +8418,7 @@
   </p:txStyles>
   <p:extLst mod="1">
     <p:ext uri="{27BBF7A9-308A-43DC-89C8-2F10F3537804}">
-      <p15:sldGuideLst xmlns:p15="http://schemas.microsoft.com/office/powerpoint/2012/main">
+      <p15:sldGuideLst xmlns:p15="http://schemas.microsoft.com/office/powerpoint/2012/main" xmlns="">
         <p15:guide id="1" orient="horz" pos="2041">
           <p15:clr>
             <a:srgbClr val="F26B43"/>
@@ -8582,7 +8582,7 @@
           <a:graphicData uri="http://schemas.openxmlformats.org/presentationml/2006/ole">
             <mc:AlternateContent xmlns:mc="http://schemas.openxmlformats.org/markup-compatibility/2006">
               <mc:Choice xmlns:v="urn:schemas-microsoft-com:vml" Requires="v">
-                <p:oleObj spid="_x0000_s42024" name="think-cell Slide" r:id="rId5" imgW="416" imgH="416" progId="TCLayout.ActiveDocument.1">
+                <p:oleObj spid="_x0000_s42026" name="think-cell Slide" r:id="rId5" imgW="416" imgH="416" progId="TCLayout.ActiveDocument.1">
                   <p:embed/>
                 </p:oleObj>
               </mc:Choice>
@@ -8993,7 +8993,7 @@
         </p:nvGraphicFramePr>
         <p:xfrm>
           <a:off x="539750" y="1131428"/>
-          <a:ext cx="11064875" cy="4616229"/>
+          <a:ext cx="11064875" cy="4684793"/>
         </p:xfrm>
         <a:graphic>
           <a:graphicData uri="http://schemas.openxmlformats.org/drawingml/2006/table">
@@ -9005,35 +9005,35 @@
                 <a:gridCol w="1624339">
                   <a:extLst>
                     <a:ext uri="{9D8B030D-6E8A-4147-A177-3AD203B41FA5}">
-                      <a16:colId xmlns:a16="http://schemas.microsoft.com/office/drawing/2014/main" val="1228268629"/>
+                      <a16:colId xmlns:a16="http://schemas.microsoft.com/office/drawing/2014/main" xmlns="" val="1228268629"/>
                     </a:ext>
                   </a:extLst>
                 </a:gridCol>
                 <a:gridCol w="267612">
                   <a:extLst>
                     <a:ext uri="{9D8B030D-6E8A-4147-A177-3AD203B41FA5}">
-                      <a16:colId xmlns:a16="http://schemas.microsoft.com/office/drawing/2014/main" val="4045974056"/>
+                      <a16:colId xmlns:a16="http://schemas.microsoft.com/office/drawing/2014/main" xmlns="" val="4045974056"/>
                     </a:ext>
                   </a:extLst>
                 </a:gridCol>
                 <a:gridCol w="2240783">
                   <a:extLst>
                     <a:ext uri="{9D8B030D-6E8A-4147-A177-3AD203B41FA5}">
-                      <a16:colId xmlns:a16="http://schemas.microsoft.com/office/drawing/2014/main" val="2983289087"/>
+                      <a16:colId xmlns:a16="http://schemas.microsoft.com/office/drawing/2014/main" xmlns="" val="2983289087"/>
                     </a:ext>
                   </a:extLst>
                 </a:gridCol>
                 <a:gridCol w="3154881">
                   <a:extLst>
                     <a:ext uri="{9D8B030D-6E8A-4147-A177-3AD203B41FA5}">
-                      <a16:colId xmlns:a16="http://schemas.microsoft.com/office/drawing/2014/main" val="2462729159"/>
+                      <a16:colId xmlns:a16="http://schemas.microsoft.com/office/drawing/2014/main" xmlns="" val="2462729159"/>
                     </a:ext>
                   </a:extLst>
                 </a:gridCol>
                 <a:gridCol w="3777260">
                   <a:extLst>
                     <a:ext uri="{9D8B030D-6E8A-4147-A177-3AD203B41FA5}">
-                      <a16:colId xmlns:a16="http://schemas.microsoft.com/office/drawing/2014/main" val="988664389"/>
+                      <a16:colId xmlns:a16="http://schemas.microsoft.com/office/drawing/2014/main" xmlns="" val="988664389"/>
                     </a:ext>
                   </a:extLst>
                 </a:gridCol>
@@ -9173,7 +9173,7 @@
                 </a:tc>
                 <a:extLst>
                   <a:ext uri="{0D108BD9-81ED-4DB2-BD59-A6C34878D82A}">
-                    <a16:rowId xmlns:a16="http://schemas.microsoft.com/office/drawing/2014/main" val="1879564901"/>
+                    <a16:rowId xmlns:a16="http://schemas.microsoft.com/office/drawing/2014/main" xmlns="" val="1879564901"/>
                   </a:ext>
                 </a:extLst>
               </a:tr>
@@ -9403,7 +9403,7 @@
                 </a:tc>
                 <a:extLst>
                   <a:ext uri="{0D108BD9-81ED-4DB2-BD59-A6C34878D82A}">
-                    <a16:rowId xmlns:a16="http://schemas.microsoft.com/office/drawing/2014/main" val="359195167"/>
+                    <a16:rowId xmlns:a16="http://schemas.microsoft.com/office/drawing/2014/main" xmlns="" val="359195167"/>
                   </a:ext>
                 </a:extLst>
               </a:tr>
@@ -9598,7 +9598,7 @@
                 </a:tc>
                 <a:extLst>
                   <a:ext uri="{0D108BD9-81ED-4DB2-BD59-A6C34878D82A}">
-                    <a16:rowId xmlns:a16="http://schemas.microsoft.com/office/drawing/2014/main" val="3410534524"/>
+                    <a16:rowId xmlns:a16="http://schemas.microsoft.com/office/drawing/2014/main" xmlns="" val="3410534524"/>
                   </a:ext>
                 </a:extLst>
               </a:tr>
@@ -9790,7 +9790,7 @@
                 </a:tc>
                 <a:extLst>
                   <a:ext uri="{0D108BD9-81ED-4DB2-BD59-A6C34878D82A}">
-                    <a16:rowId xmlns:a16="http://schemas.microsoft.com/office/drawing/2014/main" val="816610406"/>
+                    <a16:rowId xmlns:a16="http://schemas.microsoft.com/office/drawing/2014/main" xmlns="" val="816610406"/>
                   </a:ext>
                 </a:extLst>
               </a:tr>
@@ -10019,7 +10019,7 @@
                 </a:tc>
                 <a:extLst>
                   <a:ext uri="{0D108BD9-81ED-4DB2-BD59-A6C34878D82A}">
-                    <a16:rowId xmlns:a16="http://schemas.microsoft.com/office/drawing/2014/main" val="3742758418"/>
+                    <a16:rowId xmlns:a16="http://schemas.microsoft.com/office/drawing/2014/main" xmlns="" val="3742758418"/>
                   </a:ext>
                 </a:extLst>
               </a:tr>
@@ -10225,7 +10225,7 @@
                 </a:tc>
                 <a:extLst>
                   <a:ext uri="{0D108BD9-81ED-4DB2-BD59-A6C34878D82A}">
-                    <a16:rowId xmlns:a16="http://schemas.microsoft.com/office/drawing/2014/main" val="628591838"/>
+                    <a16:rowId xmlns:a16="http://schemas.microsoft.com/office/drawing/2014/main" xmlns="" val="628591838"/>
                   </a:ext>
                 </a:extLst>
               </a:tr>
@@ -10420,7 +10420,7 @@
                 </a:tc>
                 <a:extLst>
                   <a:ext uri="{0D108BD9-81ED-4DB2-BD59-A6C34878D82A}">
-                    <a16:rowId xmlns:a16="http://schemas.microsoft.com/office/drawing/2014/main" val="1485137538"/>
+                    <a16:rowId xmlns:a16="http://schemas.microsoft.com/office/drawing/2014/main" xmlns="" val="1485137538"/>
                   </a:ext>
                 </a:extLst>
               </a:tr>
@@ -10640,7 +10640,7 @@
                 </a:tc>
                 <a:extLst>
                   <a:ext uri="{0D108BD9-81ED-4DB2-BD59-A6C34878D82A}">
-                    <a16:rowId xmlns:a16="http://schemas.microsoft.com/office/drawing/2014/main" val="1220343380"/>
+                    <a16:rowId xmlns:a16="http://schemas.microsoft.com/office/drawing/2014/main" xmlns="" val="1220343380"/>
                   </a:ext>
                 </a:extLst>
               </a:tr>
@@ -10983,7 +10983,7 @@
                 <a:gridCol w="11048531">
                   <a:extLst>
                     <a:ext uri="{9D8B030D-6E8A-4147-A177-3AD203B41FA5}">
-                      <a16:colId xmlns:a16="http://schemas.microsoft.com/office/drawing/2014/main" val="1357581311"/>
+                      <a16:colId xmlns:a16="http://schemas.microsoft.com/office/drawing/2014/main" xmlns="" val="1357581311"/>
                     </a:ext>
                   </a:extLst>
                 </a:gridCol>
@@ -11070,7 +11070,7 @@
                 </a:tc>
                 <a:extLst>
                   <a:ext uri="{0D108BD9-81ED-4DB2-BD59-A6C34878D82A}">
-                    <a16:rowId xmlns:a16="http://schemas.microsoft.com/office/drawing/2014/main" val="3203583067"/>
+                    <a16:rowId xmlns:a16="http://schemas.microsoft.com/office/drawing/2014/main" xmlns="" val="3203583067"/>
                   </a:ext>
                 </a:extLst>
               </a:tr>
@@ -11106,21 +11106,21 @@
                 <a:gridCol w="3682842">
                   <a:extLst>
                     <a:ext uri="{9D8B030D-6E8A-4147-A177-3AD203B41FA5}">
-                      <a16:colId xmlns:a16="http://schemas.microsoft.com/office/drawing/2014/main" val="1109671872"/>
+                      <a16:colId xmlns:a16="http://schemas.microsoft.com/office/drawing/2014/main" xmlns="" val="1109671872"/>
                     </a:ext>
                   </a:extLst>
                 </a:gridCol>
                 <a:gridCol w="3682842">
                   <a:extLst>
                     <a:ext uri="{9D8B030D-6E8A-4147-A177-3AD203B41FA5}">
-                      <a16:colId xmlns:a16="http://schemas.microsoft.com/office/drawing/2014/main" val="390604985"/>
+                      <a16:colId xmlns:a16="http://schemas.microsoft.com/office/drawing/2014/main" xmlns="" val="390604985"/>
                     </a:ext>
                   </a:extLst>
                 </a:gridCol>
                 <a:gridCol w="3682842">
                   <a:extLst>
                     <a:ext uri="{9D8B030D-6E8A-4147-A177-3AD203B41FA5}">
-                      <a16:colId xmlns:a16="http://schemas.microsoft.com/office/drawing/2014/main" val="3548678291"/>
+                      <a16:colId xmlns:a16="http://schemas.microsoft.com/office/drawing/2014/main" xmlns="" val="3548678291"/>
                     </a:ext>
                   </a:extLst>
                 </a:gridCol>
@@ -11230,7 +11230,7 @@
                 </a:tc>
                 <a:extLst>
                   <a:ext uri="{0D108BD9-81ED-4DB2-BD59-A6C34878D82A}">
-                    <a16:rowId xmlns:a16="http://schemas.microsoft.com/office/drawing/2014/main" val="2826780448"/>
+                    <a16:rowId xmlns:a16="http://schemas.microsoft.com/office/drawing/2014/main" xmlns="" val="2826780448"/>
                   </a:ext>
                 </a:extLst>
               </a:tr>
@@ -11340,7 +11340,7 @@
                 </a:tc>
                 <a:extLst>
                   <a:ext uri="{0D108BD9-81ED-4DB2-BD59-A6C34878D82A}">
-                    <a16:rowId xmlns:a16="http://schemas.microsoft.com/office/drawing/2014/main" val="2074693909"/>
+                    <a16:rowId xmlns:a16="http://schemas.microsoft.com/office/drawing/2014/main" xmlns="" val="2074693909"/>
                   </a:ext>
                 </a:extLst>
               </a:tr>
@@ -11450,7 +11450,7 @@
                 </a:tc>
                 <a:extLst>
                   <a:ext uri="{0D108BD9-81ED-4DB2-BD59-A6C34878D82A}">
-                    <a16:rowId xmlns:a16="http://schemas.microsoft.com/office/drawing/2014/main" val="3442556936"/>
+                    <a16:rowId xmlns:a16="http://schemas.microsoft.com/office/drawing/2014/main" xmlns="" val="3442556936"/>
                   </a:ext>
                 </a:extLst>
               </a:tr>
@@ -11486,63 +11486,63 @@
                 <a:gridCol w="2953610">
                   <a:extLst>
                     <a:ext uri="{9D8B030D-6E8A-4147-A177-3AD203B41FA5}">
-                      <a16:colId xmlns:a16="http://schemas.microsoft.com/office/drawing/2014/main" val="4105844897"/>
+                      <a16:colId xmlns:a16="http://schemas.microsoft.com/office/drawing/2014/main" xmlns="" val="4105844897"/>
                     </a:ext>
                   </a:extLst>
                 </a:gridCol>
                 <a:gridCol w="1105271">
                   <a:extLst>
                     <a:ext uri="{9D8B030D-6E8A-4147-A177-3AD203B41FA5}">
-                      <a16:colId xmlns:a16="http://schemas.microsoft.com/office/drawing/2014/main" val="4142034472"/>
+                      <a16:colId xmlns:a16="http://schemas.microsoft.com/office/drawing/2014/main" xmlns="" val="4142034472"/>
                     </a:ext>
                   </a:extLst>
                 </a:gridCol>
                 <a:gridCol w="1154475">
                   <a:extLst>
                     <a:ext uri="{9D8B030D-6E8A-4147-A177-3AD203B41FA5}">
-                      <a16:colId xmlns:a16="http://schemas.microsoft.com/office/drawing/2014/main" val="2076643704"/>
+                      <a16:colId xmlns:a16="http://schemas.microsoft.com/office/drawing/2014/main" xmlns="" val="2076643704"/>
                     </a:ext>
                   </a:extLst>
                 </a:gridCol>
                 <a:gridCol w="845952">
                   <a:extLst>
                     <a:ext uri="{9D8B030D-6E8A-4147-A177-3AD203B41FA5}">
-                      <a16:colId xmlns:a16="http://schemas.microsoft.com/office/drawing/2014/main" val="3774860856"/>
+                      <a16:colId xmlns:a16="http://schemas.microsoft.com/office/drawing/2014/main" xmlns="" val="3774860856"/>
                     </a:ext>
                   </a:extLst>
                 </a:gridCol>
                 <a:gridCol w="1333618">
                   <a:extLst>
                     <a:ext uri="{9D8B030D-6E8A-4147-A177-3AD203B41FA5}">
-                      <a16:colId xmlns:a16="http://schemas.microsoft.com/office/drawing/2014/main" val="690038618"/>
+                      <a16:colId xmlns:a16="http://schemas.microsoft.com/office/drawing/2014/main" xmlns="" val="690038618"/>
                     </a:ext>
                   </a:extLst>
                 </a:gridCol>
                 <a:gridCol w="1084809">
                   <a:extLst>
                     <a:ext uri="{9D8B030D-6E8A-4147-A177-3AD203B41FA5}">
-                      <a16:colId xmlns:a16="http://schemas.microsoft.com/office/drawing/2014/main" val="1887439424"/>
+                      <a16:colId xmlns:a16="http://schemas.microsoft.com/office/drawing/2014/main" xmlns="" val="1887439424"/>
                     </a:ext>
                   </a:extLst>
                 </a:gridCol>
                 <a:gridCol w="1232630">
                   <a:extLst>
                     <a:ext uri="{9D8B030D-6E8A-4147-A177-3AD203B41FA5}">
-                      <a16:colId xmlns:a16="http://schemas.microsoft.com/office/drawing/2014/main" val="2633607910"/>
+                      <a16:colId xmlns:a16="http://schemas.microsoft.com/office/drawing/2014/main" xmlns="" val="2633607910"/>
                     </a:ext>
                   </a:extLst>
                 </a:gridCol>
                 <a:gridCol w="128127">
                   <a:extLst>
                     <a:ext uri="{9D8B030D-6E8A-4147-A177-3AD203B41FA5}">
-                      <a16:colId xmlns:a16="http://schemas.microsoft.com/office/drawing/2014/main" val="127337333"/>
+                      <a16:colId xmlns:a16="http://schemas.microsoft.com/office/drawing/2014/main" xmlns="" val="127337333"/>
                     </a:ext>
                   </a:extLst>
                 </a:gridCol>
                 <a:gridCol w="1211260">
                   <a:extLst>
                     <a:ext uri="{9D8B030D-6E8A-4147-A177-3AD203B41FA5}">
-                      <a16:colId xmlns:a16="http://schemas.microsoft.com/office/drawing/2014/main" val="270941094"/>
+                      <a16:colId xmlns:a16="http://schemas.microsoft.com/office/drawing/2014/main" xmlns="" val="270941094"/>
                     </a:ext>
                   </a:extLst>
                 </a:gridCol>
@@ -12001,7 +12001,7 @@
                 </a:tc>
                 <a:extLst>
                   <a:ext uri="{0D108BD9-81ED-4DB2-BD59-A6C34878D82A}">
-                    <a16:rowId xmlns:a16="http://schemas.microsoft.com/office/drawing/2014/main" val="2703049425"/>
+                    <a16:rowId xmlns:a16="http://schemas.microsoft.com/office/drawing/2014/main" xmlns="" val="2703049425"/>
                   </a:ext>
                 </a:extLst>
               </a:tr>
@@ -12470,7 +12470,7 @@
                 </a:tc>
                 <a:extLst>
                   <a:ext uri="{0D108BD9-81ED-4DB2-BD59-A6C34878D82A}">
-                    <a16:rowId xmlns:a16="http://schemas.microsoft.com/office/drawing/2014/main" val="741824064"/>
+                    <a16:rowId xmlns:a16="http://schemas.microsoft.com/office/drawing/2014/main" xmlns="" val="741824064"/>
                   </a:ext>
                 </a:extLst>
               </a:tr>
@@ -12989,7 +12989,7 @@
                 </a:tc>
                 <a:extLst>
                   <a:ext uri="{0D108BD9-81ED-4DB2-BD59-A6C34878D82A}">
-                    <a16:rowId xmlns:a16="http://schemas.microsoft.com/office/drawing/2014/main" val="3076205638"/>
+                    <a16:rowId xmlns:a16="http://schemas.microsoft.com/office/drawing/2014/main" xmlns="" val="3076205638"/>
                   </a:ext>
                 </a:extLst>
               </a:tr>
@@ -13507,7 +13507,7 @@
                 </a:tc>
                 <a:extLst>
                   <a:ext uri="{0D108BD9-81ED-4DB2-BD59-A6C34878D82A}">
-                    <a16:rowId xmlns:a16="http://schemas.microsoft.com/office/drawing/2014/main" val="2309071906"/>
+                    <a16:rowId xmlns:a16="http://schemas.microsoft.com/office/drawing/2014/main" xmlns="" val="2309071906"/>
                   </a:ext>
                 </a:extLst>
               </a:tr>
@@ -13543,7 +13543,7 @@
                 <a:gridCol w="11048534">
                   <a:extLst>
                     <a:ext uri="{9D8B030D-6E8A-4147-A177-3AD203B41FA5}">
-                      <a16:colId xmlns:a16="http://schemas.microsoft.com/office/drawing/2014/main" val="1357581311"/>
+                      <a16:colId xmlns:a16="http://schemas.microsoft.com/office/drawing/2014/main" xmlns="" val="1357581311"/>
                     </a:ext>
                   </a:extLst>
                 </a:gridCol>
@@ -13630,7 +13630,7 @@
                 </a:tc>
                 <a:extLst>
                   <a:ext uri="{0D108BD9-81ED-4DB2-BD59-A6C34878D82A}">
-                    <a16:rowId xmlns:a16="http://schemas.microsoft.com/office/drawing/2014/main" val="3203583067"/>
+                    <a16:rowId xmlns:a16="http://schemas.microsoft.com/office/drawing/2014/main" xmlns="" val="3203583067"/>
                   </a:ext>
                 </a:extLst>
               </a:tr>
@@ -13873,66 +13873,6 @@
       </p:sp>
       <p:sp>
         <p:nvSpPr>
-          <p:cNvPr id="3" name="TextBox 2"/>
-          <p:cNvSpPr txBox="1"/>
-          <p:nvPr/>
-        </p:nvSpPr>
-        <p:spPr>
-          <a:xfrm>
-            <a:off x="4493785" y="3758524"/>
-            <a:ext cx="3171189" cy="369332"/>
-          </a:xfrm>
-          <a:prstGeom prst="rect">
-            <a:avLst/>
-          </a:prstGeom>
-          <a:noFill/>
-        </p:spPr>
-        <p:txBody>
-          <a:bodyPr wrap="none" rtlCol="0">
-            <a:spAutoFit/>
-          </a:bodyPr>
-          <a:lstStyle/>
-          <a:p>
-            <a:pPr defTabSz="813898"/>
-            <a:r>
-              <a:rPr lang="zh-CN" altLang="en-US" dirty="0" smtClean="0">
-                <a:cs typeface="+mn-ea"/>
-                <a:sym typeface="+mn-lt"/>
-              </a:rPr>
-              <a:t>请提供</a:t>
-            </a:r>
-            <a:r>
-              <a:rPr lang="en-US" altLang="zh-CN" spc="-9" dirty="0">
-                <a:solidFill>
-                  <a:srgbClr val="232323"/>
-                </a:solidFill>
-                <a:cs typeface="+mn-ea"/>
-                <a:sym typeface="+mn-lt"/>
-              </a:rPr>
-              <a:t>DCP</a:t>
-            </a:r>
-            <a:r>
-              <a:rPr lang="zh-CN" altLang="en-US" spc="-9" dirty="0">
-                <a:solidFill>
-                  <a:srgbClr val="232323"/>
-                </a:solidFill>
-                <a:cs typeface="+mn-ea"/>
-                <a:sym typeface="+mn-lt"/>
-              </a:rPr>
-              <a:t>导出活动线索报告</a:t>
-            </a:r>
-            <a:endParaRPr lang="en-US" spc="-9" dirty="0">
-              <a:solidFill>
-                <a:srgbClr val="232323"/>
-              </a:solidFill>
-              <a:cs typeface="+mn-ea"/>
-              <a:sym typeface="+mn-lt"/>
-            </a:endParaRPr>
-          </a:p>
-        </p:txBody>
-      </p:sp>
-      <p:sp>
-        <p:nvSpPr>
           <p:cNvPr id="7" name="Footer Placeholder 3"/>
           <p:cNvSpPr txBox="1">
             <a:spLocks/>
@@ -14092,6 +14032,7309 @@
           </a:p>
         </p:txBody>
       </p:sp>
+      <p:graphicFrame>
+        <p:nvGraphicFramePr>
+          <p:cNvPr id="11" name="Chart Placeholder 18"/>
+          <p:cNvGraphicFramePr>
+            <a:graphicFrameLocks/>
+          </p:cNvGraphicFramePr>
+          <p:nvPr>
+            <p:extLst>
+              <p:ext uri="{D42A27DB-BD31-4B8C-83A1-F6EECF244321}">
+                <p14:modId xmlns:p14="http://schemas.microsoft.com/office/powerpoint/2010/main" val="737677086"/>
+              </p:ext>
+            </p:extLst>
+          </p:nvPr>
+        </p:nvGraphicFramePr>
+        <p:xfrm>
+          <a:off x="539750" y="1254424"/>
+          <a:ext cx="11079996" cy="5192358"/>
+        </p:xfrm>
+        <a:graphic>
+          <a:graphicData uri="http://schemas.openxmlformats.org/drawingml/2006/table">
+            <a:tbl>
+              <a:tblPr firstRow="1" bandRow="1">
+                <a:tableStyleId>{5C22544A-7EE6-4342-B048-85BDC9FD1C3A}</a:tableStyleId>
+              </a:tblPr>
+              <a:tblGrid>
+                <a:gridCol w="1450058">
+                  <a:extLst>
+                    <a:ext uri="{9D8B030D-6E8A-4147-A177-3AD203B41FA5}">
+                      <a16:colId xmlns:a16="http://schemas.microsoft.com/office/drawing/2014/main" xmlns="" val="20000"/>
+                    </a:ext>
+                  </a:extLst>
+                </a:gridCol>
+                <a:gridCol w="1181231"/>
+                <a:gridCol w="1392572">
+                  <a:extLst>
+                    <a:ext uri="{9D8B030D-6E8A-4147-A177-3AD203B41FA5}">
+                      <a16:colId xmlns:a16="http://schemas.microsoft.com/office/drawing/2014/main" xmlns="" val="20001"/>
+                    </a:ext>
+                  </a:extLst>
+                </a:gridCol>
+                <a:gridCol w="1199628"/>
+                <a:gridCol w="1710206"/>
+                <a:gridCol w="1502775"/>
+                <a:gridCol w="1065555"/>
+                <a:gridCol w="1577971"/>
+              </a:tblGrid>
+              <a:tr h="441918">
+                <a:tc>
+                  <a:txBody>
+                    <a:bodyPr/>
+                    <a:lstStyle/>
+                    <a:p>
+                      <a:pPr marL="0" algn="ctr" defTabSz="685792" rtl="0" eaLnBrk="1" latinLnBrk="0" hangingPunct="1">
+                        <a:lnSpc>
+                          <a:spcPct val="130000"/>
+                        </a:lnSpc>
+                      </a:pPr>
+                      <a:r>
+                        <a:rPr lang="zh-CN" altLang="en-US" sz="1602" b="1" kern="1200" dirty="0" smtClean="0">
+                          <a:solidFill>
+                            <a:schemeClr val="lt1"/>
+                          </a:solidFill>
+                          <a:latin typeface="+mn-lt"/>
+                          <a:ea typeface="+mn-ea"/>
+                          <a:cs typeface="+mn-cs"/>
+                        </a:rPr>
+                        <a:t>顾客姓名</a:t>
+                      </a:r>
+                      <a:endParaRPr lang="zh-CN" altLang="en-US" sz="1400" b="1" kern="1200" dirty="0">
+                        <a:solidFill>
+                          <a:schemeClr val="lt1"/>
+                        </a:solidFill>
+                        <a:latin typeface="+mn-lt"/>
+                        <a:ea typeface="+mn-ea"/>
+                        <a:cs typeface="+mn-ea"/>
+                        <a:sym typeface="+mn-lt"/>
+                      </a:endParaRPr>
+                    </a:p>
+                  </a:txBody>
+                  <a:tcPr marL="108522" marR="108522" marT="54261" marB="54261" anchor="ctr">
+                    <a:lnL w="57150" cap="flat" cmpd="sng" algn="ctr">
+                      <a:noFill/>
+                      <a:prstDash val="solid"/>
+                      <a:round/>
+                      <a:headEnd type="none" w="med" len="med"/>
+                      <a:tailEnd type="none" w="med" len="med"/>
+                    </a:lnL>
+                    <a:lnR w="12700" cap="flat" cmpd="sng" algn="ctr">
+                      <a:solidFill>
+                        <a:schemeClr val="bg1"/>
+                      </a:solidFill>
+                      <a:prstDash val="solid"/>
+                      <a:round/>
+                      <a:headEnd type="none" w="med" len="med"/>
+                      <a:tailEnd type="none" w="med" len="med"/>
+                    </a:lnR>
+                    <a:lnT w="38100" cap="flat" cmpd="sng" algn="ctr">
+                      <a:noFill/>
+                      <a:prstDash val="solid"/>
+                      <a:round/>
+                      <a:headEnd type="none" w="med" len="med"/>
+                      <a:tailEnd type="none" w="med" len="med"/>
+                    </a:lnT>
+                    <a:lnB w="6350" cap="flat" cmpd="sng" algn="ctr">
+                      <a:noFill/>
+                      <a:prstDash val="solid"/>
+                      <a:round/>
+                      <a:headEnd type="none" w="med" len="med"/>
+                      <a:tailEnd type="none" w="med" len="med"/>
+                    </a:lnB>
+                    <a:lnTlToBr w="12700" cmpd="sng">
+                      <a:noFill/>
+                      <a:prstDash val="solid"/>
+                    </a:lnTlToBr>
+                    <a:lnBlToTr w="12700" cmpd="sng">
+                      <a:noFill/>
+                      <a:prstDash val="solid"/>
+                    </a:lnBlToTr>
+                    <a:solidFill>
+                      <a:schemeClr val="accent1">
+                        <a:lumMod val="50000"/>
+                      </a:schemeClr>
+                    </a:solidFill>
+                  </a:tcPr>
+                </a:tc>
+                <a:tc>
+                  <a:txBody>
+                    <a:bodyPr/>
+                    <a:lstStyle/>
+                    <a:p>
+                      <a:pPr marL="0" algn="ctr" defTabSz="685792" rtl="0" eaLnBrk="1" latinLnBrk="0" hangingPunct="1">
+                        <a:lnSpc>
+                          <a:spcPct val="130000"/>
+                        </a:lnSpc>
+                      </a:pPr>
+                      <a:r>
+                        <a:rPr lang="en-US" altLang="zh-CN" sz="1400" b="1" kern="1200" dirty="0" smtClean="0">
+                          <a:solidFill>
+                            <a:schemeClr val="lt1"/>
+                          </a:solidFill>
+                          <a:latin typeface="+mn-lt"/>
+                          <a:ea typeface="+mn-ea"/>
+                          <a:cs typeface="+mn-ea"/>
+                          <a:sym typeface="+mn-lt"/>
+                        </a:rPr>
+                        <a:t>BP</a:t>
+                      </a:r>
+                      <a:r>
+                        <a:rPr lang="zh-CN" altLang="en-US" sz="1400" b="1" kern="1200" dirty="0" smtClean="0">
+                          <a:solidFill>
+                            <a:schemeClr val="lt1"/>
+                          </a:solidFill>
+                          <a:latin typeface="+mn-lt"/>
+                          <a:ea typeface="+mn-ea"/>
+                          <a:cs typeface="+mn-ea"/>
+                          <a:sym typeface="+mn-lt"/>
+                        </a:rPr>
+                        <a:t>号</a:t>
+                      </a:r>
+                      <a:endParaRPr lang="zh-CN" altLang="en-US" sz="1400" b="1" kern="1200" dirty="0">
+                        <a:solidFill>
+                          <a:schemeClr val="lt1"/>
+                        </a:solidFill>
+                        <a:latin typeface="+mn-lt"/>
+                        <a:ea typeface="+mn-ea"/>
+                        <a:cs typeface="+mn-ea"/>
+                        <a:sym typeface="+mn-lt"/>
+                      </a:endParaRPr>
+                    </a:p>
+                  </a:txBody>
+                  <a:tcPr marL="108522" marR="108522" marT="54261" marB="54261" anchor="ctr">
+                    <a:lnL w="12700" cap="flat" cmpd="sng" algn="ctr">
+                      <a:solidFill>
+                        <a:schemeClr val="bg1"/>
+                      </a:solidFill>
+                      <a:prstDash val="solid"/>
+                      <a:round/>
+                      <a:headEnd type="none" w="med" len="med"/>
+                      <a:tailEnd type="none" w="med" len="med"/>
+                    </a:lnL>
+                    <a:lnR w="12700" cap="flat" cmpd="sng" algn="ctr">
+                      <a:solidFill>
+                        <a:schemeClr val="bg1"/>
+                      </a:solidFill>
+                      <a:prstDash val="solid"/>
+                      <a:round/>
+                      <a:headEnd type="none" w="med" len="med"/>
+                      <a:tailEnd type="none" w="med" len="med"/>
+                    </a:lnR>
+                    <a:lnT w="38100" cap="flat" cmpd="sng" algn="ctr">
+                      <a:noFill/>
+                      <a:prstDash val="solid"/>
+                      <a:round/>
+                      <a:headEnd type="none" w="med" len="med"/>
+                      <a:tailEnd type="none" w="med" len="med"/>
+                    </a:lnT>
+                    <a:lnB w="6350" cap="flat" cmpd="sng" algn="ctr">
+                      <a:noFill/>
+                      <a:prstDash val="solid"/>
+                      <a:round/>
+                      <a:headEnd type="none" w="med" len="med"/>
+                      <a:tailEnd type="none" w="med" len="med"/>
+                    </a:lnB>
+                    <a:lnTlToBr w="12700" cmpd="sng">
+                      <a:noFill/>
+                      <a:prstDash val="solid"/>
+                    </a:lnTlToBr>
+                    <a:lnBlToTr w="12700" cmpd="sng">
+                      <a:noFill/>
+                      <a:prstDash val="solid"/>
+                    </a:lnBlToTr>
+                    <a:solidFill>
+                      <a:schemeClr val="accent1">
+                        <a:lumMod val="50000"/>
+                      </a:schemeClr>
+                    </a:solidFill>
+                  </a:tcPr>
+                </a:tc>
+                <a:tc>
+                  <a:txBody>
+                    <a:bodyPr/>
+                    <a:lstStyle/>
+                    <a:p>
+                      <a:pPr marL="0" algn="ctr" defTabSz="685792" rtl="0" eaLnBrk="1" latinLnBrk="0" hangingPunct="1">
+                        <a:lnSpc>
+                          <a:spcPct val="130000"/>
+                        </a:lnSpc>
+                      </a:pPr>
+                      <a:r>
+                        <a:rPr lang="zh-CN" altLang="en-US" sz="1602" b="1" kern="1200" dirty="0" smtClean="0">
+                          <a:solidFill>
+                            <a:schemeClr val="lt1"/>
+                          </a:solidFill>
+                          <a:latin typeface="+mn-lt"/>
+                          <a:ea typeface="+mn-ea"/>
+                          <a:cs typeface="+mn-cs"/>
+                          <a:sym typeface="+mn-lt"/>
+                        </a:rPr>
+                        <a:t>是否车主</a:t>
+                      </a:r>
+                      <a:endParaRPr lang="zh-CN" altLang="en-US" sz="1400" b="1" kern="1200" dirty="0">
+                        <a:solidFill>
+                          <a:schemeClr val="lt1"/>
+                        </a:solidFill>
+                        <a:latin typeface="+mn-lt"/>
+                        <a:ea typeface="+mn-ea"/>
+                        <a:cs typeface="+mn-ea"/>
+                        <a:sym typeface="+mn-lt"/>
+                      </a:endParaRPr>
+                    </a:p>
+                  </a:txBody>
+                  <a:tcPr marL="108522" marR="108522" marT="54261" marB="54261" anchor="ctr">
+                    <a:lnL w="12700" cap="flat" cmpd="sng" algn="ctr">
+                      <a:solidFill>
+                        <a:schemeClr val="bg1"/>
+                      </a:solidFill>
+                      <a:prstDash val="solid"/>
+                      <a:round/>
+                      <a:headEnd type="none" w="med" len="med"/>
+                      <a:tailEnd type="none" w="med" len="med"/>
+                    </a:lnL>
+                    <a:lnR w="12700" cap="flat" cmpd="sng" algn="ctr">
+                      <a:solidFill>
+                        <a:schemeClr val="bg1"/>
+                      </a:solidFill>
+                      <a:prstDash val="solid"/>
+                      <a:round/>
+                      <a:headEnd type="none" w="med" len="med"/>
+                      <a:tailEnd type="none" w="med" len="med"/>
+                    </a:lnR>
+                    <a:lnT w="38100" cap="flat" cmpd="sng" algn="ctr">
+                      <a:noFill/>
+                      <a:prstDash val="solid"/>
+                      <a:round/>
+                      <a:headEnd type="none" w="med" len="med"/>
+                      <a:tailEnd type="none" w="med" len="med"/>
+                    </a:lnT>
+                    <a:lnB w="6350" cap="flat" cmpd="sng" algn="ctr">
+                      <a:noFill/>
+                      <a:prstDash val="solid"/>
+                      <a:round/>
+                      <a:headEnd type="none" w="med" len="med"/>
+                      <a:tailEnd type="none" w="med" len="med"/>
+                    </a:lnB>
+                    <a:lnTlToBr w="12700" cmpd="sng">
+                      <a:noFill/>
+                      <a:prstDash val="solid"/>
+                    </a:lnTlToBr>
+                    <a:lnBlToTr w="12700" cmpd="sng">
+                      <a:noFill/>
+                      <a:prstDash val="solid"/>
+                    </a:lnBlToTr>
+                    <a:solidFill>
+                      <a:schemeClr val="accent1">
+                        <a:lumMod val="50000"/>
+                      </a:schemeClr>
+                    </a:solidFill>
+                  </a:tcPr>
+                </a:tc>
+                <a:tc>
+                  <a:txBody>
+                    <a:bodyPr/>
+                    <a:lstStyle/>
+                    <a:p>
+                      <a:pPr marL="0" algn="ctr" defTabSz="685792" rtl="0" eaLnBrk="1" latinLnBrk="0" hangingPunct="1">
+                        <a:lnSpc>
+                          <a:spcPct val="130000"/>
+                        </a:lnSpc>
+                      </a:pPr>
+                      <a:r>
+                        <a:rPr lang="zh-CN" altLang="en-US" sz="1602" b="1" kern="1200" dirty="0" smtClean="0">
+                          <a:solidFill>
+                            <a:schemeClr val="lt1"/>
+                          </a:solidFill>
+                          <a:latin typeface="+mn-lt"/>
+                          <a:ea typeface="+mn-ea"/>
+                          <a:cs typeface="+mn-cs"/>
+                        </a:rPr>
+                        <a:t>是否试</a:t>
+                      </a:r>
+                      <a:r>
+                        <a:rPr lang="zh-CN" altLang="en-US" sz="1602" b="1" kern="1200" dirty="0" smtClean="0">
+                          <a:solidFill>
+                            <a:schemeClr val="lt1"/>
+                          </a:solidFill>
+                          <a:latin typeface="+mn-lt"/>
+                          <a:ea typeface="+mn-ea"/>
+                          <a:cs typeface="+mn-cs"/>
+                        </a:rPr>
+                        <a:t>驾</a:t>
+                      </a:r>
+                      <a:endParaRPr lang="zh-CN" altLang="en-US" sz="1400" b="1" kern="1200" dirty="0">
+                        <a:solidFill>
+                          <a:schemeClr val="lt1"/>
+                        </a:solidFill>
+                        <a:latin typeface="+mn-lt"/>
+                        <a:ea typeface="+mn-ea"/>
+                        <a:cs typeface="+mn-ea"/>
+                        <a:sym typeface="+mn-lt"/>
+                      </a:endParaRPr>
+                    </a:p>
+                  </a:txBody>
+                  <a:tcPr marL="108522" marR="108522" marT="54261" marB="54261" anchor="ctr">
+                    <a:lnL w="12700" cap="flat" cmpd="sng" algn="ctr">
+                      <a:solidFill>
+                        <a:schemeClr val="bg1"/>
+                      </a:solidFill>
+                      <a:prstDash val="solid"/>
+                      <a:round/>
+                      <a:headEnd type="none" w="med" len="med"/>
+                      <a:tailEnd type="none" w="med" len="med"/>
+                    </a:lnL>
+                    <a:lnR w="12700" cap="flat" cmpd="sng" algn="ctr">
+                      <a:solidFill>
+                        <a:schemeClr val="bg1"/>
+                      </a:solidFill>
+                      <a:prstDash val="solid"/>
+                      <a:round/>
+                      <a:headEnd type="none" w="med" len="med"/>
+                      <a:tailEnd type="none" w="med" len="med"/>
+                    </a:lnR>
+                    <a:lnT w="38100" cap="flat" cmpd="sng" algn="ctr">
+                      <a:noFill/>
+                      <a:prstDash val="solid"/>
+                      <a:round/>
+                      <a:headEnd type="none" w="med" len="med"/>
+                      <a:tailEnd type="none" w="med" len="med"/>
+                    </a:lnT>
+                    <a:lnB w="6350" cap="flat" cmpd="sng" algn="ctr">
+                      <a:noFill/>
+                      <a:prstDash val="solid"/>
+                      <a:round/>
+                      <a:headEnd type="none" w="med" len="med"/>
+                      <a:tailEnd type="none" w="med" len="med"/>
+                    </a:lnB>
+                    <a:lnTlToBr w="12700" cmpd="sng">
+                      <a:noFill/>
+                      <a:prstDash val="solid"/>
+                    </a:lnTlToBr>
+                    <a:lnBlToTr w="12700" cmpd="sng">
+                      <a:noFill/>
+                      <a:prstDash val="solid"/>
+                    </a:lnBlToTr>
+                    <a:solidFill>
+                      <a:schemeClr val="accent1">
+                        <a:lumMod val="50000"/>
+                      </a:schemeClr>
+                    </a:solidFill>
+                  </a:tcPr>
+                </a:tc>
+                <a:tc>
+                  <a:txBody>
+                    <a:bodyPr/>
+                    <a:lstStyle/>
+                    <a:p>
+                      <a:pPr marL="0" algn="ctr" defTabSz="685792" rtl="0" eaLnBrk="1" latinLnBrk="0" hangingPunct="1">
+                        <a:lnSpc>
+                          <a:spcPct val="130000"/>
+                        </a:lnSpc>
+                      </a:pPr>
+                      <a:r>
+                        <a:rPr lang="zh-CN" altLang="en-US" sz="1400" b="1" kern="1200" dirty="0" smtClean="0">
+                          <a:solidFill>
+                            <a:schemeClr val="lt1"/>
+                          </a:solidFill>
+                          <a:latin typeface="+mn-lt"/>
+                          <a:ea typeface="+mn-ea"/>
+                          <a:cs typeface="+mn-ea"/>
+                          <a:sym typeface="+mn-lt"/>
+                        </a:rPr>
+                        <a:t>是否为线索</a:t>
+                      </a:r>
+                      <a:endParaRPr lang="zh-CN" altLang="en-US" sz="1400" b="1" kern="1200" dirty="0">
+                        <a:solidFill>
+                          <a:schemeClr val="lt1"/>
+                        </a:solidFill>
+                        <a:latin typeface="+mn-lt"/>
+                        <a:ea typeface="+mn-ea"/>
+                        <a:cs typeface="+mn-ea"/>
+                        <a:sym typeface="+mn-lt"/>
+                      </a:endParaRPr>
+                    </a:p>
+                  </a:txBody>
+                  <a:tcPr marL="108522" marR="108522" marT="54261" marB="54261" anchor="ctr">
+                    <a:lnL w="12700" cap="flat" cmpd="sng" algn="ctr">
+                      <a:solidFill>
+                        <a:schemeClr val="bg1"/>
+                      </a:solidFill>
+                      <a:prstDash val="solid"/>
+                      <a:round/>
+                      <a:headEnd type="none" w="med" len="med"/>
+                      <a:tailEnd type="none" w="med" len="med"/>
+                    </a:lnL>
+                    <a:lnR w="12700" cap="flat" cmpd="sng" algn="ctr">
+                      <a:solidFill>
+                        <a:schemeClr val="bg1"/>
+                      </a:solidFill>
+                      <a:prstDash val="solid"/>
+                      <a:round/>
+                      <a:headEnd type="none" w="med" len="med"/>
+                      <a:tailEnd type="none" w="med" len="med"/>
+                    </a:lnR>
+                    <a:lnT w="38100" cap="flat" cmpd="sng" algn="ctr">
+                      <a:noFill/>
+                      <a:prstDash val="solid"/>
+                      <a:round/>
+                      <a:headEnd type="none" w="med" len="med"/>
+                      <a:tailEnd type="none" w="med" len="med"/>
+                    </a:lnT>
+                    <a:lnB w="6350" cap="flat" cmpd="sng" algn="ctr">
+                      <a:noFill/>
+                      <a:prstDash val="solid"/>
+                      <a:round/>
+                      <a:headEnd type="none" w="med" len="med"/>
+                      <a:tailEnd type="none" w="med" len="med"/>
+                    </a:lnB>
+                    <a:lnTlToBr w="12700" cmpd="sng">
+                      <a:noFill/>
+                      <a:prstDash val="solid"/>
+                    </a:lnTlToBr>
+                    <a:lnBlToTr w="12700" cmpd="sng">
+                      <a:noFill/>
+                      <a:prstDash val="solid"/>
+                    </a:lnBlToTr>
+                    <a:solidFill>
+                      <a:schemeClr val="accent1">
+                        <a:lumMod val="50000"/>
+                      </a:schemeClr>
+                    </a:solidFill>
+                  </a:tcPr>
+                </a:tc>
+                <a:tc>
+                  <a:txBody>
+                    <a:bodyPr/>
+                    <a:lstStyle/>
+                    <a:p>
+                      <a:pPr marL="0" algn="ctr" defTabSz="685792" rtl="0" eaLnBrk="1" latinLnBrk="0" hangingPunct="1">
+                        <a:lnSpc>
+                          <a:spcPct val="130000"/>
+                        </a:lnSpc>
+                      </a:pPr>
+                      <a:r>
+                        <a:rPr lang="zh-CN" altLang="en-US" sz="1602" b="1" kern="1200" dirty="0" smtClean="0">
+                          <a:solidFill>
+                            <a:schemeClr val="lt1"/>
+                          </a:solidFill>
+                          <a:latin typeface="+mn-lt"/>
+                          <a:ea typeface="+mn-ea"/>
+                          <a:cs typeface="+mn-cs"/>
+                        </a:rPr>
+                        <a:t>感兴趣车型</a:t>
+                      </a:r>
+                      <a:endParaRPr lang="zh-CN" altLang="en-US" sz="1400" b="1" kern="1200" dirty="0">
+                        <a:solidFill>
+                          <a:schemeClr val="lt1"/>
+                        </a:solidFill>
+                        <a:latin typeface="+mn-lt"/>
+                        <a:ea typeface="+mn-ea"/>
+                        <a:cs typeface="+mn-ea"/>
+                        <a:sym typeface="+mn-lt"/>
+                      </a:endParaRPr>
+                    </a:p>
+                  </a:txBody>
+                  <a:tcPr marL="108522" marR="108522" marT="54261" marB="54261" anchor="ctr">
+                    <a:lnL w="12700" cap="flat" cmpd="sng" algn="ctr">
+                      <a:solidFill>
+                        <a:schemeClr val="bg1"/>
+                      </a:solidFill>
+                      <a:prstDash val="solid"/>
+                      <a:round/>
+                      <a:headEnd type="none" w="med" len="med"/>
+                      <a:tailEnd type="none" w="med" len="med"/>
+                    </a:lnL>
+                    <a:lnR w="12700" cap="flat" cmpd="sng" algn="ctr">
+                      <a:solidFill>
+                        <a:schemeClr val="bg1"/>
+                      </a:solidFill>
+                      <a:prstDash val="solid"/>
+                      <a:round/>
+                      <a:headEnd type="none" w="med" len="med"/>
+                      <a:tailEnd type="none" w="med" len="med"/>
+                    </a:lnR>
+                    <a:lnT w="38100" cap="flat" cmpd="sng" algn="ctr">
+                      <a:noFill/>
+                      <a:prstDash val="solid"/>
+                      <a:round/>
+                      <a:headEnd type="none" w="med" len="med"/>
+                      <a:tailEnd type="none" w="med" len="med"/>
+                    </a:lnT>
+                    <a:lnB w="6350" cap="flat" cmpd="sng" algn="ctr">
+                      <a:noFill/>
+                      <a:prstDash val="solid"/>
+                      <a:round/>
+                      <a:headEnd type="none" w="med" len="med"/>
+                      <a:tailEnd type="none" w="med" len="med"/>
+                    </a:lnB>
+                    <a:lnTlToBr w="12700" cmpd="sng">
+                      <a:noFill/>
+                      <a:prstDash val="solid"/>
+                    </a:lnTlToBr>
+                    <a:lnBlToTr w="12700" cmpd="sng">
+                      <a:noFill/>
+                      <a:prstDash val="solid"/>
+                    </a:lnBlToTr>
+                    <a:solidFill>
+                      <a:schemeClr val="accent1">
+                        <a:lumMod val="50000"/>
+                      </a:schemeClr>
+                    </a:solidFill>
+                  </a:tcPr>
+                </a:tc>
+                <a:tc>
+                  <a:txBody>
+                    <a:bodyPr/>
+                    <a:lstStyle/>
+                    <a:p>
+                      <a:pPr marL="0" algn="ctr" defTabSz="685792" rtl="0" eaLnBrk="1" latinLnBrk="0" hangingPunct="1">
+                        <a:lnSpc>
+                          <a:spcPct val="130000"/>
+                        </a:lnSpc>
+                      </a:pPr>
+                      <a:r>
+                        <a:rPr lang="zh-CN" altLang="en-US" sz="1602" b="1" kern="1200" dirty="0" smtClean="0">
+                          <a:solidFill>
+                            <a:schemeClr val="lt1"/>
+                          </a:solidFill>
+                          <a:latin typeface="+mn-lt"/>
+                          <a:ea typeface="+mn-ea"/>
+                          <a:cs typeface="+mn-cs"/>
+                        </a:rPr>
+                        <a:t>是否成交</a:t>
+                      </a:r>
+                      <a:endParaRPr lang="zh-CN" altLang="en-US" sz="1400" b="1" kern="1200" dirty="0">
+                        <a:solidFill>
+                          <a:schemeClr val="lt1"/>
+                        </a:solidFill>
+                        <a:latin typeface="+mn-lt"/>
+                        <a:ea typeface="+mn-ea"/>
+                        <a:cs typeface="+mn-ea"/>
+                        <a:sym typeface="+mn-lt"/>
+                      </a:endParaRPr>
+                    </a:p>
+                  </a:txBody>
+                  <a:tcPr marL="108522" marR="108522" marT="54261" marB="54261" anchor="ctr">
+                    <a:lnL w="12700" cap="flat" cmpd="sng" algn="ctr">
+                      <a:solidFill>
+                        <a:schemeClr val="bg1"/>
+                      </a:solidFill>
+                      <a:prstDash val="solid"/>
+                      <a:round/>
+                      <a:headEnd type="none" w="med" len="med"/>
+                      <a:tailEnd type="none" w="med" len="med"/>
+                    </a:lnL>
+                    <a:lnR w="12700" cap="flat" cmpd="sng" algn="ctr">
+                      <a:solidFill>
+                        <a:schemeClr val="bg1"/>
+                      </a:solidFill>
+                      <a:prstDash val="solid"/>
+                      <a:round/>
+                      <a:headEnd type="none" w="med" len="med"/>
+                      <a:tailEnd type="none" w="med" len="med"/>
+                    </a:lnR>
+                    <a:lnT w="38100" cap="flat" cmpd="sng" algn="ctr">
+                      <a:noFill/>
+                      <a:prstDash val="solid"/>
+                      <a:round/>
+                      <a:headEnd type="none" w="med" len="med"/>
+                      <a:tailEnd type="none" w="med" len="med"/>
+                    </a:lnT>
+                    <a:lnB w="6350" cap="flat" cmpd="sng" algn="ctr">
+                      <a:noFill/>
+                      <a:prstDash val="solid"/>
+                      <a:round/>
+                      <a:headEnd type="none" w="med" len="med"/>
+                      <a:tailEnd type="none" w="med" len="med"/>
+                    </a:lnB>
+                    <a:lnTlToBr w="12700" cmpd="sng">
+                      <a:noFill/>
+                      <a:prstDash val="solid"/>
+                    </a:lnTlToBr>
+                    <a:lnBlToTr w="12700" cmpd="sng">
+                      <a:noFill/>
+                      <a:prstDash val="solid"/>
+                    </a:lnBlToTr>
+                    <a:solidFill>
+                      <a:schemeClr val="accent1">
+                        <a:lumMod val="50000"/>
+                      </a:schemeClr>
+                    </a:solidFill>
+                  </a:tcPr>
+                </a:tc>
+                <a:tc>
+                  <a:txBody>
+                    <a:bodyPr/>
+                    <a:lstStyle/>
+                    <a:p>
+                      <a:pPr marL="0" algn="ctr" defTabSz="685792" rtl="0" eaLnBrk="1" latinLnBrk="0" hangingPunct="1">
+                        <a:lnSpc>
+                          <a:spcPct val="130000"/>
+                        </a:lnSpc>
+                      </a:pPr>
+                      <a:r>
+                        <a:rPr lang="zh-CN" altLang="en-US" sz="1602" b="1" kern="1200" dirty="0" smtClean="0">
+                          <a:solidFill>
+                            <a:schemeClr val="lt1"/>
+                          </a:solidFill>
+                          <a:latin typeface="+mn-lt"/>
+                          <a:ea typeface="+mn-ea"/>
+                          <a:cs typeface="+mn-cs"/>
+                        </a:rPr>
+                        <a:t>成交车型</a:t>
+                      </a:r>
+                      <a:endParaRPr lang="zh-CN" altLang="en-US" sz="1400" b="1" kern="1200" dirty="0">
+                        <a:solidFill>
+                          <a:schemeClr val="lt1"/>
+                        </a:solidFill>
+                        <a:latin typeface="+mn-lt"/>
+                        <a:ea typeface="+mn-ea"/>
+                        <a:cs typeface="+mn-ea"/>
+                        <a:sym typeface="+mn-lt"/>
+                      </a:endParaRPr>
+                    </a:p>
+                  </a:txBody>
+                  <a:tcPr marL="108522" marR="108522" marT="54261" marB="54261" anchor="ctr">
+                    <a:lnL w="12700" cap="flat" cmpd="sng" algn="ctr">
+                      <a:solidFill>
+                        <a:schemeClr val="bg1"/>
+                      </a:solidFill>
+                      <a:prstDash val="solid"/>
+                      <a:round/>
+                      <a:headEnd type="none" w="med" len="med"/>
+                      <a:tailEnd type="none" w="med" len="med"/>
+                    </a:lnL>
+                    <a:lnR w="57150" cap="flat" cmpd="sng" algn="ctr">
+                      <a:noFill/>
+                      <a:prstDash val="solid"/>
+                      <a:round/>
+                      <a:headEnd type="none" w="med" len="med"/>
+                      <a:tailEnd type="none" w="med" len="med"/>
+                    </a:lnR>
+                    <a:lnT w="38100" cap="flat" cmpd="sng" algn="ctr">
+                      <a:noFill/>
+                      <a:prstDash val="solid"/>
+                      <a:round/>
+                      <a:headEnd type="none" w="med" len="med"/>
+                      <a:tailEnd type="none" w="med" len="med"/>
+                    </a:lnT>
+                    <a:lnB w="6350" cap="flat" cmpd="sng" algn="ctr">
+                      <a:noFill/>
+                      <a:prstDash val="solid"/>
+                      <a:round/>
+                      <a:headEnd type="none" w="med" len="med"/>
+                      <a:tailEnd type="none" w="med" len="med"/>
+                    </a:lnB>
+                    <a:lnTlToBr w="12700" cmpd="sng">
+                      <a:noFill/>
+                      <a:prstDash val="solid"/>
+                    </a:lnTlToBr>
+                    <a:lnBlToTr w="12700" cmpd="sng">
+                      <a:noFill/>
+                      <a:prstDash val="solid"/>
+                    </a:lnBlToTr>
+                    <a:solidFill>
+                      <a:schemeClr val="accent1">
+                        <a:lumMod val="50000"/>
+                      </a:schemeClr>
+                    </a:solidFill>
+                  </a:tcPr>
+                </a:tc>
+                <a:extLst>
+                  <a:ext uri="{0D108BD9-81ED-4DB2-BD59-A6C34878D82A}">
+                    <a16:rowId xmlns:a16="http://schemas.microsoft.com/office/drawing/2014/main" xmlns="" val="10000"/>
+                  </a:ext>
+                </a:extLst>
+              </a:tr>
+              <a:tr h="417684">
+                <a:tc>
+                  <a:txBody>
+                    <a:bodyPr/>
+                    <a:lstStyle/>
+                    <a:p>
+                      <a:pPr marL="0" marR="0" lvl="0" indent="0" algn="ctr" defTabSz="685792" rtl="0" eaLnBrk="1" fontAlgn="auto" latinLnBrk="0" hangingPunct="1">
+                        <a:lnSpc>
+                          <a:spcPct val="130000"/>
+                        </a:lnSpc>
+                        <a:spcBef>
+                          <a:spcPts val="0"/>
+                        </a:spcBef>
+                        <a:spcAft>
+                          <a:spcPts val="0"/>
+                        </a:spcAft>
+                        <a:buClrTx/>
+                        <a:buSzTx/>
+                        <a:buFontTx/>
+                        <a:buNone/>
+                        <a:tabLst/>
+                        <a:defRPr/>
+                      </a:pPr>
+                      <a:endParaRPr lang="en-US" sz="1200" b="0" kern="1200" dirty="0" smtClean="0">
+                        <a:solidFill>
+                          <a:schemeClr val="tx1">
+                            <a:lumMod val="75000"/>
+                            <a:lumOff val="25000"/>
+                          </a:schemeClr>
+                        </a:solidFill>
+                        <a:latin typeface="+mn-lt"/>
+                        <a:ea typeface="+mn-ea"/>
+                        <a:cs typeface="+mn-ea"/>
+                        <a:sym typeface="+mn-lt"/>
+                      </a:endParaRPr>
+                    </a:p>
+                  </a:txBody>
+                  <a:tcPr marL="108666" marR="108666" marT="108522" marB="108522" anchor="ctr">
+                    <a:lnL w="57150" cap="flat" cmpd="sng" algn="ctr">
+                      <a:noFill/>
+                      <a:prstDash val="solid"/>
+                      <a:round/>
+                      <a:headEnd type="none" w="med" len="med"/>
+                      <a:tailEnd type="none" w="med" len="med"/>
+                    </a:lnL>
+                    <a:lnR w="3175" cap="flat" cmpd="sng" algn="ctr">
+                      <a:noFill/>
+                      <a:prstDash val="solid"/>
+                      <a:round/>
+                      <a:headEnd type="none" w="med" len="med"/>
+                      <a:tailEnd type="none" w="med" len="med"/>
+                    </a:lnR>
+                    <a:lnT w="6350" cap="flat" cmpd="sng" algn="ctr">
+                      <a:noFill/>
+                      <a:prstDash val="solid"/>
+                      <a:round/>
+                      <a:headEnd type="none" w="med" len="med"/>
+                      <a:tailEnd type="none" w="med" len="med"/>
+                    </a:lnT>
+                    <a:lnB w="3175" cap="flat" cmpd="sng" algn="ctr">
+                      <a:noFill/>
+                      <a:prstDash val="sysDot"/>
+                      <a:round/>
+                      <a:headEnd type="none" w="med" len="med"/>
+                      <a:tailEnd type="none" w="med" len="med"/>
+                    </a:lnB>
+                    <a:lnTlToBr w="12700" cmpd="sng">
+                      <a:noFill/>
+                      <a:prstDash val="solid"/>
+                    </a:lnTlToBr>
+                    <a:lnBlToTr w="12700" cmpd="sng">
+                      <a:noFill/>
+                      <a:prstDash val="solid"/>
+                    </a:lnBlToTr>
+                    <a:noFill/>
+                  </a:tcPr>
+                </a:tc>
+                <a:tc>
+                  <a:txBody>
+                    <a:bodyPr/>
+                    <a:lstStyle/>
+                    <a:p>
+                      <a:pPr marL="0" marR="0" lvl="0" indent="0" algn="l" defTabSz="685792" rtl="0" eaLnBrk="1" fontAlgn="auto" latinLnBrk="0" hangingPunct="1">
+                        <a:lnSpc>
+                          <a:spcPct val="130000"/>
+                        </a:lnSpc>
+                        <a:spcBef>
+                          <a:spcPts val="0"/>
+                        </a:spcBef>
+                        <a:spcAft>
+                          <a:spcPts val="0"/>
+                        </a:spcAft>
+                        <a:buClrTx/>
+                        <a:buSzTx/>
+                        <a:buFontTx/>
+                        <a:buNone/>
+                        <a:tabLst/>
+                        <a:defRPr/>
+                      </a:pPr>
+                      <a:endParaRPr lang="en-US" altLang="zh-CN" sz="1200" b="0" kern="1200" dirty="0">
+                        <a:solidFill>
+                          <a:schemeClr val="tx1">
+                            <a:lumMod val="75000"/>
+                            <a:lumOff val="25000"/>
+                          </a:schemeClr>
+                        </a:solidFill>
+                        <a:latin typeface="+mn-lt"/>
+                        <a:ea typeface="+mn-ea"/>
+                        <a:cs typeface="+mn-ea"/>
+                        <a:sym typeface="+mn-lt"/>
+                      </a:endParaRPr>
+                    </a:p>
+                  </a:txBody>
+                  <a:tcPr marL="108666" marR="108666" marT="108522" marB="108522" anchor="ctr">
+                    <a:lnL w="3175" cap="flat" cmpd="sng" algn="ctr">
+                      <a:noFill/>
+                      <a:prstDash val="solid"/>
+                      <a:round/>
+                      <a:headEnd type="none" w="med" len="med"/>
+                      <a:tailEnd type="none" w="med" len="med"/>
+                    </a:lnL>
+                    <a:lnR w="57150" cap="flat" cmpd="sng" algn="ctr">
+                      <a:noFill/>
+                      <a:prstDash val="solid"/>
+                      <a:round/>
+                      <a:headEnd type="none" w="med" len="med"/>
+                      <a:tailEnd type="none" w="med" len="med"/>
+                    </a:lnR>
+                    <a:lnT w="6350" cap="flat" cmpd="sng" algn="ctr">
+                      <a:noFill/>
+                      <a:prstDash val="solid"/>
+                      <a:round/>
+                      <a:headEnd type="none" w="med" len="med"/>
+                      <a:tailEnd type="none" w="med" len="med"/>
+                    </a:lnT>
+                    <a:lnB w="3175" cap="flat" cmpd="sng" algn="ctr">
+                      <a:noFill/>
+                      <a:prstDash val="sysDot"/>
+                      <a:round/>
+                      <a:headEnd type="none" w="med" len="med"/>
+                      <a:tailEnd type="none" w="med" len="med"/>
+                    </a:lnB>
+                    <a:lnTlToBr w="12700" cmpd="sng">
+                      <a:noFill/>
+                      <a:prstDash val="solid"/>
+                    </a:lnTlToBr>
+                    <a:lnBlToTr w="12700" cmpd="sng">
+                      <a:noFill/>
+                      <a:prstDash val="solid"/>
+                    </a:lnBlToTr>
+                    <a:noFill/>
+                  </a:tcPr>
+                </a:tc>
+                <a:tc>
+                  <a:txBody>
+                    <a:bodyPr/>
+                    <a:lstStyle/>
+                    <a:p>
+                      <a:pPr marL="0" marR="0" lvl="0" indent="0" algn="l" defTabSz="685792" rtl="0" eaLnBrk="1" fontAlgn="auto" latinLnBrk="0" hangingPunct="1">
+                        <a:lnSpc>
+                          <a:spcPct val="130000"/>
+                        </a:lnSpc>
+                        <a:spcBef>
+                          <a:spcPts val="0"/>
+                        </a:spcBef>
+                        <a:spcAft>
+                          <a:spcPts val="0"/>
+                        </a:spcAft>
+                        <a:buClrTx/>
+                        <a:buSzTx/>
+                        <a:buFontTx/>
+                        <a:buNone/>
+                        <a:tabLst/>
+                        <a:defRPr/>
+                      </a:pPr>
+                      <a:endParaRPr lang="en-US" altLang="zh-CN" sz="1200" b="0" kern="1200" dirty="0">
+                        <a:solidFill>
+                          <a:schemeClr val="tx1">
+                            <a:lumMod val="75000"/>
+                            <a:lumOff val="25000"/>
+                          </a:schemeClr>
+                        </a:solidFill>
+                        <a:latin typeface="+mn-lt"/>
+                        <a:ea typeface="+mn-ea"/>
+                        <a:cs typeface="+mn-ea"/>
+                        <a:sym typeface="+mn-lt"/>
+                      </a:endParaRPr>
+                    </a:p>
+                  </a:txBody>
+                  <a:tcPr marL="108666" marR="108666" marT="108522" marB="108522" anchor="ctr">
+                    <a:lnL w="3175" cap="flat" cmpd="sng" algn="ctr">
+                      <a:noFill/>
+                      <a:prstDash val="solid"/>
+                      <a:round/>
+                      <a:headEnd type="none" w="med" len="med"/>
+                      <a:tailEnd type="none" w="med" len="med"/>
+                    </a:lnL>
+                    <a:lnR w="57150" cap="flat" cmpd="sng" algn="ctr">
+                      <a:noFill/>
+                      <a:prstDash val="solid"/>
+                      <a:round/>
+                      <a:headEnd type="none" w="med" len="med"/>
+                      <a:tailEnd type="none" w="med" len="med"/>
+                    </a:lnR>
+                    <a:lnT w="6350" cap="flat" cmpd="sng" algn="ctr">
+                      <a:noFill/>
+                      <a:prstDash val="solid"/>
+                      <a:round/>
+                      <a:headEnd type="none" w="med" len="med"/>
+                      <a:tailEnd type="none" w="med" len="med"/>
+                    </a:lnT>
+                    <a:lnB w="3175" cap="flat" cmpd="sng" algn="ctr">
+                      <a:noFill/>
+                      <a:prstDash val="sysDot"/>
+                      <a:round/>
+                      <a:headEnd type="none" w="med" len="med"/>
+                      <a:tailEnd type="none" w="med" len="med"/>
+                    </a:lnB>
+                    <a:lnTlToBr w="12700" cmpd="sng">
+                      <a:noFill/>
+                      <a:prstDash val="solid"/>
+                    </a:lnTlToBr>
+                    <a:lnBlToTr w="12700" cmpd="sng">
+                      <a:noFill/>
+                      <a:prstDash val="solid"/>
+                    </a:lnBlToTr>
+                    <a:noFill/>
+                  </a:tcPr>
+                </a:tc>
+                <a:tc>
+                  <a:txBody>
+                    <a:bodyPr/>
+                    <a:lstStyle/>
+                    <a:p>
+                      <a:pPr marL="0" marR="0" lvl="0" indent="0" algn="l" defTabSz="685792" rtl="0" eaLnBrk="1" fontAlgn="auto" latinLnBrk="0" hangingPunct="1">
+                        <a:lnSpc>
+                          <a:spcPct val="130000"/>
+                        </a:lnSpc>
+                        <a:spcBef>
+                          <a:spcPts val="0"/>
+                        </a:spcBef>
+                        <a:spcAft>
+                          <a:spcPts val="0"/>
+                        </a:spcAft>
+                        <a:buClrTx/>
+                        <a:buSzTx/>
+                        <a:buFontTx/>
+                        <a:buNone/>
+                        <a:tabLst/>
+                        <a:defRPr/>
+                      </a:pPr>
+                      <a:endParaRPr lang="en-US" altLang="zh-CN" sz="1200" b="0" kern="1200" dirty="0">
+                        <a:solidFill>
+                          <a:schemeClr val="tx1">
+                            <a:lumMod val="75000"/>
+                            <a:lumOff val="25000"/>
+                          </a:schemeClr>
+                        </a:solidFill>
+                        <a:latin typeface="+mn-lt"/>
+                        <a:ea typeface="+mn-ea"/>
+                        <a:cs typeface="+mn-ea"/>
+                        <a:sym typeface="+mn-lt"/>
+                      </a:endParaRPr>
+                    </a:p>
+                  </a:txBody>
+                  <a:tcPr marL="108666" marR="108666" marT="108522" marB="108522" anchor="ctr">
+                    <a:lnL w="3175" cap="flat" cmpd="sng" algn="ctr">
+                      <a:noFill/>
+                      <a:prstDash val="solid"/>
+                      <a:round/>
+                      <a:headEnd type="none" w="med" len="med"/>
+                      <a:tailEnd type="none" w="med" len="med"/>
+                    </a:lnL>
+                    <a:lnR w="57150" cap="flat" cmpd="sng" algn="ctr">
+                      <a:noFill/>
+                      <a:prstDash val="solid"/>
+                      <a:round/>
+                      <a:headEnd type="none" w="med" len="med"/>
+                      <a:tailEnd type="none" w="med" len="med"/>
+                    </a:lnR>
+                    <a:lnT w="6350" cap="flat" cmpd="sng" algn="ctr">
+                      <a:noFill/>
+                      <a:prstDash val="solid"/>
+                      <a:round/>
+                      <a:headEnd type="none" w="med" len="med"/>
+                      <a:tailEnd type="none" w="med" len="med"/>
+                    </a:lnT>
+                    <a:lnB w="3175" cap="flat" cmpd="sng" algn="ctr">
+                      <a:noFill/>
+                      <a:prstDash val="sysDot"/>
+                      <a:round/>
+                      <a:headEnd type="none" w="med" len="med"/>
+                      <a:tailEnd type="none" w="med" len="med"/>
+                    </a:lnB>
+                    <a:lnTlToBr w="12700" cmpd="sng">
+                      <a:noFill/>
+                      <a:prstDash val="solid"/>
+                    </a:lnTlToBr>
+                    <a:lnBlToTr w="12700" cmpd="sng">
+                      <a:noFill/>
+                      <a:prstDash val="solid"/>
+                    </a:lnBlToTr>
+                    <a:noFill/>
+                  </a:tcPr>
+                </a:tc>
+                <a:tc>
+                  <a:txBody>
+                    <a:bodyPr/>
+                    <a:lstStyle/>
+                    <a:p>
+                      <a:pPr marL="0" marR="0" lvl="0" indent="0" algn="l" defTabSz="685792" rtl="0" eaLnBrk="1" fontAlgn="auto" latinLnBrk="0" hangingPunct="1">
+                        <a:lnSpc>
+                          <a:spcPct val="130000"/>
+                        </a:lnSpc>
+                        <a:spcBef>
+                          <a:spcPts val="0"/>
+                        </a:spcBef>
+                        <a:spcAft>
+                          <a:spcPts val="0"/>
+                        </a:spcAft>
+                        <a:buClrTx/>
+                        <a:buSzTx/>
+                        <a:buFontTx/>
+                        <a:buNone/>
+                        <a:tabLst/>
+                        <a:defRPr/>
+                      </a:pPr>
+                      <a:endParaRPr lang="en-US" altLang="zh-CN" sz="1200" b="0" kern="1200" dirty="0">
+                        <a:solidFill>
+                          <a:schemeClr val="tx1">
+                            <a:lumMod val="75000"/>
+                            <a:lumOff val="25000"/>
+                          </a:schemeClr>
+                        </a:solidFill>
+                        <a:latin typeface="+mn-lt"/>
+                        <a:ea typeface="+mn-ea"/>
+                        <a:cs typeface="+mn-ea"/>
+                        <a:sym typeface="+mn-lt"/>
+                      </a:endParaRPr>
+                    </a:p>
+                  </a:txBody>
+                  <a:tcPr marL="108666" marR="108666" marT="108522" marB="108522" anchor="ctr">
+                    <a:lnL w="3175" cap="flat" cmpd="sng" algn="ctr">
+                      <a:noFill/>
+                      <a:prstDash val="solid"/>
+                      <a:round/>
+                      <a:headEnd type="none" w="med" len="med"/>
+                      <a:tailEnd type="none" w="med" len="med"/>
+                    </a:lnL>
+                    <a:lnR w="57150" cap="flat" cmpd="sng" algn="ctr">
+                      <a:noFill/>
+                      <a:prstDash val="solid"/>
+                      <a:round/>
+                      <a:headEnd type="none" w="med" len="med"/>
+                      <a:tailEnd type="none" w="med" len="med"/>
+                    </a:lnR>
+                    <a:lnT w="6350" cap="flat" cmpd="sng" algn="ctr">
+                      <a:noFill/>
+                      <a:prstDash val="solid"/>
+                      <a:round/>
+                      <a:headEnd type="none" w="med" len="med"/>
+                      <a:tailEnd type="none" w="med" len="med"/>
+                    </a:lnT>
+                    <a:lnB w="3175" cap="flat" cmpd="sng" algn="ctr">
+                      <a:noFill/>
+                      <a:prstDash val="sysDot"/>
+                      <a:round/>
+                      <a:headEnd type="none" w="med" len="med"/>
+                      <a:tailEnd type="none" w="med" len="med"/>
+                    </a:lnB>
+                    <a:lnTlToBr w="12700" cmpd="sng">
+                      <a:noFill/>
+                      <a:prstDash val="solid"/>
+                    </a:lnTlToBr>
+                    <a:lnBlToTr w="12700" cmpd="sng">
+                      <a:noFill/>
+                      <a:prstDash val="solid"/>
+                    </a:lnBlToTr>
+                    <a:noFill/>
+                  </a:tcPr>
+                </a:tc>
+                <a:tc>
+                  <a:txBody>
+                    <a:bodyPr/>
+                    <a:lstStyle/>
+                    <a:p>
+                      <a:pPr marL="0" marR="0" lvl="0" indent="0" algn="l" defTabSz="685792" rtl="0" eaLnBrk="1" fontAlgn="auto" latinLnBrk="0" hangingPunct="1">
+                        <a:lnSpc>
+                          <a:spcPct val="130000"/>
+                        </a:lnSpc>
+                        <a:spcBef>
+                          <a:spcPts val="0"/>
+                        </a:spcBef>
+                        <a:spcAft>
+                          <a:spcPts val="0"/>
+                        </a:spcAft>
+                        <a:buClrTx/>
+                        <a:buSzTx/>
+                        <a:buFontTx/>
+                        <a:buNone/>
+                        <a:tabLst/>
+                        <a:defRPr/>
+                      </a:pPr>
+                      <a:endParaRPr lang="en-US" altLang="zh-CN" sz="1200" b="0" kern="1200" dirty="0">
+                        <a:solidFill>
+                          <a:schemeClr val="tx1">
+                            <a:lumMod val="75000"/>
+                            <a:lumOff val="25000"/>
+                          </a:schemeClr>
+                        </a:solidFill>
+                        <a:latin typeface="+mn-lt"/>
+                        <a:ea typeface="+mn-ea"/>
+                        <a:cs typeface="+mn-ea"/>
+                        <a:sym typeface="+mn-lt"/>
+                      </a:endParaRPr>
+                    </a:p>
+                  </a:txBody>
+                  <a:tcPr marL="108666" marR="108666" marT="108522" marB="108522" anchor="ctr">
+                    <a:lnL w="3175" cap="flat" cmpd="sng" algn="ctr">
+                      <a:noFill/>
+                      <a:prstDash val="solid"/>
+                      <a:round/>
+                      <a:headEnd type="none" w="med" len="med"/>
+                      <a:tailEnd type="none" w="med" len="med"/>
+                    </a:lnL>
+                    <a:lnR w="57150" cap="flat" cmpd="sng" algn="ctr">
+                      <a:noFill/>
+                      <a:prstDash val="solid"/>
+                      <a:round/>
+                      <a:headEnd type="none" w="med" len="med"/>
+                      <a:tailEnd type="none" w="med" len="med"/>
+                    </a:lnR>
+                    <a:lnT w="6350" cap="flat" cmpd="sng" algn="ctr">
+                      <a:noFill/>
+                      <a:prstDash val="solid"/>
+                      <a:round/>
+                      <a:headEnd type="none" w="med" len="med"/>
+                      <a:tailEnd type="none" w="med" len="med"/>
+                    </a:lnT>
+                    <a:lnB w="3175" cap="flat" cmpd="sng" algn="ctr">
+                      <a:noFill/>
+                      <a:prstDash val="sysDot"/>
+                      <a:round/>
+                      <a:headEnd type="none" w="med" len="med"/>
+                      <a:tailEnd type="none" w="med" len="med"/>
+                    </a:lnB>
+                    <a:lnTlToBr w="12700" cmpd="sng">
+                      <a:noFill/>
+                      <a:prstDash val="solid"/>
+                    </a:lnTlToBr>
+                    <a:lnBlToTr w="12700" cmpd="sng">
+                      <a:noFill/>
+                      <a:prstDash val="solid"/>
+                    </a:lnBlToTr>
+                    <a:noFill/>
+                  </a:tcPr>
+                </a:tc>
+                <a:tc>
+                  <a:txBody>
+                    <a:bodyPr/>
+                    <a:lstStyle/>
+                    <a:p>
+                      <a:pPr marL="0" marR="0" lvl="0" indent="0" algn="l" defTabSz="685792" rtl="0" eaLnBrk="1" fontAlgn="auto" latinLnBrk="0" hangingPunct="1">
+                        <a:lnSpc>
+                          <a:spcPct val="130000"/>
+                        </a:lnSpc>
+                        <a:spcBef>
+                          <a:spcPts val="0"/>
+                        </a:spcBef>
+                        <a:spcAft>
+                          <a:spcPts val="0"/>
+                        </a:spcAft>
+                        <a:buClrTx/>
+                        <a:buSzTx/>
+                        <a:buFontTx/>
+                        <a:buNone/>
+                        <a:tabLst/>
+                        <a:defRPr/>
+                      </a:pPr>
+                      <a:endParaRPr lang="en-US" altLang="zh-CN" sz="1200" b="0" kern="1200" dirty="0">
+                        <a:solidFill>
+                          <a:schemeClr val="tx1">
+                            <a:lumMod val="75000"/>
+                            <a:lumOff val="25000"/>
+                          </a:schemeClr>
+                        </a:solidFill>
+                        <a:latin typeface="+mn-lt"/>
+                        <a:ea typeface="+mn-ea"/>
+                        <a:cs typeface="+mn-ea"/>
+                        <a:sym typeface="+mn-lt"/>
+                      </a:endParaRPr>
+                    </a:p>
+                  </a:txBody>
+                  <a:tcPr marL="108666" marR="108666" marT="108522" marB="108522" anchor="ctr">
+                    <a:lnL w="3175" cap="flat" cmpd="sng" algn="ctr">
+                      <a:noFill/>
+                      <a:prstDash val="solid"/>
+                      <a:round/>
+                      <a:headEnd type="none" w="med" len="med"/>
+                      <a:tailEnd type="none" w="med" len="med"/>
+                    </a:lnL>
+                    <a:lnR w="57150" cap="flat" cmpd="sng" algn="ctr">
+                      <a:noFill/>
+                      <a:prstDash val="solid"/>
+                      <a:round/>
+                      <a:headEnd type="none" w="med" len="med"/>
+                      <a:tailEnd type="none" w="med" len="med"/>
+                    </a:lnR>
+                    <a:lnT w="6350" cap="flat" cmpd="sng" algn="ctr">
+                      <a:noFill/>
+                      <a:prstDash val="solid"/>
+                      <a:round/>
+                      <a:headEnd type="none" w="med" len="med"/>
+                      <a:tailEnd type="none" w="med" len="med"/>
+                    </a:lnT>
+                    <a:lnB w="3175" cap="flat" cmpd="sng" algn="ctr">
+                      <a:noFill/>
+                      <a:prstDash val="sysDot"/>
+                      <a:round/>
+                      <a:headEnd type="none" w="med" len="med"/>
+                      <a:tailEnd type="none" w="med" len="med"/>
+                    </a:lnB>
+                    <a:lnTlToBr w="12700" cmpd="sng">
+                      <a:noFill/>
+                      <a:prstDash val="solid"/>
+                    </a:lnTlToBr>
+                    <a:lnBlToTr w="12700" cmpd="sng">
+                      <a:noFill/>
+                      <a:prstDash val="solid"/>
+                    </a:lnBlToTr>
+                    <a:noFill/>
+                  </a:tcPr>
+                </a:tc>
+                <a:tc>
+                  <a:txBody>
+                    <a:bodyPr/>
+                    <a:lstStyle/>
+                    <a:p>
+                      <a:pPr marL="0" marR="0" lvl="0" indent="0" algn="l" defTabSz="685792" rtl="0" eaLnBrk="1" fontAlgn="auto" latinLnBrk="0" hangingPunct="1">
+                        <a:lnSpc>
+                          <a:spcPct val="130000"/>
+                        </a:lnSpc>
+                        <a:spcBef>
+                          <a:spcPts val="0"/>
+                        </a:spcBef>
+                        <a:spcAft>
+                          <a:spcPts val="0"/>
+                        </a:spcAft>
+                        <a:buClrTx/>
+                        <a:buSzTx/>
+                        <a:buFontTx/>
+                        <a:buNone/>
+                        <a:tabLst/>
+                        <a:defRPr/>
+                      </a:pPr>
+                      <a:endParaRPr lang="en-US" altLang="zh-CN" sz="1200" b="0" kern="1200" dirty="0">
+                        <a:solidFill>
+                          <a:schemeClr val="tx1">
+                            <a:lumMod val="75000"/>
+                            <a:lumOff val="25000"/>
+                          </a:schemeClr>
+                        </a:solidFill>
+                        <a:latin typeface="+mn-lt"/>
+                        <a:ea typeface="+mn-ea"/>
+                        <a:cs typeface="+mn-ea"/>
+                        <a:sym typeface="+mn-lt"/>
+                      </a:endParaRPr>
+                    </a:p>
+                  </a:txBody>
+                  <a:tcPr marL="108666" marR="108666" marT="108522" marB="108522" anchor="ctr">
+                    <a:lnL w="3175" cap="flat" cmpd="sng" algn="ctr">
+                      <a:noFill/>
+                      <a:prstDash val="solid"/>
+                      <a:round/>
+                      <a:headEnd type="none" w="med" len="med"/>
+                      <a:tailEnd type="none" w="med" len="med"/>
+                    </a:lnL>
+                    <a:lnR w="57150" cap="flat" cmpd="sng" algn="ctr">
+                      <a:noFill/>
+                      <a:prstDash val="solid"/>
+                      <a:round/>
+                      <a:headEnd type="none" w="med" len="med"/>
+                      <a:tailEnd type="none" w="med" len="med"/>
+                    </a:lnR>
+                    <a:lnT w="6350" cap="flat" cmpd="sng" algn="ctr">
+                      <a:noFill/>
+                      <a:prstDash val="solid"/>
+                      <a:round/>
+                      <a:headEnd type="none" w="med" len="med"/>
+                      <a:tailEnd type="none" w="med" len="med"/>
+                    </a:lnT>
+                    <a:lnB w="3175" cap="flat" cmpd="sng" algn="ctr">
+                      <a:noFill/>
+                      <a:prstDash val="sysDot"/>
+                      <a:round/>
+                      <a:headEnd type="none" w="med" len="med"/>
+                      <a:tailEnd type="none" w="med" len="med"/>
+                    </a:lnB>
+                    <a:lnTlToBr w="12700" cmpd="sng">
+                      <a:noFill/>
+                      <a:prstDash val="solid"/>
+                    </a:lnTlToBr>
+                    <a:lnBlToTr w="12700" cmpd="sng">
+                      <a:noFill/>
+                      <a:prstDash val="solid"/>
+                    </a:lnBlToTr>
+                    <a:noFill/>
+                  </a:tcPr>
+                </a:tc>
+              </a:tr>
+              <a:tr h="495300">
+                <a:tc>
+                  <a:txBody>
+                    <a:bodyPr/>
+                    <a:lstStyle/>
+                    <a:p>
+                      <a:pPr marL="0" marR="0" lvl="0" indent="0" algn="ctr" defTabSz="685792" rtl="0" eaLnBrk="1" fontAlgn="auto" latinLnBrk="0" hangingPunct="1">
+                        <a:lnSpc>
+                          <a:spcPct val="130000"/>
+                        </a:lnSpc>
+                        <a:spcBef>
+                          <a:spcPts val="0"/>
+                        </a:spcBef>
+                        <a:spcAft>
+                          <a:spcPts val="0"/>
+                        </a:spcAft>
+                        <a:buClrTx/>
+                        <a:buSzTx/>
+                        <a:buFontTx/>
+                        <a:buNone/>
+                        <a:tabLst/>
+                        <a:defRPr/>
+                      </a:pPr>
+                      <a:endParaRPr lang="en-US" sz="1200" b="0" kern="1200" dirty="0" smtClean="0">
+                        <a:solidFill>
+                          <a:schemeClr val="tx1">
+                            <a:lumMod val="75000"/>
+                            <a:lumOff val="25000"/>
+                          </a:schemeClr>
+                        </a:solidFill>
+                        <a:latin typeface="+mn-lt"/>
+                        <a:ea typeface="+mn-ea"/>
+                        <a:cs typeface="+mn-ea"/>
+                        <a:sym typeface="+mn-lt"/>
+                      </a:endParaRPr>
+                    </a:p>
+                  </a:txBody>
+                  <a:tcPr marL="108666" marR="108666" marT="108522" marB="108522" anchor="ctr">
+                    <a:lnL w="57150" cap="flat" cmpd="sng" algn="ctr">
+                      <a:noFill/>
+                      <a:prstDash val="solid"/>
+                      <a:round/>
+                      <a:headEnd type="none" w="med" len="med"/>
+                      <a:tailEnd type="none" w="med" len="med"/>
+                    </a:lnL>
+                    <a:lnR w="3175" cap="flat" cmpd="sng" algn="ctr">
+                      <a:noFill/>
+                      <a:prstDash val="solid"/>
+                      <a:round/>
+                      <a:headEnd type="none" w="med" len="med"/>
+                      <a:tailEnd type="none" w="med" len="med"/>
+                    </a:lnR>
+                    <a:lnT w="6350" cap="flat" cmpd="sng" algn="ctr">
+                      <a:noFill/>
+                      <a:prstDash val="solid"/>
+                      <a:round/>
+                      <a:headEnd type="none" w="med" len="med"/>
+                      <a:tailEnd type="none" w="med" len="med"/>
+                    </a:lnT>
+                    <a:lnB w="3175" cap="flat" cmpd="sng" algn="ctr">
+                      <a:noFill/>
+                      <a:prstDash val="sysDot"/>
+                      <a:round/>
+                      <a:headEnd type="none" w="med" len="med"/>
+                      <a:tailEnd type="none" w="med" len="med"/>
+                    </a:lnB>
+                    <a:lnTlToBr w="12700" cmpd="sng">
+                      <a:noFill/>
+                      <a:prstDash val="solid"/>
+                    </a:lnTlToBr>
+                    <a:lnBlToTr w="12700" cmpd="sng">
+                      <a:noFill/>
+                      <a:prstDash val="solid"/>
+                    </a:lnBlToTr>
+                    <a:noFill/>
+                  </a:tcPr>
+                </a:tc>
+                <a:tc>
+                  <a:txBody>
+                    <a:bodyPr/>
+                    <a:lstStyle/>
+                    <a:p>
+                      <a:pPr marL="0" marR="0" lvl="0" indent="0" algn="l" defTabSz="685792" rtl="0" eaLnBrk="1" fontAlgn="auto" latinLnBrk="0" hangingPunct="1">
+                        <a:lnSpc>
+                          <a:spcPct val="130000"/>
+                        </a:lnSpc>
+                        <a:spcBef>
+                          <a:spcPts val="0"/>
+                        </a:spcBef>
+                        <a:spcAft>
+                          <a:spcPts val="0"/>
+                        </a:spcAft>
+                        <a:buClrTx/>
+                        <a:buSzTx/>
+                        <a:buFontTx/>
+                        <a:buNone/>
+                        <a:tabLst/>
+                        <a:defRPr/>
+                      </a:pPr>
+                      <a:endParaRPr lang="en-US" altLang="zh-CN" sz="1200" b="0" kern="1200" dirty="0">
+                        <a:solidFill>
+                          <a:schemeClr val="tx1">
+                            <a:lumMod val="75000"/>
+                            <a:lumOff val="25000"/>
+                          </a:schemeClr>
+                        </a:solidFill>
+                        <a:latin typeface="+mn-lt"/>
+                        <a:ea typeface="+mn-ea"/>
+                        <a:cs typeface="+mn-ea"/>
+                        <a:sym typeface="+mn-lt"/>
+                      </a:endParaRPr>
+                    </a:p>
+                  </a:txBody>
+                  <a:tcPr marL="108666" marR="108666" marT="108522" marB="108522" anchor="ctr">
+                    <a:lnL w="3175" cap="flat" cmpd="sng" algn="ctr">
+                      <a:noFill/>
+                      <a:prstDash val="solid"/>
+                      <a:round/>
+                      <a:headEnd type="none" w="med" len="med"/>
+                      <a:tailEnd type="none" w="med" len="med"/>
+                    </a:lnL>
+                    <a:lnR w="57150" cap="flat" cmpd="sng" algn="ctr">
+                      <a:noFill/>
+                      <a:prstDash val="solid"/>
+                      <a:round/>
+                      <a:headEnd type="none" w="med" len="med"/>
+                      <a:tailEnd type="none" w="med" len="med"/>
+                    </a:lnR>
+                    <a:lnT w="6350" cap="flat" cmpd="sng" algn="ctr">
+                      <a:noFill/>
+                      <a:prstDash val="solid"/>
+                      <a:round/>
+                      <a:headEnd type="none" w="med" len="med"/>
+                      <a:tailEnd type="none" w="med" len="med"/>
+                    </a:lnT>
+                    <a:lnB w="3175" cap="flat" cmpd="sng" algn="ctr">
+                      <a:noFill/>
+                      <a:prstDash val="sysDot"/>
+                      <a:round/>
+                      <a:headEnd type="none" w="med" len="med"/>
+                      <a:tailEnd type="none" w="med" len="med"/>
+                    </a:lnB>
+                    <a:lnTlToBr w="12700" cmpd="sng">
+                      <a:noFill/>
+                      <a:prstDash val="solid"/>
+                    </a:lnTlToBr>
+                    <a:lnBlToTr w="12700" cmpd="sng">
+                      <a:noFill/>
+                      <a:prstDash val="solid"/>
+                    </a:lnBlToTr>
+                    <a:noFill/>
+                  </a:tcPr>
+                </a:tc>
+                <a:tc>
+                  <a:txBody>
+                    <a:bodyPr/>
+                    <a:lstStyle/>
+                    <a:p>
+                      <a:pPr marL="0" marR="0" lvl="0" indent="0" algn="l" defTabSz="685792" rtl="0" eaLnBrk="1" fontAlgn="auto" latinLnBrk="0" hangingPunct="1">
+                        <a:lnSpc>
+                          <a:spcPct val="130000"/>
+                        </a:lnSpc>
+                        <a:spcBef>
+                          <a:spcPts val="0"/>
+                        </a:spcBef>
+                        <a:spcAft>
+                          <a:spcPts val="0"/>
+                        </a:spcAft>
+                        <a:buClrTx/>
+                        <a:buSzTx/>
+                        <a:buFontTx/>
+                        <a:buNone/>
+                        <a:tabLst/>
+                        <a:defRPr/>
+                      </a:pPr>
+                      <a:endParaRPr lang="en-US" altLang="zh-CN" sz="1200" b="0" kern="1200" dirty="0">
+                        <a:solidFill>
+                          <a:schemeClr val="tx1">
+                            <a:lumMod val="75000"/>
+                            <a:lumOff val="25000"/>
+                          </a:schemeClr>
+                        </a:solidFill>
+                        <a:latin typeface="+mn-lt"/>
+                        <a:ea typeface="+mn-ea"/>
+                        <a:cs typeface="+mn-ea"/>
+                        <a:sym typeface="+mn-lt"/>
+                      </a:endParaRPr>
+                    </a:p>
+                  </a:txBody>
+                  <a:tcPr marL="108666" marR="108666" marT="108522" marB="108522" anchor="ctr">
+                    <a:lnL w="3175" cap="flat" cmpd="sng" algn="ctr">
+                      <a:noFill/>
+                      <a:prstDash val="solid"/>
+                      <a:round/>
+                      <a:headEnd type="none" w="med" len="med"/>
+                      <a:tailEnd type="none" w="med" len="med"/>
+                    </a:lnL>
+                    <a:lnR w="57150" cap="flat" cmpd="sng" algn="ctr">
+                      <a:noFill/>
+                      <a:prstDash val="solid"/>
+                      <a:round/>
+                      <a:headEnd type="none" w="med" len="med"/>
+                      <a:tailEnd type="none" w="med" len="med"/>
+                    </a:lnR>
+                    <a:lnT w="6350" cap="flat" cmpd="sng" algn="ctr">
+                      <a:noFill/>
+                      <a:prstDash val="solid"/>
+                      <a:round/>
+                      <a:headEnd type="none" w="med" len="med"/>
+                      <a:tailEnd type="none" w="med" len="med"/>
+                    </a:lnT>
+                    <a:lnB w="3175" cap="flat" cmpd="sng" algn="ctr">
+                      <a:noFill/>
+                      <a:prstDash val="sysDot"/>
+                      <a:round/>
+                      <a:headEnd type="none" w="med" len="med"/>
+                      <a:tailEnd type="none" w="med" len="med"/>
+                    </a:lnB>
+                    <a:lnTlToBr w="12700" cmpd="sng">
+                      <a:noFill/>
+                      <a:prstDash val="solid"/>
+                    </a:lnTlToBr>
+                    <a:lnBlToTr w="12700" cmpd="sng">
+                      <a:noFill/>
+                      <a:prstDash val="solid"/>
+                    </a:lnBlToTr>
+                    <a:noFill/>
+                  </a:tcPr>
+                </a:tc>
+                <a:tc>
+                  <a:txBody>
+                    <a:bodyPr/>
+                    <a:lstStyle/>
+                    <a:p>
+                      <a:pPr marL="0" marR="0" lvl="0" indent="0" algn="l" defTabSz="685792" rtl="0" eaLnBrk="1" fontAlgn="auto" latinLnBrk="0" hangingPunct="1">
+                        <a:lnSpc>
+                          <a:spcPct val="130000"/>
+                        </a:lnSpc>
+                        <a:spcBef>
+                          <a:spcPts val="0"/>
+                        </a:spcBef>
+                        <a:spcAft>
+                          <a:spcPts val="0"/>
+                        </a:spcAft>
+                        <a:buClrTx/>
+                        <a:buSzTx/>
+                        <a:buFontTx/>
+                        <a:buNone/>
+                        <a:tabLst/>
+                        <a:defRPr/>
+                      </a:pPr>
+                      <a:endParaRPr lang="en-US" altLang="zh-CN" sz="1200" b="0" kern="1200" dirty="0">
+                        <a:solidFill>
+                          <a:schemeClr val="tx1">
+                            <a:lumMod val="75000"/>
+                            <a:lumOff val="25000"/>
+                          </a:schemeClr>
+                        </a:solidFill>
+                        <a:latin typeface="+mn-lt"/>
+                        <a:ea typeface="+mn-ea"/>
+                        <a:cs typeface="+mn-ea"/>
+                        <a:sym typeface="+mn-lt"/>
+                      </a:endParaRPr>
+                    </a:p>
+                  </a:txBody>
+                  <a:tcPr marL="108666" marR="108666" marT="108522" marB="108522" anchor="ctr">
+                    <a:lnL w="3175" cap="flat" cmpd="sng" algn="ctr">
+                      <a:noFill/>
+                      <a:prstDash val="solid"/>
+                      <a:round/>
+                      <a:headEnd type="none" w="med" len="med"/>
+                      <a:tailEnd type="none" w="med" len="med"/>
+                    </a:lnL>
+                    <a:lnR w="57150" cap="flat" cmpd="sng" algn="ctr">
+                      <a:noFill/>
+                      <a:prstDash val="solid"/>
+                      <a:round/>
+                      <a:headEnd type="none" w="med" len="med"/>
+                      <a:tailEnd type="none" w="med" len="med"/>
+                    </a:lnR>
+                    <a:lnT w="6350" cap="flat" cmpd="sng" algn="ctr">
+                      <a:noFill/>
+                      <a:prstDash val="solid"/>
+                      <a:round/>
+                      <a:headEnd type="none" w="med" len="med"/>
+                      <a:tailEnd type="none" w="med" len="med"/>
+                    </a:lnT>
+                    <a:lnB w="3175" cap="flat" cmpd="sng" algn="ctr">
+                      <a:noFill/>
+                      <a:prstDash val="sysDot"/>
+                      <a:round/>
+                      <a:headEnd type="none" w="med" len="med"/>
+                      <a:tailEnd type="none" w="med" len="med"/>
+                    </a:lnB>
+                    <a:lnTlToBr w="12700" cmpd="sng">
+                      <a:noFill/>
+                      <a:prstDash val="solid"/>
+                    </a:lnTlToBr>
+                    <a:lnBlToTr w="12700" cmpd="sng">
+                      <a:noFill/>
+                      <a:prstDash val="solid"/>
+                    </a:lnBlToTr>
+                    <a:noFill/>
+                  </a:tcPr>
+                </a:tc>
+                <a:tc>
+                  <a:txBody>
+                    <a:bodyPr/>
+                    <a:lstStyle/>
+                    <a:p>
+                      <a:pPr marL="0" marR="0" lvl="0" indent="0" algn="l" defTabSz="685792" rtl="0" eaLnBrk="1" fontAlgn="auto" latinLnBrk="0" hangingPunct="1">
+                        <a:lnSpc>
+                          <a:spcPct val="130000"/>
+                        </a:lnSpc>
+                        <a:spcBef>
+                          <a:spcPts val="0"/>
+                        </a:spcBef>
+                        <a:spcAft>
+                          <a:spcPts val="0"/>
+                        </a:spcAft>
+                        <a:buClrTx/>
+                        <a:buSzTx/>
+                        <a:buFontTx/>
+                        <a:buNone/>
+                        <a:tabLst/>
+                        <a:defRPr/>
+                      </a:pPr>
+                      <a:endParaRPr lang="en-US" altLang="zh-CN" sz="1200" b="0" kern="1200" dirty="0">
+                        <a:solidFill>
+                          <a:schemeClr val="tx1">
+                            <a:lumMod val="75000"/>
+                            <a:lumOff val="25000"/>
+                          </a:schemeClr>
+                        </a:solidFill>
+                        <a:latin typeface="+mn-lt"/>
+                        <a:ea typeface="+mn-ea"/>
+                        <a:cs typeface="+mn-ea"/>
+                        <a:sym typeface="+mn-lt"/>
+                      </a:endParaRPr>
+                    </a:p>
+                  </a:txBody>
+                  <a:tcPr marL="108666" marR="108666" marT="108522" marB="108522" anchor="ctr">
+                    <a:lnL w="3175" cap="flat" cmpd="sng" algn="ctr">
+                      <a:noFill/>
+                      <a:prstDash val="solid"/>
+                      <a:round/>
+                      <a:headEnd type="none" w="med" len="med"/>
+                      <a:tailEnd type="none" w="med" len="med"/>
+                    </a:lnL>
+                    <a:lnR w="57150" cap="flat" cmpd="sng" algn="ctr">
+                      <a:noFill/>
+                      <a:prstDash val="solid"/>
+                      <a:round/>
+                      <a:headEnd type="none" w="med" len="med"/>
+                      <a:tailEnd type="none" w="med" len="med"/>
+                    </a:lnR>
+                    <a:lnT w="6350" cap="flat" cmpd="sng" algn="ctr">
+                      <a:noFill/>
+                      <a:prstDash val="solid"/>
+                      <a:round/>
+                      <a:headEnd type="none" w="med" len="med"/>
+                      <a:tailEnd type="none" w="med" len="med"/>
+                    </a:lnT>
+                    <a:lnB w="3175" cap="flat" cmpd="sng" algn="ctr">
+                      <a:noFill/>
+                      <a:prstDash val="sysDot"/>
+                      <a:round/>
+                      <a:headEnd type="none" w="med" len="med"/>
+                      <a:tailEnd type="none" w="med" len="med"/>
+                    </a:lnB>
+                    <a:lnTlToBr w="12700" cmpd="sng">
+                      <a:noFill/>
+                      <a:prstDash val="solid"/>
+                    </a:lnTlToBr>
+                    <a:lnBlToTr w="12700" cmpd="sng">
+                      <a:noFill/>
+                      <a:prstDash val="solid"/>
+                    </a:lnBlToTr>
+                    <a:noFill/>
+                  </a:tcPr>
+                </a:tc>
+                <a:tc>
+                  <a:txBody>
+                    <a:bodyPr/>
+                    <a:lstStyle/>
+                    <a:p>
+                      <a:pPr marL="0" marR="0" lvl="0" indent="0" algn="l" defTabSz="685792" rtl="0" eaLnBrk="1" fontAlgn="auto" latinLnBrk="0" hangingPunct="1">
+                        <a:lnSpc>
+                          <a:spcPct val="130000"/>
+                        </a:lnSpc>
+                        <a:spcBef>
+                          <a:spcPts val="0"/>
+                        </a:spcBef>
+                        <a:spcAft>
+                          <a:spcPts val="0"/>
+                        </a:spcAft>
+                        <a:buClrTx/>
+                        <a:buSzTx/>
+                        <a:buFontTx/>
+                        <a:buNone/>
+                        <a:tabLst/>
+                        <a:defRPr/>
+                      </a:pPr>
+                      <a:endParaRPr lang="en-US" altLang="zh-CN" sz="1200" b="0" kern="1200" dirty="0">
+                        <a:solidFill>
+                          <a:schemeClr val="tx1">
+                            <a:lumMod val="75000"/>
+                            <a:lumOff val="25000"/>
+                          </a:schemeClr>
+                        </a:solidFill>
+                        <a:latin typeface="+mn-lt"/>
+                        <a:ea typeface="+mn-ea"/>
+                        <a:cs typeface="+mn-ea"/>
+                        <a:sym typeface="+mn-lt"/>
+                      </a:endParaRPr>
+                    </a:p>
+                  </a:txBody>
+                  <a:tcPr marL="108666" marR="108666" marT="108522" marB="108522" anchor="ctr">
+                    <a:lnL w="3175" cap="flat" cmpd="sng" algn="ctr">
+                      <a:noFill/>
+                      <a:prstDash val="solid"/>
+                      <a:round/>
+                      <a:headEnd type="none" w="med" len="med"/>
+                      <a:tailEnd type="none" w="med" len="med"/>
+                    </a:lnL>
+                    <a:lnR w="57150" cap="flat" cmpd="sng" algn="ctr">
+                      <a:noFill/>
+                      <a:prstDash val="solid"/>
+                      <a:round/>
+                      <a:headEnd type="none" w="med" len="med"/>
+                      <a:tailEnd type="none" w="med" len="med"/>
+                    </a:lnR>
+                    <a:lnT w="6350" cap="flat" cmpd="sng" algn="ctr">
+                      <a:noFill/>
+                      <a:prstDash val="solid"/>
+                      <a:round/>
+                      <a:headEnd type="none" w="med" len="med"/>
+                      <a:tailEnd type="none" w="med" len="med"/>
+                    </a:lnT>
+                    <a:lnB w="3175" cap="flat" cmpd="sng" algn="ctr">
+                      <a:noFill/>
+                      <a:prstDash val="sysDot"/>
+                      <a:round/>
+                      <a:headEnd type="none" w="med" len="med"/>
+                      <a:tailEnd type="none" w="med" len="med"/>
+                    </a:lnB>
+                    <a:lnTlToBr w="12700" cmpd="sng">
+                      <a:noFill/>
+                      <a:prstDash val="solid"/>
+                    </a:lnTlToBr>
+                    <a:lnBlToTr w="12700" cmpd="sng">
+                      <a:noFill/>
+                      <a:prstDash val="solid"/>
+                    </a:lnBlToTr>
+                    <a:noFill/>
+                  </a:tcPr>
+                </a:tc>
+                <a:tc>
+                  <a:txBody>
+                    <a:bodyPr/>
+                    <a:lstStyle/>
+                    <a:p>
+                      <a:pPr marL="0" marR="0" lvl="0" indent="0" algn="l" defTabSz="685792" rtl="0" eaLnBrk="1" fontAlgn="auto" latinLnBrk="0" hangingPunct="1">
+                        <a:lnSpc>
+                          <a:spcPct val="130000"/>
+                        </a:lnSpc>
+                        <a:spcBef>
+                          <a:spcPts val="0"/>
+                        </a:spcBef>
+                        <a:spcAft>
+                          <a:spcPts val="0"/>
+                        </a:spcAft>
+                        <a:buClrTx/>
+                        <a:buSzTx/>
+                        <a:buFontTx/>
+                        <a:buNone/>
+                        <a:tabLst/>
+                        <a:defRPr/>
+                      </a:pPr>
+                      <a:endParaRPr lang="en-US" altLang="zh-CN" sz="1200" b="0" kern="1200" dirty="0">
+                        <a:solidFill>
+                          <a:schemeClr val="tx1">
+                            <a:lumMod val="75000"/>
+                            <a:lumOff val="25000"/>
+                          </a:schemeClr>
+                        </a:solidFill>
+                        <a:latin typeface="+mn-lt"/>
+                        <a:ea typeface="+mn-ea"/>
+                        <a:cs typeface="+mn-ea"/>
+                        <a:sym typeface="+mn-lt"/>
+                      </a:endParaRPr>
+                    </a:p>
+                  </a:txBody>
+                  <a:tcPr marL="108666" marR="108666" marT="108522" marB="108522" anchor="ctr">
+                    <a:lnL w="3175" cap="flat" cmpd="sng" algn="ctr">
+                      <a:noFill/>
+                      <a:prstDash val="solid"/>
+                      <a:round/>
+                      <a:headEnd type="none" w="med" len="med"/>
+                      <a:tailEnd type="none" w="med" len="med"/>
+                    </a:lnL>
+                    <a:lnR w="57150" cap="flat" cmpd="sng" algn="ctr">
+                      <a:noFill/>
+                      <a:prstDash val="solid"/>
+                      <a:round/>
+                      <a:headEnd type="none" w="med" len="med"/>
+                      <a:tailEnd type="none" w="med" len="med"/>
+                    </a:lnR>
+                    <a:lnT w="6350" cap="flat" cmpd="sng" algn="ctr">
+                      <a:noFill/>
+                      <a:prstDash val="solid"/>
+                      <a:round/>
+                      <a:headEnd type="none" w="med" len="med"/>
+                      <a:tailEnd type="none" w="med" len="med"/>
+                    </a:lnT>
+                    <a:lnB w="3175" cap="flat" cmpd="sng" algn="ctr">
+                      <a:noFill/>
+                      <a:prstDash val="sysDot"/>
+                      <a:round/>
+                      <a:headEnd type="none" w="med" len="med"/>
+                      <a:tailEnd type="none" w="med" len="med"/>
+                    </a:lnB>
+                    <a:lnTlToBr w="12700" cmpd="sng">
+                      <a:noFill/>
+                      <a:prstDash val="solid"/>
+                    </a:lnTlToBr>
+                    <a:lnBlToTr w="12700" cmpd="sng">
+                      <a:noFill/>
+                      <a:prstDash val="solid"/>
+                    </a:lnBlToTr>
+                    <a:noFill/>
+                  </a:tcPr>
+                </a:tc>
+                <a:tc>
+                  <a:txBody>
+                    <a:bodyPr/>
+                    <a:lstStyle/>
+                    <a:p>
+                      <a:pPr marL="0" marR="0" lvl="0" indent="0" algn="l" defTabSz="685792" rtl="0" eaLnBrk="1" fontAlgn="auto" latinLnBrk="0" hangingPunct="1">
+                        <a:lnSpc>
+                          <a:spcPct val="130000"/>
+                        </a:lnSpc>
+                        <a:spcBef>
+                          <a:spcPts val="0"/>
+                        </a:spcBef>
+                        <a:spcAft>
+                          <a:spcPts val="0"/>
+                        </a:spcAft>
+                        <a:buClrTx/>
+                        <a:buSzTx/>
+                        <a:buFontTx/>
+                        <a:buNone/>
+                        <a:tabLst/>
+                        <a:defRPr/>
+                      </a:pPr>
+                      <a:endParaRPr lang="en-US" altLang="zh-CN" sz="1200" b="0" kern="1200" dirty="0">
+                        <a:solidFill>
+                          <a:schemeClr val="tx1">
+                            <a:lumMod val="75000"/>
+                            <a:lumOff val="25000"/>
+                          </a:schemeClr>
+                        </a:solidFill>
+                        <a:latin typeface="+mn-lt"/>
+                        <a:ea typeface="+mn-ea"/>
+                        <a:cs typeface="+mn-ea"/>
+                        <a:sym typeface="+mn-lt"/>
+                      </a:endParaRPr>
+                    </a:p>
+                  </a:txBody>
+                  <a:tcPr marL="108666" marR="108666" marT="108522" marB="108522" anchor="ctr">
+                    <a:lnL w="3175" cap="flat" cmpd="sng" algn="ctr">
+                      <a:noFill/>
+                      <a:prstDash val="solid"/>
+                      <a:round/>
+                      <a:headEnd type="none" w="med" len="med"/>
+                      <a:tailEnd type="none" w="med" len="med"/>
+                    </a:lnL>
+                    <a:lnR w="57150" cap="flat" cmpd="sng" algn="ctr">
+                      <a:noFill/>
+                      <a:prstDash val="solid"/>
+                      <a:round/>
+                      <a:headEnd type="none" w="med" len="med"/>
+                      <a:tailEnd type="none" w="med" len="med"/>
+                    </a:lnR>
+                    <a:lnT w="6350" cap="flat" cmpd="sng" algn="ctr">
+                      <a:noFill/>
+                      <a:prstDash val="solid"/>
+                      <a:round/>
+                      <a:headEnd type="none" w="med" len="med"/>
+                      <a:tailEnd type="none" w="med" len="med"/>
+                    </a:lnT>
+                    <a:lnB w="3175" cap="flat" cmpd="sng" algn="ctr">
+                      <a:noFill/>
+                      <a:prstDash val="sysDot"/>
+                      <a:round/>
+                      <a:headEnd type="none" w="med" len="med"/>
+                      <a:tailEnd type="none" w="med" len="med"/>
+                    </a:lnB>
+                    <a:lnTlToBr w="12700" cmpd="sng">
+                      <a:noFill/>
+                      <a:prstDash val="solid"/>
+                    </a:lnTlToBr>
+                    <a:lnBlToTr w="12700" cmpd="sng">
+                      <a:noFill/>
+                      <a:prstDash val="solid"/>
+                    </a:lnBlToTr>
+                    <a:noFill/>
+                  </a:tcPr>
+                </a:tc>
+              </a:tr>
+              <a:tr h="0">
+                <a:tc>
+                  <a:txBody>
+                    <a:bodyPr/>
+                    <a:lstStyle/>
+                    <a:p>
+                      <a:pPr marL="0" marR="0" lvl="0" indent="0" algn="ctr" defTabSz="685792" rtl="0" eaLnBrk="1" fontAlgn="auto" latinLnBrk="0" hangingPunct="1">
+                        <a:lnSpc>
+                          <a:spcPct val="130000"/>
+                        </a:lnSpc>
+                        <a:spcBef>
+                          <a:spcPts val="0"/>
+                        </a:spcBef>
+                        <a:spcAft>
+                          <a:spcPts val="0"/>
+                        </a:spcAft>
+                        <a:buClrTx/>
+                        <a:buSzTx/>
+                        <a:buFontTx/>
+                        <a:buNone/>
+                        <a:tabLst/>
+                        <a:defRPr/>
+                      </a:pPr>
+                      <a:endParaRPr lang="en-US" sz="1200" b="0" kern="1200" dirty="0" smtClean="0">
+                        <a:solidFill>
+                          <a:schemeClr val="tx1">
+                            <a:lumMod val="75000"/>
+                            <a:lumOff val="25000"/>
+                          </a:schemeClr>
+                        </a:solidFill>
+                        <a:latin typeface="+mn-lt"/>
+                        <a:ea typeface="+mn-ea"/>
+                        <a:cs typeface="+mn-ea"/>
+                        <a:sym typeface="+mn-lt"/>
+                      </a:endParaRPr>
+                    </a:p>
+                  </a:txBody>
+                  <a:tcPr marL="108666" marR="108666" marT="108522" marB="108522" anchor="ctr">
+                    <a:lnL w="57150" cap="flat" cmpd="sng" algn="ctr">
+                      <a:noFill/>
+                      <a:prstDash val="solid"/>
+                      <a:round/>
+                      <a:headEnd type="none" w="med" len="med"/>
+                      <a:tailEnd type="none" w="med" len="med"/>
+                    </a:lnL>
+                    <a:lnR w="3175" cap="flat" cmpd="sng" algn="ctr">
+                      <a:noFill/>
+                      <a:prstDash val="solid"/>
+                      <a:round/>
+                      <a:headEnd type="none" w="med" len="med"/>
+                      <a:tailEnd type="none" w="med" len="med"/>
+                    </a:lnR>
+                    <a:lnT w="6350" cap="flat" cmpd="sng" algn="ctr">
+                      <a:noFill/>
+                      <a:prstDash val="solid"/>
+                      <a:round/>
+                      <a:headEnd type="none" w="med" len="med"/>
+                      <a:tailEnd type="none" w="med" len="med"/>
+                    </a:lnT>
+                    <a:lnB w="3175" cap="flat" cmpd="sng" algn="ctr">
+                      <a:solidFill>
+                        <a:schemeClr val="bg1">
+                          <a:lumMod val="75000"/>
+                        </a:schemeClr>
+                      </a:solidFill>
+                      <a:prstDash val="sysDot"/>
+                      <a:round/>
+                      <a:headEnd type="none" w="med" len="med"/>
+                      <a:tailEnd type="none" w="med" len="med"/>
+                    </a:lnB>
+                    <a:lnTlToBr w="12700" cmpd="sng">
+                      <a:noFill/>
+                      <a:prstDash val="solid"/>
+                    </a:lnTlToBr>
+                    <a:lnBlToTr w="12700" cmpd="sng">
+                      <a:noFill/>
+                      <a:prstDash val="solid"/>
+                    </a:lnBlToTr>
+                    <a:noFill/>
+                  </a:tcPr>
+                </a:tc>
+                <a:tc>
+                  <a:txBody>
+                    <a:bodyPr/>
+                    <a:lstStyle/>
+                    <a:p>
+                      <a:pPr marL="0" marR="0" lvl="0" indent="0" algn="l" defTabSz="685792" rtl="0" eaLnBrk="1" fontAlgn="auto" latinLnBrk="0" hangingPunct="1">
+                        <a:lnSpc>
+                          <a:spcPct val="130000"/>
+                        </a:lnSpc>
+                        <a:spcBef>
+                          <a:spcPts val="0"/>
+                        </a:spcBef>
+                        <a:spcAft>
+                          <a:spcPts val="0"/>
+                        </a:spcAft>
+                        <a:buClrTx/>
+                        <a:buSzTx/>
+                        <a:buFontTx/>
+                        <a:buNone/>
+                        <a:tabLst/>
+                        <a:defRPr/>
+                      </a:pPr>
+                      <a:endParaRPr lang="en-US" altLang="zh-CN" sz="1200" b="0" kern="1200" dirty="0">
+                        <a:solidFill>
+                          <a:schemeClr val="tx1">
+                            <a:lumMod val="75000"/>
+                            <a:lumOff val="25000"/>
+                          </a:schemeClr>
+                        </a:solidFill>
+                        <a:latin typeface="+mn-lt"/>
+                        <a:ea typeface="+mn-ea"/>
+                        <a:cs typeface="+mn-ea"/>
+                        <a:sym typeface="+mn-lt"/>
+                      </a:endParaRPr>
+                    </a:p>
+                  </a:txBody>
+                  <a:tcPr marL="108666" marR="108666" marT="108522" marB="108522" anchor="ctr">
+                    <a:lnL w="3175" cap="flat" cmpd="sng" algn="ctr">
+                      <a:noFill/>
+                      <a:prstDash val="solid"/>
+                      <a:round/>
+                      <a:headEnd type="none" w="med" len="med"/>
+                      <a:tailEnd type="none" w="med" len="med"/>
+                    </a:lnL>
+                    <a:lnR w="57150" cap="flat" cmpd="sng" algn="ctr">
+                      <a:noFill/>
+                      <a:prstDash val="solid"/>
+                      <a:round/>
+                      <a:headEnd type="none" w="med" len="med"/>
+                      <a:tailEnd type="none" w="med" len="med"/>
+                    </a:lnR>
+                    <a:lnT w="6350" cap="flat" cmpd="sng" algn="ctr">
+                      <a:noFill/>
+                      <a:prstDash val="solid"/>
+                      <a:round/>
+                      <a:headEnd type="none" w="med" len="med"/>
+                      <a:tailEnd type="none" w="med" len="med"/>
+                    </a:lnT>
+                    <a:lnB w="3175" cap="flat" cmpd="sng" algn="ctr">
+                      <a:solidFill>
+                        <a:schemeClr val="bg1">
+                          <a:lumMod val="75000"/>
+                        </a:schemeClr>
+                      </a:solidFill>
+                      <a:prstDash val="sysDot"/>
+                      <a:round/>
+                      <a:headEnd type="none" w="med" len="med"/>
+                      <a:tailEnd type="none" w="med" len="med"/>
+                    </a:lnB>
+                    <a:lnTlToBr w="12700" cmpd="sng">
+                      <a:noFill/>
+                      <a:prstDash val="solid"/>
+                    </a:lnTlToBr>
+                    <a:lnBlToTr w="12700" cmpd="sng">
+                      <a:noFill/>
+                      <a:prstDash val="solid"/>
+                    </a:lnBlToTr>
+                    <a:noFill/>
+                  </a:tcPr>
+                </a:tc>
+                <a:tc>
+                  <a:txBody>
+                    <a:bodyPr/>
+                    <a:lstStyle/>
+                    <a:p>
+                      <a:pPr marL="0" marR="0" lvl="0" indent="0" algn="l" defTabSz="685792" rtl="0" eaLnBrk="1" fontAlgn="auto" latinLnBrk="0" hangingPunct="1">
+                        <a:lnSpc>
+                          <a:spcPct val="130000"/>
+                        </a:lnSpc>
+                        <a:spcBef>
+                          <a:spcPts val="0"/>
+                        </a:spcBef>
+                        <a:spcAft>
+                          <a:spcPts val="0"/>
+                        </a:spcAft>
+                        <a:buClrTx/>
+                        <a:buSzTx/>
+                        <a:buFontTx/>
+                        <a:buNone/>
+                        <a:tabLst/>
+                        <a:defRPr/>
+                      </a:pPr>
+                      <a:endParaRPr lang="en-US" altLang="zh-CN" sz="1200" b="0" kern="1200" dirty="0">
+                        <a:solidFill>
+                          <a:schemeClr val="tx1">
+                            <a:lumMod val="75000"/>
+                            <a:lumOff val="25000"/>
+                          </a:schemeClr>
+                        </a:solidFill>
+                        <a:latin typeface="+mn-lt"/>
+                        <a:ea typeface="+mn-ea"/>
+                        <a:cs typeface="+mn-ea"/>
+                        <a:sym typeface="+mn-lt"/>
+                      </a:endParaRPr>
+                    </a:p>
+                  </a:txBody>
+                  <a:tcPr marL="108666" marR="108666" marT="108522" marB="108522" anchor="ctr">
+                    <a:lnL w="3175" cap="flat" cmpd="sng" algn="ctr">
+                      <a:noFill/>
+                      <a:prstDash val="solid"/>
+                      <a:round/>
+                      <a:headEnd type="none" w="med" len="med"/>
+                      <a:tailEnd type="none" w="med" len="med"/>
+                    </a:lnL>
+                    <a:lnR w="57150" cap="flat" cmpd="sng" algn="ctr">
+                      <a:noFill/>
+                      <a:prstDash val="solid"/>
+                      <a:round/>
+                      <a:headEnd type="none" w="med" len="med"/>
+                      <a:tailEnd type="none" w="med" len="med"/>
+                    </a:lnR>
+                    <a:lnT w="6350" cap="flat" cmpd="sng" algn="ctr">
+                      <a:noFill/>
+                      <a:prstDash val="solid"/>
+                      <a:round/>
+                      <a:headEnd type="none" w="med" len="med"/>
+                      <a:tailEnd type="none" w="med" len="med"/>
+                    </a:lnT>
+                    <a:lnB w="3175" cap="flat" cmpd="sng" algn="ctr">
+                      <a:solidFill>
+                        <a:schemeClr val="bg1">
+                          <a:lumMod val="75000"/>
+                        </a:schemeClr>
+                      </a:solidFill>
+                      <a:prstDash val="sysDot"/>
+                      <a:round/>
+                      <a:headEnd type="none" w="med" len="med"/>
+                      <a:tailEnd type="none" w="med" len="med"/>
+                    </a:lnB>
+                    <a:lnTlToBr w="12700" cmpd="sng">
+                      <a:noFill/>
+                      <a:prstDash val="solid"/>
+                    </a:lnTlToBr>
+                    <a:lnBlToTr w="12700" cmpd="sng">
+                      <a:noFill/>
+                      <a:prstDash val="solid"/>
+                    </a:lnBlToTr>
+                    <a:noFill/>
+                  </a:tcPr>
+                </a:tc>
+                <a:tc>
+                  <a:txBody>
+                    <a:bodyPr/>
+                    <a:lstStyle/>
+                    <a:p>
+                      <a:pPr marL="0" marR="0" lvl="0" indent="0" algn="l" defTabSz="685792" rtl="0" eaLnBrk="1" fontAlgn="auto" latinLnBrk="0" hangingPunct="1">
+                        <a:lnSpc>
+                          <a:spcPct val="130000"/>
+                        </a:lnSpc>
+                        <a:spcBef>
+                          <a:spcPts val="0"/>
+                        </a:spcBef>
+                        <a:spcAft>
+                          <a:spcPts val="0"/>
+                        </a:spcAft>
+                        <a:buClrTx/>
+                        <a:buSzTx/>
+                        <a:buFontTx/>
+                        <a:buNone/>
+                        <a:tabLst/>
+                        <a:defRPr/>
+                      </a:pPr>
+                      <a:endParaRPr lang="en-US" altLang="zh-CN" sz="1200" b="0" kern="1200" dirty="0">
+                        <a:solidFill>
+                          <a:schemeClr val="tx1">
+                            <a:lumMod val="75000"/>
+                            <a:lumOff val="25000"/>
+                          </a:schemeClr>
+                        </a:solidFill>
+                        <a:latin typeface="+mn-lt"/>
+                        <a:ea typeface="+mn-ea"/>
+                        <a:cs typeface="+mn-ea"/>
+                        <a:sym typeface="+mn-lt"/>
+                      </a:endParaRPr>
+                    </a:p>
+                  </a:txBody>
+                  <a:tcPr marL="108666" marR="108666" marT="108522" marB="108522" anchor="ctr">
+                    <a:lnL w="3175" cap="flat" cmpd="sng" algn="ctr">
+                      <a:noFill/>
+                      <a:prstDash val="solid"/>
+                      <a:round/>
+                      <a:headEnd type="none" w="med" len="med"/>
+                      <a:tailEnd type="none" w="med" len="med"/>
+                    </a:lnL>
+                    <a:lnR w="57150" cap="flat" cmpd="sng" algn="ctr">
+                      <a:noFill/>
+                      <a:prstDash val="solid"/>
+                      <a:round/>
+                      <a:headEnd type="none" w="med" len="med"/>
+                      <a:tailEnd type="none" w="med" len="med"/>
+                    </a:lnR>
+                    <a:lnT w="6350" cap="flat" cmpd="sng" algn="ctr">
+                      <a:noFill/>
+                      <a:prstDash val="solid"/>
+                      <a:round/>
+                      <a:headEnd type="none" w="med" len="med"/>
+                      <a:tailEnd type="none" w="med" len="med"/>
+                    </a:lnT>
+                    <a:lnB w="3175" cap="flat" cmpd="sng" algn="ctr">
+                      <a:solidFill>
+                        <a:schemeClr val="bg1">
+                          <a:lumMod val="75000"/>
+                        </a:schemeClr>
+                      </a:solidFill>
+                      <a:prstDash val="sysDot"/>
+                      <a:round/>
+                      <a:headEnd type="none" w="med" len="med"/>
+                      <a:tailEnd type="none" w="med" len="med"/>
+                    </a:lnB>
+                    <a:lnTlToBr w="12700" cmpd="sng">
+                      <a:noFill/>
+                      <a:prstDash val="solid"/>
+                    </a:lnTlToBr>
+                    <a:lnBlToTr w="12700" cmpd="sng">
+                      <a:noFill/>
+                      <a:prstDash val="solid"/>
+                    </a:lnBlToTr>
+                    <a:noFill/>
+                  </a:tcPr>
+                </a:tc>
+                <a:tc>
+                  <a:txBody>
+                    <a:bodyPr/>
+                    <a:lstStyle/>
+                    <a:p>
+                      <a:pPr marL="0" marR="0" lvl="0" indent="0" algn="l" defTabSz="685792" rtl="0" eaLnBrk="1" fontAlgn="auto" latinLnBrk="0" hangingPunct="1">
+                        <a:lnSpc>
+                          <a:spcPct val="130000"/>
+                        </a:lnSpc>
+                        <a:spcBef>
+                          <a:spcPts val="0"/>
+                        </a:spcBef>
+                        <a:spcAft>
+                          <a:spcPts val="0"/>
+                        </a:spcAft>
+                        <a:buClrTx/>
+                        <a:buSzTx/>
+                        <a:buFontTx/>
+                        <a:buNone/>
+                        <a:tabLst/>
+                        <a:defRPr/>
+                      </a:pPr>
+                      <a:endParaRPr lang="en-US" altLang="zh-CN" sz="1200" b="0" kern="1200" dirty="0">
+                        <a:solidFill>
+                          <a:schemeClr val="tx1">
+                            <a:lumMod val="75000"/>
+                            <a:lumOff val="25000"/>
+                          </a:schemeClr>
+                        </a:solidFill>
+                        <a:latin typeface="+mn-lt"/>
+                        <a:ea typeface="+mn-ea"/>
+                        <a:cs typeface="+mn-ea"/>
+                        <a:sym typeface="+mn-lt"/>
+                      </a:endParaRPr>
+                    </a:p>
+                  </a:txBody>
+                  <a:tcPr marL="108666" marR="108666" marT="108522" marB="108522" anchor="ctr">
+                    <a:lnL w="3175" cap="flat" cmpd="sng" algn="ctr">
+                      <a:noFill/>
+                      <a:prstDash val="solid"/>
+                      <a:round/>
+                      <a:headEnd type="none" w="med" len="med"/>
+                      <a:tailEnd type="none" w="med" len="med"/>
+                    </a:lnL>
+                    <a:lnR w="57150" cap="flat" cmpd="sng" algn="ctr">
+                      <a:noFill/>
+                      <a:prstDash val="solid"/>
+                      <a:round/>
+                      <a:headEnd type="none" w="med" len="med"/>
+                      <a:tailEnd type="none" w="med" len="med"/>
+                    </a:lnR>
+                    <a:lnT w="6350" cap="flat" cmpd="sng" algn="ctr">
+                      <a:noFill/>
+                      <a:prstDash val="solid"/>
+                      <a:round/>
+                      <a:headEnd type="none" w="med" len="med"/>
+                      <a:tailEnd type="none" w="med" len="med"/>
+                    </a:lnT>
+                    <a:lnB w="3175" cap="flat" cmpd="sng" algn="ctr">
+                      <a:solidFill>
+                        <a:schemeClr val="bg1">
+                          <a:lumMod val="75000"/>
+                        </a:schemeClr>
+                      </a:solidFill>
+                      <a:prstDash val="sysDot"/>
+                      <a:round/>
+                      <a:headEnd type="none" w="med" len="med"/>
+                      <a:tailEnd type="none" w="med" len="med"/>
+                    </a:lnB>
+                    <a:lnTlToBr w="12700" cmpd="sng">
+                      <a:noFill/>
+                      <a:prstDash val="solid"/>
+                    </a:lnTlToBr>
+                    <a:lnBlToTr w="12700" cmpd="sng">
+                      <a:noFill/>
+                      <a:prstDash val="solid"/>
+                    </a:lnBlToTr>
+                    <a:noFill/>
+                  </a:tcPr>
+                </a:tc>
+                <a:tc>
+                  <a:txBody>
+                    <a:bodyPr/>
+                    <a:lstStyle/>
+                    <a:p>
+                      <a:pPr marL="0" marR="0" lvl="0" indent="0" algn="l" defTabSz="685792" rtl="0" eaLnBrk="1" fontAlgn="auto" latinLnBrk="0" hangingPunct="1">
+                        <a:lnSpc>
+                          <a:spcPct val="130000"/>
+                        </a:lnSpc>
+                        <a:spcBef>
+                          <a:spcPts val="0"/>
+                        </a:spcBef>
+                        <a:spcAft>
+                          <a:spcPts val="0"/>
+                        </a:spcAft>
+                        <a:buClrTx/>
+                        <a:buSzTx/>
+                        <a:buFontTx/>
+                        <a:buNone/>
+                        <a:tabLst/>
+                        <a:defRPr/>
+                      </a:pPr>
+                      <a:endParaRPr lang="en-US" altLang="zh-CN" sz="1200" b="0" kern="1200" dirty="0">
+                        <a:solidFill>
+                          <a:schemeClr val="tx1">
+                            <a:lumMod val="75000"/>
+                            <a:lumOff val="25000"/>
+                          </a:schemeClr>
+                        </a:solidFill>
+                        <a:latin typeface="+mn-lt"/>
+                        <a:ea typeface="+mn-ea"/>
+                        <a:cs typeface="+mn-ea"/>
+                        <a:sym typeface="+mn-lt"/>
+                      </a:endParaRPr>
+                    </a:p>
+                  </a:txBody>
+                  <a:tcPr marL="108666" marR="108666" marT="108522" marB="108522" anchor="ctr">
+                    <a:lnL w="3175" cap="flat" cmpd="sng" algn="ctr">
+                      <a:noFill/>
+                      <a:prstDash val="solid"/>
+                      <a:round/>
+                      <a:headEnd type="none" w="med" len="med"/>
+                      <a:tailEnd type="none" w="med" len="med"/>
+                    </a:lnL>
+                    <a:lnR w="57150" cap="flat" cmpd="sng" algn="ctr">
+                      <a:noFill/>
+                      <a:prstDash val="solid"/>
+                      <a:round/>
+                      <a:headEnd type="none" w="med" len="med"/>
+                      <a:tailEnd type="none" w="med" len="med"/>
+                    </a:lnR>
+                    <a:lnT w="6350" cap="flat" cmpd="sng" algn="ctr">
+                      <a:noFill/>
+                      <a:prstDash val="solid"/>
+                      <a:round/>
+                      <a:headEnd type="none" w="med" len="med"/>
+                      <a:tailEnd type="none" w="med" len="med"/>
+                    </a:lnT>
+                    <a:lnB w="3175" cap="flat" cmpd="sng" algn="ctr">
+                      <a:solidFill>
+                        <a:schemeClr val="bg1">
+                          <a:lumMod val="75000"/>
+                        </a:schemeClr>
+                      </a:solidFill>
+                      <a:prstDash val="sysDot"/>
+                      <a:round/>
+                      <a:headEnd type="none" w="med" len="med"/>
+                      <a:tailEnd type="none" w="med" len="med"/>
+                    </a:lnB>
+                    <a:lnTlToBr w="12700" cmpd="sng">
+                      <a:noFill/>
+                      <a:prstDash val="solid"/>
+                    </a:lnTlToBr>
+                    <a:lnBlToTr w="12700" cmpd="sng">
+                      <a:noFill/>
+                      <a:prstDash val="solid"/>
+                    </a:lnBlToTr>
+                    <a:noFill/>
+                  </a:tcPr>
+                </a:tc>
+                <a:tc>
+                  <a:txBody>
+                    <a:bodyPr/>
+                    <a:lstStyle/>
+                    <a:p>
+                      <a:pPr marL="0" marR="0" lvl="0" indent="0" algn="l" defTabSz="685792" rtl="0" eaLnBrk="1" fontAlgn="auto" latinLnBrk="0" hangingPunct="1">
+                        <a:lnSpc>
+                          <a:spcPct val="130000"/>
+                        </a:lnSpc>
+                        <a:spcBef>
+                          <a:spcPts val="0"/>
+                        </a:spcBef>
+                        <a:spcAft>
+                          <a:spcPts val="0"/>
+                        </a:spcAft>
+                        <a:buClrTx/>
+                        <a:buSzTx/>
+                        <a:buFontTx/>
+                        <a:buNone/>
+                        <a:tabLst/>
+                        <a:defRPr/>
+                      </a:pPr>
+                      <a:endParaRPr lang="en-US" altLang="zh-CN" sz="1200" b="0" kern="1200" dirty="0">
+                        <a:solidFill>
+                          <a:schemeClr val="tx1">
+                            <a:lumMod val="75000"/>
+                            <a:lumOff val="25000"/>
+                          </a:schemeClr>
+                        </a:solidFill>
+                        <a:latin typeface="+mn-lt"/>
+                        <a:ea typeface="+mn-ea"/>
+                        <a:cs typeface="+mn-ea"/>
+                        <a:sym typeface="+mn-lt"/>
+                      </a:endParaRPr>
+                    </a:p>
+                  </a:txBody>
+                  <a:tcPr marL="108666" marR="108666" marT="108522" marB="108522" anchor="ctr">
+                    <a:lnL w="3175" cap="flat" cmpd="sng" algn="ctr">
+                      <a:noFill/>
+                      <a:prstDash val="solid"/>
+                      <a:round/>
+                      <a:headEnd type="none" w="med" len="med"/>
+                      <a:tailEnd type="none" w="med" len="med"/>
+                    </a:lnL>
+                    <a:lnR w="57150" cap="flat" cmpd="sng" algn="ctr">
+                      <a:noFill/>
+                      <a:prstDash val="solid"/>
+                      <a:round/>
+                      <a:headEnd type="none" w="med" len="med"/>
+                      <a:tailEnd type="none" w="med" len="med"/>
+                    </a:lnR>
+                    <a:lnT w="6350" cap="flat" cmpd="sng" algn="ctr">
+                      <a:noFill/>
+                      <a:prstDash val="solid"/>
+                      <a:round/>
+                      <a:headEnd type="none" w="med" len="med"/>
+                      <a:tailEnd type="none" w="med" len="med"/>
+                    </a:lnT>
+                    <a:lnB w="3175" cap="flat" cmpd="sng" algn="ctr">
+                      <a:solidFill>
+                        <a:schemeClr val="bg1">
+                          <a:lumMod val="75000"/>
+                        </a:schemeClr>
+                      </a:solidFill>
+                      <a:prstDash val="sysDot"/>
+                      <a:round/>
+                      <a:headEnd type="none" w="med" len="med"/>
+                      <a:tailEnd type="none" w="med" len="med"/>
+                    </a:lnB>
+                    <a:lnTlToBr w="12700" cmpd="sng">
+                      <a:noFill/>
+                      <a:prstDash val="solid"/>
+                    </a:lnTlToBr>
+                    <a:lnBlToTr w="12700" cmpd="sng">
+                      <a:noFill/>
+                      <a:prstDash val="solid"/>
+                    </a:lnBlToTr>
+                    <a:noFill/>
+                  </a:tcPr>
+                </a:tc>
+                <a:tc>
+                  <a:txBody>
+                    <a:bodyPr/>
+                    <a:lstStyle/>
+                    <a:p>
+                      <a:pPr marL="0" marR="0" lvl="0" indent="0" algn="l" defTabSz="685792" rtl="0" eaLnBrk="1" fontAlgn="auto" latinLnBrk="0" hangingPunct="1">
+                        <a:lnSpc>
+                          <a:spcPct val="130000"/>
+                        </a:lnSpc>
+                        <a:spcBef>
+                          <a:spcPts val="0"/>
+                        </a:spcBef>
+                        <a:spcAft>
+                          <a:spcPts val="0"/>
+                        </a:spcAft>
+                        <a:buClrTx/>
+                        <a:buSzTx/>
+                        <a:buFontTx/>
+                        <a:buNone/>
+                        <a:tabLst/>
+                        <a:defRPr/>
+                      </a:pPr>
+                      <a:endParaRPr lang="en-US" altLang="zh-CN" sz="1200" b="0" kern="1200" dirty="0">
+                        <a:solidFill>
+                          <a:schemeClr val="tx1">
+                            <a:lumMod val="75000"/>
+                            <a:lumOff val="25000"/>
+                          </a:schemeClr>
+                        </a:solidFill>
+                        <a:latin typeface="+mn-lt"/>
+                        <a:ea typeface="+mn-ea"/>
+                        <a:cs typeface="+mn-ea"/>
+                        <a:sym typeface="+mn-lt"/>
+                      </a:endParaRPr>
+                    </a:p>
+                  </a:txBody>
+                  <a:tcPr marL="108666" marR="108666" marT="108522" marB="108522" anchor="ctr">
+                    <a:lnL w="3175" cap="flat" cmpd="sng" algn="ctr">
+                      <a:noFill/>
+                      <a:prstDash val="solid"/>
+                      <a:round/>
+                      <a:headEnd type="none" w="med" len="med"/>
+                      <a:tailEnd type="none" w="med" len="med"/>
+                    </a:lnL>
+                    <a:lnR w="57150" cap="flat" cmpd="sng" algn="ctr">
+                      <a:noFill/>
+                      <a:prstDash val="solid"/>
+                      <a:round/>
+                      <a:headEnd type="none" w="med" len="med"/>
+                      <a:tailEnd type="none" w="med" len="med"/>
+                    </a:lnR>
+                    <a:lnT w="6350" cap="flat" cmpd="sng" algn="ctr">
+                      <a:noFill/>
+                      <a:prstDash val="solid"/>
+                      <a:round/>
+                      <a:headEnd type="none" w="med" len="med"/>
+                      <a:tailEnd type="none" w="med" len="med"/>
+                    </a:lnT>
+                    <a:lnB w="3175" cap="flat" cmpd="sng" algn="ctr">
+                      <a:solidFill>
+                        <a:schemeClr val="bg1">
+                          <a:lumMod val="75000"/>
+                        </a:schemeClr>
+                      </a:solidFill>
+                      <a:prstDash val="sysDot"/>
+                      <a:round/>
+                      <a:headEnd type="none" w="med" len="med"/>
+                      <a:tailEnd type="none" w="med" len="med"/>
+                    </a:lnB>
+                    <a:lnTlToBr w="12700" cmpd="sng">
+                      <a:noFill/>
+                      <a:prstDash val="solid"/>
+                    </a:lnTlToBr>
+                    <a:lnBlToTr w="12700" cmpd="sng">
+                      <a:noFill/>
+                      <a:prstDash val="solid"/>
+                    </a:lnBlToTr>
+                    <a:noFill/>
+                  </a:tcPr>
+                </a:tc>
+                <a:extLst>
+                  <a:ext uri="{0D108BD9-81ED-4DB2-BD59-A6C34878D82A}">
+                    <a16:rowId xmlns:a16="http://schemas.microsoft.com/office/drawing/2014/main" xmlns="" val="10001"/>
+                  </a:ext>
+                </a:extLst>
+              </a:tr>
+              <a:tr h="0">
+                <a:tc>
+                  <a:txBody>
+                    <a:bodyPr/>
+                    <a:lstStyle/>
+                    <a:p>
+                      <a:pPr marL="0" marR="0" lvl="0" indent="0" algn="ctr" defTabSz="685792" rtl="0" eaLnBrk="1" fontAlgn="auto" latinLnBrk="0" hangingPunct="1">
+                        <a:lnSpc>
+                          <a:spcPct val="130000"/>
+                        </a:lnSpc>
+                        <a:spcBef>
+                          <a:spcPts val="0"/>
+                        </a:spcBef>
+                        <a:spcAft>
+                          <a:spcPts val="0"/>
+                        </a:spcAft>
+                        <a:buClrTx/>
+                        <a:buSzTx/>
+                        <a:buFontTx/>
+                        <a:buNone/>
+                        <a:tabLst/>
+                        <a:defRPr/>
+                      </a:pPr>
+                      <a:endParaRPr lang="zh-CN" altLang="en-US" sz="1200" b="0" kern="1200" dirty="0">
+                        <a:solidFill>
+                          <a:schemeClr val="tx1">
+                            <a:lumMod val="75000"/>
+                            <a:lumOff val="25000"/>
+                          </a:schemeClr>
+                        </a:solidFill>
+                        <a:latin typeface="+mn-lt"/>
+                        <a:ea typeface="+mn-ea"/>
+                        <a:cs typeface="+mn-ea"/>
+                        <a:sym typeface="+mn-lt"/>
+                      </a:endParaRPr>
+                    </a:p>
+                  </a:txBody>
+                  <a:tcPr marL="108666" marR="108666" marT="108522" marB="108522" anchor="ctr">
+                    <a:lnL w="57150" cap="flat" cmpd="sng" algn="ctr">
+                      <a:noFill/>
+                      <a:prstDash val="solid"/>
+                      <a:round/>
+                      <a:headEnd type="none" w="med" len="med"/>
+                      <a:tailEnd type="none" w="med" len="med"/>
+                    </a:lnL>
+                    <a:lnR w="3175" cap="flat" cmpd="sng" algn="ctr">
+                      <a:noFill/>
+                      <a:prstDash val="solid"/>
+                      <a:round/>
+                      <a:headEnd type="none" w="med" len="med"/>
+                      <a:tailEnd type="none" w="med" len="med"/>
+                    </a:lnR>
+                    <a:lnT w="3175" cap="flat" cmpd="sng" algn="ctr">
+                      <a:solidFill>
+                        <a:schemeClr val="bg1">
+                          <a:lumMod val="75000"/>
+                        </a:schemeClr>
+                      </a:solidFill>
+                      <a:prstDash val="sysDot"/>
+                      <a:round/>
+                      <a:headEnd type="none" w="med" len="med"/>
+                      <a:tailEnd type="none" w="med" len="med"/>
+                    </a:lnT>
+                    <a:lnB w="3175" cap="flat" cmpd="sng" algn="ctr">
+                      <a:solidFill>
+                        <a:schemeClr val="bg1">
+                          <a:lumMod val="75000"/>
+                        </a:schemeClr>
+                      </a:solidFill>
+                      <a:prstDash val="sysDot"/>
+                      <a:round/>
+                      <a:headEnd type="none" w="med" len="med"/>
+                      <a:tailEnd type="none" w="med" len="med"/>
+                    </a:lnB>
+                    <a:lnTlToBr w="12700" cmpd="sng">
+                      <a:noFill/>
+                      <a:prstDash val="solid"/>
+                    </a:lnTlToBr>
+                    <a:lnBlToTr w="12700" cmpd="sng">
+                      <a:noFill/>
+                      <a:prstDash val="solid"/>
+                    </a:lnBlToTr>
+                    <a:noFill/>
+                  </a:tcPr>
+                </a:tc>
+                <a:tc>
+                  <a:txBody>
+                    <a:bodyPr/>
+                    <a:lstStyle/>
+                    <a:p>
+                      <a:pPr marL="0" marR="0" lvl="0" indent="0" algn="l" defTabSz="685792" rtl="0" eaLnBrk="1" fontAlgn="auto" latinLnBrk="0" hangingPunct="1">
+                        <a:lnSpc>
+                          <a:spcPct val="130000"/>
+                        </a:lnSpc>
+                        <a:spcBef>
+                          <a:spcPts val="0"/>
+                        </a:spcBef>
+                        <a:spcAft>
+                          <a:spcPts val="0"/>
+                        </a:spcAft>
+                        <a:buClrTx/>
+                        <a:buSzTx/>
+                        <a:buFontTx/>
+                        <a:buNone/>
+                        <a:tabLst/>
+                        <a:defRPr/>
+                      </a:pPr>
+                      <a:endParaRPr lang="zh-CN" altLang="en-US" sz="1200" b="0" kern="1200" dirty="0">
+                        <a:solidFill>
+                          <a:schemeClr val="tx1">
+                            <a:lumMod val="75000"/>
+                            <a:lumOff val="25000"/>
+                          </a:schemeClr>
+                        </a:solidFill>
+                        <a:latin typeface="+mn-lt"/>
+                        <a:ea typeface="+mn-ea"/>
+                        <a:cs typeface="+mn-ea"/>
+                        <a:sym typeface="+mn-lt"/>
+                      </a:endParaRPr>
+                    </a:p>
+                  </a:txBody>
+                  <a:tcPr marL="108666" marR="108666" marT="108522" marB="108522" anchor="ctr">
+                    <a:lnL w="3175" cap="flat" cmpd="sng" algn="ctr">
+                      <a:noFill/>
+                      <a:prstDash val="solid"/>
+                      <a:round/>
+                      <a:headEnd type="none" w="med" len="med"/>
+                      <a:tailEnd type="none" w="med" len="med"/>
+                    </a:lnL>
+                    <a:lnR w="57150" cap="flat" cmpd="sng" algn="ctr">
+                      <a:noFill/>
+                      <a:prstDash val="solid"/>
+                      <a:round/>
+                      <a:headEnd type="none" w="med" len="med"/>
+                      <a:tailEnd type="none" w="med" len="med"/>
+                    </a:lnR>
+                    <a:lnT w="3175" cap="flat" cmpd="sng" algn="ctr">
+                      <a:solidFill>
+                        <a:schemeClr val="bg1">
+                          <a:lumMod val="75000"/>
+                        </a:schemeClr>
+                      </a:solidFill>
+                      <a:prstDash val="sysDot"/>
+                      <a:round/>
+                      <a:headEnd type="none" w="med" len="med"/>
+                      <a:tailEnd type="none" w="med" len="med"/>
+                    </a:lnT>
+                    <a:lnB w="3175" cap="flat" cmpd="sng" algn="ctr">
+                      <a:solidFill>
+                        <a:schemeClr val="bg1">
+                          <a:lumMod val="75000"/>
+                        </a:schemeClr>
+                      </a:solidFill>
+                      <a:prstDash val="sysDot"/>
+                      <a:round/>
+                      <a:headEnd type="none" w="med" len="med"/>
+                      <a:tailEnd type="none" w="med" len="med"/>
+                    </a:lnB>
+                    <a:lnTlToBr w="12700" cmpd="sng">
+                      <a:noFill/>
+                      <a:prstDash val="solid"/>
+                    </a:lnTlToBr>
+                    <a:lnBlToTr w="12700" cmpd="sng">
+                      <a:noFill/>
+                      <a:prstDash val="solid"/>
+                    </a:lnBlToTr>
+                    <a:noFill/>
+                  </a:tcPr>
+                </a:tc>
+                <a:tc>
+                  <a:txBody>
+                    <a:bodyPr/>
+                    <a:lstStyle/>
+                    <a:p>
+                      <a:pPr marL="0" marR="0" lvl="0" indent="0" algn="l" defTabSz="685792" rtl="0" eaLnBrk="1" fontAlgn="auto" latinLnBrk="0" hangingPunct="1">
+                        <a:lnSpc>
+                          <a:spcPct val="130000"/>
+                        </a:lnSpc>
+                        <a:spcBef>
+                          <a:spcPts val="0"/>
+                        </a:spcBef>
+                        <a:spcAft>
+                          <a:spcPts val="0"/>
+                        </a:spcAft>
+                        <a:buClrTx/>
+                        <a:buSzTx/>
+                        <a:buFontTx/>
+                        <a:buNone/>
+                        <a:tabLst/>
+                        <a:defRPr/>
+                      </a:pPr>
+                      <a:endParaRPr lang="zh-CN" altLang="en-US" sz="1200" b="0" kern="1200" dirty="0">
+                        <a:solidFill>
+                          <a:schemeClr val="tx1">
+                            <a:lumMod val="75000"/>
+                            <a:lumOff val="25000"/>
+                          </a:schemeClr>
+                        </a:solidFill>
+                        <a:latin typeface="+mn-lt"/>
+                        <a:ea typeface="+mn-ea"/>
+                        <a:cs typeface="+mn-ea"/>
+                        <a:sym typeface="+mn-lt"/>
+                      </a:endParaRPr>
+                    </a:p>
+                  </a:txBody>
+                  <a:tcPr marL="108666" marR="108666" marT="108522" marB="108522" anchor="ctr">
+                    <a:lnL w="3175" cap="flat" cmpd="sng" algn="ctr">
+                      <a:noFill/>
+                      <a:prstDash val="solid"/>
+                      <a:round/>
+                      <a:headEnd type="none" w="med" len="med"/>
+                      <a:tailEnd type="none" w="med" len="med"/>
+                    </a:lnL>
+                    <a:lnR w="57150" cap="flat" cmpd="sng" algn="ctr">
+                      <a:noFill/>
+                      <a:prstDash val="solid"/>
+                      <a:round/>
+                      <a:headEnd type="none" w="med" len="med"/>
+                      <a:tailEnd type="none" w="med" len="med"/>
+                    </a:lnR>
+                    <a:lnT w="3175" cap="flat" cmpd="sng" algn="ctr">
+                      <a:solidFill>
+                        <a:schemeClr val="bg1">
+                          <a:lumMod val="75000"/>
+                        </a:schemeClr>
+                      </a:solidFill>
+                      <a:prstDash val="sysDot"/>
+                      <a:round/>
+                      <a:headEnd type="none" w="med" len="med"/>
+                      <a:tailEnd type="none" w="med" len="med"/>
+                    </a:lnT>
+                    <a:lnB w="3175" cap="flat" cmpd="sng" algn="ctr">
+                      <a:solidFill>
+                        <a:schemeClr val="bg1">
+                          <a:lumMod val="75000"/>
+                        </a:schemeClr>
+                      </a:solidFill>
+                      <a:prstDash val="sysDot"/>
+                      <a:round/>
+                      <a:headEnd type="none" w="med" len="med"/>
+                      <a:tailEnd type="none" w="med" len="med"/>
+                    </a:lnB>
+                    <a:lnTlToBr w="12700" cmpd="sng">
+                      <a:noFill/>
+                      <a:prstDash val="solid"/>
+                    </a:lnTlToBr>
+                    <a:lnBlToTr w="12700" cmpd="sng">
+                      <a:noFill/>
+                      <a:prstDash val="solid"/>
+                    </a:lnBlToTr>
+                    <a:noFill/>
+                  </a:tcPr>
+                </a:tc>
+                <a:tc>
+                  <a:txBody>
+                    <a:bodyPr/>
+                    <a:lstStyle/>
+                    <a:p>
+                      <a:pPr marL="0" marR="0" lvl="0" indent="0" algn="l" defTabSz="685792" rtl="0" eaLnBrk="1" fontAlgn="auto" latinLnBrk="0" hangingPunct="1">
+                        <a:lnSpc>
+                          <a:spcPct val="130000"/>
+                        </a:lnSpc>
+                        <a:spcBef>
+                          <a:spcPts val="0"/>
+                        </a:spcBef>
+                        <a:spcAft>
+                          <a:spcPts val="0"/>
+                        </a:spcAft>
+                        <a:buClrTx/>
+                        <a:buSzTx/>
+                        <a:buFontTx/>
+                        <a:buNone/>
+                        <a:tabLst/>
+                        <a:defRPr/>
+                      </a:pPr>
+                      <a:endParaRPr lang="zh-CN" altLang="en-US" sz="1200" b="0" kern="1200" dirty="0">
+                        <a:solidFill>
+                          <a:schemeClr val="tx1">
+                            <a:lumMod val="75000"/>
+                            <a:lumOff val="25000"/>
+                          </a:schemeClr>
+                        </a:solidFill>
+                        <a:latin typeface="+mn-lt"/>
+                        <a:ea typeface="+mn-ea"/>
+                        <a:cs typeface="+mn-ea"/>
+                        <a:sym typeface="+mn-lt"/>
+                      </a:endParaRPr>
+                    </a:p>
+                  </a:txBody>
+                  <a:tcPr marL="108666" marR="108666" marT="108522" marB="108522" anchor="ctr">
+                    <a:lnL w="3175" cap="flat" cmpd="sng" algn="ctr">
+                      <a:noFill/>
+                      <a:prstDash val="solid"/>
+                      <a:round/>
+                      <a:headEnd type="none" w="med" len="med"/>
+                      <a:tailEnd type="none" w="med" len="med"/>
+                    </a:lnL>
+                    <a:lnR w="57150" cap="flat" cmpd="sng" algn="ctr">
+                      <a:noFill/>
+                      <a:prstDash val="solid"/>
+                      <a:round/>
+                      <a:headEnd type="none" w="med" len="med"/>
+                      <a:tailEnd type="none" w="med" len="med"/>
+                    </a:lnR>
+                    <a:lnT w="3175" cap="flat" cmpd="sng" algn="ctr">
+                      <a:solidFill>
+                        <a:schemeClr val="bg1">
+                          <a:lumMod val="75000"/>
+                        </a:schemeClr>
+                      </a:solidFill>
+                      <a:prstDash val="sysDot"/>
+                      <a:round/>
+                      <a:headEnd type="none" w="med" len="med"/>
+                      <a:tailEnd type="none" w="med" len="med"/>
+                    </a:lnT>
+                    <a:lnB w="3175" cap="flat" cmpd="sng" algn="ctr">
+                      <a:solidFill>
+                        <a:schemeClr val="bg1">
+                          <a:lumMod val="75000"/>
+                        </a:schemeClr>
+                      </a:solidFill>
+                      <a:prstDash val="sysDot"/>
+                      <a:round/>
+                      <a:headEnd type="none" w="med" len="med"/>
+                      <a:tailEnd type="none" w="med" len="med"/>
+                    </a:lnB>
+                    <a:lnTlToBr w="12700" cmpd="sng">
+                      <a:noFill/>
+                      <a:prstDash val="solid"/>
+                    </a:lnTlToBr>
+                    <a:lnBlToTr w="12700" cmpd="sng">
+                      <a:noFill/>
+                      <a:prstDash val="solid"/>
+                    </a:lnBlToTr>
+                    <a:noFill/>
+                  </a:tcPr>
+                </a:tc>
+                <a:tc>
+                  <a:txBody>
+                    <a:bodyPr/>
+                    <a:lstStyle/>
+                    <a:p>
+                      <a:pPr marL="0" marR="0" lvl="0" indent="0" algn="l" defTabSz="685792" rtl="0" eaLnBrk="1" fontAlgn="auto" latinLnBrk="0" hangingPunct="1">
+                        <a:lnSpc>
+                          <a:spcPct val="130000"/>
+                        </a:lnSpc>
+                        <a:spcBef>
+                          <a:spcPts val="0"/>
+                        </a:spcBef>
+                        <a:spcAft>
+                          <a:spcPts val="0"/>
+                        </a:spcAft>
+                        <a:buClrTx/>
+                        <a:buSzTx/>
+                        <a:buFontTx/>
+                        <a:buNone/>
+                        <a:tabLst/>
+                        <a:defRPr/>
+                      </a:pPr>
+                      <a:endParaRPr lang="zh-CN" altLang="en-US" sz="1200" b="0" kern="1200" dirty="0">
+                        <a:solidFill>
+                          <a:schemeClr val="tx1">
+                            <a:lumMod val="75000"/>
+                            <a:lumOff val="25000"/>
+                          </a:schemeClr>
+                        </a:solidFill>
+                        <a:latin typeface="+mn-lt"/>
+                        <a:ea typeface="+mn-ea"/>
+                        <a:cs typeface="+mn-ea"/>
+                        <a:sym typeface="+mn-lt"/>
+                      </a:endParaRPr>
+                    </a:p>
+                  </a:txBody>
+                  <a:tcPr marL="108666" marR="108666" marT="108522" marB="108522" anchor="ctr">
+                    <a:lnL w="3175" cap="flat" cmpd="sng" algn="ctr">
+                      <a:noFill/>
+                      <a:prstDash val="solid"/>
+                      <a:round/>
+                      <a:headEnd type="none" w="med" len="med"/>
+                      <a:tailEnd type="none" w="med" len="med"/>
+                    </a:lnL>
+                    <a:lnR w="57150" cap="flat" cmpd="sng" algn="ctr">
+                      <a:noFill/>
+                      <a:prstDash val="solid"/>
+                      <a:round/>
+                      <a:headEnd type="none" w="med" len="med"/>
+                      <a:tailEnd type="none" w="med" len="med"/>
+                    </a:lnR>
+                    <a:lnT w="3175" cap="flat" cmpd="sng" algn="ctr">
+                      <a:solidFill>
+                        <a:schemeClr val="bg1">
+                          <a:lumMod val="75000"/>
+                        </a:schemeClr>
+                      </a:solidFill>
+                      <a:prstDash val="sysDot"/>
+                      <a:round/>
+                      <a:headEnd type="none" w="med" len="med"/>
+                      <a:tailEnd type="none" w="med" len="med"/>
+                    </a:lnT>
+                    <a:lnB w="3175" cap="flat" cmpd="sng" algn="ctr">
+                      <a:solidFill>
+                        <a:schemeClr val="bg1">
+                          <a:lumMod val="75000"/>
+                        </a:schemeClr>
+                      </a:solidFill>
+                      <a:prstDash val="sysDot"/>
+                      <a:round/>
+                      <a:headEnd type="none" w="med" len="med"/>
+                      <a:tailEnd type="none" w="med" len="med"/>
+                    </a:lnB>
+                    <a:lnTlToBr w="12700" cmpd="sng">
+                      <a:noFill/>
+                      <a:prstDash val="solid"/>
+                    </a:lnTlToBr>
+                    <a:lnBlToTr w="12700" cmpd="sng">
+                      <a:noFill/>
+                      <a:prstDash val="solid"/>
+                    </a:lnBlToTr>
+                    <a:noFill/>
+                  </a:tcPr>
+                </a:tc>
+                <a:tc>
+                  <a:txBody>
+                    <a:bodyPr/>
+                    <a:lstStyle/>
+                    <a:p>
+                      <a:pPr marL="0" marR="0" lvl="0" indent="0" algn="l" defTabSz="685792" rtl="0" eaLnBrk="1" fontAlgn="auto" latinLnBrk="0" hangingPunct="1">
+                        <a:lnSpc>
+                          <a:spcPct val="130000"/>
+                        </a:lnSpc>
+                        <a:spcBef>
+                          <a:spcPts val="0"/>
+                        </a:spcBef>
+                        <a:spcAft>
+                          <a:spcPts val="0"/>
+                        </a:spcAft>
+                        <a:buClrTx/>
+                        <a:buSzTx/>
+                        <a:buFontTx/>
+                        <a:buNone/>
+                        <a:tabLst/>
+                        <a:defRPr/>
+                      </a:pPr>
+                      <a:endParaRPr lang="zh-CN" altLang="en-US" sz="1200" b="0" kern="1200" dirty="0">
+                        <a:solidFill>
+                          <a:schemeClr val="tx1">
+                            <a:lumMod val="75000"/>
+                            <a:lumOff val="25000"/>
+                          </a:schemeClr>
+                        </a:solidFill>
+                        <a:latin typeface="+mn-lt"/>
+                        <a:ea typeface="+mn-ea"/>
+                        <a:cs typeface="+mn-ea"/>
+                        <a:sym typeface="+mn-lt"/>
+                      </a:endParaRPr>
+                    </a:p>
+                  </a:txBody>
+                  <a:tcPr marL="108666" marR="108666" marT="108522" marB="108522" anchor="ctr">
+                    <a:lnL w="3175" cap="flat" cmpd="sng" algn="ctr">
+                      <a:noFill/>
+                      <a:prstDash val="solid"/>
+                      <a:round/>
+                      <a:headEnd type="none" w="med" len="med"/>
+                      <a:tailEnd type="none" w="med" len="med"/>
+                    </a:lnL>
+                    <a:lnR w="57150" cap="flat" cmpd="sng" algn="ctr">
+                      <a:noFill/>
+                      <a:prstDash val="solid"/>
+                      <a:round/>
+                      <a:headEnd type="none" w="med" len="med"/>
+                      <a:tailEnd type="none" w="med" len="med"/>
+                    </a:lnR>
+                    <a:lnT w="3175" cap="flat" cmpd="sng" algn="ctr">
+                      <a:solidFill>
+                        <a:schemeClr val="bg1">
+                          <a:lumMod val="75000"/>
+                        </a:schemeClr>
+                      </a:solidFill>
+                      <a:prstDash val="sysDot"/>
+                      <a:round/>
+                      <a:headEnd type="none" w="med" len="med"/>
+                      <a:tailEnd type="none" w="med" len="med"/>
+                    </a:lnT>
+                    <a:lnB w="3175" cap="flat" cmpd="sng" algn="ctr">
+                      <a:solidFill>
+                        <a:schemeClr val="bg1">
+                          <a:lumMod val="75000"/>
+                        </a:schemeClr>
+                      </a:solidFill>
+                      <a:prstDash val="sysDot"/>
+                      <a:round/>
+                      <a:headEnd type="none" w="med" len="med"/>
+                      <a:tailEnd type="none" w="med" len="med"/>
+                    </a:lnB>
+                    <a:lnTlToBr w="12700" cmpd="sng">
+                      <a:noFill/>
+                      <a:prstDash val="solid"/>
+                    </a:lnTlToBr>
+                    <a:lnBlToTr w="12700" cmpd="sng">
+                      <a:noFill/>
+                      <a:prstDash val="solid"/>
+                    </a:lnBlToTr>
+                    <a:noFill/>
+                  </a:tcPr>
+                </a:tc>
+                <a:tc>
+                  <a:txBody>
+                    <a:bodyPr/>
+                    <a:lstStyle/>
+                    <a:p>
+                      <a:pPr marL="0" marR="0" lvl="0" indent="0" algn="l" defTabSz="685792" rtl="0" eaLnBrk="1" fontAlgn="auto" latinLnBrk="0" hangingPunct="1">
+                        <a:lnSpc>
+                          <a:spcPct val="130000"/>
+                        </a:lnSpc>
+                        <a:spcBef>
+                          <a:spcPts val="0"/>
+                        </a:spcBef>
+                        <a:spcAft>
+                          <a:spcPts val="0"/>
+                        </a:spcAft>
+                        <a:buClrTx/>
+                        <a:buSzTx/>
+                        <a:buFontTx/>
+                        <a:buNone/>
+                        <a:tabLst/>
+                        <a:defRPr/>
+                      </a:pPr>
+                      <a:endParaRPr lang="zh-CN" altLang="en-US" sz="1200" b="0" kern="1200" dirty="0">
+                        <a:solidFill>
+                          <a:schemeClr val="tx1">
+                            <a:lumMod val="75000"/>
+                            <a:lumOff val="25000"/>
+                          </a:schemeClr>
+                        </a:solidFill>
+                        <a:latin typeface="+mn-lt"/>
+                        <a:ea typeface="+mn-ea"/>
+                        <a:cs typeface="+mn-ea"/>
+                        <a:sym typeface="+mn-lt"/>
+                      </a:endParaRPr>
+                    </a:p>
+                  </a:txBody>
+                  <a:tcPr marL="108666" marR="108666" marT="108522" marB="108522" anchor="ctr">
+                    <a:lnL w="3175" cap="flat" cmpd="sng" algn="ctr">
+                      <a:noFill/>
+                      <a:prstDash val="solid"/>
+                      <a:round/>
+                      <a:headEnd type="none" w="med" len="med"/>
+                      <a:tailEnd type="none" w="med" len="med"/>
+                    </a:lnL>
+                    <a:lnR w="57150" cap="flat" cmpd="sng" algn="ctr">
+                      <a:noFill/>
+                      <a:prstDash val="solid"/>
+                      <a:round/>
+                      <a:headEnd type="none" w="med" len="med"/>
+                      <a:tailEnd type="none" w="med" len="med"/>
+                    </a:lnR>
+                    <a:lnT w="3175" cap="flat" cmpd="sng" algn="ctr">
+                      <a:solidFill>
+                        <a:schemeClr val="bg1">
+                          <a:lumMod val="75000"/>
+                        </a:schemeClr>
+                      </a:solidFill>
+                      <a:prstDash val="sysDot"/>
+                      <a:round/>
+                      <a:headEnd type="none" w="med" len="med"/>
+                      <a:tailEnd type="none" w="med" len="med"/>
+                    </a:lnT>
+                    <a:lnB w="3175" cap="flat" cmpd="sng" algn="ctr">
+                      <a:solidFill>
+                        <a:schemeClr val="bg1">
+                          <a:lumMod val="75000"/>
+                        </a:schemeClr>
+                      </a:solidFill>
+                      <a:prstDash val="sysDot"/>
+                      <a:round/>
+                      <a:headEnd type="none" w="med" len="med"/>
+                      <a:tailEnd type="none" w="med" len="med"/>
+                    </a:lnB>
+                    <a:lnTlToBr w="12700" cmpd="sng">
+                      <a:noFill/>
+                      <a:prstDash val="solid"/>
+                    </a:lnTlToBr>
+                    <a:lnBlToTr w="12700" cmpd="sng">
+                      <a:noFill/>
+                      <a:prstDash val="solid"/>
+                    </a:lnBlToTr>
+                    <a:noFill/>
+                  </a:tcPr>
+                </a:tc>
+                <a:tc>
+                  <a:txBody>
+                    <a:bodyPr/>
+                    <a:lstStyle/>
+                    <a:p>
+                      <a:pPr marL="0" marR="0" lvl="0" indent="0" algn="l" defTabSz="685792" rtl="0" eaLnBrk="1" fontAlgn="auto" latinLnBrk="0" hangingPunct="1">
+                        <a:lnSpc>
+                          <a:spcPct val="130000"/>
+                        </a:lnSpc>
+                        <a:spcBef>
+                          <a:spcPts val="0"/>
+                        </a:spcBef>
+                        <a:spcAft>
+                          <a:spcPts val="0"/>
+                        </a:spcAft>
+                        <a:buClrTx/>
+                        <a:buSzTx/>
+                        <a:buFontTx/>
+                        <a:buNone/>
+                        <a:tabLst/>
+                        <a:defRPr/>
+                      </a:pPr>
+                      <a:endParaRPr lang="zh-CN" altLang="en-US" sz="1200" b="0" kern="1200" dirty="0">
+                        <a:solidFill>
+                          <a:schemeClr val="tx1">
+                            <a:lumMod val="75000"/>
+                            <a:lumOff val="25000"/>
+                          </a:schemeClr>
+                        </a:solidFill>
+                        <a:latin typeface="+mn-lt"/>
+                        <a:ea typeface="+mn-ea"/>
+                        <a:cs typeface="+mn-ea"/>
+                        <a:sym typeface="+mn-lt"/>
+                      </a:endParaRPr>
+                    </a:p>
+                  </a:txBody>
+                  <a:tcPr marL="108666" marR="108666" marT="108522" marB="108522" anchor="ctr">
+                    <a:lnL w="3175" cap="flat" cmpd="sng" algn="ctr">
+                      <a:noFill/>
+                      <a:prstDash val="solid"/>
+                      <a:round/>
+                      <a:headEnd type="none" w="med" len="med"/>
+                      <a:tailEnd type="none" w="med" len="med"/>
+                    </a:lnL>
+                    <a:lnR w="57150" cap="flat" cmpd="sng" algn="ctr">
+                      <a:noFill/>
+                      <a:prstDash val="solid"/>
+                      <a:round/>
+                      <a:headEnd type="none" w="med" len="med"/>
+                      <a:tailEnd type="none" w="med" len="med"/>
+                    </a:lnR>
+                    <a:lnT w="3175" cap="flat" cmpd="sng" algn="ctr">
+                      <a:solidFill>
+                        <a:schemeClr val="bg1">
+                          <a:lumMod val="75000"/>
+                        </a:schemeClr>
+                      </a:solidFill>
+                      <a:prstDash val="sysDot"/>
+                      <a:round/>
+                      <a:headEnd type="none" w="med" len="med"/>
+                      <a:tailEnd type="none" w="med" len="med"/>
+                    </a:lnT>
+                    <a:lnB w="3175" cap="flat" cmpd="sng" algn="ctr">
+                      <a:solidFill>
+                        <a:schemeClr val="bg1">
+                          <a:lumMod val="75000"/>
+                        </a:schemeClr>
+                      </a:solidFill>
+                      <a:prstDash val="sysDot"/>
+                      <a:round/>
+                      <a:headEnd type="none" w="med" len="med"/>
+                      <a:tailEnd type="none" w="med" len="med"/>
+                    </a:lnB>
+                    <a:lnTlToBr w="12700" cmpd="sng">
+                      <a:noFill/>
+                      <a:prstDash val="solid"/>
+                    </a:lnTlToBr>
+                    <a:lnBlToTr w="12700" cmpd="sng">
+                      <a:noFill/>
+                      <a:prstDash val="solid"/>
+                    </a:lnBlToTr>
+                    <a:noFill/>
+                  </a:tcPr>
+                </a:tc>
+                <a:extLst>
+                  <a:ext uri="{0D108BD9-81ED-4DB2-BD59-A6C34878D82A}">
+                    <a16:rowId xmlns:a16="http://schemas.microsoft.com/office/drawing/2014/main" xmlns="" val="10002"/>
+                  </a:ext>
+                </a:extLst>
+              </a:tr>
+              <a:tr h="474724">
+                <a:tc>
+                  <a:txBody>
+                    <a:bodyPr/>
+                    <a:lstStyle/>
+                    <a:p>
+                      <a:pPr marL="0" marR="0" lvl="0" indent="0" algn="ctr" defTabSz="685792" rtl="0" eaLnBrk="1" fontAlgn="auto" latinLnBrk="0" hangingPunct="1">
+                        <a:lnSpc>
+                          <a:spcPct val="130000"/>
+                        </a:lnSpc>
+                        <a:spcBef>
+                          <a:spcPts val="0"/>
+                        </a:spcBef>
+                        <a:spcAft>
+                          <a:spcPts val="0"/>
+                        </a:spcAft>
+                        <a:buClrTx/>
+                        <a:buSzTx/>
+                        <a:buFontTx/>
+                        <a:buNone/>
+                        <a:tabLst/>
+                        <a:defRPr/>
+                      </a:pPr>
+                      <a:endParaRPr lang="zh-CN" altLang="en-US" sz="1200" b="0" kern="1200" dirty="0">
+                        <a:solidFill>
+                          <a:schemeClr val="tx1">
+                            <a:lumMod val="75000"/>
+                            <a:lumOff val="25000"/>
+                          </a:schemeClr>
+                        </a:solidFill>
+                        <a:latin typeface="+mn-lt"/>
+                        <a:ea typeface="+mn-ea"/>
+                        <a:cs typeface="+mn-ea"/>
+                        <a:sym typeface="+mn-lt"/>
+                      </a:endParaRPr>
+                    </a:p>
+                  </a:txBody>
+                  <a:tcPr marL="108666" marR="108666" marT="108522" marB="108522" anchor="ctr">
+                    <a:lnL w="57150" cap="flat" cmpd="sng" algn="ctr">
+                      <a:noFill/>
+                      <a:prstDash val="solid"/>
+                      <a:round/>
+                      <a:headEnd type="none" w="med" len="med"/>
+                      <a:tailEnd type="none" w="med" len="med"/>
+                    </a:lnL>
+                    <a:lnR w="3175" cap="flat" cmpd="sng" algn="ctr">
+                      <a:noFill/>
+                      <a:prstDash val="solid"/>
+                      <a:round/>
+                      <a:headEnd type="none" w="med" len="med"/>
+                      <a:tailEnd type="none" w="med" len="med"/>
+                    </a:lnR>
+                    <a:lnT w="3175" cap="flat" cmpd="sng" algn="ctr">
+                      <a:solidFill>
+                        <a:schemeClr val="bg1">
+                          <a:lumMod val="75000"/>
+                        </a:schemeClr>
+                      </a:solidFill>
+                      <a:prstDash val="sysDot"/>
+                      <a:round/>
+                      <a:headEnd type="none" w="med" len="med"/>
+                      <a:tailEnd type="none" w="med" len="med"/>
+                    </a:lnT>
+                    <a:lnB w="3175" cap="flat" cmpd="sng" algn="ctr">
+                      <a:solidFill>
+                        <a:schemeClr val="bg1">
+                          <a:lumMod val="75000"/>
+                        </a:schemeClr>
+                      </a:solidFill>
+                      <a:prstDash val="sysDot"/>
+                      <a:round/>
+                      <a:headEnd type="none" w="med" len="med"/>
+                      <a:tailEnd type="none" w="med" len="med"/>
+                    </a:lnB>
+                    <a:lnTlToBr w="12700" cmpd="sng">
+                      <a:noFill/>
+                      <a:prstDash val="solid"/>
+                    </a:lnTlToBr>
+                    <a:lnBlToTr w="12700" cmpd="sng">
+                      <a:noFill/>
+                      <a:prstDash val="solid"/>
+                    </a:lnBlToTr>
+                    <a:noFill/>
+                  </a:tcPr>
+                </a:tc>
+                <a:tc>
+                  <a:txBody>
+                    <a:bodyPr/>
+                    <a:lstStyle/>
+                    <a:p>
+                      <a:pPr marL="0" marR="0" lvl="0" indent="0" algn="l" defTabSz="685792" rtl="0" eaLnBrk="1" fontAlgn="auto" latinLnBrk="0" hangingPunct="1">
+                        <a:lnSpc>
+                          <a:spcPct val="130000"/>
+                        </a:lnSpc>
+                        <a:spcBef>
+                          <a:spcPts val="0"/>
+                        </a:spcBef>
+                        <a:spcAft>
+                          <a:spcPts val="0"/>
+                        </a:spcAft>
+                        <a:buClrTx/>
+                        <a:buSzTx/>
+                        <a:buFontTx/>
+                        <a:buNone/>
+                        <a:tabLst/>
+                        <a:defRPr/>
+                      </a:pPr>
+                      <a:endParaRPr lang="zh-CN" altLang="en-US" sz="1200" b="0" kern="1200" dirty="0">
+                        <a:solidFill>
+                          <a:schemeClr val="tx1">
+                            <a:lumMod val="75000"/>
+                            <a:lumOff val="25000"/>
+                          </a:schemeClr>
+                        </a:solidFill>
+                        <a:latin typeface="+mn-lt"/>
+                        <a:ea typeface="+mn-ea"/>
+                        <a:cs typeface="+mn-ea"/>
+                        <a:sym typeface="+mn-lt"/>
+                      </a:endParaRPr>
+                    </a:p>
+                  </a:txBody>
+                  <a:tcPr marL="108666" marR="108666" marT="108522" marB="108522" anchor="ctr">
+                    <a:lnL w="3175" cap="flat" cmpd="sng" algn="ctr">
+                      <a:noFill/>
+                      <a:prstDash val="solid"/>
+                      <a:round/>
+                      <a:headEnd type="none" w="med" len="med"/>
+                      <a:tailEnd type="none" w="med" len="med"/>
+                    </a:lnL>
+                    <a:lnR w="57150" cap="flat" cmpd="sng" algn="ctr">
+                      <a:noFill/>
+                      <a:prstDash val="solid"/>
+                      <a:round/>
+                      <a:headEnd type="none" w="med" len="med"/>
+                      <a:tailEnd type="none" w="med" len="med"/>
+                    </a:lnR>
+                    <a:lnT w="3175" cap="flat" cmpd="sng" algn="ctr">
+                      <a:solidFill>
+                        <a:schemeClr val="bg1">
+                          <a:lumMod val="75000"/>
+                        </a:schemeClr>
+                      </a:solidFill>
+                      <a:prstDash val="sysDot"/>
+                      <a:round/>
+                      <a:headEnd type="none" w="med" len="med"/>
+                      <a:tailEnd type="none" w="med" len="med"/>
+                    </a:lnT>
+                    <a:lnB w="3175" cap="flat" cmpd="sng" algn="ctr">
+                      <a:solidFill>
+                        <a:schemeClr val="bg1">
+                          <a:lumMod val="75000"/>
+                        </a:schemeClr>
+                      </a:solidFill>
+                      <a:prstDash val="sysDot"/>
+                      <a:round/>
+                      <a:headEnd type="none" w="med" len="med"/>
+                      <a:tailEnd type="none" w="med" len="med"/>
+                    </a:lnB>
+                    <a:lnTlToBr w="12700" cmpd="sng">
+                      <a:noFill/>
+                      <a:prstDash val="solid"/>
+                    </a:lnTlToBr>
+                    <a:lnBlToTr w="12700" cmpd="sng">
+                      <a:noFill/>
+                      <a:prstDash val="solid"/>
+                    </a:lnBlToTr>
+                    <a:noFill/>
+                  </a:tcPr>
+                </a:tc>
+                <a:tc>
+                  <a:txBody>
+                    <a:bodyPr/>
+                    <a:lstStyle/>
+                    <a:p>
+                      <a:pPr marL="0" marR="0" lvl="0" indent="0" algn="l" defTabSz="685792" rtl="0" eaLnBrk="1" fontAlgn="auto" latinLnBrk="0" hangingPunct="1">
+                        <a:lnSpc>
+                          <a:spcPct val="130000"/>
+                        </a:lnSpc>
+                        <a:spcBef>
+                          <a:spcPts val="0"/>
+                        </a:spcBef>
+                        <a:spcAft>
+                          <a:spcPts val="0"/>
+                        </a:spcAft>
+                        <a:buClrTx/>
+                        <a:buSzTx/>
+                        <a:buFontTx/>
+                        <a:buNone/>
+                        <a:tabLst/>
+                        <a:defRPr/>
+                      </a:pPr>
+                      <a:endParaRPr lang="zh-CN" altLang="en-US" sz="1200" b="0" kern="1200" dirty="0">
+                        <a:solidFill>
+                          <a:schemeClr val="tx1">
+                            <a:lumMod val="75000"/>
+                            <a:lumOff val="25000"/>
+                          </a:schemeClr>
+                        </a:solidFill>
+                        <a:latin typeface="+mn-lt"/>
+                        <a:ea typeface="+mn-ea"/>
+                        <a:cs typeface="+mn-ea"/>
+                        <a:sym typeface="+mn-lt"/>
+                      </a:endParaRPr>
+                    </a:p>
+                  </a:txBody>
+                  <a:tcPr marL="108666" marR="108666" marT="108522" marB="108522" anchor="ctr">
+                    <a:lnL w="3175" cap="flat" cmpd="sng" algn="ctr">
+                      <a:noFill/>
+                      <a:prstDash val="solid"/>
+                      <a:round/>
+                      <a:headEnd type="none" w="med" len="med"/>
+                      <a:tailEnd type="none" w="med" len="med"/>
+                    </a:lnL>
+                    <a:lnR w="57150" cap="flat" cmpd="sng" algn="ctr">
+                      <a:noFill/>
+                      <a:prstDash val="solid"/>
+                      <a:round/>
+                      <a:headEnd type="none" w="med" len="med"/>
+                      <a:tailEnd type="none" w="med" len="med"/>
+                    </a:lnR>
+                    <a:lnT w="3175" cap="flat" cmpd="sng" algn="ctr">
+                      <a:solidFill>
+                        <a:schemeClr val="bg1">
+                          <a:lumMod val="75000"/>
+                        </a:schemeClr>
+                      </a:solidFill>
+                      <a:prstDash val="sysDot"/>
+                      <a:round/>
+                      <a:headEnd type="none" w="med" len="med"/>
+                      <a:tailEnd type="none" w="med" len="med"/>
+                    </a:lnT>
+                    <a:lnB w="3175" cap="flat" cmpd="sng" algn="ctr">
+                      <a:solidFill>
+                        <a:schemeClr val="bg1">
+                          <a:lumMod val="75000"/>
+                        </a:schemeClr>
+                      </a:solidFill>
+                      <a:prstDash val="sysDot"/>
+                      <a:round/>
+                      <a:headEnd type="none" w="med" len="med"/>
+                      <a:tailEnd type="none" w="med" len="med"/>
+                    </a:lnB>
+                    <a:lnTlToBr w="12700" cmpd="sng">
+                      <a:noFill/>
+                      <a:prstDash val="solid"/>
+                    </a:lnTlToBr>
+                    <a:lnBlToTr w="12700" cmpd="sng">
+                      <a:noFill/>
+                      <a:prstDash val="solid"/>
+                    </a:lnBlToTr>
+                    <a:noFill/>
+                  </a:tcPr>
+                </a:tc>
+                <a:tc>
+                  <a:txBody>
+                    <a:bodyPr/>
+                    <a:lstStyle/>
+                    <a:p>
+                      <a:pPr marL="0" marR="0" lvl="0" indent="0" algn="l" defTabSz="685792" rtl="0" eaLnBrk="1" fontAlgn="auto" latinLnBrk="0" hangingPunct="1">
+                        <a:lnSpc>
+                          <a:spcPct val="130000"/>
+                        </a:lnSpc>
+                        <a:spcBef>
+                          <a:spcPts val="0"/>
+                        </a:spcBef>
+                        <a:spcAft>
+                          <a:spcPts val="0"/>
+                        </a:spcAft>
+                        <a:buClrTx/>
+                        <a:buSzTx/>
+                        <a:buFontTx/>
+                        <a:buNone/>
+                        <a:tabLst/>
+                        <a:defRPr/>
+                      </a:pPr>
+                      <a:endParaRPr lang="zh-CN" altLang="en-US" sz="1200" b="0" kern="1200" dirty="0">
+                        <a:solidFill>
+                          <a:schemeClr val="tx1">
+                            <a:lumMod val="75000"/>
+                            <a:lumOff val="25000"/>
+                          </a:schemeClr>
+                        </a:solidFill>
+                        <a:latin typeface="+mn-lt"/>
+                        <a:ea typeface="+mn-ea"/>
+                        <a:cs typeface="+mn-ea"/>
+                        <a:sym typeface="+mn-lt"/>
+                      </a:endParaRPr>
+                    </a:p>
+                  </a:txBody>
+                  <a:tcPr marL="108666" marR="108666" marT="108522" marB="108522" anchor="ctr">
+                    <a:lnL w="3175" cap="flat" cmpd="sng" algn="ctr">
+                      <a:noFill/>
+                      <a:prstDash val="solid"/>
+                      <a:round/>
+                      <a:headEnd type="none" w="med" len="med"/>
+                      <a:tailEnd type="none" w="med" len="med"/>
+                    </a:lnL>
+                    <a:lnR w="57150" cap="flat" cmpd="sng" algn="ctr">
+                      <a:noFill/>
+                      <a:prstDash val="solid"/>
+                      <a:round/>
+                      <a:headEnd type="none" w="med" len="med"/>
+                      <a:tailEnd type="none" w="med" len="med"/>
+                    </a:lnR>
+                    <a:lnT w="3175" cap="flat" cmpd="sng" algn="ctr">
+                      <a:solidFill>
+                        <a:schemeClr val="bg1">
+                          <a:lumMod val="75000"/>
+                        </a:schemeClr>
+                      </a:solidFill>
+                      <a:prstDash val="sysDot"/>
+                      <a:round/>
+                      <a:headEnd type="none" w="med" len="med"/>
+                      <a:tailEnd type="none" w="med" len="med"/>
+                    </a:lnT>
+                    <a:lnB w="3175" cap="flat" cmpd="sng" algn="ctr">
+                      <a:solidFill>
+                        <a:schemeClr val="bg1">
+                          <a:lumMod val="75000"/>
+                        </a:schemeClr>
+                      </a:solidFill>
+                      <a:prstDash val="sysDot"/>
+                      <a:round/>
+                      <a:headEnd type="none" w="med" len="med"/>
+                      <a:tailEnd type="none" w="med" len="med"/>
+                    </a:lnB>
+                    <a:lnTlToBr w="12700" cmpd="sng">
+                      <a:noFill/>
+                      <a:prstDash val="solid"/>
+                    </a:lnTlToBr>
+                    <a:lnBlToTr w="12700" cmpd="sng">
+                      <a:noFill/>
+                      <a:prstDash val="solid"/>
+                    </a:lnBlToTr>
+                    <a:noFill/>
+                  </a:tcPr>
+                </a:tc>
+                <a:tc>
+                  <a:txBody>
+                    <a:bodyPr/>
+                    <a:lstStyle/>
+                    <a:p>
+                      <a:pPr marL="0" marR="0" lvl="0" indent="0" algn="l" defTabSz="685792" rtl="0" eaLnBrk="1" fontAlgn="auto" latinLnBrk="0" hangingPunct="1">
+                        <a:lnSpc>
+                          <a:spcPct val="130000"/>
+                        </a:lnSpc>
+                        <a:spcBef>
+                          <a:spcPts val="0"/>
+                        </a:spcBef>
+                        <a:spcAft>
+                          <a:spcPts val="0"/>
+                        </a:spcAft>
+                        <a:buClrTx/>
+                        <a:buSzTx/>
+                        <a:buFontTx/>
+                        <a:buNone/>
+                        <a:tabLst/>
+                        <a:defRPr/>
+                      </a:pPr>
+                      <a:endParaRPr lang="zh-CN" altLang="en-US" sz="1200" b="0" kern="1200" dirty="0">
+                        <a:solidFill>
+                          <a:schemeClr val="tx1">
+                            <a:lumMod val="75000"/>
+                            <a:lumOff val="25000"/>
+                          </a:schemeClr>
+                        </a:solidFill>
+                        <a:latin typeface="+mn-lt"/>
+                        <a:ea typeface="+mn-ea"/>
+                        <a:cs typeface="+mn-ea"/>
+                        <a:sym typeface="+mn-lt"/>
+                      </a:endParaRPr>
+                    </a:p>
+                  </a:txBody>
+                  <a:tcPr marL="108666" marR="108666" marT="108522" marB="108522" anchor="ctr">
+                    <a:lnL w="3175" cap="flat" cmpd="sng" algn="ctr">
+                      <a:noFill/>
+                      <a:prstDash val="solid"/>
+                      <a:round/>
+                      <a:headEnd type="none" w="med" len="med"/>
+                      <a:tailEnd type="none" w="med" len="med"/>
+                    </a:lnL>
+                    <a:lnR w="57150" cap="flat" cmpd="sng" algn="ctr">
+                      <a:noFill/>
+                      <a:prstDash val="solid"/>
+                      <a:round/>
+                      <a:headEnd type="none" w="med" len="med"/>
+                      <a:tailEnd type="none" w="med" len="med"/>
+                    </a:lnR>
+                    <a:lnT w="3175" cap="flat" cmpd="sng" algn="ctr">
+                      <a:solidFill>
+                        <a:schemeClr val="bg1">
+                          <a:lumMod val="75000"/>
+                        </a:schemeClr>
+                      </a:solidFill>
+                      <a:prstDash val="sysDot"/>
+                      <a:round/>
+                      <a:headEnd type="none" w="med" len="med"/>
+                      <a:tailEnd type="none" w="med" len="med"/>
+                    </a:lnT>
+                    <a:lnB w="3175" cap="flat" cmpd="sng" algn="ctr">
+                      <a:solidFill>
+                        <a:schemeClr val="bg1">
+                          <a:lumMod val="75000"/>
+                        </a:schemeClr>
+                      </a:solidFill>
+                      <a:prstDash val="sysDot"/>
+                      <a:round/>
+                      <a:headEnd type="none" w="med" len="med"/>
+                      <a:tailEnd type="none" w="med" len="med"/>
+                    </a:lnB>
+                    <a:lnTlToBr w="12700" cmpd="sng">
+                      <a:noFill/>
+                      <a:prstDash val="solid"/>
+                    </a:lnTlToBr>
+                    <a:lnBlToTr w="12700" cmpd="sng">
+                      <a:noFill/>
+                      <a:prstDash val="solid"/>
+                    </a:lnBlToTr>
+                    <a:noFill/>
+                  </a:tcPr>
+                </a:tc>
+                <a:tc>
+                  <a:txBody>
+                    <a:bodyPr/>
+                    <a:lstStyle/>
+                    <a:p>
+                      <a:pPr marL="0" marR="0" lvl="0" indent="0" algn="l" defTabSz="685792" rtl="0" eaLnBrk="1" fontAlgn="auto" latinLnBrk="0" hangingPunct="1">
+                        <a:lnSpc>
+                          <a:spcPct val="130000"/>
+                        </a:lnSpc>
+                        <a:spcBef>
+                          <a:spcPts val="0"/>
+                        </a:spcBef>
+                        <a:spcAft>
+                          <a:spcPts val="0"/>
+                        </a:spcAft>
+                        <a:buClrTx/>
+                        <a:buSzTx/>
+                        <a:buFontTx/>
+                        <a:buNone/>
+                        <a:tabLst/>
+                        <a:defRPr/>
+                      </a:pPr>
+                      <a:endParaRPr lang="zh-CN" altLang="en-US" sz="1200" b="0" kern="1200" dirty="0">
+                        <a:solidFill>
+                          <a:schemeClr val="tx1">
+                            <a:lumMod val="75000"/>
+                            <a:lumOff val="25000"/>
+                          </a:schemeClr>
+                        </a:solidFill>
+                        <a:latin typeface="+mn-lt"/>
+                        <a:ea typeface="+mn-ea"/>
+                        <a:cs typeface="+mn-ea"/>
+                        <a:sym typeface="+mn-lt"/>
+                      </a:endParaRPr>
+                    </a:p>
+                  </a:txBody>
+                  <a:tcPr marL="108666" marR="108666" marT="108522" marB="108522" anchor="ctr">
+                    <a:lnL w="3175" cap="flat" cmpd="sng" algn="ctr">
+                      <a:noFill/>
+                      <a:prstDash val="solid"/>
+                      <a:round/>
+                      <a:headEnd type="none" w="med" len="med"/>
+                      <a:tailEnd type="none" w="med" len="med"/>
+                    </a:lnL>
+                    <a:lnR w="57150" cap="flat" cmpd="sng" algn="ctr">
+                      <a:noFill/>
+                      <a:prstDash val="solid"/>
+                      <a:round/>
+                      <a:headEnd type="none" w="med" len="med"/>
+                      <a:tailEnd type="none" w="med" len="med"/>
+                    </a:lnR>
+                    <a:lnT w="3175" cap="flat" cmpd="sng" algn="ctr">
+                      <a:solidFill>
+                        <a:schemeClr val="bg1">
+                          <a:lumMod val="75000"/>
+                        </a:schemeClr>
+                      </a:solidFill>
+                      <a:prstDash val="sysDot"/>
+                      <a:round/>
+                      <a:headEnd type="none" w="med" len="med"/>
+                      <a:tailEnd type="none" w="med" len="med"/>
+                    </a:lnT>
+                    <a:lnB w="3175" cap="flat" cmpd="sng" algn="ctr">
+                      <a:solidFill>
+                        <a:schemeClr val="bg1">
+                          <a:lumMod val="75000"/>
+                        </a:schemeClr>
+                      </a:solidFill>
+                      <a:prstDash val="sysDot"/>
+                      <a:round/>
+                      <a:headEnd type="none" w="med" len="med"/>
+                      <a:tailEnd type="none" w="med" len="med"/>
+                    </a:lnB>
+                    <a:lnTlToBr w="12700" cmpd="sng">
+                      <a:noFill/>
+                      <a:prstDash val="solid"/>
+                    </a:lnTlToBr>
+                    <a:lnBlToTr w="12700" cmpd="sng">
+                      <a:noFill/>
+                      <a:prstDash val="solid"/>
+                    </a:lnBlToTr>
+                    <a:noFill/>
+                  </a:tcPr>
+                </a:tc>
+                <a:tc>
+                  <a:txBody>
+                    <a:bodyPr/>
+                    <a:lstStyle/>
+                    <a:p>
+                      <a:pPr marL="0" marR="0" lvl="0" indent="0" algn="l" defTabSz="685792" rtl="0" eaLnBrk="1" fontAlgn="auto" latinLnBrk="0" hangingPunct="1">
+                        <a:lnSpc>
+                          <a:spcPct val="130000"/>
+                        </a:lnSpc>
+                        <a:spcBef>
+                          <a:spcPts val="0"/>
+                        </a:spcBef>
+                        <a:spcAft>
+                          <a:spcPts val="0"/>
+                        </a:spcAft>
+                        <a:buClrTx/>
+                        <a:buSzTx/>
+                        <a:buFontTx/>
+                        <a:buNone/>
+                        <a:tabLst/>
+                        <a:defRPr/>
+                      </a:pPr>
+                      <a:endParaRPr lang="zh-CN" altLang="en-US" sz="1200" b="0" kern="1200" dirty="0">
+                        <a:solidFill>
+                          <a:schemeClr val="tx1">
+                            <a:lumMod val="75000"/>
+                            <a:lumOff val="25000"/>
+                          </a:schemeClr>
+                        </a:solidFill>
+                        <a:latin typeface="+mn-lt"/>
+                        <a:ea typeface="+mn-ea"/>
+                        <a:cs typeface="+mn-ea"/>
+                        <a:sym typeface="+mn-lt"/>
+                      </a:endParaRPr>
+                    </a:p>
+                  </a:txBody>
+                  <a:tcPr marL="108666" marR="108666" marT="108522" marB="108522" anchor="ctr">
+                    <a:lnL w="3175" cap="flat" cmpd="sng" algn="ctr">
+                      <a:noFill/>
+                      <a:prstDash val="solid"/>
+                      <a:round/>
+                      <a:headEnd type="none" w="med" len="med"/>
+                      <a:tailEnd type="none" w="med" len="med"/>
+                    </a:lnL>
+                    <a:lnR w="57150" cap="flat" cmpd="sng" algn="ctr">
+                      <a:noFill/>
+                      <a:prstDash val="solid"/>
+                      <a:round/>
+                      <a:headEnd type="none" w="med" len="med"/>
+                      <a:tailEnd type="none" w="med" len="med"/>
+                    </a:lnR>
+                    <a:lnT w="3175" cap="flat" cmpd="sng" algn="ctr">
+                      <a:solidFill>
+                        <a:schemeClr val="bg1">
+                          <a:lumMod val="75000"/>
+                        </a:schemeClr>
+                      </a:solidFill>
+                      <a:prstDash val="sysDot"/>
+                      <a:round/>
+                      <a:headEnd type="none" w="med" len="med"/>
+                      <a:tailEnd type="none" w="med" len="med"/>
+                    </a:lnT>
+                    <a:lnB w="3175" cap="flat" cmpd="sng" algn="ctr">
+                      <a:solidFill>
+                        <a:schemeClr val="bg1">
+                          <a:lumMod val="75000"/>
+                        </a:schemeClr>
+                      </a:solidFill>
+                      <a:prstDash val="sysDot"/>
+                      <a:round/>
+                      <a:headEnd type="none" w="med" len="med"/>
+                      <a:tailEnd type="none" w="med" len="med"/>
+                    </a:lnB>
+                    <a:lnTlToBr w="12700" cmpd="sng">
+                      <a:noFill/>
+                      <a:prstDash val="solid"/>
+                    </a:lnTlToBr>
+                    <a:lnBlToTr w="12700" cmpd="sng">
+                      <a:noFill/>
+                      <a:prstDash val="solid"/>
+                    </a:lnBlToTr>
+                    <a:noFill/>
+                  </a:tcPr>
+                </a:tc>
+                <a:tc>
+                  <a:txBody>
+                    <a:bodyPr/>
+                    <a:lstStyle/>
+                    <a:p>
+                      <a:pPr marL="0" marR="0" lvl="0" indent="0" algn="l" defTabSz="685792" rtl="0" eaLnBrk="1" fontAlgn="auto" latinLnBrk="0" hangingPunct="1">
+                        <a:lnSpc>
+                          <a:spcPct val="130000"/>
+                        </a:lnSpc>
+                        <a:spcBef>
+                          <a:spcPts val="0"/>
+                        </a:spcBef>
+                        <a:spcAft>
+                          <a:spcPts val="0"/>
+                        </a:spcAft>
+                        <a:buClrTx/>
+                        <a:buSzTx/>
+                        <a:buFontTx/>
+                        <a:buNone/>
+                        <a:tabLst/>
+                        <a:defRPr/>
+                      </a:pPr>
+                      <a:endParaRPr lang="zh-CN" altLang="en-US" sz="1200" b="0" kern="1200" dirty="0">
+                        <a:solidFill>
+                          <a:schemeClr val="tx1">
+                            <a:lumMod val="75000"/>
+                            <a:lumOff val="25000"/>
+                          </a:schemeClr>
+                        </a:solidFill>
+                        <a:latin typeface="+mn-lt"/>
+                        <a:ea typeface="+mn-ea"/>
+                        <a:cs typeface="+mn-ea"/>
+                        <a:sym typeface="+mn-lt"/>
+                      </a:endParaRPr>
+                    </a:p>
+                  </a:txBody>
+                  <a:tcPr marL="108666" marR="108666" marT="108522" marB="108522" anchor="ctr">
+                    <a:lnL w="3175" cap="flat" cmpd="sng" algn="ctr">
+                      <a:noFill/>
+                      <a:prstDash val="solid"/>
+                      <a:round/>
+                      <a:headEnd type="none" w="med" len="med"/>
+                      <a:tailEnd type="none" w="med" len="med"/>
+                    </a:lnL>
+                    <a:lnR w="57150" cap="flat" cmpd="sng" algn="ctr">
+                      <a:noFill/>
+                      <a:prstDash val="solid"/>
+                      <a:round/>
+                      <a:headEnd type="none" w="med" len="med"/>
+                      <a:tailEnd type="none" w="med" len="med"/>
+                    </a:lnR>
+                    <a:lnT w="3175" cap="flat" cmpd="sng" algn="ctr">
+                      <a:solidFill>
+                        <a:schemeClr val="bg1">
+                          <a:lumMod val="75000"/>
+                        </a:schemeClr>
+                      </a:solidFill>
+                      <a:prstDash val="sysDot"/>
+                      <a:round/>
+                      <a:headEnd type="none" w="med" len="med"/>
+                      <a:tailEnd type="none" w="med" len="med"/>
+                    </a:lnT>
+                    <a:lnB w="3175" cap="flat" cmpd="sng" algn="ctr">
+                      <a:solidFill>
+                        <a:schemeClr val="bg1">
+                          <a:lumMod val="75000"/>
+                        </a:schemeClr>
+                      </a:solidFill>
+                      <a:prstDash val="sysDot"/>
+                      <a:round/>
+                      <a:headEnd type="none" w="med" len="med"/>
+                      <a:tailEnd type="none" w="med" len="med"/>
+                    </a:lnB>
+                    <a:lnTlToBr w="12700" cmpd="sng">
+                      <a:noFill/>
+                      <a:prstDash val="solid"/>
+                    </a:lnTlToBr>
+                    <a:lnBlToTr w="12700" cmpd="sng">
+                      <a:noFill/>
+                      <a:prstDash val="solid"/>
+                    </a:lnBlToTr>
+                    <a:noFill/>
+                  </a:tcPr>
+                </a:tc>
+                <a:extLst>
+                  <a:ext uri="{0D108BD9-81ED-4DB2-BD59-A6C34878D82A}">
+                    <a16:rowId xmlns:a16="http://schemas.microsoft.com/office/drawing/2014/main" xmlns="" val="10003"/>
+                  </a:ext>
+                </a:extLst>
+              </a:tr>
+              <a:tr h="474724">
+                <a:tc>
+                  <a:txBody>
+                    <a:bodyPr/>
+                    <a:lstStyle/>
+                    <a:p>
+                      <a:pPr marL="0" marR="0" lvl="0" indent="0" algn="ctr" defTabSz="685792" rtl="0" eaLnBrk="1" fontAlgn="auto" latinLnBrk="0" hangingPunct="1">
+                        <a:lnSpc>
+                          <a:spcPct val="130000"/>
+                        </a:lnSpc>
+                        <a:spcBef>
+                          <a:spcPts val="0"/>
+                        </a:spcBef>
+                        <a:spcAft>
+                          <a:spcPts val="0"/>
+                        </a:spcAft>
+                        <a:buClrTx/>
+                        <a:buSzTx/>
+                        <a:buFontTx/>
+                        <a:buNone/>
+                        <a:tabLst/>
+                        <a:defRPr/>
+                      </a:pPr>
+                      <a:endParaRPr lang="zh-CN" altLang="en-US" sz="1200" b="0" kern="1200" dirty="0">
+                        <a:solidFill>
+                          <a:schemeClr val="tx1">
+                            <a:lumMod val="75000"/>
+                            <a:lumOff val="25000"/>
+                          </a:schemeClr>
+                        </a:solidFill>
+                        <a:latin typeface="+mn-lt"/>
+                        <a:ea typeface="+mn-ea"/>
+                        <a:cs typeface="+mn-ea"/>
+                        <a:sym typeface="+mn-lt"/>
+                      </a:endParaRPr>
+                    </a:p>
+                  </a:txBody>
+                  <a:tcPr marL="108666" marR="108666" marT="108522" marB="108522" anchor="ctr">
+                    <a:lnL w="57150" cap="flat" cmpd="sng" algn="ctr">
+                      <a:noFill/>
+                      <a:prstDash val="solid"/>
+                      <a:round/>
+                      <a:headEnd type="none" w="med" len="med"/>
+                      <a:tailEnd type="none" w="med" len="med"/>
+                    </a:lnL>
+                    <a:lnR w="3175" cap="flat" cmpd="sng" algn="ctr">
+                      <a:noFill/>
+                      <a:prstDash val="solid"/>
+                      <a:round/>
+                      <a:headEnd type="none" w="med" len="med"/>
+                      <a:tailEnd type="none" w="med" len="med"/>
+                    </a:lnR>
+                    <a:lnT w="3175" cap="flat" cmpd="sng" algn="ctr">
+                      <a:solidFill>
+                        <a:schemeClr val="bg1">
+                          <a:lumMod val="75000"/>
+                        </a:schemeClr>
+                      </a:solidFill>
+                      <a:prstDash val="sysDot"/>
+                      <a:round/>
+                      <a:headEnd type="none" w="med" len="med"/>
+                      <a:tailEnd type="none" w="med" len="med"/>
+                    </a:lnT>
+                    <a:lnB w="3175" cap="flat" cmpd="sng" algn="ctr">
+                      <a:solidFill>
+                        <a:schemeClr val="bg1">
+                          <a:lumMod val="75000"/>
+                        </a:schemeClr>
+                      </a:solidFill>
+                      <a:prstDash val="sysDot"/>
+                      <a:round/>
+                      <a:headEnd type="none" w="med" len="med"/>
+                      <a:tailEnd type="none" w="med" len="med"/>
+                    </a:lnB>
+                    <a:lnTlToBr w="12700" cmpd="sng">
+                      <a:noFill/>
+                      <a:prstDash val="solid"/>
+                    </a:lnTlToBr>
+                    <a:lnBlToTr w="12700" cmpd="sng">
+                      <a:noFill/>
+                      <a:prstDash val="solid"/>
+                    </a:lnBlToTr>
+                    <a:noFill/>
+                  </a:tcPr>
+                </a:tc>
+                <a:tc>
+                  <a:txBody>
+                    <a:bodyPr/>
+                    <a:lstStyle/>
+                    <a:p>
+                      <a:pPr marL="0" marR="0" lvl="0" indent="0" algn="l" defTabSz="685792" rtl="0" eaLnBrk="1" fontAlgn="auto" latinLnBrk="0" hangingPunct="1">
+                        <a:lnSpc>
+                          <a:spcPct val="130000"/>
+                        </a:lnSpc>
+                        <a:spcBef>
+                          <a:spcPts val="0"/>
+                        </a:spcBef>
+                        <a:spcAft>
+                          <a:spcPts val="0"/>
+                        </a:spcAft>
+                        <a:buClrTx/>
+                        <a:buSzTx/>
+                        <a:buFontTx/>
+                        <a:buNone/>
+                        <a:tabLst/>
+                        <a:defRPr/>
+                      </a:pPr>
+                      <a:endParaRPr lang="zh-CN" altLang="en-US" sz="1200" b="0" kern="1200" dirty="0">
+                        <a:solidFill>
+                          <a:schemeClr val="tx1">
+                            <a:lumMod val="75000"/>
+                            <a:lumOff val="25000"/>
+                          </a:schemeClr>
+                        </a:solidFill>
+                        <a:latin typeface="+mn-lt"/>
+                        <a:ea typeface="+mn-ea"/>
+                        <a:cs typeface="+mn-ea"/>
+                        <a:sym typeface="+mn-lt"/>
+                      </a:endParaRPr>
+                    </a:p>
+                  </a:txBody>
+                  <a:tcPr marL="108666" marR="108666" marT="108522" marB="108522" anchor="ctr">
+                    <a:lnL w="3175" cap="flat" cmpd="sng" algn="ctr">
+                      <a:noFill/>
+                      <a:prstDash val="solid"/>
+                      <a:round/>
+                      <a:headEnd type="none" w="med" len="med"/>
+                      <a:tailEnd type="none" w="med" len="med"/>
+                    </a:lnL>
+                    <a:lnR w="57150" cap="flat" cmpd="sng" algn="ctr">
+                      <a:noFill/>
+                      <a:prstDash val="solid"/>
+                      <a:round/>
+                      <a:headEnd type="none" w="med" len="med"/>
+                      <a:tailEnd type="none" w="med" len="med"/>
+                    </a:lnR>
+                    <a:lnT w="3175" cap="flat" cmpd="sng" algn="ctr">
+                      <a:solidFill>
+                        <a:schemeClr val="bg1">
+                          <a:lumMod val="75000"/>
+                        </a:schemeClr>
+                      </a:solidFill>
+                      <a:prstDash val="sysDot"/>
+                      <a:round/>
+                      <a:headEnd type="none" w="med" len="med"/>
+                      <a:tailEnd type="none" w="med" len="med"/>
+                    </a:lnT>
+                    <a:lnB w="3175" cap="flat" cmpd="sng" algn="ctr">
+                      <a:solidFill>
+                        <a:schemeClr val="bg1">
+                          <a:lumMod val="75000"/>
+                        </a:schemeClr>
+                      </a:solidFill>
+                      <a:prstDash val="sysDot"/>
+                      <a:round/>
+                      <a:headEnd type="none" w="med" len="med"/>
+                      <a:tailEnd type="none" w="med" len="med"/>
+                    </a:lnB>
+                    <a:lnTlToBr w="12700" cmpd="sng">
+                      <a:noFill/>
+                      <a:prstDash val="solid"/>
+                    </a:lnTlToBr>
+                    <a:lnBlToTr w="12700" cmpd="sng">
+                      <a:noFill/>
+                      <a:prstDash val="solid"/>
+                    </a:lnBlToTr>
+                    <a:noFill/>
+                  </a:tcPr>
+                </a:tc>
+                <a:tc>
+                  <a:txBody>
+                    <a:bodyPr/>
+                    <a:lstStyle/>
+                    <a:p>
+                      <a:pPr marL="0" marR="0" lvl="0" indent="0" algn="l" defTabSz="685792" rtl="0" eaLnBrk="1" fontAlgn="auto" latinLnBrk="0" hangingPunct="1">
+                        <a:lnSpc>
+                          <a:spcPct val="130000"/>
+                        </a:lnSpc>
+                        <a:spcBef>
+                          <a:spcPts val="0"/>
+                        </a:spcBef>
+                        <a:spcAft>
+                          <a:spcPts val="0"/>
+                        </a:spcAft>
+                        <a:buClrTx/>
+                        <a:buSzTx/>
+                        <a:buFontTx/>
+                        <a:buNone/>
+                        <a:tabLst/>
+                        <a:defRPr/>
+                      </a:pPr>
+                      <a:endParaRPr lang="zh-CN" altLang="en-US" sz="1200" b="0" kern="1200" dirty="0">
+                        <a:solidFill>
+                          <a:schemeClr val="tx1">
+                            <a:lumMod val="75000"/>
+                            <a:lumOff val="25000"/>
+                          </a:schemeClr>
+                        </a:solidFill>
+                        <a:latin typeface="+mn-lt"/>
+                        <a:ea typeface="+mn-ea"/>
+                        <a:cs typeface="+mn-ea"/>
+                        <a:sym typeface="+mn-lt"/>
+                      </a:endParaRPr>
+                    </a:p>
+                  </a:txBody>
+                  <a:tcPr marL="108666" marR="108666" marT="108522" marB="108522" anchor="ctr">
+                    <a:lnL w="3175" cap="flat" cmpd="sng" algn="ctr">
+                      <a:noFill/>
+                      <a:prstDash val="solid"/>
+                      <a:round/>
+                      <a:headEnd type="none" w="med" len="med"/>
+                      <a:tailEnd type="none" w="med" len="med"/>
+                    </a:lnL>
+                    <a:lnR w="57150" cap="flat" cmpd="sng" algn="ctr">
+                      <a:noFill/>
+                      <a:prstDash val="solid"/>
+                      <a:round/>
+                      <a:headEnd type="none" w="med" len="med"/>
+                      <a:tailEnd type="none" w="med" len="med"/>
+                    </a:lnR>
+                    <a:lnT w="3175" cap="flat" cmpd="sng" algn="ctr">
+                      <a:solidFill>
+                        <a:schemeClr val="bg1">
+                          <a:lumMod val="75000"/>
+                        </a:schemeClr>
+                      </a:solidFill>
+                      <a:prstDash val="sysDot"/>
+                      <a:round/>
+                      <a:headEnd type="none" w="med" len="med"/>
+                      <a:tailEnd type="none" w="med" len="med"/>
+                    </a:lnT>
+                    <a:lnB w="3175" cap="flat" cmpd="sng" algn="ctr">
+                      <a:solidFill>
+                        <a:schemeClr val="bg1">
+                          <a:lumMod val="75000"/>
+                        </a:schemeClr>
+                      </a:solidFill>
+                      <a:prstDash val="sysDot"/>
+                      <a:round/>
+                      <a:headEnd type="none" w="med" len="med"/>
+                      <a:tailEnd type="none" w="med" len="med"/>
+                    </a:lnB>
+                    <a:lnTlToBr w="12700" cmpd="sng">
+                      <a:noFill/>
+                      <a:prstDash val="solid"/>
+                    </a:lnTlToBr>
+                    <a:lnBlToTr w="12700" cmpd="sng">
+                      <a:noFill/>
+                      <a:prstDash val="solid"/>
+                    </a:lnBlToTr>
+                    <a:noFill/>
+                  </a:tcPr>
+                </a:tc>
+                <a:tc>
+                  <a:txBody>
+                    <a:bodyPr/>
+                    <a:lstStyle/>
+                    <a:p>
+                      <a:pPr marL="0" marR="0" lvl="0" indent="0" algn="l" defTabSz="685792" rtl="0" eaLnBrk="1" fontAlgn="auto" latinLnBrk="0" hangingPunct="1">
+                        <a:lnSpc>
+                          <a:spcPct val="130000"/>
+                        </a:lnSpc>
+                        <a:spcBef>
+                          <a:spcPts val="0"/>
+                        </a:spcBef>
+                        <a:spcAft>
+                          <a:spcPts val="0"/>
+                        </a:spcAft>
+                        <a:buClrTx/>
+                        <a:buSzTx/>
+                        <a:buFontTx/>
+                        <a:buNone/>
+                        <a:tabLst/>
+                        <a:defRPr/>
+                      </a:pPr>
+                      <a:endParaRPr lang="zh-CN" altLang="en-US" sz="1200" b="0" kern="1200" dirty="0">
+                        <a:solidFill>
+                          <a:schemeClr val="tx1">
+                            <a:lumMod val="75000"/>
+                            <a:lumOff val="25000"/>
+                          </a:schemeClr>
+                        </a:solidFill>
+                        <a:latin typeface="+mn-lt"/>
+                        <a:ea typeface="+mn-ea"/>
+                        <a:cs typeface="+mn-ea"/>
+                        <a:sym typeface="+mn-lt"/>
+                      </a:endParaRPr>
+                    </a:p>
+                  </a:txBody>
+                  <a:tcPr marL="108666" marR="108666" marT="108522" marB="108522" anchor="ctr">
+                    <a:lnL w="3175" cap="flat" cmpd="sng" algn="ctr">
+                      <a:noFill/>
+                      <a:prstDash val="solid"/>
+                      <a:round/>
+                      <a:headEnd type="none" w="med" len="med"/>
+                      <a:tailEnd type="none" w="med" len="med"/>
+                    </a:lnL>
+                    <a:lnR w="57150" cap="flat" cmpd="sng" algn="ctr">
+                      <a:noFill/>
+                      <a:prstDash val="solid"/>
+                      <a:round/>
+                      <a:headEnd type="none" w="med" len="med"/>
+                      <a:tailEnd type="none" w="med" len="med"/>
+                    </a:lnR>
+                    <a:lnT w="3175" cap="flat" cmpd="sng" algn="ctr">
+                      <a:solidFill>
+                        <a:schemeClr val="bg1">
+                          <a:lumMod val="75000"/>
+                        </a:schemeClr>
+                      </a:solidFill>
+                      <a:prstDash val="sysDot"/>
+                      <a:round/>
+                      <a:headEnd type="none" w="med" len="med"/>
+                      <a:tailEnd type="none" w="med" len="med"/>
+                    </a:lnT>
+                    <a:lnB w="3175" cap="flat" cmpd="sng" algn="ctr">
+                      <a:solidFill>
+                        <a:schemeClr val="bg1">
+                          <a:lumMod val="75000"/>
+                        </a:schemeClr>
+                      </a:solidFill>
+                      <a:prstDash val="sysDot"/>
+                      <a:round/>
+                      <a:headEnd type="none" w="med" len="med"/>
+                      <a:tailEnd type="none" w="med" len="med"/>
+                    </a:lnB>
+                    <a:lnTlToBr w="12700" cmpd="sng">
+                      <a:noFill/>
+                      <a:prstDash val="solid"/>
+                    </a:lnTlToBr>
+                    <a:lnBlToTr w="12700" cmpd="sng">
+                      <a:noFill/>
+                      <a:prstDash val="solid"/>
+                    </a:lnBlToTr>
+                    <a:noFill/>
+                  </a:tcPr>
+                </a:tc>
+                <a:tc>
+                  <a:txBody>
+                    <a:bodyPr/>
+                    <a:lstStyle/>
+                    <a:p>
+                      <a:pPr marL="0" marR="0" lvl="0" indent="0" algn="l" defTabSz="685792" rtl="0" eaLnBrk="1" fontAlgn="auto" latinLnBrk="0" hangingPunct="1">
+                        <a:lnSpc>
+                          <a:spcPct val="130000"/>
+                        </a:lnSpc>
+                        <a:spcBef>
+                          <a:spcPts val="0"/>
+                        </a:spcBef>
+                        <a:spcAft>
+                          <a:spcPts val="0"/>
+                        </a:spcAft>
+                        <a:buClrTx/>
+                        <a:buSzTx/>
+                        <a:buFontTx/>
+                        <a:buNone/>
+                        <a:tabLst/>
+                        <a:defRPr/>
+                      </a:pPr>
+                      <a:endParaRPr lang="zh-CN" altLang="en-US" sz="1200" b="0" kern="1200" dirty="0">
+                        <a:solidFill>
+                          <a:schemeClr val="tx1">
+                            <a:lumMod val="75000"/>
+                            <a:lumOff val="25000"/>
+                          </a:schemeClr>
+                        </a:solidFill>
+                        <a:latin typeface="+mn-lt"/>
+                        <a:ea typeface="+mn-ea"/>
+                        <a:cs typeface="+mn-ea"/>
+                        <a:sym typeface="+mn-lt"/>
+                      </a:endParaRPr>
+                    </a:p>
+                  </a:txBody>
+                  <a:tcPr marL="108666" marR="108666" marT="108522" marB="108522" anchor="ctr">
+                    <a:lnL w="3175" cap="flat" cmpd="sng" algn="ctr">
+                      <a:noFill/>
+                      <a:prstDash val="solid"/>
+                      <a:round/>
+                      <a:headEnd type="none" w="med" len="med"/>
+                      <a:tailEnd type="none" w="med" len="med"/>
+                    </a:lnL>
+                    <a:lnR w="57150" cap="flat" cmpd="sng" algn="ctr">
+                      <a:noFill/>
+                      <a:prstDash val="solid"/>
+                      <a:round/>
+                      <a:headEnd type="none" w="med" len="med"/>
+                      <a:tailEnd type="none" w="med" len="med"/>
+                    </a:lnR>
+                    <a:lnT w="3175" cap="flat" cmpd="sng" algn="ctr">
+                      <a:solidFill>
+                        <a:schemeClr val="bg1">
+                          <a:lumMod val="75000"/>
+                        </a:schemeClr>
+                      </a:solidFill>
+                      <a:prstDash val="sysDot"/>
+                      <a:round/>
+                      <a:headEnd type="none" w="med" len="med"/>
+                      <a:tailEnd type="none" w="med" len="med"/>
+                    </a:lnT>
+                    <a:lnB w="3175" cap="flat" cmpd="sng" algn="ctr">
+                      <a:solidFill>
+                        <a:schemeClr val="bg1">
+                          <a:lumMod val="75000"/>
+                        </a:schemeClr>
+                      </a:solidFill>
+                      <a:prstDash val="sysDot"/>
+                      <a:round/>
+                      <a:headEnd type="none" w="med" len="med"/>
+                      <a:tailEnd type="none" w="med" len="med"/>
+                    </a:lnB>
+                    <a:lnTlToBr w="12700" cmpd="sng">
+                      <a:noFill/>
+                      <a:prstDash val="solid"/>
+                    </a:lnTlToBr>
+                    <a:lnBlToTr w="12700" cmpd="sng">
+                      <a:noFill/>
+                      <a:prstDash val="solid"/>
+                    </a:lnBlToTr>
+                    <a:noFill/>
+                  </a:tcPr>
+                </a:tc>
+                <a:tc>
+                  <a:txBody>
+                    <a:bodyPr/>
+                    <a:lstStyle/>
+                    <a:p>
+                      <a:pPr marL="0" marR="0" lvl="0" indent="0" algn="l" defTabSz="685792" rtl="0" eaLnBrk="1" fontAlgn="auto" latinLnBrk="0" hangingPunct="1">
+                        <a:lnSpc>
+                          <a:spcPct val="130000"/>
+                        </a:lnSpc>
+                        <a:spcBef>
+                          <a:spcPts val="0"/>
+                        </a:spcBef>
+                        <a:spcAft>
+                          <a:spcPts val="0"/>
+                        </a:spcAft>
+                        <a:buClrTx/>
+                        <a:buSzTx/>
+                        <a:buFontTx/>
+                        <a:buNone/>
+                        <a:tabLst/>
+                        <a:defRPr/>
+                      </a:pPr>
+                      <a:endParaRPr lang="zh-CN" altLang="en-US" sz="1200" b="0" kern="1200" dirty="0">
+                        <a:solidFill>
+                          <a:schemeClr val="tx1">
+                            <a:lumMod val="75000"/>
+                            <a:lumOff val="25000"/>
+                          </a:schemeClr>
+                        </a:solidFill>
+                        <a:latin typeface="+mn-lt"/>
+                        <a:ea typeface="+mn-ea"/>
+                        <a:cs typeface="+mn-ea"/>
+                        <a:sym typeface="+mn-lt"/>
+                      </a:endParaRPr>
+                    </a:p>
+                  </a:txBody>
+                  <a:tcPr marL="108666" marR="108666" marT="108522" marB="108522" anchor="ctr">
+                    <a:lnL w="3175" cap="flat" cmpd="sng" algn="ctr">
+                      <a:noFill/>
+                      <a:prstDash val="solid"/>
+                      <a:round/>
+                      <a:headEnd type="none" w="med" len="med"/>
+                      <a:tailEnd type="none" w="med" len="med"/>
+                    </a:lnL>
+                    <a:lnR w="57150" cap="flat" cmpd="sng" algn="ctr">
+                      <a:noFill/>
+                      <a:prstDash val="solid"/>
+                      <a:round/>
+                      <a:headEnd type="none" w="med" len="med"/>
+                      <a:tailEnd type="none" w="med" len="med"/>
+                    </a:lnR>
+                    <a:lnT w="3175" cap="flat" cmpd="sng" algn="ctr">
+                      <a:solidFill>
+                        <a:schemeClr val="bg1">
+                          <a:lumMod val="75000"/>
+                        </a:schemeClr>
+                      </a:solidFill>
+                      <a:prstDash val="sysDot"/>
+                      <a:round/>
+                      <a:headEnd type="none" w="med" len="med"/>
+                      <a:tailEnd type="none" w="med" len="med"/>
+                    </a:lnT>
+                    <a:lnB w="3175" cap="flat" cmpd="sng" algn="ctr">
+                      <a:solidFill>
+                        <a:schemeClr val="bg1">
+                          <a:lumMod val="75000"/>
+                        </a:schemeClr>
+                      </a:solidFill>
+                      <a:prstDash val="sysDot"/>
+                      <a:round/>
+                      <a:headEnd type="none" w="med" len="med"/>
+                      <a:tailEnd type="none" w="med" len="med"/>
+                    </a:lnB>
+                    <a:lnTlToBr w="12700" cmpd="sng">
+                      <a:noFill/>
+                      <a:prstDash val="solid"/>
+                    </a:lnTlToBr>
+                    <a:lnBlToTr w="12700" cmpd="sng">
+                      <a:noFill/>
+                      <a:prstDash val="solid"/>
+                    </a:lnBlToTr>
+                    <a:noFill/>
+                  </a:tcPr>
+                </a:tc>
+                <a:tc>
+                  <a:txBody>
+                    <a:bodyPr/>
+                    <a:lstStyle/>
+                    <a:p>
+                      <a:pPr marL="0" marR="0" lvl="0" indent="0" algn="l" defTabSz="685792" rtl="0" eaLnBrk="1" fontAlgn="auto" latinLnBrk="0" hangingPunct="1">
+                        <a:lnSpc>
+                          <a:spcPct val="130000"/>
+                        </a:lnSpc>
+                        <a:spcBef>
+                          <a:spcPts val="0"/>
+                        </a:spcBef>
+                        <a:spcAft>
+                          <a:spcPts val="0"/>
+                        </a:spcAft>
+                        <a:buClrTx/>
+                        <a:buSzTx/>
+                        <a:buFontTx/>
+                        <a:buNone/>
+                        <a:tabLst/>
+                        <a:defRPr/>
+                      </a:pPr>
+                      <a:endParaRPr lang="zh-CN" altLang="en-US" sz="1200" b="0" kern="1200" dirty="0">
+                        <a:solidFill>
+                          <a:schemeClr val="tx1">
+                            <a:lumMod val="75000"/>
+                            <a:lumOff val="25000"/>
+                          </a:schemeClr>
+                        </a:solidFill>
+                        <a:latin typeface="+mn-lt"/>
+                        <a:ea typeface="+mn-ea"/>
+                        <a:cs typeface="+mn-ea"/>
+                        <a:sym typeface="+mn-lt"/>
+                      </a:endParaRPr>
+                    </a:p>
+                  </a:txBody>
+                  <a:tcPr marL="108666" marR="108666" marT="108522" marB="108522" anchor="ctr">
+                    <a:lnL w="3175" cap="flat" cmpd="sng" algn="ctr">
+                      <a:noFill/>
+                      <a:prstDash val="solid"/>
+                      <a:round/>
+                      <a:headEnd type="none" w="med" len="med"/>
+                      <a:tailEnd type="none" w="med" len="med"/>
+                    </a:lnL>
+                    <a:lnR w="57150" cap="flat" cmpd="sng" algn="ctr">
+                      <a:noFill/>
+                      <a:prstDash val="solid"/>
+                      <a:round/>
+                      <a:headEnd type="none" w="med" len="med"/>
+                      <a:tailEnd type="none" w="med" len="med"/>
+                    </a:lnR>
+                    <a:lnT w="3175" cap="flat" cmpd="sng" algn="ctr">
+                      <a:solidFill>
+                        <a:schemeClr val="bg1">
+                          <a:lumMod val="75000"/>
+                        </a:schemeClr>
+                      </a:solidFill>
+                      <a:prstDash val="sysDot"/>
+                      <a:round/>
+                      <a:headEnd type="none" w="med" len="med"/>
+                      <a:tailEnd type="none" w="med" len="med"/>
+                    </a:lnT>
+                    <a:lnB w="3175" cap="flat" cmpd="sng" algn="ctr">
+                      <a:solidFill>
+                        <a:schemeClr val="bg1">
+                          <a:lumMod val="75000"/>
+                        </a:schemeClr>
+                      </a:solidFill>
+                      <a:prstDash val="sysDot"/>
+                      <a:round/>
+                      <a:headEnd type="none" w="med" len="med"/>
+                      <a:tailEnd type="none" w="med" len="med"/>
+                    </a:lnB>
+                    <a:lnTlToBr w="12700" cmpd="sng">
+                      <a:noFill/>
+                      <a:prstDash val="solid"/>
+                    </a:lnTlToBr>
+                    <a:lnBlToTr w="12700" cmpd="sng">
+                      <a:noFill/>
+                      <a:prstDash val="solid"/>
+                    </a:lnBlToTr>
+                    <a:noFill/>
+                  </a:tcPr>
+                </a:tc>
+                <a:tc>
+                  <a:txBody>
+                    <a:bodyPr/>
+                    <a:lstStyle/>
+                    <a:p>
+                      <a:pPr marL="0" marR="0" lvl="0" indent="0" algn="l" defTabSz="685792" rtl="0" eaLnBrk="1" fontAlgn="auto" latinLnBrk="0" hangingPunct="1">
+                        <a:lnSpc>
+                          <a:spcPct val="130000"/>
+                        </a:lnSpc>
+                        <a:spcBef>
+                          <a:spcPts val="0"/>
+                        </a:spcBef>
+                        <a:spcAft>
+                          <a:spcPts val="0"/>
+                        </a:spcAft>
+                        <a:buClrTx/>
+                        <a:buSzTx/>
+                        <a:buFontTx/>
+                        <a:buNone/>
+                        <a:tabLst/>
+                        <a:defRPr/>
+                      </a:pPr>
+                      <a:endParaRPr lang="zh-CN" altLang="en-US" sz="1200" b="0" kern="1200" dirty="0">
+                        <a:solidFill>
+                          <a:schemeClr val="tx1">
+                            <a:lumMod val="75000"/>
+                            <a:lumOff val="25000"/>
+                          </a:schemeClr>
+                        </a:solidFill>
+                        <a:latin typeface="+mn-lt"/>
+                        <a:ea typeface="+mn-ea"/>
+                        <a:cs typeface="+mn-ea"/>
+                        <a:sym typeface="+mn-lt"/>
+                      </a:endParaRPr>
+                    </a:p>
+                  </a:txBody>
+                  <a:tcPr marL="108666" marR="108666" marT="108522" marB="108522" anchor="ctr">
+                    <a:lnL w="3175" cap="flat" cmpd="sng" algn="ctr">
+                      <a:noFill/>
+                      <a:prstDash val="solid"/>
+                      <a:round/>
+                      <a:headEnd type="none" w="med" len="med"/>
+                      <a:tailEnd type="none" w="med" len="med"/>
+                    </a:lnL>
+                    <a:lnR w="57150" cap="flat" cmpd="sng" algn="ctr">
+                      <a:noFill/>
+                      <a:prstDash val="solid"/>
+                      <a:round/>
+                      <a:headEnd type="none" w="med" len="med"/>
+                      <a:tailEnd type="none" w="med" len="med"/>
+                    </a:lnR>
+                    <a:lnT w="3175" cap="flat" cmpd="sng" algn="ctr">
+                      <a:solidFill>
+                        <a:schemeClr val="bg1">
+                          <a:lumMod val="75000"/>
+                        </a:schemeClr>
+                      </a:solidFill>
+                      <a:prstDash val="sysDot"/>
+                      <a:round/>
+                      <a:headEnd type="none" w="med" len="med"/>
+                      <a:tailEnd type="none" w="med" len="med"/>
+                    </a:lnT>
+                    <a:lnB w="3175" cap="flat" cmpd="sng" algn="ctr">
+                      <a:solidFill>
+                        <a:schemeClr val="bg1">
+                          <a:lumMod val="75000"/>
+                        </a:schemeClr>
+                      </a:solidFill>
+                      <a:prstDash val="sysDot"/>
+                      <a:round/>
+                      <a:headEnd type="none" w="med" len="med"/>
+                      <a:tailEnd type="none" w="med" len="med"/>
+                    </a:lnB>
+                    <a:lnTlToBr w="12700" cmpd="sng">
+                      <a:noFill/>
+                      <a:prstDash val="solid"/>
+                    </a:lnTlToBr>
+                    <a:lnBlToTr w="12700" cmpd="sng">
+                      <a:noFill/>
+                      <a:prstDash val="solid"/>
+                    </a:lnBlToTr>
+                    <a:noFill/>
+                  </a:tcPr>
+                </a:tc>
+              </a:tr>
+              <a:tr h="474724">
+                <a:tc>
+                  <a:txBody>
+                    <a:bodyPr/>
+                    <a:lstStyle/>
+                    <a:p>
+                      <a:pPr marL="0" marR="0" lvl="0" indent="0" algn="ctr" defTabSz="685792" rtl="0" eaLnBrk="1" fontAlgn="auto" latinLnBrk="0" hangingPunct="1">
+                        <a:lnSpc>
+                          <a:spcPct val="130000"/>
+                        </a:lnSpc>
+                        <a:spcBef>
+                          <a:spcPts val="0"/>
+                        </a:spcBef>
+                        <a:spcAft>
+                          <a:spcPts val="0"/>
+                        </a:spcAft>
+                        <a:buClrTx/>
+                        <a:buSzTx/>
+                        <a:buFontTx/>
+                        <a:buNone/>
+                        <a:tabLst/>
+                        <a:defRPr/>
+                      </a:pPr>
+                      <a:endParaRPr lang="zh-CN" altLang="en-US" sz="1200" b="0" kern="1200" dirty="0">
+                        <a:solidFill>
+                          <a:schemeClr val="tx1">
+                            <a:lumMod val="75000"/>
+                            <a:lumOff val="25000"/>
+                          </a:schemeClr>
+                        </a:solidFill>
+                        <a:latin typeface="+mn-lt"/>
+                        <a:ea typeface="+mn-ea"/>
+                        <a:cs typeface="+mn-ea"/>
+                        <a:sym typeface="+mn-lt"/>
+                      </a:endParaRPr>
+                    </a:p>
+                  </a:txBody>
+                  <a:tcPr marL="108666" marR="108666" marT="108522" marB="108522" anchor="ctr">
+                    <a:lnL w="57150" cap="flat" cmpd="sng" algn="ctr">
+                      <a:noFill/>
+                      <a:prstDash val="solid"/>
+                      <a:round/>
+                      <a:headEnd type="none" w="med" len="med"/>
+                      <a:tailEnd type="none" w="med" len="med"/>
+                    </a:lnL>
+                    <a:lnR w="3175" cap="flat" cmpd="sng" algn="ctr">
+                      <a:noFill/>
+                      <a:prstDash val="solid"/>
+                      <a:round/>
+                      <a:headEnd type="none" w="med" len="med"/>
+                      <a:tailEnd type="none" w="med" len="med"/>
+                    </a:lnR>
+                    <a:lnT w="3175" cap="flat" cmpd="sng" algn="ctr">
+                      <a:solidFill>
+                        <a:schemeClr val="bg1">
+                          <a:lumMod val="75000"/>
+                        </a:schemeClr>
+                      </a:solidFill>
+                      <a:prstDash val="sysDot"/>
+                      <a:round/>
+                      <a:headEnd type="none" w="med" len="med"/>
+                      <a:tailEnd type="none" w="med" len="med"/>
+                    </a:lnT>
+                    <a:lnB w="3175" cap="flat" cmpd="sng" algn="ctr">
+                      <a:solidFill>
+                        <a:schemeClr val="bg1">
+                          <a:lumMod val="75000"/>
+                        </a:schemeClr>
+                      </a:solidFill>
+                      <a:prstDash val="sysDot"/>
+                      <a:round/>
+                      <a:headEnd type="none" w="med" len="med"/>
+                      <a:tailEnd type="none" w="med" len="med"/>
+                    </a:lnB>
+                    <a:lnTlToBr w="12700" cmpd="sng">
+                      <a:noFill/>
+                      <a:prstDash val="solid"/>
+                    </a:lnTlToBr>
+                    <a:lnBlToTr w="12700" cmpd="sng">
+                      <a:noFill/>
+                      <a:prstDash val="solid"/>
+                    </a:lnBlToTr>
+                    <a:noFill/>
+                  </a:tcPr>
+                </a:tc>
+                <a:tc>
+                  <a:txBody>
+                    <a:bodyPr/>
+                    <a:lstStyle/>
+                    <a:p>
+                      <a:pPr marL="0" marR="0" lvl="0" indent="0" algn="l" defTabSz="685792" rtl="0" eaLnBrk="1" fontAlgn="auto" latinLnBrk="0" hangingPunct="1">
+                        <a:lnSpc>
+                          <a:spcPct val="130000"/>
+                        </a:lnSpc>
+                        <a:spcBef>
+                          <a:spcPts val="0"/>
+                        </a:spcBef>
+                        <a:spcAft>
+                          <a:spcPts val="0"/>
+                        </a:spcAft>
+                        <a:buClrTx/>
+                        <a:buSzTx/>
+                        <a:buFontTx/>
+                        <a:buNone/>
+                        <a:tabLst/>
+                        <a:defRPr/>
+                      </a:pPr>
+                      <a:endParaRPr lang="zh-CN" altLang="en-US" sz="1200" b="0" kern="1200" dirty="0">
+                        <a:solidFill>
+                          <a:schemeClr val="tx1">
+                            <a:lumMod val="75000"/>
+                            <a:lumOff val="25000"/>
+                          </a:schemeClr>
+                        </a:solidFill>
+                        <a:latin typeface="+mn-lt"/>
+                        <a:ea typeface="+mn-ea"/>
+                        <a:cs typeface="+mn-ea"/>
+                        <a:sym typeface="+mn-lt"/>
+                      </a:endParaRPr>
+                    </a:p>
+                  </a:txBody>
+                  <a:tcPr marL="108666" marR="108666" marT="108522" marB="108522" anchor="ctr">
+                    <a:lnL w="3175" cap="flat" cmpd="sng" algn="ctr">
+                      <a:noFill/>
+                      <a:prstDash val="solid"/>
+                      <a:round/>
+                      <a:headEnd type="none" w="med" len="med"/>
+                      <a:tailEnd type="none" w="med" len="med"/>
+                    </a:lnL>
+                    <a:lnR w="57150" cap="flat" cmpd="sng" algn="ctr">
+                      <a:noFill/>
+                      <a:prstDash val="solid"/>
+                      <a:round/>
+                      <a:headEnd type="none" w="med" len="med"/>
+                      <a:tailEnd type="none" w="med" len="med"/>
+                    </a:lnR>
+                    <a:lnT w="3175" cap="flat" cmpd="sng" algn="ctr">
+                      <a:solidFill>
+                        <a:schemeClr val="bg1">
+                          <a:lumMod val="75000"/>
+                        </a:schemeClr>
+                      </a:solidFill>
+                      <a:prstDash val="sysDot"/>
+                      <a:round/>
+                      <a:headEnd type="none" w="med" len="med"/>
+                      <a:tailEnd type="none" w="med" len="med"/>
+                    </a:lnT>
+                    <a:lnB w="3175" cap="flat" cmpd="sng" algn="ctr">
+                      <a:solidFill>
+                        <a:schemeClr val="bg1">
+                          <a:lumMod val="75000"/>
+                        </a:schemeClr>
+                      </a:solidFill>
+                      <a:prstDash val="sysDot"/>
+                      <a:round/>
+                      <a:headEnd type="none" w="med" len="med"/>
+                      <a:tailEnd type="none" w="med" len="med"/>
+                    </a:lnB>
+                    <a:lnTlToBr w="12700" cmpd="sng">
+                      <a:noFill/>
+                      <a:prstDash val="solid"/>
+                    </a:lnTlToBr>
+                    <a:lnBlToTr w="12700" cmpd="sng">
+                      <a:noFill/>
+                      <a:prstDash val="solid"/>
+                    </a:lnBlToTr>
+                    <a:noFill/>
+                  </a:tcPr>
+                </a:tc>
+                <a:tc>
+                  <a:txBody>
+                    <a:bodyPr/>
+                    <a:lstStyle/>
+                    <a:p>
+                      <a:pPr marL="0" marR="0" lvl="0" indent="0" algn="l" defTabSz="685792" rtl="0" eaLnBrk="1" fontAlgn="auto" latinLnBrk="0" hangingPunct="1">
+                        <a:lnSpc>
+                          <a:spcPct val="130000"/>
+                        </a:lnSpc>
+                        <a:spcBef>
+                          <a:spcPts val="0"/>
+                        </a:spcBef>
+                        <a:spcAft>
+                          <a:spcPts val="0"/>
+                        </a:spcAft>
+                        <a:buClrTx/>
+                        <a:buSzTx/>
+                        <a:buFontTx/>
+                        <a:buNone/>
+                        <a:tabLst/>
+                        <a:defRPr/>
+                      </a:pPr>
+                      <a:endParaRPr lang="zh-CN" altLang="en-US" sz="1200" b="0" kern="1200" dirty="0">
+                        <a:solidFill>
+                          <a:schemeClr val="tx1">
+                            <a:lumMod val="75000"/>
+                            <a:lumOff val="25000"/>
+                          </a:schemeClr>
+                        </a:solidFill>
+                        <a:latin typeface="+mn-lt"/>
+                        <a:ea typeface="+mn-ea"/>
+                        <a:cs typeface="+mn-ea"/>
+                        <a:sym typeface="+mn-lt"/>
+                      </a:endParaRPr>
+                    </a:p>
+                  </a:txBody>
+                  <a:tcPr marL="108666" marR="108666" marT="108522" marB="108522" anchor="ctr">
+                    <a:lnL w="3175" cap="flat" cmpd="sng" algn="ctr">
+                      <a:noFill/>
+                      <a:prstDash val="solid"/>
+                      <a:round/>
+                      <a:headEnd type="none" w="med" len="med"/>
+                      <a:tailEnd type="none" w="med" len="med"/>
+                    </a:lnL>
+                    <a:lnR w="57150" cap="flat" cmpd="sng" algn="ctr">
+                      <a:noFill/>
+                      <a:prstDash val="solid"/>
+                      <a:round/>
+                      <a:headEnd type="none" w="med" len="med"/>
+                      <a:tailEnd type="none" w="med" len="med"/>
+                    </a:lnR>
+                    <a:lnT w="3175" cap="flat" cmpd="sng" algn="ctr">
+                      <a:solidFill>
+                        <a:schemeClr val="bg1">
+                          <a:lumMod val="75000"/>
+                        </a:schemeClr>
+                      </a:solidFill>
+                      <a:prstDash val="sysDot"/>
+                      <a:round/>
+                      <a:headEnd type="none" w="med" len="med"/>
+                      <a:tailEnd type="none" w="med" len="med"/>
+                    </a:lnT>
+                    <a:lnB w="3175" cap="flat" cmpd="sng" algn="ctr">
+                      <a:solidFill>
+                        <a:schemeClr val="bg1">
+                          <a:lumMod val="75000"/>
+                        </a:schemeClr>
+                      </a:solidFill>
+                      <a:prstDash val="sysDot"/>
+                      <a:round/>
+                      <a:headEnd type="none" w="med" len="med"/>
+                      <a:tailEnd type="none" w="med" len="med"/>
+                    </a:lnB>
+                    <a:lnTlToBr w="12700" cmpd="sng">
+                      <a:noFill/>
+                      <a:prstDash val="solid"/>
+                    </a:lnTlToBr>
+                    <a:lnBlToTr w="12700" cmpd="sng">
+                      <a:noFill/>
+                      <a:prstDash val="solid"/>
+                    </a:lnBlToTr>
+                    <a:noFill/>
+                  </a:tcPr>
+                </a:tc>
+                <a:tc>
+                  <a:txBody>
+                    <a:bodyPr/>
+                    <a:lstStyle/>
+                    <a:p>
+                      <a:pPr marL="0" marR="0" lvl="0" indent="0" algn="l" defTabSz="685792" rtl="0" eaLnBrk="1" fontAlgn="auto" latinLnBrk="0" hangingPunct="1">
+                        <a:lnSpc>
+                          <a:spcPct val="130000"/>
+                        </a:lnSpc>
+                        <a:spcBef>
+                          <a:spcPts val="0"/>
+                        </a:spcBef>
+                        <a:spcAft>
+                          <a:spcPts val="0"/>
+                        </a:spcAft>
+                        <a:buClrTx/>
+                        <a:buSzTx/>
+                        <a:buFontTx/>
+                        <a:buNone/>
+                        <a:tabLst/>
+                        <a:defRPr/>
+                      </a:pPr>
+                      <a:endParaRPr lang="zh-CN" altLang="en-US" sz="1200" b="0" kern="1200" dirty="0">
+                        <a:solidFill>
+                          <a:schemeClr val="tx1">
+                            <a:lumMod val="75000"/>
+                            <a:lumOff val="25000"/>
+                          </a:schemeClr>
+                        </a:solidFill>
+                        <a:latin typeface="+mn-lt"/>
+                        <a:ea typeface="+mn-ea"/>
+                        <a:cs typeface="+mn-ea"/>
+                        <a:sym typeface="+mn-lt"/>
+                      </a:endParaRPr>
+                    </a:p>
+                  </a:txBody>
+                  <a:tcPr marL="108666" marR="108666" marT="108522" marB="108522" anchor="ctr">
+                    <a:lnL w="3175" cap="flat" cmpd="sng" algn="ctr">
+                      <a:noFill/>
+                      <a:prstDash val="solid"/>
+                      <a:round/>
+                      <a:headEnd type="none" w="med" len="med"/>
+                      <a:tailEnd type="none" w="med" len="med"/>
+                    </a:lnL>
+                    <a:lnR w="57150" cap="flat" cmpd="sng" algn="ctr">
+                      <a:noFill/>
+                      <a:prstDash val="solid"/>
+                      <a:round/>
+                      <a:headEnd type="none" w="med" len="med"/>
+                      <a:tailEnd type="none" w="med" len="med"/>
+                    </a:lnR>
+                    <a:lnT w="3175" cap="flat" cmpd="sng" algn="ctr">
+                      <a:solidFill>
+                        <a:schemeClr val="bg1">
+                          <a:lumMod val="75000"/>
+                        </a:schemeClr>
+                      </a:solidFill>
+                      <a:prstDash val="sysDot"/>
+                      <a:round/>
+                      <a:headEnd type="none" w="med" len="med"/>
+                      <a:tailEnd type="none" w="med" len="med"/>
+                    </a:lnT>
+                    <a:lnB w="3175" cap="flat" cmpd="sng" algn="ctr">
+                      <a:solidFill>
+                        <a:schemeClr val="bg1">
+                          <a:lumMod val="75000"/>
+                        </a:schemeClr>
+                      </a:solidFill>
+                      <a:prstDash val="sysDot"/>
+                      <a:round/>
+                      <a:headEnd type="none" w="med" len="med"/>
+                      <a:tailEnd type="none" w="med" len="med"/>
+                    </a:lnB>
+                    <a:lnTlToBr w="12700" cmpd="sng">
+                      <a:noFill/>
+                      <a:prstDash val="solid"/>
+                    </a:lnTlToBr>
+                    <a:lnBlToTr w="12700" cmpd="sng">
+                      <a:noFill/>
+                      <a:prstDash val="solid"/>
+                    </a:lnBlToTr>
+                    <a:noFill/>
+                  </a:tcPr>
+                </a:tc>
+                <a:tc>
+                  <a:txBody>
+                    <a:bodyPr/>
+                    <a:lstStyle/>
+                    <a:p>
+                      <a:pPr marL="0" marR="0" lvl="0" indent="0" algn="l" defTabSz="685792" rtl="0" eaLnBrk="1" fontAlgn="auto" latinLnBrk="0" hangingPunct="1">
+                        <a:lnSpc>
+                          <a:spcPct val="130000"/>
+                        </a:lnSpc>
+                        <a:spcBef>
+                          <a:spcPts val="0"/>
+                        </a:spcBef>
+                        <a:spcAft>
+                          <a:spcPts val="0"/>
+                        </a:spcAft>
+                        <a:buClrTx/>
+                        <a:buSzTx/>
+                        <a:buFontTx/>
+                        <a:buNone/>
+                        <a:tabLst/>
+                        <a:defRPr/>
+                      </a:pPr>
+                      <a:endParaRPr lang="zh-CN" altLang="en-US" sz="1200" b="0" kern="1200" dirty="0">
+                        <a:solidFill>
+                          <a:schemeClr val="tx1">
+                            <a:lumMod val="75000"/>
+                            <a:lumOff val="25000"/>
+                          </a:schemeClr>
+                        </a:solidFill>
+                        <a:latin typeface="+mn-lt"/>
+                        <a:ea typeface="+mn-ea"/>
+                        <a:cs typeface="+mn-ea"/>
+                        <a:sym typeface="+mn-lt"/>
+                      </a:endParaRPr>
+                    </a:p>
+                  </a:txBody>
+                  <a:tcPr marL="108666" marR="108666" marT="108522" marB="108522" anchor="ctr">
+                    <a:lnL w="3175" cap="flat" cmpd="sng" algn="ctr">
+                      <a:noFill/>
+                      <a:prstDash val="solid"/>
+                      <a:round/>
+                      <a:headEnd type="none" w="med" len="med"/>
+                      <a:tailEnd type="none" w="med" len="med"/>
+                    </a:lnL>
+                    <a:lnR w="57150" cap="flat" cmpd="sng" algn="ctr">
+                      <a:noFill/>
+                      <a:prstDash val="solid"/>
+                      <a:round/>
+                      <a:headEnd type="none" w="med" len="med"/>
+                      <a:tailEnd type="none" w="med" len="med"/>
+                    </a:lnR>
+                    <a:lnT w="3175" cap="flat" cmpd="sng" algn="ctr">
+                      <a:solidFill>
+                        <a:schemeClr val="bg1">
+                          <a:lumMod val="75000"/>
+                        </a:schemeClr>
+                      </a:solidFill>
+                      <a:prstDash val="sysDot"/>
+                      <a:round/>
+                      <a:headEnd type="none" w="med" len="med"/>
+                      <a:tailEnd type="none" w="med" len="med"/>
+                    </a:lnT>
+                    <a:lnB w="3175" cap="flat" cmpd="sng" algn="ctr">
+                      <a:solidFill>
+                        <a:schemeClr val="bg1">
+                          <a:lumMod val="75000"/>
+                        </a:schemeClr>
+                      </a:solidFill>
+                      <a:prstDash val="sysDot"/>
+                      <a:round/>
+                      <a:headEnd type="none" w="med" len="med"/>
+                      <a:tailEnd type="none" w="med" len="med"/>
+                    </a:lnB>
+                    <a:lnTlToBr w="12700" cmpd="sng">
+                      <a:noFill/>
+                      <a:prstDash val="solid"/>
+                    </a:lnTlToBr>
+                    <a:lnBlToTr w="12700" cmpd="sng">
+                      <a:noFill/>
+                      <a:prstDash val="solid"/>
+                    </a:lnBlToTr>
+                    <a:noFill/>
+                  </a:tcPr>
+                </a:tc>
+                <a:tc>
+                  <a:txBody>
+                    <a:bodyPr/>
+                    <a:lstStyle/>
+                    <a:p>
+                      <a:pPr marL="0" marR="0" lvl="0" indent="0" algn="l" defTabSz="685792" rtl="0" eaLnBrk="1" fontAlgn="auto" latinLnBrk="0" hangingPunct="1">
+                        <a:lnSpc>
+                          <a:spcPct val="130000"/>
+                        </a:lnSpc>
+                        <a:spcBef>
+                          <a:spcPts val="0"/>
+                        </a:spcBef>
+                        <a:spcAft>
+                          <a:spcPts val="0"/>
+                        </a:spcAft>
+                        <a:buClrTx/>
+                        <a:buSzTx/>
+                        <a:buFontTx/>
+                        <a:buNone/>
+                        <a:tabLst/>
+                        <a:defRPr/>
+                      </a:pPr>
+                      <a:endParaRPr lang="zh-CN" altLang="en-US" sz="1200" b="0" kern="1200" dirty="0">
+                        <a:solidFill>
+                          <a:schemeClr val="tx1">
+                            <a:lumMod val="75000"/>
+                            <a:lumOff val="25000"/>
+                          </a:schemeClr>
+                        </a:solidFill>
+                        <a:latin typeface="+mn-lt"/>
+                        <a:ea typeface="+mn-ea"/>
+                        <a:cs typeface="+mn-ea"/>
+                        <a:sym typeface="+mn-lt"/>
+                      </a:endParaRPr>
+                    </a:p>
+                  </a:txBody>
+                  <a:tcPr marL="108666" marR="108666" marT="108522" marB="108522" anchor="ctr">
+                    <a:lnL w="3175" cap="flat" cmpd="sng" algn="ctr">
+                      <a:noFill/>
+                      <a:prstDash val="solid"/>
+                      <a:round/>
+                      <a:headEnd type="none" w="med" len="med"/>
+                      <a:tailEnd type="none" w="med" len="med"/>
+                    </a:lnL>
+                    <a:lnR w="57150" cap="flat" cmpd="sng" algn="ctr">
+                      <a:noFill/>
+                      <a:prstDash val="solid"/>
+                      <a:round/>
+                      <a:headEnd type="none" w="med" len="med"/>
+                      <a:tailEnd type="none" w="med" len="med"/>
+                    </a:lnR>
+                    <a:lnT w="3175" cap="flat" cmpd="sng" algn="ctr">
+                      <a:solidFill>
+                        <a:schemeClr val="bg1">
+                          <a:lumMod val="75000"/>
+                        </a:schemeClr>
+                      </a:solidFill>
+                      <a:prstDash val="sysDot"/>
+                      <a:round/>
+                      <a:headEnd type="none" w="med" len="med"/>
+                      <a:tailEnd type="none" w="med" len="med"/>
+                    </a:lnT>
+                    <a:lnB w="3175" cap="flat" cmpd="sng" algn="ctr">
+                      <a:solidFill>
+                        <a:schemeClr val="bg1">
+                          <a:lumMod val="75000"/>
+                        </a:schemeClr>
+                      </a:solidFill>
+                      <a:prstDash val="sysDot"/>
+                      <a:round/>
+                      <a:headEnd type="none" w="med" len="med"/>
+                      <a:tailEnd type="none" w="med" len="med"/>
+                    </a:lnB>
+                    <a:lnTlToBr w="12700" cmpd="sng">
+                      <a:noFill/>
+                      <a:prstDash val="solid"/>
+                    </a:lnTlToBr>
+                    <a:lnBlToTr w="12700" cmpd="sng">
+                      <a:noFill/>
+                      <a:prstDash val="solid"/>
+                    </a:lnBlToTr>
+                    <a:noFill/>
+                  </a:tcPr>
+                </a:tc>
+                <a:tc>
+                  <a:txBody>
+                    <a:bodyPr/>
+                    <a:lstStyle/>
+                    <a:p>
+                      <a:pPr marL="0" marR="0" lvl="0" indent="0" algn="l" defTabSz="685792" rtl="0" eaLnBrk="1" fontAlgn="auto" latinLnBrk="0" hangingPunct="1">
+                        <a:lnSpc>
+                          <a:spcPct val="130000"/>
+                        </a:lnSpc>
+                        <a:spcBef>
+                          <a:spcPts val="0"/>
+                        </a:spcBef>
+                        <a:spcAft>
+                          <a:spcPts val="0"/>
+                        </a:spcAft>
+                        <a:buClrTx/>
+                        <a:buSzTx/>
+                        <a:buFontTx/>
+                        <a:buNone/>
+                        <a:tabLst/>
+                        <a:defRPr/>
+                      </a:pPr>
+                      <a:endParaRPr lang="zh-CN" altLang="en-US" sz="1200" b="0" kern="1200" dirty="0">
+                        <a:solidFill>
+                          <a:schemeClr val="tx1">
+                            <a:lumMod val="75000"/>
+                            <a:lumOff val="25000"/>
+                          </a:schemeClr>
+                        </a:solidFill>
+                        <a:latin typeface="+mn-lt"/>
+                        <a:ea typeface="+mn-ea"/>
+                        <a:cs typeface="+mn-ea"/>
+                        <a:sym typeface="+mn-lt"/>
+                      </a:endParaRPr>
+                    </a:p>
+                  </a:txBody>
+                  <a:tcPr marL="108666" marR="108666" marT="108522" marB="108522" anchor="ctr">
+                    <a:lnL w="3175" cap="flat" cmpd="sng" algn="ctr">
+                      <a:noFill/>
+                      <a:prstDash val="solid"/>
+                      <a:round/>
+                      <a:headEnd type="none" w="med" len="med"/>
+                      <a:tailEnd type="none" w="med" len="med"/>
+                    </a:lnL>
+                    <a:lnR w="57150" cap="flat" cmpd="sng" algn="ctr">
+                      <a:noFill/>
+                      <a:prstDash val="solid"/>
+                      <a:round/>
+                      <a:headEnd type="none" w="med" len="med"/>
+                      <a:tailEnd type="none" w="med" len="med"/>
+                    </a:lnR>
+                    <a:lnT w="3175" cap="flat" cmpd="sng" algn="ctr">
+                      <a:solidFill>
+                        <a:schemeClr val="bg1">
+                          <a:lumMod val="75000"/>
+                        </a:schemeClr>
+                      </a:solidFill>
+                      <a:prstDash val="sysDot"/>
+                      <a:round/>
+                      <a:headEnd type="none" w="med" len="med"/>
+                      <a:tailEnd type="none" w="med" len="med"/>
+                    </a:lnT>
+                    <a:lnB w="3175" cap="flat" cmpd="sng" algn="ctr">
+                      <a:solidFill>
+                        <a:schemeClr val="bg1">
+                          <a:lumMod val="75000"/>
+                        </a:schemeClr>
+                      </a:solidFill>
+                      <a:prstDash val="sysDot"/>
+                      <a:round/>
+                      <a:headEnd type="none" w="med" len="med"/>
+                      <a:tailEnd type="none" w="med" len="med"/>
+                    </a:lnB>
+                    <a:lnTlToBr w="12700" cmpd="sng">
+                      <a:noFill/>
+                      <a:prstDash val="solid"/>
+                    </a:lnTlToBr>
+                    <a:lnBlToTr w="12700" cmpd="sng">
+                      <a:noFill/>
+                      <a:prstDash val="solid"/>
+                    </a:lnBlToTr>
+                    <a:noFill/>
+                  </a:tcPr>
+                </a:tc>
+                <a:tc>
+                  <a:txBody>
+                    <a:bodyPr/>
+                    <a:lstStyle/>
+                    <a:p>
+                      <a:pPr marL="0" marR="0" lvl="0" indent="0" algn="l" defTabSz="685792" rtl="0" eaLnBrk="1" fontAlgn="auto" latinLnBrk="0" hangingPunct="1">
+                        <a:lnSpc>
+                          <a:spcPct val="130000"/>
+                        </a:lnSpc>
+                        <a:spcBef>
+                          <a:spcPts val="0"/>
+                        </a:spcBef>
+                        <a:spcAft>
+                          <a:spcPts val="0"/>
+                        </a:spcAft>
+                        <a:buClrTx/>
+                        <a:buSzTx/>
+                        <a:buFontTx/>
+                        <a:buNone/>
+                        <a:tabLst/>
+                        <a:defRPr/>
+                      </a:pPr>
+                      <a:endParaRPr lang="zh-CN" altLang="en-US" sz="1200" b="0" kern="1200" dirty="0">
+                        <a:solidFill>
+                          <a:schemeClr val="tx1">
+                            <a:lumMod val="75000"/>
+                            <a:lumOff val="25000"/>
+                          </a:schemeClr>
+                        </a:solidFill>
+                        <a:latin typeface="+mn-lt"/>
+                        <a:ea typeface="+mn-ea"/>
+                        <a:cs typeface="+mn-ea"/>
+                        <a:sym typeface="+mn-lt"/>
+                      </a:endParaRPr>
+                    </a:p>
+                  </a:txBody>
+                  <a:tcPr marL="108666" marR="108666" marT="108522" marB="108522" anchor="ctr">
+                    <a:lnL w="3175" cap="flat" cmpd="sng" algn="ctr">
+                      <a:noFill/>
+                      <a:prstDash val="solid"/>
+                      <a:round/>
+                      <a:headEnd type="none" w="med" len="med"/>
+                      <a:tailEnd type="none" w="med" len="med"/>
+                    </a:lnL>
+                    <a:lnR w="57150" cap="flat" cmpd="sng" algn="ctr">
+                      <a:noFill/>
+                      <a:prstDash val="solid"/>
+                      <a:round/>
+                      <a:headEnd type="none" w="med" len="med"/>
+                      <a:tailEnd type="none" w="med" len="med"/>
+                    </a:lnR>
+                    <a:lnT w="3175" cap="flat" cmpd="sng" algn="ctr">
+                      <a:solidFill>
+                        <a:schemeClr val="bg1">
+                          <a:lumMod val="75000"/>
+                        </a:schemeClr>
+                      </a:solidFill>
+                      <a:prstDash val="sysDot"/>
+                      <a:round/>
+                      <a:headEnd type="none" w="med" len="med"/>
+                      <a:tailEnd type="none" w="med" len="med"/>
+                    </a:lnT>
+                    <a:lnB w="3175" cap="flat" cmpd="sng" algn="ctr">
+                      <a:solidFill>
+                        <a:schemeClr val="bg1">
+                          <a:lumMod val="75000"/>
+                        </a:schemeClr>
+                      </a:solidFill>
+                      <a:prstDash val="sysDot"/>
+                      <a:round/>
+                      <a:headEnd type="none" w="med" len="med"/>
+                      <a:tailEnd type="none" w="med" len="med"/>
+                    </a:lnB>
+                    <a:lnTlToBr w="12700" cmpd="sng">
+                      <a:noFill/>
+                      <a:prstDash val="solid"/>
+                    </a:lnTlToBr>
+                    <a:lnBlToTr w="12700" cmpd="sng">
+                      <a:noFill/>
+                      <a:prstDash val="solid"/>
+                    </a:lnBlToTr>
+                    <a:noFill/>
+                  </a:tcPr>
+                </a:tc>
+              </a:tr>
+              <a:tr h="520700">
+                <a:tc>
+                  <a:txBody>
+                    <a:bodyPr/>
+                    <a:lstStyle/>
+                    <a:p>
+                      <a:pPr marL="0" marR="0" lvl="0" indent="0" algn="ctr" defTabSz="685792" rtl="0" eaLnBrk="1" fontAlgn="auto" latinLnBrk="0" hangingPunct="1">
+                        <a:lnSpc>
+                          <a:spcPct val="130000"/>
+                        </a:lnSpc>
+                        <a:spcBef>
+                          <a:spcPts val="0"/>
+                        </a:spcBef>
+                        <a:spcAft>
+                          <a:spcPts val="0"/>
+                        </a:spcAft>
+                        <a:buClrTx/>
+                        <a:buSzTx/>
+                        <a:buFontTx/>
+                        <a:buNone/>
+                        <a:tabLst/>
+                        <a:defRPr/>
+                      </a:pPr>
+                      <a:endParaRPr lang="zh-CN" altLang="en-US" sz="1200" b="0" kern="1200" dirty="0">
+                        <a:solidFill>
+                          <a:schemeClr val="tx1">
+                            <a:lumMod val="75000"/>
+                            <a:lumOff val="25000"/>
+                          </a:schemeClr>
+                        </a:solidFill>
+                        <a:latin typeface="+mn-lt"/>
+                        <a:ea typeface="+mn-ea"/>
+                        <a:cs typeface="+mn-ea"/>
+                        <a:sym typeface="+mn-lt"/>
+                      </a:endParaRPr>
+                    </a:p>
+                  </a:txBody>
+                  <a:tcPr marL="108666" marR="108666" marT="108522" marB="108522" anchor="ctr">
+                    <a:lnL w="57150" cap="flat" cmpd="sng" algn="ctr">
+                      <a:noFill/>
+                      <a:prstDash val="solid"/>
+                      <a:round/>
+                      <a:headEnd type="none" w="med" len="med"/>
+                      <a:tailEnd type="none" w="med" len="med"/>
+                    </a:lnL>
+                    <a:lnR w="3175" cap="flat" cmpd="sng" algn="ctr">
+                      <a:noFill/>
+                      <a:prstDash val="solid"/>
+                      <a:round/>
+                      <a:headEnd type="none" w="med" len="med"/>
+                      <a:tailEnd type="none" w="med" len="med"/>
+                    </a:lnR>
+                    <a:lnT w="3175" cap="flat" cmpd="sng" algn="ctr">
+                      <a:solidFill>
+                        <a:schemeClr val="bg1">
+                          <a:lumMod val="75000"/>
+                        </a:schemeClr>
+                      </a:solidFill>
+                      <a:prstDash val="sysDot"/>
+                      <a:round/>
+                      <a:headEnd type="none" w="med" len="med"/>
+                      <a:tailEnd type="none" w="med" len="med"/>
+                    </a:lnT>
+                    <a:lnB w="3175" cap="flat" cmpd="sng" algn="ctr">
+                      <a:solidFill>
+                        <a:schemeClr val="bg1">
+                          <a:lumMod val="75000"/>
+                        </a:schemeClr>
+                      </a:solidFill>
+                      <a:prstDash val="sysDot"/>
+                      <a:round/>
+                      <a:headEnd type="none" w="med" len="med"/>
+                      <a:tailEnd type="none" w="med" len="med"/>
+                    </a:lnB>
+                    <a:lnTlToBr w="12700" cmpd="sng">
+                      <a:noFill/>
+                      <a:prstDash val="solid"/>
+                    </a:lnTlToBr>
+                    <a:lnBlToTr w="12700" cmpd="sng">
+                      <a:noFill/>
+                      <a:prstDash val="solid"/>
+                    </a:lnBlToTr>
+                    <a:noFill/>
+                  </a:tcPr>
+                </a:tc>
+                <a:tc>
+                  <a:txBody>
+                    <a:bodyPr/>
+                    <a:lstStyle/>
+                    <a:p>
+                      <a:pPr marL="0" marR="0" lvl="0" indent="0" algn="l" defTabSz="685792" rtl="0" eaLnBrk="1" fontAlgn="auto" latinLnBrk="0" hangingPunct="1">
+                        <a:lnSpc>
+                          <a:spcPct val="130000"/>
+                        </a:lnSpc>
+                        <a:spcBef>
+                          <a:spcPts val="0"/>
+                        </a:spcBef>
+                        <a:spcAft>
+                          <a:spcPts val="0"/>
+                        </a:spcAft>
+                        <a:buClrTx/>
+                        <a:buSzTx/>
+                        <a:buFontTx/>
+                        <a:buNone/>
+                        <a:tabLst/>
+                        <a:defRPr/>
+                      </a:pPr>
+                      <a:endParaRPr lang="zh-CN" altLang="en-US" sz="1200" b="0" kern="1200" dirty="0">
+                        <a:solidFill>
+                          <a:schemeClr val="tx1">
+                            <a:lumMod val="75000"/>
+                            <a:lumOff val="25000"/>
+                          </a:schemeClr>
+                        </a:solidFill>
+                        <a:latin typeface="+mn-lt"/>
+                        <a:ea typeface="+mn-ea"/>
+                        <a:cs typeface="+mn-ea"/>
+                        <a:sym typeface="+mn-lt"/>
+                      </a:endParaRPr>
+                    </a:p>
+                  </a:txBody>
+                  <a:tcPr marL="108666" marR="108666" marT="108522" marB="108522" anchor="ctr">
+                    <a:lnL w="3175" cap="flat" cmpd="sng" algn="ctr">
+                      <a:noFill/>
+                      <a:prstDash val="solid"/>
+                      <a:round/>
+                      <a:headEnd type="none" w="med" len="med"/>
+                      <a:tailEnd type="none" w="med" len="med"/>
+                    </a:lnL>
+                    <a:lnR w="57150" cap="flat" cmpd="sng" algn="ctr">
+                      <a:noFill/>
+                      <a:prstDash val="solid"/>
+                      <a:round/>
+                      <a:headEnd type="none" w="med" len="med"/>
+                      <a:tailEnd type="none" w="med" len="med"/>
+                    </a:lnR>
+                    <a:lnT w="3175" cap="flat" cmpd="sng" algn="ctr">
+                      <a:solidFill>
+                        <a:schemeClr val="bg1">
+                          <a:lumMod val="75000"/>
+                        </a:schemeClr>
+                      </a:solidFill>
+                      <a:prstDash val="sysDot"/>
+                      <a:round/>
+                      <a:headEnd type="none" w="med" len="med"/>
+                      <a:tailEnd type="none" w="med" len="med"/>
+                    </a:lnT>
+                    <a:lnB w="3175" cap="flat" cmpd="sng" algn="ctr">
+                      <a:solidFill>
+                        <a:schemeClr val="bg1">
+                          <a:lumMod val="75000"/>
+                        </a:schemeClr>
+                      </a:solidFill>
+                      <a:prstDash val="sysDot"/>
+                      <a:round/>
+                      <a:headEnd type="none" w="med" len="med"/>
+                      <a:tailEnd type="none" w="med" len="med"/>
+                    </a:lnB>
+                    <a:lnTlToBr w="12700" cmpd="sng">
+                      <a:noFill/>
+                      <a:prstDash val="solid"/>
+                    </a:lnTlToBr>
+                    <a:lnBlToTr w="12700" cmpd="sng">
+                      <a:noFill/>
+                      <a:prstDash val="solid"/>
+                    </a:lnBlToTr>
+                    <a:noFill/>
+                  </a:tcPr>
+                </a:tc>
+                <a:tc>
+                  <a:txBody>
+                    <a:bodyPr/>
+                    <a:lstStyle/>
+                    <a:p>
+                      <a:pPr marL="0" marR="0" lvl="0" indent="0" algn="l" defTabSz="685792" rtl="0" eaLnBrk="1" fontAlgn="auto" latinLnBrk="0" hangingPunct="1">
+                        <a:lnSpc>
+                          <a:spcPct val="130000"/>
+                        </a:lnSpc>
+                        <a:spcBef>
+                          <a:spcPts val="0"/>
+                        </a:spcBef>
+                        <a:spcAft>
+                          <a:spcPts val="0"/>
+                        </a:spcAft>
+                        <a:buClrTx/>
+                        <a:buSzTx/>
+                        <a:buFontTx/>
+                        <a:buNone/>
+                        <a:tabLst/>
+                        <a:defRPr/>
+                      </a:pPr>
+                      <a:endParaRPr lang="zh-CN" altLang="en-US" sz="1200" b="0" kern="1200" dirty="0">
+                        <a:solidFill>
+                          <a:schemeClr val="tx1">
+                            <a:lumMod val="75000"/>
+                            <a:lumOff val="25000"/>
+                          </a:schemeClr>
+                        </a:solidFill>
+                        <a:latin typeface="+mn-lt"/>
+                        <a:ea typeface="+mn-ea"/>
+                        <a:cs typeface="+mn-ea"/>
+                        <a:sym typeface="+mn-lt"/>
+                      </a:endParaRPr>
+                    </a:p>
+                  </a:txBody>
+                  <a:tcPr marL="108666" marR="108666" marT="108522" marB="108522" anchor="ctr">
+                    <a:lnL w="3175" cap="flat" cmpd="sng" algn="ctr">
+                      <a:noFill/>
+                      <a:prstDash val="solid"/>
+                      <a:round/>
+                      <a:headEnd type="none" w="med" len="med"/>
+                      <a:tailEnd type="none" w="med" len="med"/>
+                    </a:lnL>
+                    <a:lnR w="57150" cap="flat" cmpd="sng" algn="ctr">
+                      <a:noFill/>
+                      <a:prstDash val="solid"/>
+                      <a:round/>
+                      <a:headEnd type="none" w="med" len="med"/>
+                      <a:tailEnd type="none" w="med" len="med"/>
+                    </a:lnR>
+                    <a:lnT w="3175" cap="flat" cmpd="sng" algn="ctr">
+                      <a:solidFill>
+                        <a:schemeClr val="bg1">
+                          <a:lumMod val="75000"/>
+                        </a:schemeClr>
+                      </a:solidFill>
+                      <a:prstDash val="sysDot"/>
+                      <a:round/>
+                      <a:headEnd type="none" w="med" len="med"/>
+                      <a:tailEnd type="none" w="med" len="med"/>
+                    </a:lnT>
+                    <a:lnB w="3175" cap="flat" cmpd="sng" algn="ctr">
+                      <a:solidFill>
+                        <a:schemeClr val="bg1">
+                          <a:lumMod val="75000"/>
+                        </a:schemeClr>
+                      </a:solidFill>
+                      <a:prstDash val="sysDot"/>
+                      <a:round/>
+                      <a:headEnd type="none" w="med" len="med"/>
+                      <a:tailEnd type="none" w="med" len="med"/>
+                    </a:lnB>
+                    <a:lnTlToBr w="12700" cmpd="sng">
+                      <a:noFill/>
+                      <a:prstDash val="solid"/>
+                    </a:lnTlToBr>
+                    <a:lnBlToTr w="12700" cmpd="sng">
+                      <a:noFill/>
+                      <a:prstDash val="solid"/>
+                    </a:lnBlToTr>
+                    <a:noFill/>
+                  </a:tcPr>
+                </a:tc>
+                <a:tc>
+                  <a:txBody>
+                    <a:bodyPr/>
+                    <a:lstStyle/>
+                    <a:p>
+                      <a:pPr marL="0" marR="0" lvl="0" indent="0" algn="l" defTabSz="685792" rtl="0" eaLnBrk="1" fontAlgn="auto" latinLnBrk="0" hangingPunct="1">
+                        <a:lnSpc>
+                          <a:spcPct val="130000"/>
+                        </a:lnSpc>
+                        <a:spcBef>
+                          <a:spcPts val="0"/>
+                        </a:spcBef>
+                        <a:spcAft>
+                          <a:spcPts val="0"/>
+                        </a:spcAft>
+                        <a:buClrTx/>
+                        <a:buSzTx/>
+                        <a:buFontTx/>
+                        <a:buNone/>
+                        <a:tabLst/>
+                        <a:defRPr/>
+                      </a:pPr>
+                      <a:endParaRPr lang="zh-CN" altLang="en-US" sz="1200" b="0" kern="1200" dirty="0">
+                        <a:solidFill>
+                          <a:schemeClr val="tx1">
+                            <a:lumMod val="75000"/>
+                            <a:lumOff val="25000"/>
+                          </a:schemeClr>
+                        </a:solidFill>
+                        <a:latin typeface="+mn-lt"/>
+                        <a:ea typeface="+mn-ea"/>
+                        <a:cs typeface="+mn-ea"/>
+                        <a:sym typeface="+mn-lt"/>
+                      </a:endParaRPr>
+                    </a:p>
+                  </a:txBody>
+                  <a:tcPr marL="108666" marR="108666" marT="108522" marB="108522" anchor="ctr">
+                    <a:lnL w="3175" cap="flat" cmpd="sng" algn="ctr">
+                      <a:noFill/>
+                      <a:prstDash val="solid"/>
+                      <a:round/>
+                      <a:headEnd type="none" w="med" len="med"/>
+                      <a:tailEnd type="none" w="med" len="med"/>
+                    </a:lnL>
+                    <a:lnR w="57150" cap="flat" cmpd="sng" algn="ctr">
+                      <a:noFill/>
+                      <a:prstDash val="solid"/>
+                      <a:round/>
+                      <a:headEnd type="none" w="med" len="med"/>
+                      <a:tailEnd type="none" w="med" len="med"/>
+                    </a:lnR>
+                    <a:lnT w="3175" cap="flat" cmpd="sng" algn="ctr">
+                      <a:solidFill>
+                        <a:schemeClr val="bg1">
+                          <a:lumMod val="75000"/>
+                        </a:schemeClr>
+                      </a:solidFill>
+                      <a:prstDash val="sysDot"/>
+                      <a:round/>
+                      <a:headEnd type="none" w="med" len="med"/>
+                      <a:tailEnd type="none" w="med" len="med"/>
+                    </a:lnT>
+                    <a:lnB w="3175" cap="flat" cmpd="sng" algn="ctr">
+                      <a:solidFill>
+                        <a:schemeClr val="bg1">
+                          <a:lumMod val="75000"/>
+                        </a:schemeClr>
+                      </a:solidFill>
+                      <a:prstDash val="sysDot"/>
+                      <a:round/>
+                      <a:headEnd type="none" w="med" len="med"/>
+                      <a:tailEnd type="none" w="med" len="med"/>
+                    </a:lnB>
+                    <a:lnTlToBr w="12700" cmpd="sng">
+                      <a:noFill/>
+                      <a:prstDash val="solid"/>
+                    </a:lnTlToBr>
+                    <a:lnBlToTr w="12700" cmpd="sng">
+                      <a:noFill/>
+                      <a:prstDash val="solid"/>
+                    </a:lnBlToTr>
+                    <a:noFill/>
+                  </a:tcPr>
+                </a:tc>
+                <a:tc>
+                  <a:txBody>
+                    <a:bodyPr/>
+                    <a:lstStyle/>
+                    <a:p>
+                      <a:pPr marL="0" marR="0" lvl="0" indent="0" algn="l" defTabSz="685792" rtl="0" eaLnBrk="1" fontAlgn="auto" latinLnBrk="0" hangingPunct="1">
+                        <a:lnSpc>
+                          <a:spcPct val="130000"/>
+                        </a:lnSpc>
+                        <a:spcBef>
+                          <a:spcPts val="0"/>
+                        </a:spcBef>
+                        <a:spcAft>
+                          <a:spcPts val="0"/>
+                        </a:spcAft>
+                        <a:buClrTx/>
+                        <a:buSzTx/>
+                        <a:buFontTx/>
+                        <a:buNone/>
+                        <a:tabLst/>
+                        <a:defRPr/>
+                      </a:pPr>
+                      <a:endParaRPr lang="zh-CN" altLang="en-US" sz="1200" b="0" kern="1200" dirty="0">
+                        <a:solidFill>
+                          <a:schemeClr val="tx1">
+                            <a:lumMod val="75000"/>
+                            <a:lumOff val="25000"/>
+                          </a:schemeClr>
+                        </a:solidFill>
+                        <a:latin typeface="+mn-lt"/>
+                        <a:ea typeface="+mn-ea"/>
+                        <a:cs typeface="+mn-ea"/>
+                        <a:sym typeface="+mn-lt"/>
+                      </a:endParaRPr>
+                    </a:p>
+                  </a:txBody>
+                  <a:tcPr marL="108666" marR="108666" marT="108522" marB="108522" anchor="ctr">
+                    <a:lnL w="3175" cap="flat" cmpd="sng" algn="ctr">
+                      <a:noFill/>
+                      <a:prstDash val="solid"/>
+                      <a:round/>
+                      <a:headEnd type="none" w="med" len="med"/>
+                      <a:tailEnd type="none" w="med" len="med"/>
+                    </a:lnL>
+                    <a:lnR w="57150" cap="flat" cmpd="sng" algn="ctr">
+                      <a:noFill/>
+                      <a:prstDash val="solid"/>
+                      <a:round/>
+                      <a:headEnd type="none" w="med" len="med"/>
+                      <a:tailEnd type="none" w="med" len="med"/>
+                    </a:lnR>
+                    <a:lnT w="3175" cap="flat" cmpd="sng" algn="ctr">
+                      <a:solidFill>
+                        <a:schemeClr val="bg1">
+                          <a:lumMod val="75000"/>
+                        </a:schemeClr>
+                      </a:solidFill>
+                      <a:prstDash val="sysDot"/>
+                      <a:round/>
+                      <a:headEnd type="none" w="med" len="med"/>
+                      <a:tailEnd type="none" w="med" len="med"/>
+                    </a:lnT>
+                    <a:lnB w="3175" cap="flat" cmpd="sng" algn="ctr">
+                      <a:solidFill>
+                        <a:schemeClr val="bg1">
+                          <a:lumMod val="75000"/>
+                        </a:schemeClr>
+                      </a:solidFill>
+                      <a:prstDash val="sysDot"/>
+                      <a:round/>
+                      <a:headEnd type="none" w="med" len="med"/>
+                      <a:tailEnd type="none" w="med" len="med"/>
+                    </a:lnB>
+                    <a:lnTlToBr w="12700" cmpd="sng">
+                      <a:noFill/>
+                      <a:prstDash val="solid"/>
+                    </a:lnTlToBr>
+                    <a:lnBlToTr w="12700" cmpd="sng">
+                      <a:noFill/>
+                      <a:prstDash val="solid"/>
+                    </a:lnBlToTr>
+                    <a:noFill/>
+                  </a:tcPr>
+                </a:tc>
+                <a:tc>
+                  <a:txBody>
+                    <a:bodyPr/>
+                    <a:lstStyle/>
+                    <a:p>
+                      <a:pPr marL="0" marR="0" lvl="0" indent="0" algn="l" defTabSz="685792" rtl="0" eaLnBrk="1" fontAlgn="auto" latinLnBrk="0" hangingPunct="1">
+                        <a:lnSpc>
+                          <a:spcPct val="130000"/>
+                        </a:lnSpc>
+                        <a:spcBef>
+                          <a:spcPts val="0"/>
+                        </a:spcBef>
+                        <a:spcAft>
+                          <a:spcPts val="0"/>
+                        </a:spcAft>
+                        <a:buClrTx/>
+                        <a:buSzTx/>
+                        <a:buFontTx/>
+                        <a:buNone/>
+                        <a:tabLst/>
+                        <a:defRPr/>
+                      </a:pPr>
+                      <a:endParaRPr lang="zh-CN" altLang="en-US" sz="1200" b="0" kern="1200" dirty="0">
+                        <a:solidFill>
+                          <a:schemeClr val="tx1">
+                            <a:lumMod val="75000"/>
+                            <a:lumOff val="25000"/>
+                          </a:schemeClr>
+                        </a:solidFill>
+                        <a:latin typeface="+mn-lt"/>
+                        <a:ea typeface="+mn-ea"/>
+                        <a:cs typeface="+mn-ea"/>
+                        <a:sym typeface="+mn-lt"/>
+                      </a:endParaRPr>
+                    </a:p>
+                  </a:txBody>
+                  <a:tcPr marL="108666" marR="108666" marT="108522" marB="108522" anchor="ctr">
+                    <a:lnL w="3175" cap="flat" cmpd="sng" algn="ctr">
+                      <a:noFill/>
+                      <a:prstDash val="solid"/>
+                      <a:round/>
+                      <a:headEnd type="none" w="med" len="med"/>
+                      <a:tailEnd type="none" w="med" len="med"/>
+                    </a:lnL>
+                    <a:lnR w="57150" cap="flat" cmpd="sng" algn="ctr">
+                      <a:noFill/>
+                      <a:prstDash val="solid"/>
+                      <a:round/>
+                      <a:headEnd type="none" w="med" len="med"/>
+                      <a:tailEnd type="none" w="med" len="med"/>
+                    </a:lnR>
+                    <a:lnT w="3175" cap="flat" cmpd="sng" algn="ctr">
+                      <a:solidFill>
+                        <a:schemeClr val="bg1">
+                          <a:lumMod val="75000"/>
+                        </a:schemeClr>
+                      </a:solidFill>
+                      <a:prstDash val="sysDot"/>
+                      <a:round/>
+                      <a:headEnd type="none" w="med" len="med"/>
+                      <a:tailEnd type="none" w="med" len="med"/>
+                    </a:lnT>
+                    <a:lnB w="3175" cap="flat" cmpd="sng" algn="ctr">
+                      <a:solidFill>
+                        <a:schemeClr val="bg1">
+                          <a:lumMod val="75000"/>
+                        </a:schemeClr>
+                      </a:solidFill>
+                      <a:prstDash val="sysDot"/>
+                      <a:round/>
+                      <a:headEnd type="none" w="med" len="med"/>
+                      <a:tailEnd type="none" w="med" len="med"/>
+                    </a:lnB>
+                    <a:lnTlToBr w="12700" cmpd="sng">
+                      <a:noFill/>
+                      <a:prstDash val="solid"/>
+                    </a:lnTlToBr>
+                    <a:lnBlToTr w="12700" cmpd="sng">
+                      <a:noFill/>
+                      <a:prstDash val="solid"/>
+                    </a:lnBlToTr>
+                    <a:noFill/>
+                  </a:tcPr>
+                </a:tc>
+                <a:tc>
+                  <a:txBody>
+                    <a:bodyPr/>
+                    <a:lstStyle/>
+                    <a:p>
+                      <a:pPr marL="0" marR="0" lvl="0" indent="0" algn="l" defTabSz="685792" rtl="0" eaLnBrk="1" fontAlgn="auto" latinLnBrk="0" hangingPunct="1">
+                        <a:lnSpc>
+                          <a:spcPct val="130000"/>
+                        </a:lnSpc>
+                        <a:spcBef>
+                          <a:spcPts val="0"/>
+                        </a:spcBef>
+                        <a:spcAft>
+                          <a:spcPts val="0"/>
+                        </a:spcAft>
+                        <a:buClrTx/>
+                        <a:buSzTx/>
+                        <a:buFontTx/>
+                        <a:buNone/>
+                        <a:tabLst/>
+                        <a:defRPr/>
+                      </a:pPr>
+                      <a:endParaRPr lang="zh-CN" altLang="en-US" sz="1200" b="0" kern="1200" dirty="0">
+                        <a:solidFill>
+                          <a:schemeClr val="tx1">
+                            <a:lumMod val="75000"/>
+                            <a:lumOff val="25000"/>
+                          </a:schemeClr>
+                        </a:solidFill>
+                        <a:latin typeface="+mn-lt"/>
+                        <a:ea typeface="+mn-ea"/>
+                        <a:cs typeface="+mn-ea"/>
+                        <a:sym typeface="+mn-lt"/>
+                      </a:endParaRPr>
+                    </a:p>
+                  </a:txBody>
+                  <a:tcPr marL="108666" marR="108666" marT="108522" marB="108522" anchor="ctr">
+                    <a:lnL w="3175" cap="flat" cmpd="sng" algn="ctr">
+                      <a:noFill/>
+                      <a:prstDash val="solid"/>
+                      <a:round/>
+                      <a:headEnd type="none" w="med" len="med"/>
+                      <a:tailEnd type="none" w="med" len="med"/>
+                    </a:lnL>
+                    <a:lnR w="57150" cap="flat" cmpd="sng" algn="ctr">
+                      <a:noFill/>
+                      <a:prstDash val="solid"/>
+                      <a:round/>
+                      <a:headEnd type="none" w="med" len="med"/>
+                      <a:tailEnd type="none" w="med" len="med"/>
+                    </a:lnR>
+                    <a:lnT w="3175" cap="flat" cmpd="sng" algn="ctr">
+                      <a:solidFill>
+                        <a:schemeClr val="bg1">
+                          <a:lumMod val="75000"/>
+                        </a:schemeClr>
+                      </a:solidFill>
+                      <a:prstDash val="sysDot"/>
+                      <a:round/>
+                      <a:headEnd type="none" w="med" len="med"/>
+                      <a:tailEnd type="none" w="med" len="med"/>
+                    </a:lnT>
+                    <a:lnB w="3175" cap="flat" cmpd="sng" algn="ctr">
+                      <a:solidFill>
+                        <a:schemeClr val="bg1">
+                          <a:lumMod val="75000"/>
+                        </a:schemeClr>
+                      </a:solidFill>
+                      <a:prstDash val="sysDot"/>
+                      <a:round/>
+                      <a:headEnd type="none" w="med" len="med"/>
+                      <a:tailEnd type="none" w="med" len="med"/>
+                    </a:lnB>
+                    <a:lnTlToBr w="12700" cmpd="sng">
+                      <a:noFill/>
+                      <a:prstDash val="solid"/>
+                    </a:lnTlToBr>
+                    <a:lnBlToTr w="12700" cmpd="sng">
+                      <a:noFill/>
+                      <a:prstDash val="solid"/>
+                    </a:lnBlToTr>
+                    <a:noFill/>
+                  </a:tcPr>
+                </a:tc>
+                <a:tc>
+                  <a:txBody>
+                    <a:bodyPr/>
+                    <a:lstStyle/>
+                    <a:p>
+                      <a:pPr marL="0" marR="0" lvl="0" indent="0" algn="l" defTabSz="685792" rtl="0" eaLnBrk="1" fontAlgn="auto" latinLnBrk="0" hangingPunct="1">
+                        <a:lnSpc>
+                          <a:spcPct val="130000"/>
+                        </a:lnSpc>
+                        <a:spcBef>
+                          <a:spcPts val="0"/>
+                        </a:spcBef>
+                        <a:spcAft>
+                          <a:spcPts val="0"/>
+                        </a:spcAft>
+                        <a:buClrTx/>
+                        <a:buSzTx/>
+                        <a:buFontTx/>
+                        <a:buNone/>
+                        <a:tabLst/>
+                        <a:defRPr/>
+                      </a:pPr>
+                      <a:endParaRPr lang="zh-CN" altLang="en-US" sz="1200" b="0" kern="1200" dirty="0">
+                        <a:solidFill>
+                          <a:schemeClr val="tx1">
+                            <a:lumMod val="75000"/>
+                            <a:lumOff val="25000"/>
+                          </a:schemeClr>
+                        </a:solidFill>
+                        <a:latin typeface="+mn-lt"/>
+                        <a:ea typeface="+mn-ea"/>
+                        <a:cs typeface="+mn-ea"/>
+                        <a:sym typeface="+mn-lt"/>
+                      </a:endParaRPr>
+                    </a:p>
+                  </a:txBody>
+                  <a:tcPr marL="108666" marR="108666" marT="108522" marB="108522" anchor="ctr">
+                    <a:lnL w="3175" cap="flat" cmpd="sng" algn="ctr">
+                      <a:noFill/>
+                      <a:prstDash val="solid"/>
+                      <a:round/>
+                      <a:headEnd type="none" w="med" len="med"/>
+                      <a:tailEnd type="none" w="med" len="med"/>
+                    </a:lnL>
+                    <a:lnR w="57150" cap="flat" cmpd="sng" algn="ctr">
+                      <a:noFill/>
+                      <a:prstDash val="solid"/>
+                      <a:round/>
+                      <a:headEnd type="none" w="med" len="med"/>
+                      <a:tailEnd type="none" w="med" len="med"/>
+                    </a:lnR>
+                    <a:lnT w="3175" cap="flat" cmpd="sng" algn="ctr">
+                      <a:solidFill>
+                        <a:schemeClr val="bg1">
+                          <a:lumMod val="75000"/>
+                        </a:schemeClr>
+                      </a:solidFill>
+                      <a:prstDash val="sysDot"/>
+                      <a:round/>
+                      <a:headEnd type="none" w="med" len="med"/>
+                      <a:tailEnd type="none" w="med" len="med"/>
+                    </a:lnT>
+                    <a:lnB w="3175" cap="flat" cmpd="sng" algn="ctr">
+                      <a:solidFill>
+                        <a:schemeClr val="bg1">
+                          <a:lumMod val="75000"/>
+                        </a:schemeClr>
+                      </a:solidFill>
+                      <a:prstDash val="sysDot"/>
+                      <a:round/>
+                      <a:headEnd type="none" w="med" len="med"/>
+                      <a:tailEnd type="none" w="med" len="med"/>
+                    </a:lnB>
+                    <a:lnTlToBr w="12700" cmpd="sng">
+                      <a:noFill/>
+                      <a:prstDash val="solid"/>
+                    </a:lnTlToBr>
+                    <a:lnBlToTr w="12700" cmpd="sng">
+                      <a:noFill/>
+                      <a:prstDash val="solid"/>
+                    </a:lnBlToTr>
+                    <a:noFill/>
+                  </a:tcPr>
+                </a:tc>
+                <a:extLst>
+                  <a:ext uri="{0D108BD9-81ED-4DB2-BD59-A6C34878D82A}">
+                    <a16:rowId xmlns:a16="http://schemas.microsoft.com/office/drawing/2014/main" xmlns="" val="10004"/>
+                  </a:ext>
+                </a:extLst>
+              </a:tr>
+              <a:tr h="472952">
+                <a:tc>
+                  <a:txBody>
+                    <a:bodyPr/>
+                    <a:lstStyle/>
+                    <a:p>
+                      <a:pPr marL="0" marR="0" lvl="0" indent="0" algn="ctr" defTabSz="685792" rtl="0" eaLnBrk="1" fontAlgn="auto" latinLnBrk="0" hangingPunct="1">
+                        <a:lnSpc>
+                          <a:spcPct val="130000"/>
+                        </a:lnSpc>
+                        <a:spcBef>
+                          <a:spcPts val="0"/>
+                        </a:spcBef>
+                        <a:spcAft>
+                          <a:spcPts val="0"/>
+                        </a:spcAft>
+                        <a:buClrTx/>
+                        <a:buSzTx/>
+                        <a:buFontTx/>
+                        <a:buNone/>
+                        <a:tabLst/>
+                        <a:defRPr/>
+                      </a:pPr>
+                      <a:endParaRPr lang="zh-CN" altLang="en-US" sz="1200" b="0" kern="1200" dirty="0">
+                        <a:solidFill>
+                          <a:schemeClr val="tx1">
+                            <a:lumMod val="75000"/>
+                            <a:lumOff val="25000"/>
+                          </a:schemeClr>
+                        </a:solidFill>
+                        <a:latin typeface="+mn-lt"/>
+                        <a:ea typeface="+mn-ea"/>
+                        <a:cs typeface="+mn-ea"/>
+                        <a:sym typeface="+mn-lt"/>
+                      </a:endParaRPr>
+                    </a:p>
+                  </a:txBody>
+                  <a:tcPr marL="108666" marR="108666" marT="108522" marB="108522" anchor="ctr">
+                    <a:lnL w="57150" cap="flat" cmpd="sng" algn="ctr">
+                      <a:noFill/>
+                      <a:prstDash val="solid"/>
+                      <a:round/>
+                      <a:headEnd type="none" w="med" len="med"/>
+                      <a:tailEnd type="none" w="med" len="med"/>
+                    </a:lnL>
+                    <a:lnR w="3175" cap="flat" cmpd="sng" algn="ctr">
+                      <a:noFill/>
+                      <a:prstDash val="solid"/>
+                      <a:round/>
+                      <a:headEnd type="none" w="med" len="med"/>
+                      <a:tailEnd type="none" w="med" len="med"/>
+                    </a:lnR>
+                    <a:lnT w="3175" cap="flat" cmpd="sng" algn="ctr">
+                      <a:solidFill>
+                        <a:schemeClr val="bg1">
+                          <a:lumMod val="75000"/>
+                        </a:schemeClr>
+                      </a:solidFill>
+                      <a:prstDash val="sysDot"/>
+                      <a:round/>
+                      <a:headEnd type="none" w="med" len="med"/>
+                      <a:tailEnd type="none" w="med" len="med"/>
+                    </a:lnT>
+                    <a:lnB w="3175" cap="flat" cmpd="sng" algn="ctr">
+                      <a:solidFill>
+                        <a:schemeClr val="bg1">
+                          <a:lumMod val="75000"/>
+                        </a:schemeClr>
+                      </a:solidFill>
+                      <a:prstDash val="sysDot"/>
+                      <a:round/>
+                      <a:headEnd type="none" w="med" len="med"/>
+                      <a:tailEnd type="none" w="med" len="med"/>
+                    </a:lnB>
+                    <a:lnTlToBr w="12700" cmpd="sng">
+                      <a:noFill/>
+                      <a:prstDash val="solid"/>
+                    </a:lnTlToBr>
+                    <a:lnBlToTr w="12700" cmpd="sng">
+                      <a:noFill/>
+                      <a:prstDash val="solid"/>
+                    </a:lnBlToTr>
+                    <a:noFill/>
+                  </a:tcPr>
+                </a:tc>
+                <a:tc>
+                  <a:txBody>
+                    <a:bodyPr/>
+                    <a:lstStyle/>
+                    <a:p>
+                      <a:pPr marL="0" marR="0" lvl="0" indent="0" algn="l" defTabSz="685792" rtl="0" eaLnBrk="1" fontAlgn="auto" latinLnBrk="0" hangingPunct="1">
+                        <a:lnSpc>
+                          <a:spcPct val="130000"/>
+                        </a:lnSpc>
+                        <a:spcBef>
+                          <a:spcPts val="0"/>
+                        </a:spcBef>
+                        <a:spcAft>
+                          <a:spcPts val="0"/>
+                        </a:spcAft>
+                        <a:buClrTx/>
+                        <a:buSzTx/>
+                        <a:buFontTx/>
+                        <a:buNone/>
+                        <a:tabLst/>
+                        <a:defRPr/>
+                      </a:pPr>
+                      <a:endParaRPr lang="zh-CN" altLang="en-US" sz="1200" b="0" kern="1200" dirty="0">
+                        <a:solidFill>
+                          <a:schemeClr val="tx1">
+                            <a:lumMod val="75000"/>
+                            <a:lumOff val="25000"/>
+                          </a:schemeClr>
+                        </a:solidFill>
+                        <a:latin typeface="+mn-lt"/>
+                        <a:ea typeface="+mn-ea"/>
+                        <a:cs typeface="+mn-ea"/>
+                        <a:sym typeface="+mn-lt"/>
+                      </a:endParaRPr>
+                    </a:p>
+                  </a:txBody>
+                  <a:tcPr marL="108666" marR="108666" marT="108522" marB="108522" anchor="ctr">
+                    <a:lnL w="3175" cap="flat" cmpd="sng" algn="ctr">
+                      <a:noFill/>
+                      <a:prstDash val="solid"/>
+                      <a:round/>
+                      <a:headEnd type="none" w="med" len="med"/>
+                      <a:tailEnd type="none" w="med" len="med"/>
+                    </a:lnL>
+                    <a:lnR w="57150" cap="flat" cmpd="sng" algn="ctr">
+                      <a:noFill/>
+                      <a:prstDash val="solid"/>
+                      <a:round/>
+                      <a:headEnd type="none" w="med" len="med"/>
+                      <a:tailEnd type="none" w="med" len="med"/>
+                    </a:lnR>
+                    <a:lnT w="3175" cap="flat" cmpd="sng" algn="ctr">
+                      <a:solidFill>
+                        <a:schemeClr val="bg1">
+                          <a:lumMod val="75000"/>
+                        </a:schemeClr>
+                      </a:solidFill>
+                      <a:prstDash val="sysDot"/>
+                      <a:round/>
+                      <a:headEnd type="none" w="med" len="med"/>
+                      <a:tailEnd type="none" w="med" len="med"/>
+                    </a:lnT>
+                    <a:lnB w="3175" cap="flat" cmpd="sng" algn="ctr">
+                      <a:solidFill>
+                        <a:schemeClr val="bg1">
+                          <a:lumMod val="75000"/>
+                        </a:schemeClr>
+                      </a:solidFill>
+                      <a:prstDash val="sysDot"/>
+                      <a:round/>
+                      <a:headEnd type="none" w="med" len="med"/>
+                      <a:tailEnd type="none" w="med" len="med"/>
+                    </a:lnB>
+                    <a:lnTlToBr w="12700" cmpd="sng">
+                      <a:noFill/>
+                      <a:prstDash val="solid"/>
+                    </a:lnTlToBr>
+                    <a:lnBlToTr w="12700" cmpd="sng">
+                      <a:noFill/>
+                      <a:prstDash val="solid"/>
+                    </a:lnBlToTr>
+                    <a:noFill/>
+                  </a:tcPr>
+                </a:tc>
+                <a:tc>
+                  <a:txBody>
+                    <a:bodyPr/>
+                    <a:lstStyle/>
+                    <a:p>
+                      <a:pPr marL="0" marR="0" lvl="0" indent="0" algn="l" defTabSz="685792" rtl="0" eaLnBrk="1" fontAlgn="auto" latinLnBrk="0" hangingPunct="1">
+                        <a:lnSpc>
+                          <a:spcPct val="130000"/>
+                        </a:lnSpc>
+                        <a:spcBef>
+                          <a:spcPts val="0"/>
+                        </a:spcBef>
+                        <a:spcAft>
+                          <a:spcPts val="0"/>
+                        </a:spcAft>
+                        <a:buClrTx/>
+                        <a:buSzTx/>
+                        <a:buFontTx/>
+                        <a:buNone/>
+                        <a:tabLst/>
+                        <a:defRPr/>
+                      </a:pPr>
+                      <a:endParaRPr lang="zh-CN" altLang="en-US" sz="1200" b="0" kern="1200" dirty="0">
+                        <a:solidFill>
+                          <a:schemeClr val="tx1">
+                            <a:lumMod val="75000"/>
+                            <a:lumOff val="25000"/>
+                          </a:schemeClr>
+                        </a:solidFill>
+                        <a:latin typeface="+mn-lt"/>
+                        <a:ea typeface="+mn-ea"/>
+                        <a:cs typeface="+mn-ea"/>
+                        <a:sym typeface="+mn-lt"/>
+                      </a:endParaRPr>
+                    </a:p>
+                  </a:txBody>
+                  <a:tcPr marL="108666" marR="108666" marT="108522" marB="108522" anchor="ctr">
+                    <a:lnL w="3175" cap="flat" cmpd="sng" algn="ctr">
+                      <a:noFill/>
+                      <a:prstDash val="solid"/>
+                      <a:round/>
+                      <a:headEnd type="none" w="med" len="med"/>
+                      <a:tailEnd type="none" w="med" len="med"/>
+                    </a:lnL>
+                    <a:lnR w="57150" cap="flat" cmpd="sng" algn="ctr">
+                      <a:noFill/>
+                      <a:prstDash val="solid"/>
+                      <a:round/>
+                      <a:headEnd type="none" w="med" len="med"/>
+                      <a:tailEnd type="none" w="med" len="med"/>
+                    </a:lnR>
+                    <a:lnT w="3175" cap="flat" cmpd="sng" algn="ctr">
+                      <a:solidFill>
+                        <a:schemeClr val="bg1">
+                          <a:lumMod val="75000"/>
+                        </a:schemeClr>
+                      </a:solidFill>
+                      <a:prstDash val="sysDot"/>
+                      <a:round/>
+                      <a:headEnd type="none" w="med" len="med"/>
+                      <a:tailEnd type="none" w="med" len="med"/>
+                    </a:lnT>
+                    <a:lnB w="3175" cap="flat" cmpd="sng" algn="ctr">
+                      <a:solidFill>
+                        <a:schemeClr val="bg1">
+                          <a:lumMod val="75000"/>
+                        </a:schemeClr>
+                      </a:solidFill>
+                      <a:prstDash val="sysDot"/>
+                      <a:round/>
+                      <a:headEnd type="none" w="med" len="med"/>
+                      <a:tailEnd type="none" w="med" len="med"/>
+                    </a:lnB>
+                    <a:lnTlToBr w="12700" cmpd="sng">
+                      <a:noFill/>
+                      <a:prstDash val="solid"/>
+                    </a:lnTlToBr>
+                    <a:lnBlToTr w="12700" cmpd="sng">
+                      <a:noFill/>
+                      <a:prstDash val="solid"/>
+                    </a:lnBlToTr>
+                    <a:noFill/>
+                  </a:tcPr>
+                </a:tc>
+                <a:tc>
+                  <a:txBody>
+                    <a:bodyPr/>
+                    <a:lstStyle/>
+                    <a:p>
+                      <a:pPr marL="0" marR="0" lvl="0" indent="0" algn="l" defTabSz="685792" rtl="0" eaLnBrk="1" fontAlgn="auto" latinLnBrk="0" hangingPunct="1">
+                        <a:lnSpc>
+                          <a:spcPct val="130000"/>
+                        </a:lnSpc>
+                        <a:spcBef>
+                          <a:spcPts val="0"/>
+                        </a:spcBef>
+                        <a:spcAft>
+                          <a:spcPts val="0"/>
+                        </a:spcAft>
+                        <a:buClrTx/>
+                        <a:buSzTx/>
+                        <a:buFontTx/>
+                        <a:buNone/>
+                        <a:tabLst/>
+                        <a:defRPr/>
+                      </a:pPr>
+                      <a:endParaRPr lang="zh-CN" altLang="en-US" sz="1200" b="0" kern="1200" dirty="0">
+                        <a:solidFill>
+                          <a:schemeClr val="tx1">
+                            <a:lumMod val="75000"/>
+                            <a:lumOff val="25000"/>
+                          </a:schemeClr>
+                        </a:solidFill>
+                        <a:latin typeface="+mn-lt"/>
+                        <a:ea typeface="+mn-ea"/>
+                        <a:cs typeface="+mn-ea"/>
+                        <a:sym typeface="+mn-lt"/>
+                      </a:endParaRPr>
+                    </a:p>
+                  </a:txBody>
+                  <a:tcPr marL="108666" marR="108666" marT="108522" marB="108522" anchor="ctr">
+                    <a:lnL w="3175" cap="flat" cmpd="sng" algn="ctr">
+                      <a:noFill/>
+                      <a:prstDash val="solid"/>
+                      <a:round/>
+                      <a:headEnd type="none" w="med" len="med"/>
+                      <a:tailEnd type="none" w="med" len="med"/>
+                    </a:lnL>
+                    <a:lnR w="57150" cap="flat" cmpd="sng" algn="ctr">
+                      <a:noFill/>
+                      <a:prstDash val="solid"/>
+                      <a:round/>
+                      <a:headEnd type="none" w="med" len="med"/>
+                      <a:tailEnd type="none" w="med" len="med"/>
+                    </a:lnR>
+                    <a:lnT w="3175" cap="flat" cmpd="sng" algn="ctr">
+                      <a:solidFill>
+                        <a:schemeClr val="bg1">
+                          <a:lumMod val="75000"/>
+                        </a:schemeClr>
+                      </a:solidFill>
+                      <a:prstDash val="sysDot"/>
+                      <a:round/>
+                      <a:headEnd type="none" w="med" len="med"/>
+                      <a:tailEnd type="none" w="med" len="med"/>
+                    </a:lnT>
+                    <a:lnB w="3175" cap="flat" cmpd="sng" algn="ctr">
+                      <a:solidFill>
+                        <a:schemeClr val="bg1">
+                          <a:lumMod val="75000"/>
+                        </a:schemeClr>
+                      </a:solidFill>
+                      <a:prstDash val="sysDot"/>
+                      <a:round/>
+                      <a:headEnd type="none" w="med" len="med"/>
+                      <a:tailEnd type="none" w="med" len="med"/>
+                    </a:lnB>
+                    <a:lnTlToBr w="12700" cmpd="sng">
+                      <a:noFill/>
+                      <a:prstDash val="solid"/>
+                    </a:lnTlToBr>
+                    <a:lnBlToTr w="12700" cmpd="sng">
+                      <a:noFill/>
+                      <a:prstDash val="solid"/>
+                    </a:lnBlToTr>
+                    <a:noFill/>
+                  </a:tcPr>
+                </a:tc>
+                <a:tc>
+                  <a:txBody>
+                    <a:bodyPr/>
+                    <a:lstStyle/>
+                    <a:p>
+                      <a:pPr marL="0" marR="0" lvl="0" indent="0" algn="l" defTabSz="685792" rtl="0" eaLnBrk="1" fontAlgn="auto" latinLnBrk="0" hangingPunct="1">
+                        <a:lnSpc>
+                          <a:spcPct val="130000"/>
+                        </a:lnSpc>
+                        <a:spcBef>
+                          <a:spcPts val="0"/>
+                        </a:spcBef>
+                        <a:spcAft>
+                          <a:spcPts val="0"/>
+                        </a:spcAft>
+                        <a:buClrTx/>
+                        <a:buSzTx/>
+                        <a:buFontTx/>
+                        <a:buNone/>
+                        <a:tabLst/>
+                        <a:defRPr/>
+                      </a:pPr>
+                      <a:endParaRPr lang="zh-CN" altLang="en-US" sz="1200" b="0" kern="1200" dirty="0">
+                        <a:solidFill>
+                          <a:schemeClr val="tx1">
+                            <a:lumMod val="75000"/>
+                            <a:lumOff val="25000"/>
+                          </a:schemeClr>
+                        </a:solidFill>
+                        <a:latin typeface="+mn-lt"/>
+                        <a:ea typeface="+mn-ea"/>
+                        <a:cs typeface="+mn-ea"/>
+                        <a:sym typeface="+mn-lt"/>
+                      </a:endParaRPr>
+                    </a:p>
+                  </a:txBody>
+                  <a:tcPr marL="108666" marR="108666" marT="108522" marB="108522" anchor="ctr">
+                    <a:lnL w="3175" cap="flat" cmpd="sng" algn="ctr">
+                      <a:noFill/>
+                      <a:prstDash val="solid"/>
+                      <a:round/>
+                      <a:headEnd type="none" w="med" len="med"/>
+                      <a:tailEnd type="none" w="med" len="med"/>
+                    </a:lnL>
+                    <a:lnR w="57150" cap="flat" cmpd="sng" algn="ctr">
+                      <a:noFill/>
+                      <a:prstDash val="solid"/>
+                      <a:round/>
+                      <a:headEnd type="none" w="med" len="med"/>
+                      <a:tailEnd type="none" w="med" len="med"/>
+                    </a:lnR>
+                    <a:lnT w="3175" cap="flat" cmpd="sng" algn="ctr">
+                      <a:solidFill>
+                        <a:schemeClr val="bg1">
+                          <a:lumMod val="75000"/>
+                        </a:schemeClr>
+                      </a:solidFill>
+                      <a:prstDash val="sysDot"/>
+                      <a:round/>
+                      <a:headEnd type="none" w="med" len="med"/>
+                      <a:tailEnd type="none" w="med" len="med"/>
+                    </a:lnT>
+                    <a:lnB w="3175" cap="flat" cmpd="sng" algn="ctr">
+                      <a:solidFill>
+                        <a:schemeClr val="bg1">
+                          <a:lumMod val="75000"/>
+                        </a:schemeClr>
+                      </a:solidFill>
+                      <a:prstDash val="sysDot"/>
+                      <a:round/>
+                      <a:headEnd type="none" w="med" len="med"/>
+                      <a:tailEnd type="none" w="med" len="med"/>
+                    </a:lnB>
+                    <a:lnTlToBr w="12700" cmpd="sng">
+                      <a:noFill/>
+                      <a:prstDash val="solid"/>
+                    </a:lnTlToBr>
+                    <a:lnBlToTr w="12700" cmpd="sng">
+                      <a:noFill/>
+                      <a:prstDash val="solid"/>
+                    </a:lnBlToTr>
+                    <a:noFill/>
+                  </a:tcPr>
+                </a:tc>
+                <a:tc>
+                  <a:txBody>
+                    <a:bodyPr/>
+                    <a:lstStyle/>
+                    <a:p>
+                      <a:pPr marL="0" marR="0" lvl="0" indent="0" algn="l" defTabSz="685792" rtl="0" eaLnBrk="1" fontAlgn="auto" latinLnBrk="0" hangingPunct="1">
+                        <a:lnSpc>
+                          <a:spcPct val="130000"/>
+                        </a:lnSpc>
+                        <a:spcBef>
+                          <a:spcPts val="0"/>
+                        </a:spcBef>
+                        <a:spcAft>
+                          <a:spcPts val="0"/>
+                        </a:spcAft>
+                        <a:buClrTx/>
+                        <a:buSzTx/>
+                        <a:buFontTx/>
+                        <a:buNone/>
+                        <a:tabLst/>
+                        <a:defRPr/>
+                      </a:pPr>
+                      <a:endParaRPr lang="zh-CN" altLang="en-US" sz="1200" b="0" kern="1200" dirty="0">
+                        <a:solidFill>
+                          <a:schemeClr val="tx1">
+                            <a:lumMod val="75000"/>
+                            <a:lumOff val="25000"/>
+                          </a:schemeClr>
+                        </a:solidFill>
+                        <a:latin typeface="+mn-lt"/>
+                        <a:ea typeface="+mn-ea"/>
+                        <a:cs typeface="+mn-ea"/>
+                        <a:sym typeface="+mn-lt"/>
+                      </a:endParaRPr>
+                    </a:p>
+                  </a:txBody>
+                  <a:tcPr marL="108666" marR="108666" marT="108522" marB="108522" anchor="ctr">
+                    <a:lnL w="3175" cap="flat" cmpd="sng" algn="ctr">
+                      <a:noFill/>
+                      <a:prstDash val="solid"/>
+                      <a:round/>
+                      <a:headEnd type="none" w="med" len="med"/>
+                      <a:tailEnd type="none" w="med" len="med"/>
+                    </a:lnL>
+                    <a:lnR w="57150" cap="flat" cmpd="sng" algn="ctr">
+                      <a:noFill/>
+                      <a:prstDash val="solid"/>
+                      <a:round/>
+                      <a:headEnd type="none" w="med" len="med"/>
+                      <a:tailEnd type="none" w="med" len="med"/>
+                    </a:lnR>
+                    <a:lnT w="3175" cap="flat" cmpd="sng" algn="ctr">
+                      <a:solidFill>
+                        <a:schemeClr val="bg1">
+                          <a:lumMod val="75000"/>
+                        </a:schemeClr>
+                      </a:solidFill>
+                      <a:prstDash val="sysDot"/>
+                      <a:round/>
+                      <a:headEnd type="none" w="med" len="med"/>
+                      <a:tailEnd type="none" w="med" len="med"/>
+                    </a:lnT>
+                    <a:lnB w="3175" cap="flat" cmpd="sng" algn="ctr">
+                      <a:solidFill>
+                        <a:schemeClr val="bg1">
+                          <a:lumMod val="75000"/>
+                        </a:schemeClr>
+                      </a:solidFill>
+                      <a:prstDash val="sysDot"/>
+                      <a:round/>
+                      <a:headEnd type="none" w="med" len="med"/>
+                      <a:tailEnd type="none" w="med" len="med"/>
+                    </a:lnB>
+                    <a:lnTlToBr w="12700" cmpd="sng">
+                      <a:noFill/>
+                      <a:prstDash val="solid"/>
+                    </a:lnTlToBr>
+                    <a:lnBlToTr w="12700" cmpd="sng">
+                      <a:noFill/>
+                      <a:prstDash val="solid"/>
+                    </a:lnBlToTr>
+                    <a:noFill/>
+                  </a:tcPr>
+                </a:tc>
+                <a:tc>
+                  <a:txBody>
+                    <a:bodyPr/>
+                    <a:lstStyle/>
+                    <a:p>
+                      <a:pPr marL="0" marR="0" lvl="0" indent="0" algn="l" defTabSz="685792" rtl="0" eaLnBrk="1" fontAlgn="auto" latinLnBrk="0" hangingPunct="1">
+                        <a:lnSpc>
+                          <a:spcPct val="130000"/>
+                        </a:lnSpc>
+                        <a:spcBef>
+                          <a:spcPts val="0"/>
+                        </a:spcBef>
+                        <a:spcAft>
+                          <a:spcPts val="0"/>
+                        </a:spcAft>
+                        <a:buClrTx/>
+                        <a:buSzTx/>
+                        <a:buFontTx/>
+                        <a:buNone/>
+                        <a:tabLst/>
+                        <a:defRPr/>
+                      </a:pPr>
+                      <a:endParaRPr lang="zh-CN" altLang="en-US" sz="1200" b="0" kern="1200" dirty="0">
+                        <a:solidFill>
+                          <a:schemeClr val="tx1">
+                            <a:lumMod val="75000"/>
+                            <a:lumOff val="25000"/>
+                          </a:schemeClr>
+                        </a:solidFill>
+                        <a:latin typeface="+mn-lt"/>
+                        <a:ea typeface="+mn-ea"/>
+                        <a:cs typeface="+mn-ea"/>
+                        <a:sym typeface="+mn-lt"/>
+                      </a:endParaRPr>
+                    </a:p>
+                  </a:txBody>
+                  <a:tcPr marL="108666" marR="108666" marT="108522" marB="108522" anchor="ctr">
+                    <a:lnL w="3175" cap="flat" cmpd="sng" algn="ctr">
+                      <a:noFill/>
+                      <a:prstDash val="solid"/>
+                      <a:round/>
+                      <a:headEnd type="none" w="med" len="med"/>
+                      <a:tailEnd type="none" w="med" len="med"/>
+                    </a:lnL>
+                    <a:lnR w="57150" cap="flat" cmpd="sng" algn="ctr">
+                      <a:noFill/>
+                      <a:prstDash val="solid"/>
+                      <a:round/>
+                      <a:headEnd type="none" w="med" len="med"/>
+                      <a:tailEnd type="none" w="med" len="med"/>
+                    </a:lnR>
+                    <a:lnT w="3175" cap="flat" cmpd="sng" algn="ctr">
+                      <a:solidFill>
+                        <a:schemeClr val="bg1">
+                          <a:lumMod val="75000"/>
+                        </a:schemeClr>
+                      </a:solidFill>
+                      <a:prstDash val="sysDot"/>
+                      <a:round/>
+                      <a:headEnd type="none" w="med" len="med"/>
+                      <a:tailEnd type="none" w="med" len="med"/>
+                    </a:lnT>
+                    <a:lnB w="3175" cap="flat" cmpd="sng" algn="ctr">
+                      <a:solidFill>
+                        <a:schemeClr val="bg1">
+                          <a:lumMod val="75000"/>
+                        </a:schemeClr>
+                      </a:solidFill>
+                      <a:prstDash val="sysDot"/>
+                      <a:round/>
+                      <a:headEnd type="none" w="med" len="med"/>
+                      <a:tailEnd type="none" w="med" len="med"/>
+                    </a:lnB>
+                    <a:lnTlToBr w="12700" cmpd="sng">
+                      <a:noFill/>
+                      <a:prstDash val="solid"/>
+                    </a:lnTlToBr>
+                    <a:lnBlToTr w="12700" cmpd="sng">
+                      <a:noFill/>
+                      <a:prstDash val="solid"/>
+                    </a:lnBlToTr>
+                    <a:noFill/>
+                  </a:tcPr>
+                </a:tc>
+                <a:tc>
+                  <a:txBody>
+                    <a:bodyPr/>
+                    <a:lstStyle/>
+                    <a:p>
+                      <a:pPr marL="0" marR="0" lvl="0" indent="0" algn="l" defTabSz="685792" rtl="0" eaLnBrk="1" fontAlgn="auto" latinLnBrk="0" hangingPunct="1">
+                        <a:lnSpc>
+                          <a:spcPct val="130000"/>
+                        </a:lnSpc>
+                        <a:spcBef>
+                          <a:spcPts val="0"/>
+                        </a:spcBef>
+                        <a:spcAft>
+                          <a:spcPts val="0"/>
+                        </a:spcAft>
+                        <a:buClrTx/>
+                        <a:buSzTx/>
+                        <a:buFontTx/>
+                        <a:buNone/>
+                        <a:tabLst/>
+                        <a:defRPr/>
+                      </a:pPr>
+                      <a:endParaRPr lang="zh-CN" altLang="en-US" sz="1200" b="0" kern="1200" dirty="0">
+                        <a:solidFill>
+                          <a:schemeClr val="tx1">
+                            <a:lumMod val="75000"/>
+                            <a:lumOff val="25000"/>
+                          </a:schemeClr>
+                        </a:solidFill>
+                        <a:latin typeface="+mn-lt"/>
+                        <a:ea typeface="+mn-ea"/>
+                        <a:cs typeface="+mn-ea"/>
+                        <a:sym typeface="+mn-lt"/>
+                      </a:endParaRPr>
+                    </a:p>
+                  </a:txBody>
+                  <a:tcPr marL="108666" marR="108666" marT="108522" marB="108522" anchor="ctr">
+                    <a:lnL w="3175" cap="flat" cmpd="sng" algn="ctr">
+                      <a:noFill/>
+                      <a:prstDash val="solid"/>
+                      <a:round/>
+                      <a:headEnd type="none" w="med" len="med"/>
+                      <a:tailEnd type="none" w="med" len="med"/>
+                    </a:lnL>
+                    <a:lnR w="57150" cap="flat" cmpd="sng" algn="ctr">
+                      <a:noFill/>
+                      <a:prstDash val="solid"/>
+                      <a:round/>
+                      <a:headEnd type="none" w="med" len="med"/>
+                      <a:tailEnd type="none" w="med" len="med"/>
+                    </a:lnR>
+                    <a:lnT w="3175" cap="flat" cmpd="sng" algn="ctr">
+                      <a:solidFill>
+                        <a:schemeClr val="bg1">
+                          <a:lumMod val="75000"/>
+                        </a:schemeClr>
+                      </a:solidFill>
+                      <a:prstDash val="sysDot"/>
+                      <a:round/>
+                      <a:headEnd type="none" w="med" len="med"/>
+                      <a:tailEnd type="none" w="med" len="med"/>
+                    </a:lnT>
+                    <a:lnB w="3175" cap="flat" cmpd="sng" algn="ctr">
+                      <a:solidFill>
+                        <a:schemeClr val="bg1">
+                          <a:lumMod val="75000"/>
+                        </a:schemeClr>
+                      </a:solidFill>
+                      <a:prstDash val="sysDot"/>
+                      <a:round/>
+                      <a:headEnd type="none" w="med" len="med"/>
+                      <a:tailEnd type="none" w="med" len="med"/>
+                    </a:lnB>
+                    <a:lnTlToBr w="12700" cmpd="sng">
+                      <a:noFill/>
+                      <a:prstDash val="solid"/>
+                    </a:lnTlToBr>
+                    <a:lnBlToTr w="12700" cmpd="sng">
+                      <a:noFill/>
+                      <a:prstDash val="solid"/>
+                    </a:lnBlToTr>
+                    <a:noFill/>
+                  </a:tcPr>
+                </a:tc>
+              </a:tr>
+              <a:tr h="472952">
+                <a:tc>
+                  <a:txBody>
+                    <a:bodyPr/>
+                    <a:lstStyle/>
+                    <a:p>
+                      <a:pPr marL="0" marR="0" lvl="0" indent="0" algn="ctr" defTabSz="685792" rtl="0" eaLnBrk="1" fontAlgn="auto" latinLnBrk="0" hangingPunct="1">
+                        <a:lnSpc>
+                          <a:spcPct val="130000"/>
+                        </a:lnSpc>
+                        <a:spcBef>
+                          <a:spcPts val="0"/>
+                        </a:spcBef>
+                        <a:spcAft>
+                          <a:spcPts val="0"/>
+                        </a:spcAft>
+                        <a:buClrTx/>
+                        <a:buSzTx/>
+                        <a:buFontTx/>
+                        <a:buNone/>
+                        <a:tabLst/>
+                        <a:defRPr/>
+                      </a:pPr>
+                      <a:endParaRPr lang="zh-CN" altLang="en-US" sz="1200" b="0" kern="1200" dirty="0">
+                        <a:solidFill>
+                          <a:schemeClr val="tx1">
+                            <a:lumMod val="75000"/>
+                            <a:lumOff val="25000"/>
+                          </a:schemeClr>
+                        </a:solidFill>
+                        <a:latin typeface="+mn-lt"/>
+                        <a:ea typeface="+mn-ea"/>
+                        <a:cs typeface="+mn-ea"/>
+                        <a:sym typeface="+mn-lt"/>
+                      </a:endParaRPr>
+                    </a:p>
+                  </a:txBody>
+                  <a:tcPr marL="108666" marR="108666" marT="108522" marB="108522" anchor="ctr">
+                    <a:lnL w="57150" cap="flat" cmpd="sng" algn="ctr">
+                      <a:noFill/>
+                      <a:prstDash val="solid"/>
+                      <a:round/>
+                      <a:headEnd type="none" w="med" len="med"/>
+                      <a:tailEnd type="none" w="med" len="med"/>
+                    </a:lnL>
+                    <a:lnR w="3175" cap="flat" cmpd="sng" algn="ctr">
+                      <a:noFill/>
+                      <a:prstDash val="solid"/>
+                      <a:round/>
+                      <a:headEnd type="none" w="med" len="med"/>
+                      <a:tailEnd type="none" w="med" len="med"/>
+                    </a:lnR>
+                    <a:lnT w="3175" cap="flat" cmpd="sng" algn="ctr">
+                      <a:solidFill>
+                        <a:schemeClr val="bg1">
+                          <a:lumMod val="75000"/>
+                        </a:schemeClr>
+                      </a:solidFill>
+                      <a:prstDash val="sysDot"/>
+                      <a:round/>
+                      <a:headEnd type="none" w="med" len="med"/>
+                      <a:tailEnd type="none" w="med" len="med"/>
+                    </a:lnT>
+                    <a:lnB w="6350" cap="flat" cmpd="sng" algn="ctr">
+                      <a:solidFill>
+                        <a:srgbClr val="BBBCBC"/>
+                      </a:solidFill>
+                      <a:prstDash val="solid"/>
+                      <a:round/>
+                      <a:headEnd type="none" w="med" len="med"/>
+                      <a:tailEnd type="none" w="med" len="med"/>
+                    </a:lnB>
+                    <a:lnTlToBr w="12700" cmpd="sng">
+                      <a:noFill/>
+                      <a:prstDash val="solid"/>
+                    </a:lnTlToBr>
+                    <a:lnBlToTr w="12700" cmpd="sng">
+                      <a:noFill/>
+                      <a:prstDash val="solid"/>
+                    </a:lnBlToTr>
+                    <a:noFill/>
+                  </a:tcPr>
+                </a:tc>
+                <a:tc>
+                  <a:txBody>
+                    <a:bodyPr/>
+                    <a:lstStyle/>
+                    <a:p>
+                      <a:pPr marL="0" marR="0" lvl="0" indent="0" algn="l" defTabSz="685792" rtl="0" eaLnBrk="1" fontAlgn="auto" latinLnBrk="0" hangingPunct="1">
+                        <a:lnSpc>
+                          <a:spcPct val="130000"/>
+                        </a:lnSpc>
+                        <a:spcBef>
+                          <a:spcPts val="0"/>
+                        </a:spcBef>
+                        <a:spcAft>
+                          <a:spcPts val="0"/>
+                        </a:spcAft>
+                        <a:buClrTx/>
+                        <a:buSzTx/>
+                        <a:buFontTx/>
+                        <a:buNone/>
+                        <a:tabLst/>
+                        <a:defRPr/>
+                      </a:pPr>
+                      <a:endParaRPr lang="zh-CN" altLang="en-US" sz="1200" b="0" kern="1200" dirty="0">
+                        <a:solidFill>
+                          <a:schemeClr val="tx1">
+                            <a:lumMod val="75000"/>
+                            <a:lumOff val="25000"/>
+                          </a:schemeClr>
+                        </a:solidFill>
+                        <a:latin typeface="+mn-lt"/>
+                        <a:ea typeface="+mn-ea"/>
+                        <a:cs typeface="+mn-ea"/>
+                        <a:sym typeface="+mn-lt"/>
+                      </a:endParaRPr>
+                    </a:p>
+                  </a:txBody>
+                  <a:tcPr marL="108666" marR="108666" marT="108522" marB="108522" anchor="ctr">
+                    <a:lnL w="3175" cap="flat" cmpd="sng" algn="ctr">
+                      <a:noFill/>
+                      <a:prstDash val="solid"/>
+                      <a:round/>
+                      <a:headEnd type="none" w="med" len="med"/>
+                      <a:tailEnd type="none" w="med" len="med"/>
+                    </a:lnL>
+                    <a:lnR w="57150" cap="flat" cmpd="sng" algn="ctr">
+                      <a:noFill/>
+                      <a:prstDash val="solid"/>
+                      <a:round/>
+                      <a:headEnd type="none" w="med" len="med"/>
+                      <a:tailEnd type="none" w="med" len="med"/>
+                    </a:lnR>
+                    <a:lnT w="3175" cap="flat" cmpd="sng" algn="ctr">
+                      <a:solidFill>
+                        <a:schemeClr val="bg1">
+                          <a:lumMod val="75000"/>
+                        </a:schemeClr>
+                      </a:solidFill>
+                      <a:prstDash val="sysDot"/>
+                      <a:round/>
+                      <a:headEnd type="none" w="med" len="med"/>
+                      <a:tailEnd type="none" w="med" len="med"/>
+                    </a:lnT>
+                    <a:lnB w="6350" cap="flat" cmpd="sng" algn="ctr">
+                      <a:solidFill>
+                        <a:srgbClr val="BBBCBC"/>
+                      </a:solidFill>
+                      <a:prstDash val="solid"/>
+                      <a:round/>
+                      <a:headEnd type="none" w="med" len="med"/>
+                      <a:tailEnd type="none" w="med" len="med"/>
+                    </a:lnB>
+                    <a:lnTlToBr w="12700" cmpd="sng">
+                      <a:noFill/>
+                      <a:prstDash val="solid"/>
+                    </a:lnTlToBr>
+                    <a:lnBlToTr w="12700" cmpd="sng">
+                      <a:noFill/>
+                      <a:prstDash val="solid"/>
+                    </a:lnBlToTr>
+                    <a:noFill/>
+                  </a:tcPr>
+                </a:tc>
+                <a:tc>
+                  <a:txBody>
+                    <a:bodyPr/>
+                    <a:lstStyle/>
+                    <a:p>
+                      <a:pPr marL="0" marR="0" lvl="0" indent="0" algn="l" defTabSz="685792" rtl="0" eaLnBrk="1" fontAlgn="auto" latinLnBrk="0" hangingPunct="1">
+                        <a:lnSpc>
+                          <a:spcPct val="130000"/>
+                        </a:lnSpc>
+                        <a:spcBef>
+                          <a:spcPts val="0"/>
+                        </a:spcBef>
+                        <a:spcAft>
+                          <a:spcPts val="0"/>
+                        </a:spcAft>
+                        <a:buClrTx/>
+                        <a:buSzTx/>
+                        <a:buFontTx/>
+                        <a:buNone/>
+                        <a:tabLst/>
+                        <a:defRPr/>
+                      </a:pPr>
+                      <a:endParaRPr lang="zh-CN" altLang="en-US" sz="1200" b="0" kern="1200" dirty="0">
+                        <a:solidFill>
+                          <a:schemeClr val="tx1">
+                            <a:lumMod val="75000"/>
+                            <a:lumOff val="25000"/>
+                          </a:schemeClr>
+                        </a:solidFill>
+                        <a:latin typeface="+mn-lt"/>
+                        <a:ea typeface="+mn-ea"/>
+                        <a:cs typeface="+mn-ea"/>
+                        <a:sym typeface="+mn-lt"/>
+                      </a:endParaRPr>
+                    </a:p>
+                  </a:txBody>
+                  <a:tcPr marL="108666" marR="108666" marT="108522" marB="108522" anchor="ctr">
+                    <a:lnL w="3175" cap="flat" cmpd="sng" algn="ctr">
+                      <a:noFill/>
+                      <a:prstDash val="solid"/>
+                      <a:round/>
+                      <a:headEnd type="none" w="med" len="med"/>
+                      <a:tailEnd type="none" w="med" len="med"/>
+                    </a:lnL>
+                    <a:lnR w="57150" cap="flat" cmpd="sng" algn="ctr">
+                      <a:noFill/>
+                      <a:prstDash val="solid"/>
+                      <a:round/>
+                      <a:headEnd type="none" w="med" len="med"/>
+                      <a:tailEnd type="none" w="med" len="med"/>
+                    </a:lnR>
+                    <a:lnT w="3175" cap="flat" cmpd="sng" algn="ctr">
+                      <a:solidFill>
+                        <a:schemeClr val="bg1">
+                          <a:lumMod val="75000"/>
+                        </a:schemeClr>
+                      </a:solidFill>
+                      <a:prstDash val="sysDot"/>
+                      <a:round/>
+                      <a:headEnd type="none" w="med" len="med"/>
+                      <a:tailEnd type="none" w="med" len="med"/>
+                    </a:lnT>
+                    <a:lnB w="6350" cap="flat" cmpd="sng" algn="ctr">
+                      <a:solidFill>
+                        <a:srgbClr val="BBBCBC"/>
+                      </a:solidFill>
+                      <a:prstDash val="solid"/>
+                      <a:round/>
+                      <a:headEnd type="none" w="med" len="med"/>
+                      <a:tailEnd type="none" w="med" len="med"/>
+                    </a:lnB>
+                    <a:lnTlToBr w="12700" cmpd="sng">
+                      <a:noFill/>
+                      <a:prstDash val="solid"/>
+                    </a:lnTlToBr>
+                    <a:lnBlToTr w="12700" cmpd="sng">
+                      <a:noFill/>
+                      <a:prstDash val="solid"/>
+                    </a:lnBlToTr>
+                    <a:noFill/>
+                  </a:tcPr>
+                </a:tc>
+                <a:tc>
+                  <a:txBody>
+                    <a:bodyPr/>
+                    <a:lstStyle/>
+                    <a:p>
+                      <a:pPr marL="0" marR="0" lvl="0" indent="0" algn="l" defTabSz="685792" rtl="0" eaLnBrk="1" fontAlgn="auto" latinLnBrk="0" hangingPunct="1">
+                        <a:lnSpc>
+                          <a:spcPct val="130000"/>
+                        </a:lnSpc>
+                        <a:spcBef>
+                          <a:spcPts val="0"/>
+                        </a:spcBef>
+                        <a:spcAft>
+                          <a:spcPts val="0"/>
+                        </a:spcAft>
+                        <a:buClrTx/>
+                        <a:buSzTx/>
+                        <a:buFontTx/>
+                        <a:buNone/>
+                        <a:tabLst/>
+                        <a:defRPr/>
+                      </a:pPr>
+                      <a:endParaRPr lang="zh-CN" altLang="en-US" sz="1200" b="0" kern="1200" dirty="0">
+                        <a:solidFill>
+                          <a:schemeClr val="tx1">
+                            <a:lumMod val="75000"/>
+                            <a:lumOff val="25000"/>
+                          </a:schemeClr>
+                        </a:solidFill>
+                        <a:latin typeface="+mn-lt"/>
+                        <a:ea typeface="+mn-ea"/>
+                        <a:cs typeface="+mn-ea"/>
+                        <a:sym typeface="+mn-lt"/>
+                      </a:endParaRPr>
+                    </a:p>
+                  </a:txBody>
+                  <a:tcPr marL="108666" marR="108666" marT="108522" marB="108522" anchor="ctr">
+                    <a:lnL w="3175" cap="flat" cmpd="sng" algn="ctr">
+                      <a:noFill/>
+                      <a:prstDash val="solid"/>
+                      <a:round/>
+                      <a:headEnd type="none" w="med" len="med"/>
+                      <a:tailEnd type="none" w="med" len="med"/>
+                    </a:lnL>
+                    <a:lnR w="57150" cap="flat" cmpd="sng" algn="ctr">
+                      <a:noFill/>
+                      <a:prstDash val="solid"/>
+                      <a:round/>
+                      <a:headEnd type="none" w="med" len="med"/>
+                      <a:tailEnd type="none" w="med" len="med"/>
+                    </a:lnR>
+                    <a:lnT w="3175" cap="flat" cmpd="sng" algn="ctr">
+                      <a:solidFill>
+                        <a:schemeClr val="bg1">
+                          <a:lumMod val="75000"/>
+                        </a:schemeClr>
+                      </a:solidFill>
+                      <a:prstDash val="sysDot"/>
+                      <a:round/>
+                      <a:headEnd type="none" w="med" len="med"/>
+                      <a:tailEnd type="none" w="med" len="med"/>
+                    </a:lnT>
+                    <a:lnB w="6350" cap="flat" cmpd="sng" algn="ctr">
+                      <a:solidFill>
+                        <a:srgbClr val="BBBCBC"/>
+                      </a:solidFill>
+                      <a:prstDash val="solid"/>
+                      <a:round/>
+                      <a:headEnd type="none" w="med" len="med"/>
+                      <a:tailEnd type="none" w="med" len="med"/>
+                    </a:lnB>
+                    <a:lnTlToBr w="12700" cmpd="sng">
+                      <a:noFill/>
+                      <a:prstDash val="solid"/>
+                    </a:lnTlToBr>
+                    <a:lnBlToTr w="12700" cmpd="sng">
+                      <a:noFill/>
+                      <a:prstDash val="solid"/>
+                    </a:lnBlToTr>
+                    <a:noFill/>
+                  </a:tcPr>
+                </a:tc>
+                <a:tc>
+                  <a:txBody>
+                    <a:bodyPr/>
+                    <a:lstStyle/>
+                    <a:p>
+                      <a:pPr marL="0" marR="0" lvl="0" indent="0" algn="l" defTabSz="685792" rtl="0" eaLnBrk="1" fontAlgn="auto" latinLnBrk="0" hangingPunct="1">
+                        <a:lnSpc>
+                          <a:spcPct val="130000"/>
+                        </a:lnSpc>
+                        <a:spcBef>
+                          <a:spcPts val="0"/>
+                        </a:spcBef>
+                        <a:spcAft>
+                          <a:spcPts val="0"/>
+                        </a:spcAft>
+                        <a:buClrTx/>
+                        <a:buSzTx/>
+                        <a:buFontTx/>
+                        <a:buNone/>
+                        <a:tabLst/>
+                        <a:defRPr/>
+                      </a:pPr>
+                      <a:endParaRPr lang="zh-CN" altLang="en-US" sz="1200" b="0" kern="1200" dirty="0">
+                        <a:solidFill>
+                          <a:schemeClr val="tx1">
+                            <a:lumMod val="75000"/>
+                            <a:lumOff val="25000"/>
+                          </a:schemeClr>
+                        </a:solidFill>
+                        <a:latin typeface="+mn-lt"/>
+                        <a:ea typeface="+mn-ea"/>
+                        <a:cs typeface="+mn-ea"/>
+                        <a:sym typeface="+mn-lt"/>
+                      </a:endParaRPr>
+                    </a:p>
+                  </a:txBody>
+                  <a:tcPr marL="108666" marR="108666" marT="108522" marB="108522" anchor="ctr">
+                    <a:lnL w="3175" cap="flat" cmpd="sng" algn="ctr">
+                      <a:noFill/>
+                      <a:prstDash val="solid"/>
+                      <a:round/>
+                      <a:headEnd type="none" w="med" len="med"/>
+                      <a:tailEnd type="none" w="med" len="med"/>
+                    </a:lnL>
+                    <a:lnR w="57150" cap="flat" cmpd="sng" algn="ctr">
+                      <a:noFill/>
+                      <a:prstDash val="solid"/>
+                      <a:round/>
+                      <a:headEnd type="none" w="med" len="med"/>
+                      <a:tailEnd type="none" w="med" len="med"/>
+                    </a:lnR>
+                    <a:lnT w="3175" cap="flat" cmpd="sng" algn="ctr">
+                      <a:solidFill>
+                        <a:schemeClr val="bg1">
+                          <a:lumMod val="75000"/>
+                        </a:schemeClr>
+                      </a:solidFill>
+                      <a:prstDash val="sysDot"/>
+                      <a:round/>
+                      <a:headEnd type="none" w="med" len="med"/>
+                      <a:tailEnd type="none" w="med" len="med"/>
+                    </a:lnT>
+                    <a:lnB w="6350" cap="flat" cmpd="sng" algn="ctr">
+                      <a:solidFill>
+                        <a:srgbClr val="BBBCBC"/>
+                      </a:solidFill>
+                      <a:prstDash val="solid"/>
+                      <a:round/>
+                      <a:headEnd type="none" w="med" len="med"/>
+                      <a:tailEnd type="none" w="med" len="med"/>
+                    </a:lnB>
+                    <a:lnTlToBr w="12700" cmpd="sng">
+                      <a:noFill/>
+                      <a:prstDash val="solid"/>
+                    </a:lnTlToBr>
+                    <a:lnBlToTr w="12700" cmpd="sng">
+                      <a:noFill/>
+                      <a:prstDash val="solid"/>
+                    </a:lnBlToTr>
+                    <a:noFill/>
+                  </a:tcPr>
+                </a:tc>
+                <a:tc>
+                  <a:txBody>
+                    <a:bodyPr/>
+                    <a:lstStyle/>
+                    <a:p>
+                      <a:pPr marL="0" marR="0" lvl="0" indent="0" algn="l" defTabSz="685792" rtl="0" eaLnBrk="1" fontAlgn="auto" latinLnBrk="0" hangingPunct="1">
+                        <a:lnSpc>
+                          <a:spcPct val="130000"/>
+                        </a:lnSpc>
+                        <a:spcBef>
+                          <a:spcPts val="0"/>
+                        </a:spcBef>
+                        <a:spcAft>
+                          <a:spcPts val="0"/>
+                        </a:spcAft>
+                        <a:buClrTx/>
+                        <a:buSzTx/>
+                        <a:buFontTx/>
+                        <a:buNone/>
+                        <a:tabLst/>
+                        <a:defRPr/>
+                      </a:pPr>
+                      <a:endParaRPr lang="zh-CN" altLang="en-US" sz="1200" b="0" kern="1200" dirty="0">
+                        <a:solidFill>
+                          <a:schemeClr val="tx1">
+                            <a:lumMod val="75000"/>
+                            <a:lumOff val="25000"/>
+                          </a:schemeClr>
+                        </a:solidFill>
+                        <a:latin typeface="+mn-lt"/>
+                        <a:ea typeface="+mn-ea"/>
+                        <a:cs typeface="+mn-ea"/>
+                        <a:sym typeface="+mn-lt"/>
+                      </a:endParaRPr>
+                    </a:p>
+                  </a:txBody>
+                  <a:tcPr marL="108666" marR="108666" marT="108522" marB="108522" anchor="ctr">
+                    <a:lnL w="3175" cap="flat" cmpd="sng" algn="ctr">
+                      <a:noFill/>
+                      <a:prstDash val="solid"/>
+                      <a:round/>
+                      <a:headEnd type="none" w="med" len="med"/>
+                      <a:tailEnd type="none" w="med" len="med"/>
+                    </a:lnL>
+                    <a:lnR w="57150" cap="flat" cmpd="sng" algn="ctr">
+                      <a:noFill/>
+                      <a:prstDash val="solid"/>
+                      <a:round/>
+                      <a:headEnd type="none" w="med" len="med"/>
+                      <a:tailEnd type="none" w="med" len="med"/>
+                    </a:lnR>
+                    <a:lnT w="3175" cap="flat" cmpd="sng" algn="ctr">
+                      <a:solidFill>
+                        <a:schemeClr val="bg1">
+                          <a:lumMod val="75000"/>
+                        </a:schemeClr>
+                      </a:solidFill>
+                      <a:prstDash val="sysDot"/>
+                      <a:round/>
+                      <a:headEnd type="none" w="med" len="med"/>
+                      <a:tailEnd type="none" w="med" len="med"/>
+                    </a:lnT>
+                    <a:lnB w="6350" cap="flat" cmpd="sng" algn="ctr">
+                      <a:solidFill>
+                        <a:srgbClr val="BBBCBC"/>
+                      </a:solidFill>
+                      <a:prstDash val="solid"/>
+                      <a:round/>
+                      <a:headEnd type="none" w="med" len="med"/>
+                      <a:tailEnd type="none" w="med" len="med"/>
+                    </a:lnB>
+                    <a:lnTlToBr w="12700" cmpd="sng">
+                      <a:noFill/>
+                      <a:prstDash val="solid"/>
+                    </a:lnTlToBr>
+                    <a:lnBlToTr w="12700" cmpd="sng">
+                      <a:noFill/>
+                      <a:prstDash val="solid"/>
+                    </a:lnBlToTr>
+                    <a:noFill/>
+                  </a:tcPr>
+                </a:tc>
+                <a:tc>
+                  <a:txBody>
+                    <a:bodyPr/>
+                    <a:lstStyle/>
+                    <a:p>
+                      <a:pPr marL="0" marR="0" lvl="0" indent="0" algn="l" defTabSz="685792" rtl="0" eaLnBrk="1" fontAlgn="auto" latinLnBrk="0" hangingPunct="1">
+                        <a:lnSpc>
+                          <a:spcPct val="130000"/>
+                        </a:lnSpc>
+                        <a:spcBef>
+                          <a:spcPts val="0"/>
+                        </a:spcBef>
+                        <a:spcAft>
+                          <a:spcPts val="0"/>
+                        </a:spcAft>
+                        <a:buClrTx/>
+                        <a:buSzTx/>
+                        <a:buFontTx/>
+                        <a:buNone/>
+                        <a:tabLst/>
+                        <a:defRPr/>
+                      </a:pPr>
+                      <a:endParaRPr lang="zh-CN" altLang="en-US" sz="1200" b="0" kern="1200" dirty="0">
+                        <a:solidFill>
+                          <a:schemeClr val="tx1">
+                            <a:lumMod val="75000"/>
+                            <a:lumOff val="25000"/>
+                          </a:schemeClr>
+                        </a:solidFill>
+                        <a:latin typeface="+mn-lt"/>
+                        <a:ea typeface="+mn-ea"/>
+                        <a:cs typeface="+mn-ea"/>
+                        <a:sym typeface="+mn-lt"/>
+                      </a:endParaRPr>
+                    </a:p>
+                  </a:txBody>
+                  <a:tcPr marL="108666" marR="108666" marT="108522" marB="108522" anchor="ctr">
+                    <a:lnL w="3175" cap="flat" cmpd="sng" algn="ctr">
+                      <a:noFill/>
+                      <a:prstDash val="solid"/>
+                      <a:round/>
+                      <a:headEnd type="none" w="med" len="med"/>
+                      <a:tailEnd type="none" w="med" len="med"/>
+                    </a:lnL>
+                    <a:lnR w="57150" cap="flat" cmpd="sng" algn="ctr">
+                      <a:noFill/>
+                      <a:prstDash val="solid"/>
+                      <a:round/>
+                      <a:headEnd type="none" w="med" len="med"/>
+                      <a:tailEnd type="none" w="med" len="med"/>
+                    </a:lnR>
+                    <a:lnT w="3175" cap="flat" cmpd="sng" algn="ctr">
+                      <a:solidFill>
+                        <a:schemeClr val="bg1">
+                          <a:lumMod val="75000"/>
+                        </a:schemeClr>
+                      </a:solidFill>
+                      <a:prstDash val="sysDot"/>
+                      <a:round/>
+                      <a:headEnd type="none" w="med" len="med"/>
+                      <a:tailEnd type="none" w="med" len="med"/>
+                    </a:lnT>
+                    <a:lnB w="6350" cap="flat" cmpd="sng" algn="ctr">
+                      <a:solidFill>
+                        <a:srgbClr val="BBBCBC"/>
+                      </a:solidFill>
+                      <a:prstDash val="solid"/>
+                      <a:round/>
+                      <a:headEnd type="none" w="med" len="med"/>
+                      <a:tailEnd type="none" w="med" len="med"/>
+                    </a:lnB>
+                    <a:lnTlToBr w="12700" cmpd="sng">
+                      <a:noFill/>
+                      <a:prstDash val="solid"/>
+                    </a:lnTlToBr>
+                    <a:lnBlToTr w="12700" cmpd="sng">
+                      <a:noFill/>
+                      <a:prstDash val="solid"/>
+                    </a:lnBlToTr>
+                    <a:noFill/>
+                  </a:tcPr>
+                </a:tc>
+                <a:tc>
+                  <a:txBody>
+                    <a:bodyPr/>
+                    <a:lstStyle/>
+                    <a:p>
+                      <a:pPr marL="0" marR="0" lvl="0" indent="0" algn="l" defTabSz="685792" rtl="0" eaLnBrk="1" fontAlgn="auto" latinLnBrk="0" hangingPunct="1">
+                        <a:lnSpc>
+                          <a:spcPct val="130000"/>
+                        </a:lnSpc>
+                        <a:spcBef>
+                          <a:spcPts val="0"/>
+                        </a:spcBef>
+                        <a:spcAft>
+                          <a:spcPts val="0"/>
+                        </a:spcAft>
+                        <a:buClrTx/>
+                        <a:buSzTx/>
+                        <a:buFontTx/>
+                        <a:buNone/>
+                        <a:tabLst/>
+                        <a:defRPr/>
+                      </a:pPr>
+                      <a:endParaRPr lang="zh-CN" altLang="en-US" sz="1200" b="0" kern="1200" dirty="0">
+                        <a:solidFill>
+                          <a:schemeClr val="tx1">
+                            <a:lumMod val="75000"/>
+                            <a:lumOff val="25000"/>
+                          </a:schemeClr>
+                        </a:solidFill>
+                        <a:latin typeface="+mn-lt"/>
+                        <a:ea typeface="+mn-ea"/>
+                        <a:cs typeface="+mn-ea"/>
+                        <a:sym typeface="+mn-lt"/>
+                      </a:endParaRPr>
+                    </a:p>
+                  </a:txBody>
+                  <a:tcPr marL="108666" marR="108666" marT="108522" marB="108522" anchor="ctr">
+                    <a:lnL w="3175" cap="flat" cmpd="sng" algn="ctr">
+                      <a:noFill/>
+                      <a:prstDash val="solid"/>
+                      <a:round/>
+                      <a:headEnd type="none" w="med" len="med"/>
+                      <a:tailEnd type="none" w="med" len="med"/>
+                    </a:lnL>
+                    <a:lnR w="57150" cap="flat" cmpd="sng" algn="ctr">
+                      <a:noFill/>
+                      <a:prstDash val="solid"/>
+                      <a:round/>
+                      <a:headEnd type="none" w="med" len="med"/>
+                      <a:tailEnd type="none" w="med" len="med"/>
+                    </a:lnR>
+                    <a:lnT w="3175" cap="flat" cmpd="sng" algn="ctr">
+                      <a:solidFill>
+                        <a:schemeClr val="bg1">
+                          <a:lumMod val="75000"/>
+                        </a:schemeClr>
+                      </a:solidFill>
+                      <a:prstDash val="sysDot"/>
+                      <a:round/>
+                      <a:headEnd type="none" w="med" len="med"/>
+                      <a:tailEnd type="none" w="med" len="med"/>
+                    </a:lnT>
+                    <a:lnB w="6350" cap="flat" cmpd="sng" algn="ctr">
+                      <a:solidFill>
+                        <a:srgbClr val="BBBCBC"/>
+                      </a:solidFill>
+                      <a:prstDash val="solid"/>
+                      <a:round/>
+                      <a:headEnd type="none" w="med" len="med"/>
+                      <a:tailEnd type="none" w="med" len="med"/>
+                    </a:lnB>
+                    <a:lnTlToBr w="12700" cmpd="sng">
+                      <a:noFill/>
+                      <a:prstDash val="solid"/>
+                    </a:lnTlToBr>
+                    <a:lnBlToTr w="12700" cmpd="sng">
+                      <a:noFill/>
+                      <a:prstDash val="solid"/>
+                    </a:lnBlToTr>
+                    <a:noFill/>
+                  </a:tcPr>
+                </a:tc>
+              </a:tr>
+            </a:tbl>
+          </a:graphicData>
+        </a:graphic>
+      </p:graphicFrame>
     </p:spTree>
     <p:extLst>
       <p:ext uri="{BB962C8B-B14F-4D97-AF65-F5344CB8AC3E}">
@@ -15700,12 +22943,12 @@
     </a:clrScheme>
     <a:fontScheme name="1hz2wouy">
       <a:majorFont>
-        <a:latin typeface="Bentley Light" panose="020F0302020204030204"/>
+        <a:latin typeface="Bentley Light"/>
         <a:ea typeface="黑体"/>
         <a:cs typeface=""/>
       </a:majorFont>
       <a:minorFont>
-        <a:latin typeface="Bentley Light" panose="020F0502020204030204"/>
+        <a:latin typeface="Bentley Light"/>
         <a:ea typeface="黑体"/>
         <a:cs typeface=""/>
       </a:minorFont>
@@ -15885,7 +23128,7 @@
   <a:extraClrSchemeLst/>
   <a:extLst>
     <a:ext uri="{05A4C25C-085E-4340-85A3-A5531E510DB2}">
-      <thm15:themeFamily xmlns:thm15="http://schemas.microsoft.com/office/thememl/2012/main" name="Bentley template 2021.potx" id="{C9F80F40-B2B1-4DB6-919B-71F3AAFFE5B0}" vid="{F9D38CA0-4F02-4029-A6BC-9642EF690A5C}"/>
+      <thm15:themeFamily xmlns:thm15="http://schemas.microsoft.com/office/thememl/2012/main" xmlns="" name="Bentley template 2021.potx" id="{C9F80F40-B2B1-4DB6-919B-71F3AAFFE5B0}" vid="{F9D38CA0-4F02-4029-A6BC-9642EF690A5C}"/>
     </a:ext>
   </a:extLst>
 </a:theme>
@@ -15934,12 +23177,12 @@
     </a:clrScheme>
     <a:fontScheme name="1hz2wouy">
       <a:majorFont>
-        <a:latin typeface="Bentley Light" panose="020F0302020204030204"/>
+        <a:latin typeface="Bentley Light"/>
         <a:ea typeface="黑体"/>
         <a:cs typeface=""/>
       </a:majorFont>
       <a:minorFont>
-        <a:latin typeface="Bentley Light" panose="020F0502020204030204"/>
+        <a:latin typeface="Bentley Light"/>
         <a:ea typeface="黑体"/>
         <a:cs typeface=""/>
       </a:minorFont>
@@ -16119,7 +23362,7 @@
   <a:extraClrSchemeLst/>
   <a:extLst>
     <a:ext uri="{05A4C25C-085E-4340-85A3-A5531E510DB2}">
-      <thm15:themeFamily xmlns:thm15="http://schemas.microsoft.com/office/thememl/2012/main" name="Bentley template 2021.potx" id="{C9F80F40-B2B1-4DB6-919B-71F3AAFFE5B0}" vid="{F9D38CA0-4F02-4029-A6BC-9642EF690A5C}"/>
+      <thm15:themeFamily xmlns:thm15="http://schemas.microsoft.com/office/thememl/2012/main" xmlns="" name="Bentley template 2021.potx" id="{C9F80F40-B2B1-4DB6-919B-71F3AAFFE5B0}" vid="{F9D38CA0-4F02-4029-A6BC-9642EF690A5C}"/>
     </a:ext>
   </a:extLst>
 </a:theme>
@@ -16168,7 +23411,7 @@
     </a:clrScheme>
     <a:fontScheme name="Office">
       <a:majorFont>
-        <a:latin typeface="Calibri Light" panose="020F0302020204030204"/>
+        <a:latin typeface="Calibri Light"/>
         <a:ea typeface=""/>
         <a:cs typeface=""/>
         <a:font script="Jpan" typeface="游ゴシック Light"/>
@@ -16203,7 +23446,7 @@
         <a:font script="Geor" typeface="Sylfaen"/>
       </a:majorFont>
       <a:minorFont>
-        <a:latin typeface="Calibri" panose="020F0502020204030204"/>
+        <a:latin typeface="Calibri"/>
         <a:ea typeface=""/>
         <a:cs typeface=""/>
         <a:font script="Jpan" typeface="游ゴシック"/>
@@ -16380,7 +23623,7 @@
   <a:extraClrSchemeLst/>
   <a:extLst>
     <a:ext uri="{05A4C25C-085E-4340-85A3-A5531E510DB2}">
-      <thm15:themeFamily xmlns:thm15="http://schemas.microsoft.com/office/thememl/2012/main" name="Office Theme" id="{62F939B6-93AF-4DB8-9C6B-D6C7DFDC589F}" vid="{4A3C46E8-61CC-4603-A589-7422A47A8E4A}"/>
+      <thm15:themeFamily xmlns:thm15="http://schemas.microsoft.com/office/thememl/2012/main" xmlns="" name="Office Theme" id="{62F939B6-93AF-4DB8-9C6B-D6C7DFDC589F}" vid="{4A3C46E8-61CC-4603-A589-7422A47A8E4A}"/>
     </a:ext>
   </a:extLst>
 </a:theme>

--- a/com.yrtech.bentleyAPI/com.yrtech.InventoryAPI/template/ReportOnLine.pptx
+++ b/com.yrtech.bentleyAPI/com.yrtech.InventoryAPI/template/ReportOnLine.pptx
@@ -216,7 +216,7 @@
           <a:p>
             <a:fld id="{69A4D669-94F9-4D70-8C76-4C2D35D4E5D0}" type="datetimeFigureOut">
               <a:rPr lang="en-US" smtClean="0"/>
-              <a:t>4/9/2022</a:t>
+              <a:t>4/11/2022</a:t>
             </a:fld>
             <a:endParaRPr lang="en-US"/>
           </a:p>
@@ -954,7 +954,7 @@
           <a:graphicData uri="http://schemas.openxmlformats.org/presentationml/2006/ole">
             <mc:AlternateContent xmlns:mc="http://schemas.openxmlformats.org/markup-compatibility/2006">
               <mc:Choice xmlns:v="urn:schemas-microsoft-com:vml" Requires="v">
-                <p:oleObj spid="_x0000_s32802" name="think-cell Slide" r:id="rId5" imgW="216" imgH="216" progId="TCLayout.ActiveDocument.1">
+                <p:oleObj spid="_x0000_s32807" name="think-cell Slide" r:id="rId5" imgW="216" imgH="216" progId="TCLayout.ActiveDocument.1">
                   <p:embed/>
                 </p:oleObj>
               </mc:Choice>
@@ -1712,7 +1712,7 @@
           <a:graphicData uri="http://schemas.openxmlformats.org/presentationml/2006/ole">
             <mc:AlternateContent xmlns:mc="http://schemas.openxmlformats.org/markup-compatibility/2006">
               <mc:Choice xmlns:v="urn:schemas-microsoft-com:vml" Requires="v">
-                <p:oleObj spid="_x0000_s33826" name="think-cell Slide" r:id="rId4" imgW="216" imgH="216" progId="TCLayout.ActiveDocument.1">
+                <p:oleObj spid="_x0000_s33831" name="think-cell Slide" r:id="rId4" imgW="216" imgH="216" progId="TCLayout.ActiveDocument.1">
                   <p:embed/>
                 </p:oleObj>
               </mc:Choice>
@@ -2449,7 +2449,7 @@
           <a:graphicData uri="http://schemas.openxmlformats.org/presentationml/2006/ole">
             <mc:AlternateContent xmlns:mc="http://schemas.openxmlformats.org/markup-compatibility/2006">
               <mc:Choice xmlns:v="urn:schemas-microsoft-com:vml" Requires="v">
-                <p:oleObj spid="_x0000_s34850" name="think-cell Slide" r:id="rId4" imgW="216" imgH="216" progId="TCLayout.ActiveDocument.1">
+                <p:oleObj spid="_x0000_s34855" name="think-cell Slide" r:id="rId4" imgW="216" imgH="216" progId="TCLayout.ActiveDocument.1">
                   <p:embed/>
                 </p:oleObj>
               </mc:Choice>
@@ -3497,7 +3497,7 @@
           <a:graphicData uri="http://schemas.openxmlformats.org/presentationml/2006/ole">
             <mc:AlternateContent xmlns:mc="http://schemas.openxmlformats.org/markup-compatibility/2006">
               <mc:Choice xmlns:v="urn:schemas-microsoft-com:vml" Requires="v">
-                <p:oleObj spid="_x0000_s35874" name="think-cell Slide" r:id="rId5" imgW="216" imgH="216" progId="TCLayout.ActiveDocument.1">
+                <p:oleObj spid="_x0000_s35879" name="think-cell Slide" r:id="rId5" imgW="216" imgH="216" progId="TCLayout.ActiveDocument.1">
                   <p:embed/>
                 </p:oleObj>
               </mc:Choice>
@@ -4289,7 +4289,7 @@
           <a:graphicData uri="http://schemas.openxmlformats.org/presentationml/2006/ole">
             <mc:AlternateContent xmlns:mc="http://schemas.openxmlformats.org/markup-compatibility/2006">
               <mc:Choice xmlns:v="urn:schemas-microsoft-com:vml" Requires="v">
-                <p:oleObj spid="_x0000_s37922" name="think-cell Slide" r:id="rId5" imgW="216" imgH="216" progId="TCLayout.ActiveDocument.1">
+                <p:oleObj spid="_x0000_s37927" name="think-cell Slide" r:id="rId5" imgW="216" imgH="216" progId="TCLayout.ActiveDocument.1">
                   <p:embed/>
                 </p:oleObj>
               </mc:Choice>
@@ -4766,7 +4766,7 @@
           <a:graphicData uri="http://schemas.openxmlformats.org/presentationml/2006/ole">
             <mc:AlternateContent xmlns:mc="http://schemas.openxmlformats.org/markup-compatibility/2006">
               <mc:Choice xmlns:v="urn:schemas-microsoft-com:vml" Requires="v">
-                <p:oleObj spid="_x0000_s38946" name="think-cell Slide" r:id="rId4" imgW="216" imgH="216" progId="TCLayout.ActiveDocument.1">
+                <p:oleObj spid="_x0000_s38951" name="think-cell Slide" r:id="rId4" imgW="216" imgH="216" progId="TCLayout.ActiveDocument.1">
                   <p:embed/>
                 </p:oleObj>
               </mc:Choice>
@@ -5503,7 +5503,7 @@
           <a:graphicData uri="http://schemas.openxmlformats.org/presentationml/2006/ole">
             <mc:AlternateContent xmlns:mc="http://schemas.openxmlformats.org/markup-compatibility/2006">
               <mc:Choice xmlns:v="urn:schemas-microsoft-com:vml" Requires="v">
-                <p:oleObj spid="_x0000_s39970" name="think-cell Slide" r:id="rId4" imgW="216" imgH="216" progId="TCLayout.ActiveDocument.1">
+                <p:oleObj spid="_x0000_s39975" name="think-cell Slide" r:id="rId4" imgW="216" imgH="216" progId="TCLayout.ActiveDocument.1">
                   <p:embed/>
                 </p:oleObj>
               </mc:Choice>
@@ -6551,7 +6551,7 @@
           <a:graphicData uri="http://schemas.openxmlformats.org/presentationml/2006/ole">
             <mc:AlternateContent xmlns:mc="http://schemas.openxmlformats.org/markup-compatibility/2006">
               <mc:Choice xmlns:v="urn:schemas-microsoft-com:vml" Requires="v">
-                <p:oleObj spid="_x0000_s40994" name="think-cell Slide" r:id="rId5" imgW="216" imgH="216" progId="TCLayout.ActiveDocument.1">
+                <p:oleObj spid="_x0000_s40999" name="think-cell Slide" r:id="rId5" imgW="216" imgH="216" progId="TCLayout.ActiveDocument.1">
                   <p:embed/>
                 </p:oleObj>
               </mc:Choice>
@@ -7071,7 +7071,7 @@
           <a:graphicData uri="http://schemas.openxmlformats.org/presentationml/2006/ole">
             <mc:AlternateContent xmlns:mc="http://schemas.openxmlformats.org/markup-compatibility/2006">
               <mc:Choice xmlns:v="urn:schemas-microsoft-com:vml" Requires="v">
-                <p:oleObj spid="_x0000_s31778" name="think-cell Slide" r:id="rId10" imgW="216" imgH="216" progId="TCLayout.ActiveDocument.1">
+                <p:oleObj spid="_x0000_s31783" name="think-cell Slide" r:id="rId10" imgW="216" imgH="216" progId="TCLayout.ActiveDocument.1">
                   <p:embed/>
                 </p:oleObj>
               </mc:Choice>
@@ -7829,7 +7829,7 @@
           <a:graphicData uri="http://schemas.openxmlformats.org/presentationml/2006/ole">
             <mc:AlternateContent xmlns:mc="http://schemas.openxmlformats.org/markup-compatibility/2006">
               <mc:Choice xmlns:v="urn:schemas-microsoft-com:vml" Requires="v">
-                <p:oleObj spid="_x0000_s36899" name="think-cell Slide" r:id="rId10" imgW="216" imgH="216" progId="TCLayout.ActiveDocument.1">
+                <p:oleObj spid="_x0000_s36904" name="think-cell Slide" r:id="rId10" imgW="216" imgH="216" progId="TCLayout.ActiveDocument.1">
                   <p:embed/>
                 </p:oleObj>
               </mc:Choice>
@@ -8582,7 +8582,7 @@
           <a:graphicData uri="http://schemas.openxmlformats.org/presentationml/2006/ole">
             <mc:AlternateContent xmlns:mc="http://schemas.openxmlformats.org/markup-compatibility/2006">
               <mc:Choice xmlns:v="urn:schemas-microsoft-com:vml" Requires="v">
-                <p:oleObj spid="_x0000_s42026" name="think-cell Slide" r:id="rId5" imgW="416" imgH="416" progId="TCLayout.ActiveDocument.1">
+                <p:oleObj spid="_x0000_s42031" name="think-cell Slide" r:id="rId5" imgW="416" imgH="416" progId="TCLayout.ActiveDocument.1">
                   <p:embed/>
                 </p:oleObj>
               </mc:Choice>
@@ -8986,7 +8986,7 @@
           <p:nvPr>
             <p:extLst>
               <p:ext uri="{D42A27DB-BD31-4B8C-83A1-F6EECF244321}">
-                <p14:modId xmlns:p14="http://schemas.microsoft.com/office/powerpoint/2010/main" val="3522353908"/>
+                <p14:modId xmlns:p14="http://schemas.microsoft.com/office/powerpoint/2010/main" val="113102570"/>
               </p:ext>
             </p:extLst>
           </p:nvPr>
@@ -9331,17 +9331,14 @@
                         <a:tabLst/>
                         <a:defRPr/>
                       </a:pPr>
-                      <a:r>
-                        <a:rPr lang="en-US" sz="1200" b="0" kern="1200" dirty="0" smtClean="0">
-                          <a:solidFill>
-                            <a:schemeClr val="tx1"/>
-                          </a:solidFill>
-                          <a:latin typeface="+mn-lt"/>
-                          <a:ea typeface="+mn-ea"/>
-                          <a:cs typeface="+mn-cs"/>
-                        </a:rPr>
-                        <a:t>XXXX</a:t>
-                      </a:r>
+                      <a:endParaRPr lang="en-US" sz="1200" b="0" kern="1200" dirty="0" smtClean="0">
+                        <a:solidFill>
+                          <a:schemeClr val="tx1"/>
+                        </a:solidFill>
+                        <a:latin typeface="+mn-lt"/>
+                        <a:ea typeface="+mn-ea"/>
+                        <a:cs typeface="+mn-cs"/>
+                      </a:endParaRPr>
                     </a:p>
                   </a:txBody>
                   <a:tcPr marL="102727" marR="102727" marT="51364" marB="51364" anchor="ctr">
@@ -9554,17 +9551,14 @@
                         <a:tabLst/>
                         <a:defRPr/>
                       </a:pPr>
-                      <a:r>
-                        <a:rPr lang="en-US" sz="1200" b="0" kern="1200" dirty="0" smtClean="0">
-                          <a:solidFill>
-                            <a:schemeClr val="tx1"/>
-                          </a:solidFill>
-                          <a:latin typeface="+mn-lt"/>
-                          <a:ea typeface="+mn-ea"/>
-                          <a:cs typeface="+mn-cs"/>
-                        </a:rPr>
-                        <a:t>XXXX</a:t>
-                      </a:r>
+                      <a:endParaRPr lang="en-US" sz="1200" b="0" kern="1200" dirty="0" smtClean="0">
+                        <a:solidFill>
+                          <a:schemeClr val="tx1"/>
+                        </a:solidFill>
+                        <a:latin typeface="+mn-lt"/>
+                        <a:ea typeface="+mn-ea"/>
+                        <a:cs typeface="+mn-cs"/>
+                      </a:endParaRPr>
                     </a:p>
                   </a:txBody>
                   <a:tcPr marL="102727" marR="102727" marT="51364" marB="51364" anchor="ctr">
@@ -9746,17 +9740,14 @@
                         <a:tabLst/>
                         <a:defRPr/>
                       </a:pPr>
-                      <a:r>
-                        <a:rPr lang="en-US" sz="1200" b="0" kern="1200" dirty="0" smtClean="0">
-                          <a:solidFill>
-                            <a:schemeClr val="tx1"/>
-                          </a:solidFill>
-                          <a:latin typeface="+mn-lt"/>
-                          <a:ea typeface="+mn-ea"/>
-                          <a:cs typeface="+mn-cs"/>
-                        </a:rPr>
-                        <a:t>XXXX</a:t>
-                      </a:r>
+                      <a:endParaRPr lang="en-US" sz="1200" b="0" kern="1200" dirty="0" smtClean="0">
+                        <a:solidFill>
+                          <a:schemeClr val="tx1"/>
+                        </a:solidFill>
+                        <a:latin typeface="+mn-lt"/>
+                        <a:ea typeface="+mn-ea"/>
+                        <a:cs typeface="+mn-cs"/>
+                      </a:endParaRPr>
                     </a:p>
                   </a:txBody>
                   <a:tcPr marL="102727" marR="102727" marT="51364" marB="51364" anchor="ctr">
@@ -10171,14 +10162,6 @@
                     <a:bodyPr/>
                     <a:lstStyle/>
                     <a:p>
-                      <a:r>
-                        <a:rPr lang="en-US" sz="1200" dirty="0" smtClean="0">
-                          <a:solidFill>
-                            <a:schemeClr val="tx1"/>
-                          </a:solidFill>
-                        </a:rPr>
-                        <a:t>XX</a:t>
-                      </a:r>
                       <a:endParaRPr lang="en-US" sz="1200" dirty="0">
                         <a:solidFill>
                           <a:schemeClr val="tx1"/>
@@ -10200,14 +10183,6 @@
                     <a:bodyPr/>
                     <a:lstStyle/>
                     <a:p>
-                      <a:r>
-                        <a:rPr lang="en-US" sz="1200" dirty="0" smtClean="0">
-                          <a:solidFill>
-                            <a:schemeClr val="tx1"/>
-                          </a:solidFill>
-                        </a:rPr>
-                        <a:t>XX</a:t>
-                      </a:r>
                       <a:endParaRPr lang="en-US" sz="1200" dirty="0">
                         <a:solidFill>
                           <a:schemeClr val="tx1"/>
@@ -10366,14 +10341,6 @@
                     <a:bodyPr/>
                     <a:lstStyle/>
                     <a:p>
-                      <a:r>
-                        <a:rPr lang="en-US" sz="1200" dirty="0" smtClean="0">
-                          <a:solidFill>
-                            <a:schemeClr val="tx1"/>
-                          </a:solidFill>
-                        </a:rPr>
-                        <a:t>RMB X,XXX</a:t>
-                      </a:r>
                       <a:endParaRPr lang="en-US" sz="1200" dirty="0">
                         <a:solidFill>
                           <a:schemeClr val="tx1"/>
@@ -10395,14 +10362,6 @@
                     <a:bodyPr/>
                     <a:lstStyle/>
                     <a:p>
-                      <a:r>
-                        <a:rPr lang="en-US" sz="1200" dirty="0" smtClean="0">
-                          <a:solidFill>
-                            <a:schemeClr val="tx1"/>
-                          </a:solidFill>
-                        </a:rPr>
-                        <a:t>RMB X,XXX</a:t>
-                      </a:r>
                       <a:endParaRPr lang="en-US" sz="1200" dirty="0">
                         <a:solidFill>
                           <a:schemeClr val="tx1"/>
@@ -10586,14 +10545,6 @@
                     <a:bodyPr/>
                     <a:lstStyle/>
                     <a:p>
-                      <a:r>
-                        <a:rPr lang="en-US" sz="1200" dirty="0" smtClean="0">
-                          <a:solidFill>
-                            <a:schemeClr val="tx1"/>
-                          </a:solidFill>
-                        </a:rPr>
-                        <a:t>XX</a:t>
-                      </a:r>
                       <a:endParaRPr lang="en-US" sz="1200" dirty="0">
                         <a:solidFill>
                           <a:schemeClr val="tx1"/>
@@ -10615,14 +10566,6 @@
                     <a:bodyPr/>
                     <a:lstStyle/>
                     <a:p>
-                      <a:r>
-                        <a:rPr lang="en-US" sz="1200" dirty="0" smtClean="0">
-                          <a:solidFill>
-                            <a:schemeClr val="tx1"/>
-                          </a:solidFill>
-                        </a:rPr>
-                        <a:t>XX</a:t>
-                      </a:r>
                       <a:endParaRPr lang="en-US" sz="1200" dirty="0">
                         <a:solidFill>
                           <a:schemeClr val="tx1"/>
@@ -11467,7 +11410,7 @@
           <p:nvPr>
             <p:extLst>
               <p:ext uri="{D42A27DB-BD31-4B8C-83A1-F6EECF244321}">
-                <p14:modId xmlns:p14="http://schemas.microsoft.com/office/powerpoint/2010/main" val="2443667617"/>
+                <p14:modId xmlns:p14="http://schemas.microsoft.com/office/powerpoint/2010/main" val="3566676793"/>
               </p:ext>
             </p:extLst>
           </p:nvPr>
@@ -11511,35 +11454,35 @@
                     </a:ext>
                   </a:extLst>
                 </a:gridCol>
-                <a:gridCol w="1333618">
+                <a:gridCol w="1374309">
                   <a:extLst>
                     <a:ext uri="{9D8B030D-6E8A-4147-A177-3AD203B41FA5}">
                       <a16:colId xmlns:a16="http://schemas.microsoft.com/office/drawing/2014/main" xmlns="" val="690038618"/>
                     </a:ext>
                   </a:extLst>
                 </a:gridCol>
-                <a:gridCol w="1084809">
+                <a:gridCol w="1342239">
                   <a:extLst>
                     <a:ext uri="{9D8B030D-6E8A-4147-A177-3AD203B41FA5}">
                       <a16:colId xmlns:a16="http://schemas.microsoft.com/office/drawing/2014/main" xmlns="" val="1887439424"/>
                     </a:ext>
                   </a:extLst>
                 </a:gridCol>
-                <a:gridCol w="1232630">
+                <a:gridCol w="934509">
                   <a:extLst>
                     <a:ext uri="{9D8B030D-6E8A-4147-A177-3AD203B41FA5}">
                       <a16:colId xmlns:a16="http://schemas.microsoft.com/office/drawing/2014/main" xmlns="" val="2633607910"/>
                     </a:ext>
                   </a:extLst>
                 </a:gridCol>
-                <a:gridCol w="128127">
+                <a:gridCol w="214783">
                   <a:extLst>
                     <a:ext uri="{9D8B030D-6E8A-4147-A177-3AD203B41FA5}">
                       <a16:colId xmlns:a16="http://schemas.microsoft.com/office/drawing/2014/main" xmlns="" val="127337333"/>
                     </a:ext>
                   </a:extLst>
                 </a:gridCol>
-                <a:gridCol w="1211260">
+                <a:gridCol w="1124604">
                   <a:extLst>
                     <a:ext uri="{9D8B030D-6E8A-4147-A177-3AD203B41FA5}">
                       <a16:colId xmlns:a16="http://schemas.microsoft.com/office/drawing/2014/main" xmlns="" val="270941094"/>
@@ -12082,18 +12025,15 @@
                         <a:tabLst/>
                         <a:defRPr/>
                       </a:pPr>
-                      <a:r>
-                        <a:rPr lang="en-US" altLang="zh-CN" sz="1100" b="0" dirty="0" smtClean="0">
-                          <a:solidFill>
-                            <a:schemeClr val="tx1"/>
-                          </a:solidFill>
-                          <a:latin typeface="+mn-lt"/>
-                          <a:ea typeface="+mn-ea"/>
-                          <a:cs typeface="+mn-ea"/>
-                          <a:sym typeface="+mn-lt"/>
-                        </a:rPr>
-                        <a:t>RMB XX,XXX</a:t>
-                      </a:r>
+                      <a:endParaRPr lang="en-US" altLang="zh-CN" sz="1100" b="0" dirty="0" smtClean="0">
+                        <a:solidFill>
+                          <a:schemeClr val="tx1"/>
+                        </a:solidFill>
+                        <a:latin typeface="+mn-lt"/>
+                        <a:ea typeface="+mn-ea"/>
+                        <a:cs typeface="+mn-ea"/>
+                        <a:sym typeface="+mn-lt"/>
+                      </a:endParaRPr>
                     </a:p>
                   </a:txBody>
                   <a:tcPr marL="102727" marR="102727" marT="51364" marB="51364" anchor="ctr">
@@ -12127,18 +12067,15 @@
                         <a:tabLst/>
                         <a:defRPr/>
                       </a:pPr>
-                      <a:r>
-                        <a:rPr lang="en-US" altLang="zh-CN" sz="1100" b="0" dirty="0" smtClean="0">
-                          <a:solidFill>
-                            <a:schemeClr val="tx1"/>
-                          </a:solidFill>
-                          <a:latin typeface="+mn-lt"/>
-                          <a:ea typeface="+mn-ea"/>
-                          <a:cs typeface="+mn-ea"/>
-                          <a:sym typeface="+mn-lt"/>
-                        </a:rPr>
-                        <a:t>RMB XX,XXX</a:t>
-                      </a:r>
+                      <a:endParaRPr lang="en-US" altLang="zh-CN" sz="1100" b="0" dirty="0" smtClean="0">
+                        <a:solidFill>
+                          <a:schemeClr val="tx1"/>
+                        </a:solidFill>
+                        <a:latin typeface="+mn-lt"/>
+                        <a:ea typeface="+mn-ea"/>
+                        <a:cs typeface="+mn-ea"/>
+                        <a:sym typeface="+mn-lt"/>
+                      </a:endParaRPr>
                     </a:p>
                   </a:txBody>
                   <a:tcPr marL="102727" marR="102727" marT="51364" marB="51364" anchor="ctr">
@@ -12153,30 +12090,6 @@
                     <a:lstStyle/>
                     <a:p>
                       <a:pPr algn="ctr"/>
-                      <a:r>
-                        <a:rPr lang="zh-CN" altLang="en-US" sz="1100" dirty="0" smtClean="0">
-                          <a:solidFill>
-                            <a:schemeClr val="tx1"/>
-                          </a:solidFill>
-                        </a:rPr>
-                        <a:t>是</a:t>
-                      </a:r>
-                      <a:r>
-                        <a:rPr lang="en-US" altLang="zh-CN" sz="1100" dirty="0" smtClean="0">
-                          <a:solidFill>
-                            <a:schemeClr val="tx1"/>
-                          </a:solidFill>
-                        </a:rPr>
-                        <a:t>/</a:t>
-                      </a:r>
-                      <a:r>
-                        <a:rPr lang="zh-CN" altLang="en-US" sz="1100" dirty="0" smtClean="0">
-                          <a:solidFill>
-                            <a:schemeClr val="tx1"/>
-                          </a:solidFill>
-                        </a:rPr>
-                        <a:t>否</a:t>
-                      </a:r>
                       <a:endParaRPr lang="en-US" sz="1100" dirty="0">
                         <a:solidFill>
                           <a:schemeClr val="tx1"/>
@@ -12215,18 +12128,6 @@
                         <a:tabLst/>
                         <a:defRPr/>
                       </a:pPr>
-                      <a:r>
-                        <a:rPr lang="en-US" altLang="zh-CN" sz="1100" b="0" kern="1200" dirty="0" smtClean="0">
-                          <a:solidFill>
-                            <a:schemeClr val="tx1"/>
-                          </a:solidFill>
-                          <a:latin typeface="+mn-lt"/>
-                          <a:ea typeface="+mn-ea"/>
-                          <a:cs typeface="+mn-ea"/>
-                          <a:sym typeface="+mn-lt"/>
-                        </a:rPr>
-                        <a:t>XX/XX/2022</a:t>
-                      </a:r>
                       <a:endParaRPr lang="zh-CN" altLang="en-US" sz="1100" b="0" kern="1200" dirty="0" smtClean="0">
                         <a:solidFill>
                           <a:schemeClr val="tx1"/>
@@ -12281,18 +12182,6 @@
                         <a:tabLst/>
                         <a:defRPr/>
                       </a:pPr>
-                      <a:r>
-                        <a:rPr lang="en-US" altLang="zh-CN" sz="1100" b="0" kern="1200" dirty="0" smtClean="0">
-                          <a:solidFill>
-                            <a:schemeClr val="tx1"/>
-                          </a:solidFill>
-                          <a:latin typeface="+mn-lt"/>
-                          <a:ea typeface="+mn-ea"/>
-                          <a:cs typeface="+mn-ea"/>
-                          <a:sym typeface="+mn-lt"/>
-                        </a:rPr>
-                        <a:t>XX/XX/2022</a:t>
-                      </a:r>
                       <a:endParaRPr lang="zh-CN" altLang="en-US" sz="1100" b="0" kern="1200" dirty="0" smtClean="0">
                         <a:solidFill>
                           <a:schemeClr val="tx1"/>
@@ -12346,18 +12235,6 @@
                         <a:buFontTx/>
                         <a:buNone/>
                       </a:pPr>
-                      <a:r>
-                        <a:rPr lang="en-US" altLang="zh-CN" sz="1100" b="0" dirty="0" smtClean="0">
-                          <a:solidFill>
-                            <a:schemeClr val="tx1"/>
-                          </a:solidFill>
-                          <a:latin typeface="+mn-lt"/>
-                          <a:ea typeface="+mn-ea"/>
-                          <a:cs typeface="+mn-ea"/>
-                          <a:sym typeface="+mn-lt"/>
-                        </a:rPr>
-                        <a:t>XXX</a:t>
-                      </a:r>
                       <a:endParaRPr lang="zh-CN" altLang="en-US" sz="1100" b="0" dirty="0" smtClean="0">
                         <a:solidFill>
                           <a:schemeClr val="tx1"/>
@@ -12411,18 +12288,15 @@
                         <a:buFontTx/>
                         <a:buNone/>
                       </a:pPr>
-                      <a:r>
-                        <a:rPr lang="en-US" altLang="zh-CN" sz="1100" b="0" dirty="0" smtClean="0">
-                          <a:solidFill>
-                            <a:schemeClr val="tx1"/>
-                          </a:solidFill>
-                          <a:latin typeface="+mn-lt"/>
-                          <a:ea typeface="+mn-ea"/>
-                          <a:cs typeface="+mn-ea"/>
-                          <a:sym typeface="+mn-lt"/>
-                        </a:rPr>
-                        <a:t>RMB XX,XXX</a:t>
-                      </a:r>
+                      <a:endParaRPr lang="en-US" altLang="zh-CN" sz="1100" b="0" dirty="0" smtClean="0">
+                        <a:solidFill>
+                          <a:schemeClr val="tx1"/>
+                        </a:solidFill>
+                        <a:latin typeface="+mn-lt"/>
+                        <a:ea typeface="+mn-ea"/>
+                        <a:cs typeface="+mn-ea"/>
+                        <a:sym typeface="+mn-lt"/>
+                      </a:endParaRPr>
                     </a:p>
                   </a:txBody>
                   <a:tcPr marL="102727" marR="102727" marT="51364" marB="51364" anchor="ctr">
@@ -12568,18 +12442,15 @@
                         <a:tabLst/>
                         <a:defRPr/>
                       </a:pPr>
-                      <a:r>
-                        <a:rPr lang="en-US" altLang="zh-CN" sz="1100" b="0" dirty="0" smtClean="0">
-                          <a:solidFill>
-                            <a:schemeClr val="tx1"/>
-                          </a:solidFill>
-                          <a:latin typeface="+mn-lt"/>
-                          <a:ea typeface="+mn-ea"/>
-                          <a:cs typeface="+mn-ea"/>
-                          <a:sym typeface="+mn-lt"/>
-                        </a:rPr>
-                        <a:t>RMB XX,XXX</a:t>
-                      </a:r>
+                      <a:endParaRPr lang="en-US" altLang="zh-CN" sz="1100" b="0" dirty="0" smtClean="0">
+                        <a:solidFill>
+                          <a:schemeClr val="tx1"/>
+                        </a:solidFill>
+                        <a:latin typeface="+mn-lt"/>
+                        <a:ea typeface="+mn-ea"/>
+                        <a:cs typeface="+mn-ea"/>
+                        <a:sym typeface="+mn-lt"/>
+                      </a:endParaRPr>
                     </a:p>
                   </a:txBody>
                   <a:tcPr marL="102727" marR="102727" marT="51364" marB="51364" anchor="ctr">
@@ -12613,18 +12484,15 @@
                         <a:tabLst/>
                         <a:defRPr/>
                       </a:pPr>
-                      <a:r>
-                        <a:rPr lang="en-US" altLang="zh-CN" sz="1100" b="0" dirty="0" smtClean="0">
-                          <a:solidFill>
-                            <a:schemeClr val="tx1"/>
-                          </a:solidFill>
-                          <a:latin typeface="+mn-lt"/>
-                          <a:ea typeface="+mn-ea"/>
-                          <a:cs typeface="+mn-ea"/>
-                          <a:sym typeface="+mn-lt"/>
-                        </a:rPr>
-                        <a:t>RMB XX,XXX</a:t>
-                      </a:r>
+                      <a:endParaRPr lang="en-US" altLang="zh-CN" sz="1100" b="0" dirty="0" smtClean="0">
+                        <a:solidFill>
+                          <a:schemeClr val="tx1"/>
+                        </a:solidFill>
+                        <a:latin typeface="+mn-lt"/>
+                        <a:ea typeface="+mn-ea"/>
+                        <a:cs typeface="+mn-ea"/>
+                        <a:sym typeface="+mn-lt"/>
+                      </a:endParaRPr>
                     </a:p>
                   </a:txBody>
                   <a:tcPr marL="102727" marR="102727" marT="51364" marB="51364" anchor="ctr">
@@ -12655,30 +12523,6 @@
                         <a:tabLst/>
                         <a:defRPr/>
                       </a:pPr>
-                      <a:r>
-                        <a:rPr lang="zh-CN" altLang="en-US" sz="1100" dirty="0" smtClean="0">
-                          <a:solidFill>
-                            <a:schemeClr val="tx1"/>
-                          </a:solidFill>
-                        </a:rPr>
-                        <a:t>是</a:t>
-                      </a:r>
-                      <a:r>
-                        <a:rPr lang="en-US" altLang="zh-CN" sz="1100" dirty="0" smtClean="0">
-                          <a:solidFill>
-                            <a:schemeClr val="tx1"/>
-                          </a:solidFill>
-                        </a:rPr>
-                        <a:t>/</a:t>
-                      </a:r>
-                      <a:r>
-                        <a:rPr lang="zh-CN" altLang="en-US" sz="1100" dirty="0" smtClean="0">
-                          <a:solidFill>
-                            <a:schemeClr val="tx1"/>
-                          </a:solidFill>
-                        </a:rPr>
-                        <a:t>否</a:t>
-                      </a:r>
                       <a:endParaRPr lang="en-US" sz="1100" dirty="0" smtClean="0">
                         <a:solidFill>
                           <a:schemeClr val="tx1"/>
@@ -12717,18 +12561,6 @@
                         <a:tabLst/>
                         <a:defRPr/>
                       </a:pPr>
-                      <a:r>
-                        <a:rPr lang="en-US" altLang="zh-CN" sz="1100" b="0" kern="1200" dirty="0" smtClean="0">
-                          <a:solidFill>
-                            <a:schemeClr val="tx1"/>
-                          </a:solidFill>
-                          <a:latin typeface="+mn-lt"/>
-                          <a:ea typeface="+mn-ea"/>
-                          <a:cs typeface="+mn-ea"/>
-                          <a:sym typeface="+mn-lt"/>
-                        </a:rPr>
-                        <a:t>XX/XX/2022</a:t>
-                      </a:r>
                       <a:endParaRPr lang="zh-CN" altLang="en-US" sz="1100" b="0" kern="1200" dirty="0" smtClean="0">
                         <a:solidFill>
                           <a:schemeClr val="tx1"/>
@@ -12783,18 +12615,6 @@
                         <a:tabLst/>
                         <a:defRPr/>
                       </a:pPr>
-                      <a:r>
-                        <a:rPr lang="en-US" altLang="zh-CN" sz="1100" b="0" kern="1200" dirty="0" smtClean="0">
-                          <a:solidFill>
-                            <a:schemeClr val="tx1"/>
-                          </a:solidFill>
-                          <a:latin typeface="+mn-lt"/>
-                          <a:ea typeface="+mn-ea"/>
-                          <a:cs typeface="+mn-ea"/>
-                          <a:sym typeface="+mn-lt"/>
-                        </a:rPr>
-                        <a:t>XX/XX/2022</a:t>
-                      </a:r>
                       <a:endParaRPr lang="zh-CN" altLang="en-US" sz="1100" b="0" kern="1200" dirty="0" smtClean="0">
                         <a:solidFill>
                           <a:schemeClr val="tx1"/>
@@ -12861,18 +12681,15 @@
                         <a:tabLst/>
                         <a:defRPr/>
                       </a:pPr>
-                      <a:r>
-                        <a:rPr lang="en-US" altLang="zh-CN" sz="1100" b="0" dirty="0" smtClean="0">
-                          <a:solidFill>
-                            <a:schemeClr val="tx1"/>
-                          </a:solidFill>
-                          <a:latin typeface="+mn-lt"/>
-                          <a:ea typeface="+mn-ea"/>
-                          <a:cs typeface="+mn-ea"/>
-                          <a:sym typeface="+mn-lt"/>
-                        </a:rPr>
-                        <a:t>XXX</a:t>
-                      </a:r>
+                      <a:endParaRPr lang="en-US" altLang="zh-CN" sz="1100" b="0" dirty="0" smtClean="0">
+                        <a:solidFill>
+                          <a:schemeClr val="tx1"/>
+                        </a:solidFill>
+                        <a:latin typeface="+mn-lt"/>
+                        <a:ea typeface="+mn-ea"/>
+                        <a:cs typeface="+mn-ea"/>
+                        <a:sym typeface="+mn-lt"/>
+                      </a:endParaRPr>
                     </a:p>
                   </a:txBody>
                   <a:tcPr marL="102727" marR="102727" marT="51364" marB="51364" anchor="ctr">
@@ -12930,18 +12747,15 @@
                         <a:tabLst/>
                         <a:defRPr/>
                       </a:pPr>
-                      <a:r>
-                        <a:rPr lang="en-US" altLang="zh-CN" sz="1100" b="0" dirty="0" smtClean="0">
-                          <a:solidFill>
-                            <a:schemeClr val="tx1"/>
-                          </a:solidFill>
-                          <a:latin typeface="+mn-lt"/>
-                          <a:ea typeface="+mn-ea"/>
-                          <a:cs typeface="+mn-ea"/>
-                          <a:sym typeface="+mn-lt"/>
-                        </a:rPr>
-                        <a:t>RMB XX,XXX</a:t>
-                      </a:r>
+                      <a:endParaRPr lang="en-US" altLang="zh-CN" sz="1100" b="0" dirty="0" smtClean="0">
+                        <a:solidFill>
+                          <a:schemeClr val="tx1"/>
+                        </a:solidFill>
+                        <a:latin typeface="+mn-lt"/>
+                        <a:ea typeface="+mn-ea"/>
+                        <a:cs typeface="+mn-ea"/>
+                        <a:sym typeface="+mn-lt"/>
+                      </a:endParaRPr>
                     </a:p>
                   </a:txBody>
                   <a:tcPr marL="102727" marR="102727" marT="51364" marB="51364" anchor="ctr">
@@ -13096,18 +12910,15 @@
                         <a:tabLst/>
                         <a:defRPr/>
                       </a:pPr>
-                      <a:r>
-                        <a:rPr lang="en-US" altLang="zh-CN" sz="1100" b="0" dirty="0" smtClean="0">
-                          <a:solidFill>
-                            <a:schemeClr val="tx1"/>
-                          </a:solidFill>
-                          <a:latin typeface="+mn-lt"/>
-                          <a:ea typeface="+mn-ea"/>
-                          <a:cs typeface="+mn-ea"/>
-                          <a:sym typeface="+mn-lt"/>
-                        </a:rPr>
-                        <a:t>RMB XX,XXX</a:t>
-                      </a:r>
+                      <a:endParaRPr lang="en-US" altLang="zh-CN" sz="1100" b="0" dirty="0" smtClean="0">
+                        <a:solidFill>
+                          <a:schemeClr val="tx1"/>
+                        </a:solidFill>
+                        <a:latin typeface="+mn-lt"/>
+                        <a:ea typeface="+mn-ea"/>
+                        <a:cs typeface="+mn-ea"/>
+                        <a:sym typeface="+mn-lt"/>
+                      </a:endParaRPr>
                     </a:p>
                   </a:txBody>
                   <a:tcPr marL="102727" marR="102727" marT="51364" marB="51364" anchor="ctr">
@@ -13141,18 +12952,15 @@
                         <a:tabLst/>
                         <a:defRPr/>
                       </a:pPr>
-                      <a:r>
-                        <a:rPr lang="en-US" altLang="zh-CN" sz="1100" b="0" dirty="0" smtClean="0">
-                          <a:solidFill>
-                            <a:schemeClr val="tx1"/>
-                          </a:solidFill>
-                          <a:latin typeface="+mn-lt"/>
-                          <a:ea typeface="+mn-ea"/>
-                          <a:cs typeface="+mn-ea"/>
-                          <a:sym typeface="+mn-lt"/>
-                        </a:rPr>
-                        <a:t>RMB XX,XXX</a:t>
-                      </a:r>
+                      <a:endParaRPr lang="en-US" altLang="zh-CN" sz="1100" b="0" dirty="0" smtClean="0">
+                        <a:solidFill>
+                          <a:schemeClr val="tx1"/>
+                        </a:solidFill>
+                        <a:latin typeface="+mn-lt"/>
+                        <a:ea typeface="+mn-ea"/>
+                        <a:cs typeface="+mn-ea"/>
+                        <a:sym typeface="+mn-lt"/>
+                      </a:endParaRPr>
                     </a:p>
                   </a:txBody>
                   <a:tcPr marL="102727" marR="102727" marT="51364" marB="51364" anchor="ctr">
@@ -13167,30 +12975,6 @@
                     <a:lstStyle/>
                     <a:p>
                       <a:pPr algn="ctr"/>
-                      <a:r>
-                        <a:rPr lang="zh-CN" altLang="en-US" sz="1100" dirty="0" smtClean="0">
-                          <a:solidFill>
-                            <a:schemeClr val="tx1"/>
-                          </a:solidFill>
-                        </a:rPr>
-                        <a:t>是</a:t>
-                      </a:r>
-                      <a:r>
-                        <a:rPr lang="en-US" altLang="zh-CN" sz="1100" dirty="0" smtClean="0">
-                          <a:solidFill>
-                            <a:schemeClr val="tx1"/>
-                          </a:solidFill>
-                        </a:rPr>
-                        <a:t>/</a:t>
-                      </a:r>
-                      <a:r>
-                        <a:rPr lang="zh-CN" altLang="en-US" sz="1100" dirty="0" smtClean="0">
-                          <a:solidFill>
-                            <a:schemeClr val="tx1"/>
-                          </a:solidFill>
-                        </a:rPr>
-                        <a:t>否</a:t>
-                      </a:r>
                       <a:endParaRPr lang="en-US" sz="1100" dirty="0">
                         <a:solidFill>
                           <a:schemeClr val="tx1"/>
@@ -13229,18 +13013,6 @@
                         <a:tabLst/>
                         <a:defRPr/>
                       </a:pPr>
-                      <a:r>
-                        <a:rPr lang="en-US" altLang="zh-CN" sz="1100" b="0" kern="1200" dirty="0" smtClean="0">
-                          <a:solidFill>
-                            <a:schemeClr val="tx1"/>
-                          </a:solidFill>
-                          <a:latin typeface="+mn-lt"/>
-                          <a:ea typeface="+mn-ea"/>
-                          <a:cs typeface="+mn-ea"/>
-                          <a:sym typeface="+mn-lt"/>
-                        </a:rPr>
-                        <a:t>XX/XX/2022</a:t>
-                      </a:r>
                       <a:endParaRPr lang="zh-CN" altLang="en-US" sz="1100" b="0" kern="1200" dirty="0" smtClean="0">
                         <a:solidFill>
                           <a:schemeClr val="tx1"/>
@@ -13295,18 +13067,6 @@
                         <a:tabLst/>
                         <a:defRPr/>
                       </a:pPr>
-                      <a:r>
-                        <a:rPr lang="en-US" altLang="zh-CN" sz="1100" b="0" kern="1200" dirty="0" smtClean="0">
-                          <a:solidFill>
-                            <a:schemeClr val="tx1"/>
-                          </a:solidFill>
-                          <a:latin typeface="+mn-lt"/>
-                          <a:ea typeface="+mn-ea"/>
-                          <a:cs typeface="+mn-ea"/>
-                          <a:sym typeface="+mn-lt"/>
-                        </a:rPr>
-                        <a:t>XX/XX/2022</a:t>
-                      </a:r>
                       <a:endParaRPr lang="zh-CN" altLang="en-US" sz="1100" b="0" kern="1200" dirty="0" smtClean="0">
                         <a:solidFill>
                           <a:schemeClr val="tx1"/>
@@ -13373,24 +13133,21 @@
                         <a:tabLst/>
                         <a:defRPr/>
                       </a:pPr>
-                      <a:r>
-                        <a:rPr kumimoji="0" lang="en-US" altLang="zh-CN" sz="1100" b="0" i="0" u="none" strike="noStrike" kern="1200" cap="none" spc="0" normalizeH="0" baseline="0" noProof="0" dirty="0" smtClean="0">
-                          <a:ln>
-                            <a:noFill/>
-                          </a:ln>
-                          <a:solidFill>
-                            <a:schemeClr val="tx1"/>
-                          </a:solidFill>
-                          <a:effectLst/>
-                          <a:uLnTx/>
-                          <a:uFillTx/>
-                          <a:latin typeface="+mn-lt"/>
-                          <a:ea typeface="+mn-ea"/>
-                          <a:cs typeface="+mn-ea"/>
-                          <a:sym typeface="+mn-lt"/>
-                        </a:rPr>
-                        <a:t>XXX</a:t>
-                      </a:r>
+                      <a:endParaRPr kumimoji="0" lang="en-US" altLang="zh-CN" sz="1100" b="0" i="0" u="none" strike="noStrike" kern="1200" cap="none" spc="0" normalizeH="0" baseline="0" noProof="0" dirty="0" smtClean="0">
+                        <a:ln>
+                          <a:noFill/>
+                        </a:ln>
+                        <a:solidFill>
+                          <a:schemeClr val="tx1"/>
+                        </a:solidFill>
+                        <a:effectLst/>
+                        <a:uLnTx/>
+                        <a:uFillTx/>
+                        <a:latin typeface="+mn-lt"/>
+                        <a:ea typeface="+mn-ea"/>
+                        <a:cs typeface="+mn-ea"/>
+                        <a:sym typeface="+mn-lt"/>
+                      </a:endParaRPr>
                     </a:p>
                   </a:txBody>
                   <a:tcPr marL="102727" marR="102727" marT="51364" marB="51364" anchor="ctr">
@@ -13448,18 +13205,15 @@
                         <a:tabLst/>
                         <a:defRPr/>
                       </a:pPr>
-                      <a:r>
-                        <a:rPr lang="en-US" altLang="zh-CN" sz="1100" b="0" dirty="0" smtClean="0">
-                          <a:solidFill>
-                            <a:schemeClr val="tx1"/>
-                          </a:solidFill>
-                          <a:latin typeface="+mn-lt"/>
-                          <a:ea typeface="+mn-ea"/>
-                          <a:cs typeface="+mn-ea"/>
-                          <a:sym typeface="+mn-lt"/>
-                        </a:rPr>
-                        <a:t>RMB XX,XXX</a:t>
-                      </a:r>
+                      <a:endParaRPr lang="en-US" altLang="zh-CN" sz="1100" b="0" dirty="0" smtClean="0">
+                        <a:solidFill>
+                          <a:schemeClr val="tx1"/>
+                        </a:solidFill>
+                        <a:latin typeface="+mn-lt"/>
+                        <a:ea typeface="+mn-ea"/>
+                        <a:cs typeface="+mn-ea"/>
+                        <a:sym typeface="+mn-lt"/>
+                      </a:endParaRPr>
                     </a:p>
                   </a:txBody>
                   <a:tcPr marL="102727" marR="102727" marT="51364" marB="51364" anchor="ctr">
@@ -14350,18 +14104,7 @@
                           <a:ea typeface="+mn-ea"/>
                           <a:cs typeface="+mn-cs"/>
                         </a:rPr>
-                        <a:t>是否试</a:t>
-                      </a:r>
-                      <a:r>
-                        <a:rPr lang="zh-CN" altLang="en-US" sz="1602" b="1" kern="1200" dirty="0" smtClean="0">
-                          <a:solidFill>
-                            <a:schemeClr val="lt1"/>
-                          </a:solidFill>
-                          <a:latin typeface="+mn-lt"/>
-                          <a:ea typeface="+mn-ea"/>
-                          <a:cs typeface="+mn-cs"/>
-                        </a:rPr>
-                        <a:t>驾</a:t>
+                        <a:t>是否试驾</a:t>
                       </a:r>
                       <a:endParaRPr lang="zh-CN" altLang="en-US" sz="1400" b="1" kern="1200" dirty="0">
                         <a:solidFill>

--- a/com.yrtech.bentleyAPI/com.yrtech.InventoryAPI/template/ReportOnLine.pptx
+++ b/com.yrtech.bentleyAPI/com.yrtech.InventoryAPI/template/ReportOnLine.pptx
@@ -117,7 +117,7 @@
   </p:defaultTextStyle>
   <p:extLst>
     <p:ext uri="{EFAFB233-063F-42B5-8137-9DF3F51BA10A}">
-      <p15:sldGuideLst xmlns:p15="http://schemas.microsoft.com/office/powerpoint/2012/main" xmlns="">
+      <p15:sldGuideLst xmlns="" xmlns:p15="http://schemas.microsoft.com/office/powerpoint/2012/main">
         <p15:guide id="1" pos="7310" userDrawn="1">
           <p15:clr>
             <a:srgbClr val="A4A3A4"/>
@@ -216,7 +216,7 @@
           <a:p>
             <a:fld id="{69A4D669-94F9-4D70-8C76-4C2D35D4E5D0}" type="datetimeFigureOut">
               <a:rPr lang="en-US" smtClean="0"/>
-              <a:t>4/11/2022</a:t>
+              <a:t>4/16/2022</a:t>
             </a:fld>
             <a:endParaRPr lang="en-US"/>
           </a:p>
@@ -954,7 +954,7 @@
           <a:graphicData uri="http://schemas.openxmlformats.org/presentationml/2006/ole">
             <mc:AlternateContent xmlns:mc="http://schemas.openxmlformats.org/markup-compatibility/2006">
               <mc:Choice xmlns:v="urn:schemas-microsoft-com:vml" Requires="v">
-                <p:oleObj spid="_x0000_s32807" name="think-cell Slide" r:id="rId5" imgW="216" imgH="216" progId="TCLayout.ActiveDocument.1">
+                <p:oleObj spid="_x0000_s32808" name="think-cell Slide" r:id="rId5" imgW="216" imgH="216" progId="TCLayout.ActiveDocument.1">
                   <p:embed/>
                 </p:oleObj>
               </mc:Choice>
@@ -1151,7 +1151,7 @@
           <p:cNvPr id="4" name="Footer Placeholder 3">
             <a:extLst>
               <a:ext uri="{FF2B5EF4-FFF2-40B4-BE49-F238E27FC236}">
-                <a16:creationId xmlns:a16="http://schemas.microsoft.com/office/drawing/2014/main" xmlns="" id="{17D6DE4C-D976-4B4B-B087-C035EF8D4F6F}"/>
+                <a16:creationId xmlns="" xmlns:a16="http://schemas.microsoft.com/office/drawing/2014/main" id="{17D6DE4C-D976-4B4B-B087-C035EF8D4F6F}"/>
               </a:ext>
             </a:extLst>
           </p:cNvPr>
@@ -1210,7 +1210,7 @@
           <p:cNvPr id="13" name="Straight Connector 12">
             <a:extLst>
               <a:ext uri="{FF2B5EF4-FFF2-40B4-BE49-F238E27FC236}">
-                <a16:creationId xmlns:a16="http://schemas.microsoft.com/office/drawing/2014/main" xmlns="" id="{95C486A1-9876-924E-85C2-906892F8B9AC}"/>
+                <a16:creationId xmlns="" xmlns:a16="http://schemas.microsoft.com/office/drawing/2014/main" id="{95C486A1-9876-924E-85C2-906892F8B9AC}"/>
               </a:ext>
             </a:extLst>
           </p:cNvPr>
@@ -1253,7 +1253,7 @@
           <p:cNvPr id="17" name="Slide Number Placeholder 5">
             <a:extLst>
               <a:ext uri="{FF2B5EF4-FFF2-40B4-BE49-F238E27FC236}">
-                <a16:creationId xmlns:a16="http://schemas.microsoft.com/office/drawing/2014/main" xmlns="" id="{CC67CD5C-67EC-5144-B858-5347C50D1ACD}"/>
+                <a16:creationId xmlns="" xmlns:a16="http://schemas.microsoft.com/office/drawing/2014/main" id="{CC67CD5C-67EC-5144-B858-5347C50D1ACD}"/>
               </a:ext>
             </a:extLst>
           </p:cNvPr>
@@ -1305,7 +1305,7 @@
           <p:cNvPr id="8" name="Title 7">
             <a:extLst>
               <a:ext uri="{FF2B5EF4-FFF2-40B4-BE49-F238E27FC236}">
-                <a16:creationId xmlns:a16="http://schemas.microsoft.com/office/drawing/2014/main" xmlns="" id="{8A6F1540-D306-D44E-B1B3-1ACCF1041F70}"/>
+                <a16:creationId xmlns="" xmlns:a16="http://schemas.microsoft.com/office/drawing/2014/main" id="{8A6F1540-D306-D44E-B1B3-1ACCF1041F70}"/>
               </a:ext>
             </a:extLst>
           </p:cNvPr>
@@ -1712,7 +1712,7 @@
           <a:graphicData uri="http://schemas.openxmlformats.org/presentationml/2006/ole">
             <mc:AlternateContent xmlns:mc="http://schemas.openxmlformats.org/markup-compatibility/2006">
               <mc:Choice xmlns:v="urn:schemas-microsoft-com:vml" Requires="v">
-                <p:oleObj spid="_x0000_s33831" name="think-cell Slide" r:id="rId4" imgW="216" imgH="216" progId="TCLayout.ActiveDocument.1">
+                <p:oleObj spid="_x0000_s33832" name="think-cell Slide" r:id="rId4" imgW="216" imgH="216" progId="TCLayout.ActiveDocument.1">
                   <p:embed/>
                 </p:oleObj>
               </mc:Choice>
@@ -1838,7 +1838,7 @@
           <p:cNvPr id="8" name="Title 7">
             <a:extLst>
               <a:ext uri="{FF2B5EF4-FFF2-40B4-BE49-F238E27FC236}">
-                <a16:creationId xmlns:a16="http://schemas.microsoft.com/office/drawing/2014/main" xmlns="" id="{8A6F1540-D306-D44E-B1B3-1ACCF1041F70}"/>
+                <a16:creationId xmlns="" xmlns:a16="http://schemas.microsoft.com/office/drawing/2014/main" id="{8A6F1540-D306-D44E-B1B3-1ACCF1041F70}"/>
               </a:ext>
             </a:extLst>
           </p:cNvPr>
@@ -1874,7 +1874,7 @@
           <p:cNvPr id="9" name="Content Placeholder 2">
             <a:extLst>
               <a:ext uri="{FF2B5EF4-FFF2-40B4-BE49-F238E27FC236}">
-                <a16:creationId xmlns:a16="http://schemas.microsoft.com/office/drawing/2014/main" xmlns="" id="{0A7C1352-3D49-F849-9BC3-BC0AF9CD8F04}"/>
+                <a16:creationId xmlns="" xmlns:a16="http://schemas.microsoft.com/office/drawing/2014/main" id="{0A7C1352-3D49-F849-9BC3-BC0AF9CD8F04}"/>
               </a:ext>
             </a:extLst>
           </p:cNvPr>
@@ -1966,7 +1966,7 @@
           <p:cNvPr id="10" name="Content Placeholder 2">
             <a:extLst>
               <a:ext uri="{FF2B5EF4-FFF2-40B4-BE49-F238E27FC236}">
-                <a16:creationId xmlns:a16="http://schemas.microsoft.com/office/drawing/2014/main" xmlns="" id="{D1AA7CFB-7669-2648-A3E1-E647E531399E}"/>
+                <a16:creationId xmlns="" xmlns:a16="http://schemas.microsoft.com/office/drawing/2014/main" id="{D1AA7CFB-7669-2648-A3E1-E647E531399E}"/>
               </a:ext>
             </a:extLst>
           </p:cNvPr>
@@ -2058,7 +2058,7 @@
           <p:cNvPr id="11" name="Content Placeholder 2">
             <a:extLst>
               <a:ext uri="{FF2B5EF4-FFF2-40B4-BE49-F238E27FC236}">
-                <a16:creationId xmlns:a16="http://schemas.microsoft.com/office/drawing/2014/main" xmlns="" id="{2E4B4082-D988-5D43-9C32-2C7F747717ED}"/>
+                <a16:creationId xmlns="" xmlns:a16="http://schemas.microsoft.com/office/drawing/2014/main" id="{2E4B4082-D988-5D43-9C32-2C7F747717ED}"/>
               </a:ext>
             </a:extLst>
           </p:cNvPr>
@@ -2150,7 +2150,7 @@
           <p:cNvPr id="12" name="Content Placeholder 2">
             <a:extLst>
               <a:ext uri="{FF2B5EF4-FFF2-40B4-BE49-F238E27FC236}">
-                <a16:creationId xmlns:a16="http://schemas.microsoft.com/office/drawing/2014/main" xmlns="" id="{45B8DE4D-1F9B-7341-8CB2-D70634815B55}"/>
+                <a16:creationId xmlns="" xmlns:a16="http://schemas.microsoft.com/office/drawing/2014/main" id="{45B8DE4D-1F9B-7341-8CB2-D70634815B55}"/>
               </a:ext>
             </a:extLst>
           </p:cNvPr>
@@ -2242,7 +2242,7 @@
           <p:cNvPr id="14" name="Footer Placeholder 3">
             <a:extLst>
               <a:ext uri="{FF2B5EF4-FFF2-40B4-BE49-F238E27FC236}">
-                <a16:creationId xmlns:a16="http://schemas.microsoft.com/office/drawing/2014/main" xmlns="" id="{DBA440F4-82E0-7E45-8A6F-4A8C7572AEE5}"/>
+                <a16:creationId xmlns="" xmlns:a16="http://schemas.microsoft.com/office/drawing/2014/main" id="{DBA440F4-82E0-7E45-8A6F-4A8C7572AEE5}"/>
               </a:ext>
             </a:extLst>
           </p:cNvPr>
@@ -2301,7 +2301,7 @@
           <p:cNvPr id="15" name="Slide Number Placeholder 5">
             <a:extLst>
               <a:ext uri="{FF2B5EF4-FFF2-40B4-BE49-F238E27FC236}">
-                <a16:creationId xmlns:a16="http://schemas.microsoft.com/office/drawing/2014/main" xmlns="" id="{CC67CD5C-67EC-5144-B858-5347C50D1ACD}"/>
+                <a16:creationId xmlns="" xmlns:a16="http://schemas.microsoft.com/office/drawing/2014/main" id="{CC67CD5C-67EC-5144-B858-5347C50D1ACD}"/>
               </a:ext>
             </a:extLst>
           </p:cNvPr>
@@ -2353,7 +2353,7 @@
           <p:cNvPr id="16" name="Straight Connector 15">
             <a:extLst>
               <a:ext uri="{FF2B5EF4-FFF2-40B4-BE49-F238E27FC236}">
-                <a16:creationId xmlns:a16="http://schemas.microsoft.com/office/drawing/2014/main" xmlns="" id="{95C486A1-9876-924E-85C2-906892F8B9AC}"/>
+                <a16:creationId xmlns="" xmlns:a16="http://schemas.microsoft.com/office/drawing/2014/main" id="{95C486A1-9876-924E-85C2-906892F8B9AC}"/>
               </a:ext>
             </a:extLst>
           </p:cNvPr>
@@ -2449,7 +2449,7 @@
           <a:graphicData uri="http://schemas.openxmlformats.org/presentationml/2006/ole">
             <mc:AlternateContent xmlns:mc="http://schemas.openxmlformats.org/markup-compatibility/2006">
               <mc:Choice xmlns:v="urn:schemas-microsoft-com:vml" Requires="v">
-                <p:oleObj spid="_x0000_s34855" name="think-cell Slide" r:id="rId4" imgW="216" imgH="216" progId="TCLayout.ActiveDocument.1">
+                <p:oleObj spid="_x0000_s34856" name="think-cell Slide" r:id="rId4" imgW="216" imgH="216" progId="TCLayout.ActiveDocument.1">
                   <p:embed/>
                 </p:oleObj>
               </mc:Choice>
@@ -2489,7 +2489,7 @@
           <p:cNvPr id="8" name="Title 7">
             <a:extLst>
               <a:ext uri="{FF2B5EF4-FFF2-40B4-BE49-F238E27FC236}">
-                <a16:creationId xmlns:a16="http://schemas.microsoft.com/office/drawing/2014/main" xmlns="" id="{8A6F1540-D306-D44E-B1B3-1ACCF1041F70}"/>
+                <a16:creationId xmlns="" xmlns:a16="http://schemas.microsoft.com/office/drawing/2014/main" id="{8A6F1540-D306-D44E-B1B3-1ACCF1041F70}"/>
               </a:ext>
             </a:extLst>
           </p:cNvPr>
@@ -3285,7 +3285,7 @@
           <p:cNvPr id="37" name="Footer Placeholder 3">
             <a:extLst>
               <a:ext uri="{FF2B5EF4-FFF2-40B4-BE49-F238E27FC236}">
-                <a16:creationId xmlns:a16="http://schemas.microsoft.com/office/drawing/2014/main" xmlns="" id="{DBA440F4-82E0-7E45-8A6F-4A8C7572AEE5}"/>
+                <a16:creationId xmlns="" xmlns:a16="http://schemas.microsoft.com/office/drawing/2014/main" id="{DBA440F4-82E0-7E45-8A6F-4A8C7572AEE5}"/>
               </a:ext>
             </a:extLst>
           </p:cNvPr>
@@ -3344,7 +3344,7 @@
           <p:cNvPr id="38" name="Slide Number Placeholder 5">
             <a:extLst>
               <a:ext uri="{FF2B5EF4-FFF2-40B4-BE49-F238E27FC236}">
-                <a16:creationId xmlns:a16="http://schemas.microsoft.com/office/drawing/2014/main" xmlns="" id="{CC67CD5C-67EC-5144-B858-5347C50D1ACD}"/>
+                <a16:creationId xmlns="" xmlns:a16="http://schemas.microsoft.com/office/drawing/2014/main" id="{CC67CD5C-67EC-5144-B858-5347C50D1ACD}"/>
               </a:ext>
             </a:extLst>
           </p:cNvPr>
@@ -3396,7 +3396,7 @@
           <p:cNvPr id="39" name="Straight Connector 38">
             <a:extLst>
               <a:ext uri="{FF2B5EF4-FFF2-40B4-BE49-F238E27FC236}">
-                <a16:creationId xmlns:a16="http://schemas.microsoft.com/office/drawing/2014/main" xmlns="" id="{95C486A1-9876-924E-85C2-906892F8B9AC}"/>
+                <a16:creationId xmlns="" xmlns:a16="http://schemas.microsoft.com/office/drawing/2014/main" id="{95C486A1-9876-924E-85C2-906892F8B9AC}"/>
               </a:ext>
             </a:extLst>
           </p:cNvPr>
@@ -3497,7 +3497,7 @@
           <a:graphicData uri="http://schemas.openxmlformats.org/presentationml/2006/ole">
             <mc:AlternateContent xmlns:mc="http://schemas.openxmlformats.org/markup-compatibility/2006">
               <mc:Choice xmlns:v="urn:schemas-microsoft-com:vml" Requires="v">
-                <p:oleObj spid="_x0000_s35879" name="think-cell Slide" r:id="rId5" imgW="216" imgH="216" progId="TCLayout.ActiveDocument.1">
+                <p:oleObj spid="_x0000_s35880" name="think-cell Slide" r:id="rId5" imgW="216" imgH="216" progId="TCLayout.ActiveDocument.1">
                   <p:embed/>
                 </p:oleObj>
               </mc:Choice>
@@ -3714,7 +3714,7 @@
           <p:cNvPr id="4" name="Footer Placeholder 3">
             <a:extLst>
               <a:ext uri="{FF2B5EF4-FFF2-40B4-BE49-F238E27FC236}">
-                <a16:creationId xmlns:a16="http://schemas.microsoft.com/office/drawing/2014/main" xmlns="" id="{17D6DE4C-D976-4B4B-B087-C035EF8D4F6F}"/>
+                <a16:creationId xmlns="" xmlns:a16="http://schemas.microsoft.com/office/drawing/2014/main" id="{17D6DE4C-D976-4B4B-B087-C035EF8D4F6F}"/>
               </a:ext>
             </a:extLst>
           </p:cNvPr>
@@ -3773,7 +3773,7 @@
           <p:cNvPr id="17" name="Slide Number Placeholder 5">
             <a:extLst>
               <a:ext uri="{FF2B5EF4-FFF2-40B4-BE49-F238E27FC236}">
-                <a16:creationId xmlns:a16="http://schemas.microsoft.com/office/drawing/2014/main" xmlns="" id="{CC67CD5C-67EC-5144-B858-5347C50D1ACD}"/>
+                <a16:creationId xmlns="" xmlns:a16="http://schemas.microsoft.com/office/drawing/2014/main" id="{CC67CD5C-67EC-5144-B858-5347C50D1ACD}"/>
               </a:ext>
             </a:extLst>
           </p:cNvPr>
@@ -3825,7 +3825,7 @@
           <p:cNvPr id="8" name="Title 7">
             <a:extLst>
               <a:ext uri="{FF2B5EF4-FFF2-40B4-BE49-F238E27FC236}">
-                <a16:creationId xmlns:a16="http://schemas.microsoft.com/office/drawing/2014/main" xmlns="" id="{8A6F1540-D306-D44E-B1B3-1ACCF1041F70}"/>
+                <a16:creationId xmlns="" xmlns:a16="http://schemas.microsoft.com/office/drawing/2014/main" id="{8A6F1540-D306-D44E-B1B3-1ACCF1041F70}"/>
               </a:ext>
             </a:extLst>
           </p:cNvPr>
@@ -3869,7 +3869,7 @@
           <p:cNvPr id="9" name="Straight Connector 8">
             <a:extLst>
               <a:ext uri="{FF2B5EF4-FFF2-40B4-BE49-F238E27FC236}">
-                <a16:creationId xmlns:a16="http://schemas.microsoft.com/office/drawing/2014/main" xmlns="" id="{BB1AA2BE-B537-254D-958A-FBAFDE7E90DC}"/>
+                <a16:creationId xmlns="" xmlns:a16="http://schemas.microsoft.com/office/drawing/2014/main" id="{BB1AA2BE-B537-254D-958A-FBAFDE7E90DC}"/>
               </a:ext>
             </a:extLst>
           </p:cNvPr>
@@ -3912,7 +3912,7 @@
           <p:cNvPr id="10" name="Straight Connector 9">
             <a:extLst>
               <a:ext uri="{FF2B5EF4-FFF2-40B4-BE49-F238E27FC236}">
-                <a16:creationId xmlns:a16="http://schemas.microsoft.com/office/drawing/2014/main" xmlns="" id="{95C486A1-9876-924E-85C2-906892F8B9AC}"/>
+                <a16:creationId xmlns="" xmlns:a16="http://schemas.microsoft.com/office/drawing/2014/main" id="{95C486A1-9876-924E-85C2-906892F8B9AC}"/>
               </a:ext>
             </a:extLst>
           </p:cNvPr>
@@ -4289,7 +4289,7 @@
           <a:graphicData uri="http://schemas.openxmlformats.org/presentationml/2006/ole">
             <mc:AlternateContent xmlns:mc="http://schemas.openxmlformats.org/markup-compatibility/2006">
               <mc:Choice xmlns:v="urn:schemas-microsoft-com:vml" Requires="v">
-                <p:oleObj spid="_x0000_s37927" name="think-cell Slide" r:id="rId5" imgW="216" imgH="216" progId="TCLayout.ActiveDocument.1">
+                <p:oleObj spid="_x0000_s37928" name="think-cell Slide" r:id="rId5" imgW="216" imgH="216" progId="TCLayout.ActiveDocument.1">
                   <p:embed/>
                 </p:oleObj>
               </mc:Choice>
@@ -4486,7 +4486,7 @@
           <p:cNvPr id="4" name="Footer Placeholder 3">
             <a:extLst>
               <a:ext uri="{FF2B5EF4-FFF2-40B4-BE49-F238E27FC236}">
-                <a16:creationId xmlns:a16="http://schemas.microsoft.com/office/drawing/2014/main" xmlns="" id="{17D6DE4C-D976-4B4B-B087-C035EF8D4F6F}"/>
+                <a16:creationId xmlns="" xmlns:a16="http://schemas.microsoft.com/office/drawing/2014/main" id="{17D6DE4C-D976-4B4B-B087-C035EF8D4F6F}"/>
               </a:ext>
             </a:extLst>
           </p:cNvPr>
@@ -4545,7 +4545,7 @@
           <p:cNvPr id="13" name="Straight Connector 12">
             <a:extLst>
               <a:ext uri="{FF2B5EF4-FFF2-40B4-BE49-F238E27FC236}">
-                <a16:creationId xmlns:a16="http://schemas.microsoft.com/office/drawing/2014/main" xmlns="" id="{95C486A1-9876-924E-85C2-906892F8B9AC}"/>
+                <a16:creationId xmlns="" xmlns:a16="http://schemas.microsoft.com/office/drawing/2014/main" id="{95C486A1-9876-924E-85C2-906892F8B9AC}"/>
               </a:ext>
             </a:extLst>
           </p:cNvPr>
@@ -4588,7 +4588,7 @@
           <p:cNvPr id="17" name="Slide Number Placeholder 5">
             <a:extLst>
               <a:ext uri="{FF2B5EF4-FFF2-40B4-BE49-F238E27FC236}">
-                <a16:creationId xmlns:a16="http://schemas.microsoft.com/office/drawing/2014/main" xmlns="" id="{CC67CD5C-67EC-5144-B858-5347C50D1ACD}"/>
+                <a16:creationId xmlns="" xmlns:a16="http://schemas.microsoft.com/office/drawing/2014/main" id="{CC67CD5C-67EC-5144-B858-5347C50D1ACD}"/>
               </a:ext>
             </a:extLst>
           </p:cNvPr>
@@ -4640,7 +4640,7 @@
           <p:cNvPr id="8" name="Title 7">
             <a:extLst>
               <a:ext uri="{FF2B5EF4-FFF2-40B4-BE49-F238E27FC236}">
-                <a16:creationId xmlns:a16="http://schemas.microsoft.com/office/drawing/2014/main" xmlns="" id="{8A6F1540-D306-D44E-B1B3-1ACCF1041F70}"/>
+                <a16:creationId xmlns="" xmlns:a16="http://schemas.microsoft.com/office/drawing/2014/main" id="{8A6F1540-D306-D44E-B1B3-1ACCF1041F70}"/>
               </a:ext>
             </a:extLst>
           </p:cNvPr>
@@ -4766,7 +4766,7 @@
           <a:graphicData uri="http://schemas.openxmlformats.org/presentationml/2006/ole">
             <mc:AlternateContent xmlns:mc="http://schemas.openxmlformats.org/markup-compatibility/2006">
               <mc:Choice xmlns:v="urn:schemas-microsoft-com:vml" Requires="v">
-                <p:oleObj spid="_x0000_s38951" name="think-cell Slide" r:id="rId4" imgW="216" imgH="216" progId="TCLayout.ActiveDocument.1">
+                <p:oleObj spid="_x0000_s38952" name="think-cell Slide" r:id="rId4" imgW="216" imgH="216" progId="TCLayout.ActiveDocument.1">
                   <p:embed/>
                 </p:oleObj>
               </mc:Choice>
@@ -4892,7 +4892,7 @@
           <p:cNvPr id="8" name="Title 7">
             <a:extLst>
               <a:ext uri="{FF2B5EF4-FFF2-40B4-BE49-F238E27FC236}">
-                <a16:creationId xmlns:a16="http://schemas.microsoft.com/office/drawing/2014/main" xmlns="" id="{8A6F1540-D306-D44E-B1B3-1ACCF1041F70}"/>
+                <a16:creationId xmlns="" xmlns:a16="http://schemas.microsoft.com/office/drawing/2014/main" id="{8A6F1540-D306-D44E-B1B3-1ACCF1041F70}"/>
               </a:ext>
             </a:extLst>
           </p:cNvPr>
@@ -4928,7 +4928,7 @@
           <p:cNvPr id="9" name="Content Placeholder 2">
             <a:extLst>
               <a:ext uri="{FF2B5EF4-FFF2-40B4-BE49-F238E27FC236}">
-                <a16:creationId xmlns:a16="http://schemas.microsoft.com/office/drawing/2014/main" xmlns="" id="{0A7C1352-3D49-F849-9BC3-BC0AF9CD8F04}"/>
+                <a16:creationId xmlns="" xmlns:a16="http://schemas.microsoft.com/office/drawing/2014/main" id="{0A7C1352-3D49-F849-9BC3-BC0AF9CD8F04}"/>
               </a:ext>
             </a:extLst>
           </p:cNvPr>
@@ -5020,7 +5020,7 @@
           <p:cNvPr id="10" name="Content Placeholder 2">
             <a:extLst>
               <a:ext uri="{FF2B5EF4-FFF2-40B4-BE49-F238E27FC236}">
-                <a16:creationId xmlns:a16="http://schemas.microsoft.com/office/drawing/2014/main" xmlns="" id="{D1AA7CFB-7669-2648-A3E1-E647E531399E}"/>
+                <a16:creationId xmlns="" xmlns:a16="http://schemas.microsoft.com/office/drawing/2014/main" id="{D1AA7CFB-7669-2648-A3E1-E647E531399E}"/>
               </a:ext>
             </a:extLst>
           </p:cNvPr>
@@ -5112,7 +5112,7 @@
           <p:cNvPr id="11" name="Content Placeholder 2">
             <a:extLst>
               <a:ext uri="{FF2B5EF4-FFF2-40B4-BE49-F238E27FC236}">
-                <a16:creationId xmlns:a16="http://schemas.microsoft.com/office/drawing/2014/main" xmlns="" id="{2E4B4082-D988-5D43-9C32-2C7F747717ED}"/>
+                <a16:creationId xmlns="" xmlns:a16="http://schemas.microsoft.com/office/drawing/2014/main" id="{2E4B4082-D988-5D43-9C32-2C7F747717ED}"/>
               </a:ext>
             </a:extLst>
           </p:cNvPr>
@@ -5204,7 +5204,7 @@
           <p:cNvPr id="12" name="Content Placeholder 2">
             <a:extLst>
               <a:ext uri="{FF2B5EF4-FFF2-40B4-BE49-F238E27FC236}">
-                <a16:creationId xmlns:a16="http://schemas.microsoft.com/office/drawing/2014/main" xmlns="" id="{45B8DE4D-1F9B-7341-8CB2-D70634815B55}"/>
+                <a16:creationId xmlns="" xmlns:a16="http://schemas.microsoft.com/office/drawing/2014/main" id="{45B8DE4D-1F9B-7341-8CB2-D70634815B55}"/>
               </a:ext>
             </a:extLst>
           </p:cNvPr>
@@ -5296,7 +5296,7 @@
           <p:cNvPr id="14" name="Footer Placeholder 3">
             <a:extLst>
               <a:ext uri="{FF2B5EF4-FFF2-40B4-BE49-F238E27FC236}">
-                <a16:creationId xmlns:a16="http://schemas.microsoft.com/office/drawing/2014/main" xmlns="" id="{DBA440F4-82E0-7E45-8A6F-4A8C7572AEE5}"/>
+                <a16:creationId xmlns="" xmlns:a16="http://schemas.microsoft.com/office/drawing/2014/main" id="{DBA440F4-82E0-7E45-8A6F-4A8C7572AEE5}"/>
               </a:ext>
             </a:extLst>
           </p:cNvPr>
@@ -5355,7 +5355,7 @@
           <p:cNvPr id="15" name="Slide Number Placeholder 5">
             <a:extLst>
               <a:ext uri="{FF2B5EF4-FFF2-40B4-BE49-F238E27FC236}">
-                <a16:creationId xmlns:a16="http://schemas.microsoft.com/office/drawing/2014/main" xmlns="" id="{CC67CD5C-67EC-5144-B858-5347C50D1ACD}"/>
+                <a16:creationId xmlns="" xmlns:a16="http://schemas.microsoft.com/office/drawing/2014/main" id="{CC67CD5C-67EC-5144-B858-5347C50D1ACD}"/>
               </a:ext>
             </a:extLst>
           </p:cNvPr>
@@ -5407,7 +5407,7 @@
           <p:cNvPr id="16" name="Straight Connector 15">
             <a:extLst>
               <a:ext uri="{FF2B5EF4-FFF2-40B4-BE49-F238E27FC236}">
-                <a16:creationId xmlns:a16="http://schemas.microsoft.com/office/drawing/2014/main" xmlns="" id="{95C486A1-9876-924E-85C2-906892F8B9AC}"/>
+                <a16:creationId xmlns="" xmlns:a16="http://schemas.microsoft.com/office/drawing/2014/main" id="{95C486A1-9876-924E-85C2-906892F8B9AC}"/>
               </a:ext>
             </a:extLst>
           </p:cNvPr>
@@ -5503,7 +5503,7 @@
           <a:graphicData uri="http://schemas.openxmlformats.org/presentationml/2006/ole">
             <mc:AlternateContent xmlns:mc="http://schemas.openxmlformats.org/markup-compatibility/2006">
               <mc:Choice xmlns:v="urn:schemas-microsoft-com:vml" Requires="v">
-                <p:oleObj spid="_x0000_s39975" name="think-cell Slide" r:id="rId4" imgW="216" imgH="216" progId="TCLayout.ActiveDocument.1">
+                <p:oleObj spid="_x0000_s39976" name="think-cell Slide" r:id="rId4" imgW="216" imgH="216" progId="TCLayout.ActiveDocument.1">
                   <p:embed/>
                 </p:oleObj>
               </mc:Choice>
@@ -5543,7 +5543,7 @@
           <p:cNvPr id="8" name="Title 7">
             <a:extLst>
               <a:ext uri="{FF2B5EF4-FFF2-40B4-BE49-F238E27FC236}">
-                <a16:creationId xmlns:a16="http://schemas.microsoft.com/office/drawing/2014/main" xmlns="" id="{8A6F1540-D306-D44E-B1B3-1ACCF1041F70}"/>
+                <a16:creationId xmlns="" xmlns:a16="http://schemas.microsoft.com/office/drawing/2014/main" id="{8A6F1540-D306-D44E-B1B3-1ACCF1041F70}"/>
               </a:ext>
             </a:extLst>
           </p:cNvPr>
@@ -6339,7 +6339,7 @@
           <p:cNvPr id="37" name="Footer Placeholder 3">
             <a:extLst>
               <a:ext uri="{FF2B5EF4-FFF2-40B4-BE49-F238E27FC236}">
-                <a16:creationId xmlns:a16="http://schemas.microsoft.com/office/drawing/2014/main" xmlns="" id="{DBA440F4-82E0-7E45-8A6F-4A8C7572AEE5}"/>
+                <a16:creationId xmlns="" xmlns:a16="http://schemas.microsoft.com/office/drawing/2014/main" id="{DBA440F4-82E0-7E45-8A6F-4A8C7572AEE5}"/>
               </a:ext>
             </a:extLst>
           </p:cNvPr>
@@ -6398,7 +6398,7 @@
           <p:cNvPr id="38" name="Slide Number Placeholder 5">
             <a:extLst>
               <a:ext uri="{FF2B5EF4-FFF2-40B4-BE49-F238E27FC236}">
-                <a16:creationId xmlns:a16="http://schemas.microsoft.com/office/drawing/2014/main" xmlns="" id="{CC67CD5C-67EC-5144-B858-5347C50D1ACD}"/>
+                <a16:creationId xmlns="" xmlns:a16="http://schemas.microsoft.com/office/drawing/2014/main" id="{CC67CD5C-67EC-5144-B858-5347C50D1ACD}"/>
               </a:ext>
             </a:extLst>
           </p:cNvPr>
@@ -6450,7 +6450,7 @@
           <p:cNvPr id="39" name="Straight Connector 38">
             <a:extLst>
               <a:ext uri="{FF2B5EF4-FFF2-40B4-BE49-F238E27FC236}">
-                <a16:creationId xmlns:a16="http://schemas.microsoft.com/office/drawing/2014/main" xmlns="" id="{95C486A1-9876-924E-85C2-906892F8B9AC}"/>
+                <a16:creationId xmlns="" xmlns:a16="http://schemas.microsoft.com/office/drawing/2014/main" id="{95C486A1-9876-924E-85C2-906892F8B9AC}"/>
               </a:ext>
             </a:extLst>
           </p:cNvPr>
@@ -6551,7 +6551,7 @@
           <a:graphicData uri="http://schemas.openxmlformats.org/presentationml/2006/ole">
             <mc:AlternateContent xmlns:mc="http://schemas.openxmlformats.org/markup-compatibility/2006">
               <mc:Choice xmlns:v="urn:schemas-microsoft-com:vml" Requires="v">
-                <p:oleObj spid="_x0000_s40999" name="think-cell Slide" r:id="rId5" imgW="216" imgH="216" progId="TCLayout.ActiveDocument.1">
+                <p:oleObj spid="_x0000_s41000" name="think-cell Slide" r:id="rId5" imgW="216" imgH="216" progId="TCLayout.ActiveDocument.1">
                   <p:embed/>
                 </p:oleObj>
               </mc:Choice>
@@ -6768,7 +6768,7 @@
           <p:cNvPr id="4" name="Footer Placeholder 3">
             <a:extLst>
               <a:ext uri="{FF2B5EF4-FFF2-40B4-BE49-F238E27FC236}">
-                <a16:creationId xmlns:a16="http://schemas.microsoft.com/office/drawing/2014/main" xmlns="" id="{17D6DE4C-D976-4B4B-B087-C035EF8D4F6F}"/>
+                <a16:creationId xmlns="" xmlns:a16="http://schemas.microsoft.com/office/drawing/2014/main" id="{17D6DE4C-D976-4B4B-B087-C035EF8D4F6F}"/>
               </a:ext>
             </a:extLst>
           </p:cNvPr>
@@ -6827,7 +6827,7 @@
           <p:cNvPr id="17" name="Slide Number Placeholder 5">
             <a:extLst>
               <a:ext uri="{FF2B5EF4-FFF2-40B4-BE49-F238E27FC236}">
-                <a16:creationId xmlns:a16="http://schemas.microsoft.com/office/drawing/2014/main" xmlns="" id="{CC67CD5C-67EC-5144-B858-5347C50D1ACD}"/>
+                <a16:creationId xmlns="" xmlns:a16="http://schemas.microsoft.com/office/drawing/2014/main" id="{CC67CD5C-67EC-5144-B858-5347C50D1ACD}"/>
               </a:ext>
             </a:extLst>
           </p:cNvPr>
@@ -6879,7 +6879,7 @@
           <p:cNvPr id="8" name="Title 7">
             <a:extLst>
               <a:ext uri="{FF2B5EF4-FFF2-40B4-BE49-F238E27FC236}">
-                <a16:creationId xmlns:a16="http://schemas.microsoft.com/office/drawing/2014/main" xmlns="" id="{8A6F1540-D306-D44E-B1B3-1ACCF1041F70}"/>
+                <a16:creationId xmlns="" xmlns:a16="http://schemas.microsoft.com/office/drawing/2014/main" id="{8A6F1540-D306-D44E-B1B3-1ACCF1041F70}"/>
               </a:ext>
             </a:extLst>
           </p:cNvPr>
@@ -6923,7 +6923,7 @@
           <p:cNvPr id="9" name="Straight Connector 8">
             <a:extLst>
               <a:ext uri="{FF2B5EF4-FFF2-40B4-BE49-F238E27FC236}">
-                <a16:creationId xmlns:a16="http://schemas.microsoft.com/office/drawing/2014/main" xmlns="" id="{BB1AA2BE-B537-254D-958A-FBAFDE7E90DC}"/>
+                <a16:creationId xmlns="" xmlns:a16="http://schemas.microsoft.com/office/drawing/2014/main" id="{BB1AA2BE-B537-254D-958A-FBAFDE7E90DC}"/>
               </a:ext>
             </a:extLst>
           </p:cNvPr>
@@ -6966,7 +6966,7 @@
           <p:cNvPr id="10" name="Straight Connector 9">
             <a:extLst>
               <a:ext uri="{FF2B5EF4-FFF2-40B4-BE49-F238E27FC236}">
-                <a16:creationId xmlns:a16="http://schemas.microsoft.com/office/drawing/2014/main" xmlns="" id="{95C486A1-9876-924E-85C2-906892F8B9AC}"/>
+                <a16:creationId xmlns="" xmlns:a16="http://schemas.microsoft.com/office/drawing/2014/main" id="{95C486A1-9876-924E-85C2-906892F8B9AC}"/>
               </a:ext>
             </a:extLst>
           </p:cNvPr>
@@ -7071,7 +7071,7 @@
           <a:graphicData uri="http://schemas.openxmlformats.org/presentationml/2006/ole">
             <mc:AlternateContent xmlns:mc="http://schemas.openxmlformats.org/markup-compatibility/2006">
               <mc:Choice xmlns:v="urn:schemas-microsoft-com:vml" Requires="v">
-                <p:oleObj spid="_x0000_s31783" name="think-cell Slide" r:id="rId10" imgW="216" imgH="216" progId="TCLayout.ActiveDocument.1">
+                <p:oleObj spid="_x0000_s31784" name="think-cell Slide" r:id="rId10" imgW="216" imgH="216" progId="TCLayout.ActiveDocument.1">
                   <p:embed/>
                 </p:oleObj>
               </mc:Choice>
@@ -7191,7 +7191,7 @@
           <p:cNvPr id="10" name="Straight Connector 9">
             <a:extLst>
               <a:ext uri="{FF2B5EF4-FFF2-40B4-BE49-F238E27FC236}">
-                <a16:creationId xmlns:a16="http://schemas.microsoft.com/office/drawing/2014/main" xmlns="" id="{BB1AA2BE-B537-254D-958A-FBAFDE7E90DC}"/>
+                <a16:creationId xmlns="" xmlns:a16="http://schemas.microsoft.com/office/drawing/2014/main" id="{BB1AA2BE-B537-254D-958A-FBAFDE7E90DC}"/>
               </a:ext>
             </a:extLst>
           </p:cNvPr>
@@ -7234,7 +7234,7 @@
           <p:cNvPr id="15" name="Footer Placeholder 3">
             <a:extLst>
               <a:ext uri="{FF2B5EF4-FFF2-40B4-BE49-F238E27FC236}">
-                <a16:creationId xmlns:a16="http://schemas.microsoft.com/office/drawing/2014/main" xmlns="" id="{DBA440F4-82E0-7E45-8A6F-4A8C7572AEE5}"/>
+                <a16:creationId xmlns="" xmlns:a16="http://schemas.microsoft.com/office/drawing/2014/main" id="{DBA440F4-82E0-7E45-8A6F-4A8C7572AEE5}"/>
               </a:ext>
             </a:extLst>
           </p:cNvPr>
@@ -7293,7 +7293,7 @@
           <p:cNvPr id="16" name="Slide Number Placeholder 5">
             <a:extLst>
               <a:ext uri="{FF2B5EF4-FFF2-40B4-BE49-F238E27FC236}">
-                <a16:creationId xmlns:a16="http://schemas.microsoft.com/office/drawing/2014/main" xmlns="" id="{2D9636C8-FF6B-E141-B9E1-70C7091B23B1}"/>
+                <a16:creationId xmlns="" xmlns:a16="http://schemas.microsoft.com/office/drawing/2014/main" id="{2D9636C8-FF6B-E141-B9E1-70C7091B23B1}"/>
               </a:ext>
             </a:extLst>
           </p:cNvPr>
@@ -7660,7 +7660,7 @@
   </p:txStyles>
   <p:extLst mod="1">
     <p:ext uri="{27BBF7A9-308A-43DC-89C8-2F10F3537804}">
-      <p15:sldGuideLst xmlns:p15="http://schemas.microsoft.com/office/powerpoint/2012/main" xmlns="">
+      <p15:sldGuideLst xmlns="" xmlns:p15="http://schemas.microsoft.com/office/powerpoint/2012/main">
         <p15:guide id="1" orient="horz" pos="2041">
           <p15:clr>
             <a:srgbClr val="F26B43"/>
@@ -7829,7 +7829,7 @@
           <a:graphicData uri="http://schemas.openxmlformats.org/presentationml/2006/ole">
             <mc:AlternateContent xmlns:mc="http://schemas.openxmlformats.org/markup-compatibility/2006">
               <mc:Choice xmlns:v="urn:schemas-microsoft-com:vml" Requires="v">
-                <p:oleObj spid="_x0000_s36904" name="think-cell Slide" r:id="rId10" imgW="216" imgH="216" progId="TCLayout.ActiveDocument.1">
+                <p:oleObj spid="_x0000_s36905" name="think-cell Slide" r:id="rId10" imgW="216" imgH="216" progId="TCLayout.ActiveDocument.1">
                   <p:embed/>
                 </p:oleObj>
               </mc:Choice>
@@ -7949,7 +7949,7 @@
           <p:cNvPr id="10" name="Straight Connector 9">
             <a:extLst>
               <a:ext uri="{FF2B5EF4-FFF2-40B4-BE49-F238E27FC236}">
-                <a16:creationId xmlns:a16="http://schemas.microsoft.com/office/drawing/2014/main" xmlns="" id="{BB1AA2BE-B537-254D-958A-FBAFDE7E90DC}"/>
+                <a16:creationId xmlns="" xmlns:a16="http://schemas.microsoft.com/office/drawing/2014/main" id="{BB1AA2BE-B537-254D-958A-FBAFDE7E90DC}"/>
               </a:ext>
             </a:extLst>
           </p:cNvPr>
@@ -7992,7 +7992,7 @@
           <p:cNvPr id="15" name="Footer Placeholder 3">
             <a:extLst>
               <a:ext uri="{FF2B5EF4-FFF2-40B4-BE49-F238E27FC236}">
-                <a16:creationId xmlns:a16="http://schemas.microsoft.com/office/drawing/2014/main" xmlns="" id="{DBA440F4-82E0-7E45-8A6F-4A8C7572AEE5}"/>
+                <a16:creationId xmlns="" xmlns:a16="http://schemas.microsoft.com/office/drawing/2014/main" id="{DBA440F4-82E0-7E45-8A6F-4A8C7572AEE5}"/>
               </a:ext>
             </a:extLst>
           </p:cNvPr>
@@ -8051,7 +8051,7 @@
           <p:cNvPr id="16" name="Slide Number Placeholder 5">
             <a:extLst>
               <a:ext uri="{FF2B5EF4-FFF2-40B4-BE49-F238E27FC236}">
-                <a16:creationId xmlns:a16="http://schemas.microsoft.com/office/drawing/2014/main" xmlns="" id="{2D9636C8-FF6B-E141-B9E1-70C7091B23B1}"/>
+                <a16:creationId xmlns="" xmlns:a16="http://schemas.microsoft.com/office/drawing/2014/main" id="{2D9636C8-FF6B-E141-B9E1-70C7091B23B1}"/>
               </a:ext>
             </a:extLst>
           </p:cNvPr>
@@ -8418,7 +8418,7 @@
   </p:txStyles>
   <p:extLst mod="1">
     <p:ext uri="{27BBF7A9-308A-43DC-89C8-2F10F3537804}">
-      <p15:sldGuideLst xmlns:p15="http://schemas.microsoft.com/office/powerpoint/2012/main" xmlns="">
+      <p15:sldGuideLst xmlns="" xmlns:p15="http://schemas.microsoft.com/office/powerpoint/2012/main">
         <p15:guide id="1" orient="horz" pos="2041">
           <p15:clr>
             <a:srgbClr val="F26B43"/>
@@ -8582,7 +8582,7 @@
           <a:graphicData uri="http://schemas.openxmlformats.org/presentationml/2006/ole">
             <mc:AlternateContent xmlns:mc="http://schemas.openxmlformats.org/markup-compatibility/2006">
               <mc:Choice xmlns:v="urn:schemas-microsoft-com:vml" Requires="v">
-                <p:oleObj spid="_x0000_s42031" name="think-cell Slide" r:id="rId5" imgW="416" imgH="416" progId="TCLayout.ActiveDocument.1">
+                <p:oleObj spid="_x0000_s42032" name="think-cell Slide" r:id="rId5" imgW="416" imgH="416" progId="TCLayout.ActiveDocument.1">
                   <p:embed/>
                 </p:oleObj>
               </mc:Choice>
@@ -8993,7 +8993,7 @@
         </p:nvGraphicFramePr>
         <p:xfrm>
           <a:off x="539750" y="1131428"/>
-          <a:ext cx="11064875" cy="4684793"/>
+          <a:ext cx="11064875" cy="4616229"/>
         </p:xfrm>
         <a:graphic>
           <a:graphicData uri="http://schemas.openxmlformats.org/drawingml/2006/table">
@@ -9005,35 +9005,35 @@
                 <a:gridCol w="1624339">
                   <a:extLst>
                     <a:ext uri="{9D8B030D-6E8A-4147-A177-3AD203B41FA5}">
-                      <a16:colId xmlns:a16="http://schemas.microsoft.com/office/drawing/2014/main" xmlns="" val="1228268629"/>
+                      <a16:colId xmlns="" xmlns:a16="http://schemas.microsoft.com/office/drawing/2014/main" val="1228268629"/>
                     </a:ext>
                   </a:extLst>
                 </a:gridCol>
                 <a:gridCol w="267612">
                   <a:extLst>
                     <a:ext uri="{9D8B030D-6E8A-4147-A177-3AD203B41FA5}">
-                      <a16:colId xmlns:a16="http://schemas.microsoft.com/office/drawing/2014/main" xmlns="" val="4045974056"/>
+                      <a16:colId xmlns="" xmlns:a16="http://schemas.microsoft.com/office/drawing/2014/main" val="4045974056"/>
                     </a:ext>
                   </a:extLst>
                 </a:gridCol>
                 <a:gridCol w="2240783">
                   <a:extLst>
                     <a:ext uri="{9D8B030D-6E8A-4147-A177-3AD203B41FA5}">
-                      <a16:colId xmlns:a16="http://schemas.microsoft.com/office/drawing/2014/main" xmlns="" val="2983289087"/>
+                      <a16:colId xmlns="" xmlns:a16="http://schemas.microsoft.com/office/drawing/2014/main" val="2983289087"/>
                     </a:ext>
                   </a:extLst>
                 </a:gridCol>
                 <a:gridCol w="3154881">
                   <a:extLst>
                     <a:ext uri="{9D8B030D-6E8A-4147-A177-3AD203B41FA5}">
-                      <a16:colId xmlns:a16="http://schemas.microsoft.com/office/drawing/2014/main" xmlns="" val="2462729159"/>
+                      <a16:colId xmlns="" xmlns:a16="http://schemas.microsoft.com/office/drawing/2014/main" val="2462729159"/>
                     </a:ext>
                   </a:extLst>
                 </a:gridCol>
                 <a:gridCol w="3777260">
                   <a:extLst>
                     <a:ext uri="{9D8B030D-6E8A-4147-A177-3AD203B41FA5}">
-                      <a16:colId xmlns:a16="http://schemas.microsoft.com/office/drawing/2014/main" xmlns="" val="988664389"/>
+                      <a16:colId xmlns="" xmlns:a16="http://schemas.microsoft.com/office/drawing/2014/main" val="988664389"/>
                     </a:ext>
                   </a:extLst>
                 </a:gridCol>
@@ -9173,7 +9173,7 @@
                 </a:tc>
                 <a:extLst>
                   <a:ext uri="{0D108BD9-81ED-4DB2-BD59-A6C34878D82A}">
-                    <a16:rowId xmlns:a16="http://schemas.microsoft.com/office/drawing/2014/main" xmlns="" val="1879564901"/>
+                    <a16:rowId xmlns="" xmlns:a16="http://schemas.microsoft.com/office/drawing/2014/main" val="1879564901"/>
                   </a:ext>
                 </a:extLst>
               </a:tr>
@@ -9400,7 +9400,7 @@
                 </a:tc>
                 <a:extLst>
                   <a:ext uri="{0D108BD9-81ED-4DB2-BD59-A6C34878D82A}">
-                    <a16:rowId xmlns:a16="http://schemas.microsoft.com/office/drawing/2014/main" xmlns="" val="359195167"/>
+                    <a16:rowId xmlns="" xmlns:a16="http://schemas.microsoft.com/office/drawing/2014/main" val="359195167"/>
                   </a:ext>
                 </a:extLst>
               </a:tr>
@@ -9592,7 +9592,7 @@
                 </a:tc>
                 <a:extLst>
                   <a:ext uri="{0D108BD9-81ED-4DB2-BD59-A6C34878D82A}">
-                    <a16:rowId xmlns:a16="http://schemas.microsoft.com/office/drawing/2014/main" xmlns="" val="3410534524"/>
+                    <a16:rowId xmlns="" xmlns:a16="http://schemas.microsoft.com/office/drawing/2014/main" val="3410534524"/>
                   </a:ext>
                 </a:extLst>
               </a:tr>
@@ -9781,7 +9781,7 @@
                 </a:tc>
                 <a:extLst>
                   <a:ext uri="{0D108BD9-81ED-4DB2-BD59-A6C34878D82A}">
-                    <a16:rowId xmlns:a16="http://schemas.microsoft.com/office/drawing/2014/main" xmlns="" val="816610406"/>
+                    <a16:rowId xmlns="" xmlns:a16="http://schemas.microsoft.com/office/drawing/2014/main" val="816610406"/>
                   </a:ext>
                 </a:extLst>
               </a:tr>
@@ -10010,7 +10010,7 @@
                 </a:tc>
                 <a:extLst>
                   <a:ext uri="{0D108BD9-81ED-4DB2-BD59-A6C34878D82A}">
-                    <a16:rowId xmlns:a16="http://schemas.microsoft.com/office/drawing/2014/main" xmlns="" val="3742758418"/>
+                    <a16:rowId xmlns="" xmlns:a16="http://schemas.microsoft.com/office/drawing/2014/main" val="3742758418"/>
                   </a:ext>
                 </a:extLst>
               </a:tr>
@@ -10200,7 +10200,7 @@
                 </a:tc>
                 <a:extLst>
                   <a:ext uri="{0D108BD9-81ED-4DB2-BD59-A6C34878D82A}">
-                    <a16:rowId xmlns:a16="http://schemas.microsoft.com/office/drawing/2014/main" xmlns="" val="628591838"/>
+                    <a16:rowId xmlns="" xmlns:a16="http://schemas.microsoft.com/office/drawing/2014/main" val="628591838"/>
                   </a:ext>
                 </a:extLst>
               </a:tr>
@@ -10379,7 +10379,7 @@
                 </a:tc>
                 <a:extLst>
                   <a:ext uri="{0D108BD9-81ED-4DB2-BD59-A6C34878D82A}">
-                    <a16:rowId xmlns:a16="http://schemas.microsoft.com/office/drawing/2014/main" xmlns="" val="1485137538"/>
+                    <a16:rowId xmlns="" xmlns:a16="http://schemas.microsoft.com/office/drawing/2014/main" val="1485137538"/>
                   </a:ext>
                 </a:extLst>
               </a:tr>
@@ -10583,7 +10583,7 @@
                 </a:tc>
                 <a:extLst>
                   <a:ext uri="{0D108BD9-81ED-4DB2-BD59-A6C34878D82A}">
-                    <a16:rowId xmlns:a16="http://schemas.microsoft.com/office/drawing/2014/main" xmlns="" val="1220343380"/>
+                    <a16:rowId xmlns="" xmlns:a16="http://schemas.microsoft.com/office/drawing/2014/main" val="1220343380"/>
                   </a:ext>
                 </a:extLst>
               </a:tr>
@@ -10926,7 +10926,7 @@
                 <a:gridCol w="11048531">
                   <a:extLst>
                     <a:ext uri="{9D8B030D-6E8A-4147-A177-3AD203B41FA5}">
-                      <a16:colId xmlns:a16="http://schemas.microsoft.com/office/drawing/2014/main" xmlns="" val="1357581311"/>
+                      <a16:colId xmlns="" xmlns:a16="http://schemas.microsoft.com/office/drawing/2014/main" val="1357581311"/>
                     </a:ext>
                   </a:extLst>
                 </a:gridCol>
@@ -11013,7 +11013,7 @@
                 </a:tc>
                 <a:extLst>
                   <a:ext uri="{0D108BD9-81ED-4DB2-BD59-A6C34878D82A}">
-                    <a16:rowId xmlns:a16="http://schemas.microsoft.com/office/drawing/2014/main" xmlns="" val="3203583067"/>
+                    <a16:rowId xmlns="" xmlns:a16="http://schemas.microsoft.com/office/drawing/2014/main" val="3203583067"/>
                   </a:ext>
                 </a:extLst>
               </a:tr>
@@ -11049,21 +11049,21 @@
                 <a:gridCol w="3682842">
                   <a:extLst>
                     <a:ext uri="{9D8B030D-6E8A-4147-A177-3AD203B41FA5}">
-                      <a16:colId xmlns:a16="http://schemas.microsoft.com/office/drawing/2014/main" xmlns="" val="1109671872"/>
+                      <a16:colId xmlns="" xmlns:a16="http://schemas.microsoft.com/office/drawing/2014/main" val="1109671872"/>
                     </a:ext>
                   </a:extLst>
                 </a:gridCol>
                 <a:gridCol w="3682842">
                   <a:extLst>
                     <a:ext uri="{9D8B030D-6E8A-4147-A177-3AD203B41FA5}">
-                      <a16:colId xmlns:a16="http://schemas.microsoft.com/office/drawing/2014/main" xmlns="" val="390604985"/>
+                      <a16:colId xmlns="" xmlns:a16="http://schemas.microsoft.com/office/drawing/2014/main" val="390604985"/>
                     </a:ext>
                   </a:extLst>
                 </a:gridCol>
                 <a:gridCol w="3682842">
                   <a:extLst>
                     <a:ext uri="{9D8B030D-6E8A-4147-A177-3AD203B41FA5}">
-                      <a16:colId xmlns:a16="http://schemas.microsoft.com/office/drawing/2014/main" xmlns="" val="3548678291"/>
+                      <a16:colId xmlns="" xmlns:a16="http://schemas.microsoft.com/office/drawing/2014/main" val="3548678291"/>
                     </a:ext>
                   </a:extLst>
                 </a:gridCol>
@@ -11173,7 +11173,7 @@
                 </a:tc>
                 <a:extLst>
                   <a:ext uri="{0D108BD9-81ED-4DB2-BD59-A6C34878D82A}">
-                    <a16:rowId xmlns:a16="http://schemas.microsoft.com/office/drawing/2014/main" xmlns="" val="2826780448"/>
+                    <a16:rowId xmlns="" xmlns:a16="http://schemas.microsoft.com/office/drawing/2014/main" val="2826780448"/>
                   </a:ext>
                 </a:extLst>
               </a:tr>
@@ -11283,7 +11283,7 @@
                 </a:tc>
                 <a:extLst>
                   <a:ext uri="{0D108BD9-81ED-4DB2-BD59-A6C34878D82A}">
-                    <a16:rowId xmlns:a16="http://schemas.microsoft.com/office/drawing/2014/main" xmlns="" val="2074693909"/>
+                    <a16:rowId xmlns="" xmlns:a16="http://schemas.microsoft.com/office/drawing/2014/main" val="2074693909"/>
                   </a:ext>
                 </a:extLst>
               </a:tr>
@@ -11393,7 +11393,7 @@
                 </a:tc>
                 <a:extLst>
                   <a:ext uri="{0D108BD9-81ED-4DB2-BD59-A6C34878D82A}">
-                    <a16:rowId xmlns:a16="http://schemas.microsoft.com/office/drawing/2014/main" xmlns="" val="3442556936"/>
+                    <a16:rowId xmlns="" xmlns:a16="http://schemas.microsoft.com/office/drawing/2014/main" val="3442556936"/>
                   </a:ext>
                 </a:extLst>
               </a:tr>
@@ -11429,63 +11429,63 @@
                 <a:gridCol w="2953610">
                   <a:extLst>
                     <a:ext uri="{9D8B030D-6E8A-4147-A177-3AD203B41FA5}">
-                      <a16:colId xmlns:a16="http://schemas.microsoft.com/office/drawing/2014/main" xmlns="" val="4105844897"/>
+                      <a16:colId xmlns="" xmlns:a16="http://schemas.microsoft.com/office/drawing/2014/main" val="4105844897"/>
                     </a:ext>
                   </a:extLst>
                 </a:gridCol>
                 <a:gridCol w="1105271">
                   <a:extLst>
                     <a:ext uri="{9D8B030D-6E8A-4147-A177-3AD203B41FA5}">
-                      <a16:colId xmlns:a16="http://schemas.microsoft.com/office/drawing/2014/main" xmlns="" val="4142034472"/>
+                      <a16:colId xmlns="" xmlns:a16="http://schemas.microsoft.com/office/drawing/2014/main" val="4142034472"/>
                     </a:ext>
                   </a:extLst>
                 </a:gridCol>
                 <a:gridCol w="1154475">
                   <a:extLst>
                     <a:ext uri="{9D8B030D-6E8A-4147-A177-3AD203B41FA5}">
-                      <a16:colId xmlns:a16="http://schemas.microsoft.com/office/drawing/2014/main" xmlns="" val="2076643704"/>
+                      <a16:colId xmlns="" xmlns:a16="http://schemas.microsoft.com/office/drawing/2014/main" val="2076643704"/>
                     </a:ext>
                   </a:extLst>
                 </a:gridCol>
                 <a:gridCol w="845952">
                   <a:extLst>
                     <a:ext uri="{9D8B030D-6E8A-4147-A177-3AD203B41FA5}">
-                      <a16:colId xmlns:a16="http://schemas.microsoft.com/office/drawing/2014/main" xmlns="" val="3774860856"/>
+                      <a16:colId xmlns="" xmlns:a16="http://schemas.microsoft.com/office/drawing/2014/main" val="3774860856"/>
                     </a:ext>
                   </a:extLst>
                 </a:gridCol>
                 <a:gridCol w="1374309">
                   <a:extLst>
                     <a:ext uri="{9D8B030D-6E8A-4147-A177-3AD203B41FA5}">
-                      <a16:colId xmlns:a16="http://schemas.microsoft.com/office/drawing/2014/main" xmlns="" val="690038618"/>
+                      <a16:colId xmlns="" xmlns:a16="http://schemas.microsoft.com/office/drawing/2014/main" val="690038618"/>
                     </a:ext>
                   </a:extLst>
                 </a:gridCol>
                 <a:gridCol w="1342239">
                   <a:extLst>
                     <a:ext uri="{9D8B030D-6E8A-4147-A177-3AD203B41FA5}">
-                      <a16:colId xmlns:a16="http://schemas.microsoft.com/office/drawing/2014/main" xmlns="" val="1887439424"/>
+                      <a16:colId xmlns="" xmlns:a16="http://schemas.microsoft.com/office/drawing/2014/main" val="1887439424"/>
                     </a:ext>
                   </a:extLst>
                 </a:gridCol>
                 <a:gridCol w="934509">
                   <a:extLst>
                     <a:ext uri="{9D8B030D-6E8A-4147-A177-3AD203B41FA5}">
-                      <a16:colId xmlns:a16="http://schemas.microsoft.com/office/drawing/2014/main" xmlns="" val="2633607910"/>
+                      <a16:colId xmlns="" xmlns:a16="http://schemas.microsoft.com/office/drawing/2014/main" val="2633607910"/>
                     </a:ext>
                   </a:extLst>
                 </a:gridCol>
                 <a:gridCol w="214783">
                   <a:extLst>
                     <a:ext uri="{9D8B030D-6E8A-4147-A177-3AD203B41FA5}">
-                      <a16:colId xmlns:a16="http://schemas.microsoft.com/office/drawing/2014/main" xmlns="" val="127337333"/>
+                      <a16:colId xmlns="" xmlns:a16="http://schemas.microsoft.com/office/drawing/2014/main" val="127337333"/>
                     </a:ext>
                   </a:extLst>
                 </a:gridCol>
                 <a:gridCol w="1124604">
                   <a:extLst>
                     <a:ext uri="{9D8B030D-6E8A-4147-A177-3AD203B41FA5}">
-                      <a16:colId xmlns:a16="http://schemas.microsoft.com/office/drawing/2014/main" xmlns="" val="270941094"/>
+                      <a16:colId xmlns="" xmlns:a16="http://schemas.microsoft.com/office/drawing/2014/main" val="270941094"/>
                     </a:ext>
                   </a:extLst>
                 </a:gridCol>
@@ -11944,7 +11944,7 @@
                 </a:tc>
                 <a:extLst>
                   <a:ext uri="{0D108BD9-81ED-4DB2-BD59-A6C34878D82A}">
-                    <a16:rowId xmlns:a16="http://schemas.microsoft.com/office/drawing/2014/main" xmlns="" val="2703049425"/>
+                    <a16:rowId xmlns="" xmlns:a16="http://schemas.microsoft.com/office/drawing/2014/main" val="2703049425"/>
                   </a:ext>
                 </a:extLst>
               </a:tr>
@@ -12344,7 +12344,7 @@
                 </a:tc>
                 <a:extLst>
                   <a:ext uri="{0D108BD9-81ED-4DB2-BD59-A6C34878D82A}">
-                    <a16:rowId xmlns:a16="http://schemas.microsoft.com/office/drawing/2014/main" xmlns="" val="741824064"/>
+                    <a16:rowId xmlns="" xmlns:a16="http://schemas.microsoft.com/office/drawing/2014/main" val="741824064"/>
                   </a:ext>
                 </a:extLst>
               </a:tr>
@@ -12803,7 +12803,7 @@
                 </a:tc>
                 <a:extLst>
                   <a:ext uri="{0D108BD9-81ED-4DB2-BD59-A6C34878D82A}">
-                    <a16:rowId xmlns:a16="http://schemas.microsoft.com/office/drawing/2014/main" xmlns="" val="3076205638"/>
+                    <a16:rowId xmlns="" xmlns:a16="http://schemas.microsoft.com/office/drawing/2014/main" val="3076205638"/>
                   </a:ext>
                 </a:extLst>
               </a:tr>
@@ -13261,7 +13261,7 @@
                 </a:tc>
                 <a:extLst>
                   <a:ext uri="{0D108BD9-81ED-4DB2-BD59-A6C34878D82A}">
-                    <a16:rowId xmlns:a16="http://schemas.microsoft.com/office/drawing/2014/main" xmlns="" val="2309071906"/>
+                    <a16:rowId xmlns="" xmlns:a16="http://schemas.microsoft.com/office/drawing/2014/main" val="2309071906"/>
                   </a:ext>
                 </a:extLst>
               </a:tr>
@@ -13297,7 +13297,7 @@
                 <a:gridCol w="11048534">
                   <a:extLst>
                     <a:ext uri="{9D8B030D-6E8A-4147-A177-3AD203B41FA5}">
-                      <a16:colId xmlns:a16="http://schemas.microsoft.com/office/drawing/2014/main" xmlns="" val="1357581311"/>
+                      <a16:colId xmlns="" xmlns:a16="http://schemas.microsoft.com/office/drawing/2014/main" val="1357581311"/>
                     </a:ext>
                   </a:extLst>
                 </a:gridCol>
@@ -13384,7 +13384,7 @@
                 </a:tc>
                 <a:extLst>
                   <a:ext uri="{0D108BD9-81ED-4DB2-BD59-A6C34878D82A}">
-                    <a16:rowId xmlns:a16="http://schemas.microsoft.com/office/drawing/2014/main" xmlns="" val="3203583067"/>
+                    <a16:rowId xmlns="" xmlns:a16="http://schemas.microsoft.com/office/drawing/2014/main" val="3203583067"/>
                   </a:ext>
                 </a:extLst>
               </a:tr>
@@ -13788,21 +13788,21 @@
       </p:sp>
       <p:graphicFrame>
         <p:nvGraphicFramePr>
-          <p:cNvPr id="11" name="Chart Placeholder 18"/>
+          <p:cNvPr id="9" name="Chart Placeholder 18"/>
           <p:cNvGraphicFramePr>
             <a:graphicFrameLocks/>
           </p:cNvGraphicFramePr>
           <p:nvPr>
             <p:extLst>
               <p:ext uri="{D42A27DB-BD31-4B8C-83A1-F6EECF244321}">
-                <p14:modId xmlns:p14="http://schemas.microsoft.com/office/powerpoint/2010/main" val="737677086"/>
+                <p14:modId xmlns:p14="http://schemas.microsoft.com/office/powerpoint/2010/main" val="132012560"/>
               </p:ext>
             </p:extLst>
           </p:nvPr>
         </p:nvGraphicFramePr>
         <p:xfrm>
-          <a:off x="539750" y="1254424"/>
-          <a:ext cx="11079996" cy="5192358"/>
+          <a:off x="539751" y="1205410"/>
+          <a:ext cx="11079992" cy="5324253"/>
         </p:xfrm>
         <a:graphic>
           <a:graphicData uri="http://schemas.openxmlformats.org/drawingml/2006/table">
@@ -13811,28 +13811,27 @@
                 <a:tableStyleId>{5C22544A-7EE6-4342-B048-85BDC9FD1C3A}</a:tableStyleId>
               </a:tblPr>
               <a:tblGrid>
-                <a:gridCol w="1450058">
+                <a:gridCol w="1632001">
                   <a:extLst>
                     <a:ext uri="{9D8B030D-6E8A-4147-A177-3AD203B41FA5}">
-                      <a16:colId xmlns:a16="http://schemas.microsoft.com/office/drawing/2014/main" xmlns="" val="20000"/>
+                      <a16:colId xmlns="" xmlns:a16="http://schemas.microsoft.com/office/drawing/2014/main" val="20000"/>
                     </a:ext>
                   </a:extLst>
                 </a:gridCol>
-                <a:gridCol w="1181231"/>
-                <a:gridCol w="1392572">
+                <a:gridCol w="1318766"/>
+                <a:gridCol w="2102761">
                   <a:extLst>
                     <a:ext uri="{9D8B030D-6E8A-4147-A177-3AD203B41FA5}">
-                      <a16:colId xmlns:a16="http://schemas.microsoft.com/office/drawing/2014/main" xmlns="" val="20001"/>
+                      <a16:colId xmlns="" xmlns:a16="http://schemas.microsoft.com/office/drawing/2014/main" val="20001"/>
                     </a:ext>
                   </a:extLst>
                 </a:gridCol>
-                <a:gridCol w="1199628"/>
-                <a:gridCol w="1710206"/>
-                <a:gridCol w="1502775"/>
-                <a:gridCol w="1065555"/>
-                <a:gridCol w="1577971"/>
+                <a:gridCol w="1376741"/>
+                <a:gridCol w="1685234"/>
+                <a:gridCol w="1194929"/>
+                <a:gridCol w="1769560"/>
               </a:tblGrid>
-              <a:tr h="441918">
+              <a:tr h="650361">
                 <a:tc>
                   <a:txBody>
                     <a:bodyPr/>
@@ -13844,7 +13843,7 @@
                         </a:lnSpc>
                       </a:pPr>
                       <a:r>
-                        <a:rPr lang="zh-CN" altLang="en-US" sz="1602" b="1" kern="1200" dirty="0" smtClean="0">
+                        <a:rPr lang="zh-CN" altLang="en-US" sz="1400" b="1" kern="1200" dirty="0" smtClean="0">
                           <a:solidFill>
                             <a:schemeClr val="lt1"/>
                           </a:solidFill>
@@ -13852,7 +13851,7 @@
                           <a:ea typeface="+mn-ea"/>
                           <a:cs typeface="+mn-cs"/>
                         </a:rPr>
-                        <a:t>顾客姓名</a:t>
+                        <a:t>客户姓名</a:t>
                       </a:r>
                       <a:endParaRPr lang="zh-CN" altLang="en-US" sz="1400" b="1" kern="1200" dirty="0">
                         <a:solidFill>
@@ -13931,19 +13930,7 @@
                           <a:cs typeface="+mn-ea"/>
                           <a:sym typeface="+mn-lt"/>
                         </a:rPr>
-                        <a:t>BP</a:t>
-                      </a:r>
-                      <a:r>
-                        <a:rPr lang="zh-CN" altLang="en-US" sz="1400" b="1" kern="1200" dirty="0" smtClean="0">
-                          <a:solidFill>
-                            <a:schemeClr val="lt1"/>
-                          </a:solidFill>
-                          <a:latin typeface="+mn-lt"/>
-                          <a:ea typeface="+mn-ea"/>
-                          <a:cs typeface="+mn-ea"/>
-                          <a:sym typeface="+mn-lt"/>
-                        </a:rPr>
-                        <a:t>号</a:t>
+                        <a:t>DCPID</a:t>
                       </a:r>
                       <a:endParaRPr lang="zh-CN" altLang="en-US" sz="1400" b="1" kern="1200" dirty="0">
                         <a:solidFill>
@@ -14015,96 +14002,28 @@
                         </a:lnSpc>
                       </a:pPr>
                       <a:r>
-                        <a:rPr lang="zh-CN" altLang="en-US" sz="1602" b="1" kern="1200" dirty="0" smtClean="0">
+                        <a:rPr lang="zh-CN" altLang="en-US" sz="1400" b="1" kern="1200" dirty="0" smtClean="0">
                           <a:solidFill>
                             <a:schemeClr val="lt1"/>
                           </a:solidFill>
                           <a:latin typeface="+mn-lt"/>
                           <a:ea typeface="+mn-ea"/>
-                          <a:cs typeface="+mn-cs"/>
+                          <a:cs typeface="+mn-ea"/>
                           <a:sym typeface="+mn-lt"/>
                         </a:rPr>
-                        <a:t>是否车主</a:t>
+                        <a:t>活动前是否已有</a:t>
                       </a:r>
-                      <a:endParaRPr lang="zh-CN" altLang="en-US" sz="1400" b="1" kern="1200" dirty="0">
-                        <a:solidFill>
-                          <a:schemeClr val="lt1"/>
-                        </a:solidFill>
-                        <a:latin typeface="+mn-lt"/>
-                        <a:ea typeface="+mn-ea"/>
-                        <a:cs typeface="+mn-ea"/>
-                        <a:sym typeface="+mn-lt"/>
-                      </a:endParaRPr>
-                    </a:p>
-                  </a:txBody>
-                  <a:tcPr marL="108522" marR="108522" marT="54261" marB="54261" anchor="ctr">
-                    <a:lnL w="12700" cap="flat" cmpd="sng" algn="ctr">
-                      <a:solidFill>
-                        <a:schemeClr val="bg1"/>
-                      </a:solidFill>
-                      <a:prstDash val="solid"/>
-                      <a:round/>
-                      <a:headEnd type="none" w="med" len="med"/>
-                      <a:tailEnd type="none" w="med" len="med"/>
-                    </a:lnL>
-                    <a:lnR w="12700" cap="flat" cmpd="sng" algn="ctr">
-                      <a:solidFill>
-                        <a:schemeClr val="bg1"/>
-                      </a:solidFill>
-                      <a:prstDash val="solid"/>
-                      <a:round/>
-                      <a:headEnd type="none" w="med" len="med"/>
-                      <a:tailEnd type="none" w="med" len="med"/>
-                    </a:lnR>
-                    <a:lnT w="38100" cap="flat" cmpd="sng" algn="ctr">
-                      <a:noFill/>
-                      <a:prstDash val="solid"/>
-                      <a:round/>
-                      <a:headEnd type="none" w="med" len="med"/>
-                      <a:tailEnd type="none" w="med" len="med"/>
-                    </a:lnT>
-                    <a:lnB w="6350" cap="flat" cmpd="sng" algn="ctr">
-                      <a:noFill/>
-                      <a:prstDash val="solid"/>
-                      <a:round/>
-                      <a:headEnd type="none" w="med" len="med"/>
-                      <a:tailEnd type="none" w="med" len="med"/>
-                    </a:lnB>
-                    <a:lnTlToBr w="12700" cmpd="sng">
-                      <a:noFill/>
-                      <a:prstDash val="solid"/>
-                    </a:lnTlToBr>
-                    <a:lnBlToTr w="12700" cmpd="sng">
-                      <a:noFill/>
-                      <a:prstDash val="solid"/>
-                    </a:lnBlToTr>
-                    <a:solidFill>
-                      <a:schemeClr val="accent1">
-                        <a:lumMod val="50000"/>
-                      </a:schemeClr>
-                    </a:solidFill>
-                  </a:tcPr>
-                </a:tc>
-                <a:tc>
-                  <a:txBody>
-                    <a:bodyPr/>
-                    <a:lstStyle/>
-                    <a:p>
-                      <a:pPr marL="0" algn="ctr" defTabSz="685792" rtl="0" eaLnBrk="1" latinLnBrk="0" hangingPunct="1">
-                        <a:lnSpc>
-                          <a:spcPct val="130000"/>
-                        </a:lnSpc>
-                      </a:pPr>
                       <a:r>
-                        <a:rPr lang="zh-CN" altLang="en-US" sz="1602" b="1" kern="1200" dirty="0" smtClean="0">
+                        <a:rPr lang="en-US" altLang="zh-CN" sz="1400" b="1" kern="1200" dirty="0" smtClean="0">
                           <a:solidFill>
                             <a:schemeClr val="lt1"/>
                           </a:solidFill>
                           <a:latin typeface="+mn-lt"/>
                           <a:ea typeface="+mn-ea"/>
-                          <a:cs typeface="+mn-cs"/>
+                          <a:cs typeface="+mn-ea"/>
+                          <a:sym typeface="+mn-lt"/>
                         </a:rPr>
-                        <a:t>是否试驾</a:t>
+                        <a:t>DCP</a:t>
                       </a:r>
                       <a:endParaRPr lang="zh-CN" altLang="en-US" sz="1400" b="1" kern="1200" dirty="0">
                         <a:solidFill>
@@ -14257,7 +14176,7 @@
                         </a:lnSpc>
                       </a:pPr>
                       <a:r>
-                        <a:rPr lang="zh-CN" altLang="en-US" sz="1602" b="1" kern="1200" dirty="0" smtClean="0">
+                        <a:rPr lang="zh-CN" altLang="en-US" sz="1400" b="1" kern="1200" dirty="0" smtClean="0">
                           <a:solidFill>
                             <a:schemeClr val="lt1"/>
                           </a:solidFill>
@@ -14337,7 +14256,7 @@
                         </a:lnSpc>
                       </a:pPr>
                       <a:r>
-                        <a:rPr lang="zh-CN" altLang="en-US" sz="1602" b="1" kern="1200" dirty="0" smtClean="0">
+                        <a:rPr lang="zh-CN" altLang="en-US" sz="1400" b="1" kern="1200" dirty="0" smtClean="0">
                           <a:solidFill>
                             <a:schemeClr val="lt1"/>
                           </a:solidFill>
@@ -14417,7 +14336,7 @@
                         </a:lnSpc>
                       </a:pPr>
                       <a:r>
-                        <a:rPr lang="zh-CN" altLang="en-US" sz="1602" b="1" kern="1200" dirty="0" smtClean="0">
+                        <a:rPr lang="zh-CN" altLang="en-US" sz="1400" b="1" kern="1200" dirty="0" smtClean="0">
                           <a:solidFill>
                             <a:schemeClr val="lt1"/>
                           </a:solidFill>
@@ -14486,11 +14405,11 @@
                 </a:tc>
                 <a:extLst>
                   <a:ext uri="{0D108BD9-81ED-4DB2-BD59-A6C34878D82A}">
-                    <a16:rowId xmlns:a16="http://schemas.microsoft.com/office/drawing/2014/main" xmlns="" val="10000"/>
+                    <a16:rowId xmlns="" xmlns:a16="http://schemas.microsoft.com/office/drawing/2014/main" val="10000"/>
                   </a:ext>
                 </a:extLst>
               </a:tr>
-              <a:tr h="417684">
+              <a:tr h="445945">
                 <a:tc>
                   <a:txBody>
                     <a:bodyPr/>
@@ -15023,6 +14942,84 @@
                     <a:noFill/>
                   </a:tcPr>
                 </a:tc>
+              </a:tr>
+              <a:tr h="485669">
+                <a:tc>
+                  <a:txBody>
+                    <a:bodyPr/>
+                    <a:lstStyle/>
+                    <a:p>
+                      <a:pPr marL="0" marR="0" lvl="0" indent="0" algn="ctr" defTabSz="685792" rtl="0" eaLnBrk="1" fontAlgn="auto" latinLnBrk="0" hangingPunct="1">
+                        <a:lnSpc>
+                          <a:spcPct val="130000"/>
+                        </a:lnSpc>
+                        <a:spcBef>
+                          <a:spcPts val="0"/>
+                        </a:spcBef>
+                        <a:spcAft>
+                          <a:spcPts val="0"/>
+                        </a:spcAft>
+                        <a:buClrTx/>
+                        <a:buSzTx/>
+                        <a:buFontTx/>
+                        <a:buNone/>
+                        <a:tabLst/>
+                        <a:defRPr/>
+                      </a:pPr>
+                      <a:endParaRPr lang="en-US" sz="1200" b="0" kern="1200" dirty="0" smtClean="0">
+                        <a:solidFill>
+                          <a:schemeClr val="tx1">
+                            <a:lumMod val="75000"/>
+                            <a:lumOff val="25000"/>
+                          </a:schemeClr>
+                        </a:solidFill>
+                        <a:latin typeface="+mn-lt"/>
+                        <a:ea typeface="+mn-ea"/>
+                        <a:cs typeface="+mn-ea"/>
+                        <a:sym typeface="+mn-lt"/>
+                      </a:endParaRPr>
+                    </a:p>
+                  </a:txBody>
+                  <a:tcPr marL="108666" marR="108666" marT="108522" marB="108522" anchor="ctr">
+                    <a:lnL w="57150" cap="flat" cmpd="sng" algn="ctr">
+                      <a:noFill/>
+                      <a:prstDash val="solid"/>
+                      <a:round/>
+                      <a:headEnd type="none" w="med" len="med"/>
+                      <a:tailEnd type="none" w="med" len="med"/>
+                    </a:lnL>
+                    <a:lnR w="3175" cap="flat" cmpd="sng" algn="ctr">
+                      <a:noFill/>
+                      <a:prstDash val="solid"/>
+                      <a:round/>
+                      <a:headEnd type="none" w="med" len="med"/>
+                      <a:tailEnd type="none" w="med" len="med"/>
+                    </a:lnR>
+                    <a:lnT w="6350" cap="flat" cmpd="sng" algn="ctr">
+                      <a:noFill/>
+                      <a:prstDash val="solid"/>
+                      <a:round/>
+                      <a:headEnd type="none" w="med" len="med"/>
+                      <a:tailEnd type="none" w="med" len="med"/>
+                    </a:lnT>
+                    <a:lnB w="3175" cap="flat" cmpd="sng" algn="ctr">
+                      <a:noFill/>
+                      <a:prstDash val="sysDot"/>
+                      <a:round/>
+                      <a:headEnd type="none" w="med" len="med"/>
+                      <a:tailEnd type="none" w="med" len="med"/>
+                    </a:lnB>
+                    <a:lnTlToBr w="12700" cmpd="sng">
+                      <a:noFill/>
+                      <a:prstDash val="solid"/>
+                    </a:lnTlToBr>
+                    <a:lnBlToTr w="12700" cmpd="sng">
+                      <a:noFill/>
+                      <a:prstDash val="solid"/>
+                    </a:lnBlToTr>
+                    <a:noFill/>
+                  </a:tcPr>
+                </a:tc>
                 <a:tc>
                   <a:txBody>
                     <a:bodyPr/>
@@ -15099,8 +15096,388 @@
                     <a:noFill/>
                   </a:tcPr>
                 </a:tc>
+                <a:tc>
+                  <a:txBody>
+                    <a:bodyPr/>
+                    <a:lstStyle/>
+                    <a:p>
+                      <a:pPr marL="0" marR="0" lvl="0" indent="0" algn="l" defTabSz="685792" rtl="0" eaLnBrk="1" fontAlgn="auto" latinLnBrk="0" hangingPunct="1">
+                        <a:lnSpc>
+                          <a:spcPct val="130000"/>
+                        </a:lnSpc>
+                        <a:spcBef>
+                          <a:spcPts val="0"/>
+                        </a:spcBef>
+                        <a:spcAft>
+                          <a:spcPts val="0"/>
+                        </a:spcAft>
+                        <a:buClrTx/>
+                        <a:buSzTx/>
+                        <a:buFontTx/>
+                        <a:buNone/>
+                        <a:tabLst/>
+                        <a:defRPr/>
+                      </a:pPr>
+                      <a:endParaRPr lang="en-US" altLang="zh-CN" sz="1200" b="0" kern="1200" dirty="0">
+                        <a:solidFill>
+                          <a:schemeClr val="tx1">
+                            <a:lumMod val="75000"/>
+                            <a:lumOff val="25000"/>
+                          </a:schemeClr>
+                        </a:solidFill>
+                        <a:latin typeface="+mn-lt"/>
+                        <a:ea typeface="+mn-ea"/>
+                        <a:cs typeface="+mn-ea"/>
+                        <a:sym typeface="+mn-lt"/>
+                      </a:endParaRPr>
+                    </a:p>
+                  </a:txBody>
+                  <a:tcPr marL="108666" marR="108666" marT="108522" marB="108522" anchor="ctr">
+                    <a:lnL w="3175" cap="flat" cmpd="sng" algn="ctr">
+                      <a:noFill/>
+                      <a:prstDash val="solid"/>
+                      <a:round/>
+                      <a:headEnd type="none" w="med" len="med"/>
+                      <a:tailEnd type="none" w="med" len="med"/>
+                    </a:lnL>
+                    <a:lnR w="57150" cap="flat" cmpd="sng" algn="ctr">
+                      <a:noFill/>
+                      <a:prstDash val="solid"/>
+                      <a:round/>
+                      <a:headEnd type="none" w="med" len="med"/>
+                      <a:tailEnd type="none" w="med" len="med"/>
+                    </a:lnR>
+                    <a:lnT w="6350" cap="flat" cmpd="sng" algn="ctr">
+                      <a:noFill/>
+                      <a:prstDash val="solid"/>
+                      <a:round/>
+                      <a:headEnd type="none" w="med" len="med"/>
+                      <a:tailEnd type="none" w="med" len="med"/>
+                    </a:lnT>
+                    <a:lnB w="3175" cap="flat" cmpd="sng" algn="ctr">
+                      <a:noFill/>
+                      <a:prstDash val="sysDot"/>
+                      <a:round/>
+                      <a:headEnd type="none" w="med" len="med"/>
+                      <a:tailEnd type="none" w="med" len="med"/>
+                    </a:lnB>
+                    <a:lnTlToBr w="12700" cmpd="sng">
+                      <a:noFill/>
+                      <a:prstDash val="solid"/>
+                    </a:lnTlToBr>
+                    <a:lnBlToTr w="12700" cmpd="sng">
+                      <a:noFill/>
+                      <a:prstDash val="solid"/>
+                    </a:lnBlToTr>
+                    <a:noFill/>
+                  </a:tcPr>
+                </a:tc>
+                <a:tc>
+                  <a:txBody>
+                    <a:bodyPr/>
+                    <a:lstStyle/>
+                    <a:p>
+                      <a:pPr marL="0" marR="0" lvl="0" indent="0" algn="l" defTabSz="685792" rtl="0" eaLnBrk="1" fontAlgn="auto" latinLnBrk="0" hangingPunct="1">
+                        <a:lnSpc>
+                          <a:spcPct val="130000"/>
+                        </a:lnSpc>
+                        <a:spcBef>
+                          <a:spcPts val="0"/>
+                        </a:spcBef>
+                        <a:spcAft>
+                          <a:spcPts val="0"/>
+                        </a:spcAft>
+                        <a:buClrTx/>
+                        <a:buSzTx/>
+                        <a:buFontTx/>
+                        <a:buNone/>
+                        <a:tabLst/>
+                        <a:defRPr/>
+                      </a:pPr>
+                      <a:endParaRPr lang="en-US" altLang="zh-CN" sz="1200" b="0" kern="1200" dirty="0">
+                        <a:solidFill>
+                          <a:schemeClr val="tx1">
+                            <a:lumMod val="75000"/>
+                            <a:lumOff val="25000"/>
+                          </a:schemeClr>
+                        </a:solidFill>
+                        <a:latin typeface="+mn-lt"/>
+                        <a:ea typeface="+mn-ea"/>
+                        <a:cs typeface="+mn-ea"/>
+                        <a:sym typeface="+mn-lt"/>
+                      </a:endParaRPr>
+                    </a:p>
+                  </a:txBody>
+                  <a:tcPr marL="108666" marR="108666" marT="108522" marB="108522" anchor="ctr">
+                    <a:lnL w="3175" cap="flat" cmpd="sng" algn="ctr">
+                      <a:noFill/>
+                      <a:prstDash val="solid"/>
+                      <a:round/>
+                      <a:headEnd type="none" w="med" len="med"/>
+                      <a:tailEnd type="none" w="med" len="med"/>
+                    </a:lnL>
+                    <a:lnR w="57150" cap="flat" cmpd="sng" algn="ctr">
+                      <a:noFill/>
+                      <a:prstDash val="solid"/>
+                      <a:round/>
+                      <a:headEnd type="none" w="med" len="med"/>
+                      <a:tailEnd type="none" w="med" len="med"/>
+                    </a:lnR>
+                    <a:lnT w="6350" cap="flat" cmpd="sng" algn="ctr">
+                      <a:noFill/>
+                      <a:prstDash val="solid"/>
+                      <a:round/>
+                      <a:headEnd type="none" w="med" len="med"/>
+                      <a:tailEnd type="none" w="med" len="med"/>
+                    </a:lnT>
+                    <a:lnB w="3175" cap="flat" cmpd="sng" algn="ctr">
+                      <a:noFill/>
+                      <a:prstDash val="sysDot"/>
+                      <a:round/>
+                      <a:headEnd type="none" w="med" len="med"/>
+                      <a:tailEnd type="none" w="med" len="med"/>
+                    </a:lnB>
+                    <a:lnTlToBr w="12700" cmpd="sng">
+                      <a:noFill/>
+                      <a:prstDash val="solid"/>
+                    </a:lnTlToBr>
+                    <a:lnBlToTr w="12700" cmpd="sng">
+                      <a:noFill/>
+                      <a:prstDash val="solid"/>
+                    </a:lnBlToTr>
+                    <a:noFill/>
+                  </a:tcPr>
+                </a:tc>
+                <a:tc>
+                  <a:txBody>
+                    <a:bodyPr/>
+                    <a:lstStyle/>
+                    <a:p>
+                      <a:pPr marL="0" marR="0" lvl="0" indent="0" algn="l" defTabSz="685792" rtl="0" eaLnBrk="1" fontAlgn="auto" latinLnBrk="0" hangingPunct="1">
+                        <a:lnSpc>
+                          <a:spcPct val="130000"/>
+                        </a:lnSpc>
+                        <a:spcBef>
+                          <a:spcPts val="0"/>
+                        </a:spcBef>
+                        <a:spcAft>
+                          <a:spcPts val="0"/>
+                        </a:spcAft>
+                        <a:buClrTx/>
+                        <a:buSzTx/>
+                        <a:buFontTx/>
+                        <a:buNone/>
+                        <a:tabLst/>
+                        <a:defRPr/>
+                      </a:pPr>
+                      <a:endParaRPr lang="en-US" altLang="zh-CN" sz="1200" b="0" kern="1200" dirty="0">
+                        <a:solidFill>
+                          <a:schemeClr val="tx1">
+                            <a:lumMod val="75000"/>
+                            <a:lumOff val="25000"/>
+                          </a:schemeClr>
+                        </a:solidFill>
+                        <a:latin typeface="+mn-lt"/>
+                        <a:ea typeface="+mn-ea"/>
+                        <a:cs typeface="+mn-ea"/>
+                        <a:sym typeface="+mn-lt"/>
+                      </a:endParaRPr>
+                    </a:p>
+                  </a:txBody>
+                  <a:tcPr marL="108666" marR="108666" marT="108522" marB="108522" anchor="ctr">
+                    <a:lnL w="3175" cap="flat" cmpd="sng" algn="ctr">
+                      <a:noFill/>
+                      <a:prstDash val="solid"/>
+                      <a:round/>
+                      <a:headEnd type="none" w="med" len="med"/>
+                      <a:tailEnd type="none" w="med" len="med"/>
+                    </a:lnL>
+                    <a:lnR w="57150" cap="flat" cmpd="sng" algn="ctr">
+                      <a:noFill/>
+                      <a:prstDash val="solid"/>
+                      <a:round/>
+                      <a:headEnd type="none" w="med" len="med"/>
+                      <a:tailEnd type="none" w="med" len="med"/>
+                    </a:lnR>
+                    <a:lnT w="6350" cap="flat" cmpd="sng" algn="ctr">
+                      <a:noFill/>
+                      <a:prstDash val="solid"/>
+                      <a:round/>
+                      <a:headEnd type="none" w="med" len="med"/>
+                      <a:tailEnd type="none" w="med" len="med"/>
+                    </a:lnT>
+                    <a:lnB w="3175" cap="flat" cmpd="sng" algn="ctr">
+                      <a:noFill/>
+                      <a:prstDash val="sysDot"/>
+                      <a:round/>
+                      <a:headEnd type="none" w="med" len="med"/>
+                      <a:tailEnd type="none" w="med" len="med"/>
+                    </a:lnB>
+                    <a:lnTlToBr w="12700" cmpd="sng">
+                      <a:noFill/>
+                      <a:prstDash val="solid"/>
+                    </a:lnTlToBr>
+                    <a:lnBlToTr w="12700" cmpd="sng">
+                      <a:noFill/>
+                      <a:prstDash val="solid"/>
+                    </a:lnBlToTr>
+                    <a:noFill/>
+                  </a:tcPr>
+                </a:tc>
+                <a:tc>
+                  <a:txBody>
+                    <a:bodyPr/>
+                    <a:lstStyle/>
+                    <a:p>
+                      <a:pPr marL="0" marR="0" lvl="0" indent="0" algn="l" defTabSz="685792" rtl="0" eaLnBrk="1" fontAlgn="auto" latinLnBrk="0" hangingPunct="1">
+                        <a:lnSpc>
+                          <a:spcPct val="130000"/>
+                        </a:lnSpc>
+                        <a:spcBef>
+                          <a:spcPts val="0"/>
+                        </a:spcBef>
+                        <a:spcAft>
+                          <a:spcPts val="0"/>
+                        </a:spcAft>
+                        <a:buClrTx/>
+                        <a:buSzTx/>
+                        <a:buFontTx/>
+                        <a:buNone/>
+                        <a:tabLst/>
+                        <a:defRPr/>
+                      </a:pPr>
+                      <a:endParaRPr lang="en-US" altLang="zh-CN" sz="1200" b="0" kern="1200" dirty="0">
+                        <a:solidFill>
+                          <a:schemeClr val="tx1">
+                            <a:lumMod val="75000"/>
+                            <a:lumOff val="25000"/>
+                          </a:schemeClr>
+                        </a:solidFill>
+                        <a:latin typeface="+mn-lt"/>
+                        <a:ea typeface="+mn-ea"/>
+                        <a:cs typeface="+mn-ea"/>
+                        <a:sym typeface="+mn-lt"/>
+                      </a:endParaRPr>
+                    </a:p>
+                  </a:txBody>
+                  <a:tcPr marL="108666" marR="108666" marT="108522" marB="108522" anchor="ctr">
+                    <a:lnL w="3175" cap="flat" cmpd="sng" algn="ctr">
+                      <a:noFill/>
+                      <a:prstDash val="solid"/>
+                      <a:round/>
+                      <a:headEnd type="none" w="med" len="med"/>
+                      <a:tailEnd type="none" w="med" len="med"/>
+                    </a:lnL>
+                    <a:lnR w="57150" cap="flat" cmpd="sng" algn="ctr">
+                      <a:noFill/>
+                      <a:prstDash val="solid"/>
+                      <a:round/>
+                      <a:headEnd type="none" w="med" len="med"/>
+                      <a:tailEnd type="none" w="med" len="med"/>
+                    </a:lnR>
+                    <a:lnT w="6350" cap="flat" cmpd="sng" algn="ctr">
+                      <a:noFill/>
+                      <a:prstDash val="solid"/>
+                      <a:round/>
+                      <a:headEnd type="none" w="med" len="med"/>
+                      <a:tailEnd type="none" w="med" len="med"/>
+                    </a:lnT>
+                    <a:lnB w="3175" cap="flat" cmpd="sng" algn="ctr">
+                      <a:noFill/>
+                      <a:prstDash val="sysDot"/>
+                      <a:round/>
+                      <a:headEnd type="none" w="med" len="med"/>
+                      <a:tailEnd type="none" w="med" len="med"/>
+                    </a:lnB>
+                    <a:lnTlToBr w="12700" cmpd="sng">
+                      <a:noFill/>
+                      <a:prstDash val="solid"/>
+                    </a:lnTlToBr>
+                    <a:lnBlToTr w="12700" cmpd="sng">
+                      <a:noFill/>
+                      <a:prstDash val="solid"/>
+                    </a:lnBlToTr>
+                    <a:noFill/>
+                  </a:tcPr>
+                </a:tc>
+                <a:tc>
+                  <a:txBody>
+                    <a:bodyPr/>
+                    <a:lstStyle/>
+                    <a:p>
+                      <a:pPr marL="0" marR="0" lvl="0" indent="0" algn="l" defTabSz="685792" rtl="0" eaLnBrk="1" fontAlgn="auto" latinLnBrk="0" hangingPunct="1">
+                        <a:lnSpc>
+                          <a:spcPct val="130000"/>
+                        </a:lnSpc>
+                        <a:spcBef>
+                          <a:spcPts val="0"/>
+                        </a:spcBef>
+                        <a:spcAft>
+                          <a:spcPts val="0"/>
+                        </a:spcAft>
+                        <a:buClrTx/>
+                        <a:buSzTx/>
+                        <a:buFontTx/>
+                        <a:buNone/>
+                        <a:tabLst/>
+                        <a:defRPr/>
+                      </a:pPr>
+                      <a:endParaRPr lang="en-US" altLang="zh-CN" sz="1200" b="0" kern="1200" dirty="0">
+                        <a:solidFill>
+                          <a:schemeClr val="tx1">
+                            <a:lumMod val="75000"/>
+                            <a:lumOff val="25000"/>
+                          </a:schemeClr>
+                        </a:solidFill>
+                        <a:latin typeface="+mn-lt"/>
+                        <a:ea typeface="+mn-ea"/>
+                        <a:cs typeface="+mn-ea"/>
+                        <a:sym typeface="+mn-lt"/>
+                      </a:endParaRPr>
+                    </a:p>
+                  </a:txBody>
+                  <a:tcPr marL="108666" marR="108666" marT="108522" marB="108522" anchor="ctr">
+                    <a:lnL w="3175" cap="flat" cmpd="sng" algn="ctr">
+                      <a:noFill/>
+                      <a:prstDash val="solid"/>
+                      <a:round/>
+                      <a:headEnd type="none" w="med" len="med"/>
+                      <a:tailEnd type="none" w="med" len="med"/>
+                    </a:lnL>
+                    <a:lnR w="57150" cap="flat" cmpd="sng" algn="ctr">
+                      <a:noFill/>
+                      <a:prstDash val="solid"/>
+                      <a:round/>
+                      <a:headEnd type="none" w="med" len="med"/>
+                      <a:tailEnd type="none" w="med" len="med"/>
+                    </a:lnR>
+                    <a:lnT w="6350" cap="flat" cmpd="sng" algn="ctr">
+                      <a:noFill/>
+                      <a:prstDash val="solid"/>
+                      <a:round/>
+                      <a:headEnd type="none" w="med" len="med"/>
+                      <a:tailEnd type="none" w="med" len="med"/>
+                    </a:lnT>
+                    <a:lnB w="3175" cap="flat" cmpd="sng" algn="ctr">
+                      <a:noFill/>
+                      <a:prstDash val="sysDot"/>
+                      <a:round/>
+                      <a:headEnd type="none" w="med" len="med"/>
+                      <a:tailEnd type="none" w="med" len="med"/>
+                    </a:lnB>
+                    <a:lnTlToBr w="12700" cmpd="sng">
+                      <a:noFill/>
+                      <a:prstDash val="solid"/>
+                    </a:lnTlToBr>
+                    <a:lnBlToTr w="12700" cmpd="sng">
+                      <a:noFill/>
+                      <a:prstDash val="solid"/>
+                    </a:lnBlToTr>
+                    <a:noFill/>
+                  </a:tcPr>
+                </a:tc>
               </a:tr>
-              <a:tr h="495300">
+              <a:tr h="445945">
                 <a:tc>
                   <a:txBody>
                     <a:bodyPr/>
@@ -15160,7 +15537,11 @@
                       <a:tailEnd type="none" w="med" len="med"/>
                     </a:lnT>
                     <a:lnB w="3175" cap="flat" cmpd="sng" algn="ctr">
-                      <a:noFill/>
+                      <a:solidFill>
+                        <a:schemeClr val="bg1">
+                          <a:lumMod val="75000"/>
+                        </a:schemeClr>
+                      </a:solidFill>
                       <a:prstDash val="sysDot"/>
                       <a:round/>
                       <a:headEnd type="none" w="med" len="med"/>
@@ -15236,7 +15617,11 @@
                       <a:tailEnd type="none" w="med" len="med"/>
                     </a:lnT>
                     <a:lnB w="3175" cap="flat" cmpd="sng" algn="ctr">
-                      <a:noFill/>
+                      <a:solidFill>
+                        <a:schemeClr val="bg1">
+                          <a:lumMod val="75000"/>
+                        </a:schemeClr>
+                      </a:solidFill>
                       <a:prstDash val="sysDot"/>
                       <a:round/>
                       <a:headEnd type="none" w="med" len="med"/>
@@ -15312,7 +15697,11 @@
                       <a:tailEnd type="none" w="med" len="med"/>
                     </a:lnT>
                     <a:lnB w="3175" cap="flat" cmpd="sng" algn="ctr">
-                      <a:noFill/>
+                      <a:solidFill>
+                        <a:schemeClr val="bg1">
+                          <a:lumMod val="75000"/>
+                        </a:schemeClr>
+                      </a:solidFill>
                       <a:prstDash val="sysDot"/>
                       <a:round/>
                       <a:headEnd type="none" w="med" len="med"/>
@@ -15388,7 +15777,11 @@
                       <a:tailEnd type="none" w="med" len="med"/>
                     </a:lnT>
                     <a:lnB w="3175" cap="flat" cmpd="sng" algn="ctr">
-                      <a:noFill/>
+                      <a:solidFill>
+                        <a:schemeClr val="bg1">
+                          <a:lumMod val="75000"/>
+                        </a:schemeClr>
+                      </a:solidFill>
                       <a:prstDash val="sysDot"/>
                       <a:round/>
                       <a:headEnd type="none" w="med" len="med"/>
@@ -15464,7 +15857,11 @@
                       <a:tailEnd type="none" w="med" len="med"/>
                     </a:lnT>
                     <a:lnB w="3175" cap="flat" cmpd="sng" algn="ctr">
-                      <a:noFill/>
+                      <a:solidFill>
+                        <a:schemeClr val="bg1">
+                          <a:lumMod val="75000"/>
+                        </a:schemeClr>
+                      </a:solidFill>
                       <a:prstDash val="sysDot"/>
                       <a:round/>
                       <a:headEnd type="none" w="med" len="med"/>
@@ -15540,7 +15937,11 @@
                       <a:tailEnd type="none" w="med" len="med"/>
                     </a:lnT>
                     <a:lnB w="3175" cap="flat" cmpd="sng" algn="ctr">
-                      <a:noFill/>
+                      <a:solidFill>
+                        <a:schemeClr val="bg1">
+                          <a:lumMod val="75000"/>
+                        </a:schemeClr>
+                      </a:solidFill>
                       <a:prstDash val="sysDot"/>
                       <a:round/>
                       <a:headEnd type="none" w="med" len="med"/>
@@ -15616,160 +16017,6 @@
                       <a:tailEnd type="none" w="med" len="med"/>
                     </a:lnT>
                     <a:lnB w="3175" cap="flat" cmpd="sng" algn="ctr">
-                      <a:noFill/>
-                      <a:prstDash val="sysDot"/>
-                      <a:round/>
-                      <a:headEnd type="none" w="med" len="med"/>
-                      <a:tailEnd type="none" w="med" len="med"/>
-                    </a:lnB>
-                    <a:lnTlToBr w="12700" cmpd="sng">
-                      <a:noFill/>
-                      <a:prstDash val="solid"/>
-                    </a:lnTlToBr>
-                    <a:lnBlToTr w="12700" cmpd="sng">
-                      <a:noFill/>
-                      <a:prstDash val="solid"/>
-                    </a:lnBlToTr>
-                    <a:noFill/>
-                  </a:tcPr>
-                </a:tc>
-                <a:tc>
-                  <a:txBody>
-                    <a:bodyPr/>
-                    <a:lstStyle/>
-                    <a:p>
-                      <a:pPr marL="0" marR="0" lvl="0" indent="0" algn="l" defTabSz="685792" rtl="0" eaLnBrk="1" fontAlgn="auto" latinLnBrk="0" hangingPunct="1">
-                        <a:lnSpc>
-                          <a:spcPct val="130000"/>
-                        </a:lnSpc>
-                        <a:spcBef>
-                          <a:spcPts val="0"/>
-                        </a:spcBef>
-                        <a:spcAft>
-                          <a:spcPts val="0"/>
-                        </a:spcAft>
-                        <a:buClrTx/>
-                        <a:buSzTx/>
-                        <a:buFontTx/>
-                        <a:buNone/>
-                        <a:tabLst/>
-                        <a:defRPr/>
-                      </a:pPr>
-                      <a:endParaRPr lang="en-US" altLang="zh-CN" sz="1200" b="0" kern="1200" dirty="0">
-                        <a:solidFill>
-                          <a:schemeClr val="tx1">
-                            <a:lumMod val="75000"/>
-                            <a:lumOff val="25000"/>
-                          </a:schemeClr>
-                        </a:solidFill>
-                        <a:latin typeface="+mn-lt"/>
-                        <a:ea typeface="+mn-ea"/>
-                        <a:cs typeface="+mn-ea"/>
-                        <a:sym typeface="+mn-lt"/>
-                      </a:endParaRPr>
-                    </a:p>
-                  </a:txBody>
-                  <a:tcPr marL="108666" marR="108666" marT="108522" marB="108522" anchor="ctr">
-                    <a:lnL w="3175" cap="flat" cmpd="sng" algn="ctr">
-                      <a:noFill/>
-                      <a:prstDash val="solid"/>
-                      <a:round/>
-                      <a:headEnd type="none" w="med" len="med"/>
-                      <a:tailEnd type="none" w="med" len="med"/>
-                    </a:lnL>
-                    <a:lnR w="57150" cap="flat" cmpd="sng" algn="ctr">
-                      <a:noFill/>
-                      <a:prstDash val="solid"/>
-                      <a:round/>
-                      <a:headEnd type="none" w="med" len="med"/>
-                      <a:tailEnd type="none" w="med" len="med"/>
-                    </a:lnR>
-                    <a:lnT w="6350" cap="flat" cmpd="sng" algn="ctr">
-                      <a:noFill/>
-                      <a:prstDash val="solid"/>
-                      <a:round/>
-                      <a:headEnd type="none" w="med" len="med"/>
-                      <a:tailEnd type="none" w="med" len="med"/>
-                    </a:lnT>
-                    <a:lnB w="3175" cap="flat" cmpd="sng" algn="ctr">
-                      <a:noFill/>
-                      <a:prstDash val="sysDot"/>
-                      <a:round/>
-                      <a:headEnd type="none" w="med" len="med"/>
-                      <a:tailEnd type="none" w="med" len="med"/>
-                    </a:lnB>
-                    <a:lnTlToBr w="12700" cmpd="sng">
-                      <a:noFill/>
-                      <a:prstDash val="solid"/>
-                    </a:lnTlToBr>
-                    <a:lnBlToTr w="12700" cmpd="sng">
-                      <a:noFill/>
-                      <a:prstDash val="solid"/>
-                    </a:lnBlToTr>
-                    <a:noFill/>
-                  </a:tcPr>
-                </a:tc>
-              </a:tr>
-              <a:tr h="0">
-                <a:tc>
-                  <a:txBody>
-                    <a:bodyPr/>
-                    <a:lstStyle/>
-                    <a:p>
-                      <a:pPr marL="0" marR="0" lvl="0" indent="0" algn="ctr" defTabSz="685792" rtl="0" eaLnBrk="1" fontAlgn="auto" latinLnBrk="0" hangingPunct="1">
-                        <a:lnSpc>
-                          <a:spcPct val="130000"/>
-                        </a:lnSpc>
-                        <a:spcBef>
-                          <a:spcPts val="0"/>
-                        </a:spcBef>
-                        <a:spcAft>
-                          <a:spcPts val="0"/>
-                        </a:spcAft>
-                        <a:buClrTx/>
-                        <a:buSzTx/>
-                        <a:buFontTx/>
-                        <a:buNone/>
-                        <a:tabLst/>
-                        <a:defRPr/>
-                      </a:pPr>
-                      <a:endParaRPr lang="en-US" sz="1200" b="0" kern="1200" dirty="0" smtClean="0">
-                        <a:solidFill>
-                          <a:schemeClr val="tx1">
-                            <a:lumMod val="75000"/>
-                            <a:lumOff val="25000"/>
-                          </a:schemeClr>
-                        </a:solidFill>
-                        <a:latin typeface="+mn-lt"/>
-                        <a:ea typeface="+mn-ea"/>
-                        <a:cs typeface="+mn-ea"/>
-                        <a:sym typeface="+mn-lt"/>
-                      </a:endParaRPr>
-                    </a:p>
-                  </a:txBody>
-                  <a:tcPr marL="108666" marR="108666" marT="108522" marB="108522" anchor="ctr">
-                    <a:lnL w="57150" cap="flat" cmpd="sng" algn="ctr">
-                      <a:noFill/>
-                      <a:prstDash val="solid"/>
-                      <a:round/>
-                      <a:headEnd type="none" w="med" len="med"/>
-                      <a:tailEnd type="none" w="med" len="med"/>
-                    </a:lnL>
-                    <a:lnR w="3175" cap="flat" cmpd="sng" algn="ctr">
-                      <a:noFill/>
-                      <a:prstDash val="solid"/>
-                      <a:round/>
-                      <a:headEnd type="none" w="med" len="med"/>
-                      <a:tailEnd type="none" w="med" len="med"/>
-                    </a:lnR>
-                    <a:lnT w="6350" cap="flat" cmpd="sng" algn="ctr">
-                      <a:noFill/>
-                      <a:prstDash val="solid"/>
-                      <a:round/>
-                      <a:headEnd type="none" w="med" len="med"/>
-                      <a:tailEnd type="none" w="med" len="med"/>
-                    </a:lnT>
-                    <a:lnB w="3175" cap="flat" cmpd="sng" algn="ctr">
                       <a:solidFill>
                         <a:schemeClr val="bg1">
                           <a:lumMod val="75000"/>
@@ -15791,573 +16038,13 @@
                     <a:noFill/>
                   </a:tcPr>
                 </a:tc>
-                <a:tc>
-                  <a:txBody>
-                    <a:bodyPr/>
-                    <a:lstStyle/>
-                    <a:p>
-                      <a:pPr marL="0" marR="0" lvl="0" indent="0" algn="l" defTabSz="685792" rtl="0" eaLnBrk="1" fontAlgn="auto" latinLnBrk="0" hangingPunct="1">
-                        <a:lnSpc>
-                          <a:spcPct val="130000"/>
-                        </a:lnSpc>
-                        <a:spcBef>
-                          <a:spcPts val="0"/>
-                        </a:spcBef>
-                        <a:spcAft>
-                          <a:spcPts val="0"/>
-                        </a:spcAft>
-                        <a:buClrTx/>
-                        <a:buSzTx/>
-                        <a:buFontTx/>
-                        <a:buNone/>
-                        <a:tabLst/>
-                        <a:defRPr/>
-                      </a:pPr>
-                      <a:endParaRPr lang="en-US" altLang="zh-CN" sz="1200" b="0" kern="1200" dirty="0">
-                        <a:solidFill>
-                          <a:schemeClr val="tx1">
-                            <a:lumMod val="75000"/>
-                            <a:lumOff val="25000"/>
-                          </a:schemeClr>
-                        </a:solidFill>
-                        <a:latin typeface="+mn-lt"/>
-                        <a:ea typeface="+mn-ea"/>
-                        <a:cs typeface="+mn-ea"/>
-                        <a:sym typeface="+mn-lt"/>
-                      </a:endParaRPr>
-                    </a:p>
-                  </a:txBody>
-                  <a:tcPr marL="108666" marR="108666" marT="108522" marB="108522" anchor="ctr">
-                    <a:lnL w="3175" cap="flat" cmpd="sng" algn="ctr">
-                      <a:noFill/>
-                      <a:prstDash val="solid"/>
-                      <a:round/>
-                      <a:headEnd type="none" w="med" len="med"/>
-                      <a:tailEnd type="none" w="med" len="med"/>
-                    </a:lnL>
-                    <a:lnR w="57150" cap="flat" cmpd="sng" algn="ctr">
-                      <a:noFill/>
-                      <a:prstDash val="solid"/>
-                      <a:round/>
-                      <a:headEnd type="none" w="med" len="med"/>
-                      <a:tailEnd type="none" w="med" len="med"/>
-                    </a:lnR>
-                    <a:lnT w="6350" cap="flat" cmpd="sng" algn="ctr">
-                      <a:noFill/>
-                      <a:prstDash val="solid"/>
-                      <a:round/>
-                      <a:headEnd type="none" w="med" len="med"/>
-                      <a:tailEnd type="none" w="med" len="med"/>
-                    </a:lnT>
-                    <a:lnB w="3175" cap="flat" cmpd="sng" algn="ctr">
-                      <a:solidFill>
-                        <a:schemeClr val="bg1">
-                          <a:lumMod val="75000"/>
-                        </a:schemeClr>
-                      </a:solidFill>
-                      <a:prstDash val="sysDot"/>
-                      <a:round/>
-                      <a:headEnd type="none" w="med" len="med"/>
-                      <a:tailEnd type="none" w="med" len="med"/>
-                    </a:lnB>
-                    <a:lnTlToBr w="12700" cmpd="sng">
-                      <a:noFill/>
-                      <a:prstDash val="solid"/>
-                    </a:lnTlToBr>
-                    <a:lnBlToTr w="12700" cmpd="sng">
-                      <a:noFill/>
-                      <a:prstDash val="solid"/>
-                    </a:lnBlToTr>
-                    <a:noFill/>
-                  </a:tcPr>
-                </a:tc>
-                <a:tc>
-                  <a:txBody>
-                    <a:bodyPr/>
-                    <a:lstStyle/>
-                    <a:p>
-                      <a:pPr marL="0" marR="0" lvl="0" indent="0" algn="l" defTabSz="685792" rtl="0" eaLnBrk="1" fontAlgn="auto" latinLnBrk="0" hangingPunct="1">
-                        <a:lnSpc>
-                          <a:spcPct val="130000"/>
-                        </a:lnSpc>
-                        <a:spcBef>
-                          <a:spcPts val="0"/>
-                        </a:spcBef>
-                        <a:spcAft>
-                          <a:spcPts val="0"/>
-                        </a:spcAft>
-                        <a:buClrTx/>
-                        <a:buSzTx/>
-                        <a:buFontTx/>
-                        <a:buNone/>
-                        <a:tabLst/>
-                        <a:defRPr/>
-                      </a:pPr>
-                      <a:endParaRPr lang="en-US" altLang="zh-CN" sz="1200" b="0" kern="1200" dirty="0">
-                        <a:solidFill>
-                          <a:schemeClr val="tx1">
-                            <a:lumMod val="75000"/>
-                            <a:lumOff val="25000"/>
-                          </a:schemeClr>
-                        </a:solidFill>
-                        <a:latin typeface="+mn-lt"/>
-                        <a:ea typeface="+mn-ea"/>
-                        <a:cs typeface="+mn-ea"/>
-                        <a:sym typeface="+mn-lt"/>
-                      </a:endParaRPr>
-                    </a:p>
-                  </a:txBody>
-                  <a:tcPr marL="108666" marR="108666" marT="108522" marB="108522" anchor="ctr">
-                    <a:lnL w="3175" cap="flat" cmpd="sng" algn="ctr">
-                      <a:noFill/>
-                      <a:prstDash val="solid"/>
-                      <a:round/>
-                      <a:headEnd type="none" w="med" len="med"/>
-                      <a:tailEnd type="none" w="med" len="med"/>
-                    </a:lnL>
-                    <a:lnR w="57150" cap="flat" cmpd="sng" algn="ctr">
-                      <a:noFill/>
-                      <a:prstDash val="solid"/>
-                      <a:round/>
-                      <a:headEnd type="none" w="med" len="med"/>
-                      <a:tailEnd type="none" w="med" len="med"/>
-                    </a:lnR>
-                    <a:lnT w="6350" cap="flat" cmpd="sng" algn="ctr">
-                      <a:noFill/>
-                      <a:prstDash val="solid"/>
-                      <a:round/>
-                      <a:headEnd type="none" w="med" len="med"/>
-                      <a:tailEnd type="none" w="med" len="med"/>
-                    </a:lnT>
-                    <a:lnB w="3175" cap="flat" cmpd="sng" algn="ctr">
-                      <a:solidFill>
-                        <a:schemeClr val="bg1">
-                          <a:lumMod val="75000"/>
-                        </a:schemeClr>
-                      </a:solidFill>
-                      <a:prstDash val="sysDot"/>
-                      <a:round/>
-                      <a:headEnd type="none" w="med" len="med"/>
-                      <a:tailEnd type="none" w="med" len="med"/>
-                    </a:lnB>
-                    <a:lnTlToBr w="12700" cmpd="sng">
-                      <a:noFill/>
-                      <a:prstDash val="solid"/>
-                    </a:lnTlToBr>
-                    <a:lnBlToTr w="12700" cmpd="sng">
-                      <a:noFill/>
-                      <a:prstDash val="solid"/>
-                    </a:lnBlToTr>
-                    <a:noFill/>
-                  </a:tcPr>
-                </a:tc>
-                <a:tc>
-                  <a:txBody>
-                    <a:bodyPr/>
-                    <a:lstStyle/>
-                    <a:p>
-                      <a:pPr marL="0" marR="0" lvl="0" indent="0" algn="l" defTabSz="685792" rtl="0" eaLnBrk="1" fontAlgn="auto" latinLnBrk="0" hangingPunct="1">
-                        <a:lnSpc>
-                          <a:spcPct val="130000"/>
-                        </a:lnSpc>
-                        <a:spcBef>
-                          <a:spcPts val="0"/>
-                        </a:spcBef>
-                        <a:spcAft>
-                          <a:spcPts val="0"/>
-                        </a:spcAft>
-                        <a:buClrTx/>
-                        <a:buSzTx/>
-                        <a:buFontTx/>
-                        <a:buNone/>
-                        <a:tabLst/>
-                        <a:defRPr/>
-                      </a:pPr>
-                      <a:endParaRPr lang="en-US" altLang="zh-CN" sz="1200" b="0" kern="1200" dirty="0">
-                        <a:solidFill>
-                          <a:schemeClr val="tx1">
-                            <a:lumMod val="75000"/>
-                            <a:lumOff val="25000"/>
-                          </a:schemeClr>
-                        </a:solidFill>
-                        <a:latin typeface="+mn-lt"/>
-                        <a:ea typeface="+mn-ea"/>
-                        <a:cs typeface="+mn-ea"/>
-                        <a:sym typeface="+mn-lt"/>
-                      </a:endParaRPr>
-                    </a:p>
-                  </a:txBody>
-                  <a:tcPr marL="108666" marR="108666" marT="108522" marB="108522" anchor="ctr">
-                    <a:lnL w="3175" cap="flat" cmpd="sng" algn="ctr">
-                      <a:noFill/>
-                      <a:prstDash val="solid"/>
-                      <a:round/>
-                      <a:headEnd type="none" w="med" len="med"/>
-                      <a:tailEnd type="none" w="med" len="med"/>
-                    </a:lnL>
-                    <a:lnR w="57150" cap="flat" cmpd="sng" algn="ctr">
-                      <a:noFill/>
-                      <a:prstDash val="solid"/>
-                      <a:round/>
-                      <a:headEnd type="none" w="med" len="med"/>
-                      <a:tailEnd type="none" w="med" len="med"/>
-                    </a:lnR>
-                    <a:lnT w="6350" cap="flat" cmpd="sng" algn="ctr">
-                      <a:noFill/>
-                      <a:prstDash val="solid"/>
-                      <a:round/>
-                      <a:headEnd type="none" w="med" len="med"/>
-                      <a:tailEnd type="none" w="med" len="med"/>
-                    </a:lnT>
-                    <a:lnB w="3175" cap="flat" cmpd="sng" algn="ctr">
-                      <a:solidFill>
-                        <a:schemeClr val="bg1">
-                          <a:lumMod val="75000"/>
-                        </a:schemeClr>
-                      </a:solidFill>
-                      <a:prstDash val="sysDot"/>
-                      <a:round/>
-                      <a:headEnd type="none" w="med" len="med"/>
-                      <a:tailEnd type="none" w="med" len="med"/>
-                    </a:lnB>
-                    <a:lnTlToBr w="12700" cmpd="sng">
-                      <a:noFill/>
-                      <a:prstDash val="solid"/>
-                    </a:lnTlToBr>
-                    <a:lnBlToTr w="12700" cmpd="sng">
-                      <a:noFill/>
-                      <a:prstDash val="solid"/>
-                    </a:lnBlToTr>
-                    <a:noFill/>
-                  </a:tcPr>
-                </a:tc>
-                <a:tc>
-                  <a:txBody>
-                    <a:bodyPr/>
-                    <a:lstStyle/>
-                    <a:p>
-                      <a:pPr marL="0" marR="0" lvl="0" indent="0" algn="l" defTabSz="685792" rtl="0" eaLnBrk="1" fontAlgn="auto" latinLnBrk="0" hangingPunct="1">
-                        <a:lnSpc>
-                          <a:spcPct val="130000"/>
-                        </a:lnSpc>
-                        <a:spcBef>
-                          <a:spcPts val="0"/>
-                        </a:spcBef>
-                        <a:spcAft>
-                          <a:spcPts val="0"/>
-                        </a:spcAft>
-                        <a:buClrTx/>
-                        <a:buSzTx/>
-                        <a:buFontTx/>
-                        <a:buNone/>
-                        <a:tabLst/>
-                        <a:defRPr/>
-                      </a:pPr>
-                      <a:endParaRPr lang="en-US" altLang="zh-CN" sz="1200" b="0" kern="1200" dirty="0">
-                        <a:solidFill>
-                          <a:schemeClr val="tx1">
-                            <a:lumMod val="75000"/>
-                            <a:lumOff val="25000"/>
-                          </a:schemeClr>
-                        </a:solidFill>
-                        <a:latin typeface="+mn-lt"/>
-                        <a:ea typeface="+mn-ea"/>
-                        <a:cs typeface="+mn-ea"/>
-                        <a:sym typeface="+mn-lt"/>
-                      </a:endParaRPr>
-                    </a:p>
-                  </a:txBody>
-                  <a:tcPr marL="108666" marR="108666" marT="108522" marB="108522" anchor="ctr">
-                    <a:lnL w="3175" cap="flat" cmpd="sng" algn="ctr">
-                      <a:noFill/>
-                      <a:prstDash val="solid"/>
-                      <a:round/>
-                      <a:headEnd type="none" w="med" len="med"/>
-                      <a:tailEnd type="none" w="med" len="med"/>
-                    </a:lnL>
-                    <a:lnR w="57150" cap="flat" cmpd="sng" algn="ctr">
-                      <a:noFill/>
-                      <a:prstDash val="solid"/>
-                      <a:round/>
-                      <a:headEnd type="none" w="med" len="med"/>
-                      <a:tailEnd type="none" w="med" len="med"/>
-                    </a:lnR>
-                    <a:lnT w="6350" cap="flat" cmpd="sng" algn="ctr">
-                      <a:noFill/>
-                      <a:prstDash val="solid"/>
-                      <a:round/>
-                      <a:headEnd type="none" w="med" len="med"/>
-                      <a:tailEnd type="none" w="med" len="med"/>
-                    </a:lnT>
-                    <a:lnB w="3175" cap="flat" cmpd="sng" algn="ctr">
-                      <a:solidFill>
-                        <a:schemeClr val="bg1">
-                          <a:lumMod val="75000"/>
-                        </a:schemeClr>
-                      </a:solidFill>
-                      <a:prstDash val="sysDot"/>
-                      <a:round/>
-                      <a:headEnd type="none" w="med" len="med"/>
-                      <a:tailEnd type="none" w="med" len="med"/>
-                    </a:lnB>
-                    <a:lnTlToBr w="12700" cmpd="sng">
-                      <a:noFill/>
-                      <a:prstDash val="solid"/>
-                    </a:lnTlToBr>
-                    <a:lnBlToTr w="12700" cmpd="sng">
-                      <a:noFill/>
-                      <a:prstDash val="solid"/>
-                    </a:lnBlToTr>
-                    <a:noFill/>
-                  </a:tcPr>
-                </a:tc>
-                <a:tc>
-                  <a:txBody>
-                    <a:bodyPr/>
-                    <a:lstStyle/>
-                    <a:p>
-                      <a:pPr marL="0" marR="0" lvl="0" indent="0" algn="l" defTabSz="685792" rtl="0" eaLnBrk="1" fontAlgn="auto" latinLnBrk="0" hangingPunct="1">
-                        <a:lnSpc>
-                          <a:spcPct val="130000"/>
-                        </a:lnSpc>
-                        <a:spcBef>
-                          <a:spcPts val="0"/>
-                        </a:spcBef>
-                        <a:spcAft>
-                          <a:spcPts val="0"/>
-                        </a:spcAft>
-                        <a:buClrTx/>
-                        <a:buSzTx/>
-                        <a:buFontTx/>
-                        <a:buNone/>
-                        <a:tabLst/>
-                        <a:defRPr/>
-                      </a:pPr>
-                      <a:endParaRPr lang="en-US" altLang="zh-CN" sz="1200" b="0" kern="1200" dirty="0">
-                        <a:solidFill>
-                          <a:schemeClr val="tx1">
-                            <a:lumMod val="75000"/>
-                            <a:lumOff val="25000"/>
-                          </a:schemeClr>
-                        </a:solidFill>
-                        <a:latin typeface="+mn-lt"/>
-                        <a:ea typeface="+mn-ea"/>
-                        <a:cs typeface="+mn-ea"/>
-                        <a:sym typeface="+mn-lt"/>
-                      </a:endParaRPr>
-                    </a:p>
-                  </a:txBody>
-                  <a:tcPr marL="108666" marR="108666" marT="108522" marB="108522" anchor="ctr">
-                    <a:lnL w="3175" cap="flat" cmpd="sng" algn="ctr">
-                      <a:noFill/>
-                      <a:prstDash val="solid"/>
-                      <a:round/>
-                      <a:headEnd type="none" w="med" len="med"/>
-                      <a:tailEnd type="none" w="med" len="med"/>
-                    </a:lnL>
-                    <a:lnR w="57150" cap="flat" cmpd="sng" algn="ctr">
-                      <a:noFill/>
-                      <a:prstDash val="solid"/>
-                      <a:round/>
-                      <a:headEnd type="none" w="med" len="med"/>
-                      <a:tailEnd type="none" w="med" len="med"/>
-                    </a:lnR>
-                    <a:lnT w="6350" cap="flat" cmpd="sng" algn="ctr">
-                      <a:noFill/>
-                      <a:prstDash val="solid"/>
-                      <a:round/>
-                      <a:headEnd type="none" w="med" len="med"/>
-                      <a:tailEnd type="none" w="med" len="med"/>
-                    </a:lnT>
-                    <a:lnB w="3175" cap="flat" cmpd="sng" algn="ctr">
-                      <a:solidFill>
-                        <a:schemeClr val="bg1">
-                          <a:lumMod val="75000"/>
-                        </a:schemeClr>
-                      </a:solidFill>
-                      <a:prstDash val="sysDot"/>
-                      <a:round/>
-                      <a:headEnd type="none" w="med" len="med"/>
-                      <a:tailEnd type="none" w="med" len="med"/>
-                    </a:lnB>
-                    <a:lnTlToBr w="12700" cmpd="sng">
-                      <a:noFill/>
-                      <a:prstDash val="solid"/>
-                    </a:lnTlToBr>
-                    <a:lnBlToTr w="12700" cmpd="sng">
-                      <a:noFill/>
-                      <a:prstDash val="solid"/>
-                    </a:lnBlToTr>
-                    <a:noFill/>
-                  </a:tcPr>
-                </a:tc>
-                <a:tc>
-                  <a:txBody>
-                    <a:bodyPr/>
-                    <a:lstStyle/>
-                    <a:p>
-                      <a:pPr marL="0" marR="0" lvl="0" indent="0" algn="l" defTabSz="685792" rtl="0" eaLnBrk="1" fontAlgn="auto" latinLnBrk="0" hangingPunct="1">
-                        <a:lnSpc>
-                          <a:spcPct val="130000"/>
-                        </a:lnSpc>
-                        <a:spcBef>
-                          <a:spcPts val="0"/>
-                        </a:spcBef>
-                        <a:spcAft>
-                          <a:spcPts val="0"/>
-                        </a:spcAft>
-                        <a:buClrTx/>
-                        <a:buSzTx/>
-                        <a:buFontTx/>
-                        <a:buNone/>
-                        <a:tabLst/>
-                        <a:defRPr/>
-                      </a:pPr>
-                      <a:endParaRPr lang="en-US" altLang="zh-CN" sz="1200" b="0" kern="1200" dirty="0">
-                        <a:solidFill>
-                          <a:schemeClr val="tx1">
-                            <a:lumMod val="75000"/>
-                            <a:lumOff val="25000"/>
-                          </a:schemeClr>
-                        </a:solidFill>
-                        <a:latin typeface="+mn-lt"/>
-                        <a:ea typeface="+mn-ea"/>
-                        <a:cs typeface="+mn-ea"/>
-                        <a:sym typeface="+mn-lt"/>
-                      </a:endParaRPr>
-                    </a:p>
-                  </a:txBody>
-                  <a:tcPr marL="108666" marR="108666" marT="108522" marB="108522" anchor="ctr">
-                    <a:lnL w="3175" cap="flat" cmpd="sng" algn="ctr">
-                      <a:noFill/>
-                      <a:prstDash val="solid"/>
-                      <a:round/>
-                      <a:headEnd type="none" w="med" len="med"/>
-                      <a:tailEnd type="none" w="med" len="med"/>
-                    </a:lnL>
-                    <a:lnR w="57150" cap="flat" cmpd="sng" algn="ctr">
-                      <a:noFill/>
-                      <a:prstDash val="solid"/>
-                      <a:round/>
-                      <a:headEnd type="none" w="med" len="med"/>
-                      <a:tailEnd type="none" w="med" len="med"/>
-                    </a:lnR>
-                    <a:lnT w="6350" cap="flat" cmpd="sng" algn="ctr">
-                      <a:noFill/>
-                      <a:prstDash val="solid"/>
-                      <a:round/>
-                      <a:headEnd type="none" w="med" len="med"/>
-                      <a:tailEnd type="none" w="med" len="med"/>
-                    </a:lnT>
-                    <a:lnB w="3175" cap="flat" cmpd="sng" algn="ctr">
-                      <a:solidFill>
-                        <a:schemeClr val="bg1">
-                          <a:lumMod val="75000"/>
-                        </a:schemeClr>
-                      </a:solidFill>
-                      <a:prstDash val="sysDot"/>
-                      <a:round/>
-                      <a:headEnd type="none" w="med" len="med"/>
-                      <a:tailEnd type="none" w="med" len="med"/>
-                    </a:lnB>
-                    <a:lnTlToBr w="12700" cmpd="sng">
-                      <a:noFill/>
-                      <a:prstDash val="solid"/>
-                    </a:lnTlToBr>
-                    <a:lnBlToTr w="12700" cmpd="sng">
-                      <a:noFill/>
-                      <a:prstDash val="solid"/>
-                    </a:lnBlToTr>
-                    <a:noFill/>
-                  </a:tcPr>
-                </a:tc>
-                <a:tc>
-                  <a:txBody>
-                    <a:bodyPr/>
-                    <a:lstStyle/>
-                    <a:p>
-                      <a:pPr marL="0" marR="0" lvl="0" indent="0" algn="l" defTabSz="685792" rtl="0" eaLnBrk="1" fontAlgn="auto" latinLnBrk="0" hangingPunct="1">
-                        <a:lnSpc>
-                          <a:spcPct val="130000"/>
-                        </a:lnSpc>
-                        <a:spcBef>
-                          <a:spcPts val="0"/>
-                        </a:spcBef>
-                        <a:spcAft>
-                          <a:spcPts val="0"/>
-                        </a:spcAft>
-                        <a:buClrTx/>
-                        <a:buSzTx/>
-                        <a:buFontTx/>
-                        <a:buNone/>
-                        <a:tabLst/>
-                        <a:defRPr/>
-                      </a:pPr>
-                      <a:endParaRPr lang="en-US" altLang="zh-CN" sz="1200" b="0" kern="1200" dirty="0">
-                        <a:solidFill>
-                          <a:schemeClr val="tx1">
-                            <a:lumMod val="75000"/>
-                            <a:lumOff val="25000"/>
-                          </a:schemeClr>
-                        </a:solidFill>
-                        <a:latin typeface="+mn-lt"/>
-                        <a:ea typeface="+mn-ea"/>
-                        <a:cs typeface="+mn-ea"/>
-                        <a:sym typeface="+mn-lt"/>
-                      </a:endParaRPr>
-                    </a:p>
-                  </a:txBody>
-                  <a:tcPr marL="108666" marR="108666" marT="108522" marB="108522" anchor="ctr">
-                    <a:lnL w="3175" cap="flat" cmpd="sng" algn="ctr">
-                      <a:noFill/>
-                      <a:prstDash val="solid"/>
-                      <a:round/>
-                      <a:headEnd type="none" w="med" len="med"/>
-                      <a:tailEnd type="none" w="med" len="med"/>
-                    </a:lnL>
-                    <a:lnR w="57150" cap="flat" cmpd="sng" algn="ctr">
-                      <a:noFill/>
-                      <a:prstDash val="solid"/>
-                      <a:round/>
-                      <a:headEnd type="none" w="med" len="med"/>
-                      <a:tailEnd type="none" w="med" len="med"/>
-                    </a:lnR>
-                    <a:lnT w="6350" cap="flat" cmpd="sng" algn="ctr">
-                      <a:noFill/>
-                      <a:prstDash val="solid"/>
-                      <a:round/>
-                      <a:headEnd type="none" w="med" len="med"/>
-                      <a:tailEnd type="none" w="med" len="med"/>
-                    </a:lnT>
-                    <a:lnB w="3175" cap="flat" cmpd="sng" algn="ctr">
-                      <a:solidFill>
-                        <a:schemeClr val="bg1">
-                          <a:lumMod val="75000"/>
-                        </a:schemeClr>
-                      </a:solidFill>
-                      <a:prstDash val="sysDot"/>
-                      <a:round/>
-                      <a:headEnd type="none" w="med" len="med"/>
-                      <a:tailEnd type="none" w="med" len="med"/>
-                    </a:lnB>
-                    <a:lnTlToBr w="12700" cmpd="sng">
-                      <a:noFill/>
-                      <a:prstDash val="solid"/>
-                    </a:lnTlToBr>
-                    <a:lnBlToTr w="12700" cmpd="sng">
-                      <a:noFill/>
-                      <a:prstDash val="solid"/>
-                    </a:lnBlToTr>
-                    <a:noFill/>
-                  </a:tcPr>
-                </a:tc>
                 <a:extLst>
                   <a:ext uri="{0D108BD9-81ED-4DB2-BD59-A6C34878D82A}">
-                    <a16:rowId xmlns:a16="http://schemas.microsoft.com/office/drawing/2014/main" xmlns="" val="10001"/>
+                    <a16:rowId xmlns="" xmlns:a16="http://schemas.microsoft.com/office/drawing/2014/main" val="10001"/>
                   </a:ext>
                 </a:extLst>
               </a:tr>
-              <a:tr h="0">
+              <a:tr h="445945">
                 <a:tc>
                   <a:txBody>
                     <a:bodyPr/>
@@ -16946,6 +16633,97 @@
                     <a:noFill/>
                   </a:tcPr>
                 </a:tc>
+                <a:extLst>
+                  <a:ext uri="{0D108BD9-81ED-4DB2-BD59-A6C34878D82A}">
+                    <a16:rowId xmlns="" xmlns:a16="http://schemas.microsoft.com/office/drawing/2014/main" val="10002"/>
+                  </a:ext>
+                </a:extLst>
+              </a:tr>
+              <a:tr h="465493">
+                <a:tc>
+                  <a:txBody>
+                    <a:bodyPr/>
+                    <a:lstStyle/>
+                    <a:p>
+                      <a:pPr marL="0" marR="0" lvl="0" indent="0" algn="ctr" defTabSz="685792" rtl="0" eaLnBrk="1" fontAlgn="auto" latinLnBrk="0" hangingPunct="1">
+                        <a:lnSpc>
+                          <a:spcPct val="130000"/>
+                        </a:lnSpc>
+                        <a:spcBef>
+                          <a:spcPts val="0"/>
+                        </a:spcBef>
+                        <a:spcAft>
+                          <a:spcPts val="0"/>
+                        </a:spcAft>
+                        <a:buClrTx/>
+                        <a:buSzTx/>
+                        <a:buFontTx/>
+                        <a:buNone/>
+                        <a:tabLst/>
+                        <a:defRPr/>
+                      </a:pPr>
+                      <a:endParaRPr lang="zh-CN" altLang="en-US" sz="1200" b="0" kern="1200" dirty="0">
+                        <a:solidFill>
+                          <a:schemeClr val="tx1">
+                            <a:lumMod val="75000"/>
+                            <a:lumOff val="25000"/>
+                          </a:schemeClr>
+                        </a:solidFill>
+                        <a:latin typeface="+mn-lt"/>
+                        <a:ea typeface="+mn-ea"/>
+                        <a:cs typeface="+mn-ea"/>
+                        <a:sym typeface="+mn-lt"/>
+                      </a:endParaRPr>
+                    </a:p>
+                  </a:txBody>
+                  <a:tcPr marL="108666" marR="108666" marT="108522" marB="108522" anchor="ctr">
+                    <a:lnL w="57150" cap="flat" cmpd="sng" algn="ctr">
+                      <a:noFill/>
+                      <a:prstDash val="solid"/>
+                      <a:round/>
+                      <a:headEnd type="none" w="med" len="med"/>
+                      <a:tailEnd type="none" w="med" len="med"/>
+                    </a:lnL>
+                    <a:lnR w="3175" cap="flat" cmpd="sng" algn="ctr">
+                      <a:noFill/>
+                      <a:prstDash val="solid"/>
+                      <a:round/>
+                      <a:headEnd type="none" w="med" len="med"/>
+                      <a:tailEnd type="none" w="med" len="med"/>
+                    </a:lnR>
+                    <a:lnT w="3175" cap="flat" cmpd="sng" algn="ctr">
+                      <a:solidFill>
+                        <a:schemeClr val="bg1">
+                          <a:lumMod val="75000"/>
+                        </a:schemeClr>
+                      </a:solidFill>
+                      <a:prstDash val="sysDot"/>
+                      <a:round/>
+                      <a:headEnd type="none" w="med" len="med"/>
+                      <a:tailEnd type="none" w="med" len="med"/>
+                    </a:lnT>
+                    <a:lnB w="3175" cap="flat" cmpd="sng" algn="ctr">
+                      <a:solidFill>
+                        <a:schemeClr val="bg1">
+                          <a:lumMod val="75000"/>
+                        </a:schemeClr>
+                      </a:solidFill>
+                      <a:prstDash val="sysDot"/>
+                      <a:round/>
+                      <a:headEnd type="none" w="med" len="med"/>
+                      <a:tailEnd type="none" w="med" len="med"/>
+                    </a:lnB>
+                    <a:lnTlToBr w="12700" cmpd="sng">
+                      <a:noFill/>
+                      <a:prstDash val="solid"/>
+                    </a:lnTlToBr>
+                    <a:lnBlToTr w="12700" cmpd="sng">
+                      <a:noFill/>
+                      <a:prstDash val="solid"/>
+                    </a:lnBlToTr>
+                    <a:noFill/>
+                  </a:tcPr>
+                </a:tc>
                 <a:tc>
                   <a:txBody>
                     <a:bodyPr/>
@@ -17030,13 +16808,433 @@
                     <a:noFill/>
                   </a:tcPr>
                 </a:tc>
+                <a:tc>
+                  <a:txBody>
+                    <a:bodyPr/>
+                    <a:lstStyle/>
+                    <a:p>
+                      <a:pPr marL="0" marR="0" lvl="0" indent="0" algn="l" defTabSz="685792" rtl="0" eaLnBrk="1" fontAlgn="auto" latinLnBrk="0" hangingPunct="1">
+                        <a:lnSpc>
+                          <a:spcPct val="130000"/>
+                        </a:lnSpc>
+                        <a:spcBef>
+                          <a:spcPts val="0"/>
+                        </a:spcBef>
+                        <a:spcAft>
+                          <a:spcPts val="0"/>
+                        </a:spcAft>
+                        <a:buClrTx/>
+                        <a:buSzTx/>
+                        <a:buFontTx/>
+                        <a:buNone/>
+                        <a:tabLst/>
+                        <a:defRPr/>
+                      </a:pPr>
+                      <a:endParaRPr lang="zh-CN" altLang="en-US" sz="1200" b="0" kern="1200" dirty="0">
+                        <a:solidFill>
+                          <a:schemeClr val="tx1">
+                            <a:lumMod val="75000"/>
+                            <a:lumOff val="25000"/>
+                          </a:schemeClr>
+                        </a:solidFill>
+                        <a:latin typeface="+mn-lt"/>
+                        <a:ea typeface="+mn-ea"/>
+                        <a:cs typeface="+mn-ea"/>
+                        <a:sym typeface="+mn-lt"/>
+                      </a:endParaRPr>
+                    </a:p>
+                  </a:txBody>
+                  <a:tcPr marL="108666" marR="108666" marT="108522" marB="108522" anchor="ctr">
+                    <a:lnL w="3175" cap="flat" cmpd="sng" algn="ctr">
+                      <a:noFill/>
+                      <a:prstDash val="solid"/>
+                      <a:round/>
+                      <a:headEnd type="none" w="med" len="med"/>
+                      <a:tailEnd type="none" w="med" len="med"/>
+                    </a:lnL>
+                    <a:lnR w="57150" cap="flat" cmpd="sng" algn="ctr">
+                      <a:noFill/>
+                      <a:prstDash val="solid"/>
+                      <a:round/>
+                      <a:headEnd type="none" w="med" len="med"/>
+                      <a:tailEnd type="none" w="med" len="med"/>
+                    </a:lnR>
+                    <a:lnT w="3175" cap="flat" cmpd="sng" algn="ctr">
+                      <a:solidFill>
+                        <a:schemeClr val="bg1">
+                          <a:lumMod val="75000"/>
+                        </a:schemeClr>
+                      </a:solidFill>
+                      <a:prstDash val="sysDot"/>
+                      <a:round/>
+                      <a:headEnd type="none" w="med" len="med"/>
+                      <a:tailEnd type="none" w="med" len="med"/>
+                    </a:lnT>
+                    <a:lnB w="3175" cap="flat" cmpd="sng" algn="ctr">
+                      <a:solidFill>
+                        <a:schemeClr val="bg1">
+                          <a:lumMod val="75000"/>
+                        </a:schemeClr>
+                      </a:solidFill>
+                      <a:prstDash val="sysDot"/>
+                      <a:round/>
+                      <a:headEnd type="none" w="med" len="med"/>
+                      <a:tailEnd type="none" w="med" len="med"/>
+                    </a:lnB>
+                    <a:lnTlToBr w="12700" cmpd="sng">
+                      <a:noFill/>
+                      <a:prstDash val="solid"/>
+                    </a:lnTlToBr>
+                    <a:lnBlToTr w="12700" cmpd="sng">
+                      <a:noFill/>
+                      <a:prstDash val="solid"/>
+                    </a:lnBlToTr>
+                    <a:noFill/>
+                  </a:tcPr>
+                </a:tc>
+                <a:tc>
+                  <a:txBody>
+                    <a:bodyPr/>
+                    <a:lstStyle/>
+                    <a:p>
+                      <a:pPr marL="0" marR="0" lvl="0" indent="0" algn="l" defTabSz="685792" rtl="0" eaLnBrk="1" fontAlgn="auto" latinLnBrk="0" hangingPunct="1">
+                        <a:lnSpc>
+                          <a:spcPct val="130000"/>
+                        </a:lnSpc>
+                        <a:spcBef>
+                          <a:spcPts val="0"/>
+                        </a:spcBef>
+                        <a:spcAft>
+                          <a:spcPts val="0"/>
+                        </a:spcAft>
+                        <a:buClrTx/>
+                        <a:buSzTx/>
+                        <a:buFontTx/>
+                        <a:buNone/>
+                        <a:tabLst/>
+                        <a:defRPr/>
+                      </a:pPr>
+                      <a:endParaRPr lang="zh-CN" altLang="en-US" sz="1200" b="0" kern="1200" dirty="0">
+                        <a:solidFill>
+                          <a:schemeClr val="tx1">
+                            <a:lumMod val="75000"/>
+                            <a:lumOff val="25000"/>
+                          </a:schemeClr>
+                        </a:solidFill>
+                        <a:latin typeface="+mn-lt"/>
+                        <a:ea typeface="+mn-ea"/>
+                        <a:cs typeface="+mn-ea"/>
+                        <a:sym typeface="+mn-lt"/>
+                      </a:endParaRPr>
+                    </a:p>
+                  </a:txBody>
+                  <a:tcPr marL="108666" marR="108666" marT="108522" marB="108522" anchor="ctr">
+                    <a:lnL w="3175" cap="flat" cmpd="sng" algn="ctr">
+                      <a:noFill/>
+                      <a:prstDash val="solid"/>
+                      <a:round/>
+                      <a:headEnd type="none" w="med" len="med"/>
+                      <a:tailEnd type="none" w="med" len="med"/>
+                    </a:lnL>
+                    <a:lnR w="57150" cap="flat" cmpd="sng" algn="ctr">
+                      <a:noFill/>
+                      <a:prstDash val="solid"/>
+                      <a:round/>
+                      <a:headEnd type="none" w="med" len="med"/>
+                      <a:tailEnd type="none" w="med" len="med"/>
+                    </a:lnR>
+                    <a:lnT w="3175" cap="flat" cmpd="sng" algn="ctr">
+                      <a:solidFill>
+                        <a:schemeClr val="bg1">
+                          <a:lumMod val="75000"/>
+                        </a:schemeClr>
+                      </a:solidFill>
+                      <a:prstDash val="sysDot"/>
+                      <a:round/>
+                      <a:headEnd type="none" w="med" len="med"/>
+                      <a:tailEnd type="none" w="med" len="med"/>
+                    </a:lnT>
+                    <a:lnB w="3175" cap="flat" cmpd="sng" algn="ctr">
+                      <a:solidFill>
+                        <a:schemeClr val="bg1">
+                          <a:lumMod val="75000"/>
+                        </a:schemeClr>
+                      </a:solidFill>
+                      <a:prstDash val="sysDot"/>
+                      <a:round/>
+                      <a:headEnd type="none" w="med" len="med"/>
+                      <a:tailEnd type="none" w="med" len="med"/>
+                    </a:lnB>
+                    <a:lnTlToBr w="12700" cmpd="sng">
+                      <a:noFill/>
+                      <a:prstDash val="solid"/>
+                    </a:lnTlToBr>
+                    <a:lnBlToTr w="12700" cmpd="sng">
+                      <a:noFill/>
+                      <a:prstDash val="solid"/>
+                    </a:lnBlToTr>
+                    <a:noFill/>
+                  </a:tcPr>
+                </a:tc>
+                <a:tc>
+                  <a:txBody>
+                    <a:bodyPr/>
+                    <a:lstStyle/>
+                    <a:p>
+                      <a:pPr marL="0" marR="0" lvl="0" indent="0" algn="l" defTabSz="685792" rtl="0" eaLnBrk="1" fontAlgn="auto" latinLnBrk="0" hangingPunct="1">
+                        <a:lnSpc>
+                          <a:spcPct val="130000"/>
+                        </a:lnSpc>
+                        <a:spcBef>
+                          <a:spcPts val="0"/>
+                        </a:spcBef>
+                        <a:spcAft>
+                          <a:spcPts val="0"/>
+                        </a:spcAft>
+                        <a:buClrTx/>
+                        <a:buSzTx/>
+                        <a:buFontTx/>
+                        <a:buNone/>
+                        <a:tabLst/>
+                        <a:defRPr/>
+                      </a:pPr>
+                      <a:endParaRPr lang="zh-CN" altLang="en-US" sz="1200" b="0" kern="1200" dirty="0">
+                        <a:solidFill>
+                          <a:schemeClr val="tx1">
+                            <a:lumMod val="75000"/>
+                            <a:lumOff val="25000"/>
+                          </a:schemeClr>
+                        </a:solidFill>
+                        <a:latin typeface="+mn-lt"/>
+                        <a:ea typeface="+mn-ea"/>
+                        <a:cs typeface="+mn-ea"/>
+                        <a:sym typeface="+mn-lt"/>
+                      </a:endParaRPr>
+                    </a:p>
+                  </a:txBody>
+                  <a:tcPr marL="108666" marR="108666" marT="108522" marB="108522" anchor="ctr">
+                    <a:lnL w="3175" cap="flat" cmpd="sng" algn="ctr">
+                      <a:noFill/>
+                      <a:prstDash val="solid"/>
+                      <a:round/>
+                      <a:headEnd type="none" w="med" len="med"/>
+                      <a:tailEnd type="none" w="med" len="med"/>
+                    </a:lnL>
+                    <a:lnR w="57150" cap="flat" cmpd="sng" algn="ctr">
+                      <a:noFill/>
+                      <a:prstDash val="solid"/>
+                      <a:round/>
+                      <a:headEnd type="none" w="med" len="med"/>
+                      <a:tailEnd type="none" w="med" len="med"/>
+                    </a:lnR>
+                    <a:lnT w="3175" cap="flat" cmpd="sng" algn="ctr">
+                      <a:solidFill>
+                        <a:schemeClr val="bg1">
+                          <a:lumMod val="75000"/>
+                        </a:schemeClr>
+                      </a:solidFill>
+                      <a:prstDash val="sysDot"/>
+                      <a:round/>
+                      <a:headEnd type="none" w="med" len="med"/>
+                      <a:tailEnd type="none" w="med" len="med"/>
+                    </a:lnT>
+                    <a:lnB w="3175" cap="flat" cmpd="sng" algn="ctr">
+                      <a:solidFill>
+                        <a:schemeClr val="bg1">
+                          <a:lumMod val="75000"/>
+                        </a:schemeClr>
+                      </a:solidFill>
+                      <a:prstDash val="sysDot"/>
+                      <a:round/>
+                      <a:headEnd type="none" w="med" len="med"/>
+                      <a:tailEnd type="none" w="med" len="med"/>
+                    </a:lnB>
+                    <a:lnTlToBr w="12700" cmpd="sng">
+                      <a:noFill/>
+                      <a:prstDash val="solid"/>
+                    </a:lnTlToBr>
+                    <a:lnBlToTr w="12700" cmpd="sng">
+                      <a:noFill/>
+                      <a:prstDash val="solid"/>
+                    </a:lnBlToTr>
+                    <a:noFill/>
+                  </a:tcPr>
+                </a:tc>
+                <a:tc>
+                  <a:txBody>
+                    <a:bodyPr/>
+                    <a:lstStyle/>
+                    <a:p>
+                      <a:pPr marL="0" marR="0" lvl="0" indent="0" algn="l" defTabSz="685792" rtl="0" eaLnBrk="1" fontAlgn="auto" latinLnBrk="0" hangingPunct="1">
+                        <a:lnSpc>
+                          <a:spcPct val="130000"/>
+                        </a:lnSpc>
+                        <a:spcBef>
+                          <a:spcPts val="0"/>
+                        </a:spcBef>
+                        <a:spcAft>
+                          <a:spcPts val="0"/>
+                        </a:spcAft>
+                        <a:buClrTx/>
+                        <a:buSzTx/>
+                        <a:buFontTx/>
+                        <a:buNone/>
+                        <a:tabLst/>
+                        <a:defRPr/>
+                      </a:pPr>
+                      <a:endParaRPr lang="zh-CN" altLang="en-US" sz="1200" b="0" kern="1200" dirty="0">
+                        <a:solidFill>
+                          <a:schemeClr val="tx1">
+                            <a:lumMod val="75000"/>
+                            <a:lumOff val="25000"/>
+                          </a:schemeClr>
+                        </a:solidFill>
+                        <a:latin typeface="+mn-lt"/>
+                        <a:ea typeface="+mn-ea"/>
+                        <a:cs typeface="+mn-ea"/>
+                        <a:sym typeface="+mn-lt"/>
+                      </a:endParaRPr>
+                    </a:p>
+                  </a:txBody>
+                  <a:tcPr marL="108666" marR="108666" marT="108522" marB="108522" anchor="ctr">
+                    <a:lnL w="3175" cap="flat" cmpd="sng" algn="ctr">
+                      <a:noFill/>
+                      <a:prstDash val="solid"/>
+                      <a:round/>
+                      <a:headEnd type="none" w="med" len="med"/>
+                      <a:tailEnd type="none" w="med" len="med"/>
+                    </a:lnL>
+                    <a:lnR w="57150" cap="flat" cmpd="sng" algn="ctr">
+                      <a:noFill/>
+                      <a:prstDash val="solid"/>
+                      <a:round/>
+                      <a:headEnd type="none" w="med" len="med"/>
+                      <a:tailEnd type="none" w="med" len="med"/>
+                    </a:lnR>
+                    <a:lnT w="3175" cap="flat" cmpd="sng" algn="ctr">
+                      <a:solidFill>
+                        <a:schemeClr val="bg1">
+                          <a:lumMod val="75000"/>
+                        </a:schemeClr>
+                      </a:solidFill>
+                      <a:prstDash val="sysDot"/>
+                      <a:round/>
+                      <a:headEnd type="none" w="med" len="med"/>
+                      <a:tailEnd type="none" w="med" len="med"/>
+                    </a:lnT>
+                    <a:lnB w="3175" cap="flat" cmpd="sng" algn="ctr">
+                      <a:solidFill>
+                        <a:schemeClr val="bg1">
+                          <a:lumMod val="75000"/>
+                        </a:schemeClr>
+                      </a:solidFill>
+                      <a:prstDash val="sysDot"/>
+                      <a:round/>
+                      <a:headEnd type="none" w="med" len="med"/>
+                      <a:tailEnd type="none" w="med" len="med"/>
+                    </a:lnB>
+                    <a:lnTlToBr w="12700" cmpd="sng">
+                      <a:noFill/>
+                      <a:prstDash val="solid"/>
+                    </a:lnTlToBr>
+                    <a:lnBlToTr w="12700" cmpd="sng">
+                      <a:noFill/>
+                      <a:prstDash val="solid"/>
+                    </a:lnBlToTr>
+                    <a:noFill/>
+                  </a:tcPr>
+                </a:tc>
+                <a:tc>
+                  <a:txBody>
+                    <a:bodyPr/>
+                    <a:lstStyle/>
+                    <a:p>
+                      <a:pPr marL="0" marR="0" lvl="0" indent="0" algn="l" defTabSz="685792" rtl="0" eaLnBrk="1" fontAlgn="auto" latinLnBrk="0" hangingPunct="1">
+                        <a:lnSpc>
+                          <a:spcPct val="130000"/>
+                        </a:lnSpc>
+                        <a:spcBef>
+                          <a:spcPts val="0"/>
+                        </a:spcBef>
+                        <a:spcAft>
+                          <a:spcPts val="0"/>
+                        </a:spcAft>
+                        <a:buClrTx/>
+                        <a:buSzTx/>
+                        <a:buFontTx/>
+                        <a:buNone/>
+                        <a:tabLst/>
+                        <a:defRPr/>
+                      </a:pPr>
+                      <a:endParaRPr lang="zh-CN" altLang="en-US" sz="1200" b="0" kern="1200" dirty="0">
+                        <a:solidFill>
+                          <a:schemeClr val="tx1">
+                            <a:lumMod val="75000"/>
+                            <a:lumOff val="25000"/>
+                          </a:schemeClr>
+                        </a:solidFill>
+                        <a:latin typeface="+mn-lt"/>
+                        <a:ea typeface="+mn-ea"/>
+                        <a:cs typeface="+mn-ea"/>
+                        <a:sym typeface="+mn-lt"/>
+                      </a:endParaRPr>
+                    </a:p>
+                  </a:txBody>
+                  <a:tcPr marL="108666" marR="108666" marT="108522" marB="108522" anchor="ctr">
+                    <a:lnL w="3175" cap="flat" cmpd="sng" algn="ctr">
+                      <a:noFill/>
+                      <a:prstDash val="solid"/>
+                      <a:round/>
+                      <a:headEnd type="none" w="med" len="med"/>
+                      <a:tailEnd type="none" w="med" len="med"/>
+                    </a:lnL>
+                    <a:lnR w="57150" cap="flat" cmpd="sng" algn="ctr">
+                      <a:noFill/>
+                      <a:prstDash val="solid"/>
+                      <a:round/>
+                      <a:headEnd type="none" w="med" len="med"/>
+                      <a:tailEnd type="none" w="med" len="med"/>
+                    </a:lnR>
+                    <a:lnT w="3175" cap="flat" cmpd="sng" algn="ctr">
+                      <a:solidFill>
+                        <a:schemeClr val="bg1">
+                          <a:lumMod val="75000"/>
+                        </a:schemeClr>
+                      </a:solidFill>
+                      <a:prstDash val="sysDot"/>
+                      <a:round/>
+                      <a:headEnd type="none" w="med" len="med"/>
+                      <a:tailEnd type="none" w="med" len="med"/>
+                    </a:lnT>
+                    <a:lnB w="3175" cap="flat" cmpd="sng" algn="ctr">
+                      <a:solidFill>
+                        <a:schemeClr val="bg1">
+                          <a:lumMod val="75000"/>
+                        </a:schemeClr>
+                      </a:solidFill>
+                      <a:prstDash val="sysDot"/>
+                      <a:round/>
+                      <a:headEnd type="none" w="med" len="med"/>
+                      <a:tailEnd type="none" w="med" len="med"/>
+                    </a:lnB>
+                    <a:lnTlToBr w="12700" cmpd="sng">
+                      <a:noFill/>
+                      <a:prstDash val="solid"/>
+                    </a:lnTlToBr>
+                    <a:lnBlToTr w="12700" cmpd="sng">
+                      <a:noFill/>
+                      <a:prstDash val="solid"/>
+                    </a:lnBlToTr>
+                    <a:noFill/>
+                  </a:tcPr>
+                </a:tc>
                 <a:extLst>
                   <a:ext uri="{0D108BD9-81ED-4DB2-BD59-A6C34878D82A}">
-                    <a16:rowId xmlns:a16="http://schemas.microsoft.com/office/drawing/2014/main" xmlns="" val="10002"/>
+                    <a16:rowId xmlns="" xmlns:a16="http://schemas.microsoft.com/office/drawing/2014/main" val="10003"/>
                   </a:ext>
                 </a:extLst>
               </a:tr>
-              <a:tr h="474724">
+              <a:tr h="465493">
                 <a:tc>
                   <a:txBody>
                     <a:bodyPr/>
@@ -17625,6 +17823,92 @@
                     <a:noFill/>
                   </a:tcPr>
                 </a:tc>
+              </a:tr>
+              <a:tr h="445945">
+                <a:tc>
+                  <a:txBody>
+                    <a:bodyPr/>
+                    <a:lstStyle/>
+                    <a:p>
+                      <a:pPr marL="0" marR="0" lvl="0" indent="0" algn="ctr" defTabSz="685792" rtl="0" eaLnBrk="1" fontAlgn="auto" latinLnBrk="0" hangingPunct="1">
+                        <a:lnSpc>
+                          <a:spcPct val="130000"/>
+                        </a:lnSpc>
+                        <a:spcBef>
+                          <a:spcPts val="0"/>
+                        </a:spcBef>
+                        <a:spcAft>
+                          <a:spcPts val="0"/>
+                        </a:spcAft>
+                        <a:buClrTx/>
+                        <a:buSzTx/>
+                        <a:buFontTx/>
+                        <a:buNone/>
+                        <a:tabLst/>
+                        <a:defRPr/>
+                      </a:pPr>
+                      <a:endParaRPr lang="zh-CN" altLang="en-US" sz="1200" b="0" kern="1200" dirty="0">
+                        <a:solidFill>
+                          <a:schemeClr val="tx1">
+                            <a:lumMod val="75000"/>
+                            <a:lumOff val="25000"/>
+                          </a:schemeClr>
+                        </a:solidFill>
+                        <a:latin typeface="+mn-lt"/>
+                        <a:ea typeface="+mn-ea"/>
+                        <a:cs typeface="+mn-ea"/>
+                        <a:sym typeface="+mn-lt"/>
+                      </a:endParaRPr>
+                    </a:p>
+                  </a:txBody>
+                  <a:tcPr marL="108666" marR="108666" marT="108522" marB="108522" anchor="ctr">
+                    <a:lnL w="57150" cap="flat" cmpd="sng" algn="ctr">
+                      <a:noFill/>
+                      <a:prstDash val="solid"/>
+                      <a:round/>
+                      <a:headEnd type="none" w="med" len="med"/>
+                      <a:tailEnd type="none" w="med" len="med"/>
+                    </a:lnL>
+                    <a:lnR w="3175" cap="flat" cmpd="sng" algn="ctr">
+                      <a:noFill/>
+                      <a:prstDash val="solid"/>
+                      <a:round/>
+                      <a:headEnd type="none" w="med" len="med"/>
+                      <a:tailEnd type="none" w="med" len="med"/>
+                    </a:lnR>
+                    <a:lnT w="3175" cap="flat" cmpd="sng" algn="ctr">
+                      <a:solidFill>
+                        <a:schemeClr val="bg1">
+                          <a:lumMod val="75000"/>
+                        </a:schemeClr>
+                      </a:solidFill>
+                      <a:prstDash val="sysDot"/>
+                      <a:round/>
+                      <a:headEnd type="none" w="med" len="med"/>
+                      <a:tailEnd type="none" w="med" len="med"/>
+                    </a:lnT>
+                    <a:lnB w="3175" cap="flat" cmpd="sng" algn="ctr">
+                      <a:solidFill>
+                        <a:schemeClr val="bg1">
+                          <a:lumMod val="75000"/>
+                        </a:schemeClr>
+                      </a:solidFill>
+                      <a:prstDash val="sysDot"/>
+                      <a:round/>
+                      <a:headEnd type="none" w="med" len="med"/>
+                      <a:tailEnd type="none" w="med" len="med"/>
+                    </a:lnB>
+                    <a:lnTlToBr w="12700" cmpd="sng">
+                      <a:noFill/>
+                      <a:prstDash val="solid"/>
+                    </a:lnTlToBr>
+                    <a:lnBlToTr w="12700" cmpd="sng">
+                      <a:noFill/>
+                      <a:prstDash val="solid"/>
+                    </a:lnBlToTr>
+                    <a:noFill/>
+                  </a:tcPr>
+                </a:tc>
                 <a:tc>
                   <a:txBody>
                     <a:bodyPr/>
@@ -17709,13 +17993,428 @@
                     <a:noFill/>
                   </a:tcPr>
                 </a:tc>
-                <a:extLst>
-                  <a:ext uri="{0D108BD9-81ED-4DB2-BD59-A6C34878D82A}">
-                    <a16:rowId xmlns:a16="http://schemas.microsoft.com/office/drawing/2014/main" xmlns="" val="10003"/>
-                  </a:ext>
-                </a:extLst>
+                <a:tc>
+                  <a:txBody>
+                    <a:bodyPr/>
+                    <a:lstStyle/>
+                    <a:p>
+                      <a:pPr marL="0" marR="0" lvl="0" indent="0" algn="l" defTabSz="685792" rtl="0" eaLnBrk="1" fontAlgn="auto" latinLnBrk="0" hangingPunct="1">
+                        <a:lnSpc>
+                          <a:spcPct val="130000"/>
+                        </a:lnSpc>
+                        <a:spcBef>
+                          <a:spcPts val="0"/>
+                        </a:spcBef>
+                        <a:spcAft>
+                          <a:spcPts val="0"/>
+                        </a:spcAft>
+                        <a:buClrTx/>
+                        <a:buSzTx/>
+                        <a:buFontTx/>
+                        <a:buNone/>
+                        <a:tabLst/>
+                        <a:defRPr/>
+                      </a:pPr>
+                      <a:endParaRPr lang="zh-CN" altLang="en-US" sz="1200" b="0" kern="1200" dirty="0">
+                        <a:solidFill>
+                          <a:schemeClr val="tx1">
+                            <a:lumMod val="75000"/>
+                            <a:lumOff val="25000"/>
+                          </a:schemeClr>
+                        </a:solidFill>
+                        <a:latin typeface="+mn-lt"/>
+                        <a:ea typeface="+mn-ea"/>
+                        <a:cs typeface="+mn-ea"/>
+                        <a:sym typeface="+mn-lt"/>
+                      </a:endParaRPr>
+                    </a:p>
+                  </a:txBody>
+                  <a:tcPr marL="108666" marR="108666" marT="108522" marB="108522" anchor="ctr">
+                    <a:lnL w="3175" cap="flat" cmpd="sng" algn="ctr">
+                      <a:noFill/>
+                      <a:prstDash val="solid"/>
+                      <a:round/>
+                      <a:headEnd type="none" w="med" len="med"/>
+                      <a:tailEnd type="none" w="med" len="med"/>
+                    </a:lnL>
+                    <a:lnR w="57150" cap="flat" cmpd="sng" algn="ctr">
+                      <a:noFill/>
+                      <a:prstDash val="solid"/>
+                      <a:round/>
+                      <a:headEnd type="none" w="med" len="med"/>
+                      <a:tailEnd type="none" w="med" len="med"/>
+                    </a:lnR>
+                    <a:lnT w="3175" cap="flat" cmpd="sng" algn="ctr">
+                      <a:solidFill>
+                        <a:schemeClr val="bg1">
+                          <a:lumMod val="75000"/>
+                        </a:schemeClr>
+                      </a:solidFill>
+                      <a:prstDash val="sysDot"/>
+                      <a:round/>
+                      <a:headEnd type="none" w="med" len="med"/>
+                      <a:tailEnd type="none" w="med" len="med"/>
+                    </a:lnT>
+                    <a:lnB w="3175" cap="flat" cmpd="sng" algn="ctr">
+                      <a:solidFill>
+                        <a:schemeClr val="bg1">
+                          <a:lumMod val="75000"/>
+                        </a:schemeClr>
+                      </a:solidFill>
+                      <a:prstDash val="sysDot"/>
+                      <a:round/>
+                      <a:headEnd type="none" w="med" len="med"/>
+                      <a:tailEnd type="none" w="med" len="med"/>
+                    </a:lnB>
+                    <a:lnTlToBr w="12700" cmpd="sng">
+                      <a:noFill/>
+                      <a:prstDash val="solid"/>
+                    </a:lnTlToBr>
+                    <a:lnBlToTr w="12700" cmpd="sng">
+                      <a:noFill/>
+                      <a:prstDash val="solid"/>
+                    </a:lnBlToTr>
+                    <a:noFill/>
+                  </a:tcPr>
+                </a:tc>
+                <a:tc>
+                  <a:txBody>
+                    <a:bodyPr/>
+                    <a:lstStyle/>
+                    <a:p>
+                      <a:pPr marL="0" marR="0" lvl="0" indent="0" algn="l" defTabSz="685792" rtl="0" eaLnBrk="1" fontAlgn="auto" latinLnBrk="0" hangingPunct="1">
+                        <a:lnSpc>
+                          <a:spcPct val="130000"/>
+                        </a:lnSpc>
+                        <a:spcBef>
+                          <a:spcPts val="0"/>
+                        </a:spcBef>
+                        <a:spcAft>
+                          <a:spcPts val="0"/>
+                        </a:spcAft>
+                        <a:buClrTx/>
+                        <a:buSzTx/>
+                        <a:buFontTx/>
+                        <a:buNone/>
+                        <a:tabLst/>
+                        <a:defRPr/>
+                      </a:pPr>
+                      <a:endParaRPr lang="zh-CN" altLang="en-US" sz="1200" b="0" kern="1200" dirty="0">
+                        <a:solidFill>
+                          <a:schemeClr val="tx1">
+                            <a:lumMod val="75000"/>
+                            <a:lumOff val="25000"/>
+                          </a:schemeClr>
+                        </a:solidFill>
+                        <a:latin typeface="+mn-lt"/>
+                        <a:ea typeface="+mn-ea"/>
+                        <a:cs typeface="+mn-ea"/>
+                        <a:sym typeface="+mn-lt"/>
+                      </a:endParaRPr>
+                    </a:p>
+                  </a:txBody>
+                  <a:tcPr marL="108666" marR="108666" marT="108522" marB="108522" anchor="ctr">
+                    <a:lnL w="3175" cap="flat" cmpd="sng" algn="ctr">
+                      <a:noFill/>
+                      <a:prstDash val="solid"/>
+                      <a:round/>
+                      <a:headEnd type="none" w="med" len="med"/>
+                      <a:tailEnd type="none" w="med" len="med"/>
+                    </a:lnL>
+                    <a:lnR w="57150" cap="flat" cmpd="sng" algn="ctr">
+                      <a:noFill/>
+                      <a:prstDash val="solid"/>
+                      <a:round/>
+                      <a:headEnd type="none" w="med" len="med"/>
+                      <a:tailEnd type="none" w="med" len="med"/>
+                    </a:lnR>
+                    <a:lnT w="3175" cap="flat" cmpd="sng" algn="ctr">
+                      <a:solidFill>
+                        <a:schemeClr val="bg1">
+                          <a:lumMod val="75000"/>
+                        </a:schemeClr>
+                      </a:solidFill>
+                      <a:prstDash val="sysDot"/>
+                      <a:round/>
+                      <a:headEnd type="none" w="med" len="med"/>
+                      <a:tailEnd type="none" w="med" len="med"/>
+                    </a:lnT>
+                    <a:lnB w="3175" cap="flat" cmpd="sng" algn="ctr">
+                      <a:solidFill>
+                        <a:schemeClr val="bg1">
+                          <a:lumMod val="75000"/>
+                        </a:schemeClr>
+                      </a:solidFill>
+                      <a:prstDash val="sysDot"/>
+                      <a:round/>
+                      <a:headEnd type="none" w="med" len="med"/>
+                      <a:tailEnd type="none" w="med" len="med"/>
+                    </a:lnB>
+                    <a:lnTlToBr w="12700" cmpd="sng">
+                      <a:noFill/>
+                      <a:prstDash val="solid"/>
+                    </a:lnTlToBr>
+                    <a:lnBlToTr w="12700" cmpd="sng">
+                      <a:noFill/>
+                      <a:prstDash val="solid"/>
+                    </a:lnBlToTr>
+                    <a:noFill/>
+                  </a:tcPr>
+                </a:tc>
+                <a:tc>
+                  <a:txBody>
+                    <a:bodyPr/>
+                    <a:lstStyle/>
+                    <a:p>
+                      <a:pPr marL="0" marR="0" lvl="0" indent="0" algn="l" defTabSz="685792" rtl="0" eaLnBrk="1" fontAlgn="auto" latinLnBrk="0" hangingPunct="1">
+                        <a:lnSpc>
+                          <a:spcPct val="130000"/>
+                        </a:lnSpc>
+                        <a:spcBef>
+                          <a:spcPts val="0"/>
+                        </a:spcBef>
+                        <a:spcAft>
+                          <a:spcPts val="0"/>
+                        </a:spcAft>
+                        <a:buClrTx/>
+                        <a:buSzTx/>
+                        <a:buFontTx/>
+                        <a:buNone/>
+                        <a:tabLst/>
+                        <a:defRPr/>
+                      </a:pPr>
+                      <a:endParaRPr lang="zh-CN" altLang="en-US" sz="1200" b="0" kern="1200" dirty="0">
+                        <a:solidFill>
+                          <a:schemeClr val="tx1">
+                            <a:lumMod val="75000"/>
+                            <a:lumOff val="25000"/>
+                          </a:schemeClr>
+                        </a:solidFill>
+                        <a:latin typeface="+mn-lt"/>
+                        <a:ea typeface="+mn-ea"/>
+                        <a:cs typeface="+mn-ea"/>
+                        <a:sym typeface="+mn-lt"/>
+                      </a:endParaRPr>
+                    </a:p>
+                  </a:txBody>
+                  <a:tcPr marL="108666" marR="108666" marT="108522" marB="108522" anchor="ctr">
+                    <a:lnL w="3175" cap="flat" cmpd="sng" algn="ctr">
+                      <a:noFill/>
+                      <a:prstDash val="solid"/>
+                      <a:round/>
+                      <a:headEnd type="none" w="med" len="med"/>
+                      <a:tailEnd type="none" w="med" len="med"/>
+                    </a:lnL>
+                    <a:lnR w="57150" cap="flat" cmpd="sng" algn="ctr">
+                      <a:noFill/>
+                      <a:prstDash val="solid"/>
+                      <a:round/>
+                      <a:headEnd type="none" w="med" len="med"/>
+                      <a:tailEnd type="none" w="med" len="med"/>
+                    </a:lnR>
+                    <a:lnT w="3175" cap="flat" cmpd="sng" algn="ctr">
+                      <a:solidFill>
+                        <a:schemeClr val="bg1">
+                          <a:lumMod val="75000"/>
+                        </a:schemeClr>
+                      </a:solidFill>
+                      <a:prstDash val="sysDot"/>
+                      <a:round/>
+                      <a:headEnd type="none" w="med" len="med"/>
+                      <a:tailEnd type="none" w="med" len="med"/>
+                    </a:lnT>
+                    <a:lnB w="3175" cap="flat" cmpd="sng" algn="ctr">
+                      <a:solidFill>
+                        <a:schemeClr val="bg1">
+                          <a:lumMod val="75000"/>
+                        </a:schemeClr>
+                      </a:solidFill>
+                      <a:prstDash val="sysDot"/>
+                      <a:round/>
+                      <a:headEnd type="none" w="med" len="med"/>
+                      <a:tailEnd type="none" w="med" len="med"/>
+                    </a:lnB>
+                    <a:lnTlToBr w="12700" cmpd="sng">
+                      <a:noFill/>
+                      <a:prstDash val="solid"/>
+                    </a:lnTlToBr>
+                    <a:lnBlToTr w="12700" cmpd="sng">
+                      <a:noFill/>
+                      <a:prstDash val="solid"/>
+                    </a:lnBlToTr>
+                    <a:noFill/>
+                  </a:tcPr>
+                </a:tc>
+                <a:tc>
+                  <a:txBody>
+                    <a:bodyPr/>
+                    <a:lstStyle/>
+                    <a:p>
+                      <a:pPr marL="0" marR="0" lvl="0" indent="0" algn="l" defTabSz="685792" rtl="0" eaLnBrk="1" fontAlgn="auto" latinLnBrk="0" hangingPunct="1">
+                        <a:lnSpc>
+                          <a:spcPct val="130000"/>
+                        </a:lnSpc>
+                        <a:spcBef>
+                          <a:spcPts val="0"/>
+                        </a:spcBef>
+                        <a:spcAft>
+                          <a:spcPts val="0"/>
+                        </a:spcAft>
+                        <a:buClrTx/>
+                        <a:buSzTx/>
+                        <a:buFontTx/>
+                        <a:buNone/>
+                        <a:tabLst/>
+                        <a:defRPr/>
+                      </a:pPr>
+                      <a:endParaRPr lang="zh-CN" altLang="en-US" sz="1200" b="0" kern="1200" dirty="0">
+                        <a:solidFill>
+                          <a:schemeClr val="tx1">
+                            <a:lumMod val="75000"/>
+                            <a:lumOff val="25000"/>
+                          </a:schemeClr>
+                        </a:solidFill>
+                        <a:latin typeface="+mn-lt"/>
+                        <a:ea typeface="+mn-ea"/>
+                        <a:cs typeface="+mn-ea"/>
+                        <a:sym typeface="+mn-lt"/>
+                      </a:endParaRPr>
+                    </a:p>
+                  </a:txBody>
+                  <a:tcPr marL="108666" marR="108666" marT="108522" marB="108522" anchor="ctr">
+                    <a:lnL w="3175" cap="flat" cmpd="sng" algn="ctr">
+                      <a:noFill/>
+                      <a:prstDash val="solid"/>
+                      <a:round/>
+                      <a:headEnd type="none" w="med" len="med"/>
+                      <a:tailEnd type="none" w="med" len="med"/>
+                    </a:lnL>
+                    <a:lnR w="57150" cap="flat" cmpd="sng" algn="ctr">
+                      <a:noFill/>
+                      <a:prstDash val="solid"/>
+                      <a:round/>
+                      <a:headEnd type="none" w="med" len="med"/>
+                      <a:tailEnd type="none" w="med" len="med"/>
+                    </a:lnR>
+                    <a:lnT w="3175" cap="flat" cmpd="sng" algn="ctr">
+                      <a:solidFill>
+                        <a:schemeClr val="bg1">
+                          <a:lumMod val="75000"/>
+                        </a:schemeClr>
+                      </a:solidFill>
+                      <a:prstDash val="sysDot"/>
+                      <a:round/>
+                      <a:headEnd type="none" w="med" len="med"/>
+                      <a:tailEnd type="none" w="med" len="med"/>
+                    </a:lnT>
+                    <a:lnB w="3175" cap="flat" cmpd="sng" algn="ctr">
+                      <a:solidFill>
+                        <a:schemeClr val="bg1">
+                          <a:lumMod val="75000"/>
+                        </a:schemeClr>
+                      </a:solidFill>
+                      <a:prstDash val="sysDot"/>
+                      <a:round/>
+                      <a:headEnd type="none" w="med" len="med"/>
+                      <a:tailEnd type="none" w="med" len="med"/>
+                    </a:lnB>
+                    <a:lnTlToBr w="12700" cmpd="sng">
+                      <a:noFill/>
+                      <a:prstDash val="solid"/>
+                    </a:lnTlToBr>
+                    <a:lnBlToTr w="12700" cmpd="sng">
+                      <a:noFill/>
+                      <a:prstDash val="solid"/>
+                    </a:lnBlToTr>
+                    <a:noFill/>
+                  </a:tcPr>
+                </a:tc>
+                <a:tc>
+                  <a:txBody>
+                    <a:bodyPr/>
+                    <a:lstStyle/>
+                    <a:p>
+                      <a:pPr marL="0" marR="0" lvl="0" indent="0" algn="l" defTabSz="685792" rtl="0" eaLnBrk="1" fontAlgn="auto" latinLnBrk="0" hangingPunct="1">
+                        <a:lnSpc>
+                          <a:spcPct val="130000"/>
+                        </a:lnSpc>
+                        <a:spcBef>
+                          <a:spcPts val="0"/>
+                        </a:spcBef>
+                        <a:spcAft>
+                          <a:spcPts val="0"/>
+                        </a:spcAft>
+                        <a:buClrTx/>
+                        <a:buSzTx/>
+                        <a:buFontTx/>
+                        <a:buNone/>
+                        <a:tabLst/>
+                        <a:defRPr/>
+                      </a:pPr>
+                      <a:endParaRPr lang="zh-CN" altLang="en-US" sz="1200" b="0" kern="1200" dirty="0">
+                        <a:solidFill>
+                          <a:schemeClr val="tx1">
+                            <a:lumMod val="75000"/>
+                            <a:lumOff val="25000"/>
+                          </a:schemeClr>
+                        </a:solidFill>
+                        <a:latin typeface="+mn-lt"/>
+                        <a:ea typeface="+mn-ea"/>
+                        <a:cs typeface="+mn-ea"/>
+                        <a:sym typeface="+mn-lt"/>
+                      </a:endParaRPr>
+                    </a:p>
+                  </a:txBody>
+                  <a:tcPr marL="108666" marR="108666" marT="108522" marB="108522" anchor="ctr">
+                    <a:lnL w="3175" cap="flat" cmpd="sng" algn="ctr">
+                      <a:noFill/>
+                      <a:prstDash val="solid"/>
+                      <a:round/>
+                      <a:headEnd type="none" w="med" len="med"/>
+                      <a:tailEnd type="none" w="med" len="med"/>
+                    </a:lnL>
+                    <a:lnR w="57150" cap="flat" cmpd="sng" algn="ctr">
+                      <a:noFill/>
+                      <a:prstDash val="solid"/>
+                      <a:round/>
+                      <a:headEnd type="none" w="med" len="med"/>
+                      <a:tailEnd type="none" w="med" len="med"/>
+                    </a:lnR>
+                    <a:lnT w="3175" cap="flat" cmpd="sng" algn="ctr">
+                      <a:solidFill>
+                        <a:schemeClr val="bg1">
+                          <a:lumMod val="75000"/>
+                        </a:schemeClr>
+                      </a:solidFill>
+                      <a:prstDash val="sysDot"/>
+                      <a:round/>
+                      <a:headEnd type="none" w="med" len="med"/>
+                      <a:tailEnd type="none" w="med" len="med"/>
+                    </a:lnT>
+                    <a:lnB w="3175" cap="flat" cmpd="sng" algn="ctr">
+                      <a:solidFill>
+                        <a:schemeClr val="bg1">
+                          <a:lumMod val="75000"/>
+                        </a:schemeClr>
+                      </a:solidFill>
+                      <a:prstDash val="sysDot"/>
+                      <a:round/>
+                      <a:headEnd type="none" w="med" len="med"/>
+                      <a:tailEnd type="none" w="med" len="med"/>
+                    </a:lnB>
+                    <a:lnTlToBr w="12700" cmpd="sng">
+                      <a:noFill/>
+                      <a:prstDash val="solid"/>
+                    </a:lnTlToBr>
+                    <a:lnBlToTr w="12700" cmpd="sng">
+                      <a:noFill/>
+                      <a:prstDash val="solid"/>
+                    </a:lnBlToTr>
+                    <a:noFill/>
+                  </a:tcPr>
+                </a:tc>
               </a:tr>
-              <a:tr h="474724">
+              <a:tr h="510575">
                 <a:tc>
                   <a:txBody>
                     <a:bodyPr/>
@@ -18304,6 +19003,97 @@
                     <a:noFill/>
                   </a:tcPr>
                 </a:tc>
+                <a:extLst>
+                  <a:ext uri="{0D108BD9-81ED-4DB2-BD59-A6C34878D82A}">
+                    <a16:rowId xmlns="" xmlns:a16="http://schemas.microsoft.com/office/drawing/2014/main" val="10004"/>
+                  </a:ext>
+                </a:extLst>
+              </a:tr>
+              <a:tr h="463755">
+                <a:tc>
+                  <a:txBody>
+                    <a:bodyPr/>
+                    <a:lstStyle/>
+                    <a:p>
+                      <a:pPr marL="0" marR="0" lvl="0" indent="0" algn="ctr" defTabSz="685792" rtl="0" eaLnBrk="1" fontAlgn="auto" latinLnBrk="0" hangingPunct="1">
+                        <a:lnSpc>
+                          <a:spcPct val="130000"/>
+                        </a:lnSpc>
+                        <a:spcBef>
+                          <a:spcPts val="0"/>
+                        </a:spcBef>
+                        <a:spcAft>
+                          <a:spcPts val="0"/>
+                        </a:spcAft>
+                        <a:buClrTx/>
+                        <a:buSzTx/>
+                        <a:buFontTx/>
+                        <a:buNone/>
+                        <a:tabLst/>
+                        <a:defRPr/>
+                      </a:pPr>
+                      <a:endParaRPr lang="zh-CN" altLang="en-US" sz="1200" b="0" kern="1200" dirty="0">
+                        <a:solidFill>
+                          <a:schemeClr val="tx1">
+                            <a:lumMod val="75000"/>
+                            <a:lumOff val="25000"/>
+                          </a:schemeClr>
+                        </a:solidFill>
+                        <a:latin typeface="+mn-lt"/>
+                        <a:ea typeface="+mn-ea"/>
+                        <a:cs typeface="+mn-ea"/>
+                        <a:sym typeface="+mn-lt"/>
+                      </a:endParaRPr>
+                    </a:p>
+                  </a:txBody>
+                  <a:tcPr marL="108666" marR="108666" marT="108522" marB="108522" anchor="ctr">
+                    <a:lnL w="57150" cap="flat" cmpd="sng" algn="ctr">
+                      <a:noFill/>
+                      <a:prstDash val="solid"/>
+                      <a:round/>
+                      <a:headEnd type="none" w="med" len="med"/>
+                      <a:tailEnd type="none" w="med" len="med"/>
+                    </a:lnL>
+                    <a:lnR w="3175" cap="flat" cmpd="sng" algn="ctr">
+                      <a:noFill/>
+                      <a:prstDash val="solid"/>
+                      <a:round/>
+                      <a:headEnd type="none" w="med" len="med"/>
+                      <a:tailEnd type="none" w="med" len="med"/>
+                    </a:lnR>
+                    <a:lnT w="3175" cap="flat" cmpd="sng" algn="ctr">
+                      <a:solidFill>
+                        <a:schemeClr val="bg1">
+                          <a:lumMod val="75000"/>
+                        </a:schemeClr>
+                      </a:solidFill>
+                      <a:prstDash val="sysDot"/>
+                      <a:round/>
+                      <a:headEnd type="none" w="med" len="med"/>
+                      <a:tailEnd type="none" w="med" len="med"/>
+                    </a:lnT>
+                    <a:lnB w="3175" cap="flat" cmpd="sng" algn="ctr">
+                      <a:solidFill>
+                        <a:schemeClr val="bg1">
+                          <a:lumMod val="75000"/>
+                        </a:schemeClr>
+                      </a:solidFill>
+                      <a:prstDash val="sysDot"/>
+                      <a:round/>
+                      <a:headEnd type="none" w="med" len="med"/>
+                      <a:tailEnd type="none" w="med" len="med"/>
+                    </a:lnB>
+                    <a:lnTlToBr w="12700" cmpd="sng">
+                      <a:noFill/>
+                      <a:prstDash val="solid"/>
+                    </a:lnTlToBr>
+                    <a:lnBlToTr w="12700" cmpd="sng">
+                      <a:noFill/>
+                      <a:prstDash val="solid"/>
+                    </a:lnBlToTr>
+                    <a:noFill/>
+                  </a:tcPr>
+                </a:tc>
                 <a:tc>
                   <a:txBody>
                     <a:bodyPr/>
@@ -18388,8 +19178,428 @@
                     <a:noFill/>
                   </a:tcPr>
                 </a:tc>
+                <a:tc>
+                  <a:txBody>
+                    <a:bodyPr/>
+                    <a:lstStyle/>
+                    <a:p>
+                      <a:pPr marL="0" marR="0" lvl="0" indent="0" algn="l" defTabSz="685792" rtl="0" eaLnBrk="1" fontAlgn="auto" latinLnBrk="0" hangingPunct="1">
+                        <a:lnSpc>
+                          <a:spcPct val="130000"/>
+                        </a:lnSpc>
+                        <a:spcBef>
+                          <a:spcPts val="0"/>
+                        </a:spcBef>
+                        <a:spcAft>
+                          <a:spcPts val="0"/>
+                        </a:spcAft>
+                        <a:buClrTx/>
+                        <a:buSzTx/>
+                        <a:buFontTx/>
+                        <a:buNone/>
+                        <a:tabLst/>
+                        <a:defRPr/>
+                      </a:pPr>
+                      <a:endParaRPr lang="zh-CN" altLang="en-US" sz="1200" b="0" kern="1200" dirty="0">
+                        <a:solidFill>
+                          <a:schemeClr val="tx1">
+                            <a:lumMod val="75000"/>
+                            <a:lumOff val="25000"/>
+                          </a:schemeClr>
+                        </a:solidFill>
+                        <a:latin typeface="+mn-lt"/>
+                        <a:ea typeface="+mn-ea"/>
+                        <a:cs typeface="+mn-ea"/>
+                        <a:sym typeface="+mn-lt"/>
+                      </a:endParaRPr>
+                    </a:p>
+                  </a:txBody>
+                  <a:tcPr marL="108666" marR="108666" marT="108522" marB="108522" anchor="ctr">
+                    <a:lnL w="3175" cap="flat" cmpd="sng" algn="ctr">
+                      <a:noFill/>
+                      <a:prstDash val="solid"/>
+                      <a:round/>
+                      <a:headEnd type="none" w="med" len="med"/>
+                      <a:tailEnd type="none" w="med" len="med"/>
+                    </a:lnL>
+                    <a:lnR w="57150" cap="flat" cmpd="sng" algn="ctr">
+                      <a:noFill/>
+                      <a:prstDash val="solid"/>
+                      <a:round/>
+                      <a:headEnd type="none" w="med" len="med"/>
+                      <a:tailEnd type="none" w="med" len="med"/>
+                    </a:lnR>
+                    <a:lnT w="3175" cap="flat" cmpd="sng" algn="ctr">
+                      <a:solidFill>
+                        <a:schemeClr val="bg1">
+                          <a:lumMod val="75000"/>
+                        </a:schemeClr>
+                      </a:solidFill>
+                      <a:prstDash val="sysDot"/>
+                      <a:round/>
+                      <a:headEnd type="none" w="med" len="med"/>
+                      <a:tailEnd type="none" w="med" len="med"/>
+                    </a:lnT>
+                    <a:lnB w="3175" cap="flat" cmpd="sng" algn="ctr">
+                      <a:solidFill>
+                        <a:schemeClr val="bg1">
+                          <a:lumMod val="75000"/>
+                        </a:schemeClr>
+                      </a:solidFill>
+                      <a:prstDash val="sysDot"/>
+                      <a:round/>
+                      <a:headEnd type="none" w="med" len="med"/>
+                      <a:tailEnd type="none" w="med" len="med"/>
+                    </a:lnB>
+                    <a:lnTlToBr w="12700" cmpd="sng">
+                      <a:noFill/>
+                      <a:prstDash val="solid"/>
+                    </a:lnTlToBr>
+                    <a:lnBlToTr w="12700" cmpd="sng">
+                      <a:noFill/>
+                      <a:prstDash val="solid"/>
+                    </a:lnBlToTr>
+                    <a:noFill/>
+                  </a:tcPr>
+                </a:tc>
+                <a:tc>
+                  <a:txBody>
+                    <a:bodyPr/>
+                    <a:lstStyle/>
+                    <a:p>
+                      <a:pPr marL="0" marR="0" lvl="0" indent="0" algn="l" defTabSz="685792" rtl="0" eaLnBrk="1" fontAlgn="auto" latinLnBrk="0" hangingPunct="1">
+                        <a:lnSpc>
+                          <a:spcPct val="130000"/>
+                        </a:lnSpc>
+                        <a:spcBef>
+                          <a:spcPts val="0"/>
+                        </a:spcBef>
+                        <a:spcAft>
+                          <a:spcPts val="0"/>
+                        </a:spcAft>
+                        <a:buClrTx/>
+                        <a:buSzTx/>
+                        <a:buFontTx/>
+                        <a:buNone/>
+                        <a:tabLst/>
+                        <a:defRPr/>
+                      </a:pPr>
+                      <a:endParaRPr lang="zh-CN" altLang="en-US" sz="1200" b="0" kern="1200" dirty="0">
+                        <a:solidFill>
+                          <a:schemeClr val="tx1">
+                            <a:lumMod val="75000"/>
+                            <a:lumOff val="25000"/>
+                          </a:schemeClr>
+                        </a:solidFill>
+                        <a:latin typeface="+mn-lt"/>
+                        <a:ea typeface="+mn-ea"/>
+                        <a:cs typeface="+mn-ea"/>
+                        <a:sym typeface="+mn-lt"/>
+                      </a:endParaRPr>
+                    </a:p>
+                  </a:txBody>
+                  <a:tcPr marL="108666" marR="108666" marT="108522" marB="108522" anchor="ctr">
+                    <a:lnL w="3175" cap="flat" cmpd="sng" algn="ctr">
+                      <a:noFill/>
+                      <a:prstDash val="solid"/>
+                      <a:round/>
+                      <a:headEnd type="none" w="med" len="med"/>
+                      <a:tailEnd type="none" w="med" len="med"/>
+                    </a:lnL>
+                    <a:lnR w="57150" cap="flat" cmpd="sng" algn="ctr">
+                      <a:noFill/>
+                      <a:prstDash val="solid"/>
+                      <a:round/>
+                      <a:headEnd type="none" w="med" len="med"/>
+                      <a:tailEnd type="none" w="med" len="med"/>
+                    </a:lnR>
+                    <a:lnT w="3175" cap="flat" cmpd="sng" algn="ctr">
+                      <a:solidFill>
+                        <a:schemeClr val="bg1">
+                          <a:lumMod val="75000"/>
+                        </a:schemeClr>
+                      </a:solidFill>
+                      <a:prstDash val="sysDot"/>
+                      <a:round/>
+                      <a:headEnd type="none" w="med" len="med"/>
+                      <a:tailEnd type="none" w="med" len="med"/>
+                    </a:lnT>
+                    <a:lnB w="3175" cap="flat" cmpd="sng" algn="ctr">
+                      <a:solidFill>
+                        <a:schemeClr val="bg1">
+                          <a:lumMod val="75000"/>
+                        </a:schemeClr>
+                      </a:solidFill>
+                      <a:prstDash val="sysDot"/>
+                      <a:round/>
+                      <a:headEnd type="none" w="med" len="med"/>
+                      <a:tailEnd type="none" w="med" len="med"/>
+                    </a:lnB>
+                    <a:lnTlToBr w="12700" cmpd="sng">
+                      <a:noFill/>
+                      <a:prstDash val="solid"/>
+                    </a:lnTlToBr>
+                    <a:lnBlToTr w="12700" cmpd="sng">
+                      <a:noFill/>
+                      <a:prstDash val="solid"/>
+                    </a:lnBlToTr>
+                    <a:noFill/>
+                  </a:tcPr>
+                </a:tc>
+                <a:tc>
+                  <a:txBody>
+                    <a:bodyPr/>
+                    <a:lstStyle/>
+                    <a:p>
+                      <a:pPr marL="0" marR="0" lvl="0" indent="0" algn="l" defTabSz="685792" rtl="0" eaLnBrk="1" fontAlgn="auto" latinLnBrk="0" hangingPunct="1">
+                        <a:lnSpc>
+                          <a:spcPct val="130000"/>
+                        </a:lnSpc>
+                        <a:spcBef>
+                          <a:spcPts val="0"/>
+                        </a:spcBef>
+                        <a:spcAft>
+                          <a:spcPts val="0"/>
+                        </a:spcAft>
+                        <a:buClrTx/>
+                        <a:buSzTx/>
+                        <a:buFontTx/>
+                        <a:buNone/>
+                        <a:tabLst/>
+                        <a:defRPr/>
+                      </a:pPr>
+                      <a:endParaRPr lang="zh-CN" altLang="en-US" sz="1200" b="0" kern="1200" dirty="0">
+                        <a:solidFill>
+                          <a:schemeClr val="tx1">
+                            <a:lumMod val="75000"/>
+                            <a:lumOff val="25000"/>
+                          </a:schemeClr>
+                        </a:solidFill>
+                        <a:latin typeface="+mn-lt"/>
+                        <a:ea typeface="+mn-ea"/>
+                        <a:cs typeface="+mn-ea"/>
+                        <a:sym typeface="+mn-lt"/>
+                      </a:endParaRPr>
+                    </a:p>
+                  </a:txBody>
+                  <a:tcPr marL="108666" marR="108666" marT="108522" marB="108522" anchor="ctr">
+                    <a:lnL w="3175" cap="flat" cmpd="sng" algn="ctr">
+                      <a:noFill/>
+                      <a:prstDash val="solid"/>
+                      <a:round/>
+                      <a:headEnd type="none" w="med" len="med"/>
+                      <a:tailEnd type="none" w="med" len="med"/>
+                    </a:lnL>
+                    <a:lnR w="57150" cap="flat" cmpd="sng" algn="ctr">
+                      <a:noFill/>
+                      <a:prstDash val="solid"/>
+                      <a:round/>
+                      <a:headEnd type="none" w="med" len="med"/>
+                      <a:tailEnd type="none" w="med" len="med"/>
+                    </a:lnR>
+                    <a:lnT w="3175" cap="flat" cmpd="sng" algn="ctr">
+                      <a:solidFill>
+                        <a:schemeClr val="bg1">
+                          <a:lumMod val="75000"/>
+                        </a:schemeClr>
+                      </a:solidFill>
+                      <a:prstDash val="sysDot"/>
+                      <a:round/>
+                      <a:headEnd type="none" w="med" len="med"/>
+                      <a:tailEnd type="none" w="med" len="med"/>
+                    </a:lnT>
+                    <a:lnB w="3175" cap="flat" cmpd="sng" algn="ctr">
+                      <a:solidFill>
+                        <a:schemeClr val="bg1">
+                          <a:lumMod val="75000"/>
+                        </a:schemeClr>
+                      </a:solidFill>
+                      <a:prstDash val="sysDot"/>
+                      <a:round/>
+                      <a:headEnd type="none" w="med" len="med"/>
+                      <a:tailEnd type="none" w="med" len="med"/>
+                    </a:lnB>
+                    <a:lnTlToBr w="12700" cmpd="sng">
+                      <a:noFill/>
+                      <a:prstDash val="solid"/>
+                    </a:lnTlToBr>
+                    <a:lnBlToTr w="12700" cmpd="sng">
+                      <a:noFill/>
+                      <a:prstDash val="solid"/>
+                    </a:lnBlToTr>
+                    <a:noFill/>
+                  </a:tcPr>
+                </a:tc>
+                <a:tc>
+                  <a:txBody>
+                    <a:bodyPr/>
+                    <a:lstStyle/>
+                    <a:p>
+                      <a:pPr marL="0" marR="0" lvl="0" indent="0" algn="l" defTabSz="685792" rtl="0" eaLnBrk="1" fontAlgn="auto" latinLnBrk="0" hangingPunct="1">
+                        <a:lnSpc>
+                          <a:spcPct val="130000"/>
+                        </a:lnSpc>
+                        <a:spcBef>
+                          <a:spcPts val="0"/>
+                        </a:spcBef>
+                        <a:spcAft>
+                          <a:spcPts val="0"/>
+                        </a:spcAft>
+                        <a:buClrTx/>
+                        <a:buSzTx/>
+                        <a:buFontTx/>
+                        <a:buNone/>
+                        <a:tabLst/>
+                        <a:defRPr/>
+                      </a:pPr>
+                      <a:endParaRPr lang="zh-CN" altLang="en-US" sz="1200" b="0" kern="1200" dirty="0">
+                        <a:solidFill>
+                          <a:schemeClr val="tx1">
+                            <a:lumMod val="75000"/>
+                            <a:lumOff val="25000"/>
+                          </a:schemeClr>
+                        </a:solidFill>
+                        <a:latin typeface="+mn-lt"/>
+                        <a:ea typeface="+mn-ea"/>
+                        <a:cs typeface="+mn-ea"/>
+                        <a:sym typeface="+mn-lt"/>
+                      </a:endParaRPr>
+                    </a:p>
+                  </a:txBody>
+                  <a:tcPr marL="108666" marR="108666" marT="108522" marB="108522" anchor="ctr">
+                    <a:lnL w="3175" cap="flat" cmpd="sng" algn="ctr">
+                      <a:noFill/>
+                      <a:prstDash val="solid"/>
+                      <a:round/>
+                      <a:headEnd type="none" w="med" len="med"/>
+                      <a:tailEnd type="none" w="med" len="med"/>
+                    </a:lnL>
+                    <a:lnR w="57150" cap="flat" cmpd="sng" algn="ctr">
+                      <a:noFill/>
+                      <a:prstDash val="solid"/>
+                      <a:round/>
+                      <a:headEnd type="none" w="med" len="med"/>
+                      <a:tailEnd type="none" w="med" len="med"/>
+                    </a:lnR>
+                    <a:lnT w="3175" cap="flat" cmpd="sng" algn="ctr">
+                      <a:solidFill>
+                        <a:schemeClr val="bg1">
+                          <a:lumMod val="75000"/>
+                        </a:schemeClr>
+                      </a:solidFill>
+                      <a:prstDash val="sysDot"/>
+                      <a:round/>
+                      <a:headEnd type="none" w="med" len="med"/>
+                      <a:tailEnd type="none" w="med" len="med"/>
+                    </a:lnT>
+                    <a:lnB w="3175" cap="flat" cmpd="sng" algn="ctr">
+                      <a:solidFill>
+                        <a:schemeClr val="bg1">
+                          <a:lumMod val="75000"/>
+                        </a:schemeClr>
+                      </a:solidFill>
+                      <a:prstDash val="sysDot"/>
+                      <a:round/>
+                      <a:headEnd type="none" w="med" len="med"/>
+                      <a:tailEnd type="none" w="med" len="med"/>
+                    </a:lnB>
+                    <a:lnTlToBr w="12700" cmpd="sng">
+                      <a:noFill/>
+                      <a:prstDash val="solid"/>
+                    </a:lnTlToBr>
+                    <a:lnBlToTr w="12700" cmpd="sng">
+                      <a:noFill/>
+                      <a:prstDash val="solid"/>
+                    </a:lnBlToTr>
+                    <a:noFill/>
+                  </a:tcPr>
+                </a:tc>
+                <a:tc>
+                  <a:txBody>
+                    <a:bodyPr/>
+                    <a:lstStyle/>
+                    <a:p>
+                      <a:pPr marL="0" marR="0" lvl="0" indent="0" algn="l" defTabSz="685792" rtl="0" eaLnBrk="1" fontAlgn="auto" latinLnBrk="0" hangingPunct="1">
+                        <a:lnSpc>
+                          <a:spcPct val="130000"/>
+                        </a:lnSpc>
+                        <a:spcBef>
+                          <a:spcPts val="0"/>
+                        </a:spcBef>
+                        <a:spcAft>
+                          <a:spcPts val="0"/>
+                        </a:spcAft>
+                        <a:buClrTx/>
+                        <a:buSzTx/>
+                        <a:buFontTx/>
+                        <a:buNone/>
+                        <a:tabLst/>
+                        <a:defRPr/>
+                      </a:pPr>
+                      <a:endParaRPr lang="zh-CN" altLang="en-US" sz="1200" b="0" kern="1200" dirty="0">
+                        <a:solidFill>
+                          <a:schemeClr val="tx1">
+                            <a:lumMod val="75000"/>
+                            <a:lumOff val="25000"/>
+                          </a:schemeClr>
+                        </a:solidFill>
+                        <a:latin typeface="+mn-lt"/>
+                        <a:ea typeface="+mn-ea"/>
+                        <a:cs typeface="+mn-ea"/>
+                        <a:sym typeface="+mn-lt"/>
+                      </a:endParaRPr>
+                    </a:p>
+                  </a:txBody>
+                  <a:tcPr marL="108666" marR="108666" marT="108522" marB="108522" anchor="ctr">
+                    <a:lnL w="3175" cap="flat" cmpd="sng" algn="ctr">
+                      <a:noFill/>
+                      <a:prstDash val="solid"/>
+                      <a:round/>
+                      <a:headEnd type="none" w="med" len="med"/>
+                      <a:tailEnd type="none" w="med" len="med"/>
+                    </a:lnL>
+                    <a:lnR w="57150" cap="flat" cmpd="sng" algn="ctr">
+                      <a:noFill/>
+                      <a:prstDash val="solid"/>
+                      <a:round/>
+                      <a:headEnd type="none" w="med" len="med"/>
+                      <a:tailEnd type="none" w="med" len="med"/>
+                    </a:lnR>
+                    <a:lnT w="3175" cap="flat" cmpd="sng" algn="ctr">
+                      <a:solidFill>
+                        <a:schemeClr val="bg1">
+                          <a:lumMod val="75000"/>
+                        </a:schemeClr>
+                      </a:solidFill>
+                      <a:prstDash val="sysDot"/>
+                      <a:round/>
+                      <a:headEnd type="none" w="med" len="med"/>
+                      <a:tailEnd type="none" w="med" len="med"/>
+                    </a:lnT>
+                    <a:lnB w="3175" cap="flat" cmpd="sng" algn="ctr">
+                      <a:solidFill>
+                        <a:schemeClr val="bg1">
+                          <a:lumMod val="75000"/>
+                        </a:schemeClr>
+                      </a:solidFill>
+                      <a:prstDash val="sysDot"/>
+                      <a:round/>
+                      <a:headEnd type="none" w="med" len="med"/>
+                      <a:tailEnd type="none" w="med" len="med"/>
+                    </a:lnB>
+                    <a:lnTlToBr w="12700" cmpd="sng">
+                      <a:noFill/>
+                      <a:prstDash val="solid"/>
+                    </a:lnTlToBr>
+                    <a:lnBlToTr w="12700" cmpd="sng">
+                      <a:noFill/>
+                      <a:prstDash val="solid"/>
+                    </a:lnBlToTr>
+                    <a:noFill/>
+                  </a:tcPr>
+                </a:tc>
               </a:tr>
-              <a:tr h="474724">
+              <a:tr h="463755">
                 <a:tc>
                   <a:txBody>
                     <a:bodyPr/>
@@ -18435,2115 +19645,6 @@
                       <a:tailEnd type="none" w="med" len="med"/>
                     </a:lnL>
                     <a:lnR w="3175" cap="flat" cmpd="sng" algn="ctr">
-                      <a:noFill/>
-                      <a:prstDash val="solid"/>
-                      <a:round/>
-                      <a:headEnd type="none" w="med" len="med"/>
-                      <a:tailEnd type="none" w="med" len="med"/>
-                    </a:lnR>
-                    <a:lnT w="3175" cap="flat" cmpd="sng" algn="ctr">
-                      <a:solidFill>
-                        <a:schemeClr val="bg1">
-                          <a:lumMod val="75000"/>
-                        </a:schemeClr>
-                      </a:solidFill>
-                      <a:prstDash val="sysDot"/>
-                      <a:round/>
-                      <a:headEnd type="none" w="med" len="med"/>
-                      <a:tailEnd type="none" w="med" len="med"/>
-                    </a:lnT>
-                    <a:lnB w="3175" cap="flat" cmpd="sng" algn="ctr">
-                      <a:solidFill>
-                        <a:schemeClr val="bg1">
-                          <a:lumMod val="75000"/>
-                        </a:schemeClr>
-                      </a:solidFill>
-                      <a:prstDash val="sysDot"/>
-                      <a:round/>
-                      <a:headEnd type="none" w="med" len="med"/>
-                      <a:tailEnd type="none" w="med" len="med"/>
-                    </a:lnB>
-                    <a:lnTlToBr w="12700" cmpd="sng">
-                      <a:noFill/>
-                      <a:prstDash val="solid"/>
-                    </a:lnTlToBr>
-                    <a:lnBlToTr w="12700" cmpd="sng">
-                      <a:noFill/>
-                      <a:prstDash val="solid"/>
-                    </a:lnBlToTr>
-                    <a:noFill/>
-                  </a:tcPr>
-                </a:tc>
-                <a:tc>
-                  <a:txBody>
-                    <a:bodyPr/>
-                    <a:lstStyle/>
-                    <a:p>
-                      <a:pPr marL="0" marR="0" lvl="0" indent="0" algn="l" defTabSz="685792" rtl="0" eaLnBrk="1" fontAlgn="auto" latinLnBrk="0" hangingPunct="1">
-                        <a:lnSpc>
-                          <a:spcPct val="130000"/>
-                        </a:lnSpc>
-                        <a:spcBef>
-                          <a:spcPts val="0"/>
-                        </a:spcBef>
-                        <a:spcAft>
-                          <a:spcPts val="0"/>
-                        </a:spcAft>
-                        <a:buClrTx/>
-                        <a:buSzTx/>
-                        <a:buFontTx/>
-                        <a:buNone/>
-                        <a:tabLst/>
-                        <a:defRPr/>
-                      </a:pPr>
-                      <a:endParaRPr lang="zh-CN" altLang="en-US" sz="1200" b="0" kern="1200" dirty="0">
-                        <a:solidFill>
-                          <a:schemeClr val="tx1">
-                            <a:lumMod val="75000"/>
-                            <a:lumOff val="25000"/>
-                          </a:schemeClr>
-                        </a:solidFill>
-                        <a:latin typeface="+mn-lt"/>
-                        <a:ea typeface="+mn-ea"/>
-                        <a:cs typeface="+mn-ea"/>
-                        <a:sym typeface="+mn-lt"/>
-                      </a:endParaRPr>
-                    </a:p>
-                  </a:txBody>
-                  <a:tcPr marL="108666" marR="108666" marT="108522" marB="108522" anchor="ctr">
-                    <a:lnL w="3175" cap="flat" cmpd="sng" algn="ctr">
-                      <a:noFill/>
-                      <a:prstDash val="solid"/>
-                      <a:round/>
-                      <a:headEnd type="none" w="med" len="med"/>
-                      <a:tailEnd type="none" w="med" len="med"/>
-                    </a:lnL>
-                    <a:lnR w="57150" cap="flat" cmpd="sng" algn="ctr">
-                      <a:noFill/>
-                      <a:prstDash val="solid"/>
-                      <a:round/>
-                      <a:headEnd type="none" w="med" len="med"/>
-                      <a:tailEnd type="none" w="med" len="med"/>
-                    </a:lnR>
-                    <a:lnT w="3175" cap="flat" cmpd="sng" algn="ctr">
-                      <a:solidFill>
-                        <a:schemeClr val="bg1">
-                          <a:lumMod val="75000"/>
-                        </a:schemeClr>
-                      </a:solidFill>
-                      <a:prstDash val="sysDot"/>
-                      <a:round/>
-                      <a:headEnd type="none" w="med" len="med"/>
-                      <a:tailEnd type="none" w="med" len="med"/>
-                    </a:lnT>
-                    <a:lnB w="3175" cap="flat" cmpd="sng" algn="ctr">
-                      <a:solidFill>
-                        <a:schemeClr val="bg1">
-                          <a:lumMod val="75000"/>
-                        </a:schemeClr>
-                      </a:solidFill>
-                      <a:prstDash val="sysDot"/>
-                      <a:round/>
-                      <a:headEnd type="none" w="med" len="med"/>
-                      <a:tailEnd type="none" w="med" len="med"/>
-                    </a:lnB>
-                    <a:lnTlToBr w="12700" cmpd="sng">
-                      <a:noFill/>
-                      <a:prstDash val="solid"/>
-                    </a:lnTlToBr>
-                    <a:lnBlToTr w="12700" cmpd="sng">
-                      <a:noFill/>
-                      <a:prstDash val="solid"/>
-                    </a:lnBlToTr>
-                    <a:noFill/>
-                  </a:tcPr>
-                </a:tc>
-                <a:tc>
-                  <a:txBody>
-                    <a:bodyPr/>
-                    <a:lstStyle/>
-                    <a:p>
-                      <a:pPr marL="0" marR="0" lvl="0" indent="0" algn="l" defTabSz="685792" rtl="0" eaLnBrk="1" fontAlgn="auto" latinLnBrk="0" hangingPunct="1">
-                        <a:lnSpc>
-                          <a:spcPct val="130000"/>
-                        </a:lnSpc>
-                        <a:spcBef>
-                          <a:spcPts val="0"/>
-                        </a:spcBef>
-                        <a:spcAft>
-                          <a:spcPts val="0"/>
-                        </a:spcAft>
-                        <a:buClrTx/>
-                        <a:buSzTx/>
-                        <a:buFontTx/>
-                        <a:buNone/>
-                        <a:tabLst/>
-                        <a:defRPr/>
-                      </a:pPr>
-                      <a:endParaRPr lang="zh-CN" altLang="en-US" sz="1200" b="0" kern="1200" dirty="0">
-                        <a:solidFill>
-                          <a:schemeClr val="tx1">
-                            <a:lumMod val="75000"/>
-                            <a:lumOff val="25000"/>
-                          </a:schemeClr>
-                        </a:solidFill>
-                        <a:latin typeface="+mn-lt"/>
-                        <a:ea typeface="+mn-ea"/>
-                        <a:cs typeface="+mn-ea"/>
-                        <a:sym typeface="+mn-lt"/>
-                      </a:endParaRPr>
-                    </a:p>
-                  </a:txBody>
-                  <a:tcPr marL="108666" marR="108666" marT="108522" marB="108522" anchor="ctr">
-                    <a:lnL w="3175" cap="flat" cmpd="sng" algn="ctr">
-                      <a:noFill/>
-                      <a:prstDash val="solid"/>
-                      <a:round/>
-                      <a:headEnd type="none" w="med" len="med"/>
-                      <a:tailEnd type="none" w="med" len="med"/>
-                    </a:lnL>
-                    <a:lnR w="57150" cap="flat" cmpd="sng" algn="ctr">
-                      <a:noFill/>
-                      <a:prstDash val="solid"/>
-                      <a:round/>
-                      <a:headEnd type="none" w="med" len="med"/>
-                      <a:tailEnd type="none" w="med" len="med"/>
-                    </a:lnR>
-                    <a:lnT w="3175" cap="flat" cmpd="sng" algn="ctr">
-                      <a:solidFill>
-                        <a:schemeClr val="bg1">
-                          <a:lumMod val="75000"/>
-                        </a:schemeClr>
-                      </a:solidFill>
-                      <a:prstDash val="sysDot"/>
-                      <a:round/>
-                      <a:headEnd type="none" w="med" len="med"/>
-                      <a:tailEnd type="none" w="med" len="med"/>
-                    </a:lnT>
-                    <a:lnB w="3175" cap="flat" cmpd="sng" algn="ctr">
-                      <a:solidFill>
-                        <a:schemeClr val="bg1">
-                          <a:lumMod val="75000"/>
-                        </a:schemeClr>
-                      </a:solidFill>
-                      <a:prstDash val="sysDot"/>
-                      <a:round/>
-                      <a:headEnd type="none" w="med" len="med"/>
-                      <a:tailEnd type="none" w="med" len="med"/>
-                    </a:lnB>
-                    <a:lnTlToBr w="12700" cmpd="sng">
-                      <a:noFill/>
-                      <a:prstDash val="solid"/>
-                    </a:lnTlToBr>
-                    <a:lnBlToTr w="12700" cmpd="sng">
-                      <a:noFill/>
-                      <a:prstDash val="solid"/>
-                    </a:lnBlToTr>
-                    <a:noFill/>
-                  </a:tcPr>
-                </a:tc>
-                <a:tc>
-                  <a:txBody>
-                    <a:bodyPr/>
-                    <a:lstStyle/>
-                    <a:p>
-                      <a:pPr marL="0" marR="0" lvl="0" indent="0" algn="l" defTabSz="685792" rtl="0" eaLnBrk="1" fontAlgn="auto" latinLnBrk="0" hangingPunct="1">
-                        <a:lnSpc>
-                          <a:spcPct val="130000"/>
-                        </a:lnSpc>
-                        <a:spcBef>
-                          <a:spcPts val="0"/>
-                        </a:spcBef>
-                        <a:spcAft>
-                          <a:spcPts val="0"/>
-                        </a:spcAft>
-                        <a:buClrTx/>
-                        <a:buSzTx/>
-                        <a:buFontTx/>
-                        <a:buNone/>
-                        <a:tabLst/>
-                        <a:defRPr/>
-                      </a:pPr>
-                      <a:endParaRPr lang="zh-CN" altLang="en-US" sz="1200" b="0" kern="1200" dirty="0">
-                        <a:solidFill>
-                          <a:schemeClr val="tx1">
-                            <a:lumMod val="75000"/>
-                            <a:lumOff val="25000"/>
-                          </a:schemeClr>
-                        </a:solidFill>
-                        <a:latin typeface="+mn-lt"/>
-                        <a:ea typeface="+mn-ea"/>
-                        <a:cs typeface="+mn-ea"/>
-                        <a:sym typeface="+mn-lt"/>
-                      </a:endParaRPr>
-                    </a:p>
-                  </a:txBody>
-                  <a:tcPr marL="108666" marR="108666" marT="108522" marB="108522" anchor="ctr">
-                    <a:lnL w="3175" cap="flat" cmpd="sng" algn="ctr">
-                      <a:noFill/>
-                      <a:prstDash val="solid"/>
-                      <a:round/>
-                      <a:headEnd type="none" w="med" len="med"/>
-                      <a:tailEnd type="none" w="med" len="med"/>
-                    </a:lnL>
-                    <a:lnR w="57150" cap="flat" cmpd="sng" algn="ctr">
-                      <a:noFill/>
-                      <a:prstDash val="solid"/>
-                      <a:round/>
-                      <a:headEnd type="none" w="med" len="med"/>
-                      <a:tailEnd type="none" w="med" len="med"/>
-                    </a:lnR>
-                    <a:lnT w="3175" cap="flat" cmpd="sng" algn="ctr">
-                      <a:solidFill>
-                        <a:schemeClr val="bg1">
-                          <a:lumMod val="75000"/>
-                        </a:schemeClr>
-                      </a:solidFill>
-                      <a:prstDash val="sysDot"/>
-                      <a:round/>
-                      <a:headEnd type="none" w="med" len="med"/>
-                      <a:tailEnd type="none" w="med" len="med"/>
-                    </a:lnT>
-                    <a:lnB w="3175" cap="flat" cmpd="sng" algn="ctr">
-                      <a:solidFill>
-                        <a:schemeClr val="bg1">
-                          <a:lumMod val="75000"/>
-                        </a:schemeClr>
-                      </a:solidFill>
-                      <a:prstDash val="sysDot"/>
-                      <a:round/>
-                      <a:headEnd type="none" w="med" len="med"/>
-                      <a:tailEnd type="none" w="med" len="med"/>
-                    </a:lnB>
-                    <a:lnTlToBr w="12700" cmpd="sng">
-                      <a:noFill/>
-                      <a:prstDash val="solid"/>
-                    </a:lnTlToBr>
-                    <a:lnBlToTr w="12700" cmpd="sng">
-                      <a:noFill/>
-                      <a:prstDash val="solid"/>
-                    </a:lnBlToTr>
-                    <a:noFill/>
-                  </a:tcPr>
-                </a:tc>
-                <a:tc>
-                  <a:txBody>
-                    <a:bodyPr/>
-                    <a:lstStyle/>
-                    <a:p>
-                      <a:pPr marL="0" marR="0" lvl="0" indent="0" algn="l" defTabSz="685792" rtl="0" eaLnBrk="1" fontAlgn="auto" latinLnBrk="0" hangingPunct="1">
-                        <a:lnSpc>
-                          <a:spcPct val="130000"/>
-                        </a:lnSpc>
-                        <a:spcBef>
-                          <a:spcPts val="0"/>
-                        </a:spcBef>
-                        <a:spcAft>
-                          <a:spcPts val="0"/>
-                        </a:spcAft>
-                        <a:buClrTx/>
-                        <a:buSzTx/>
-                        <a:buFontTx/>
-                        <a:buNone/>
-                        <a:tabLst/>
-                        <a:defRPr/>
-                      </a:pPr>
-                      <a:endParaRPr lang="zh-CN" altLang="en-US" sz="1200" b="0" kern="1200" dirty="0">
-                        <a:solidFill>
-                          <a:schemeClr val="tx1">
-                            <a:lumMod val="75000"/>
-                            <a:lumOff val="25000"/>
-                          </a:schemeClr>
-                        </a:solidFill>
-                        <a:latin typeface="+mn-lt"/>
-                        <a:ea typeface="+mn-ea"/>
-                        <a:cs typeface="+mn-ea"/>
-                        <a:sym typeface="+mn-lt"/>
-                      </a:endParaRPr>
-                    </a:p>
-                  </a:txBody>
-                  <a:tcPr marL="108666" marR="108666" marT="108522" marB="108522" anchor="ctr">
-                    <a:lnL w="3175" cap="flat" cmpd="sng" algn="ctr">
-                      <a:noFill/>
-                      <a:prstDash val="solid"/>
-                      <a:round/>
-                      <a:headEnd type="none" w="med" len="med"/>
-                      <a:tailEnd type="none" w="med" len="med"/>
-                    </a:lnL>
-                    <a:lnR w="57150" cap="flat" cmpd="sng" algn="ctr">
-                      <a:noFill/>
-                      <a:prstDash val="solid"/>
-                      <a:round/>
-                      <a:headEnd type="none" w="med" len="med"/>
-                      <a:tailEnd type="none" w="med" len="med"/>
-                    </a:lnR>
-                    <a:lnT w="3175" cap="flat" cmpd="sng" algn="ctr">
-                      <a:solidFill>
-                        <a:schemeClr val="bg1">
-                          <a:lumMod val="75000"/>
-                        </a:schemeClr>
-                      </a:solidFill>
-                      <a:prstDash val="sysDot"/>
-                      <a:round/>
-                      <a:headEnd type="none" w="med" len="med"/>
-                      <a:tailEnd type="none" w="med" len="med"/>
-                    </a:lnT>
-                    <a:lnB w="3175" cap="flat" cmpd="sng" algn="ctr">
-                      <a:solidFill>
-                        <a:schemeClr val="bg1">
-                          <a:lumMod val="75000"/>
-                        </a:schemeClr>
-                      </a:solidFill>
-                      <a:prstDash val="sysDot"/>
-                      <a:round/>
-                      <a:headEnd type="none" w="med" len="med"/>
-                      <a:tailEnd type="none" w="med" len="med"/>
-                    </a:lnB>
-                    <a:lnTlToBr w="12700" cmpd="sng">
-                      <a:noFill/>
-                      <a:prstDash val="solid"/>
-                    </a:lnTlToBr>
-                    <a:lnBlToTr w="12700" cmpd="sng">
-                      <a:noFill/>
-                      <a:prstDash val="solid"/>
-                    </a:lnBlToTr>
-                    <a:noFill/>
-                  </a:tcPr>
-                </a:tc>
-                <a:tc>
-                  <a:txBody>
-                    <a:bodyPr/>
-                    <a:lstStyle/>
-                    <a:p>
-                      <a:pPr marL="0" marR="0" lvl="0" indent="0" algn="l" defTabSz="685792" rtl="0" eaLnBrk="1" fontAlgn="auto" latinLnBrk="0" hangingPunct="1">
-                        <a:lnSpc>
-                          <a:spcPct val="130000"/>
-                        </a:lnSpc>
-                        <a:spcBef>
-                          <a:spcPts val="0"/>
-                        </a:spcBef>
-                        <a:spcAft>
-                          <a:spcPts val="0"/>
-                        </a:spcAft>
-                        <a:buClrTx/>
-                        <a:buSzTx/>
-                        <a:buFontTx/>
-                        <a:buNone/>
-                        <a:tabLst/>
-                        <a:defRPr/>
-                      </a:pPr>
-                      <a:endParaRPr lang="zh-CN" altLang="en-US" sz="1200" b="0" kern="1200" dirty="0">
-                        <a:solidFill>
-                          <a:schemeClr val="tx1">
-                            <a:lumMod val="75000"/>
-                            <a:lumOff val="25000"/>
-                          </a:schemeClr>
-                        </a:solidFill>
-                        <a:latin typeface="+mn-lt"/>
-                        <a:ea typeface="+mn-ea"/>
-                        <a:cs typeface="+mn-ea"/>
-                        <a:sym typeface="+mn-lt"/>
-                      </a:endParaRPr>
-                    </a:p>
-                  </a:txBody>
-                  <a:tcPr marL="108666" marR="108666" marT="108522" marB="108522" anchor="ctr">
-                    <a:lnL w="3175" cap="flat" cmpd="sng" algn="ctr">
-                      <a:noFill/>
-                      <a:prstDash val="solid"/>
-                      <a:round/>
-                      <a:headEnd type="none" w="med" len="med"/>
-                      <a:tailEnd type="none" w="med" len="med"/>
-                    </a:lnL>
-                    <a:lnR w="57150" cap="flat" cmpd="sng" algn="ctr">
-                      <a:noFill/>
-                      <a:prstDash val="solid"/>
-                      <a:round/>
-                      <a:headEnd type="none" w="med" len="med"/>
-                      <a:tailEnd type="none" w="med" len="med"/>
-                    </a:lnR>
-                    <a:lnT w="3175" cap="flat" cmpd="sng" algn="ctr">
-                      <a:solidFill>
-                        <a:schemeClr val="bg1">
-                          <a:lumMod val="75000"/>
-                        </a:schemeClr>
-                      </a:solidFill>
-                      <a:prstDash val="sysDot"/>
-                      <a:round/>
-                      <a:headEnd type="none" w="med" len="med"/>
-                      <a:tailEnd type="none" w="med" len="med"/>
-                    </a:lnT>
-                    <a:lnB w="3175" cap="flat" cmpd="sng" algn="ctr">
-                      <a:solidFill>
-                        <a:schemeClr val="bg1">
-                          <a:lumMod val="75000"/>
-                        </a:schemeClr>
-                      </a:solidFill>
-                      <a:prstDash val="sysDot"/>
-                      <a:round/>
-                      <a:headEnd type="none" w="med" len="med"/>
-                      <a:tailEnd type="none" w="med" len="med"/>
-                    </a:lnB>
-                    <a:lnTlToBr w="12700" cmpd="sng">
-                      <a:noFill/>
-                      <a:prstDash val="solid"/>
-                    </a:lnTlToBr>
-                    <a:lnBlToTr w="12700" cmpd="sng">
-                      <a:noFill/>
-                      <a:prstDash val="solid"/>
-                    </a:lnBlToTr>
-                    <a:noFill/>
-                  </a:tcPr>
-                </a:tc>
-                <a:tc>
-                  <a:txBody>
-                    <a:bodyPr/>
-                    <a:lstStyle/>
-                    <a:p>
-                      <a:pPr marL="0" marR="0" lvl="0" indent="0" algn="l" defTabSz="685792" rtl="0" eaLnBrk="1" fontAlgn="auto" latinLnBrk="0" hangingPunct="1">
-                        <a:lnSpc>
-                          <a:spcPct val="130000"/>
-                        </a:lnSpc>
-                        <a:spcBef>
-                          <a:spcPts val="0"/>
-                        </a:spcBef>
-                        <a:spcAft>
-                          <a:spcPts val="0"/>
-                        </a:spcAft>
-                        <a:buClrTx/>
-                        <a:buSzTx/>
-                        <a:buFontTx/>
-                        <a:buNone/>
-                        <a:tabLst/>
-                        <a:defRPr/>
-                      </a:pPr>
-                      <a:endParaRPr lang="zh-CN" altLang="en-US" sz="1200" b="0" kern="1200" dirty="0">
-                        <a:solidFill>
-                          <a:schemeClr val="tx1">
-                            <a:lumMod val="75000"/>
-                            <a:lumOff val="25000"/>
-                          </a:schemeClr>
-                        </a:solidFill>
-                        <a:latin typeface="+mn-lt"/>
-                        <a:ea typeface="+mn-ea"/>
-                        <a:cs typeface="+mn-ea"/>
-                        <a:sym typeface="+mn-lt"/>
-                      </a:endParaRPr>
-                    </a:p>
-                  </a:txBody>
-                  <a:tcPr marL="108666" marR="108666" marT="108522" marB="108522" anchor="ctr">
-                    <a:lnL w="3175" cap="flat" cmpd="sng" algn="ctr">
-                      <a:noFill/>
-                      <a:prstDash val="solid"/>
-                      <a:round/>
-                      <a:headEnd type="none" w="med" len="med"/>
-                      <a:tailEnd type="none" w="med" len="med"/>
-                    </a:lnL>
-                    <a:lnR w="57150" cap="flat" cmpd="sng" algn="ctr">
-                      <a:noFill/>
-                      <a:prstDash val="solid"/>
-                      <a:round/>
-                      <a:headEnd type="none" w="med" len="med"/>
-                      <a:tailEnd type="none" w="med" len="med"/>
-                    </a:lnR>
-                    <a:lnT w="3175" cap="flat" cmpd="sng" algn="ctr">
-                      <a:solidFill>
-                        <a:schemeClr val="bg1">
-                          <a:lumMod val="75000"/>
-                        </a:schemeClr>
-                      </a:solidFill>
-                      <a:prstDash val="sysDot"/>
-                      <a:round/>
-                      <a:headEnd type="none" w="med" len="med"/>
-                      <a:tailEnd type="none" w="med" len="med"/>
-                    </a:lnT>
-                    <a:lnB w="3175" cap="flat" cmpd="sng" algn="ctr">
-                      <a:solidFill>
-                        <a:schemeClr val="bg1">
-                          <a:lumMod val="75000"/>
-                        </a:schemeClr>
-                      </a:solidFill>
-                      <a:prstDash val="sysDot"/>
-                      <a:round/>
-                      <a:headEnd type="none" w="med" len="med"/>
-                      <a:tailEnd type="none" w="med" len="med"/>
-                    </a:lnB>
-                    <a:lnTlToBr w="12700" cmpd="sng">
-                      <a:noFill/>
-                      <a:prstDash val="solid"/>
-                    </a:lnTlToBr>
-                    <a:lnBlToTr w="12700" cmpd="sng">
-                      <a:noFill/>
-                      <a:prstDash val="solid"/>
-                    </a:lnBlToTr>
-                    <a:noFill/>
-                  </a:tcPr>
-                </a:tc>
-                <a:tc>
-                  <a:txBody>
-                    <a:bodyPr/>
-                    <a:lstStyle/>
-                    <a:p>
-                      <a:pPr marL="0" marR="0" lvl="0" indent="0" algn="l" defTabSz="685792" rtl="0" eaLnBrk="1" fontAlgn="auto" latinLnBrk="0" hangingPunct="1">
-                        <a:lnSpc>
-                          <a:spcPct val="130000"/>
-                        </a:lnSpc>
-                        <a:spcBef>
-                          <a:spcPts val="0"/>
-                        </a:spcBef>
-                        <a:spcAft>
-                          <a:spcPts val="0"/>
-                        </a:spcAft>
-                        <a:buClrTx/>
-                        <a:buSzTx/>
-                        <a:buFontTx/>
-                        <a:buNone/>
-                        <a:tabLst/>
-                        <a:defRPr/>
-                      </a:pPr>
-                      <a:endParaRPr lang="zh-CN" altLang="en-US" sz="1200" b="0" kern="1200" dirty="0">
-                        <a:solidFill>
-                          <a:schemeClr val="tx1">
-                            <a:lumMod val="75000"/>
-                            <a:lumOff val="25000"/>
-                          </a:schemeClr>
-                        </a:solidFill>
-                        <a:latin typeface="+mn-lt"/>
-                        <a:ea typeface="+mn-ea"/>
-                        <a:cs typeface="+mn-ea"/>
-                        <a:sym typeface="+mn-lt"/>
-                      </a:endParaRPr>
-                    </a:p>
-                  </a:txBody>
-                  <a:tcPr marL="108666" marR="108666" marT="108522" marB="108522" anchor="ctr">
-                    <a:lnL w="3175" cap="flat" cmpd="sng" algn="ctr">
-                      <a:noFill/>
-                      <a:prstDash val="solid"/>
-                      <a:round/>
-                      <a:headEnd type="none" w="med" len="med"/>
-                      <a:tailEnd type="none" w="med" len="med"/>
-                    </a:lnL>
-                    <a:lnR w="57150" cap="flat" cmpd="sng" algn="ctr">
-                      <a:noFill/>
-                      <a:prstDash val="solid"/>
-                      <a:round/>
-                      <a:headEnd type="none" w="med" len="med"/>
-                      <a:tailEnd type="none" w="med" len="med"/>
-                    </a:lnR>
-                    <a:lnT w="3175" cap="flat" cmpd="sng" algn="ctr">
-                      <a:solidFill>
-                        <a:schemeClr val="bg1">
-                          <a:lumMod val="75000"/>
-                        </a:schemeClr>
-                      </a:solidFill>
-                      <a:prstDash val="sysDot"/>
-                      <a:round/>
-                      <a:headEnd type="none" w="med" len="med"/>
-                      <a:tailEnd type="none" w="med" len="med"/>
-                    </a:lnT>
-                    <a:lnB w="3175" cap="flat" cmpd="sng" algn="ctr">
-                      <a:solidFill>
-                        <a:schemeClr val="bg1">
-                          <a:lumMod val="75000"/>
-                        </a:schemeClr>
-                      </a:solidFill>
-                      <a:prstDash val="sysDot"/>
-                      <a:round/>
-                      <a:headEnd type="none" w="med" len="med"/>
-                      <a:tailEnd type="none" w="med" len="med"/>
-                    </a:lnB>
-                    <a:lnTlToBr w="12700" cmpd="sng">
-                      <a:noFill/>
-                      <a:prstDash val="solid"/>
-                    </a:lnTlToBr>
-                    <a:lnBlToTr w="12700" cmpd="sng">
-                      <a:noFill/>
-                      <a:prstDash val="solid"/>
-                    </a:lnBlToTr>
-                    <a:noFill/>
-                  </a:tcPr>
-                </a:tc>
-              </a:tr>
-              <a:tr h="520700">
-                <a:tc>
-                  <a:txBody>
-                    <a:bodyPr/>
-                    <a:lstStyle/>
-                    <a:p>
-                      <a:pPr marL="0" marR="0" lvl="0" indent="0" algn="ctr" defTabSz="685792" rtl="0" eaLnBrk="1" fontAlgn="auto" latinLnBrk="0" hangingPunct="1">
-                        <a:lnSpc>
-                          <a:spcPct val="130000"/>
-                        </a:lnSpc>
-                        <a:spcBef>
-                          <a:spcPts val="0"/>
-                        </a:spcBef>
-                        <a:spcAft>
-                          <a:spcPts val="0"/>
-                        </a:spcAft>
-                        <a:buClrTx/>
-                        <a:buSzTx/>
-                        <a:buFontTx/>
-                        <a:buNone/>
-                        <a:tabLst/>
-                        <a:defRPr/>
-                      </a:pPr>
-                      <a:endParaRPr lang="zh-CN" altLang="en-US" sz="1200" b="0" kern="1200" dirty="0">
-                        <a:solidFill>
-                          <a:schemeClr val="tx1">
-                            <a:lumMod val="75000"/>
-                            <a:lumOff val="25000"/>
-                          </a:schemeClr>
-                        </a:solidFill>
-                        <a:latin typeface="+mn-lt"/>
-                        <a:ea typeface="+mn-ea"/>
-                        <a:cs typeface="+mn-ea"/>
-                        <a:sym typeface="+mn-lt"/>
-                      </a:endParaRPr>
-                    </a:p>
-                  </a:txBody>
-                  <a:tcPr marL="108666" marR="108666" marT="108522" marB="108522" anchor="ctr">
-                    <a:lnL w="57150" cap="flat" cmpd="sng" algn="ctr">
-                      <a:noFill/>
-                      <a:prstDash val="solid"/>
-                      <a:round/>
-                      <a:headEnd type="none" w="med" len="med"/>
-                      <a:tailEnd type="none" w="med" len="med"/>
-                    </a:lnL>
-                    <a:lnR w="3175" cap="flat" cmpd="sng" algn="ctr">
-                      <a:noFill/>
-                      <a:prstDash val="solid"/>
-                      <a:round/>
-                      <a:headEnd type="none" w="med" len="med"/>
-                      <a:tailEnd type="none" w="med" len="med"/>
-                    </a:lnR>
-                    <a:lnT w="3175" cap="flat" cmpd="sng" algn="ctr">
-                      <a:solidFill>
-                        <a:schemeClr val="bg1">
-                          <a:lumMod val="75000"/>
-                        </a:schemeClr>
-                      </a:solidFill>
-                      <a:prstDash val="sysDot"/>
-                      <a:round/>
-                      <a:headEnd type="none" w="med" len="med"/>
-                      <a:tailEnd type="none" w="med" len="med"/>
-                    </a:lnT>
-                    <a:lnB w="3175" cap="flat" cmpd="sng" algn="ctr">
-                      <a:solidFill>
-                        <a:schemeClr val="bg1">
-                          <a:lumMod val="75000"/>
-                        </a:schemeClr>
-                      </a:solidFill>
-                      <a:prstDash val="sysDot"/>
-                      <a:round/>
-                      <a:headEnd type="none" w="med" len="med"/>
-                      <a:tailEnd type="none" w="med" len="med"/>
-                    </a:lnB>
-                    <a:lnTlToBr w="12700" cmpd="sng">
-                      <a:noFill/>
-                      <a:prstDash val="solid"/>
-                    </a:lnTlToBr>
-                    <a:lnBlToTr w="12700" cmpd="sng">
-                      <a:noFill/>
-                      <a:prstDash val="solid"/>
-                    </a:lnBlToTr>
-                    <a:noFill/>
-                  </a:tcPr>
-                </a:tc>
-                <a:tc>
-                  <a:txBody>
-                    <a:bodyPr/>
-                    <a:lstStyle/>
-                    <a:p>
-                      <a:pPr marL="0" marR="0" lvl="0" indent="0" algn="l" defTabSz="685792" rtl="0" eaLnBrk="1" fontAlgn="auto" latinLnBrk="0" hangingPunct="1">
-                        <a:lnSpc>
-                          <a:spcPct val="130000"/>
-                        </a:lnSpc>
-                        <a:spcBef>
-                          <a:spcPts val="0"/>
-                        </a:spcBef>
-                        <a:spcAft>
-                          <a:spcPts val="0"/>
-                        </a:spcAft>
-                        <a:buClrTx/>
-                        <a:buSzTx/>
-                        <a:buFontTx/>
-                        <a:buNone/>
-                        <a:tabLst/>
-                        <a:defRPr/>
-                      </a:pPr>
-                      <a:endParaRPr lang="zh-CN" altLang="en-US" sz="1200" b="0" kern="1200" dirty="0">
-                        <a:solidFill>
-                          <a:schemeClr val="tx1">
-                            <a:lumMod val="75000"/>
-                            <a:lumOff val="25000"/>
-                          </a:schemeClr>
-                        </a:solidFill>
-                        <a:latin typeface="+mn-lt"/>
-                        <a:ea typeface="+mn-ea"/>
-                        <a:cs typeface="+mn-ea"/>
-                        <a:sym typeface="+mn-lt"/>
-                      </a:endParaRPr>
-                    </a:p>
-                  </a:txBody>
-                  <a:tcPr marL="108666" marR="108666" marT="108522" marB="108522" anchor="ctr">
-                    <a:lnL w="3175" cap="flat" cmpd="sng" algn="ctr">
-                      <a:noFill/>
-                      <a:prstDash val="solid"/>
-                      <a:round/>
-                      <a:headEnd type="none" w="med" len="med"/>
-                      <a:tailEnd type="none" w="med" len="med"/>
-                    </a:lnL>
-                    <a:lnR w="57150" cap="flat" cmpd="sng" algn="ctr">
-                      <a:noFill/>
-                      <a:prstDash val="solid"/>
-                      <a:round/>
-                      <a:headEnd type="none" w="med" len="med"/>
-                      <a:tailEnd type="none" w="med" len="med"/>
-                    </a:lnR>
-                    <a:lnT w="3175" cap="flat" cmpd="sng" algn="ctr">
-                      <a:solidFill>
-                        <a:schemeClr val="bg1">
-                          <a:lumMod val="75000"/>
-                        </a:schemeClr>
-                      </a:solidFill>
-                      <a:prstDash val="sysDot"/>
-                      <a:round/>
-                      <a:headEnd type="none" w="med" len="med"/>
-                      <a:tailEnd type="none" w="med" len="med"/>
-                    </a:lnT>
-                    <a:lnB w="3175" cap="flat" cmpd="sng" algn="ctr">
-                      <a:solidFill>
-                        <a:schemeClr val="bg1">
-                          <a:lumMod val="75000"/>
-                        </a:schemeClr>
-                      </a:solidFill>
-                      <a:prstDash val="sysDot"/>
-                      <a:round/>
-                      <a:headEnd type="none" w="med" len="med"/>
-                      <a:tailEnd type="none" w="med" len="med"/>
-                    </a:lnB>
-                    <a:lnTlToBr w="12700" cmpd="sng">
-                      <a:noFill/>
-                      <a:prstDash val="solid"/>
-                    </a:lnTlToBr>
-                    <a:lnBlToTr w="12700" cmpd="sng">
-                      <a:noFill/>
-                      <a:prstDash val="solid"/>
-                    </a:lnBlToTr>
-                    <a:noFill/>
-                  </a:tcPr>
-                </a:tc>
-                <a:tc>
-                  <a:txBody>
-                    <a:bodyPr/>
-                    <a:lstStyle/>
-                    <a:p>
-                      <a:pPr marL="0" marR="0" lvl="0" indent="0" algn="l" defTabSz="685792" rtl="0" eaLnBrk="1" fontAlgn="auto" latinLnBrk="0" hangingPunct="1">
-                        <a:lnSpc>
-                          <a:spcPct val="130000"/>
-                        </a:lnSpc>
-                        <a:spcBef>
-                          <a:spcPts val="0"/>
-                        </a:spcBef>
-                        <a:spcAft>
-                          <a:spcPts val="0"/>
-                        </a:spcAft>
-                        <a:buClrTx/>
-                        <a:buSzTx/>
-                        <a:buFontTx/>
-                        <a:buNone/>
-                        <a:tabLst/>
-                        <a:defRPr/>
-                      </a:pPr>
-                      <a:endParaRPr lang="zh-CN" altLang="en-US" sz="1200" b="0" kern="1200" dirty="0">
-                        <a:solidFill>
-                          <a:schemeClr val="tx1">
-                            <a:lumMod val="75000"/>
-                            <a:lumOff val="25000"/>
-                          </a:schemeClr>
-                        </a:solidFill>
-                        <a:latin typeface="+mn-lt"/>
-                        <a:ea typeface="+mn-ea"/>
-                        <a:cs typeface="+mn-ea"/>
-                        <a:sym typeface="+mn-lt"/>
-                      </a:endParaRPr>
-                    </a:p>
-                  </a:txBody>
-                  <a:tcPr marL="108666" marR="108666" marT="108522" marB="108522" anchor="ctr">
-                    <a:lnL w="3175" cap="flat" cmpd="sng" algn="ctr">
-                      <a:noFill/>
-                      <a:prstDash val="solid"/>
-                      <a:round/>
-                      <a:headEnd type="none" w="med" len="med"/>
-                      <a:tailEnd type="none" w="med" len="med"/>
-                    </a:lnL>
-                    <a:lnR w="57150" cap="flat" cmpd="sng" algn="ctr">
-                      <a:noFill/>
-                      <a:prstDash val="solid"/>
-                      <a:round/>
-                      <a:headEnd type="none" w="med" len="med"/>
-                      <a:tailEnd type="none" w="med" len="med"/>
-                    </a:lnR>
-                    <a:lnT w="3175" cap="flat" cmpd="sng" algn="ctr">
-                      <a:solidFill>
-                        <a:schemeClr val="bg1">
-                          <a:lumMod val="75000"/>
-                        </a:schemeClr>
-                      </a:solidFill>
-                      <a:prstDash val="sysDot"/>
-                      <a:round/>
-                      <a:headEnd type="none" w="med" len="med"/>
-                      <a:tailEnd type="none" w="med" len="med"/>
-                    </a:lnT>
-                    <a:lnB w="3175" cap="flat" cmpd="sng" algn="ctr">
-                      <a:solidFill>
-                        <a:schemeClr val="bg1">
-                          <a:lumMod val="75000"/>
-                        </a:schemeClr>
-                      </a:solidFill>
-                      <a:prstDash val="sysDot"/>
-                      <a:round/>
-                      <a:headEnd type="none" w="med" len="med"/>
-                      <a:tailEnd type="none" w="med" len="med"/>
-                    </a:lnB>
-                    <a:lnTlToBr w="12700" cmpd="sng">
-                      <a:noFill/>
-                      <a:prstDash val="solid"/>
-                    </a:lnTlToBr>
-                    <a:lnBlToTr w="12700" cmpd="sng">
-                      <a:noFill/>
-                      <a:prstDash val="solid"/>
-                    </a:lnBlToTr>
-                    <a:noFill/>
-                  </a:tcPr>
-                </a:tc>
-                <a:tc>
-                  <a:txBody>
-                    <a:bodyPr/>
-                    <a:lstStyle/>
-                    <a:p>
-                      <a:pPr marL="0" marR="0" lvl="0" indent="0" algn="l" defTabSz="685792" rtl="0" eaLnBrk="1" fontAlgn="auto" latinLnBrk="0" hangingPunct="1">
-                        <a:lnSpc>
-                          <a:spcPct val="130000"/>
-                        </a:lnSpc>
-                        <a:spcBef>
-                          <a:spcPts val="0"/>
-                        </a:spcBef>
-                        <a:spcAft>
-                          <a:spcPts val="0"/>
-                        </a:spcAft>
-                        <a:buClrTx/>
-                        <a:buSzTx/>
-                        <a:buFontTx/>
-                        <a:buNone/>
-                        <a:tabLst/>
-                        <a:defRPr/>
-                      </a:pPr>
-                      <a:endParaRPr lang="zh-CN" altLang="en-US" sz="1200" b="0" kern="1200" dirty="0">
-                        <a:solidFill>
-                          <a:schemeClr val="tx1">
-                            <a:lumMod val="75000"/>
-                            <a:lumOff val="25000"/>
-                          </a:schemeClr>
-                        </a:solidFill>
-                        <a:latin typeface="+mn-lt"/>
-                        <a:ea typeface="+mn-ea"/>
-                        <a:cs typeface="+mn-ea"/>
-                        <a:sym typeface="+mn-lt"/>
-                      </a:endParaRPr>
-                    </a:p>
-                  </a:txBody>
-                  <a:tcPr marL="108666" marR="108666" marT="108522" marB="108522" anchor="ctr">
-                    <a:lnL w="3175" cap="flat" cmpd="sng" algn="ctr">
-                      <a:noFill/>
-                      <a:prstDash val="solid"/>
-                      <a:round/>
-                      <a:headEnd type="none" w="med" len="med"/>
-                      <a:tailEnd type="none" w="med" len="med"/>
-                    </a:lnL>
-                    <a:lnR w="57150" cap="flat" cmpd="sng" algn="ctr">
-                      <a:noFill/>
-                      <a:prstDash val="solid"/>
-                      <a:round/>
-                      <a:headEnd type="none" w="med" len="med"/>
-                      <a:tailEnd type="none" w="med" len="med"/>
-                    </a:lnR>
-                    <a:lnT w="3175" cap="flat" cmpd="sng" algn="ctr">
-                      <a:solidFill>
-                        <a:schemeClr val="bg1">
-                          <a:lumMod val="75000"/>
-                        </a:schemeClr>
-                      </a:solidFill>
-                      <a:prstDash val="sysDot"/>
-                      <a:round/>
-                      <a:headEnd type="none" w="med" len="med"/>
-                      <a:tailEnd type="none" w="med" len="med"/>
-                    </a:lnT>
-                    <a:lnB w="3175" cap="flat" cmpd="sng" algn="ctr">
-                      <a:solidFill>
-                        <a:schemeClr val="bg1">
-                          <a:lumMod val="75000"/>
-                        </a:schemeClr>
-                      </a:solidFill>
-                      <a:prstDash val="sysDot"/>
-                      <a:round/>
-                      <a:headEnd type="none" w="med" len="med"/>
-                      <a:tailEnd type="none" w="med" len="med"/>
-                    </a:lnB>
-                    <a:lnTlToBr w="12700" cmpd="sng">
-                      <a:noFill/>
-                      <a:prstDash val="solid"/>
-                    </a:lnTlToBr>
-                    <a:lnBlToTr w="12700" cmpd="sng">
-                      <a:noFill/>
-                      <a:prstDash val="solid"/>
-                    </a:lnBlToTr>
-                    <a:noFill/>
-                  </a:tcPr>
-                </a:tc>
-                <a:tc>
-                  <a:txBody>
-                    <a:bodyPr/>
-                    <a:lstStyle/>
-                    <a:p>
-                      <a:pPr marL="0" marR="0" lvl="0" indent="0" algn="l" defTabSz="685792" rtl="0" eaLnBrk="1" fontAlgn="auto" latinLnBrk="0" hangingPunct="1">
-                        <a:lnSpc>
-                          <a:spcPct val="130000"/>
-                        </a:lnSpc>
-                        <a:spcBef>
-                          <a:spcPts val="0"/>
-                        </a:spcBef>
-                        <a:spcAft>
-                          <a:spcPts val="0"/>
-                        </a:spcAft>
-                        <a:buClrTx/>
-                        <a:buSzTx/>
-                        <a:buFontTx/>
-                        <a:buNone/>
-                        <a:tabLst/>
-                        <a:defRPr/>
-                      </a:pPr>
-                      <a:endParaRPr lang="zh-CN" altLang="en-US" sz="1200" b="0" kern="1200" dirty="0">
-                        <a:solidFill>
-                          <a:schemeClr val="tx1">
-                            <a:lumMod val="75000"/>
-                            <a:lumOff val="25000"/>
-                          </a:schemeClr>
-                        </a:solidFill>
-                        <a:latin typeface="+mn-lt"/>
-                        <a:ea typeface="+mn-ea"/>
-                        <a:cs typeface="+mn-ea"/>
-                        <a:sym typeface="+mn-lt"/>
-                      </a:endParaRPr>
-                    </a:p>
-                  </a:txBody>
-                  <a:tcPr marL="108666" marR="108666" marT="108522" marB="108522" anchor="ctr">
-                    <a:lnL w="3175" cap="flat" cmpd="sng" algn="ctr">
-                      <a:noFill/>
-                      <a:prstDash val="solid"/>
-                      <a:round/>
-                      <a:headEnd type="none" w="med" len="med"/>
-                      <a:tailEnd type="none" w="med" len="med"/>
-                    </a:lnL>
-                    <a:lnR w="57150" cap="flat" cmpd="sng" algn="ctr">
-                      <a:noFill/>
-                      <a:prstDash val="solid"/>
-                      <a:round/>
-                      <a:headEnd type="none" w="med" len="med"/>
-                      <a:tailEnd type="none" w="med" len="med"/>
-                    </a:lnR>
-                    <a:lnT w="3175" cap="flat" cmpd="sng" algn="ctr">
-                      <a:solidFill>
-                        <a:schemeClr val="bg1">
-                          <a:lumMod val="75000"/>
-                        </a:schemeClr>
-                      </a:solidFill>
-                      <a:prstDash val="sysDot"/>
-                      <a:round/>
-                      <a:headEnd type="none" w="med" len="med"/>
-                      <a:tailEnd type="none" w="med" len="med"/>
-                    </a:lnT>
-                    <a:lnB w="3175" cap="flat" cmpd="sng" algn="ctr">
-                      <a:solidFill>
-                        <a:schemeClr val="bg1">
-                          <a:lumMod val="75000"/>
-                        </a:schemeClr>
-                      </a:solidFill>
-                      <a:prstDash val="sysDot"/>
-                      <a:round/>
-                      <a:headEnd type="none" w="med" len="med"/>
-                      <a:tailEnd type="none" w="med" len="med"/>
-                    </a:lnB>
-                    <a:lnTlToBr w="12700" cmpd="sng">
-                      <a:noFill/>
-                      <a:prstDash val="solid"/>
-                    </a:lnTlToBr>
-                    <a:lnBlToTr w="12700" cmpd="sng">
-                      <a:noFill/>
-                      <a:prstDash val="solid"/>
-                    </a:lnBlToTr>
-                    <a:noFill/>
-                  </a:tcPr>
-                </a:tc>
-                <a:tc>
-                  <a:txBody>
-                    <a:bodyPr/>
-                    <a:lstStyle/>
-                    <a:p>
-                      <a:pPr marL="0" marR="0" lvl="0" indent="0" algn="l" defTabSz="685792" rtl="0" eaLnBrk="1" fontAlgn="auto" latinLnBrk="0" hangingPunct="1">
-                        <a:lnSpc>
-                          <a:spcPct val="130000"/>
-                        </a:lnSpc>
-                        <a:spcBef>
-                          <a:spcPts val="0"/>
-                        </a:spcBef>
-                        <a:spcAft>
-                          <a:spcPts val="0"/>
-                        </a:spcAft>
-                        <a:buClrTx/>
-                        <a:buSzTx/>
-                        <a:buFontTx/>
-                        <a:buNone/>
-                        <a:tabLst/>
-                        <a:defRPr/>
-                      </a:pPr>
-                      <a:endParaRPr lang="zh-CN" altLang="en-US" sz="1200" b="0" kern="1200" dirty="0">
-                        <a:solidFill>
-                          <a:schemeClr val="tx1">
-                            <a:lumMod val="75000"/>
-                            <a:lumOff val="25000"/>
-                          </a:schemeClr>
-                        </a:solidFill>
-                        <a:latin typeface="+mn-lt"/>
-                        <a:ea typeface="+mn-ea"/>
-                        <a:cs typeface="+mn-ea"/>
-                        <a:sym typeface="+mn-lt"/>
-                      </a:endParaRPr>
-                    </a:p>
-                  </a:txBody>
-                  <a:tcPr marL="108666" marR="108666" marT="108522" marB="108522" anchor="ctr">
-                    <a:lnL w="3175" cap="flat" cmpd="sng" algn="ctr">
-                      <a:noFill/>
-                      <a:prstDash val="solid"/>
-                      <a:round/>
-                      <a:headEnd type="none" w="med" len="med"/>
-                      <a:tailEnd type="none" w="med" len="med"/>
-                    </a:lnL>
-                    <a:lnR w="57150" cap="flat" cmpd="sng" algn="ctr">
-                      <a:noFill/>
-                      <a:prstDash val="solid"/>
-                      <a:round/>
-                      <a:headEnd type="none" w="med" len="med"/>
-                      <a:tailEnd type="none" w="med" len="med"/>
-                    </a:lnR>
-                    <a:lnT w="3175" cap="flat" cmpd="sng" algn="ctr">
-                      <a:solidFill>
-                        <a:schemeClr val="bg1">
-                          <a:lumMod val="75000"/>
-                        </a:schemeClr>
-                      </a:solidFill>
-                      <a:prstDash val="sysDot"/>
-                      <a:round/>
-                      <a:headEnd type="none" w="med" len="med"/>
-                      <a:tailEnd type="none" w="med" len="med"/>
-                    </a:lnT>
-                    <a:lnB w="3175" cap="flat" cmpd="sng" algn="ctr">
-                      <a:solidFill>
-                        <a:schemeClr val="bg1">
-                          <a:lumMod val="75000"/>
-                        </a:schemeClr>
-                      </a:solidFill>
-                      <a:prstDash val="sysDot"/>
-                      <a:round/>
-                      <a:headEnd type="none" w="med" len="med"/>
-                      <a:tailEnd type="none" w="med" len="med"/>
-                    </a:lnB>
-                    <a:lnTlToBr w="12700" cmpd="sng">
-                      <a:noFill/>
-                      <a:prstDash val="solid"/>
-                    </a:lnTlToBr>
-                    <a:lnBlToTr w="12700" cmpd="sng">
-                      <a:noFill/>
-                      <a:prstDash val="solid"/>
-                    </a:lnBlToTr>
-                    <a:noFill/>
-                  </a:tcPr>
-                </a:tc>
-                <a:tc>
-                  <a:txBody>
-                    <a:bodyPr/>
-                    <a:lstStyle/>
-                    <a:p>
-                      <a:pPr marL="0" marR="0" lvl="0" indent="0" algn="l" defTabSz="685792" rtl="0" eaLnBrk="1" fontAlgn="auto" latinLnBrk="0" hangingPunct="1">
-                        <a:lnSpc>
-                          <a:spcPct val="130000"/>
-                        </a:lnSpc>
-                        <a:spcBef>
-                          <a:spcPts val="0"/>
-                        </a:spcBef>
-                        <a:spcAft>
-                          <a:spcPts val="0"/>
-                        </a:spcAft>
-                        <a:buClrTx/>
-                        <a:buSzTx/>
-                        <a:buFontTx/>
-                        <a:buNone/>
-                        <a:tabLst/>
-                        <a:defRPr/>
-                      </a:pPr>
-                      <a:endParaRPr lang="zh-CN" altLang="en-US" sz="1200" b="0" kern="1200" dirty="0">
-                        <a:solidFill>
-                          <a:schemeClr val="tx1">
-                            <a:lumMod val="75000"/>
-                            <a:lumOff val="25000"/>
-                          </a:schemeClr>
-                        </a:solidFill>
-                        <a:latin typeface="+mn-lt"/>
-                        <a:ea typeface="+mn-ea"/>
-                        <a:cs typeface="+mn-ea"/>
-                        <a:sym typeface="+mn-lt"/>
-                      </a:endParaRPr>
-                    </a:p>
-                  </a:txBody>
-                  <a:tcPr marL="108666" marR="108666" marT="108522" marB="108522" anchor="ctr">
-                    <a:lnL w="3175" cap="flat" cmpd="sng" algn="ctr">
-                      <a:noFill/>
-                      <a:prstDash val="solid"/>
-                      <a:round/>
-                      <a:headEnd type="none" w="med" len="med"/>
-                      <a:tailEnd type="none" w="med" len="med"/>
-                    </a:lnL>
-                    <a:lnR w="57150" cap="flat" cmpd="sng" algn="ctr">
-                      <a:noFill/>
-                      <a:prstDash val="solid"/>
-                      <a:round/>
-                      <a:headEnd type="none" w="med" len="med"/>
-                      <a:tailEnd type="none" w="med" len="med"/>
-                    </a:lnR>
-                    <a:lnT w="3175" cap="flat" cmpd="sng" algn="ctr">
-                      <a:solidFill>
-                        <a:schemeClr val="bg1">
-                          <a:lumMod val="75000"/>
-                        </a:schemeClr>
-                      </a:solidFill>
-                      <a:prstDash val="sysDot"/>
-                      <a:round/>
-                      <a:headEnd type="none" w="med" len="med"/>
-                      <a:tailEnd type="none" w="med" len="med"/>
-                    </a:lnT>
-                    <a:lnB w="3175" cap="flat" cmpd="sng" algn="ctr">
-                      <a:solidFill>
-                        <a:schemeClr val="bg1">
-                          <a:lumMod val="75000"/>
-                        </a:schemeClr>
-                      </a:solidFill>
-                      <a:prstDash val="sysDot"/>
-                      <a:round/>
-                      <a:headEnd type="none" w="med" len="med"/>
-                      <a:tailEnd type="none" w="med" len="med"/>
-                    </a:lnB>
-                    <a:lnTlToBr w="12700" cmpd="sng">
-                      <a:noFill/>
-                      <a:prstDash val="solid"/>
-                    </a:lnTlToBr>
-                    <a:lnBlToTr w="12700" cmpd="sng">
-                      <a:noFill/>
-                      <a:prstDash val="solid"/>
-                    </a:lnBlToTr>
-                    <a:noFill/>
-                  </a:tcPr>
-                </a:tc>
-                <a:tc>
-                  <a:txBody>
-                    <a:bodyPr/>
-                    <a:lstStyle/>
-                    <a:p>
-                      <a:pPr marL="0" marR="0" lvl="0" indent="0" algn="l" defTabSz="685792" rtl="0" eaLnBrk="1" fontAlgn="auto" latinLnBrk="0" hangingPunct="1">
-                        <a:lnSpc>
-                          <a:spcPct val="130000"/>
-                        </a:lnSpc>
-                        <a:spcBef>
-                          <a:spcPts val="0"/>
-                        </a:spcBef>
-                        <a:spcAft>
-                          <a:spcPts val="0"/>
-                        </a:spcAft>
-                        <a:buClrTx/>
-                        <a:buSzTx/>
-                        <a:buFontTx/>
-                        <a:buNone/>
-                        <a:tabLst/>
-                        <a:defRPr/>
-                      </a:pPr>
-                      <a:endParaRPr lang="zh-CN" altLang="en-US" sz="1200" b="0" kern="1200" dirty="0">
-                        <a:solidFill>
-                          <a:schemeClr val="tx1">
-                            <a:lumMod val="75000"/>
-                            <a:lumOff val="25000"/>
-                          </a:schemeClr>
-                        </a:solidFill>
-                        <a:latin typeface="+mn-lt"/>
-                        <a:ea typeface="+mn-ea"/>
-                        <a:cs typeface="+mn-ea"/>
-                        <a:sym typeface="+mn-lt"/>
-                      </a:endParaRPr>
-                    </a:p>
-                  </a:txBody>
-                  <a:tcPr marL="108666" marR="108666" marT="108522" marB="108522" anchor="ctr">
-                    <a:lnL w="3175" cap="flat" cmpd="sng" algn="ctr">
-                      <a:noFill/>
-                      <a:prstDash val="solid"/>
-                      <a:round/>
-                      <a:headEnd type="none" w="med" len="med"/>
-                      <a:tailEnd type="none" w="med" len="med"/>
-                    </a:lnL>
-                    <a:lnR w="57150" cap="flat" cmpd="sng" algn="ctr">
-                      <a:noFill/>
-                      <a:prstDash val="solid"/>
-                      <a:round/>
-                      <a:headEnd type="none" w="med" len="med"/>
-                      <a:tailEnd type="none" w="med" len="med"/>
-                    </a:lnR>
-                    <a:lnT w="3175" cap="flat" cmpd="sng" algn="ctr">
-                      <a:solidFill>
-                        <a:schemeClr val="bg1">
-                          <a:lumMod val="75000"/>
-                        </a:schemeClr>
-                      </a:solidFill>
-                      <a:prstDash val="sysDot"/>
-                      <a:round/>
-                      <a:headEnd type="none" w="med" len="med"/>
-                      <a:tailEnd type="none" w="med" len="med"/>
-                    </a:lnT>
-                    <a:lnB w="3175" cap="flat" cmpd="sng" algn="ctr">
-                      <a:solidFill>
-                        <a:schemeClr val="bg1">
-                          <a:lumMod val="75000"/>
-                        </a:schemeClr>
-                      </a:solidFill>
-                      <a:prstDash val="sysDot"/>
-                      <a:round/>
-                      <a:headEnd type="none" w="med" len="med"/>
-                      <a:tailEnd type="none" w="med" len="med"/>
-                    </a:lnB>
-                    <a:lnTlToBr w="12700" cmpd="sng">
-                      <a:noFill/>
-                      <a:prstDash val="solid"/>
-                    </a:lnTlToBr>
-                    <a:lnBlToTr w="12700" cmpd="sng">
-                      <a:noFill/>
-                      <a:prstDash val="solid"/>
-                    </a:lnBlToTr>
-                    <a:noFill/>
-                  </a:tcPr>
-                </a:tc>
-                <a:extLst>
-                  <a:ext uri="{0D108BD9-81ED-4DB2-BD59-A6C34878D82A}">
-                    <a16:rowId xmlns:a16="http://schemas.microsoft.com/office/drawing/2014/main" xmlns="" val="10004"/>
-                  </a:ext>
-                </a:extLst>
-              </a:tr>
-              <a:tr h="472952">
-                <a:tc>
-                  <a:txBody>
-                    <a:bodyPr/>
-                    <a:lstStyle/>
-                    <a:p>
-                      <a:pPr marL="0" marR="0" lvl="0" indent="0" algn="ctr" defTabSz="685792" rtl="0" eaLnBrk="1" fontAlgn="auto" latinLnBrk="0" hangingPunct="1">
-                        <a:lnSpc>
-                          <a:spcPct val="130000"/>
-                        </a:lnSpc>
-                        <a:spcBef>
-                          <a:spcPts val="0"/>
-                        </a:spcBef>
-                        <a:spcAft>
-                          <a:spcPts val="0"/>
-                        </a:spcAft>
-                        <a:buClrTx/>
-                        <a:buSzTx/>
-                        <a:buFontTx/>
-                        <a:buNone/>
-                        <a:tabLst/>
-                        <a:defRPr/>
-                      </a:pPr>
-                      <a:endParaRPr lang="zh-CN" altLang="en-US" sz="1200" b="0" kern="1200" dirty="0">
-                        <a:solidFill>
-                          <a:schemeClr val="tx1">
-                            <a:lumMod val="75000"/>
-                            <a:lumOff val="25000"/>
-                          </a:schemeClr>
-                        </a:solidFill>
-                        <a:latin typeface="+mn-lt"/>
-                        <a:ea typeface="+mn-ea"/>
-                        <a:cs typeface="+mn-ea"/>
-                        <a:sym typeface="+mn-lt"/>
-                      </a:endParaRPr>
-                    </a:p>
-                  </a:txBody>
-                  <a:tcPr marL="108666" marR="108666" marT="108522" marB="108522" anchor="ctr">
-                    <a:lnL w="57150" cap="flat" cmpd="sng" algn="ctr">
-                      <a:noFill/>
-                      <a:prstDash val="solid"/>
-                      <a:round/>
-                      <a:headEnd type="none" w="med" len="med"/>
-                      <a:tailEnd type="none" w="med" len="med"/>
-                    </a:lnL>
-                    <a:lnR w="3175" cap="flat" cmpd="sng" algn="ctr">
-                      <a:noFill/>
-                      <a:prstDash val="solid"/>
-                      <a:round/>
-                      <a:headEnd type="none" w="med" len="med"/>
-                      <a:tailEnd type="none" w="med" len="med"/>
-                    </a:lnR>
-                    <a:lnT w="3175" cap="flat" cmpd="sng" algn="ctr">
-                      <a:solidFill>
-                        <a:schemeClr val="bg1">
-                          <a:lumMod val="75000"/>
-                        </a:schemeClr>
-                      </a:solidFill>
-                      <a:prstDash val="sysDot"/>
-                      <a:round/>
-                      <a:headEnd type="none" w="med" len="med"/>
-                      <a:tailEnd type="none" w="med" len="med"/>
-                    </a:lnT>
-                    <a:lnB w="3175" cap="flat" cmpd="sng" algn="ctr">
-                      <a:solidFill>
-                        <a:schemeClr val="bg1">
-                          <a:lumMod val="75000"/>
-                        </a:schemeClr>
-                      </a:solidFill>
-                      <a:prstDash val="sysDot"/>
-                      <a:round/>
-                      <a:headEnd type="none" w="med" len="med"/>
-                      <a:tailEnd type="none" w="med" len="med"/>
-                    </a:lnB>
-                    <a:lnTlToBr w="12700" cmpd="sng">
-                      <a:noFill/>
-                      <a:prstDash val="solid"/>
-                    </a:lnTlToBr>
-                    <a:lnBlToTr w="12700" cmpd="sng">
-                      <a:noFill/>
-                      <a:prstDash val="solid"/>
-                    </a:lnBlToTr>
-                    <a:noFill/>
-                  </a:tcPr>
-                </a:tc>
-                <a:tc>
-                  <a:txBody>
-                    <a:bodyPr/>
-                    <a:lstStyle/>
-                    <a:p>
-                      <a:pPr marL="0" marR="0" lvl="0" indent="0" algn="l" defTabSz="685792" rtl="0" eaLnBrk="1" fontAlgn="auto" latinLnBrk="0" hangingPunct="1">
-                        <a:lnSpc>
-                          <a:spcPct val="130000"/>
-                        </a:lnSpc>
-                        <a:spcBef>
-                          <a:spcPts val="0"/>
-                        </a:spcBef>
-                        <a:spcAft>
-                          <a:spcPts val="0"/>
-                        </a:spcAft>
-                        <a:buClrTx/>
-                        <a:buSzTx/>
-                        <a:buFontTx/>
-                        <a:buNone/>
-                        <a:tabLst/>
-                        <a:defRPr/>
-                      </a:pPr>
-                      <a:endParaRPr lang="zh-CN" altLang="en-US" sz="1200" b="0" kern="1200" dirty="0">
-                        <a:solidFill>
-                          <a:schemeClr val="tx1">
-                            <a:lumMod val="75000"/>
-                            <a:lumOff val="25000"/>
-                          </a:schemeClr>
-                        </a:solidFill>
-                        <a:latin typeface="+mn-lt"/>
-                        <a:ea typeface="+mn-ea"/>
-                        <a:cs typeface="+mn-ea"/>
-                        <a:sym typeface="+mn-lt"/>
-                      </a:endParaRPr>
-                    </a:p>
-                  </a:txBody>
-                  <a:tcPr marL="108666" marR="108666" marT="108522" marB="108522" anchor="ctr">
-                    <a:lnL w="3175" cap="flat" cmpd="sng" algn="ctr">
-                      <a:noFill/>
-                      <a:prstDash val="solid"/>
-                      <a:round/>
-                      <a:headEnd type="none" w="med" len="med"/>
-                      <a:tailEnd type="none" w="med" len="med"/>
-                    </a:lnL>
-                    <a:lnR w="57150" cap="flat" cmpd="sng" algn="ctr">
-                      <a:noFill/>
-                      <a:prstDash val="solid"/>
-                      <a:round/>
-                      <a:headEnd type="none" w="med" len="med"/>
-                      <a:tailEnd type="none" w="med" len="med"/>
-                    </a:lnR>
-                    <a:lnT w="3175" cap="flat" cmpd="sng" algn="ctr">
-                      <a:solidFill>
-                        <a:schemeClr val="bg1">
-                          <a:lumMod val="75000"/>
-                        </a:schemeClr>
-                      </a:solidFill>
-                      <a:prstDash val="sysDot"/>
-                      <a:round/>
-                      <a:headEnd type="none" w="med" len="med"/>
-                      <a:tailEnd type="none" w="med" len="med"/>
-                    </a:lnT>
-                    <a:lnB w="3175" cap="flat" cmpd="sng" algn="ctr">
-                      <a:solidFill>
-                        <a:schemeClr val="bg1">
-                          <a:lumMod val="75000"/>
-                        </a:schemeClr>
-                      </a:solidFill>
-                      <a:prstDash val="sysDot"/>
-                      <a:round/>
-                      <a:headEnd type="none" w="med" len="med"/>
-                      <a:tailEnd type="none" w="med" len="med"/>
-                    </a:lnB>
-                    <a:lnTlToBr w="12700" cmpd="sng">
-                      <a:noFill/>
-                      <a:prstDash val="solid"/>
-                    </a:lnTlToBr>
-                    <a:lnBlToTr w="12700" cmpd="sng">
-                      <a:noFill/>
-                      <a:prstDash val="solid"/>
-                    </a:lnBlToTr>
-                    <a:noFill/>
-                  </a:tcPr>
-                </a:tc>
-                <a:tc>
-                  <a:txBody>
-                    <a:bodyPr/>
-                    <a:lstStyle/>
-                    <a:p>
-                      <a:pPr marL="0" marR="0" lvl="0" indent="0" algn="l" defTabSz="685792" rtl="0" eaLnBrk="1" fontAlgn="auto" latinLnBrk="0" hangingPunct="1">
-                        <a:lnSpc>
-                          <a:spcPct val="130000"/>
-                        </a:lnSpc>
-                        <a:spcBef>
-                          <a:spcPts val="0"/>
-                        </a:spcBef>
-                        <a:spcAft>
-                          <a:spcPts val="0"/>
-                        </a:spcAft>
-                        <a:buClrTx/>
-                        <a:buSzTx/>
-                        <a:buFontTx/>
-                        <a:buNone/>
-                        <a:tabLst/>
-                        <a:defRPr/>
-                      </a:pPr>
-                      <a:endParaRPr lang="zh-CN" altLang="en-US" sz="1200" b="0" kern="1200" dirty="0">
-                        <a:solidFill>
-                          <a:schemeClr val="tx1">
-                            <a:lumMod val="75000"/>
-                            <a:lumOff val="25000"/>
-                          </a:schemeClr>
-                        </a:solidFill>
-                        <a:latin typeface="+mn-lt"/>
-                        <a:ea typeface="+mn-ea"/>
-                        <a:cs typeface="+mn-ea"/>
-                        <a:sym typeface="+mn-lt"/>
-                      </a:endParaRPr>
-                    </a:p>
-                  </a:txBody>
-                  <a:tcPr marL="108666" marR="108666" marT="108522" marB="108522" anchor="ctr">
-                    <a:lnL w="3175" cap="flat" cmpd="sng" algn="ctr">
-                      <a:noFill/>
-                      <a:prstDash val="solid"/>
-                      <a:round/>
-                      <a:headEnd type="none" w="med" len="med"/>
-                      <a:tailEnd type="none" w="med" len="med"/>
-                    </a:lnL>
-                    <a:lnR w="57150" cap="flat" cmpd="sng" algn="ctr">
-                      <a:noFill/>
-                      <a:prstDash val="solid"/>
-                      <a:round/>
-                      <a:headEnd type="none" w="med" len="med"/>
-                      <a:tailEnd type="none" w="med" len="med"/>
-                    </a:lnR>
-                    <a:lnT w="3175" cap="flat" cmpd="sng" algn="ctr">
-                      <a:solidFill>
-                        <a:schemeClr val="bg1">
-                          <a:lumMod val="75000"/>
-                        </a:schemeClr>
-                      </a:solidFill>
-                      <a:prstDash val="sysDot"/>
-                      <a:round/>
-                      <a:headEnd type="none" w="med" len="med"/>
-                      <a:tailEnd type="none" w="med" len="med"/>
-                    </a:lnT>
-                    <a:lnB w="3175" cap="flat" cmpd="sng" algn="ctr">
-                      <a:solidFill>
-                        <a:schemeClr val="bg1">
-                          <a:lumMod val="75000"/>
-                        </a:schemeClr>
-                      </a:solidFill>
-                      <a:prstDash val="sysDot"/>
-                      <a:round/>
-                      <a:headEnd type="none" w="med" len="med"/>
-                      <a:tailEnd type="none" w="med" len="med"/>
-                    </a:lnB>
-                    <a:lnTlToBr w="12700" cmpd="sng">
-                      <a:noFill/>
-                      <a:prstDash val="solid"/>
-                    </a:lnTlToBr>
-                    <a:lnBlToTr w="12700" cmpd="sng">
-                      <a:noFill/>
-                      <a:prstDash val="solid"/>
-                    </a:lnBlToTr>
-                    <a:noFill/>
-                  </a:tcPr>
-                </a:tc>
-                <a:tc>
-                  <a:txBody>
-                    <a:bodyPr/>
-                    <a:lstStyle/>
-                    <a:p>
-                      <a:pPr marL="0" marR="0" lvl="0" indent="0" algn="l" defTabSz="685792" rtl="0" eaLnBrk="1" fontAlgn="auto" latinLnBrk="0" hangingPunct="1">
-                        <a:lnSpc>
-                          <a:spcPct val="130000"/>
-                        </a:lnSpc>
-                        <a:spcBef>
-                          <a:spcPts val="0"/>
-                        </a:spcBef>
-                        <a:spcAft>
-                          <a:spcPts val="0"/>
-                        </a:spcAft>
-                        <a:buClrTx/>
-                        <a:buSzTx/>
-                        <a:buFontTx/>
-                        <a:buNone/>
-                        <a:tabLst/>
-                        <a:defRPr/>
-                      </a:pPr>
-                      <a:endParaRPr lang="zh-CN" altLang="en-US" sz="1200" b="0" kern="1200" dirty="0">
-                        <a:solidFill>
-                          <a:schemeClr val="tx1">
-                            <a:lumMod val="75000"/>
-                            <a:lumOff val="25000"/>
-                          </a:schemeClr>
-                        </a:solidFill>
-                        <a:latin typeface="+mn-lt"/>
-                        <a:ea typeface="+mn-ea"/>
-                        <a:cs typeface="+mn-ea"/>
-                        <a:sym typeface="+mn-lt"/>
-                      </a:endParaRPr>
-                    </a:p>
-                  </a:txBody>
-                  <a:tcPr marL="108666" marR="108666" marT="108522" marB="108522" anchor="ctr">
-                    <a:lnL w="3175" cap="flat" cmpd="sng" algn="ctr">
-                      <a:noFill/>
-                      <a:prstDash val="solid"/>
-                      <a:round/>
-                      <a:headEnd type="none" w="med" len="med"/>
-                      <a:tailEnd type="none" w="med" len="med"/>
-                    </a:lnL>
-                    <a:lnR w="57150" cap="flat" cmpd="sng" algn="ctr">
-                      <a:noFill/>
-                      <a:prstDash val="solid"/>
-                      <a:round/>
-                      <a:headEnd type="none" w="med" len="med"/>
-                      <a:tailEnd type="none" w="med" len="med"/>
-                    </a:lnR>
-                    <a:lnT w="3175" cap="flat" cmpd="sng" algn="ctr">
-                      <a:solidFill>
-                        <a:schemeClr val="bg1">
-                          <a:lumMod val="75000"/>
-                        </a:schemeClr>
-                      </a:solidFill>
-                      <a:prstDash val="sysDot"/>
-                      <a:round/>
-                      <a:headEnd type="none" w="med" len="med"/>
-                      <a:tailEnd type="none" w="med" len="med"/>
-                    </a:lnT>
-                    <a:lnB w="3175" cap="flat" cmpd="sng" algn="ctr">
-                      <a:solidFill>
-                        <a:schemeClr val="bg1">
-                          <a:lumMod val="75000"/>
-                        </a:schemeClr>
-                      </a:solidFill>
-                      <a:prstDash val="sysDot"/>
-                      <a:round/>
-                      <a:headEnd type="none" w="med" len="med"/>
-                      <a:tailEnd type="none" w="med" len="med"/>
-                    </a:lnB>
-                    <a:lnTlToBr w="12700" cmpd="sng">
-                      <a:noFill/>
-                      <a:prstDash val="solid"/>
-                    </a:lnTlToBr>
-                    <a:lnBlToTr w="12700" cmpd="sng">
-                      <a:noFill/>
-                      <a:prstDash val="solid"/>
-                    </a:lnBlToTr>
-                    <a:noFill/>
-                  </a:tcPr>
-                </a:tc>
-                <a:tc>
-                  <a:txBody>
-                    <a:bodyPr/>
-                    <a:lstStyle/>
-                    <a:p>
-                      <a:pPr marL="0" marR="0" lvl="0" indent="0" algn="l" defTabSz="685792" rtl="0" eaLnBrk="1" fontAlgn="auto" latinLnBrk="0" hangingPunct="1">
-                        <a:lnSpc>
-                          <a:spcPct val="130000"/>
-                        </a:lnSpc>
-                        <a:spcBef>
-                          <a:spcPts val="0"/>
-                        </a:spcBef>
-                        <a:spcAft>
-                          <a:spcPts val="0"/>
-                        </a:spcAft>
-                        <a:buClrTx/>
-                        <a:buSzTx/>
-                        <a:buFontTx/>
-                        <a:buNone/>
-                        <a:tabLst/>
-                        <a:defRPr/>
-                      </a:pPr>
-                      <a:endParaRPr lang="zh-CN" altLang="en-US" sz="1200" b="0" kern="1200" dirty="0">
-                        <a:solidFill>
-                          <a:schemeClr val="tx1">
-                            <a:lumMod val="75000"/>
-                            <a:lumOff val="25000"/>
-                          </a:schemeClr>
-                        </a:solidFill>
-                        <a:latin typeface="+mn-lt"/>
-                        <a:ea typeface="+mn-ea"/>
-                        <a:cs typeface="+mn-ea"/>
-                        <a:sym typeface="+mn-lt"/>
-                      </a:endParaRPr>
-                    </a:p>
-                  </a:txBody>
-                  <a:tcPr marL="108666" marR="108666" marT="108522" marB="108522" anchor="ctr">
-                    <a:lnL w="3175" cap="flat" cmpd="sng" algn="ctr">
-                      <a:noFill/>
-                      <a:prstDash val="solid"/>
-                      <a:round/>
-                      <a:headEnd type="none" w="med" len="med"/>
-                      <a:tailEnd type="none" w="med" len="med"/>
-                    </a:lnL>
-                    <a:lnR w="57150" cap="flat" cmpd="sng" algn="ctr">
-                      <a:noFill/>
-                      <a:prstDash val="solid"/>
-                      <a:round/>
-                      <a:headEnd type="none" w="med" len="med"/>
-                      <a:tailEnd type="none" w="med" len="med"/>
-                    </a:lnR>
-                    <a:lnT w="3175" cap="flat" cmpd="sng" algn="ctr">
-                      <a:solidFill>
-                        <a:schemeClr val="bg1">
-                          <a:lumMod val="75000"/>
-                        </a:schemeClr>
-                      </a:solidFill>
-                      <a:prstDash val="sysDot"/>
-                      <a:round/>
-                      <a:headEnd type="none" w="med" len="med"/>
-                      <a:tailEnd type="none" w="med" len="med"/>
-                    </a:lnT>
-                    <a:lnB w="3175" cap="flat" cmpd="sng" algn="ctr">
-                      <a:solidFill>
-                        <a:schemeClr val="bg1">
-                          <a:lumMod val="75000"/>
-                        </a:schemeClr>
-                      </a:solidFill>
-                      <a:prstDash val="sysDot"/>
-                      <a:round/>
-                      <a:headEnd type="none" w="med" len="med"/>
-                      <a:tailEnd type="none" w="med" len="med"/>
-                    </a:lnB>
-                    <a:lnTlToBr w="12700" cmpd="sng">
-                      <a:noFill/>
-                      <a:prstDash val="solid"/>
-                    </a:lnTlToBr>
-                    <a:lnBlToTr w="12700" cmpd="sng">
-                      <a:noFill/>
-                      <a:prstDash val="solid"/>
-                    </a:lnBlToTr>
-                    <a:noFill/>
-                  </a:tcPr>
-                </a:tc>
-                <a:tc>
-                  <a:txBody>
-                    <a:bodyPr/>
-                    <a:lstStyle/>
-                    <a:p>
-                      <a:pPr marL="0" marR="0" lvl="0" indent="0" algn="l" defTabSz="685792" rtl="0" eaLnBrk="1" fontAlgn="auto" latinLnBrk="0" hangingPunct="1">
-                        <a:lnSpc>
-                          <a:spcPct val="130000"/>
-                        </a:lnSpc>
-                        <a:spcBef>
-                          <a:spcPts val="0"/>
-                        </a:spcBef>
-                        <a:spcAft>
-                          <a:spcPts val="0"/>
-                        </a:spcAft>
-                        <a:buClrTx/>
-                        <a:buSzTx/>
-                        <a:buFontTx/>
-                        <a:buNone/>
-                        <a:tabLst/>
-                        <a:defRPr/>
-                      </a:pPr>
-                      <a:endParaRPr lang="zh-CN" altLang="en-US" sz="1200" b="0" kern="1200" dirty="0">
-                        <a:solidFill>
-                          <a:schemeClr val="tx1">
-                            <a:lumMod val="75000"/>
-                            <a:lumOff val="25000"/>
-                          </a:schemeClr>
-                        </a:solidFill>
-                        <a:latin typeface="+mn-lt"/>
-                        <a:ea typeface="+mn-ea"/>
-                        <a:cs typeface="+mn-ea"/>
-                        <a:sym typeface="+mn-lt"/>
-                      </a:endParaRPr>
-                    </a:p>
-                  </a:txBody>
-                  <a:tcPr marL="108666" marR="108666" marT="108522" marB="108522" anchor="ctr">
-                    <a:lnL w="3175" cap="flat" cmpd="sng" algn="ctr">
-                      <a:noFill/>
-                      <a:prstDash val="solid"/>
-                      <a:round/>
-                      <a:headEnd type="none" w="med" len="med"/>
-                      <a:tailEnd type="none" w="med" len="med"/>
-                    </a:lnL>
-                    <a:lnR w="57150" cap="flat" cmpd="sng" algn="ctr">
-                      <a:noFill/>
-                      <a:prstDash val="solid"/>
-                      <a:round/>
-                      <a:headEnd type="none" w="med" len="med"/>
-                      <a:tailEnd type="none" w="med" len="med"/>
-                    </a:lnR>
-                    <a:lnT w="3175" cap="flat" cmpd="sng" algn="ctr">
-                      <a:solidFill>
-                        <a:schemeClr val="bg1">
-                          <a:lumMod val="75000"/>
-                        </a:schemeClr>
-                      </a:solidFill>
-                      <a:prstDash val="sysDot"/>
-                      <a:round/>
-                      <a:headEnd type="none" w="med" len="med"/>
-                      <a:tailEnd type="none" w="med" len="med"/>
-                    </a:lnT>
-                    <a:lnB w="3175" cap="flat" cmpd="sng" algn="ctr">
-                      <a:solidFill>
-                        <a:schemeClr val="bg1">
-                          <a:lumMod val="75000"/>
-                        </a:schemeClr>
-                      </a:solidFill>
-                      <a:prstDash val="sysDot"/>
-                      <a:round/>
-                      <a:headEnd type="none" w="med" len="med"/>
-                      <a:tailEnd type="none" w="med" len="med"/>
-                    </a:lnB>
-                    <a:lnTlToBr w="12700" cmpd="sng">
-                      <a:noFill/>
-                      <a:prstDash val="solid"/>
-                    </a:lnTlToBr>
-                    <a:lnBlToTr w="12700" cmpd="sng">
-                      <a:noFill/>
-                      <a:prstDash val="solid"/>
-                    </a:lnBlToTr>
-                    <a:noFill/>
-                  </a:tcPr>
-                </a:tc>
-                <a:tc>
-                  <a:txBody>
-                    <a:bodyPr/>
-                    <a:lstStyle/>
-                    <a:p>
-                      <a:pPr marL="0" marR="0" lvl="0" indent="0" algn="l" defTabSz="685792" rtl="0" eaLnBrk="1" fontAlgn="auto" latinLnBrk="0" hangingPunct="1">
-                        <a:lnSpc>
-                          <a:spcPct val="130000"/>
-                        </a:lnSpc>
-                        <a:spcBef>
-                          <a:spcPts val="0"/>
-                        </a:spcBef>
-                        <a:spcAft>
-                          <a:spcPts val="0"/>
-                        </a:spcAft>
-                        <a:buClrTx/>
-                        <a:buSzTx/>
-                        <a:buFontTx/>
-                        <a:buNone/>
-                        <a:tabLst/>
-                        <a:defRPr/>
-                      </a:pPr>
-                      <a:endParaRPr lang="zh-CN" altLang="en-US" sz="1200" b="0" kern="1200" dirty="0">
-                        <a:solidFill>
-                          <a:schemeClr val="tx1">
-                            <a:lumMod val="75000"/>
-                            <a:lumOff val="25000"/>
-                          </a:schemeClr>
-                        </a:solidFill>
-                        <a:latin typeface="+mn-lt"/>
-                        <a:ea typeface="+mn-ea"/>
-                        <a:cs typeface="+mn-ea"/>
-                        <a:sym typeface="+mn-lt"/>
-                      </a:endParaRPr>
-                    </a:p>
-                  </a:txBody>
-                  <a:tcPr marL="108666" marR="108666" marT="108522" marB="108522" anchor="ctr">
-                    <a:lnL w="3175" cap="flat" cmpd="sng" algn="ctr">
-                      <a:noFill/>
-                      <a:prstDash val="solid"/>
-                      <a:round/>
-                      <a:headEnd type="none" w="med" len="med"/>
-                      <a:tailEnd type="none" w="med" len="med"/>
-                    </a:lnL>
-                    <a:lnR w="57150" cap="flat" cmpd="sng" algn="ctr">
-                      <a:noFill/>
-                      <a:prstDash val="solid"/>
-                      <a:round/>
-                      <a:headEnd type="none" w="med" len="med"/>
-                      <a:tailEnd type="none" w="med" len="med"/>
-                    </a:lnR>
-                    <a:lnT w="3175" cap="flat" cmpd="sng" algn="ctr">
-                      <a:solidFill>
-                        <a:schemeClr val="bg1">
-                          <a:lumMod val="75000"/>
-                        </a:schemeClr>
-                      </a:solidFill>
-                      <a:prstDash val="sysDot"/>
-                      <a:round/>
-                      <a:headEnd type="none" w="med" len="med"/>
-                      <a:tailEnd type="none" w="med" len="med"/>
-                    </a:lnT>
-                    <a:lnB w="3175" cap="flat" cmpd="sng" algn="ctr">
-                      <a:solidFill>
-                        <a:schemeClr val="bg1">
-                          <a:lumMod val="75000"/>
-                        </a:schemeClr>
-                      </a:solidFill>
-                      <a:prstDash val="sysDot"/>
-                      <a:round/>
-                      <a:headEnd type="none" w="med" len="med"/>
-                      <a:tailEnd type="none" w="med" len="med"/>
-                    </a:lnB>
-                    <a:lnTlToBr w="12700" cmpd="sng">
-                      <a:noFill/>
-                      <a:prstDash val="solid"/>
-                    </a:lnTlToBr>
-                    <a:lnBlToTr w="12700" cmpd="sng">
-                      <a:noFill/>
-                      <a:prstDash val="solid"/>
-                    </a:lnBlToTr>
-                    <a:noFill/>
-                  </a:tcPr>
-                </a:tc>
-                <a:tc>
-                  <a:txBody>
-                    <a:bodyPr/>
-                    <a:lstStyle/>
-                    <a:p>
-                      <a:pPr marL="0" marR="0" lvl="0" indent="0" algn="l" defTabSz="685792" rtl="0" eaLnBrk="1" fontAlgn="auto" latinLnBrk="0" hangingPunct="1">
-                        <a:lnSpc>
-                          <a:spcPct val="130000"/>
-                        </a:lnSpc>
-                        <a:spcBef>
-                          <a:spcPts val="0"/>
-                        </a:spcBef>
-                        <a:spcAft>
-                          <a:spcPts val="0"/>
-                        </a:spcAft>
-                        <a:buClrTx/>
-                        <a:buSzTx/>
-                        <a:buFontTx/>
-                        <a:buNone/>
-                        <a:tabLst/>
-                        <a:defRPr/>
-                      </a:pPr>
-                      <a:endParaRPr lang="zh-CN" altLang="en-US" sz="1200" b="0" kern="1200" dirty="0">
-                        <a:solidFill>
-                          <a:schemeClr val="tx1">
-                            <a:lumMod val="75000"/>
-                            <a:lumOff val="25000"/>
-                          </a:schemeClr>
-                        </a:solidFill>
-                        <a:latin typeface="+mn-lt"/>
-                        <a:ea typeface="+mn-ea"/>
-                        <a:cs typeface="+mn-ea"/>
-                        <a:sym typeface="+mn-lt"/>
-                      </a:endParaRPr>
-                    </a:p>
-                  </a:txBody>
-                  <a:tcPr marL="108666" marR="108666" marT="108522" marB="108522" anchor="ctr">
-                    <a:lnL w="3175" cap="flat" cmpd="sng" algn="ctr">
-                      <a:noFill/>
-                      <a:prstDash val="solid"/>
-                      <a:round/>
-                      <a:headEnd type="none" w="med" len="med"/>
-                      <a:tailEnd type="none" w="med" len="med"/>
-                    </a:lnL>
-                    <a:lnR w="57150" cap="flat" cmpd="sng" algn="ctr">
-                      <a:noFill/>
-                      <a:prstDash val="solid"/>
-                      <a:round/>
-                      <a:headEnd type="none" w="med" len="med"/>
-                      <a:tailEnd type="none" w="med" len="med"/>
-                    </a:lnR>
-                    <a:lnT w="3175" cap="flat" cmpd="sng" algn="ctr">
-                      <a:solidFill>
-                        <a:schemeClr val="bg1">
-                          <a:lumMod val="75000"/>
-                        </a:schemeClr>
-                      </a:solidFill>
-                      <a:prstDash val="sysDot"/>
-                      <a:round/>
-                      <a:headEnd type="none" w="med" len="med"/>
-                      <a:tailEnd type="none" w="med" len="med"/>
-                    </a:lnT>
-                    <a:lnB w="3175" cap="flat" cmpd="sng" algn="ctr">
-                      <a:solidFill>
-                        <a:schemeClr val="bg1">
-                          <a:lumMod val="75000"/>
-                        </a:schemeClr>
-                      </a:solidFill>
-                      <a:prstDash val="sysDot"/>
-                      <a:round/>
-                      <a:headEnd type="none" w="med" len="med"/>
-                      <a:tailEnd type="none" w="med" len="med"/>
-                    </a:lnB>
-                    <a:lnTlToBr w="12700" cmpd="sng">
-                      <a:noFill/>
-                      <a:prstDash val="solid"/>
-                    </a:lnTlToBr>
-                    <a:lnBlToTr w="12700" cmpd="sng">
-                      <a:noFill/>
-                      <a:prstDash val="solid"/>
-                    </a:lnBlToTr>
-                    <a:noFill/>
-                  </a:tcPr>
-                </a:tc>
-              </a:tr>
-              <a:tr h="472952">
-                <a:tc>
-                  <a:txBody>
-                    <a:bodyPr/>
-                    <a:lstStyle/>
-                    <a:p>
-                      <a:pPr marL="0" marR="0" lvl="0" indent="0" algn="ctr" defTabSz="685792" rtl="0" eaLnBrk="1" fontAlgn="auto" latinLnBrk="0" hangingPunct="1">
-                        <a:lnSpc>
-                          <a:spcPct val="130000"/>
-                        </a:lnSpc>
-                        <a:spcBef>
-                          <a:spcPts val="0"/>
-                        </a:spcBef>
-                        <a:spcAft>
-                          <a:spcPts val="0"/>
-                        </a:spcAft>
-                        <a:buClrTx/>
-                        <a:buSzTx/>
-                        <a:buFontTx/>
-                        <a:buNone/>
-                        <a:tabLst/>
-                        <a:defRPr/>
-                      </a:pPr>
-                      <a:endParaRPr lang="zh-CN" altLang="en-US" sz="1200" b="0" kern="1200" dirty="0">
-                        <a:solidFill>
-                          <a:schemeClr val="tx1">
-                            <a:lumMod val="75000"/>
-                            <a:lumOff val="25000"/>
-                          </a:schemeClr>
-                        </a:solidFill>
-                        <a:latin typeface="+mn-lt"/>
-                        <a:ea typeface="+mn-ea"/>
-                        <a:cs typeface="+mn-ea"/>
-                        <a:sym typeface="+mn-lt"/>
-                      </a:endParaRPr>
-                    </a:p>
-                  </a:txBody>
-                  <a:tcPr marL="108666" marR="108666" marT="108522" marB="108522" anchor="ctr">
-                    <a:lnL w="57150" cap="flat" cmpd="sng" algn="ctr">
-                      <a:noFill/>
-                      <a:prstDash val="solid"/>
-                      <a:round/>
-                      <a:headEnd type="none" w="med" len="med"/>
-                      <a:tailEnd type="none" w="med" len="med"/>
-                    </a:lnL>
-                    <a:lnR w="3175" cap="flat" cmpd="sng" algn="ctr">
-                      <a:noFill/>
-                      <a:prstDash val="solid"/>
-                      <a:round/>
-                      <a:headEnd type="none" w="med" len="med"/>
-                      <a:tailEnd type="none" w="med" len="med"/>
-                    </a:lnR>
-                    <a:lnT w="3175" cap="flat" cmpd="sng" algn="ctr">
-                      <a:solidFill>
-                        <a:schemeClr val="bg1">
-                          <a:lumMod val="75000"/>
-                        </a:schemeClr>
-                      </a:solidFill>
-                      <a:prstDash val="sysDot"/>
-                      <a:round/>
-                      <a:headEnd type="none" w="med" len="med"/>
-                      <a:tailEnd type="none" w="med" len="med"/>
-                    </a:lnT>
-                    <a:lnB w="6350" cap="flat" cmpd="sng" algn="ctr">
-                      <a:solidFill>
-                        <a:srgbClr val="BBBCBC"/>
-                      </a:solidFill>
-                      <a:prstDash val="solid"/>
-                      <a:round/>
-                      <a:headEnd type="none" w="med" len="med"/>
-                      <a:tailEnd type="none" w="med" len="med"/>
-                    </a:lnB>
-                    <a:lnTlToBr w="12700" cmpd="sng">
-                      <a:noFill/>
-                      <a:prstDash val="solid"/>
-                    </a:lnTlToBr>
-                    <a:lnBlToTr w="12700" cmpd="sng">
-                      <a:noFill/>
-                      <a:prstDash val="solid"/>
-                    </a:lnBlToTr>
-                    <a:noFill/>
-                  </a:tcPr>
-                </a:tc>
-                <a:tc>
-                  <a:txBody>
-                    <a:bodyPr/>
-                    <a:lstStyle/>
-                    <a:p>
-                      <a:pPr marL="0" marR="0" lvl="0" indent="0" algn="l" defTabSz="685792" rtl="0" eaLnBrk="1" fontAlgn="auto" latinLnBrk="0" hangingPunct="1">
-                        <a:lnSpc>
-                          <a:spcPct val="130000"/>
-                        </a:lnSpc>
-                        <a:spcBef>
-                          <a:spcPts val="0"/>
-                        </a:spcBef>
-                        <a:spcAft>
-                          <a:spcPts val="0"/>
-                        </a:spcAft>
-                        <a:buClrTx/>
-                        <a:buSzTx/>
-                        <a:buFontTx/>
-                        <a:buNone/>
-                        <a:tabLst/>
-                        <a:defRPr/>
-                      </a:pPr>
-                      <a:endParaRPr lang="zh-CN" altLang="en-US" sz="1200" b="0" kern="1200" dirty="0">
-                        <a:solidFill>
-                          <a:schemeClr val="tx1">
-                            <a:lumMod val="75000"/>
-                            <a:lumOff val="25000"/>
-                          </a:schemeClr>
-                        </a:solidFill>
-                        <a:latin typeface="+mn-lt"/>
-                        <a:ea typeface="+mn-ea"/>
-                        <a:cs typeface="+mn-ea"/>
-                        <a:sym typeface="+mn-lt"/>
-                      </a:endParaRPr>
-                    </a:p>
-                  </a:txBody>
-                  <a:tcPr marL="108666" marR="108666" marT="108522" marB="108522" anchor="ctr">
-                    <a:lnL w="3175" cap="flat" cmpd="sng" algn="ctr">
-                      <a:noFill/>
-                      <a:prstDash val="solid"/>
-                      <a:round/>
-                      <a:headEnd type="none" w="med" len="med"/>
-                      <a:tailEnd type="none" w="med" len="med"/>
-                    </a:lnL>
-                    <a:lnR w="57150" cap="flat" cmpd="sng" algn="ctr">
                       <a:noFill/>
                       <a:prstDash val="solid"/>
                       <a:round/>
@@ -22871,7 +21972,7 @@
   <a:extraClrSchemeLst/>
   <a:extLst>
     <a:ext uri="{05A4C25C-085E-4340-85A3-A5531E510DB2}">
-      <thm15:themeFamily xmlns:thm15="http://schemas.microsoft.com/office/thememl/2012/main" xmlns="" name="Bentley template 2021.potx" id="{C9F80F40-B2B1-4DB6-919B-71F3AAFFE5B0}" vid="{F9D38CA0-4F02-4029-A6BC-9642EF690A5C}"/>
+      <thm15:themeFamily xmlns="" xmlns:thm15="http://schemas.microsoft.com/office/thememl/2012/main" name="Bentley template 2021.potx" id="{C9F80F40-B2B1-4DB6-919B-71F3AAFFE5B0}" vid="{F9D38CA0-4F02-4029-A6BC-9642EF690A5C}"/>
     </a:ext>
   </a:extLst>
 </a:theme>
@@ -23105,7 +22206,7 @@
   <a:extraClrSchemeLst/>
   <a:extLst>
     <a:ext uri="{05A4C25C-085E-4340-85A3-A5531E510DB2}">
-      <thm15:themeFamily xmlns:thm15="http://schemas.microsoft.com/office/thememl/2012/main" xmlns="" name="Bentley template 2021.potx" id="{C9F80F40-B2B1-4DB6-919B-71F3AAFFE5B0}" vid="{F9D38CA0-4F02-4029-A6BC-9642EF690A5C}"/>
+      <thm15:themeFamily xmlns="" xmlns:thm15="http://schemas.microsoft.com/office/thememl/2012/main" name="Bentley template 2021.potx" id="{C9F80F40-B2B1-4DB6-919B-71F3AAFFE5B0}" vid="{F9D38CA0-4F02-4029-A6BC-9642EF690A5C}"/>
     </a:ext>
   </a:extLst>
 </a:theme>
@@ -23366,7 +22467,7 @@
   <a:extraClrSchemeLst/>
   <a:extLst>
     <a:ext uri="{05A4C25C-085E-4340-85A3-A5531E510DB2}">
-      <thm15:themeFamily xmlns:thm15="http://schemas.microsoft.com/office/thememl/2012/main" xmlns="" name="Office Theme" id="{62F939B6-93AF-4DB8-9C6B-D6C7DFDC589F}" vid="{4A3C46E8-61CC-4603-A589-7422A47A8E4A}"/>
+      <thm15:themeFamily xmlns="" xmlns:thm15="http://schemas.microsoft.com/office/thememl/2012/main" name="Office Theme" id="{62F939B6-93AF-4DB8-9C6B-D6C7DFDC589F}" vid="{4A3C46E8-61CC-4603-A589-7422A47A8E4A}"/>
     </a:ext>
   </a:extLst>
 </a:theme>

--- a/com.yrtech.bentleyAPI/com.yrtech.InventoryAPI/template/ReportOnLine.pptx
+++ b/com.yrtech.bentleyAPI/com.yrtech.InventoryAPI/template/ReportOnLine.pptx
@@ -117,7 +117,7 @@
   </p:defaultTextStyle>
   <p:extLst>
     <p:ext uri="{EFAFB233-063F-42B5-8137-9DF3F51BA10A}">
-      <p15:sldGuideLst xmlns="" xmlns:p15="http://schemas.microsoft.com/office/powerpoint/2012/main">
+      <p15:sldGuideLst xmlns:p15="http://schemas.microsoft.com/office/powerpoint/2012/main">
         <p15:guide id="1" pos="7310" userDrawn="1">
           <p15:clr>
             <a:srgbClr val="A4A3A4"/>
@@ -216,7 +216,7 @@
           <a:p>
             <a:fld id="{69A4D669-94F9-4D70-8C76-4C2D35D4E5D0}" type="datetimeFigureOut">
               <a:rPr lang="en-US" smtClean="0"/>
-              <a:t>4/16/2022</a:t>
+              <a:t>4/26/2022</a:t>
             </a:fld>
             <a:endParaRPr lang="en-US"/>
           </a:p>
@@ -954,7 +954,7 @@
           <a:graphicData uri="http://schemas.openxmlformats.org/presentationml/2006/ole">
             <mc:AlternateContent xmlns:mc="http://schemas.openxmlformats.org/markup-compatibility/2006">
               <mc:Choice xmlns:v="urn:schemas-microsoft-com:vml" Requires="v">
-                <p:oleObj spid="_x0000_s32808" name="think-cell Slide" r:id="rId5" imgW="216" imgH="216" progId="TCLayout.ActiveDocument.1">
+                <p:oleObj spid="_x0000_s32810" name="think-cell Slide" r:id="rId5" imgW="216" imgH="216" progId="TCLayout.ActiveDocument.1">
                   <p:embed/>
                 </p:oleObj>
               </mc:Choice>
@@ -1151,7 +1151,7 @@
           <p:cNvPr id="4" name="Footer Placeholder 3">
             <a:extLst>
               <a:ext uri="{FF2B5EF4-FFF2-40B4-BE49-F238E27FC236}">
-                <a16:creationId xmlns="" xmlns:a16="http://schemas.microsoft.com/office/drawing/2014/main" id="{17D6DE4C-D976-4B4B-B087-C035EF8D4F6F}"/>
+                <a16:creationId xmlns:a16="http://schemas.microsoft.com/office/drawing/2014/main" id="{17D6DE4C-D976-4B4B-B087-C035EF8D4F6F}"/>
               </a:ext>
             </a:extLst>
           </p:cNvPr>
@@ -1210,7 +1210,7 @@
           <p:cNvPr id="13" name="Straight Connector 12">
             <a:extLst>
               <a:ext uri="{FF2B5EF4-FFF2-40B4-BE49-F238E27FC236}">
-                <a16:creationId xmlns="" xmlns:a16="http://schemas.microsoft.com/office/drawing/2014/main" id="{95C486A1-9876-924E-85C2-906892F8B9AC}"/>
+                <a16:creationId xmlns:a16="http://schemas.microsoft.com/office/drawing/2014/main" id="{95C486A1-9876-924E-85C2-906892F8B9AC}"/>
               </a:ext>
             </a:extLst>
           </p:cNvPr>
@@ -1253,7 +1253,7 @@
           <p:cNvPr id="17" name="Slide Number Placeholder 5">
             <a:extLst>
               <a:ext uri="{FF2B5EF4-FFF2-40B4-BE49-F238E27FC236}">
-                <a16:creationId xmlns="" xmlns:a16="http://schemas.microsoft.com/office/drawing/2014/main" id="{CC67CD5C-67EC-5144-B858-5347C50D1ACD}"/>
+                <a16:creationId xmlns:a16="http://schemas.microsoft.com/office/drawing/2014/main" id="{CC67CD5C-67EC-5144-B858-5347C50D1ACD}"/>
               </a:ext>
             </a:extLst>
           </p:cNvPr>
@@ -1305,7 +1305,7 @@
           <p:cNvPr id="8" name="Title 7">
             <a:extLst>
               <a:ext uri="{FF2B5EF4-FFF2-40B4-BE49-F238E27FC236}">
-                <a16:creationId xmlns="" xmlns:a16="http://schemas.microsoft.com/office/drawing/2014/main" id="{8A6F1540-D306-D44E-B1B3-1ACCF1041F70}"/>
+                <a16:creationId xmlns:a16="http://schemas.microsoft.com/office/drawing/2014/main" id="{8A6F1540-D306-D44E-B1B3-1ACCF1041F70}"/>
               </a:ext>
             </a:extLst>
           </p:cNvPr>
@@ -1712,7 +1712,7 @@
           <a:graphicData uri="http://schemas.openxmlformats.org/presentationml/2006/ole">
             <mc:AlternateContent xmlns:mc="http://schemas.openxmlformats.org/markup-compatibility/2006">
               <mc:Choice xmlns:v="urn:schemas-microsoft-com:vml" Requires="v">
-                <p:oleObj spid="_x0000_s33832" name="think-cell Slide" r:id="rId4" imgW="216" imgH="216" progId="TCLayout.ActiveDocument.1">
+                <p:oleObj spid="_x0000_s33834" name="think-cell Slide" r:id="rId4" imgW="216" imgH="216" progId="TCLayout.ActiveDocument.1">
                   <p:embed/>
                 </p:oleObj>
               </mc:Choice>
@@ -1838,7 +1838,7 @@
           <p:cNvPr id="8" name="Title 7">
             <a:extLst>
               <a:ext uri="{FF2B5EF4-FFF2-40B4-BE49-F238E27FC236}">
-                <a16:creationId xmlns="" xmlns:a16="http://schemas.microsoft.com/office/drawing/2014/main" id="{8A6F1540-D306-D44E-B1B3-1ACCF1041F70}"/>
+                <a16:creationId xmlns:a16="http://schemas.microsoft.com/office/drawing/2014/main" id="{8A6F1540-D306-D44E-B1B3-1ACCF1041F70}"/>
               </a:ext>
             </a:extLst>
           </p:cNvPr>
@@ -1874,7 +1874,7 @@
           <p:cNvPr id="9" name="Content Placeholder 2">
             <a:extLst>
               <a:ext uri="{FF2B5EF4-FFF2-40B4-BE49-F238E27FC236}">
-                <a16:creationId xmlns="" xmlns:a16="http://schemas.microsoft.com/office/drawing/2014/main" id="{0A7C1352-3D49-F849-9BC3-BC0AF9CD8F04}"/>
+                <a16:creationId xmlns:a16="http://schemas.microsoft.com/office/drawing/2014/main" id="{0A7C1352-3D49-F849-9BC3-BC0AF9CD8F04}"/>
               </a:ext>
             </a:extLst>
           </p:cNvPr>
@@ -1966,7 +1966,7 @@
           <p:cNvPr id="10" name="Content Placeholder 2">
             <a:extLst>
               <a:ext uri="{FF2B5EF4-FFF2-40B4-BE49-F238E27FC236}">
-                <a16:creationId xmlns="" xmlns:a16="http://schemas.microsoft.com/office/drawing/2014/main" id="{D1AA7CFB-7669-2648-A3E1-E647E531399E}"/>
+                <a16:creationId xmlns:a16="http://schemas.microsoft.com/office/drawing/2014/main" id="{D1AA7CFB-7669-2648-A3E1-E647E531399E}"/>
               </a:ext>
             </a:extLst>
           </p:cNvPr>
@@ -2058,7 +2058,7 @@
           <p:cNvPr id="11" name="Content Placeholder 2">
             <a:extLst>
               <a:ext uri="{FF2B5EF4-FFF2-40B4-BE49-F238E27FC236}">
-                <a16:creationId xmlns="" xmlns:a16="http://schemas.microsoft.com/office/drawing/2014/main" id="{2E4B4082-D988-5D43-9C32-2C7F747717ED}"/>
+                <a16:creationId xmlns:a16="http://schemas.microsoft.com/office/drawing/2014/main" id="{2E4B4082-D988-5D43-9C32-2C7F747717ED}"/>
               </a:ext>
             </a:extLst>
           </p:cNvPr>
@@ -2150,7 +2150,7 @@
           <p:cNvPr id="12" name="Content Placeholder 2">
             <a:extLst>
               <a:ext uri="{FF2B5EF4-FFF2-40B4-BE49-F238E27FC236}">
-                <a16:creationId xmlns="" xmlns:a16="http://schemas.microsoft.com/office/drawing/2014/main" id="{45B8DE4D-1F9B-7341-8CB2-D70634815B55}"/>
+                <a16:creationId xmlns:a16="http://schemas.microsoft.com/office/drawing/2014/main" id="{45B8DE4D-1F9B-7341-8CB2-D70634815B55}"/>
               </a:ext>
             </a:extLst>
           </p:cNvPr>
@@ -2242,7 +2242,7 @@
           <p:cNvPr id="14" name="Footer Placeholder 3">
             <a:extLst>
               <a:ext uri="{FF2B5EF4-FFF2-40B4-BE49-F238E27FC236}">
-                <a16:creationId xmlns="" xmlns:a16="http://schemas.microsoft.com/office/drawing/2014/main" id="{DBA440F4-82E0-7E45-8A6F-4A8C7572AEE5}"/>
+                <a16:creationId xmlns:a16="http://schemas.microsoft.com/office/drawing/2014/main" id="{DBA440F4-82E0-7E45-8A6F-4A8C7572AEE5}"/>
               </a:ext>
             </a:extLst>
           </p:cNvPr>
@@ -2301,7 +2301,7 @@
           <p:cNvPr id="15" name="Slide Number Placeholder 5">
             <a:extLst>
               <a:ext uri="{FF2B5EF4-FFF2-40B4-BE49-F238E27FC236}">
-                <a16:creationId xmlns="" xmlns:a16="http://schemas.microsoft.com/office/drawing/2014/main" id="{CC67CD5C-67EC-5144-B858-5347C50D1ACD}"/>
+                <a16:creationId xmlns:a16="http://schemas.microsoft.com/office/drawing/2014/main" id="{CC67CD5C-67EC-5144-B858-5347C50D1ACD}"/>
               </a:ext>
             </a:extLst>
           </p:cNvPr>
@@ -2353,7 +2353,7 @@
           <p:cNvPr id="16" name="Straight Connector 15">
             <a:extLst>
               <a:ext uri="{FF2B5EF4-FFF2-40B4-BE49-F238E27FC236}">
-                <a16:creationId xmlns="" xmlns:a16="http://schemas.microsoft.com/office/drawing/2014/main" id="{95C486A1-9876-924E-85C2-906892F8B9AC}"/>
+                <a16:creationId xmlns:a16="http://schemas.microsoft.com/office/drawing/2014/main" id="{95C486A1-9876-924E-85C2-906892F8B9AC}"/>
               </a:ext>
             </a:extLst>
           </p:cNvPr>
@@ -2449,7 +2449,7 @@
           <a:graphicData uri="http://schemas.openxmlformats.org/presentationml/2006/ole">
             <mc:AlternateContent xmlns:mc="http://schemas.openxmlformats.org/markup-compatibility/2006">
               <mc:Choice xmlns:v="urn:schemas-microsoft-com:vml" Requires="v">
-                <p:oleObj spid="_x0000_s34856" name="think-cell Slide" r:id="rId4" imgW="216" imgH="216" progId="TCLayout.ActiveDocument.1">
+                <p:oleObj spid="_x0000_s34858" name="think-cell Slide" r:id="rId4" imgW="216" imgH="216" progId="TCLayout.ActiveDocument.1">
                   <p:embed/>
                 </p:oleObj>
               </mc:Choice>
@@ -2489,7 +2489,7 @@
           <p:cNvPr id="8" name="Title 7">
             <a:extLst>
               <a:ext uri="{FF2B5EF4-FFF2-40B4-BE49-F238E27FC236}">
-                <a16:creationId xmlns="" xmlns:a16="http://schemas.microsoft.com/office/drawing/2014/main" id="{8A6F1540-D306-D44E-B1B3-1ACCF1041F70}"/>
+                <a16:creationId xmlns:a16="http://schemas.microsoft.com/office/drawing/2014/main" id="{8A6F1540-D306-D44E-B1B3-1ACCF1041F70}"/>
               </a:ext>
             </a:extLst>
           </p:cNvPr>
@@ -3285,7 +3285,7 @@
           <p:cNvPr id="37" name="Footer Placeholder 3">
             <a:extLst>
               <a:ext uri="{FF2B5EF4-FFF2-40B4-BE49-F238E27FC236}">
-                <a16:creationId xmlns="" xmlns:a16="http://schemas.microsoft.com/office/drawing/2014/main" id="{DBA440F4-82E0-7E45-8A6F-4A8C7572AEE5}"/>
+                <a16:creationId xmlns:a16="http://schemas.microsoft.com/office/drawing/2014/main" id="{DBA440F4-82E0-7E45-8A6F-4A8C7572AEE5}"/>
               </a:ext>
             </a:extLst>
           </p:cNvPr>
@@ -3344,7 +3344,7 @@
           <p:cNvPr id="38" name="Slide Number Placeholder 5">
             <a:extLst>
               <a:ext uri="{FF2B5EF4-FFF2-40B4-BE49-F238E27FC236}">
-                <a16:creationId xmlns="" xmlns:a16="http://schemas.microsoft.com/office/drawing/2014/main" id="{CC67CD5C-67EC-5144-B858-5347C50D1ACD}"/>
+                <a16:creationId xmlns:a16="http://schemas.microsoft.com/office/drawing/2014/main" id="{CC67CD5C-67EC-5144-B858-5347C50D1ACD}"/>
               </a:ext>
             </a:extLst>
           </p:cNvPr>
@@ -3396,7 +3396,7 @@
           <p:cNvPr id="39" name="Straight Connector 38">
             <a:extLst>
               <a:ext uri="{FF2B5EF4-FFF2-40B4-BE49-F238E27FC236}">
-                <a16:creationId xmlns="" xmlns:a16="http://schemas.microsoft.com/office/drawing/2014/main" id="{95C486A1-9876-924E-85C2-906892F8B9AC}"/>
+                <a16:creationId xmlns:a16="http://schemas.microsoft.com/office/drawing/2014/main" id="{95C486A1-9876-924E-85C2-906892F8B9AC}"/>
               </a:ext>
             </a:extLst>
           </p:cNvPr>
@@ -3497,7 +3497,7 @@
           <a:graphicData uri="http://schemas.openxmlformats.org/presentationml/2006/ole">
             <mc:AlternateContent xmlns:mc="http://schemas.openxmlformats.org/markup-compatibility/2006">
               <mc:Choice xmlns:v="urn:schemas-microsoft-com:vml" Requires="v">
-                <p:oleObj spid="_x0000_s35880" name="think-cell Slide" r:id="rId5" imgW="216" imgH="216" progId="TCLayout.ActiveDocument.1">
+                <p:oleObj spid="_x0000_s35882" name="think-cell Slide" r:id="rId5" imgW="216" imgH="216" progId="TCLayout.ActiveDocument.1">
                   <p:embed/>
                 </p:oleObj>
               </mc:Choice>
@@ -3714,7 +3714,7 @@
           <p:cNvPr id="4" name="Footer Placeholder 3">
             <a:extLst>
               <a:ext uri="{FF2B5EF4-FFF2-40B4-BE49-F238E27FC236}">
-                <a16:creationId xmlns="" xmlns:a16="http://schemas.microsoft.com/office/drawing/2014/main" id="{17D6DE4C-D976-4B4B-B087-C035EF8D4F6F}"/>
+                <a16:creationId xmlns:a16="http://schemas.microsoft.com/office/drawing/2014/main" id="{17D6DE4C-D976-4B4B-B087-C035EF8D4F6F}"/>
               </a:ext>
             </a:extLst>
           </p:cNvPr>
@@ -3773,7 +3773,7 @@
           <p:cNvPr id="17" name="Slide Number Placeholder 5">
             <a:extLst>
               <a:ext uri="{FF2B5EF4-FFF2-40B4-BE49-F238E27FC236}">
-                <a16:creationId xmlns="" xmlns:a16="http://schemas.microsoft.com/office/drawing/2014/main" id="{CC67CD5C-67EC-5144-B858-5347C50D1ACD}"/>
+                <a16:creationId xmlns:a16="http://schemas.microsoft.com/office/drawing/2014/main" id="{CC67CD5C-67EC-5144-B858-5347C50D1ACD}"/>
               </a:ext>
             </a:extLst>
           </p:cNvPr>
@@ -3825,7 +3825,7 @@
           <p:cNvPr id="8" name="Title 7">
             <a:extLst>
               <a:ext uri="{FF2B5EF4-FFF2-40B4-BE49-F238E27FC236}">
-                <a16:creationId xmlns="" xmlns:a16="http://schemas.microsoft.com/office/drawing/2014/main" id="{8A6F1540-D306-D44E-B1B3-1ACCF1041F70}"/>
+                <a16:creationId xmlns:a16="http://schemas.microsoft.com/office/drawing/2014/main" id="{8A6F1540-D306-D44E-B1B3-1ACCF1041F70}"/>
               </a:ext>
             </a:extLst>
           </p:cNvPr>
@@ -3869,7 +3869,7 @@
           <p:cNvPr id="9" name="Straight Connector 8">
             <a:extLst>
               <a:ext uri="{FF2B5EF4-FFF2-40B4-BE49-F238E27FC236}">
-                <a16:creationId xmlns="" xmlns:a16="http://schemas.microsoft.com/office/drawing/2014/main" id="{BB1AA2BE-B537-254D-958A-FBAFDE7E90DC}"/>
+                <a16:creationId xmlns:a16="http://schemas.microsoft.com/office/drawing/2014/main" id="{BB1AA2BE-B537-254D-958A-FBAFDE7E90DC}"/>
               </a:ext>
             </a:extLst>
           </p:cNvPr>
@@ -3912,7 +3912,7 @@
           <p:cNvPr id="10" name="Straight Connector 9">
             <a:extLst>
               <a:ext uri="{FF2B5EF4-FFF2-40B4-BE49-F238E27FC236}">
-                <a16:creationId xmlns="" xmlns:a16="http://schemas.microsoft.com/office/drawing/2014/main" id="{95C486A1-9876-924E-85C2-906892F8B9AC}"/>
+                <a16:creationId xmlns:a16="http://schemas.microsoft.com/office/drawing/2014/main" id="{95C486A1-9876-924E-85C2-906892F8B9AC}"/>
               </a:ext>
             </a:extLst>
           </p:cNvPr>
@@ -4289,7 +4289,7 @@
           <a:graphicData uri="http://schemas.openxmlformats.org/presentationml/2006/ole">
             <mc:AlternateContent xmlns:mc="http://schemas.openxmlformats.org/markup-compatibility/2006">
               <mc:Choice xmlns:v="urn:schemas-microsoft-com:vml" Requires="v">
-                <p:oleObj spid="_x0000_s37928" name="think-cell Slide" r:id="rId5" imgW="216" imgH="216" progId="TCLayout.ActiveDocument.1">
+                <p:oleObj spid="_x0000_s37930" name="think-cell Slide" r:id="rId5" imgW="216" imgH="216" progId="TCLayout.ActiveDocument.1">
                   <p:embed/>
                 </p:oleObj>
               </mc:Choice>
@@ -4486,7 +4486,7 @@
           <p:cNvPr id="4" name="Footer Placeholder 3">
             <a:extLst>
               <a:ext uri="{FF2B5EF4-FFF2-40B4-BE49-F238E27FC236}">
-                <a16:creationId xmlns="" xmlns:a16="http://schemas.microsoft.com/office/drawing/2014/main" id="{17D6DE4C-D976-4B4B-B087-C035EF8D4F6F}"/>
+                <a16:creationId xmlns:a16="http://schemas.microsoft.com/office/drawing/2014/main" id="{17D6DE4C-D976-4B4B-B087-C035EF8D4F6F}"/>
               </a:ext>
             </a:extLst>
           </p:cNvPr>
@@ -4545,7 +4545,7 @@
           <p:cNvPr id="13" name="Straight Connector 12">
             <a:extLst>
               <a:ext uri="{FF2B5EF4-FFF2-40B4-BE49-F238E27FC236}">
-                <a16:creationId xmlns="" xmlns:a16="http://schemas.microsoft.com/office/drawing/2014/main" id="{95C486A1-9876-924E-85C2-906892F8B9AC}"/>
+                <a16:creationId xmlns:a16="http://schemas.microsoft.com/office/drawing/2014/main" id="{95C486A1-9876-924E-85C2-906892F8B9AC}"/>
               </a:ext>
             </a:extLst>
           </p:cNvPr>
@@ -4588,7 +4588,7 @@
           <p:cNvPr id="17" name="Slide Number Placeholder 5">
             <a:extLst>
               <a:ext uri="{FF2B5EF4-FFF2-40B4-BE49-F238E27FC236}">
-                <a16:creationId xmlns="" xmlns:a16="http://schemas.microsoft.com/office/drawing/2014/main" id="{CC67CD5C-67EC-5144-B858-5347C50D1ACD}"/>
+                <a16:creationId xmlns:a16="http://schemas.microsoft.com/office/drawing/2014/main" id="{CC67CD5C-67EC-5144-B858-5347C50D1ACD}"/>
               </a:ext>
             </a:extLst>
           </p:cNvPr>
@@ -4640,7 +4640,7 @@
           <p:cNvPr id="8" name="Title 7">
             <a:extLst>
               <a:ext uri="{FF2B5EF4-FFF2-40B4-BE49-F238E27FC236}">
-                <a16:creationId xmlns="" xmlns:a16="http://schemas.microsoft.com/office/drawing/2014/main" id="{8A6F1540-D306-D44E-B1B3-1ACCF1041F70}"/>
+                <a16:creationId xmlns:a16="http://schemas.microsoft.com/office/drawing/2014/main" id="{8A6F1540-D306-D44E-B1B3-1ACCF1041F70}"/>
               </a:ext>
             </a:extLst>
           </p:cNvPr>
@@ -4766,7 +4766,7 @@
           <a:graphicData uri="http://schemas.openxmlformats.org/presentationml/2006/ole">
             <mc:AlternateContent xmlns:mc="http://schemas.openxmlformats.org/markup-compatibility/2006">
               <mc:Choice xmlns:v="urn:schemas-microsoft-com:vml" Requires="v">
-                <p:oleObj spid="_x0000_s38952" name="think-cell Slide" r:id="rId4" imgW="216" imgH="216" progId="TCLayout.ActiveDocument.1">
+                <p:oleObj spid="_x0000_s38954" name="think-cell Slide" r:id="rId4" imgW="216" imgH="216" progId="TCLayout.ActiveDocument.1">
                   <p:embed/>
                 </p:oleObj>
               </mc:Choice>
@@ -4892,7 +4892,7 @@
           <p:cNvPr id="8" name="Title 7">
             <a:extLst>
               <a:ext uri="{FF2B5EF4-FFF2-40B4-BE49-F238E27FC236}">
-                <a16:creationId xmlns="" xmlns:a16="http://schemas.microsoft.com/office/drawing/2014/main" id="{8A6F1540-D306-D44E-B1B3-1ACCF1041F70}"/>
+                <a16:creationId xmlns:a16="http://schemas.microsoft.com/office/drawing/2014/main" id="{8A6F1540-D306-D44E-B1B3-1ACCF1041F70}"/>
               </a:ext>
             </a:extLst>
           </p:cNvPr>
@@ -4928,7 +4928,7 @@
           <p:cNvPr id="9" name="Content Placeholder 2">
             <a:extLst>
               <a:ext uri="{FF2B5EF4-FFF2-40B4-BE49-F238E27FC236}">
-                <a16:creationId xmlns="" xmlns:a16="http://schemas.microsoft.com/office/drawing/2014/main" id="{0A7C1352-3D49-F849-9BC3-BC0AF9CD8F04}"/>
+                <a16:creationId xmlns:a16="http://schemas.microsoft.com/office/drawing/2014/main" id="{0A7C1352-3D49-F849-9BC3-BC0AF9CD8F04}"/>
               </a:ext>
             </a:extLst>
           </p:cNvPr>
@@ -5020,7 +5020,7 @@
           <p:cNvPr id="10" name="Content Placeholder 2">
             <a:extLst>
               <a:ext uri="{FF2B5EF4-FFF2-40B4-BE49-F238E27FC236}">
-                <a16:creationId xmlns="" xmlns:a16="http://schemas.microsoft.com/office/drawing/2014/main" id="{D1AA7CFB-7669-2648-A3E1-E647E531399E}"/>
+                <a16:creationId xmlns:a16="http://schemas.microsoft.com/office/drawing/2014/main" id="{D1AA7CFB-7669-2648-A3E1-E647E531399E}"/>
               </a:ext>
             </a:extLst>
           </p:cNvPr>
@@ -5112,7 +5112,7 @@
           <p:cNvPr id="11" name="Content Placeholder 2">
             <a:extLst>
               <a:ext uri="{FF2B5EF4-FFF2-40B4-BE49-F238E27FC236}">
-                <a16:creationId xmlns="" xmlns:a16="http://schemas.microsoft.com/office/drawing/2014/main" id="{2E4B4082-D988-5D43-9C32-2C7F747717ED}"/>
+                <a16:creationId xmlns:a16="http://schemas.microsoft.com/office/drawing/2014/main" id="{2E4B4082-D988-5D43-9C32-2C7F747717ED}"/>
               </a:ext>
             </a:extLst>
           </p:cNvPr>
@@ -5204,7 +5204,7 @@
           <p:cNvPr id="12" name="Content Placeholder 2">
             <a:extLst>
               <a:ext uri="{FF2B5EF4-FFF2-40B4-BE49-F238E27FC236}">
-                <a16:creationId xmlns="" xmlns:a16="http://schemas.microsoft.com/office/drawing/2014/main" id="{45B8DE4D-1F9B-7341-8CB2-D70634815B55}"/>
+                <a16:creationId xmlns:a16="http://schemas.microsoft.com/office/drawing/2014/main" id="{45B8DE4D-1F9B-7341-8CB2-D70634815B55}"/>
               </a:ext>
             </a:extLst>
           </p:cNvPr>
@@ -5296,7 +5296,7 @@
           <p:cNvPr id="14" name="Footer Placeholder 3">
             <a:extLst>
               <a:ext uri="{FF2B5EF4-FFF2-40B4-BE49-F238E27FC236}">
-                <a16:creationId xmlns="" xmlns:a16="http://schemas.microsoft.com/office/drawing/2014/main" id="{DBA440F4-82E0-7E45-8A6F-4A8C7572AEE5}"/>
+                <a16:creationId xmlns:a16="http://schemas.microsoft.com/office/drawing/2014/main" id="{DBA440F4-82E0-7E45-8A6F-4A8C7572AEE5}"/>
               </a:ext>
             </a:extLst>
           </p:cNvPr>
@@ -5355,7 +5355,7 @@
           <p:cNvPr id="15" name="Slide Number Placeholder 5">
             <a:extLst>
               <a:ext uri="{FF2B5EF4-FFF2-40B4-BE49-F238E27FC236}">
-                <a16:creationId xmlns="" xmlns:a16="http://schemas.microsoft.com/office/drawing/2014/main" id="{CC67CD5C-67EC-5144-B858-5347C50D1ACD}"/>
+                <a16:creationId xmlns:a16="http://schemas.microsoft.com/office/drawing/2014/main" id="{CC67CD5C-67EC-5144-B858-5347C50D1ACD}"/>
               </a:ext>
             </a:extLst>
           </p:cNvPr>
@@ -5407,7 +5407,7 @@
           <p:cNvPr id="16" name="Straight Connector 15">
             <a:extLst>
               <a:ext uri="{FF2B5EF4-FFF2-40B4-BE49-F238E27FC236}">
-                <a16:creationId xmlns="" xmlns:a16="http://schemas.microsoft.com/office/drawing/2014/main" id="{95C486A1-9876-924E-85C2-906892F8B9AC}"/>
+                <a16:creationId xmlns:a16="http://schemas.microsoft.com/office/drawing/2014/main" id="{95C486A1-9876-924E-85C2-906892F8B9AC}"/>
               </a:ext>
             </a:extLst>
           </p:cNvPr>
@@ -5503,7 +5503,7 @@
           <a:graphicData uri="http://schemas.openxmlformats.org/presentationml/2006/ole">
             <mc:AlternateContent xmlns:mc="http://schemas.openxmlformats.org/markup-compatibility/2006">
               <mc:Choice xmlns:v="urn:schemas-microsoft-com:vml" Requires="v">
-                <p:oleObj spid="_x0000_s39976" name="think-cell Slide" r:id="rId4" imgW="216" imgH="216" progId="TCLayout.ActiveDocument.1">
+                <p:oleObj spid="_x0000_s39978" name="think-cell Slide" r:id="rId4" imgW="216" imgH="216" progId="TCLayout.ActiveDocument.1">
                   <p:embed/>
                 </p:oleObj>
               </mc:Choice>
@@ -5543,7 +5543,7 @@
           <p:cNvPr id="8" name="Title 7">
             <a:extLst>
               <a:ext uri="{FF2B5EF4-FFF2-40B4-BE49-F238E27FC236}">
-                <a16:creationId xmlns="" xmlns:a16="http://schemas.microsoft.com/office/drawing/2014/main" id="{8A6F1540-D306-D44E-B1B3-1ACCF1041F70}"/>
+                <a16:creationId xmlns:a16="http://schemas.microsoft.com/office/drawing/2014/main" id="{8A6F1540-D306-D44E-B1B3-1ACCF1041F70}"/>
               </a:ext>
             </a:extLst>
           </p:cNvPr>
@@ -6339,7 +6339,7 @@
           <p:cNvPr id="37" name="Footer Placeholder 3">
             <a:extLst>
               <a:ext uri="{FF2B5EF4-FFF2-40B4-BE49-F238E27FC236}">
-                <a16:creationId xmlns="" xmlns:a16="http://schemas.microsoft.com/office/drawing/2014/main" id="{DBA440F4-82E0-7E45-8A6F-4A8C7572AEE5}"/>
+                <a16:creationId xmlns:a16="http://schemas.microsoft.com/office/drawing/2014/main" id="{DBA440F4-82E0-7E45-8A6F-4A8C7572AEE5}"/>
               </a:ext>
             </a:extLst>
           </p:cNvPr>
@@ -6398,7 +6398,7 @@
           <p:cNvPr id="38" name="Slide Number Placeholder 5">
             <a:extLst>
               <a:ext uri="{FF2B5EF4-FFF2-40B4-BE49-F238E27FC236}">
-                <a16:creationId xmlns="" xmlns:a16="http://schemas.microsoft.com/office/drawing/2014/main" id="{CC67CD5C-67EC-5144-B858-5347C50D1ACD}"/>
+                <a16:creationId xmlns:a16="http://schemas.microsoft.com/office/drawing/2014/main" id="{CC67CD5C-67EC-5144-B858-5347C50D1ACD}"/>
               </a:ext>
             </a:extLst>
           </p:cNvPr>
@@ -6450,7 +6450,7 @@
           <p:cNvPr id="39" name="Straight Connector 38">
             <a:extLst>
               <a:ext uri="{FF2B5EF4-FFF2-40B4-BE49-F238E27FC236}">
-                <a16:creationId xmlns="" xmlns:a16="http://schemas.microsoft.com/office/drawing/2014/main" id="{95C486A1-9876-924E-85C2-906892F8B9AC}"/>
+                <a16:creationId xmlns:a16="http://schemas.microsoft.com/office/drawing/2014/main" id="{95C486A1-9876-924E-85C2-906892F8B9AC}"/>
               </a:ext>
             </a:extLst>
           </p:cNvPr>
@@ -6551,7 +6551,7 @@
           <a:graphicData uri="http://schemas.openxmlformats.org/presentationml/2006/ole">
             <mc:AlternateContent xmlns:mc="http://schemas.openxmlformats.org/markup-compatibility/2006">
               <mc:Choice xmlns:v="urn:schemas-microsoft-com:vml" Requires="v">
-                <p:oleObj spid="_x0000_s41000" name="think-cell Slide" r:id="rId5" imgW="216" imgH="216" progId="TCLayout.ActiveDocument.1">
+                <p:oleObj spid="_x0000_s41002" name="think-cell Slide" r:id="rId5" imgW="216" imgH="216" progId="TCLayout.ActiveDocument.1">
                   <p:embed/>
                 </p:oleObj>
               </mc:Choice>
@@ -6768,7 +6768,7 @@
           <p:cNvPr id="4" name="Footer Placeholder 3">
             <a:extLst>
               <a:ext uri="{FF2B5EF4-FFF2-40B4-BE49-F238E27FC236}">
-                <a16:creationId xmlns="" xmlns:a16="http://schemas.microsoft.com/office/drawing/2014/main" id="{17D6DE4C-D976-4B4B-B087-C035EF8D4F6F}"/>
+                <a16:creationId xmlns:a16="http://schemas.microsoft.com/office/drawing/2014/main" id="{17D6DE4C-D976-4B4B-B087-C035EF8D4F6F}"/>
               </a:ext>
             </a:extLst>
           </p:cNvPr>
@@ -6827,7 +6827,7 @@
           <p:cNvPr id="17" name="Slide Number Placeholder 5">
             <a:extLst>
               <a:ext uri="{FF2B5EF4-FFF2-40B4-BE49-F238E27FC236}">
-                <a16:creationId xmlns="" xmlns:a16="http://schemas.microsoft.com/office/drawing/2014/main" id="{CC67CD5C-67EC-5144-B858-5347C50D1ACD}"/>
+                <a16:creationId xmlns:a16="http://schemas.microsoft.com/office/drawing/2014/main" id="{CC67CD5C-67EC-5144-B858-5347C50D1ACD}"/>
               </a:ext>
             </a:extLst>
           </p:cNvPr>
@@ -6879,7 +6879,7 @@
           <p:cNvPr id="8" name="Title 7">
             <a:extLst>
               <a:ext uri="{FF2B5EF4-FFF2-40B4-BE49-F238E27FC236}">
-                <a16:creationId xmlns="" xmlns:a16="http://schemas.microsoft.com/office/drawing/2014/main" id="{8A6F1540-D306-D44E-B1B3-1ACCF1041F70}"/>
+                <a16:creationId xmlns:a16="http://schemas.microsoft.com/office/drawing/2014/main" id="{8A6F1540-D306-D44E-B1B3-1ACCF1041F70}"/>
               </a:ext>
             </a:extLst>
           </p:cNvPr>
@@ -6923,7 +6923,7 @@
           <p:cNvPr id="9" name="Straight Connector 8">
             <a:extLst>
               <a:ext uri="{FF2B5EF4-FFF2-40B4-BE49-F238E27FC236}">
-                <a16:creationId xmlns="" xmlns:a16="http://schemas.microsoft.com/office/drawing/2014/main" id="{BB1AA2BE-B537-254D-958A-FBAFDE7E90DC}"/>
+                <a16:creationId xmlns:a16="http://schemas.microsoft.com/office/drawing/2014/main" id="{BB1AA2BE-B537-254D-958A-FBAFDE7E90DC}"/>
               </a:ext>
             </a:extLst>
           </p:cNvPr>
@@ -6966,7 +6966,7 @@
           <p:cNvPr id="10" name="Straight Connector 9">
             <a:extLst>
               <a:ext uri="{FF2B5EF4-FFF2-40B4-BE49-F238E27FC236}">
-                <a16:creationId xmlns="" xmlns:a16="http://schemas.microsoft.com/office/drawing/2014/main" id="{95C486A1-9876-924E-85C2-906892F8B9AC}"/>
+                <a16:creationId xmlns:a16="http://schemas.microsoft.com/office/drawing/2014/main" id="{95C486A1-9876-924E-85C2-906892F8B9AC}"/>
               </a:ext>
             </a:extLst>
           </p:cNvPr>
@@ -7071,7 +7071,7 @@
           <a:graphicData uri="http://schemas.openxmlformats.org/presentationml/2006/ole">
             <mc:AlternateContent xmlns:mc="http://schemas.openxmlformats.org/markup-compatibility/2006">
               <mc:Choice xmlns:v="urn:schemas-microsoft-com:vml" Requires="v">
-                <p:oleObj spid="_x0000_s31784" name="think-cell Slide" r:id="rId10" imgW="216" imgH="216" progId="TCLayout.ActiveDocument.1">
+                <p:oleObj spid="_x0000_s31786" name="think-cell Slide" r:id="rId10" imgW="216" imgH="216" progId="TCLayout.ActiveDocument.1">
                   <p:embed/>
                 </p:oleObj>
               </mc:Choice>
@@ -7191,7 +7191,7 @@
           <p:cNvPr id="10" name="Straight Connector 9">
             <a:extLst>
               <a:ext uri="{FF2B5EF4-FFF2-40B4-BE49-F238E27FC236}">
-                <a16:creationId xmlns="" xmlns:a16="http://schemas.microsoft.com/office/drawing/2014/main" id="{BB1AA2BE-B537-254D-958A-FBAFDE7E90DC}"/>
+                <a16:creationId xmlns:a16="http://schemas.microsoft.com/office/drawing/2014/main" id="{BB1AA2BE-B537-254D-958A-FBAFDE7E90DC}"/>
               </a:ext>
             </a:extLst>
           </p:cNvPr>
@@ -7234,7 +7234,7 @@
           <p:cNvPr id="15" name="Footer Placeholder 3">
             <a:extLst>
               <a:ext uri="{FF2B5EF4-FFF2-40B4-BE49-F238E27FC236}">
-                <a16:creationId xmlns="" xmlns:a16="http://schemas.microsoft.com/office/drawing/2014/main" id="{DBA440F4-82E0-7E45-8A6F-4A8C7572AEE5}"/>
+                <a16:creationId xmlns:a16="http://schemas.microsoft.com/office/drawing/2014/main" id="{DBA440F4-82E0-7E45-8A6F-4A8C7572AEE5}"/>
               </a:ext>
             </a:extLst>
           </p:cNvPr>
@@ -7293,7 +7293,7 @@
           <p:cNvPr id="16" name="Slide Number Placeholder 5">
             <a:extLst>
               <a:ext uri="{FF2B5EF4-FFF2-40B4-BE49-F238E27FC236}">
-                <a16:creationId xmlns="" xmlns:a16="http://schemas.microsoft.com/office/drawing/2014/main" id="{2D9636C8-FF6B-E141-B9E1-70C7091B23B1}"/>
+                <a16:creationId xmlns:a16="http://schemas.microsoft.com/office/drawing/2014/main" id="{2D9636C8-FF6B-E141-B9E1-70C7091B23B1}"/>
               </a:ext>
             </a:extLst>
           </p:cNvPr>
@@ -7660,7 +7660,7 @@
   </p:txStyles>
   <p:extLst mod="1">
     <p:ext uri="{27BBF7A9-308A-43DC-89C8-2F10F3537804}">
-      <p15:sldGuideLst xmlns="" xmlns:p15="http://schemas.microsoft.com/office/powerpoint/2012/main">
+      <p15:sldGuideLst xmlns:p15="http://schemas.microsoft.com/office/powerpoint/2012/main">
         <p15:guide id="1" orient="horz" pos="2041">
           <p15:clr>
             <a:srgbClr val="F26B43"/>
@@ -7829,7 +7829,7 @@
           <a:graphicData uri="http://schemas.openxmlformats.org/presentationml/2006/ole">
             <mc:AlternateContent xmlns:mc="http://schemas.openxmlformats.org/markup-compatibility/2006">
               <mc:Choice xmlns:v="urn:schemas-microsoft-com:vml" Requires="v">
-                <p:oleObj spid="_x0000_s36905" name="think-cell Slide" r:id="rId10" imgW="216" imgH="216" progId="TCLayout.ActiveDocument.1">
+                <p:oleObj spid="_x0000_s36907" name="think-cell Slide" r:id="rId10" imgW="216" imgH="216" progId="TCLayout.ActiveDocument.1">
                   <p:embed/>
                 </p:oleObj>
               </mc:Choice>
@@ -7949,7 +7949,7 @@
           <p:cNvPr id="10" name="Straight Connector 9">
             <a:extLst>
               <a:ext uri="{FF2B5EF4-FFF2-40B4-BE49-F238E27FC236}">
-                <a16:creationId xmlns="" xmlns:a16="http://schemas.microsoft.com/office/drawing/2014/main" id="{BB1AA2BE-B537-254D-958A-FBAFDE7E90DC}"/>
+                <a16:creationId xmlns:a16="http://schemas.microsoft.com/office/drawing/2014/main" id="{BB1AA2BE-B537-254D-958A-FBAFDE7E90DC}"/>
               </a:ext>
             </a:extLst>
           </p:cNvPr>
@@ -7992,7 +7992,7 @@
           <p:cNvPr id="15" name="Footer Placeholder 3">
             <a:extLst>
               <a:ext uri="{FF2B5EF4-FFF2-40B4-BE49-F238E27FC236}">
-                <a16:creationId xmlns="" xmlns:a16="http://schemas.microsoft.com/office/drawing/2014/main" id="{DBA440F4-82E0-7E45-8A6F-4A8C7572AEE5}"/>
+                <a16:creationId xmlns:a16="http://schemas.microsoft.com/office/drawing/2014/main" id="{DBA440F4-82E0-7E45-8A6F-4A8C7572AEE5}"/>
               </a:ext>
             </a:extLst>
           </p:cNvPr>
@@ -8051,7 +8051,7 @@
           <p:cNvPr id="16" name="Slide Number Placeholder 5">
             <a:extLst>
               <a:ext uri="{FF2B5EF4-FFF2-40B4-BE49-F238E27FC236}">
-                <a16:creationId xmlns="" xmlns:a16="http://schemas.microsoft.com/office/drawing/2014/main" id="{2D9636C8-FF6B-E141-B9E1-70C7091B23B1}"/>
+                <a16:creationId xmlns:a16="http://schemas.microsoft.com/office/drawing/2014/main" id="{2D9636C8-FF6B-E141-B9E1-70C7091B23B1}"/>
               </a:ext>
             </a:extLst>
           </p:cNvPr>
@@ -8418,7 +8418,7 @@
   </p:txStyles>
   <p:extLst mod="1">
     <p:ext uri="{27BBF7A9-308A-43DC-89C8-2F10F3537804}">
-      <p15:sldGuideLst xmlns="" xmlns:p15="http://schemas.microsoft.com/office/powerpoint/2012/main">
+      <p15:sldGuideLst xmlns:p15="http://schemas.microsoft.com/office/powerpoint/2012/main">
         <p15:guide id="1" orient="horz" pos="2041">
           <p15:clr>
             <a:srgbClr val="F26B43"/>
@@ -8582,7 +8582,7 @@
           <a:graphicData uri="http://schemas.openxmlformats.org/presentationml/2006/ole">
             <mc:AlternateContent xmlns:mc="http://schemas.openxmlformats.org/markup-compatibility/2006">
               <mc:Choice xmlns:v="urn:schemas-microsoft-com:vml" Requires="v">
-                <p:oleObj spid="_x0000_s42032" name="think-cell Slide" r:id="rId5" imgW="416" imgH="416" progId="TCLayout.ActiveDocument.1">
+                <p:oleObj spid="_x0000_s42034" name="think-cell Slide" r:id="rId5" imgW="416" imgH="416" progId="TCLayout.ActiveDocument.1">
                   <p:embed/>
                 </p:oleObj>
               </mc:Choice>
@@ -8993,7 +8993,7 @@
         </p:nvGraphicFramePr>
         <p:xfrm>
           <a:off x="539750" y="1131428"/>
-          <a:ext cx="11064875" cy="4616229"/>
+          <a:ext cx="11064875" cy="4684793"/>
         </p:xfrm>
         <a:graphic>
           <a:graphicData uri="http://schemas.openxmlformats.org/drawingml/2006/table">
@@ -9005,35 +9005,35 @@
                 <a:gridCol w="1624339">
                   <a:extLst>
                     <a:ext uri="{9D8B030D-6E8A-4147-A177-3AD203B41FA5}">
-                      <a16:colId xmlns="" xmlns:a16="http://schemas.microsoft.com/office/drawing/2014/main" val="1228268629"/>
+                      <a16:colId xmlns:a16="http://schemas.microsoft.com/office/drawing/2014/main" val="1228268629"/>
                     </a:ext>
                   </a:extLst>
                 </a:gridCol>
                 <a:gridCol w="267612">
                   <a:extLst>
                     <a:ext uri="{9D8B030D-6E8A-4147-A177-3AD203B41FA5}">
-                      <a16:colId xmlns="" xmlns:a16="http://schemas.microsoft.com/office/drawing/2014/main" val="4045974056"/>
+                      <a16:colId xmlns:a16="http://schemas.microsoft.com/office/drawing/2014/main" val="4045974056"/>
                     </a:ext>
                   </a:extLst>
                 </a:gridCol>
                 <a:gridCol w="2240783">
                   <a:extLst>
                     <a:ext uri="{9D8B030D-6E8A-4147-A177-3AD203B41FA5}">
-                      <a16:colId xmlns="" xmlns:a16="http://schemas.microsoft.com/office/drawing/2014/main" val="2983289087"/>
+                      <a16:colId xmlns:a16="http://schemas.microsoft.com/office/drawing/2014/main" val="2983289087"/>
                     </a:ext>
                   </a:extLst>
                 </a:gridCol>
                 <a:gridCol w="3154881">
                   <a:extLst>
                     <a:ext uri="{9D8B030D-6E8A-4147-A177-3AD203B41FA5}">
-                      <a16:colId xmlns="" xmlns:a16="http://schemas.microsoft.com/office/drawing/2014/main" val="2462729159"/>
+                      <a16:colId xmlns:a16="http://schemas.microsoft.com/office/drawing/2014/main" val="2462729159"/>
                     </a:ext>
                   </a:extLst>
                 </a:gridCol>
                 <a:gridCol w="3777260">
                   <a:extLst>
                     <a:ext uri="{9D8B030D-6E8A-4147-A177-3AD203B41FA5}">
-                      <a16:colId xmlns="" xmlns:a16="http://schemas.microsoft.com/office/drawing/2014/main" val="988664389"/>
+                      <a16:colId xmlns:a16="http://schemas.microsoft.com/office/drawing/2014/main" val="988664389"/>
                     </a:ext>
                   </a:extLst>
                 </a:gridCol>
@@ -9173,7 +9173,7 @@
                 </a:tc>
                 <a:extLst>
                   <a:ext uri="{0D108BD9-81ED-4DB2-BD59-A6C34878D82A}">
-                    <a16:rowId xmlns="" xmlns:a16="http://schemas.microsoft.com/office/drawing/2014/main" val="1879564901"/>
+                    <a16:rowId xmlns:a16="http://schemas.microsoft.com/office/drawing/2014/main" val="1879564901"/>
                   </a:ext>
                 </a:extLst>
               </a:tr>
@@ -9400,7 +9400,7 @@
                 </a:tc>
                 <a:extLst>
                   <a:ext uri="{0D108BD9-81ED-4DB2-BD59-A6C34878D82A}">
-                    <a16:rowId xmlns="" xmlns:a16="http://schemas.microsoft.com/office/drawing/2014/main" val="359195167"/>
+                    <a16:rowId xmlns:a16="http://schemas.microsoft.com/office/drawing/2014/main" val="359195167"/>
                   </a:ext>
                 </a:extLst>
               </a:tr>
@@ -9592,7 +9592,7 @@
                 </a:tc>
                 <a:extLst>
                   <a:ext uri="{0D108BD9-81ED-4DB2-BD59-A6C34878D82A}">
-                    <a16:rowId xmlns="" xmlns:a16="http://schemas.microsoft.com/office/drawing/2014/main" val="3410534524"/>
+                    <a16:rowId xmlns:a16="http://schemas.microsoft.com/office/drawing/2014/main" val="3410534524"/>
                   </a:ext>
                 </a:extLst>
               </a:tr>
@@ -9781,7 +9781,7 @@
                 </a:tc>
                 <a:extLst>
                   <a:ext uri="{0D108BD9-81ED-4DB2-BD59-A6C34878D82A}">
-                    <a16:rowId xmlns="" xmlns:a16="http://schemas.microsoft.com/office/drawing/2014/main" val="816610406"/>
+                    <a16:rowId xmlns:a16="http://schemas.microsoft.com/office/drawing/2014/main" val="816610406"/>
                   </a:ext>
                 </a:extLst>
               </a:tr>
@@ -10010,7 +10010,7 @@
                 </a:tc>
                 <a:extLst>
                   <a:ext uri="{0D108BD9-81ED-4DB2-BD59-A6C34878D82A}">
-                    <a16:rowId xmlns="" xmlns:a16="http://schemas.microsoft.com/office/drawing/2014/main" val="3742758418"/>
+                    <a16:rowId xmlns:a16="http://schemas.microsoft.com/office/drawing/2014/main" val="3742758418"/>
                   </a:ext>
                 </a:extLst>
               </a:tr>
@@ -10200,7 +10200,7 @@
                 </a:tc>
                 <a:extLst>
                   <a:ext uri="{0D108BD9-81ED-4DB2-BD59-A6C34878D82A}">
-                    <a16:rowId xmlns="" xmlns:a16="http://schemas.microsoft.com/office/drawing/2014/main" val="628591838"/>
+                    <a16:rowId xmlns:a16="http://schemas.microsoft.com/office/drawing/2014/main" val="628591838"/>
                   </a:ext>
                 </a:extLst>
               </a:tr>
@@ -10379,7 +10379,7 @@
                 </a:tc>
                 <a:extLst>
                   <a:ext uri="{0D108BD9-81ED-4DB2-BD59-A6C34878D82A}">
-                    <a16:rowId xmlns="" xmlns:a16="http://schemas.microsoft.com/office/drawing/2014/main" val="1485137538"/>
+                    <a16:rowId xmlns:a16="http://schemas.microsoft.com/office/drawing/2014/main" val="1485137538"/>
                   </a:ext>
                 </a:extLst>
               </a:tr>
@@ -10583,7 +10583,7 @@
                 </a:tc>
                 <a:extLst>
                   <a:ext uri="{0D108BD9-81ED-4DB2-BD59-A6C34878D82A}">
-                    <a16:rowId xmlns="" xmlns:a16="http://schemas.microsoft.com/office/drawing/2014/main" val="1220343380"/>
+                    <a16:rowId xmlns:a16="http://schemas.microsoft.com/office/drawing/2014/main" val="1220343380"/>
                   </a:ext>
                 </a:extLst>
               </a:tr>
@@ -10926,7 +10926,7 @@
                 <a:gridCol w="11048531">
                   <a:extLst>
                     <a:ext uri="{9D8B030D-6E8A-4147-A177-3AD203B41FA5}">
-                      <a16:colId xmlns="" xmlns:a16="http://schemas.microsoft.com/office/drawing/2014/main" val="1357581311"/>
+                      <a16:colId xmlns:a16="http://schemas.microsoft.com/office/drawing/2014/main" val="1357581311"/>
                     </a:ext>
                   </a:extLst>
                 </a:gridCol>
@@ -11013,7 +11013,7 @@
                 </a:tc>
                 <a:extLst>
                   <a:ext uri="{0D108BD9-81ED-4DB2-BD59-A6C34878D82A}">
-                    <a16:rowId xmlns="" xmlns:a16="http://schemas.microsoft.com/office/drawing/2014/main" val="3203583067"/>
+                    <a16:rowId xmlns:a16="http://schemas.microsoft.com/office/drawing/2014/main" val="3203583067"/>
                   </a:ext>
                 </a:extLst>
               </a:tr>
@@ -11030,14 +11030,14 @@
           <p:nvPr>
             <p:extLst>
               <p:ext uri="{D42A27DB-BD31-4B8C-83A1-F6EECF244321}">
-                <p14:modId xmlns:p14="http://schemas.microsoft.com/office/powerpoint/2010/main" val="1439891495"/>
+                <p14:modId xmlns:p14="http://schemas.microsoft.com/office/powerpoint/2010/main" val="2877643825"/>
               </p:ext>
             </p:extLst>
           </p:nvPr>
         </p:nvGraphicFramePr>
         <p:xfrm>
           <a:off x="544314" y="1551213"/>
-          <a:ext cx="11048526" cy="1085424"/>
+          <a:ext cx="11048526" cy="933024"/>
         </p:xfrm>
         <a:graphic>
           <a:graphicData uri="http://schemas.openxmlformats.org/drawingml/2006/table">
@@ -11049,21 +11049,21 @@
                 <a:gridCol w="3682842">
                   <a:extLst>
                     <a:ext uri="{9D8B030D-6E8A-4147-A177-3AD203B41FA5}">
-                      <a16:colId xmlns="" xmlns:a16="http://schemas.microsoft.com/office/drawing/2014/main" val="1109671872"/>
+                      <a16:colId xmlns:a16="http://schemas.microsoft.com/office/drawing/2014/main" val="1109671872"/>
                     </a:ext>
                   </a:extLst>
                 </a:gridCol>
                 <a:gridCol w="3682842">
                   <a:extLst>
                     <a:ext uri="{9D8B030D-6E8A-4147-A177-3AD203B41FA5}">
-                      <a16:colId xmlns="" xmlns:a16="http://schemas.microsoft.com/office/drawing/2014/main" val="390604985"/>
+                      <a16:colId xmlns:a16="http://schemas.microsoft.com/office/drawing/2014/main" val="390604985"/>
                     </a:ext>
                   </a:extLst>
                 </a:gridCol>
                 <a:gridCol w="3682842">
                   <a:extLst>
                     <a:ext uri="{9D8B030D-6E8A-4147-A177-3AD203B41FA5}">
-                      <a16:colId xmlns="" xmlns:a16="http://schemas.microsoft.com/office/drawing/2014/main" val="3548678291"/>
+                      <a16:colId xmlns:a16="http://schemas.microsoft.com/office/drawing/2014/main" val="3548678291"/>
                     </a:ext>
                   </a:extLst>
                 </a:gridCol>
@@ -11173,7 +11173,7 @@
                 </a:tc>
                 <a:extLst>
                   <a:ext uri="{0D108BD9-81ED-4DB2-BD59-A6C34878D82A}">
-                    <a16:rowId xmlns="" xmlns:a16="http://schemas.microsoft.com/office/drawing/2014/main" val="2826780448"/>
+                    <a16:rowId xmlns:a16="http://schemas.microsoft.com/office/drawing/2014/main" val="2826780448"/>
                   </a:ext>
                 </a:extLst>
               </a:tr>
@@ -11247,7 +11247,7 @@
                     <a:bodyPr/>
                     <a:lstStyle/>
                     <a:p>
-                      <a:endParaRPr lang="en-US" sz="1700" dirty="0">
+                      <a:endParaRPr lang="en-US" sz="1200" dirty="0">
                         <a:solidFill>
                           <a:schemeClr val="tx1"/>
                         </a:solidFill>
@@ -11268,7 +11268,7 @@
                     <a:bodyPr/>
                     <a:lstStyle/>
                     <a:p>
-                      <a:endParaRPr lang="en-US" sz="1700" dirty="0">
+                      <a:endParaRPr lang="en-US" sz="1200" dirty="0">
                         <a:solidFill>
                           <a:schemeClr val="tx1"/>
                         </a:solidFill>
@@ -11283,7 +11283,7 @@
                 </a:tc>
                 <a:extLst>
                   <a:ext uri="{0D108BD9-81ED-4DB2-BD59-A6C34878D82A}">
-                    <a16:rowId xmlns="" xmlns:a16="http://schemas.microsoft.com/office/drawing/2014/main" val="2074693909"/>
+                    <a16:rowId xmlns:a16="http://schemas.microsoft.com/office/drawing/2014/main" val="2074693909"/>
                   </a:ext>
                 </a:extLst>
               </a:tr>
@@ -11357,7 +11357,7 @@
                     <a:bodyPr/>
                     <a:lstStyle/>
                     <a:p>
-                      <a:endParaRPr lang="en-US" sz="1700" dirty="0">
+                      <a:endParaRPr lang="en-US" sz="1200" dirty="0">
                         <a:solidFill>
                           <a:schemeClr val="tx1"/>
                         </a:solidFill>
@@ -11378,7 +11378,7 @@
                     <a:bodyPr/>
                     <a:lstStyle/>
                     <a:p>
-                      <a:endParaRPr lang="en-US" sz="1700" dirty="0">
+                      <a:endParaRPr lang="en-US" sz="1200" dirty="0">
                         <a:solidFill>
                           <a:schemeClr val="tx1"/>
                         </a:solidFill>
@@ -11393,7 +11393,7 @@
                 </a:tc>
                 <a:extLst>
                   <a:ext uri="{0D108BD9-81ED-4DB2-BD59-A6C34878D82A}">
-                    <a16:rowId xmlns="" xmlns:a16="http://schemas.microsoft.com/office/drawing/2014/main" val="3442556936"/>
+                    <a16:rowId xmlns:a16="http://schemas.microsoft.com/office/drawing/2014/main" val="3442556936"/>
                   </a:ext>
                 </a:extLst>
               </a:tr>
@@ -11410,7 +11410,7 @@
           <p:nvPr>
             <p:extLst>
               <p:ext uri="{D42A27DB-BD31-4B8C-83A1-F6EECF244321}">
-                <p14:modId xmlns:p14="http://schemas.microsoft.com/office/powerpoint/2010/main" val="3566676793"/>
+                <p14:modId xmlns:p14="http://schemas.microsoft.com/office/powerpoint/2010/main" val="2605455749"/>
               </p:ext>
             </p:extLst>
           </p:nvPr>
@@ -11429,63 +11429,63 @@
                 <a:gridCol w="2953610">
                   <a:extLst>
                     <a:ext uri="{9D8B030D-6E8A-4147-A177-3AD203B41FA5}">
-                      <a16:colId xmlns="" xmlns:a16="http://schemas.microsoft.com/office/drawing/2014/main" val="4105844897"/>
+                      <a16:colId xmlns:a16="http://schemas.microsoft.com/office/drawing/2014/main" val="4105844897"/>
                     </a:ext>
                   </a:extLst>
                 </a:gridCol>
                 <a:gridCol w="1105271">
                   <a:extLst>
                     <a:ext uri="{9D8B030D-6E8A-4147-A177-3AD203B41FA5}">
-                      <a16:colId xmlns="" xmlns:a16="http://schemas.microsoft.com/office/drawing/2014/main" val="4142034472"/>
+                      <a16:colId xmlns:a16="http://schemas.microsoft.com/office/drawing/2014/main" val="4142034472"/>
                     </a:ext>
                   </a:extLst>
                 </a:gridCol>
                 <a:gridCol w="1154475">
                   <a:extLst>
                     <a:ext uri="{9D8B030D-6E8A-4147-A177-3AD203B41FA5}">
-                      <a16:colId xmlns="" xmlns:a16="http://schemas.microsoft.com/office/drawing/2014/main" val="2076643704"/>
+                      <a16:colId xmlns:a16="http://schemas.microsoft.com/office/drawing/2014/main" val="2076643704"/>
                     </a:ext>
                   </a:extLst>
                 </a:gridCol>
                 <a:gridCol w="845952">
                   <a:extLst>
                     <a:ext uri="{9D8B030D-6E8A-4147-A177-3AD203B41FA5}">
-                      <a16:colId xmlns="" xmlns:a16="http://schemas.microsoft.com/office/drawing/2014/main" val="3774860856"/>
+                      <a16:colId xmlns:a16="http://schemas.microsoft.com/office/drawing/2014/main" val="3774860856"/>
                     </a:ext>
                   </a:extLst>
                 </a:gridCol>
                 <a:gridCol w="1374309">
                   <a:extLst>
                     <a:ext uri="{9D8B030D-6E8A-4147-A177-3AD203B41FA5}">
-                      <a16:colId xmlns="" xmlns:a16="http://schemas.microsoft.com/office/drawing/2014/main" val="690038618"/>
+                      <a16:colId xmlns:a16="http://schemas.microsoft.com/office/drawing/2014/main" val="690038618"/>
                     </a:ext>
                   </a:extLst>
                 </a:gridCol>
                 <a:gridCol w="1342239">
                   <a:extLst>
                     <a:ext uri="{9D8B030D-6E8A-4147-A177-3AD203B41FA5}">
-                      <a16:colId xmlns="" xmlns:a16="http://schemas.microsoft.com/office/drawing/2014/main" val="1887439424"/>
+                      <a16:colId xmlns:a16="http://schemas.microsoft.com/office/drawing/2014/main" val="1887439424"/>
                     </a:ext>
                   </a:extLst>
                 </a:gridCol>
                 <a:gridCol w="934509">
                   <a:extLst>
                     <a:ext uri="{9D8B030D-6E8A-4147-A177-3AD203B41FA5}">
-                      <a16:colId xmlns="" xmlns:a16="http://schemas.microsoft.com/office/drawing/2014/main" val="2633607910"/>
+                      <a16:colId xmlns:a16="http://schemas.microsoft.com/office/drawing/2014/main" val="2633607910"/>
                     </a:ext>
                   </a:extLst>
                 </a:gridCol>
                 <a:gridCol w="214783">
                   <a:extLst>
                     <a:ext uri="{9D8B030D-6E8A-4147-A177-3AD203B41FA5}">
-                      <a16:colId xmlns="" xmlns:a16="http://schemas.microsoft.com/office/drawing/2014/main" val="127337333"/>
+                      <a16:colId xmlns:a16="http://schemas.microsoft.com/office/drawing/2014/main" val="127337333"/>
                     </a:ext>
                   </a:extLst>
                 </a:gridCol>
                 <a:gridCol w="1124604">
                   <a:extLst>
                     <a:ext uri="{9D8B030D-6E8A-4147-A177-3AD203B41FA5}">
-                      <a16:colId xmlns="" xmlns:a16="http://schemas.microsoft.com/office/drawing/2014/main" val="270941094"/>
+                      <a16:colId xmlns:a16="http://schemas.microsoft.com/office/drawing/2014/main" val="270941094"/>
                     </a:ext>
                   </a:extLst>
                 </a:gridCol>
@@ -11944,7 +11944,7 @@
                 </a:tc>
                 <a:extLst>
                   <a:ext uri="{0D108BD9-81ED-4DB2-BD59-A6C34878D82A}">
-                    <a16:rowId xmlns="" xmlns:a16="http://schemas.microsoft.com/office/drawing/2014/main" val="2703049425"/>
+                    <a16:rowId xmlns:a16="http://schemas.microsoft.com/office/drawing/2014/main" val="2703049425"/>
                   </a:ext>
                 </a:extLst>
               </a:tr>
@@ -11959,12 +11959,12 @@
                         <a:buNone/>
                       </a:pPr>
                       <a:r>
-                        <a:rPr lang="en-US" altLang="zh-CN" sz="1100" b="0" dirty="0" smtClean="0">
+                        <a:rPr lang="en-US" altLang="zh-CN" sz="1200" b="0" baseline="0" dirty="0" smtClean="0">
                           <a:solidFill>
                             <a:schemeClr val="tx1"/>
                           </a:solidFill>
-                          <a:latin typeface="+mn-lt"/>
-                          <a:ea typeface="+mn-ea"/>
+                          <a:latin typeface="Bentley Light" panose="020B0404020201020102"/>
+                          <a:ea typeface="黑体" panose="02010609060101010101" pitchFamily="49" charset="-122"/>
                           <a:cs typeface="+mn-ea"/>
                           <a:sym typeface="+mn-lt"/>
                         </a:rPr>
@@ -11977,23 +11977,23 @@
                         <a:buNone/>
                       </a:pPr>
                       <a:r>
-                        <a:rPr lang="zh-CN" altLang="en-US" sz="1100" b="0" dirty="0" smtClean="0">
+                        <a:rPr lang="zh-CN" altLang="en-US" sz="1200" b="0" baseline="0" dirty="0" smtClean="0">
                           <a:solidFill>
                             <a:schemeClr val="tx1"/>
                           </a:solidFill>
-                          <a:latin typeface="+mn-lt"/>
-                          <a:ea typeface="+mn-ea"/>
+                          <a:latin typeface="Bentley Light" panose="020B0404020201020102"/>
+                          <a:ea typeface="黑体" panose="02010609060101010101" pitchFamily="49" charset="-122"/>
                           <a:cs typeface="+mn-ea"/>
                           <a:sym typeface="+mn-lt"/>
                         </a:rPr>
                         <a:t>百度关键词购买</a:t>
                       </a:r>
-                      <a:endParaRPr lang="en-US" altLang="zh-CN" sz="1100" b="0" dirty="0" smtClean="0">
+                      <a:endParaRPr lang="en-US" altLang="zh-CN" sz="1200" b="0" baseline="0" dirty="0" smtClean="0">
                         <a:solidFill>
                           <a:schemeClr val="tx1"/>
                         </a:solidFill>
-                        <a:latin typeface="+mn-lt"/>
-                        <a:ea typeface="+mn-ea"/>
+                        <a:latin typeface="Bentley Light" panose="020B0404020201020102"/>
+                        <a:ea typeface="黑体" panose="02010609060101010101" pitchFamily="49" charset="-122"/>
                         <a:cs typeface="+mn-ea"/>
                         <a:sym typeface="+mn-lt"/>
                       </a:endParaRPr>
@@ -12025,12 +12025,12 @@
                         <a:tabLst/>
                         <a:defRPr/>
                       </a:pPr>
-                      <a:endParaRPr lang="en-US" altLang="zh-CN" sz="1100" b="0" dirty="0" smtClean="0">
+                      <a:endParaRPr lang="en-US" altLang="zh-CN" sz="1200" b="0" baseline="0" dirty="0" smtClean="0">
                         <a:solidFill>
                           <a:schemeClr val="tx1"/>
                         </a:solidFill>
-                        <a:latin typeface="+mn-lt"/>
-                        <a:ea typeface="+mn-ea"/>
+                        <a:latin typeface="Bentley Light" panose="020B0404020201020102"/>
+                        <a:ea typeface="黑体" panose="02010609060101010101" pitchFamily="49" charset="-122"/>
                         <a:cs typeface="+mn-ea"/>
                         <a:sym typeface="+mn-lt"/>
                       </a:endParaRPr>
@@ -12067,12 +12067,12 @@
                         <a:tabLst/>
                         <a:defRPr/>
                       </a:pPr>
-                      <a:endParaRPr lang="en-US" altLang="zh-CN" sz="1100" b="0" dirty="0" smtClean="0">
+                      <a:endParaRPr lang="en-US" altLang="zh-CN" sz="1200" b="0" baseline="0" dirty="0" smtClean="0">
                         <a:solidFill>
                           <a:schemeClr val="tx1"/>
                         </a:solidFill>
-                        <a:latin typeface="+mn-lt"/>
-                        <a:ea typeface="+mn-ea"/>
+                        <a:latin typeface="Bentley Light" panose="020B0404020201020102"/>
+                        <a:ea typeface="黑体" panose="02010609060101010101" pitchFamily="49" charset="-122"/>
                         <a:cs typeface="+mn-ea"/>
                         <a:sym typeface="+mn-lt"/>
                       </a:endParaRPr>
@@ -12090,10 +12090,12 @@
                     <a:lstStyle/>
                     <a:p>
                       <a:pPr algn="ctr"/>
-                      <a:endParaRPr lang="en-US" sz="1100" dirty="0">
+                      <a:endParaRPr lang="en-US" sz="1200" baseline="0" dirty="0">
                         <a:solidFill>
                           <a:schemeClr val="tx1"/>
                         </a:solidFill>
+                        <a:latin typeface="Bentley Light" panose="020B0404020201020102"/>
+                        <a:ea typeface="黑体" panose="02010609060101010101" pitchFamily="49" charset="-122"/>
                       </a:endParaRPr>
                     </a:p>
                   </a:txBody>
@@ -12128,12 +12130,12 @@
                         <a:tabLst/>
                         <a:defRPr/>
                       </a:pPr>
-                      <a:endParaRPr lang="zh-CN" altLang="en-US" sz="1100" b="0" kern="1200" dirty="0" smtClean="0">
+                      <a:endParaRPr lang="zh-CN" altLang="en-US" sz="1200" b="0" kern="1200" baseline="0" dirty="0" smtClean="0">
                         <a:solidFill>
                           <a:schemeClr val="tx1"/>
                         </a:solidFill>
-                        <a:latin typeface="+mn-lt"/>
-                        <a:ea typeface="+mn-ea"/>
+                        <a:latin typeface="Bentley Light" panose="020B0404020201020102"/>
+                        <a:ea typeface="黑体" panose="02010609060101010101" pitchFamily="49" charset="-122"/>
                         <a:cs typeface="+mn-ea"/>
                         <a:sym typeface="+mn-lt"/>
                       </a:endParaRPr>
@@ -12182,12 +12184,12 @@
                         <a:tabLst/>
                         <a:defRPr/>
                       </a:pPr>
-                      <a:endParaRPr lang="zh-CN" altLang="en-US" sz="1100" b="0" kern="1200" dirty="0" smtClean="0">
+                      <a:endParaRPr lang="zh-CN" altLang="en-US" sz="1200" b="0" kern="1200" baseline="0" dirty="0" smtClean="0">
                         <a:solidFill>
                           <a:schemeClr val="tx1"/>
                         </a:solidFill>
-                        <a:latin typeface="+mn-lt"/>
-                        <a:ea typeface="+mn-ea"/>
+                        <a:latin typeface="Bentley Light" panose="020B0404020201020102"/>
+                        <a:ea typeface="黑体" panose="02010609060101010101" pitchFamily="49" charset="-122"/>
                         <a:cs typeface="+mn-ea"/>
                         <a:sym typeface="+mn-lt"/>
                       </a:endParaRPr>
@@ -12235,12 +12237,12 @@
                         <a:buFontTx/>
                         <a:buNone/>
                       </a:pPr>
-                      <a:endParaRPr lang="zh-CN" altLang="en-US" sz="1100" b="0" dirty="0" smtClean="0">
+                      <a:endParaRPr lang="zh-CN" altLang="en-US" sz="1200" b="0" baseline="0" dirty="0" smtClean="0">
                         <a:solidFill>
                           <a:schemeClr val="tx1"/>
                         </a:solidFill>
-                        <a:latin typeface="+mn-lt"/>
-                        <a:ea typeface="+mn-ea"/>
+                        <a:latin typeface="Bentley Light" panose="020B0404020201020102"/>
+                        <a:ea typeface="黑体" panose="02010609060101010101" pitchFamily="49" charset="-122"/>
                         <a:cs typeface="+mn-ea"/>
                         <a:sym typeface="+mn-lt"/>
                       </a:endParaRPr>
@@ -12288,12 +12290,12 @@
                         <a:buFontTx/>
                         <a:buNone/>
                       </a:pPr>
-                      <a:endParaRPr lang="en-US" altLang="zh-CN" sz="1100" b="0" dirty="0" smtClean="0">
+                      <a:endParaRPr lang="en-US" altLang="zh-CN" sz="1200" b="0" baseline="0" dirty="0" smtClean="0">
                         <a:solidFill>
                           <a:schemeClr val="tx1"/>
                         </a:solidFill>
-                        <a:latin typeface="+mn-lt"/>
-                        <a:ea typeface="+mn-ea"/>
+                        <a:latin typeface="Bentley Light" panose="020B0404020201020102"/>
+                        <a:ea typeface="黑体" panose="02010609060101010101" pitchFamily="49" charset="-122"/>
                         <a:cs typeface="+mn-ea"/>
                         <a:sym typeface="+mn-lt"/>
                       </a:endParaRPr>
@@ -12344,7 +12346,7 @@
                 </a:tc>
                 <a:extLst>
                   <a:ext uri="{0D108BD9-81ED-4DB2-BD59-A6C34878D82A}">
-                    <a16:rowId xmlns="" xmlns:a16="http://schemas.microsoft.com/office/drawing/2014/main" val="741824064"/>
+                    <a16:rowId xmlns:a16="http://schemas.microsoft.com/office/drawing/2014/main" val="741824064"/>
                   </a:ext>
                 </a:extLst>
               </a:tr>
@@ -12372,12 +12374,12 @@
                         <a:defRPr/>
                       </a:pPr>
                       <a:r>
-                        <a:rPr lang="en-US" altLang="zh-CN" sz="1100" b="0" dirty="0" smtClean="0">
+                        <a:rPr lang="en-US" altLang="zh-CN" sz="1200" b="0" baseline="0" dirty="0" smtClean="0">
                           <a:solidFill>
                             <a:schemeClr val="tx1"/>
                           </a:solidFill>
-                          <a:latin typeface="+mn-lt"/>
-                          <a:ea typeface="+mn-ea"/>
+                          <a:latin typeface="Bentley Light" panose="020B0404020201020102"/>
+                          <a:ea typeface="黑体" panose="02010609060101010101" pitchFamily="49" charset="-122"/>
                           <a:cs typeface="+mn-ea"/>
                           <a:sym typeface="+mn-lt"/>
                         </a:rPr>
@@ -12403,12 +12405,12 @@
                         <a:defRPr/>
                       </a:pPr>
                       <a:r>
-                        <a:rPr lang="zh-CN" altLang="en-US" sz="1100" b="0" dirty="0" smtClean="0">
+                        <a:rPr lang="zh-CN" altLang="en-US" sz="1200" b="0" baseline="0" dirty="0" smtClean="0">
                           <a:solidFill>
                             <a:schemeClr val="tx1"/>
                           </a:solidFill>
-                          <a:latin typeface="+mn-lt"/>
-                          <a:ea typeface="+mn-ea"/>
+                          <a:latin typeface="Bentley Light" panose="020B0404020201020102"/>
+                          <a:ea typeface="黑体" panose="02010609060101010101" pitchFamily="49" charset="-122"/>
                           <a:cs typeface="+mn-ea"/>
                           <a:sym typeface="+mn-lt"/>
                         </a:rPr>
@@ -12442,12 +12444,12 @@
                         <a:tabLst/>
                         <a:defRPr/>
                       </a:pPr>
-                      <a:endParaRPr lang="en-US" altLang="zh-CN" sz="1100" b="0" dirty="0" smtClean="0">
+                      <a:endParaRPr lang="en-US" altLang="zh-CN" sz="1200" b="0" baseline="0" dirty="0" smtClean="0">
                         <a:solidFill>
                           <a:schemeClr val="tx1"/>
                         </a:solidFill>
-                        <a:latin typeface="+mn-lt"/>
-                        <a:ea typeface="+mn-ea"/>
+                        <a:latin typeface="Bentley Light" panose="020B0404020201020102"/>
+                        <a:ea typeface="黑体" panose="02010609060101010101" pitchFamily="49" charset="-122"/>
                         <a:cs typeface="+mn-ea"/>
                         <a:sym typeface="+mn-lt"/>
                       </a:endParaRPr>
@@ -12484,12 +12486,12 @@
                         <a:tabLst/>
                         <a:defRPr/>
                       </a:pPr>
-                      <a:endParaRPr lang="en-US" altLang="zh-CN" sz="1100" b="0" dirty="0" smtClean="0">
+                      <a:endParaRPr lang="en-US" altLang="zh-CN" sz="1200" b="0" baseline="0" dirty="0" smtClean="0">
                         <a:solidFill>
                           <a:schemeClr val="tx1"/>
                         </a:solidFill>
-                        <a:latin typeface="+mn-lt"/>
-                        <a:ea typeface="+mn-ea"/>
+                        <a:latin typeface="Bentley Light" panose="020B0404020201020102"/>
+                        <a:ea typeface="黑体" panose="02010609060101010101" pitchFamily="49" charset="-122"/>
                         <a:cs typeface="+mn-ea"/>
                         <a:sym typeface="+mn-lt"/>
                       </a:endParaRPr>
@@ -12523,10 +12525,12 @@
                         <a:tabLst/>
                         <a:defRPr/>
                       </a:pPr>
-                      <a:endParaRPr lang="en-US" sz="1100" dirty="0" smtClean="0">
+                      <a:endParaRPr lang="en-US" sz="1200" baseline="0" dirty="0" smtClean="0">
                         <a:solidFill>
                           <a:schemeClr val="tx1"/>
                         </a:solidFill>
+                        <a:latin typeface="Bentley Light" panose="020B0404020201020102"/>
+                        <a:ea typeface="黑体" panose="02010609060101010101" pitchFamily="49" charset="-122"/>
                       </a:endParaRPr>
                     </a:p>
                   </a:txBody>
@@ -12561,12 +12565,12 @@
                         <a:tabLst/>
                         <a:defRPr/>
                       </a:pPr>
-                      <a:endParaRPr lang="zh-CN" altLang="en-US" sz="1100" b="0" kern="1200" dirty="0" smtClean="0">
+                      <a:endParaRPr lang="zh-CN" altLang="en-US" sz="1200" b="0" kern="1200" baseline="0" dirty="0" smtClean="0">
                         <a:solidFill>
                           <a:schemeClr val="tx1"/>
                         </a:solidFill>
-                        <a:latin typeface="+mn-lt"/>
-                        <a:ea typeface="+mn-ea"/>
+                        <a:latin typeface="Bentley Light" panose="020B0404020201020102"/>
+                        <a:ea typeface="黑体" panose="02010609060101010101" pitchFamily="49" charset="-122"/>
                         <a:cs typeface="+mn-ea"/>
                         <a:sym typeface="+mn-lt"/>
                       </a:endParaRPr>
@@ -12615,12 +12619,12 @@
                         <a:tabLst/>
                         <a:defRPr/>
                       </a:pPr>
-                      <a:endParaRPr lang="zh-CN" altLang="en-US" sz="1100" b="0" kern="1200" dirty="0" smtClean="0">
+                      <a:endParaRPr lang="zh-CN" altLang="en-US" sz="1200" b="0" kern="1200" baseline="0" dirty="0" smtClean="0">
                         <a:solidFill>
                           <a:schemeClr val="tx1"/>
                         </a:solidFill>
-                        <a:latin typeface="+mn-lt"/>
-                        <a:ea typeface="+mn-ea"/>
+                        <a:latin typeface="Bentley Light" panose="020B0404020201020102"/>
+                        <a:ea typeface="黑体" panose="02010609060101010101" pitchFamily="49" charset="-122"/>
                         <a:cs typeface="+mn-ea"/>
                         <a:sym typeface="+mn-lt"/>
                       </a:endParaRPr>
@@ -12681,12 +12685,12 @@
                         <a:tabLst/>
                         <a:defRPr/>
                       </a:pPr>
-                      <a:endParaRPr lang="en-US" altLang="zh-CN" sz="1100" b="0" dirty="0" smtClean="0">
+                      <a:endParaRPr lang="en-US" altLang="zh-CN" sz="1200" b="0" baseline="0" dirty="0" smtClean="0">
                         <a:solidFill>
                           <a:schemeClr val="tx1"/>
                         </a:solidFill>
-                        <a:latin typeface="+mn-lt"/>
-                        <a:ea typeface="+mn-ea"/>
+                        <a:latin typeface="Bentley Light" panose="020B0404020201020102"/>
+                        <a:ea typeface="黑体" panose="02010609060101010101" pitchFamily="49" charset="-122"/>
                         <a:cs typeface="+mn-ea"/>
                         <a:sym typeface="+mn-lt"/>
                       </a:endParaRPr>
@@ -12747,12 +12751,12 @@
                         <a:tabLst/>
                         <a:defRPr/>
                       </a:pPr>
-                      <a:endParaRPr lang="en-US" altLang="zh-CN" sz="1100" b="0" dirty="0" smtClean="0">
+                      <a:endParaRPr lang="en-US" altLang="zh-CN" sz="1200" b="0" baseline="0" dirty="0" smtClean="0">
                         <a:solidFill>
                           <a:schemeClr val="tx1"/>
                         </a:solidFill>
-                        <a:latin typeface="+mn-lt"/>
-                        <a:ea typeface="+mn-ea"/>
+                        <a:latin typeface="Bentley Light" panose="020B0404020201020102"/>
+                        <a:ea typeface="黑体" panose="02010609060101010101" pitchFamily="49" charset="-122"/>
                         <a:cs typeface="+mn-ea"/>
                         <a:sym typeface="+mn-lt"/>
                       </a:endParaRPr>
@@ -12803,7 +12807,7 @@
                 </a:tc>
                 <a:extLst>
                   <a:ext uri="{0D108BD9-81ED-4DB2-BD59-A6C34878D82A}">
-                    <a16:rowId xmlns="" xmlns:a16="http://schemas.microsoft.com/office/drawing/2014/main" val="3076205638"/>
+                    <a16:rowId xmlns:a16="http://schemas.microsoft.com/office/drawing/2014/main" val="3076205638"/>
                   </a:ext>
                 </a:extLst>
               </a:tr>
@@ -12831,12 +12835,12 @@
                         <a:defRPr/>
                       </a:pPr>
                       <a:r>
-                        <a:rPr lang="en-US" altLang="zh-CN" sz="1100" b="0" dirty="0" smtClean="0">
+                        <a:rPr lang="en-US" altLang="zh-CN" sz="1200" b="0" baseline="0" dirty="0" smtClean="0">
                           <a:solidFill>
                             <a:schemeClr val="tx1"/>
                           </a:solidFill>
-                          <a:latin typeface="+mn-lt"/>
-                          <a:ea typeface="+mn-ea"/>
+                          <a:latin typeface="Bentley Light" panose="020B0404020201020102"/>
+                          <a:ea typeface="黑体" panose="02010609060101010101" pitchFamily="49" charset="-122"/>
                           <a:cs typeface="+mn-ea"/>
                           <a:sym typeface="+mn-lt"/>
                         </a:rPr>
@@ -12862,23 +12866,23 @@
                         <a:defRPr/>
                       </a:pPr>
                       <a:r>
-                        <a:rPr lang="zh-CN" altLang="en-US" sz="1100" b="0" dirty="0" smtClean="0">
+                        <a:rPr lang="zh-CN" altLang="en-US" sz="1200" b="0" baseline="0" dirty="0" smtClean="0">
                           <a:solidFill>
                             <a:schemeClr val="tx1"/>
                           </a:solidFill>
-                          <a:latin typeface="+mn-lt"/>
-                          <a:ea typeface="+mn-ea"/>
+                          <a:latin typeface="Bentley Light" panose="020B0404020201020102"/>
+                          <a:ea typeface="黑体" panose="02010609060101010101" pitchFamily="49" charset="-122"/>
                           <a:cs typeface="+mn-ea"/>
                           <a:sym typeface="+mn-lt"/>
                         </a:rPr>
                         <a:t>媒介购买</a:t>
                       </a:r>
-                      <a:endParaRPr lang="en-US" altLang="zh-CN" sz="1100" b="0" dirty="0" smtClean="0">
+                      <a:endParaRPr lang="en-US" altLang="zh-CN" sz="1200" b="0" baseline="0" dirty="0" smtClean="0">
                         <a:solidFill>
                           <a:schemeClr val="tx1"/>
                         </a:solidFill>
-                        <a:latin typeface="+mn-lt"/>
-                        <a:ea typeface="+mn-ea"/>
+                        <a:latin typeface="Bentley Light" panose="020B0404020201020102"/>
+                        <a:ea typeface="黑体" panose="02010609060101010101" pitchFamily="49" charset="-122"/>
                         <a:cs typeface="+mn-ea"/>
                         <a:sym typeface="+mn-lt"/>
                       </a:endParaRPr>
@@ -12910,12 +12914,12 @@
                         <a:tabLst/>
                         <a:defRPr/>
                       </a:pPr>
-                      <a:endParaRPr lang="en-US" altLang="zh-CN" sz="1100" b="0" dirty="0" smtClean="0">
+                      <a:endParaRPr lang="en-US" altLang="zh-CN" sz="1200" b="0" baseline="0" dirty="0" smtClean="0">
                         <a:solidFill>
                           <a:schemeClr val="tx1"/>
                         </a:solidFill>
-                        <a:latin typeface="+mn-lt"/>
-                        <a:ea typeface="+mn-ea"/>
+                        <a:latin typeface="Bentley Light" panose="020B0404020201020102"/>
+                        <a:ea typeface="黑体" panose="02010609060101010101" pitchFamily="49" charset="-122"/>
                         <a:cs typeface="+mn-ea"/>
                         <a:sym typeface="+mn-lt"/>
                       </a:endParaRPr>
@@ -12952,12 +12956,12 @@
                         <a:tabLst/>
                         <a:defRPr/>
                       </a:pPr>
-                      <a:endParaRPr lang="en-US" altLang="zh-CN" sz="1100" b="0" dirty="0" smtClean="0">
+                      <a:endParaRPr lang="en-US" altLang="zh-CN" sz="1200" b="0" baseline="0" dirty="0" smtClean="0">
                         <a:solidFill>
                           <a:schemeClr val="tx1"/>
                         </a:solidFill>
-                        <a:latin typeface="+mn-lt"/>
-                        <a:ea typeface="+mn-ea"/>
+                        <a:latin typeface="Bentley Light" panose="020B0404020201020102"/>
+                        <a:ea typeface="黑体" panose="02010609060101010101" pitchFamily="49" charset="-122"/>
                         <a:cs typeface="+mn-ea"/>
                         <a:sym typeface="+mn-lt"/>
                       </a:endParaRPr>
@@ -12975,10 +12979,12 @@
                     <a:lstStyle/>
                     <a:p>
                       <a:pPr algn="ctr"/>
-                      <a:endParaRPr lang="en-US" sz="1100" dirty="0">
+                      <a:endParaRPr lang="en-US" sz="1200" baseline="0" dirty="0">
                         <a:solidFill>
                           <a:schemeClr val="tx1"/>
                         </a:solidFill>
+                        <a:latin typeface="Bentley Light" panose="020B0404020201020102"/>
+                        <a:ea typeface="黑体" panose="02010609060101010101" pitchFamily="49" charset="-122"/>
                       </a:endParaRPr>
                     </a:p>
                   </a:txBody>
@@ -13013,12 +13019,12 @@
                         <a:tabLst/>
                         <a:defRPr/>
                       </a:pPr>
-                      <a:endParaRPr lang="zh-CN" altLang="en-US" sz="1100" b="0" kern="1200" dirty="0" smtClean="0">
+                      <a:endParaRPr lang="zh-CN" altLang="en-US" sz="1200" b="0" kern="1200" baseline="0" dirty="0" smtClean="0">
                         <a:solidFill>
                           <a:schemeClr val="tx1"/>
                         </a:solidFill>
-                        <a:latin typeface="+mn-lt"/>
-                        <a:ea typeface="+mn-ea"/>
+                        <a:latin typeface="Bentley Light" panose="020B0404020201020102"/>
+                        <a:ea typeface="黑体" panose="02010609060101010101" pitchFamily="49" charset="-122"/>
                         <a:cs typeface="+mn-ea"/>
                         <a:sym typeface="+mn-lt"/>
                       </a:endParaRPr>
@@ -13067,12 +13073,12 @@
                         <a:tabLst/>
                         <a:defRPr/>
                       </a:pPr>
-                      <a:endParaRPr lang="zh-CN" altLang="en-US" sz="1100" b="0" kern="1200" dirty="0" smtClean="0">
+                      <a:endParaRPr lang="zh-CN" altLang="en-US" sz="1200" b="0" kern="1200" baseline="0" dirty="0" smtClean="0">
                         <a:solidFill>
                           <a:schemeClr val="tx1"/>
                         </a:solidFill>
-                        <a:latin typeface="+mn-lt"/>
-                        <a:ea typeface="+mn-ea"/>
+                        <a:latin typeface="Bentley Light" panose="020B0404020201020102"/>
+                        <a:ea typeface="黑体" panose="02010609060101010101" pitchFamily="49" charset="-122"/>
                         <a:cs typeface="+mn-ea"/>
                         <a:sym typeface="+mn-lt"/>
                       </a:endParaRPr>
@@ -13133,7 +13139,7 @@
                         <a:tabLst/>
                         <a:defRPr/>
                       </a:pPr>
-                      <a:endParaRPr kumimoji="0" lang="en-US" altLang="zh-CN" sz="1100" b="0" i="0" u="none" strike="noStrike" kern="1200" cap="none" spc="0" normalizeH="0" baseline="0" noProof="0" dirty="0" smtClean="0">
+                      <a:endParaRPr kumimoji="0" lang="en-US" altLang="zh-CN" sz="1200" b="0" i="0" u="none" strike="noStrike" kern="1200" cap="none" spc="0" normalizeH="0" baseline="0" noProof="0" dirty="0" smtClean="0">
                         <a:ln>
                           <a:noFill/>
                         </a:ln>
@@ -13143,8 +13149,8 @@
                         <a:effectLst/>
                         <a:uLnTx/>
                         <a:uFillTx/>
-                        <a:latin typeface="+mn-lt"/>
-                        <a:ea typeface="+mn-ea"/>
+                        <a:latin typeface="Bentley Light" panose="020B0404020201020102"/>
+                        <a:ea typeface="黑体" panose="02010609060101010101" pitchFamily="49" charset="-122"/>
                         <a:cs typeface="+mn-ea"/>
                         <a:sym typeface="+mn-lt"/>
                       </a:endParaRPr>
@@ -13205,12 +13211,12 @@
                         <a:tabLst/>
                         <a:defRPr/>
                       </a:pPr>
-                      <a:endParaRPr lang="en-US" altLang="zh-CN" sz="1100" b="0" dirty="0" smtClean="0">
+                      <a:endParaRPr lang="en-US" altLang="zh-CN" sz="1200" b="0" baseline="0" dirty="0" smtClean="0">
                         <a:solidFill>
                           <a:schemeClr val="tx1"/>
                         </a:solidFill>
-                        <a:latin typeface="+mn-lt"/>
-                        <a:ea typeface="+mn-ea"/>
+                        <a:latin typeface="Bentley Light" panose="020B0404020201020102"/>
+                        <a:ea typeface="黑体" panose="02010609060101010101" pitchFamily="49" charset="-122"/>
                         <a:cs typeface="+mn-ea"/>
                         <a:sym typeface="+mn-lt"/>
                       </a:endParaRPr>
@@ -13261,7 +13267,7 @@
                 </a:tc>
                 <a:extLst>
                   <a:ext uri="{0D108BD9-81ED-4DB2-BD59-A6C34878D82A}">
-                    <a16:rowId xmlns="" xmlns:a16="http://schemas.microsoft.com/office/drawing/2014/main" val="2309071906"/>
+                    <a16:rowId xmlns:a16="http://schemas.microsoft.com/office/drawing/2014/main" val="2309071906"/>
                   </a:ext>
                 </a:extLst>
               </a:tr>
@@ -13297,7 +13303,7 @@
                 <a:gridCol w="11048534">
                   <a:extLst>
                     <a:ext uri="{9D8B030D-6E8A-4147-A177-3AD203B41FA5}">
-                      <a16:colId xmlns="" xmlns:a16="http://schemas.microsoft.com/office/drawing/2014/main" val="1357581311"/>
+                      <a16:colId xmlns:a16="http://schemas.microsoft.com/office/drawing/2014/main" val="1357581311"/>
                     </a:ext>
                   </a:extLst>
                 </a:gridCol>
@@ -13384,7 +13390,7 @@
                 </a:tc>
                 <a:extLst>
                   <a:ext uri="{0D108BD9-81ED-4DB2-BD59-A6C34878D82A}">
-                    <a16:rowId xmlns="" xmlns:a16="http://schemas.microsoft.com/office/drawing/2014/main" val="3203583067"/>
+                    <a16:rowId xmlns:a16="http://schemas.microsoft.com/office/drawing/2014/main" val="3203583067"/>
                   </a:ext>
                 </a:extLst>
               </a:tr>
@@ -13795,14 +13801,14 @@
           <p:nvPr>
             <p:extLst>
               <p:ext uri="{D42A27DB-BD31-4B8C-83A1-F6EECF244321}">
-                <p14:modId xmlns:p14="http://schemas.microsoft.com/office/powerpoint/2010/main" val="132012560"/>
+                <p14:modId xmlns:p14="http://schemas.microsoft.com/office/powerpoint/2010/main" val="1993489058"/>
               </p:ext>
             </p:extLst>
           </p:nvPr>
         </p:nvGraphicFramePr>
         <p:xfrm>
           <a:off x="539751" y="1205410"/>
-          <a:ext cx="11079992" cy="5324253"/>
+          <a:ext cx="11079992" cy="5445289"/>
         </p:xfrm>
         <a:graphic>
           <a:graphicData uri="http://schemas.openxmlformats.org/drawingml/2006/table">
@@ -13814,22 +13820,52 @@
                 <a:gridCol w="1632001">
                   <a:extLst>
                     <a:ext uri="{9D8B030D-6E8A-4147-A177-3AD203B41FA5}">
-                      <a16:colId xmlns="" xmlns:a16="http://schemas.microsoft.com/office/drawing/2014/main" val="20000"/>
+                      <a16:colId xmlns:a16="http://schemas.microsoft.com/office/drawing/2014/main" val="20000"/>
                     </a:ext>
                   </a:extLst>
                 </a:gridCol>
-                <a:gridCol w="1318766"/>
+                <a:gridCol w="1318766">
+                  <a:extLst>
+                    <a:ext uri="{9D8B030D-6E8A-4147-A177-3AD203B41FA5}">
+                      <a16:colId xmlns:a16="http://schemas.microsoft.com/office/drawing/2014/main" val="20002"/>
+                    </a:ext>
+                  </a:extLst>
+                </a:gridCol>
                 <a:gridCol w="2102761">
                   <a:extLst>
                     <a:ext uri="{9D8B030D-6E8A-4147-A177-3AD203B41FA5}">
-                      <a16:colId xmlns="" xmlns:a16="http://schemas.microsoft.com/office/drawing/2014/main" val="20001"/>
+                      <a16:colId xmlns:a16="http://schemas.microsoft.com/office/drawing/2014/main" val="20001"/>
                     </a:ext>
                   </a:extLst>
                 </a:gridCol>
-                <a:gridCol w="1376741"/>
-                <a:gridCol w="1685234"/>
-                <a:gridCol w="1194929"/>
-                <a:gridCol w="1769560"/>
+                <a:gridCol w="1376741">
+                  <a:extLst>
+                    <a:ext uri="{9D8B030D-6E8A-4147-A177-3AD203B41FA5}">
+                      <a16:colId xmlns:a16="http://schemas.microsoft.com/office/drawing/2014/main" val="20003"/>
+                    </a:ext>
+                  </a:extLst>
+                </a:gridCol>
+                <a:gridCol w="1685234">
+                  <a:extLst>
+                    <a:ext uri="{9D8B030D-6E8A-4147-A177-3AD203B41FA5}">
+                      <a16:colId xmlns:a16="http://schemas.microsoft.com/office/drawing/2014/main" val="20004"/>
+                    </a:ext>
+                  </a:extLst>
+                </a:gridCol>
+                <a:gridCol w="1194929">
+                  <a:extLst>
+                    <a:ext uri="{9D8B030D-6E8A-4147-A177-3AD203B41FA5}">
+                      <a16:colId xmlns:a16="http://schemas.microsoft.com/office/drawing/2014/main" val="20005"/>
+                    </a:ext>
+                  </a:extLst>
+                </a:gridCol>
+                <a:gridCol w="1769560">
+                  <a:extLst>
+                    <a:ext uri="{9D8B030D-6E8A-4147-A177-3AD203B41FA5}">
+                      <a16:colId xmlns:a16="http://schemas.microsoft.com/office/drawing/2014/main" val="20006"/>
+                    </a:ext>
+                  </a:extLst>
+                </a:gridCol>
               </a:tblGrid>
               <a:tr h="650361">
                 <a:tc>
@@ -14405,11 +14441,11 @@
                 </a:tc>
                 <a:extLst>
                   <a:ext uri="{0D108BD9-81ED-4DB2-BD59-A6C34878D82A}">
-                    <a16:rowId xmlns="" xmlns:a16="http://schemas.microsoft.com/office/drawing/2014/main" val="10000"/>
+                    <a16:rowId xmlns:a16="http://schemas.microsoft.com/office/drawing/2014/main" val="10000"/>
                   </a:ext>
                 </a:extLst>
               </a:tr>
-              <a:tr h="445945">
+              <a:tr h="345169">
                 <a:tc>
                   <a:txBody>
                     <a:bodyPr/>
@@ -14432,15 +14468,15 @@
                         <a:tabLst/>
                         <a:defRPr/>
                       </a:pPr>
-                      <a:endParaRPr lang="en-US" sz="1200" b="0" kern="1200" dirty="0" smtClean="0">
+                      <a:endParaRPr lang="en-US" sz="1200" b="0" kern="1200" baseline="0" dirty="0" smtClean="0">
                         <a:solidFill>
                           <a:schemeClr val="tx1">
                             <a:lumMod val="75000"/>
                             <a:lumOff val="25000"/>
                           </a:schemeClr>
                         </a:solidFill>
-                        <a:latin typeface="+mn-lt"/>
-                        <a:ea typeface="+mn-ea"/>
+                        <a:latin typeface="Bentley Light" panose="020B0404020201020102"/>
+                        <a:ea typeface="黑体" panose="02010609060101010101" pitchFamily="49" charset="-122"/>
                         <a:cs typeface="+mn-ea"/>
                         <a:sym typeface="+mn-lt"/>
                       </a:endParaRPr>
@@ -14508,15 +14544,15 @@
                         <a:tabLst/>
                         <a:defRPr/>
                       </a:pPr>
-                      <a:endParaRPr lang="en-US" altLang="zh-CN" sz="1200" b="0" kern="1200" dirty="0">
+                      <a:endParaRPr lang="en-US" altLang="zh-CN" sz="1200" b="0" kern="1200" baseline="0" dirty="0">
                         <a:solidFill>
                           <a:schemeClr val="tx1">
                             <a:lumMod val="75000"/>
                             <a:lumOff val="25000"/>
                           </a:schemeClr>
                         </a:solidFill>
-                        <a:latin typeface="+mn-lt"/>
-                        <a:ea typeface="+mn-ea"/>
+                        <a:latin typeface="Bentley Light" panose="020B0404020201020102"/>
+                        <a:ea typeface="黑体" panose="02010609060101010101" pitchFamily="49" charset="-122"/>
                         <a:cs typeface="+mn-ea"/>
                         <a:sym typeface="+mn-lt"/>
                       </a:endParaRPr>
@@ -14584,15 +14620,15 @@
                         <a:tabLst/>
                         <a:defRPr/>
                       </a:pPr>
-                      <a:endParaRPr lang="en-US" altLang="zh-CN" sz="1200" b="0" kern="1200" dirty="0">
+                      <a:endParaRPr lang="en-US" altLang="zh-CN" sz="1200" b="0" kern="1200" baseline="0" dirty="0">
                         <a:solidFill>
                           <a:schemeClr val="tx1">
                             <a:lumMod val="75000"/>
                             <a:lumOff val="25000"/>
                           </a:schemeClr>
                         </a:solidFill>
-                        <a:latin typeface="+mn-lt"/>
-                        <a:ea typeface="+mn-ea"/>
+                        <a:latin typeface="Bentley Light" panose="020B0404020201020102"/>
+                        <a:ea typeface="黑体" panose="02010609060101010101" pitchFamily="49" charset="-122"/>
                         <a:cs typeface="+mn-ea"/>
                         <a:sym typeface="+mn-lt"/>
                       </a:endParaRPr>
@@ -14660,15 +14696,15 @@
                         <a:tabLst/>
                         <a:defRPr/>
                       </a:pPr>
-                      <a:endParaRPr lang="en-US" altLang="zh-CN" sz="1200" b="0" kern="1200" dirty="0">
+                      <a:endParaRPr lang="en-US" altLang="zh-CN" sz="1200" b="0" kern="1200" baseline="0" dirty="0">
                         <a:solidFill>
                           <a:schemeClr val="tx1">
                             <a:lumMod val="75000"/>
                             <a:lumOff val="25000"/>
                           </a:schemeClr>
                         </a:solidFill>
-                        <a:latin typeface="+mn-lt"/>
-                        <a:ea typeface="+mn-ea"/>
+                        <a:latin typeface="Bentley Light" panose="020B0404020201020102"/>
+                        <a:ea typeface="黑体" panose="02010609060101010101" pitchFamily="49" charset="-122"/>
                         <a:cs typeface="+mn-ea"/>
                         <a:sym typeface="+mn-lt"/>
                       </a:endParaRPr>
@@ -14736,15 +14772,15 @@
                         <a:tabLst/>
                         <a:defRPr/>
                       </a:pPr>
-                      <a:endParaRPr lang="en-US" altLang="zh-CN" sz="1200" b="0" kern="1200" dirty="0">
+                      <a:endParaRPr lang="en-US" altLang="zh-CN" sz="1200" b="0" kern="1200" baseline="0" dirty="0">
                         <a:solidFill>
                           <a:schemeClr val="tx1">
                             <a:lumMod val="75000"/>
                             <a:lumOff val="25000"/>
                           </a:schemeClr>
                         </a:solidFill>
-                        <a:latin typeface="+mn-lt"/>
-                        <a:ea typeface="+mn-ea"/>
+                        <a:latin typeface="Bentley Light" panose="020B0404020201020102"/>
+                        <a:ea typeface="黑体" panose="02010609060101010101" pitchFamily="49" charset="-122"/>
                         <a:cs typeface="+mn-ea"/>
                         <a:sym typeface="+mn-lt"/>
                       </a:endParaRPr>
@@ -14812,15 +14848,15 @@
                         <a:tabLst/>
                         <a:defRPr/>
                       </a:pPr>
-                      <a:endParaRPr lang="en-US" altLang="zh-CN" sz="1200" b="0" kern="1200" dirty="0">
+                      <a:endParaRPr lang="en-US" altLang="zh-CN" sz="1200" b="0" kern="1200" baseline="0" dirty="0">
                         <a:solidFill>
                           <a:schemeClr val="tx1">
                             <a:lumMod val="75000"/>
                             <a:lumOff val="25000"/>
                           </a:schemeClr>
                         </a:solidFill>
-                        <a:latin typeface="+mn-lt"/>
-                        <a:ea typeface="+mn-ea"/>
+                        <a:latin typeface="Bentley Light" panose="020B0404020201020102"/>
+                        <a:ea typeface="黑体" panose="02010609060101010101" pitchFamily="49" charset="-122"/>
                         <a:cs typeface="+mn-ea"/>
                         <a:sym typeface="+mn-lt"/>
                       </a:endParaRPr>
@@ -14888,15 +14924,15 @@
                         <a:tabLst/>
                         <a:defRPr/>
                       </a:pPr>
-                      <a:endParaRPr lang="en-US" altLang="zh-CN" sz="1200" b="0" kern="1200" dirty="0">
+                      <a:endParaRPr lang="en-US" altLang="zh-CN" sz="1200" b="0" kern="1200" baseline="0" dirty="0">
                         <a:solidFill>
                           <a:schemeClr val="tx1">
                             <a:lumMod val="75000"/>
                             <a:lumOff val="25000"/>
                           </a:schemeClr>
                         </a:solidFill>
-                        <a:latin typeface="+mn-lt"/>
-                        <a:ea typeface="+mn-ea"/>
+                        <a:latin typeface="Bentley Light" panose="020B0404020201020102"/>
+                        <a:ea typeface="黑体" panose="02010609060101010101" pitchFamily="49" charset="-122"/>
                         <a:cs typeface="+mn-ea"/>
                         <a:sym typeface="+mn-lt"/>
                       </a:endParaRPr>
@@ -14942,6 +14978,11 @@
                     <a:noFill/>
                   </a:tcPr>
                 </a:tc>
+                <a:extLst>
+                  <a:ext uri="{0D108BD9-81ED-4DB2-BD59-A6C34878D82A}">
+                    <a16:rowId xmlns:a16="http://schemas.microsoft.com/office/drawing/2014/main" val="10005"/>
+                  </a:ext>
+                </a:extLst>
               </a:tr>
               <a:tr h="485669">
                 <a:tc>
@@ -14966,15 +15007,15 @@
                         <a:tabLst/>
                         <a:defRPr/>
                       </a:pPr>
-                      <a:endParaRPr lang="en-US" sz="1200" b="0" kern="1200" dirty="0" smtClean="0">
+                      <a:endParaRPr lang="en-US" sz="1200" b="0" kern="1200" baseline="0" dirty="0" smtClean="0">
                         <a:solidFill>
                           <a:schemeClr val="tx1">
                             <a:lumMod val="75000"/>
                             <a:lumOff val="25000"/>
                           </a:schemeClr>
                         </a:solidFill>
-                        <a:latin typeface="+mn-lt"/>
-                        <a:ea typeface="+mn-ea"/>
+                        <a:latin typeface="Bentley Light" panose="020B0404020201020102"/>
+                        <a:ea typeface="黑体" panose="02010609060101010101" pitchFamily="49" charset="-122"/>
                         <a:cs typeface="+mn-ea"/>
                         <a:sym typeface="+mn-lt"/>
                       </a:endParaRPr>
@@ -15042,15 +15083,15 @@
                         <a:tabLst/>
                         <a:defRPr/>
                       </a:pPr>
-                      <a:endParaRPr lang="en-US" altLang="zh-CN" sz="1200" b="0" kern="1200" dirty="0">
+                      <a:endParaRPr lang="en-US" altLang="zh-CN" sz="1200" b="0" kern="1200" baseline="0" dirty="0">
                         <a:solidFill>
                           <a:schemeClr val="tx1">
                             <a:lumMod val="75000"/>
                             <a:lumOff val="25000"/>
                           </a:schemeClr>
                         </a:solidFill>
-                        <a:latin typeface="+mn-lt"/>
-                        <a:ea typeface="+mn-ea"/>
+                        <a:latin typeface="Bentley Light" panose="020B0404020201020102"/>
+                        <a:ea typeface="黑体" panose="02010609060101010101" pitchFamily="49" charset="-122"/>
                         <a:cs typeface="+mn-ea"/>
                         <a:sym typeface="+mn-lt"/>
                       </a:endParaRPr>
@@ -15118,15 +15159,15 @@
                         <a:tabLst/>
                         <a:defRPr/>
                       </a:pPr>
-                      <a:endParaRPr lang="en-US" altLang="zh-CN" sz="1200" b="0" kern="1200" dirty="0">
+                      <a:endParaRPr lang="en-US" altLang="zh-CN" sz="1200" b="0" kern="1200" baseline="0" dirty="0">
                         <a:solidFill>
                           <a:schemeClr val="tx1">
                             <a:lumMod val="75000"/>
                             <a:lumOff val="25000"/>
                           </a:schemeClr>
                         </a:solidFill>
-                        <a:latin typeface="+mn-lt"/>
-                        <a:ea typeface="+mn-ea"/>
+                        <a:latin typeface="Bentley Light" panose="020B0404020201020102"/>
+                        <a:ea typeface="黑体" panose="02010609060101010101" pitchFamily="49" charset="-122"/>
                         <a:cs typeface="+mn-ea"/>
                         <a:sym typeface="+mn-lt"/>
                       </a:endParaRPr>
@@ -15194,15 +15235,15 @@
                         <a:tabLst/>
                         <a:defRPr/>
                       </a:pPr>
-                      <a:endParaRPr lang="en-US" altLang="zh-CN" sz="1200" b="0" kern="1200" dirty="0">
+                      <a:endParaRPr lang="en-US" altLang="zh-CN" sz="1200" b="0" kern="1200" baseline="0" dirty="0">
                         <a:solidFill>
                           <a:schemeClr val="tx1">
                             <a:lumMod val="75000"/>
                             <a:lumOff val="25000"/>
                           </a:schemeClr>
                         </a:solidFill>
-                        <a:latin typeface="+mn-lt"/>
-                        <a:ea typeface="+mn-ea"/>
+                        <a:latin typeface="Bentley Light" panose="020B0404020201020102"/>
+                        <a:ea typeface="黑体" panose="02010609060101010101" pitchFamily="49" charset="-122"/>
                         <a:cs typeface="+mn-ea"/>
                         <a:sym typeface="+mn-lt"/>
                       </a:endParaRPr>
@@ -15270,15 +15311,15 @@
                         <a:tabLst/>
                         <a:defRPr/>
                       </a:pPr>
-                      <a:endParaRPr lang="en-US" altLang="zh-CN" sz="1200" b="0" kern="1200" dirty="0">
+                      <a:endParaRPr lang="en-US" altLang="zh-CN" sz="1200" b="0" kern="1200" baseline="0" dirty="0">
                         <a:solidFill>
                           <a:schemeClr val="tx1">
                             <a:lumMod val="75000"/>
                             <a:lumOff val="25000"/>
                           </a:schemeClr>
                         </a:solidFill>
-                        <a:latin typeface="+mn-lt"/>
-                        <a:ea typeface="+mn-ea"/>
+                        <a:latin typeface="Bentley Light" panose="020B0404020201020102"/>
+                        <a:ea typeface="黑体" panose="02010609060101010101" pitchFamily="49" charset="-122"/>
                         <a:cs typeface="+mn-ea"/>
                         <a:sym typeface="+mn-lt"/>
                       </a:endParaRPr>
@@ -15346,15 +15387,15 @@
                         <a:tabLst/>
                         <a:defRPr/>
                       </a:pPr>
-                      <a:endParaRPr lang="en-US" altLang="zh-CN" sz="1200" b="0" kern="1200" dirty="0">
+                      <a:endParaRPr lang="en-US" altLang="zh-CN" sz="1200" b="0" kern="1200" baseline="0" dirty="0">
                         <a:solidFill>
                           <a:schemeClr val="tx1">
                             <a:lumMod val="75000"/>
                             <a:lumOff val="25000"/>
                           </a:schemeClr>
                         </a:solidFill>
-                        <a:latin typeface="+mn-lt"/>
-                        <a:ea typeface="+mn-ea"/>
+                        <a:latin typeface="Bentley Light" panose="020B0404020201020102"/>
+                        <a:ea typeface="黑体" panose="02010609060101010101" pitchFamily="49" charset="-122"/>
                         <a:cs typeface="+mn-ea"/>
                         <a:sym typeface="+mn-lt"/>
                       </a:endParaRPr>
@@ -15422,15 +15463,15 @@
                         <a:tabLst/>
                         <a:defRPr/>
                       </a:pPr>
-                      <a:endParaRPr lang="en-US" altLang="zh-CN" sz="1200" b="0" kern="1200" dirty="0">
+                      <a:endParaRPr lang="en-US" altLang="zh-CN" sz="1200" b="0" kern="1200" baseline="0" dirty="0">
                         <a:solidFill>
                           <a:schemeClr val="tx1">
                             <a:lumMod val="75000"/>
                             <a:lumOff val="25000"/>
                           </a:schemeClr>
                         </a:solidFill>
-                        <a:latin typeface="+mn-lt"/>
-                        <a:ea typeface="+mn-ea"/>
+                        <a:latin typeface="Bentley Light" panose="020B0404020201020102"/>
+                        <a:ea typeface="黑体" panose="02010609060101010101" pitchFamily="49" charset="-122"/>
                         <a:cs typeface="+mn-ea"/>
                         <a:sym typeface="+mn-lt"/>
                       </a:endParaRPr>
@@ -15476,8 +15517,13 @@
                     <a:noFill/>
                   </a:tcPr>
                 </a:tc>
+                <a:extLst>
+                  <a:ext uri="{0D108BD9-81ED-4DB2-BD59-A6C34878D82A}">
+                    <a16:rowId xmlns:a16="http://schemas.microsoft.com/office/drawing/2014/main" val="10006"/>
+                  </a:ext>
+                </a:extLst>
               </a:tr>
-              <a:tr h="445945">
+              <a:tr h="485669">
                 <a:tc>
                   <a:txBody>
                     <a:bodyPr/>
@@ -15500,15 +15546,15 @@
                         <a:tabLst/>
                         <a:defRPr/>
                       </a:pPr>
-                      <a:endParaRPr lang="en-US" sz="1200" b="0" kern="1200" dirty="0" smtClean="0">
+                      <a:endParaRPr lang="en-US" sz="1200" b="0" kern="1200" baseline="0" dirty="0" smtClean="0">
                         <a:solidFill>
                           <a:schemeClr val="tx1">
                             <a:lumMod val="75000"/>
                             <a:lumOff val="25000"/>
                           </a:schemeClr>
                         </a:solidFill>
-                        <a:latin typeface="+mn-lt"/>
-                        <a:ea typeface="+mn-ea"/>
+                        <a:latin typeface="Bentley Light" panose="020B0404020201020102"/>
+                        <a:ea typeface="黑体" panose="02010609060101010101" pitchFamily="49" charset="-122"/>
                         <a:cs typeface="+mn-ea"/>
                         <a:sym typeface="+mn-lt"/>
                       </a:endParaRPr>
@@ -15537,11 +15583,7 @@
                       <a:tailEnd type="none" w="med" len="med"/>
                     </a:lnT>
                     <a:lnB w="3175" cap="flat" cmpd="sng" algn="ctr">
-                      <a:solidFill>
-                        <a:schemeClr val="bg1">
-                          <a:lumMod val="75000"/>
-                        </a:schemeClr>
-                      </a:solidFill>
+                      <a:noFill/>
                       <a:prstDash val="sysDot"/>
                       <a:round/>
                       <a:headEnd type="none" w="med" len="med"/>
@@ -15580,15 +15622,15 @@
                         <a:tabLst/>
                         <a:defRPr/>
                       </a:pPr>
-                      <a:endParaRPr lang="en-US" altLang="zh-CN" sz="1200" b="0" kern="1200" dirty="0">
+                      <a:endParaRPr lang="en-US" altLang="zh-CN" sz="1200" b="0" kern="1200" baseline="0" dirty="0">
                         <a:solidFill>
                           <a:schemeClr val="tx1">
                             <a:lumMod val="75000"/>
                             <a:lumOff val="25000"/>
                           </a:schemeClr>
                         </a:solidFill>
-                        <a:latin typeface="+mn-lt"/>
-                        <a:ea typeface="+mn-ea"/>
+                        <a:latin typeface="Bentley Light" panose="020B0404020201020102"/>
+                        <a:ea typeface="黑体" panose="02010609060101010101" pitchFamily="49" charset="-122"/>
                         <a:cs typeface="+mn-ea"/>
                         <a:sym typeface="+mn-lt"/>
                       </a:endParaRPr>
@@ -15617,11 +15659,7 @@
                       <a:tailEnd type="none" w="med" len="med"/>
                     </a:lnT>
                     <a:lnB w="3175" cap="flat" cmpd="sng" algn="ctr">
-                      <a:solidFill>
-                        <a:schemeClr val="bg1">
-                          <a:lumMod val="75000"/>
-                        </a:schemeClr>
-                      </a:solidFill>
+                      <a:noFill/>
                       <a:prstDash val="sysDot"/>
                       <a:round/>
                       <a:headEnd type="none" w="med" len="med"/>
@@ -15660,15 +15698,15 @@
                         <a:tabLst/>
                         <a:defRPr/>
                       </a:pPr>
-                      <a:endParaRPr lang="en-US" altLang="zh-CN" sz="1200" b="0" kern="1200" dirty="0">
+                      <a:endParaRPr lang="en-US" altLang="zh-CN" sz="1200" b="0" kern="1200" baseline="0" dirty="0">
                         <a:solidFill>
                           <a:schemeClr val="tx1">
                             <a:lumMod val="75000"/>
                             <a:lumOff val="25000"/>
                           </a:schemeClr>
                         </a:solidFill>
-                        <a:latin typeface="+mn-lt"/>
-                        <a:ea typeface="+mn-ea"/>
+                        <a:latin typeface="Bentley Light" panose="020B0404020201020102"/>
+                        <a:ea typeface="黑体" panose="02010609060101010101" pitchFamily="49" charset="-122"/>
                         <a:cs typeface="+mn-ea"/>
                         <a:sym typeface="+mn-lt"/>
                       </a:endParaRPr>
@@ -15697,11 +15735,7 @@
                       <a:tailEnd type="none" w="med" len="med"/>
                     </a:lnT>
                     <a:lnB w="3175" cap="flat" cmpd="sng" algn="ctr">
-                      <a:solidFill>
-                        <a:schemeClr val="bg1">
-                          <a:lumMod val="75000"/>
-                        </a:schemeClr>
-                      </a:solidFill>
+                      <a:noFill/>
                       <a:prstDash val="sysDot"/>
                       <a:round/>
                       <a:headEnd type="none" w="med" len="med"/>
@@ -15740,15 +15774,15 @@
                         <a:tabLst/>
                         <a:defRPr/>
                       </a:pPr>
-                      <a:endParaRPr lang="en-US" altLang="zh-CN" sz="1200" b="0" kern="1200" dirty="0">
+                      <a:endParaRPr lang="en-US" altLang="zh-CN" sz="1200" b="0" kern="1200" baseline="0" dirty="0">
                         <a:solidFill>
                           <a:schemeClr val="tx1">
                             <a:lumMod val="75000"/>
                             <a:lumOff val="25000"/>
                           </a:schemeClr>
                         </a:solidFill>
-                        <a:latin typeface="+mn-lt"/>
-                        <a:ea typeface="+mn-ea"/>
+                        <a:latin typeface="Bentley Light" panose="020B0404020201020102"/>
+                        <a:ea typeface="黑体" panose="02010609060101010101" pitchFamily="49" charset="-122"/>
                         <a:cs typeface="+mn-ea"/>
                         <a:sym typeface="+mn-lt"/>
                       </a:endParaRPr>
@@ -15777,11 +15811,7 @@
                       <a:tailEnd type="none" w="med" len="med"/>
                     </a:lnT>
                     <a:lnB w="3175" cap="flat" cmpd="sng" algn="ctr">
-                      <a:solidFill>
-                        <a:schemeClr val="bg1">
-                          <a:lumMod val="75000"/>
-                        </a:schemeClr>
-                      </a:solidFill>
+                      <a:noFill/>
                       <a:prstDash val="sysDot"/>
                       <a:round/>
                       <a:headEnd type="none" w="med" len="med"/>
@@ -15820,15 +15850,15 @@
                         <a:tabLst/>
                         <a:defRPr/>
                       </a:pPr>
-                      <a:endParaRPr lang="en-US" altLang="zh-CN" sz="1200" b="0" kern="1200" dirty="0">
+                      <a:endParaRPr lang="en-US" altLang="zh-CN" sz="1200" b="0" kern="1200" baseline="0" dirty="0">
                         <a:solidFill>
                           <a:schemeClr val="tx1">
                             <a:lumMod val="75000"/>
                             <a:lumOff val="25000"/>
                           </a:schemeClr>
                         </a:solidFill>
-                        <a:latin typeface="+mn-lt"/>
-                        <a:ea typeface="+mn-ea"/>
+                        <a:latin typeface="Bentley Light" panose="020B0404020201020102"/>
+                        <a:ea typeface="黑体" panose="02010609060101010101" pitchFamily="49" charset="-122"/>
                         <a:cs typeface="+mn-ea"/>
                         <a:sym typeface="+mn-lt"/>
                       </a:endParaRPr>
@@ -15857,11 +15887,7 @@
                       <a:tailEnd type="none" w="med" len="med"/>
                     </a:lnT>
                     <a:lnB w="3175" cap="flat" cmpd="sng" algn="ctr">
-                      <a:solidFill>
-                        <a:schemeClr val="bg1">
-                          <a:lumMod val="75000"/>
-                        </a:schemeClr>
-                      </a:solidFill>
+                      <a:noFill/>
                       <a:prstDash val="sysDot"/>
                       <a:round/>
                       <a:headEnd type="none" w="med" len="med"/>
@@ -15900,15 +15926,15 @@
                         <a:tabLst/>
                         <a:defRPr/>
                       </a:pPr>
-                      <a:endParaRPr lang="en-US" altLang="zh-CN" sz="1200" b="0" kern="1200" dirty="0">
+                      <a:endParaRPr lang="en-US" altLang="zh-CN" sz="1200" b="0" kern="1200" baseline="0" dirty="0">
                         <a:solidFill>
                           <a:schemeClr val="tx1">
                             <a:lumMod val="75000"/>
                             <a:lumOff val="25000"/>
                           </a:schemeClr>
                         </a:solidFill>
-                        <a:latin typeface="+mn-lt"/>
-                        <a:ea typeface="+mn-ea"/>
+                        <a:latin typeface="Bentley Light" panose="020B0404020201020102"/>
+                        <a:ea typeface="黑体" panose="02010609060101010101" pitchFamily="49" charset="-122"/>
                         <a:cs typeface="+mn-ea"/>
                         <a:sym typeface="+mn-lt"/>
                       </a:endParaRPr>
@@ -15937,11 +15963,7 @@
                       <a:tailEnd type="none" w="med" len="med"/>
                     </a:lnT>
                     <a:lnB w="3175" cap="flat" cmpd="sng" algn="ctr">
-                      <a:solidFill>
-                        <a:schemeClr val="bg1">
-                          <a:lumMod val="75000"/>
-                        </a:schemeClr>
-                      </a:solidFill>
+                      <a:noFill/>
                       <a:prstDash val="sysDot"/>
                       <a:round/>
                       <a:headEnd type="none" w="med" len="med"/>
@@ -15980,15 +16002,15 @@
                         <a:tabLst/>
                         <a:defRPr/>
                       </a:pPr>
-                      <a:endParaRPr lang="en-US" altLang="zh-CN" sz="1200" b="0" kern="1200" dirty="0">
+                      <a:endParaRPr lang="en-US" altLang="zh-CN" sz="1200" b="0" kern="1200" baseline="0" dirty="0">
                         <a:solidFill>
                           <a:schemeClr val="tx1">
                             <a:lumMod val="75000"/>
                             <a:lumOff val="25000"/>
                           </a:schemeClr>
                         </a:solidFill>
-                        <a:latin typeface="+mn-lt"/>
-                        <a:ea typeface="+mn-ea"/>
+                        <a:latin typeface="Bentley Light" panose="020B0404020201020102"/>
+                        <a:ea typeface="黑体" panose="02010609060101010101" pitchFamily="49" charset="-122"/>
                         <a:cs typeface="+mn-ea"/>
                         <a:sym typeface="+mn-lt"/>
                       </a:endParaRPr>
@@ -16017,11 +16039,7 @@
                       <a:tailEnd type="none" w="med" len="med"/>
                     </a:lnT>
                     <a:lnB w="3175" cap="flat" cmpd="sng" algn="ctr">
-                      <a:solidFill>
-                        <a:schemeClr val="bg1">
-                          <a:lumMod val="75000"/>
-                        </a:schemeClr>
-                      </a:solidFill>
+                      <a:noFill/>
                       <a:prstDash val="sysDot"/>
                       <a:round/>
                       <a:headEnd type="none" w="med" len="med"/>
@@ -16040,11 +16058,11 @@
                 </a:tc>
                 <a:extLst>
                   <a:ext uri="{0D108BD9-81ED-4DB2-BD59-A6C34878D82A}">
-                    <a16:rowId xmlns="" xmlns:a16="http://schemas.microsoft.com/office/drawing/2014/main" val="10001"/>
+                    <a16:rowId xmlns:a16="http://schemas.microsoft.com/office/drawing/2014/main" val="1513206517"/>
                   </a:ext>
                 </a:extLst>
               </a:tr>
-              <a:tr h="445945">
+              <a:tr h="485669">
                 <a:tc>
                   <a:txBody>
                     <a:bodyPr/>
@@ -16067,15 +16085,15 @@
                         <a:tabLst/>
                         <a:defRPr/>
                       </a:pPr>
-                      <a:endParaRPr lang="zh-CN" altLang="en-US" sz="1200" b="0" kern="1200" dirty="0">
+                      <a:endParaRPr lang="en-US" sz="1200" b="0" kern="1200" baseline="0" dirty="0" smtClean="0">
                         <a:solidFill>
                           <a:schemeClr val="tx1">
                             <a:lumMod val="75000"/>
                             <a:lumOff val="25000"/>
                           </a:schemeClr>
                         </a:solidFill>
-                        <a:latin typeface="+mn-lt"/>
-                        <a:ea typeface="+mn-ea"/>
+                        <a:latin typeface="Bentley Light" panose="020B0404020201020102"/>
+                        <a:ea typeface="黑体" panose="02010609060101010101" pitchFamily="49" charset="-122"/>
                         <a:cs typeface="+mn-ea"/>
                         <a:sym typeface="+mn-lt"/>
                       </a:endParaRPr>
@@ -16096,23 +16114,15 @@
                       <a:headEnd type="none" w="med" len="med"/>
                       <a:tailEnd type="none" w="med" len="med"/>
                     </a:lnR>
-                    <a:lnT w="3175" cap="flat" cmpd="sng" algn="ctr">
-                      <a:solidFill>
-                        <a:schemeClr val="bg1">
-                          <a:lumMod val="75000"/>
-                        </a:schemeClr>
-                      </a:solidFill>
-                      <a:prstDash val="sysDot"/>
+                    <a:lnT w="6350" cap="flat" cmpd="sng" algn="ctr">
+                      <a:noFill/>
+                      <a:prstDash val="solid"/>
                       <a:round/>
                       <a:headEnd type="none" w="med" len="med"/>
                       <a:tailEnd type="none" w="med" len="med"/>
                     </a:lnT>
                     <a:lnB w="3175" cap="flat" cmpd="sng" algn="ctr">
-                      <a:solidFill>
-                        <a:schemeClr val="bg1">
-                          <a:lumMod val="75000"/>
-                        </a:schemeClr>
-                      </a:solidFill>
+                      <a:noFill/>
                       <a:prstDash val="sysDot"/>
                       <a:round/>
                       <a:headEnd type="none" w="med" len="med"/>
@@ -16151,15 +16161,15 @@
                         <a:tabLst/>
                         <a:defRPr/>
                       </a:pPr>
-                      <a:endParaRPr lang="zh-CN" altLang="en-US" sz="1200" b="0" kern="1200" dirty="0">
+                      <a:endParaRPr lang="en-US" altLang="zh-CN" sz="1200" b="0" kern="1200" baseline="0" dirty="0">
                         <a:solidFill>
                           <a:schemeClr val="tx1">
                             <a:lumMod val="75000"/>
                             <a:lumOff val="25000"/>
                           </a:schemeClr>
                         </a:solidFill>
-                        <a:latin typeface="+mn-lt"/>
-                        <a:ea typeface="+mn-ea"/>
+                        <a:latin typeface="Bentley Light" panose="020B0404020201020102"/>
+                        <a:ea typeface="黑体" panose="02010609060101010101" pitchFamily="49" charset="-122"/>
                         <a:cs typeface="+mn-ea"/>
                         <a:sym typeface="+mn-lt"/>
                       </a:endParaRPr>
@@ -16180,23 +16190,15 @@
                       <a:headEnd type="none" w="med" len="med"/>
                       <a:tailEnd type="none" w="med" len="med"/>
                     </a:lnR>
-                    <a:lnT w="3175" cap="flat" cmpd="sng" algn="ctr">
-                      <a:solidFill>
-                        <a:schemeClr val="bg1">
-                          <a:lumMod val="75000"/>
-                        </a:schemeClr>
-                      </a:solidFill>
-                      <a:prstDash val="sysDot"/>
+                    <a:lnT w="6350" cap="flat" cmpd="sng" algn="ctr">
+                      <a:noFill/>
+                      <a:prstDash val="solid"/>
                       <a:round/>
                       <a:headEnd type="none" w="med" len="med"/>
                       <a:tailEnd type="none" w="med" len="med"/>
                     </a:lnT>
                     <a:lnB w="3175" cap="flat" cmpd="sng" algn="ctr">
-                      <a:solidFill>
-                        <a:schemeClr val="bg1">
-                          <a:lumMod val="75000"/>
-                        </a:schemeClr>
-                      </a:solidFill>
+                      <a:noFill/>
                       <a:prstDash val="sysDot"/>
                       <a:round/>
                       <a:headEnd type="none" w="med" len="med"/>
@@ -16235,15 +16237,15 @@
                         <a:tabLst/>
                         <a:defRPr/>
                       </a:pPr>
-                      <a:endParaRPr lang="zh-CN" altLang="en-US" sz="1200" b="0" kern="1200" dirty="0">
+                      <a:endParaRPr lang="en-US" altLang="zh-CN" sz="1200" b="0" kern="1200" baseline="0" dirty="0">
                         <a:solidFill>
                           <a:schemeClr val="tx1">
                             <a:lumMod val="75000"/>
                             <a:lumOff val="25000"/>
                           </a:schemeClr>
                         </a:solidFill>
-                        <a:latin typeface="+mn-lt"/>
-                        <a:ea typeface="+mn-ea"/>
+                        <a:latin typeface="Bentley Light" panose="020B0404020201020102"/>
+                        <a:ea typeface="黑体" panose="02010609060101010101" pitchFamily="49" charset="-122"/>
                         <a:cs typeface="+mn-ea"/>
                         <a:sym typeface="+mn-lt"/>
                       </a:endParaRPr>
@@ -16264,23 +16266,15 @@
                       <a:headEnd type="none" w="med" len="med"/>
                       <a:tailEnd type="none" w="med" len="med"/>
                     </a:lnR>
-                    <a:lnT w="3175" cap="flat" cmpd="sng" algn="ctr">
-                      <a:solidFill>
-                        <a:schemeClr val="bg1">
-                          <a:lumMod val="75000"/>
-                        </a:schemeClr>
-                      </a:solidFill>
-                      <a:prstDash val="sysDot"/>
+                    <a:lnT w="6350" cap="flat" cmpd="sng" algn="ctr">
+                      <a:noFill/>
+                      <a:prstDash val="solid"/>
                       <a:round/>
                       <a:headEnd type="none" w="med" len="med"/>
                       <a:tailEnd type="none" w="med" len="med"/>
                     </a:lnT>
                     <a:lnB w="3175" cap="flat" cmpd="sng" algn="ctr">
-                      <a:solidFill>
-                        <a:schemeClr val="bg1">
-                          <a:lumMod val="75000"/>
-                        </a:schemeClr>
-                      </a:solidFill>
+                      <a:noFill/>
                       <a:prstDash val="sysDot"/>
                       <a:round/>
                       <a:headEnd type="none" w="med" len="med"/>
@@ -16319,15 +16313,15 @@
                         <a:tabLst/>
                         <a:defRPr/>
                       </a:pPr>
-                      <a:endParaRPr lang="zh-CN" altLang="en-US" sz="1200" b="0" kern="1200" dirty="0">
+                      <a:endParaRPr lang="en-US" altLang="zh-CN" sz="1200" b="0" kern="1200" baseline="0" dirty="0">
                         <a:solidFill>
                           <a:schemeClr val="tx1">
                             <a:lumMod val="75000"/>
                             <a:lumOff val="25000"/>
                           </a:schemeClr>
                         </a:solidFill>
-                        <a:latin typeface="+mn-lt"/>
-                        <a:ea typeface="+mn-ea"/>
+                        <a:latin typeface="Bentley Light" panose="020B0404020201020102"/>
+                        <a:ea typeface="黑体" panose="02010609060101010101" pitchFamily="49" charset="-122"/>
                         <a:cs typeface="+mn-ea"/>
                         <a:sym typeface="+mn-lt"/>
                       </a:endParaRPr>
@@ -16348,23 +16342,15 @@
                       <a:headEnd type="none" w="med" len="med"/>
                       <a:tailEnd type="none" w="med" len="med"/>
                     </a:lnR>
-                    <a:lnT w="3175" cap="flat" cmpd="sng" algn="ctr">
-                      <a:solidFill>
-                        <a:schemeClr val="bg1">
-                          <a:lumMod val="75000"/>
-                        </a:schemeClr>
-                      </a:solidFill>
-                      <a:prstDash val="sysDot"/>
+                    <a:lnT w="6350" cap="flat" cmpd="sng" algn="ctr">
+                      <a:noFill/>
+                      <a:prstDash val="solid"/>
                       <a:round/>
                       <a:headEnd type="none" w="med" len="med"/>
                       <a:tailEnd type="none" w="med" len="med"/>
                     </a:lnT>
                     <a:lnB w="3175" cap="flat" cmpd="sng" algn="ctr">
-                      <a:solidFill>
-                        <a:schemeClr val="bg1">
-                          <a:lumMod val="75000"/>
-                        </a:schemeClr>
-                      </a:solidFill>
+                      <a:noFill/>
                       <a:prstDash val="sysDot"/>
                       <a:round/>
                       <a:headEnd type="none" w="med" len="med"/>
@@ -16403,15 +16389,15 @@
                         <a:tabLst/>
                         <a:defRPr/>
                       </a:pPr>
-                      <a:endParaRPr lang="zh-CN" altLang="en-US" sz="1200" b="0" kern="1200" dirty="0">
+                      <a:endParaRPr lang="en-US" altLang="zh-CN" sz="1200" b="0" kern="1200" baseline="0" dirty="0">
                         <a:solidFill>
                           <a:schemeClr val="tx1">
                             <a:lumMod val="75000"/>
                             <a:lumOff val="25000"/>
                           </a:schemeClr>
                         </a:solidFill>
-                        <a:latin typeface="+mn-lt"/>
-                        <a:ea typeface="+mn-ea"/>
+                        <a:latin typeface="Bentley Light" panose="020B0404020201020102"/>
+                        <a:ea typeface="黑体" panose="02010609060101010101" pitchFamily="49" charset="-122"/>
                         <a:cs typeface="+mn-ea"/>
                         <a:sym typeface="+mn-lt"/>
                       </a:endParaRPr>
@@ -16432,23 +16418,15 @@
                       <a:headEnd type="none" w="med" len="med"/>
                       <a:tailEnd type="none" w="med" len="med"/>
                     </a:lnR>
-                    <a:lnT w="3175" cap="flat" cmpd="sng" algn="ctr">
-                      <a:solidFill>
-                        <a:schemeClr val="bg1">
-                          <a:lumMod val="75000"/>
-                        </a:schemeClr>
-                      </a:solidFill>
-                      <a:prstDash val="sysDot"/>
+                    <a:lnT w="6350" cap="flat" cmpd="sng" algn="ctr">
+                      <a:noFill/>
+                      <a:prstDash val="solid"/>
                       <a:round/>
                       <a:headEnd type="none" w="med" len="med"/>
                       <a:tailEnd type="none" w="med" len="med"/>
                     </a:lnT>
                     <a:lnB w="3175" cap="flat" cmpd="sng" algn="ctr">
-                      <a:solidFill>
-                        <a:schemeClr val="bg1">
-                          <a:lumMod val="75000"/>
-                        </a:schemeClr>
-                      </a:solidFill>
+                      <a:noFill/>
                       <a:prstDash val="sysDot"/>
                       <a:round/>
                       <a:headEnd type="none" w="med" len="med"/>
@@ -16487,15 +16465,15 @@
                         <a:tabLst/>
                         <a:defRPr/>
                       </a:pPr>
-                      <a:endParaRPr lang="zh-CN" altLang="en-US" sz="1200" b="0" kern="1200" dirty="0">
+                      <a:endParaRPr lang="en-US" altLang="zh-CN" sz="1200" b="0" kern="1200" baseline="0" dirty="0">
                         <a:solidFill>
                           <a:schemeClr val="tx1">
                             <a:lumMod val="75000"/>
                             <a:lumOff val="25000"/>
                           </a:schemeClr>
                         </a:solidFill>
-                        <a:latin typeface="+mn-lt"/>
-                        <a:ea typeface="+mn-ea"/>
+                        <a:latin typeface="Bentley Light" panose="020B0404020201020102"/>
+                        <a:ea typeface="黑体" panose="02010609060101010101" pitchFamily="49" charset="-122"/>
                         <a:cs typeface="+mn-ea"/>
                         <a:sym typeface="+mn-lt"/>
                       </a:endParaRPr>
@@ -16516,23 +16494,15 @@
                       <a:headEnd type="none" w="med" len="med"/>
                       <a:tailEnd type="none" w="med" len="med"/>
                     </a:lnR>
-                    <a:lnT w="3175" cap="flat" cmpd="sng" algn="ctr">
-                      <a:solidFill>
-                        <a:schemeClr val="bg1">
-                          <a:lumMod val="75000"/>
-                        </a:schemeClr>
-                      </a:solidFill>
-                      <a:prstDash val="sysDot"/>
+                    <a:lnT w="6350" cap="flat" cmpd="sng" algn="ctr">
+                      <a:noFill/>
+                      <a:prstDash val="solid"/>
                       <a:round/>
                       <a:headEnd type="none" w="med" len="med"/>
                       <a:tailEnd type="none" w="med" len="med"/>
                     </a:lnT>
                     <a:lnB w="3175" cap="flat" cmpd="sng" algn="ctr">
-                      <a:solidFill>
-                        <a:schemeClr val="bg1">
-                          <a:lumMod val="75000"/>
-                        </a:schemeClr>
-                      </a:solidFill>
+                      <a:noFill/>
                       <a:prstDash val="sysDot"/>
                       <a:round/>
                       <a:headEnd type="none" w="med" len="med"/>
@@ -16571,15 +16541,15 @@
                         <a:tabLst/>
                         <a:defRPr/>
                       </a:pPr>
-                      <a:endParaRPr lang="zh-CN" altLang="en-US" sz="1200" b="0" kern="1200" dirty="0">
+                      <a:endParaRPr lang="en-US" altLang="zh-CN" sz="1200" b="0" kern="1200" baseline="0" dirty="0">
                         <a:solidFill>
                           <a:schemeClr val="tx1">
                             <a:lumMod val="75000"/>
                             <a:lumOff val="25000"/>
                           </a:schemeClr>
                         </a:solidFill>
-                        <a:latin typeface="+mn-lt"/>
-                        <a:ea typeface="+mn-ea"/>
+                        <a:latin typeface="Bentley Light" panose="020B0404020201020102"/>
+                        <a:ea typeface="黑体" panose="02010609060101010101" pitchFamily="49" charset="-122"/>
                         <a:cs typeface="+mn-ea"/>
                         <a:sym typeface="+mn-lt"/>
                       </a:endParaRPr>
@@ -16600,23 +16570,15 @@
                       <a:headEnd type="none" w="med" len="med"/>
                       <a:tailEnd type="none" w="med" len="med"/>
                     </a:lnR>
-                    <a:lnT w="3175" cap="flat" cmpd="sng" algn="ctr">
-                      <a:solidFill>
-                        <a:schemeClr val="bg1">
-                          <a:lumMod val="75000"/>
-                        </a:schemeClr>
-                      </a:solidFill>
-                      <a:prstDash val="sysDot"/>
+                    <a:lnT w="6350" cap="flat" cmpd="sng" algn="ctr">
+                      <a:noFill/>
+                      <a:prstDash val="solid"/>
                       <a:round/>
                       <a:headEnd type="none" w="med" len="med"/>
                       <a:tailEnd type="none" w="med" len="med"/>
                     </a:lnT>
                     <a:lnB w="3175" cap="flat" cmpd="sng" algn="ctr">
-                      <a:solidFill>
-                        <a:schemeClr val="bg1">
-                          <a:lumMod val="75000"/>
-                        </a:schemeClr>
-                      </a:solidFill>
+                      <a:noFill/>
                       <a:prstDash val="sysDot"/>
                       <a:round/>
                       <a:headEnd type="none" w="med" len="med"/>
@@ -16635,11 +16597,11 @@
                 </a:tc>
                 <a:extLst>
                   <a:ext uri="{0D108BD9-81ED-4DB2-BD59-A6C34878D82A}">
-                    <a16:rowId xmlns="" xmlns:a16="http://schemas.microsoft.com/office/drawing/2014/main" val="10002"/>
+                    <a16:rowId xmlns:a16="http://schemas.microsoft.com/office/drawing/2014/main" val="2698352797"/>
                   </a:ext>
                 </a:extLst>
               </a:tr>
-              <a:tr h="465493">
+              <a:tr h="485669">
                 <a:tc>
                   <a:txBody>
                     <a:bodyPr/>
@@ -16662,15 +16624,15 @@
                         <a:tabLst/>
                         <a:defRPr/>
                       </a:pPr>
-                      <a:endParaRPr lang="zh-CN" altLang="en-US" sz="1200" b="0" kern="1200" dirty="0">
+                      <a:endParaRPr lang="en-US" sz="1200" b="0" kern="1200" baseline="0" dirty="0" smtClean="0">
                         <a:solidFill>
                           <a:schemeClr val="tx1">
                             <a:lumMod val="75000"/>
                             <a:lumOff val="25000"/>
                           </a:schemeClr>
                         </a:solidFill>
-                        <a:latin typeface="+mn-lt"/>
-                        <a:ea typeface="+mn-ea"/>
+                        <a:latin typeface="Bentley Light" panose="020B0404020201020102"/>
+                        <a:ea typeface="黑体" panose="02010609060101010101" pitchFamily="49" charset="-122"/>
                         <a:cs typeface="+mn-ea"/>
                         <a:sym typeface="+mn-lt"/>
                       </a:endParaRPr>
@@ -16691,23 +16653,15 @@
                       <a:headEnd type="none" w="med" len="med"/>
                       <a:tailEnd type="none" w="med" len="med"/>
                     </a:lnR>
-                    <a:lnT w="3175" cap="flat" cmpd="sng" algn="ctr">
-                      <a:solidFill>
-                        <a:schemeClr val="bg1">
-                          <a:lumMod val="75000"/>
-                        </a:schemeClr>
-                      </a:solidFill>
-                      <a:prstDash val="sysDot"/>
+                    <a:lnT w="6350" cap="flat" cmpd="sng" algn="ctr">
+                      <a:noFill/>
+                      <a:prstDash val="solid"/>
                       <a:round/>
                       <a:headEnd type="none" w="med" len="med"/>
                       <a:tailEnd type="none" w="med" len="med"/>
                     </a:lnT>
                     <a:lnB w="3175" cap="flat" cmpd="sng" algn="ctr">
-                      <a:solidFill>
-                        <a:schemeClr val="bg1">
-                          <a:lumMod val="75000"/>
-                        </a:schemeClr>
-                      </a:solidFill>
+                      <a:noFill/>
                       <a:prstDash val="sysDot"/>
                       <a:round/>
                       <a:headEnd type="none" w="med" len="med"/>
@@ -16746,15 +16700,15 @@
                         <a:tabLst/>
                         <a:defRPr/>
                       </a:pPr>
-                      <a:endParaRPr lang="zh-CN" altLang="en-US" sz="1200" b="0" kern="1200" dirty="0">
+                      <a:endParaRPr lang="en-US" altLang="zh-CN" sz="1200" b="0" kern="1200" baseline="0" dirty="0">
                         <a:solidFill>
                           <a:schemeClr val="tx1">
                             <a:lumMod val="75000"/>
                             <a:lumOff val="25000"/>
                           </a:schemeClr>
                         </a:solidFill>
-                        <a:latin typeface="+mn-lt"/>
-                        <a:ea typeface="+mn-ea"/>
+                        <a:latin typeface="Bentley Light" panose="020B0404020201020102"/>
+                        <a:ea typeface="黑体" panose="02010609060101010101" pitchFamily="49" charset="-122"/>
                         <a:cs typeface="+mn-ea"/>
                         <a:sym typeface="+mn-lt"/>
                       </a:endParaRPr>
@@ -16775,23 +16729,15 @@
                       <a:headEnd type="none" w="med" len="med"/>
                       <a:tailEnd type="none" w="med" len="med"/>
                     </a:lnR>
-                    <a:lnT w="3175" cap="flat" cmpd="sng" algn="ctr">
-                      <a:solidFill>
-                        <a:schemeClr val="bg1">
-                          <a:lumMod val="75000"/>
-                        </a:schemeClr>
-                      </a:solidFill>
-                      <a:prstDash val="sysDot"/>
+                    <a:lnT w="6350" cap="flat" cmpd="sng" algn="ctr">
+                      <a:noFill/>
+                      <a:prstDash val="solid"/>
                       <a:round/>
                       <a:headEnd type="none" w="med" len="med"/>
                       <a:tailEnd type="none" w="med" len="med"/>
                     </a:lnT>
                     <a:lnB w="3175" cap="flat" cmpd="sng" algn="ctr">
-                      <a:solidFill>
-                        <a:schemeClr val="bg1">
-                          <a:lumMod val="75000"/>
-                        </a:schemeClr>
-                      </a:solidFill>
+                      <a:noFill/>
                       <a:prstDash val="sysDot"/>
                       <a:round/>
                       <a:headEnd type="none" w="med" len="med"/>
@@ -16830,15 +16776,15 @@
                         <a:tabLst/>
                         <a:defRPr/>
                       </a:pPr>
-                      <a:endParaRPr lang="zh-CN" altLang="en-US" sz="1200" b="0" kern="1200" dirty="0">
+                      <a:endParaRPr lang="en-US" altLang="zh-CN" sz="1200" b="0" kern="1200" baseline="0" dirty="0">
                         <a:solidFill>
                           <a:schemeClr val="tx1">
                             <a:lumMod val="75000"/>
                             <a:lumOff val="25000"/>
                           </a:schemeClr>
                         </a:solidFill>
-                        <a:latin typeface="+mn-lt"/>
-                        <a:ea typeface="+mn-ea"/>
+                        <a:latin typeface="Bentley Light" panose="020B0404020201020102"/>
+                        <a:ea typeface="黑体" panose="02010609060101010101" pitchFamily="49" charset="-122"/>
                         <a:cs typeface="+mn-ea"/>
                         <a:sym typeface="+mn-lt"/>
                       </a:endParaRPr>
@@ -16859,23 +16805,15 @@
                       <a:headEnd type="none" w="med" len="med"/>
                       <a:tailEnd type="none" w="med" len="med"/>
                     </a:lnR>
-                    <a:lnT w="3175" cap="flat" cmpd="sng" algn="ctr">
-                      <a:solidFill>
-                        <a:schemeClr val="bg1">
-                          <a:lumMod val="75000"/>
-                        </a:schemeClr>
-                      </a:solidFill>
-                      <a:prstDash val="sysDot"/>
+                    <a:lnT w="6350" cap="flat" cmpd="sng" algn="ctr">
+                      <a:noFill/>
+                      <a:prstDash val="solid"/>
                       <a:round/>
                       <a:headEnd type="none" w="med" len="med"/>
                       <a:tailEnd type="none" w="med" len="med"/>
                     </a:lnT>
                     <a:lnB w="3175" cap="flat" cmpd="sng" algn="ctr">
-                      <a:solidFill>
-                        <a:schemeClr val="bg1">
-                          <a:lumMod val="75000"/>
-                        </a:schemeClr>
-                      </a:solidFill>
+                      <a:noFill/>
                       <a:prstDash val="sysDot"/>
                       <a:round/>
                       <a:headEnd type="none" w="med" len="med"/>
@@ -16914,15 +16852,15 @@
                         <a:tabLst/>
                         <a:defRPr/>
                       </a:pPr>
-                      <a:endParaRPr lang="zh-CN" altLang="en-US" sz="1200" b="0" kern="1200" dirty="0">
+                      <a:endParaRPr lang="en-US" altLang="zh-CN" sz="1200" b="0" kern="1200" baseline="0" dirty="0">
                         <a:solidFill>
                           <a:schemeClr val="tx1">
                             <a:lumMod val="75000"/>
                             <a:lumOff val="25000"/>
                           </a:schemeClr>
                         </a:solidFill>
-                        <a:latin typeface="+mn-lt"/>
-                        <a:ea typeface="+mn-ea"/>
+                        <a:latin typeface="Bentley Light" panose="020B0404020201020102"/>
+                        <a:ea typeface="黑体" panose="02010609060101010101" pitchFamily="49" charset="-122"/>
                         <a:cs typeface="+mn-ea"/>
                         <a:sym typeface="+mn-lt"/>
                       </a:endParaRPr>
@@ -16943,23 +16881,15 @@
                       <a:headEnd type="none" w="med" len="med"/>
                       <a:tailEnd type="none" w="med" len="med"/>
                     </a:lnR>
-                    <a:lnT w="3175" cap="flat" cmpd="sng" algn="ctr">
-                      <a:solidFill>
-                        <a:schemeClr val="bg1">
-                          <a:lumMod val="75000"/>
-                        </a:schemeClr>
-                      </a:solidFill>
-                      <a:prstDash val="sysDot"/>
+                    <a:lnT w="6350" cap="flat" cmpd="sng" algn="ctr">
+                      <a:noFill/>
+                      <a:prstDash val="solid"/>
                       <a:round/>
                       <a:headEnd type="none" w="med" len="med"/>
                       <a:tailEnd type="none" w="med" len="med"/>
                     </a:lnT>
                     <a:lnB w="3175" cap="flat" cmpd="sng" algn="ctr">
-                      <a:solidFill>
-                        <a:schemeClr val="bg1">
-                          <a:lumMod val="75000"/>
-                        </a:schemeClr>
-                      </a:solidFill>
+                      <a:noFill/>
                       <a:prstDash val="sysDot"/>
                       <a:round/>
                       <a:headEnd type="none" w="med" len="med"/>
@@ -16998,15 +16928,15 @@
                         <a:tabLst/>
                         <a:defRPr/>
                       </a:pPr>
-                      <a:endParaRPr lang="zh-CN" altLang="en-US" sz="1200" b="0" kern="1200" dirty="0">
+                      <a:endParaRPr lang="en-US" altLang="zh-CN" sz="1200" b="0" kern="1200" baseline="0" dirty="0">
                         <a:solidFill>
                           <a:schemeClr val="tx1">
                             <a:lumMod val="75000"/>
                             <a:lumOff val="25000"/>
                           </a:schemeClr>
                         </a:solidFill>
-                        <a:latin typeface="+mn-lt"/>
-                        <a:ea typeface="+mn-ea"/>
+                        <a:latin typeface="Bentley Light" panose="020B0404020201020102"/>
+                        <a:ea typeface="黑体" panose="02010609060101010101" pitchFamily="49" charset="-122"/>
                         <a:cs typeface="+mn-ea"/>
                         <a:sym typeface="+mn-lt"/>
                       </a:endParaRPr>
@@ -17027,23 +16957,15 @@
                       <a:headEnd type="none" w="med" len="med"/>
                       <a:tailEnd type="none" w="med" len="med"/>
                     </a:lnR>
-                    <a:lnT w="3175" cap="flat" cmpd="sng" algn="ctr">
-                      <a:solidFill>
-                        <a:schemeClr val="bg1">
-                          <a:lumMod val="75000"/>
-                        </a:schemeClr>
-                      </a:solidFill>
-                      <a:prstDash val="sysDot"/>
+                    <a:lnT w="6350" cap="flat" cmpd="sng" algn="ctr">
+                      <a:noFill/>
+                      <a:prstDash val="solid"/>
                       <a:round/>
                       <a:headEnd type="none" w="med" len="med"/>
                       <a:tailEnd type="none" w="med" len="med"/>
                     </a:lnT>
                     <a:lnB w="3175" cap="flat" cmpd="sng" algn="ctr">
-                      <a:solidFill>
-                        <a:schemeClr val="bg1">
-                          <a:lumMod val="75000"/>
-                        </a:schemeClr>
-                      </a:solidFill>
+                      <a:noFill/>
                       <a:prstDash val="sysDot"/>
                       <a:round/>
                       <a:headEnd type="none" w="med" len="med"/>
@@ -17082,15 +17004,15 @@
                         <a:tabLst/>
                         <a:defRPr/>
                       </a:pPr>
-                      <a:endParaRPr lang="zh-CN" altLang="en-US" sz="1200" b="0" kern="1200" dirty="0">
+                      <a:endParaRPr lang="en-US" altLang="zh-CN" sz="1200" b="0" kern="1200" baseline="0" dirty="0">
                         <a:solidFill>
                           <a:schemeClr val="tx1">
                             <a:lumMod val="75000"/>
                             <a:lumOff val="25000"/>
                           </a:schemeClr>
                         </a:solidFill>
-                        <a:latin typeface="+mn-lt"/>
-                        <a:ea typeface="+mn-ea"/>
+                        <a:latin typeface="Bentley Light" panose="020B0404020201020102"/>
+                        <a:ea typeface="黑体" panose="02010609060101010101" pitchFamily="49" charset="-122"/>
                         <a:cs typeface="+mn-ea"/>
                         <a:sym typeface="+mn-lt"/>
                       </a:endParaRPr>
@@ -17111,23 +17033,15 @@
                       <a:headEnd type="none" w="med" len="med"/>
                       <a:tailEnd type="none" w="med" len="med"/>
                     </a:lnR>
-                    <a:lnT w="3175" cap="flat" cmpd="sng" algn="ctr">
-                      <a:solidFill>
-                        <a:schemeClr val="bg1">
-                          <a:lumMod val="75000"/>
-                        </a:schemeClr>
-                      </a:solidFill>
-                      <a:prstDash val="sysDot"/>
+                    <a:lnT w="6350" cap="flat" cmpd="sng" algn="ctr">
+                      <a:noFill/>
+                      <a:prstDash val="solid"/>
                       <a:round/>
                       <a:headEnd type="none" w="med" len="med"/>
                       <a:tailEnd type="none" w="med" len="med"/>
                     </a:lnT>
                     <a:lnB w="3175" cap="flat" cmpd="sng" algn="ctr">
-                      <a:solidFill>
-                        <a:schemeClr val="bg1">
-                          <a:lumMod val="75000"/>
-                        </a:schemeClr>
-                      </a:solidFill>
+                      <a:noFill/>
                       <a:prstDash val="sysDot"/>
                       <a:round/>
                       <a:headEnd type="none" w="med" len="med"/>
@@ -17166,15 +17080,15 @@
                         <a:tabLst/>
                         <a:defRPr/>
                       </a:pPr>
-                      <a:endParaRPr lang="zh-CN" altLang="en-US" sz="1200" b="0" kern="1200" dirty="0">
+                      <a:endParaRPr lang="en-US" altLang="zh-CN" sz="1200" b="0" kern="1200" baseline="0" dirty="0">
                         <a:solidFill>
                           <a:schemeClr val="tx1">
                             <a:lumMod val="75000"/>
                             <a:lumOff val="25000"/>
                           </a:schemeClr>
                         </a:solidFill>
-                        <a:latin typeface="+mn-lt"/>
-                        <a:ea typeface="+mn-ea"/>
+                        <a:latin typeface="Bentley Light" panose="020B0404020201020102"/>
+                        <a:ea typeface="黑体" panose="02010609060101010101" pitchFamily="49" charset="-122"/>
                         <a:cs typeface="+mn-ea"/>
                         <a:sym typeface="+mn-lt"/>
                       </a:endParaRPr>
@@ -17195,23 +17109,15 @@
                       <a:headEnd type="none" w="med" len="med"/>
                       <a:tailEnd type="none" w="med" len="med"/>
                     </a:lnR>
-                    <a:lnT w="3175" cap="flat" cmpd="sng" algn="ctr">
-                      <a:solidFill>
-                        <a:schemeClr val="bg1">
-                          <a:lumMod val="75000"/>
-                        </a:schemeClr>
-                      </a:solidFill>
-                      <a:prstDash val="sysDot"/>
+                    <a:lnT w="6350" cap="flat" cmpd="sng" algn="ctr">
+                      <a:noFill/>
+                      <a:prstDash val="solid"/>
                       <a:round/>
                       <a:headEnd type="none" w="med" len="med"/>
                       <a:tailEnd type="none" w="med" len="med"/>
                     </a:lnT>
                     <a:lnB w="3175" cap="flat" cmpd="sng" algn="ctr">
-                      <a:solidFill>
-                        <a:schemeClr val="bg1">
-                          <a:lumMod val="75000"/>
-                        </a:schemeClr>
-                      </a:solidFill>
+                      <a:noFill/>
                       <a:prstDash val="sysDot"/>
                       <a:round/>
                       <a:headEnd type="none" w="med" len="med"/>
@@ -17230,11 +17136,11 @@
                 </a:tc>
                 <a:extLst>
                   <a:ext uri="{0D108BD9-81ED-4DB2-BD59-A6C34878D82A}">
-                    <a16:rowId xmlns="" xmlns:a16="http://schemas.microsoft.com/office/drawing/2014/main" val="10003"/>
+                    <a16:rowId xmlns:a16="http://schemas.microsoft.com/office/drawing/2014/main" val="72467587"/>
                   </a:ext>
                 </a:extLst>
               </a:tr>
-              <a:tr h="465493">
+              <a:tr h="485669">
                 <a:tc>
                   <a:txBody>
                     <a:bodyPr/>
@@ -17257,15 +17163,15 @@
                         <a:tabLst/>
                         <a:defRPr/>
                       </a:pPr>
-                      <a:endParaRPr lang="zh-CN" altLang="en-US" sz="1200" b="0" kern="1200" dirty="0">
+                      <a:endParaRPr lang="en-US" sz="1200" b="0" kern="1200" baseline="0" dirty="0" smtClean="0">
                         <a:solidFill>
                           <a:schemeClr val="tx1">
                             <a:lumMod val="75000"/>
                             <a:lumOff val="25000"/>
                           </a:schemeClr>
                         </a:solidFill>
-                        <a:latin typeface="+mn-lt"/>
-                        <a:ea typeface="+mn-ea"/>
+                        <a:latin typeface="Bentley Light" panose="020B0404020201020102"/>
+                        <a:ea typeface="黑体" panose="02010609060101010101" pitchFamily="49" charset="-122"/>
                         <a:cs typeface="+mn-ea"/>
                         <a:sym typeface="+mn-lt"/>
                       </a:endParaRPr>
@@ -17286,23 +17192,15 @@
                       <a:headEnd type="none" w="med" len="med"/>
                       <a:tailEnd type="none" w="med" len="med"/>
                     </a:lnR>
-                    <a:lnT w="3175" cap="flat" cmpd="sng" algn="ctr">
-                      <a:solidFill>
-                        <a:schemeClr val="bg1">
-                          <a:lumMod val="75000"/>
-                        </a:schemeClr>
-                      </a:solidFill>
-                      <a:prstDash val="sysDot"/>
+                    <a:lnT w="6350" cap="flat" cmpd="sng" algn="ctr">
+                      <a:noFill/>
+                      <a:prstDash val="solid"/>
                       <a:round/>
                       <a:headEnd type="none" w="med" len="med"/>
                       <a:tailEnd type="none" w="med" len="med"/>
                     </a:lnT>
                     <a:lnB w="3175" cap="flat" cmpd="sng" algn="ctr">
-                      <a:solidFill>
-                        <a:schemeClr val="bg1">
-                          <a:lumMod val="75000"/>
-                        </a:schemeClr>
-                      </a:solidFill>
+                      <a:noFill/>
                       <a:prstDash val="sysDot"/>
                       <a:round/>
                       <a:headEnd type="none" w="med" len="med"/>
@@ -17341,15 +17239,15 @@
                         <a:tabLst/>
                         <a:defRPr/>
                       </a:pPr>
-                      <a:endParaRPr lang="zh-CN" altLang="en-US" sz="1200" b="0" kern="1200" dirty="0">
+                      <a:endParaRPr lang="en-US" altLang="zh-CN" sz="1200" b="0" kern="1200" baseline="0" dirty="0">
                         <a:solidFill>
                           <a:schemeClr val="tx1">
                             <a:lumMod val="75000"/>
                             <a:lumOff val="25000"/>
                           </a:schemeClr>
                         </a:solidFill>
-                        <a:latin typeface="+mn-lt"/>
-                        <a:ea typeface="+mn-ea"/>
+                        <a:latin typeface="Bentley Light" panose="020B0404020201020102"/>
+                        <a:ea typeface="黑体" panose="02010609060101010101" pitchFamily="49" charset="-122"/>
                         <a:cs typeface="+mn-ea"/>
                         <a:sym typeface="+mn-lt"/>
                       </a:endParaRPr>
@@ -17370,23 +17268,15 @@
                       <a:headEnd type="none" w="med" len="med"/>
                       <a:tailEnd type="none" w="med" len="med"/>
                     </a:lnR>
-                    <a:lnT w="3175" cap="flat" cmpd="sng" algn="ctr">
-                      <a:solidFill>
-                        <a:schemeClr val="bg1">
-                          <a:lumMod val="75000"/>
-                        </a:schemeClr>
-                      </a:solidFill>
-                      <a:prstDash val="sysDot"/>
+                    <a:lnT w="6350" cap="flat" cmpd="sng" algn="ctr">
+                      <a:noFill/>
+                      <a:prstDash val="solid"/>
                       <a:round/>
                       <a:headEnd type="none" w="med" len="med"/>
                       <a:tailEnd type="none" w="med" len="med"/>
                     </a:lnT>
                     <a:lnB w="3175" cap="flat" cmpd="sng" algn="ctr">
-                      <a:solidFill>
-                        <a:schemeClr val="bg1">
-                          <a:lumMod val="75000"/>
-                        </a:schemeClr>
-                      </a:solidFill>
+                      <a:noFill/>
                       <a:prstDash val="sysDot"/>
                       <a:round/>
                       <a:headEnd type="none" w="med" len="med"/>
@@ -17425,15 +17315,15 @@
                         <a:tabLst/>
                         <a:defRPr/>
                       </a:pPr>
-                      <a:endParaRPr lang="zh-CN" altLang="en-US" sz="1200" b="0" kern="1200" dirty="0">
+                      <a:endParaRPr lang="en-US" altLang="zh-CN" sz="1200" b="0" kern="1200" baseline="0" dirty="0">
                         <a:solidFill>
                           <a:schemeClr val="tx1">
                             <a:lumMod val="75000"/>
                             <a:lumOff val="25000"/>
                           </a:schemeClr>
                         </a:solidFill>
-                        <a:latin typeface="+mn-lt"/>
-                        <a:ea typeface="+mn-ea"/>
+                        <a:latin typeface="Bentley Light" panose="020B0404020201020102"/>
+                        <a:ea typeface="黑体" panose="02010609060101010101" pitchFamily="49" charset="-122"/>
                         <a:cs typeface="+mn-ea"/>
                         <a:sym typeface="+mn-lt"/>
                       </a:endParaRPr>
@@ -17454,23 +17344,15 @@
                       <a:headEnd type="none" w="med" len="med"/>
                       <a:tailEnd type="none" w="med" len="med"/>
                     </a:lnR>
-                    <a:lnT w="3175" cap="flat" cmpd="sng" algn="ctr">
-                      <a:solidFill>
-                        <a:schemeClr val="bg1">
-                          <a:lumMod val="75000"/>
-                        </a:schemeClr>
-                      </a:solidFill>
-                      <a:prstDash val="sysDot"/>
+                    <a:lnT w="6350" cap="flat" cmpd="sng" algn="ctr">
+                      <a:noFill/>
+                      <a:prstDash val="solid"/>
                       <a:round/>
                       <a:headEnd type="none" w="med" len="med"/>
                       <a:tailEnd type="none" w="med" len="med"/>
                     </a:lnT>
                     <a:lnB w="3175" cap="flat" cmpd="sng" algn="ctr">
-                      <a:solidFill>
-                        <a:schemeClr val="bg1">
-                          <a:lumMod val="75000"/>
-                        </a:schemeClr>
-                      </a:solidFill>
+                      <a:noFill/>
                       <a:prstDash val="sysDot"/>
                       <a:round/>
                       <a:headEnd type="none" w="med" len="med"/>
@@ -17509,15 +17391,15 @@
                         <a:tabLst/>
                         <a:defRPr/>
                       </a:pPr>
-                      <a:endParaRPr lang="zh-CN" altLang="en-US" sz="1200" b="0" kern="1200" dirty="0">
+                      <a:endParaRPr lang="en-US" altLang="zh-CN" sz="1200" b="0" kern="1200" baseline="0" dirty="0">
                         <a:solidFill>
                           <a:schemeClr val="tx1">
                             <a:lumMod val="75000"/>
                             <a:lumOff val="25000"/>
                           </a:schemeClr>
                         </a:solidFill>
-                        <a:latin typeface="+mn-lt"/>
-                        <a:ea typeface="+mn-ea"/>
+                        <a:latin typeface="Bentley Light" panose="020B0404020201020102"/>
+                        <a:ea typeface="黑体" panose="02010609060101010101" pitchFamily="49" charset="-122"/>
                         <a:cs typeface="+mn-ea"/>
                         <a:sym typeface="+mn-lt"/>
                       </a:endParaRPr>
@@ -17538,23 +17420,15 @@
                       <a:headEnd type="none" w="med" len="med"/>
                       <a:tailEnd type="none" w="med" len="med"/>
                     </a:lnR>
-                    <a:lnT w="3175" cap="flat" cmpd="sng" algn="ctr">
-                      <a:solidFill>
-                        <a:schemeClr val="bg1">
-                          <a:lumMod val="75000"/>
-                        </a:schemeClr>
-                      </a:solidFill>
-                      <a:prstDash val="sysDot"/>
+                    <a:lnT w="6350" cap="flat" cmpd="sng" algn="ctr">
+                      <a:noFill/>
+                      <a:prstDash val="solid"/>
                       <a:round/>
                       <a:headEnd type="none" w="med" len="med"/>
                       <a:tailEnd type="none" w="med" len="med"/>
                     </a:lnT>
                     <a:lnB w="3175" cap="flat" cmpd="sng" algn="ctr">
-                      <a:solidFill>
-                        <a:schemeClr val="bg1">
-                          <a:lumMod val="75000"/>
-                        </a:schemeClr>
-                      </a:solidFill>
+                      <a:noFill/>
                       <a:prstDash val="sysDot"/>
                       <a:round/>
                       <a:headEnd type="none" w="med" len="med"/>
@@ -17593,15 +17467,15 @@
                         <a:tabLst/>
                         <a:defRPr/>
                       </a:pPr>
-                      <a:endParaRPr lang="zh-CN" altLang="en-US" sz="1200" b="0" kern="1200" dirty="0">
+                      <a:endParaRPr lang="en-US" altLang="zh-CN" sz="1200" b="0" kern="1200" baseline="0" dirty="0">
                         <a:solidFill>
                           <a:schemeClr val="tx1">
                             <a:lumMod val="75000"/>
                             <a:lumOff val="25000"/>
                           </a:schemeClr>
                         </a:solidFill>
-                        <a:latin typeface="+mn-lt"/>
-                        <a:ea typeface="+mn-ea"/>
+                        <a:latin typeface="Bentley Light" panose="020B0404020201020102"/>
+                        <a:ea typeface="黑体" panose="02010609060101010101" pitchFamily="49" charset="-122"/>
                         <a:cs typeface="+mn-ea"/>
                         <a:sym typeface="+mn-lt"/>
                       </a:endParaRPr>
@@ -17622,23 +17496,15 @@
                       <a:headEnd type="none" w="med" len="med"/>
                       <a:tailEnd type="none" w="med" len="med"/>
                     </a:lnR>
-                    <a:lnT w="3175" cap="flat" cmpd="sng" algn="ctr">
-                      <a:solidFill>
-                        <a:schemeClr val="bg1">
-                          <a:lumMod val="75000"/>
-                        </a:schemeClr>
-                      </a:solidFill>
-                      <a:prstDash val="sysDot"/>
+                    <a:lnT w="6350" cap="flat" cmpd="sng" algn="ctr">
+                      <a:noFill/>
+                      <a:prstDash val="solid"/>
                       <a:round/>
                       <a:headEnd type="none" w="med" len="med"/>
                       <a:tailEnd type="none" w="med" len="med"/>
                     </a:lnT>
                     <a:lnB w="3175" cap="flat" cmpd="sng" algn="ctr">
-                      <a:solidFill>
-                        <a:schemeClr val="bg1">
-                          <a:lumMod val="75000"/>
-                        </a:schemeClr>
-                      </a:solidFill>
+                      <a:noFill/>
                       <a:prstDash val="sysDot"/>
                       <a:round/>
                       <a:headEnd type="none" w="med" len="med"/>
@@ -17677,15 +17543,15 @@
                         <a:tabLst/>
                         <a:defRPr/>
                       </a:pPr>
-                      <a:endParaRPr lang="zh-CN" altLang="en-US" sz="1200" b="0" kern="1200" dirty="0">
+                      <a:endParaRPr lang="en-US" altLang="zh-CN" sz="1200" b="0" kern="1200" baseline="0" dirty="0">
                         <a:solidFill>
                           <a:schemeClr val="tx1">
                             <a:lumMod val="75000"/>
                             <a:lumOff val="25000"/>
                           </a:schemeClr>
                         </a:solidFill>
-                        <a:latin typeface="+mn-lt"/>
-                        <a:ea typeface="+mn-ea"/>
+                        <a:latin typeface="Bentley Light" panose="020B0404020201020102"/>
+                        <a:ea typeface="黑体" panose="02010609060101010101" pitchFamily="49" charset="-122"/>
                         <a:cs typeface="+mn-ea"/>
                         <a:sym typeface="+mn-lt"/>
                       </a:endParaRPr>
@@ -17706,23 +17572,15 @@
                       <a:headEnd type="none" w="med" len="med"/>
                       <a:tailEnd type="none" w="med" len="med"/>
                     </a:lnR>
-                    <a:lnT w="3175" cap="flat" cmpd="sng" algn="ctr">
-                      <a:solidFill>
-                        <a:schemeClr val="bg1">
-                          <a:lumMod val="75000"/>
-                        </a:schemeClr>
-                      </a:solidFill>
-                      <a:prstDash val="sysDot"/>
+                    <a:lnT w="6350" cap="flat" cmpd="sng" algn="ctr">
+                      <a:noFill/>
+                      <a:prstDash val="solid"/>
                       <a:round/>
                       <a:headEnd type="none" w="med" len="med"/>
                       <a:tailEnd type="none" w="med" len="med"/>
                     </a:lnT>
                     <a:lnB w="3175" cap="flat" cmpd="sng" algn="ctr">
-                      <a:solidFill>
-                        <a:schemeClr val="bg1">
-                          <a:lumMod val="75000"/>
-                        </a:schemeClr>
-                      </a:solidFill>
+                      <a:noFill/>
                       <a:prstDash val="sysDot"/>
                       <a:round/>
                       <a:headEnd type="none" w="med" len="med"/>
@@ -17761,15 +17619,15 @@
                         <a:tabLst/>
                         <a:defRPr/>
                       </a:pPr>
-                      <a:endParaRPr lang="zh-CN" altLang="en-US" sz="1200" b="0" kern="1200" dirty="0">
+                      <a:endParaRPr lang="en-US" altLang="zh-CN" sz="1200" b="0" kern="1200" baseline="0" dirty="0">
                         <a:solidFill>
                           <a:schemeClr val="tx1">
                             <a:lumMod val="75000"/>
                             <a:lumOff val="25000"/>
                           </a:schemeClr>
                         </a:solidFill>
-                        <a:latin typeface="+mn-lt"/>
-                        <a:ea typeface="+mn-ea"/>
+                        <a:latin typeface="Bentley Light" panose="020B0404020201020102"/>
+                        <a:ea typeface="黑体" panose="02010609060101010101" pitchFamily="49" charset="-122"/>
                         <a:cs typeface="+mn-ea"/>
                         <a:sym typeface="+mn-lt"/>
                       </a:endParaRPr>
@@ -17790,23 +17648,15 @@
                       <a:headEnd type="none" w="med" len="med"/>
                       <a:tailEnd type="none" w="med" len="med"/>
                     </a:lnR>
-                    <a:lnT w="3175" cap="flat" cmpd="sng" algn="ctr">
-                      <a:solidFill>
-                        <a:schemeClr val="bg1">
-                          <a:lumMod val="75000"/>
-                        </a:schemeClr>
-                      </a:solidFill>
-                      <a:prstDash val="sysDot"/>
+                    <a:lnT w="6350" cap="flat" cmpd="sng" algn="ctr">
+                      <a:noFill/>
+                      <a:prstDash val="solid"/>
                       <a:round/>
                       <a:headEnd type="none" w="med" len="med"/>
                       <a:tailEnd type="none" w="med" len="med"/>
                     </a:lnT>
                     <a:lnB w="3175" cap="flat" cmpd="sng" algn="ctr">
-                      <a:solidFill>
-                        <a:schemeClr val="bg1">
-                          <a:lumMod val="75000"/>
-                        </a:schemeClr>
-                      </a:solidFill>
+                      <a:noFill/>
                       <a:prstDash val="sysDot"/>
                       <a:round/>
                       <a:headEnd type="none" w="med" len="med"/>
@@ -17823,8 +17673,13 @@
                     <a:noFill/>
                   </a:tcPr>
                 </a:tc>
+                <a:extLst>
+                  <a:ext uri="{0D108BD9-81ED-4DB2-BD59-A6C34878D82A}">
+                    <a16:rowId xmlns:a16="http://schemas.microsoft.com/office/drawing/2014/main" val="2980040042"/>
+                  </a:ext>
+                </a:extLst>
               </a:tr>
-              <a:tr h="445945">
+              <a:tr h="485669">
                 <a:tc>
                   <a:txBody>
                     <a:bodyPr/>
@@ -17847,15 +17702,15 @@
                         <a:tabLst/>
                         <a:defRPr/>
                       </a:pPr>
-                      <a:endParaRPr lang="zh-CN" altLang="en-US" sz="1200" b="0" kern="1200" dirty="0">
+                      <a:endParaRPr lang="en-US" sz="1200" b="0" kern="1200" baseline="0" dirty="0" smtClean="0">
                         <a:solidFill>
                           <a:schemeClr val="tx1">
                             <a:lumMod val="75000"/>
                             <a:lumOff val="25000"/>
                           </a:schemeClr>
                         </a:solidFill>
-                        <a:latin typeface="+mn-lt"/>
-                        <a:ea typeface="+mn-ea"/>
+                        <a:latin typeface="Bentley Light" panose="020B0404020201020102"/>
+                        <a:ea typeface="黑体" panose="02010609060101010101" pitchFamily="49" charset="-122"/>
                         <a:cs typeface="+mn-ea"/>
                         <a:sym typeface="+mn-lt"/>
                       </a:endParaRPr>
@@ -17876,23 +17731,15 @@
                       <a:headEnd type="none" w="med" len="med"/>
                       <a:tailEnd type="none" w="med" len="med"/>
                     </a:lnR>
-                    <a:lnT w="3175" cap="flat" cmpd="sng" algn="ctr">
-                      <a:solidFill>
-                        <a:schemeClr val="bg1">
-                          <a:lumMod val="75000"/>
-                        </a:schemeClr>
-                      </a:solidFill>
-                      <a:prstDash val="sysDot"/>
+                    <a:lnT w="6350" cap="flat" cmpd="sng" algn="ctr">
+                      <a:noFill/>
+                      <a:prstDash val="solid"/>
                       <a:round/>
                       <a:headEnd type="none" w="med" len="med"/>
                       <a:tailEnd type="none" w="med" len="med"/>
                     </a:lnT>
                     <a:lnB w="3175" cap="flat" cmpd="sng" algn="ctr">
-                      <a:solidFill>
-                        <a:schemeClr val="bg1">
-                          <a:lumMod val="75000"/>
-                        </a:schemeClr>
-                      </a:solidFill>
+                      <a:noFill/>
                       <a:prstDash val="sysDot"/>
                       <a:round/>
                       <a:headEnd type="none" w="med" len="med"/>
@@ -17931,15 +17778,15 @@
                         <a:tabLst/>
                         <a:defRPr/>
                       </a:pPr>
-                      <a:endParaRPr lang="zh-CN" altLang="en-US" sz="1200" b="0" kern="1200" dirty="0">
+                      <a:endParaRPr lang="en-US" altLang="zh-CN" sz="1200" b="0" kern="1200" baseline="0" dirty="0">
                         <a:solidFill>
                           <a:schemeClr val="tx1">
                             <a:lumMod val="75000"/>
                             <a:lumOff val="25000"/>
                           </a:schemeClr>
                         </a:solidFill>
-                        <a:latin typeface="+mn-lt"/>
-                        <a:ea typeface="+mn-ea"/>
+                        <a:latin typeface="Bentley Light" panose="020B0404020201020102"/>
+                        <a:ea typeface="黑体" panose="02010609060101010101" pitchFamily="49" charset="-122"/>
                         <a:cs typeface="+mn-ea"/>
                         <a:sym typeface="+mn-lt"/>
                       </a:endParaRPr>
@@ -17960,23 +17807,15 @@
                       <a:headEnd type="none" w="med" len="med"/>
                       <a:tailEnd type="none" w="med" len="med"/>
                     </a:lnR>
-                    <a:lnT w="3175" cap="flat" cmpd="sng" algn="ctr">
-                      <a:solidFill>
-                        <a:schemeClr val="bg1">
-                          <a:lumMod val="75000"/>
-                        </a:schemeClr>
-                      </a:solidFill>
-                      <a:prstDash val="sysDot"/>
+                    <a:lnT w="6350" cap="flat" cmpd="sng" algn="ctr">
+                      <a:noFill/>
+                      <a:prstDash val="solid"/>
                       <a:round/>
                       <a:headEnd type="none" w="med" len="med"/>
                       <a:tailEnd type="none" w="med" len="med"/>
                     </a:lnT>
                     <a:lnB w="3175" cap="flat" cmpd="sng" algn="ctr">
-                      <a:solidFill>
-                        <a:schemeClr val="bg1">
-                          <a:lumMod val="75000"/>
-                        </a:schemeClr>
-                      </a:solidFill>
+                      <a:noFill/>
                       <a:prstDash val="sysDot"/>
                       <a:round/>
                       <a:headEnd type="none" w="med" len="med"/>
@@ -18015,15 +17854,15 @@
                         <a:tabLst/>
                         <a:defRPr/>
                       </a:pPr>
-                      <a:endParaRPr lang="zh-CN" altLang="en-US" sz="1200" b="0" kern="1200" dirty="0">
+                      <a:endParaRPr lang="en-US" altLang="zh-CN" sz="1200" b="0" kern="1200" baseline="0" dirty="0">
                         <a:solidFill>
                           <a:schemeClr val="tx1">
                             <a:lumMod val="75000"/>
                             <a:lumOff val="25000"/>
                           </a:schemeClr>
                         </a:solidFill>
-                        <a:latin typeface="+mn-lt"/>
-                        <a:ea typeface="+mn-ea"/>
+                        <a:latin typeface="Bentley Light" panose="020B0404020201020102"/>
+                        <a:ea typeface="黑体" panose="02010609060101010101" pitchFamily="49" charset="-122"/>
                         <a:cs typeface="+mn-ea"/>
                         <a:sym typeface="+mn-lt"/>
                       </a:endParaRPr>
@@ -18044,23 +17883,15 @@
                       <a:headEnd type="none" w="med" len="med"/>
                       <a:tailEnd type="none" w="med" len="med"/>
                     </a:lnR>
-                    <a:lnT w="3175" cap="flat" cmpd="sng" algn="ctr">
-                      <a:solidFill>
-                        <a:schemeClr val="bg1">
-                          <a:lumMod val="75000"/>
-                        </a:schemeClr>
-                      </a:solidFill>
-                      <a:prstDash val="sysDot"/>
+                    <a:lnT w="6350" cap="flat" cmpd="sng" algn="ctr">
+                      <a:noFill/>
+                      <a:prstDash val="solid"/>
                       <a:round/>
                       <a:headEnd type="none" w="med" len="med"/>
                       <a:tailEnd type="none" w="med" len="med"/>
                     </a:lnT>
                     <a:lnB w="3175" cap="flat" cmpd="sng" algn="ctr">
-                      <a:solidFill>
-                        <a:schemeClr val="bg1">
-                          <a:lumMod val="75000"/>
-                        </a:schemeClr>
-                      </a:solidFill>
+                      <a:noFill/>
                       <a:prstDash val="sysDot"/>
                       <a:round/>
                       <a:headEnd type="none" w="med" len="med"/>
@@ -18099,15 +17930,15 @@
                         <a:tabLst/>
                         <a:defRPr/>
                       </a:pPr>
-                      <a:endParaRPr lang="zh-CN" altLang="en-US" sz="1200" b="0" kern="1200" dirty="0">
+                      <a:endParaRPr lang="en-US" altLang="zh-CN" sz="1200" b="0" kern="1200" baseline="0" dirty="0">
                         <a:solidFill>
                           <a:schemeClr val="tx1">
                             <a:lumMod val="75000"/>
                             <a:lumOff val="25000"/>
                           </a:schemeClr>
                         </a:solidFill>
-                        <a:latin typeface="+mn-lt"/>
-                        <a:ea typeface="+mn-ea"/>
+                        <a:latin typeface="Bentley Light" panose="020B0404020201020102"/>
+                        <a:ea typeface="黑体" panose="02010609060101010101" pitchFamily="49" charset="-122"/>
                         <a:cs typeface="+mn-ea"/>
                         <a:sym typeface="+mn-lt"/>
                       </a:endParaRPr>
@@ -18128,23 +17959,15 @@
                       <a:headEnd type="none" w="med" len="med"/>
                       <a:tailEnd type="none" w="med" len="med"/>
                     </a:lnR>
-                    <a:lnT w="3175" cap="flat" cmpd="sng" algn="ctr">
-                      <a:solidFill>
-                        <a:schemeClr val="bg1">
-                          <a:lumMod val="75000"/>
-                        </a:schemeClr>
-                      </a:solidFill>
-                      <a:prstDash val="sysDot"/>
+                    <a:lnT w="6350" cap="flat" cmpd="sng" algn="ctr">
+                      <a:noFill/>
+                      <a:prstDash val="solid"/>
                       <a:round/>
                       <a:headEnd type="none" w="med" len="med"/>
                       <a:tailEnd type="none" w="med" len="med"/>
                     </a:lnT>
                     <a:lnB w="3175" cap="flat" cmpd="sng" algn="ctr">
-                      <a:solidFill>
-                        <a:schemeClr val="bg1">
-                          <a:lumMod val="75000"/>
-                        </a:schemeClr>
-                      </a:solidFill>
+                      <a:noFill/>
                       <a:prstDash val="sysDot"/>
                       <a:round/>
                       <a:headEnd type="none" w="med" len="med"/>
@@ -18183,15 +18006,15 @@
                         <a:tabLst/>
                         <a:defRPr/>
                       </a:pPr>
-                      <a:endParaRPr lang="zh-CN" altLang="en-US" sz="1200" b="0" kern="1200" dirty="0">
+                      <a:endParaRPr lang="en-US" altLang="zh-CN" sz="1200" b="0" kern="1200" baseline="0" dirty="0">
                         <a:solidFill>
                           <a:schemeClr val="tx1">
                             <a:lumMod val="75000"/>
                             <a:lumOff val="25000"/>
                           </a:schemeClr>
                         </a:solidFill>
-                        <a:latin typeface="+mn-lt"/>
-                        <a:ea typeface="+mn-ea"/>
+                        <a:latin typeface="Bentley Light" panose="020B0404020201020102"/>
+                        <a:ea typeface="黑体" panose="02010609060101010101" pitchFamily="49" charset="-122"/>
                         <a:cs typeface="+mn-ea"/>
                         <a:sym typeface="+mn-lt"/>
                       </a:endParaRPr>
@@ -18212,23 +18035,15 @@
                       <a:headEnd type="none" w="med" len="med"/>
                       <a:tailEnd type="none" w="med" len="med"/>
                     </a:lnR>
-                    <a:lnT w="3175" cap="flat" cmpd="sng" algn="ctr">
-                      <a:solidFill>
-                        <a:schemeClr val="bg1">
-                          <a:lumMod val="75000"/>
-                        </a:schemeClr>
-                      </a:solidFill>
-                      <a:prstDash val="sysDot"/>
+                    <a:lnT w="6350" cap="flat" cmpd="sng" algn="ctr">
+                      <a:noFill/>
+                      <a:prstDash val="solid"/>
                       <a:round/>
                       <a:headEnd type="none" w="med" len="med"/>
                       <a:tailEnd type="none" w="med" len="med"/>
                     </a:lnT>
                     <a:lnB w="3175" cap="flat" cmpd="sng" algn="ctr">
-                      <a:solidFill>
-                        <a:schemeClr val="bg1">
-                          <a:lumMod val="75000"/>
-                        </a:schemeClr>
-                      </a:solidFill>
+                      <a:noFill/>
                       <a:prstDash val="sysDot"/>
                       <a:round/>
                       <a:headEnd type="none" w="med" len="med"/>
@@ -18267,15 +18082,15 @@
                         <a:tabLst/>
                         <a:defRPr/>
                       </a:pPr>
-                      <a:endParaRPr lang="zh-CN" altLang="en-US" sz="1200" b="0" kern="1200" dirty="0">
+                      <a:endParaRPr lang="en-US" altLang="zh-CN" sz="1200" b="0" kern="1200" baseline="0" dirty="0">
                         <a:solidFill>
                           <a:schemeClr val="tx1">
                             <a:lumMod val="75000"/>
                             <a:lumOff val="25000"/>
                           </a:schemeClr>
                         </a:solidFill>
-                        <a:latin typeface="+mn-lt"/>
-                        <a:ea typeface="+mn-ea"/>
+                        <a:latin typeface="Bentley Light" panose="020B0404020201020102"/>
+                        <a:ea typeface="黑体" panose="02010609060101010101" pitchFamily="49" charset="-122"/>
                         <a:cs typeface="+mn-ea"/>
                         <a:sym typeface="+mn-lt"/>
                       </a:endParaRPr>
@@ -18296,23 +18111,15 @@
                       <a:headEnd type="none" w="med" len="med"/>
                       <a:tailEnd type="none" w="med" len="med"/>
                     </a:lnR>
-                    <a:lnT w="3175" cap="flat" cmpd="sng" algn="ctr">
-                      <a:solidFill>
-                        <a:schemeClr val="bg1">
-                          <a:lumMod val="75000"/>
-                        </a:schemeClr>
-                      </a:solidFill>
-                      <a:prstDash val="sysDot"/>
+                    <a:lnT w="6350" cap="flat" cmpd="sng" algn="ctr">
+                      <a:noFill/>
+                      <a:prstDash val="solid"/>
                       <a:round/>
                       <a:headEnd type="none" w="med" len="med"/>
                       <a:tailEnd type="none" w="med" len="med"/>
                     </a:lnT>
                     <a:lnB w="3175" cap="flat" cmpd="sng" algn="ctr">
-                      <a:solidFill>
-                        <a:schemeClr val="bg1">
-                          <a:lumMod val="75000"/>
-                        </a:schemeClr>
-                      </a:solidFill>
+                      <a:noFill/>
                       <a:prstDash val="sysDot"/>
                       <a:round/>
                       <a:headEnd type="none" w="med" len="med"/>
@@ -18351,15 +18158,15 @@
                         <a:tabLst/>
                         <a:defRPr/>
                       </a:pPr>
-                      <a:endParaRPr lang="zh-CN" altLang="en-US" sz="1200" b="0" kern="1200" dirty="0">
+                      <a:endParaRPr lang="en-US" altLang="zh-CN" sz="1200" b="0" kern="1200" baseline="0" dirty="0">
                         <a:solidFill>
                           <a:schemeClr val="tx1">
                             <a:lumMod val="75000"/>
                             <a:lumOff val="25000"/>
                           </a:schemeClr>
                         </a:solidFill>
-                        <a:latin typeface="+mn-lt"/>
-                        <a:ea typeface="+mn-ea"/>
+                        <a:latin typeface="Bentley Light" panose="020B0404020201020102"/>
+                        <a:ea typeface="黑体" panose="02010609060101010101" pitchFamily="49" charset="-122"/>
                         <a:cs typeface="+mn-ea"/>
                         <a:sym typeface="+mn-lt"/>
                       </a:endParaRPr>
@@ -18380,23 +18187,15 @@
                       <a:headEnd type="none" w="med" len="med"/>
                       <a:tailEnd type="none" w="med" len="med"/>
                     </a:lnR>
-                    <a:lnT w="3175" cap="flat" cmpd="sng" algn="ctr">
-                      <a:solidFill>
-                        <a:schemeClr val="bg1">
-                          <a:lumMod val="75000"/>
-                        </a:schemeClr>
-                      </a:solidFill>
-                      <a:prstDash val="sysDot"/>
+                    <a:lnT w="6350" cap="flat" cmpd="sng" algn="ctr">
+                      <a:noFill/>
+                      <a:prstDash val="solid"/>
                       <a:round/>
                       <a:headEnd type="none" w="med" len="med"/>
                       <a:tailEnd type="none" w="med" len="med"/>
                     </a:lnT>
                     <a:lnB w="3175" cap="flat" cmpd="sng" algn="ctr">
-                      <a:solidFill>
-                        <a:schemeClr val="bg1">
-                          <a:lumMod val="75000"/>
-                        </a:schemeClr>
-                      </a:solidFill>
+                      <a:noFill/>
                       <a:prstDash val="sysDot"/>
                       <a:round/>
                       <a:headEnd type="none" w="med" len="med"/>
@@ -18413,8 +18212,13 @@
                     <a:noFill/>
                   </a:tcPr>
                 </a:tc>
+                <a:extLst>
+                  <a:ext uri="{0D108BD9-81ED-4DB2-BD59-A6C34878D82A}">
+                    <a16:rowId xmlns:a16="http://schemas.microsoft.com/office/drawing/2014/main" val="3864115996"/>
+                  </a:ext>
+                </a:extLst>
               </a:tr>
-              <a:tr h="510575">
+              <a:tr h="485669">
                 <a:tc>
                   <a:txBody>
                     <a:bodyPr/>
@@ -18437,15 +18241,15 @@
                         <a:tabLst/>
                         <a:defRPr/>
                       </a:pPr>
-                      <a:endParaRPr lang="zh-CN" altLang="en-US" sz="1200" b="0" kern="1200" dirty="0">
+                      <a:endParaRPr lang="en-US" sz="1200" b="0" kern="1200" baseline="0" dirty="0" smtClean="0">
                         <a:solidFill>
                           <a:schemeClr val="tx1">
                             <a:lumMod val="75000"/>
                             <a:lumOff val="25000"/>
                           </a:schemeClr>
                         </a:solidFill>
-                        <a:latin typeface="+mn-lt"/>
-                        <a:ea typeface="+mn-ea"/>
+                        <a:latin typeface="Bentley Light" panose="020B0404020201020102"/>
+                        <a:ea typeface="黑体" panose="02010609060101010101" pitchFamily="49" charset="-122"/>
                         <a:cs typeface="+mn-ea"/>
                         <a:sym typeface="+mn-lt"/>
                       </a:endParaRPr>
@@ -18466,23 +18270,15 @@
                       <a:headEnd type="none" w="med" len="med"/>
                       <a:tailEnd type="none" w="med" len="med"/>
                     </a:lnR>
-                    <a:lnT w="3175" cap="flat" cmpd="sng" algn="ctr">
-                      <a:solidFill>
-                        <a:schemeClr val="bg1">
-                          <a:lumMod val="75000"/>
-                        </a:schemeClr>
-                      </a:solidFill>
-                      <a:prstDash val="sysDot"/>
+                    <a:lnT w="6350" cap="flat" cmpd="sng" algn="ctr">
+                      <a:noFill/>
+                      <a:prstDash val="solid"/>
                       <a:round/>
                       <a:headEnd type="none" w="med" len="med"/>
                       <a:tailEnd type="none" w="med" len="med"/>
                     </a:lnT>
                     <a:lnB w="3175" cap="flat" cmpd="sng" algn="ctr">
-                      <a:solidFill>
-                        <a:schemeClr val="bg1">
-                          <a:lumMod val="75000"/>
-                        </a:schemeClr>
-                      </a:solidFill>
+                      <a:noFill/>
                       <a:prstDash val="sysDot"/>
                       <a:round/>
                       <a:headEnd type="none" w="med" len="med"/>
@@ -18521,15 +18317,15 @@
                         <a:tabLst/>
                         <a:defRPr/>
                       </a:pPr>
-                      <a:endParaRPr lang="zh-CN" altLang="en-US" sz="1200" b="0" kern="1200" dirty="0">
+                      <a:endParaRPr lang="en-US" altLang="zh-CN" sz="1200" b="0" kern="1200" baseline="0" dirty="0">
                         <a:solidFill>
                           <a:schemeClr val="tx1">
                             <a:lumMod val="75000"/>
                             <a:lumOff val="25000"/>
                           </a:schemeClr>
                         </a:solidFill>
-                        <a:latin typeface="+mn-lt"/>
-                        <a:ea typeface="+mn-ea"/>
+                        <a:latin typeface="Bentley Light" panose="020B0404020201020102"/>
+                        <a:ea typeface="黑体" panose="02010609060101010101" pitchFamily="49" charset="-122"/>
                         <a:cs typeface="+mn-ea"/>
                         <a:sym typeface="+mn-lt"/>
                       </a:endParaRPr>
@@ -18550,23 +18346,15 @@
                       <a:headEnd type="none" w="med" len="med"/>
                       <a:tailEnd type="none" w="med" len="med"/>
                     </a:lnR>
-                    <a:lnT w="3175" cap="flat" cmpd="sng" algn="ctr">
-                      <a:solidFill>
-                        <a:schemeClr val="bg1">
-                          <a:lumMod val="75000"/>
-                        </a:schemeClr>
-                      </a:solidFill>
-                      <a:prstDash val="sysDot"/>
+                    <a:lnT w="6350" cap="flat" cmpd="sng" algn="ctr">
+                      <a:noFill/>
+                      <a:prstDash val="solid"/>
                       <a:round/>
                       <a:headEnd type="none" w="med" len="med"/>
                       <a:tailEnd type="none" w="med" len="med"/>
                     </a:lnT>
                     <a:lnB w="3175" cap="flat" cmpd="sng" algn="ctr">
-                      <a:solidFill>
-                        <a:schemeClr val="bg1">
-                          <a:lumMod val="75000"/>
-                        </a:schemeClr>
-                      </a:solidFill>
+                      <a:noFill/>
                       <a:prstDash val="sysDot"/>
                       <a:round/>
                       <a:headEnd type="none" w="med" len="med"/>
@@ -18605,15 +18393,15 @@
                         <a:tabLst/>
                         <a:defRPr/>
                       </a:pPr>
-                      <a:endParaRPr lang="zh-CN" altLang="en-US" sz="1200" b="0" kern="1200" dirty="0">
+                      <a:endParaRPr lang="en-US" altLang="zh-CN" sz="1200" b="0" kern="1200" baseline="0" dirty="0">
                         <a:solidFill>
                           <a:schemeClr val="tx1">
                             <a:lumMod val="75000"/>
                             <a:lumOff val="25000"/>
                           </a:schemeClr>
                         </a:solidFill>
-                        <a:latin typeface="+mn-lt"/>
-                        <a:ea typeface="+mn-ea"/>
+                        <a:latin typeface="Bentley Light" panose="020B0404020201020102"/>
+                        <a:ea typeface="黑体" panose="02010609060101010101" pitchFamily="49" charset="-122"/>
                         <a:cs typeface="+mn-ea"/>
                         <a:sym typeface="+mn-lt"/>
                       </a:endParaRPr>
@@ -18634,23 +18422,15 @@
                       <a:headEnd type="none" w="med" len="med"/>
                       <a:tailEnd type="none" w="med" len="med"/>
                     </a:lnR>
-                    <a:lnT w="3175" cap="flat" cmpd="sng" algn="ctr">
-                      <a:solidFill>
-                        <a:schemeClr val="bg1">
-                          <a:lumMod val="75000"/>
-                        </a:schemeClr>
-                      </a:solidFill>
-                      <a:prstDash val="sysDot"/>
+                    <a:lnT w="6350" cap="flat" cmpd="sng" algn="ctr">
+                      <a:noFill/>
+                      <a:prstDash val="solid"/>
                       <a:round/>
                       <a:headEnd type="none" w="med" len="med"/>
                       <a:tailEnd type="none" w="med" len="med"/>
                     </a:lnT>
                     <a:lnB w="3175" cap="flat" cmpd="sng" algn="ctr">
-                      <a:solidFill>
-                        <a:schemeClr val="bg1">
-                          <a:lumMod val="75000"/>
-                        </a:schemeClr>
-                      </a:solidFill>
+                      <a:noFill/>
                       <a:prstDash val="sysDot"/>
                       <a:round/>
                       <a:headEnd type="none" w="med" len="med"/>
@@ -18689,15 +18469,15 @@
                         <a:tabLst/>
                         <a:defRPr/>
                       </a:pPr>
-                      <a:endParaRPr lang="zh-CN" altLang="en-US" sz="1200" b="0" kern="1200" dirty="0">
+                      <a:endParaRPr lang="en-US" altLang="zh-CN" sz="1200" b="0" kern="1200" baseline="0" dirty="0">
                         <a:solidFill>
                           <a:schemeClr val="tx1">
                             <a:lumMod val="75000"/>
                             <a:lumOff val="25000"/>
                           </a:schemeClr>
                         </a:solidFill>
-                        <a:latin typeface="+mn-lt"/>
-                        <a:ea typeface="+mn-ea"/>
+                        <a:latin typeface="Bentley Light" panose="020B0404020201020102"/>
+                        <a:ea typeface="黑体" panose="02010609060101010101" pitchFamily="49" charset="-122"/>
                         <a:cs typeface="+mn-ea"/>
                         <a:sym typeface="+mn-lt"/>
                       </a:endParaRPr>
@@ -18718,23 +18498,15 @@
                       <a:headEnd type="none" w="med" len="med"/>
                       <a:tailEnd type="none" w="med" len="med"/>
                     </a:lnR>
-                    <a:lnT w="3175" cap="flat" cmpd="sng" algn="ctr">
-                      <a:solidFill>
-                        <a:schemeClr val="bg1">
-                          <a:lumMod val="75000"/>
-                        </a:schemeClr>
-                      </a:solidFill>
-                      <a:prstDash val="sysDot"/>
+                    <a:lnT w="6350" cap="flat" cmpd="sng" algn="ctr">
+                      <a:noFill/>
+                      <a:prstDash val="solid"/>
                       <a:round/>
                       <a:headEnd type="none" w="med" len="med"/>
                       <a:tailEnd type="none" w="med" len="med"/>
                     </a:lnT>
                     <a:lnB w="3175" cap="flat" cmpd="sng" algn="ctr">
-                      <a:solidFill>
-                        <a:schemeClr val="bg1">
-                          <a:lumMod val="75000"/>
-                        </a:schemeClr>
-                      </a:solidFill>
+                      <a:noFill/>
                       <a:prstDash val="sysDot"/>
                       <a:round/>
                       <a:headEnd type="none" w="med" len="med"/>
@@ -18773,15 +18545,15 @@
                         <a:tabLst/>
                         <a:defRPr/>
                       </a:pPr>
-                      <a:endParaRPr lang="zh-CN" altLang="en-US" sz="1200" b="0" kern="1200" dirty="0">
+                      <a:endParaRPr lang="en-US" altLang="zh-CN" sz="1200" b="0" kern="1200" baseline="0" dirty="0">
                         <a:solidFill>
                           <a:schemeClr val="tx1">
                             <a:lumMod val="75000"/>
                             <a:lumOff val="25000"/>
                           </a:schemeClr>
                         </a:solidFill>
-                        <a:latin typeface="+mn-lt"/>
-                        <a:ea typeface="+mn-ea"/>
+                        <a:latin typeface="Bentley Light" panose="020B0404020201020102"/>
+                        <a:ea typeface="黑体" panose="02010609060101010101" pitchFamily="49" charset="-122"/>
                         <a:cs typeface="+mn-ea"/>
                         <a:sym typeface="+mn-lt"/>
                       </a:endParaRPr>
@@ -18802,23 +18574,15 @@
                       <a:headEnd type="none" w="med" len="med"/>
                       <a:tailEnd type="none" w="med" len="med"/>
                     </a:lnR>
-                    <a:lnT w="3175" cap="flat" cmpd="sng" algn="ctr">
-                      <a:solidFill>
-                        <a:schemeClr val="bg1">
-                          <a:lumMod val="75000"/>
-                        </a:schemeClr>
-                      </a:solidFill>
-                      <a:prstDash val="sysDot"/>
+                    <a:lnT w="6350" cap="flat" cmpd="sng" algn="ctr">
+                      <a:noFill/>
+                      <a:prstDash val="solid"/>
                       <a:round/>
                       <a:headEnd type="none" w="med" len="med"/>
                       <a:tailEnd type="none" w="med" len="med"/>
                     </a:lnT>
                     <a:lnB w="3175" cap="flat" cmpd="sng" algn="ctr">
-                      <a:solidFill>
-                        <a:schemeClr val="bg1">
-                          <a:lumMod val="75000"/>
-                        </a:schemeClr>
-                      </a:solidFill>
+                      <a:noFill/>
                       <a:prstDash val="sysDot"/>
                       <a:round/>
                       <a:headEnd type="none" w="med" len="med"/>
@@ -18857,15 +18621,15 @@
                         <a:tabLst/>
                         <a:defRPr/>
                       </a:pPr>
-                      <a:endParaRPr lang="zh-CN" altLang="en-US" sz="1200" b="0" kern="1200" dirty="0">
+                      <a:endParaRPr lang="en-US" altLang="zh-CN" sz="1200" b="0" kern="1200" baseline="0" dirty="0">
                         <a:solidFill>
                           <a:schemeClr val="tx1">
                             <a:lumMod val="75000"/>
                             <a:lumOff val="25000"/>
                           </a:schemeClr>
                         </a:solidFill>
-                        <a:latin typeface="+mn-lt"/>
-                        <a:ea typeface="+mn-ea"/>
+                        <a:latin typeface="Bentley Light" panose="020B0404020201020102"/>
+                        <a:ea typeface="黑体" panose="02010609060101010101" pitchFamily="49" charset="-122"/>
                         <a:cs typeface="+mn-ea"/>
                         <a:sym typeface="+mn-lt"/>
                       </a:endParaRPr>
@@ -18886,23 +18650,15 @@
                       <a:headEnd type="none" w="med" len="med"/>
                       <a:tailEnd type="none" w="med" len="med"/>
                     </a:lnR>
-                    <a:lnT w="3175" cap="flat" cmpd="sng" algn="ctr">
-                      <a:solidFill>
-                        <a:schemeClr val="bg1">
-                          <a:lumMod val="75000"/>
-                        </a:schemeClr>
-                      </a:solidFill>
-                      <a:prstDash val="sysDot"/>
+                    <a:lnT w="6350" cap="flat" cmpd="sng" algn="ctr">
+                      <a:noFill/>
+                      <a:prstDash val="solid"/>
                       <a:round/>
                       <a:headEnd type="none" w="med" len="med"/>
                       <a:tailEnd type="none" w="med" len="med"/>
                     </a:lnT>
                     <a:lnB w="3175" cap="flat" cmpd="sng" algn="ctr">
-                      <a:solidFill>
-                        <a:schemeClr val="bg1">
-                          <a:lumMod val="75000"/>
-                        </a:schemeClr>
-                      </a:solidFill>
+                      <a:noFill/>
                       <a:prstDash val="sysDot"/>
                       <a:round/>
                       <a:headEnd type="none" w="med" len="med"/>
@@ -18941,15 +18697,15 @@
                         <a:tabLst/>
                         <a:defRPr/>
                       </a:pPr>
-                      <a:endParaRPr lang="zh-CN" altLang="en-US" sz="1200" b="0" kern="1200" dirty="0">
+                      <a:endParaRPr lang="en-US" altLang="zh-CN" sz="1200" b="0" kern="1200" baseline="0" dirty="0">
                         <a:solidFill>
                           <a:schemeClr val="tx1">
                             <a:lumMod val="75000"/>
                             <a:lumOff val="25000"/>
                           </a:schemeClr>
                         </a:solidFill>
-                        <a:latin typeface="+mn-lt"/>
-                        <a:ea typeface="+mn-ea"/>
+                        <a:latin typeface="Bentley Light" panose="020B0404020201020102"/>
+                        <a:ea typeface="黑体" panose="02010609060101010101" pitchFamily="49" charset="-122"/>
                         <a:cs typeface="+mn-ea"/>
                         <a:sym typeface="+mn-lt"/>
                       </a:endParaRPr>
@@ -18970,23 +18726,15 @@
                       <a:headEnd type="none" w="med" len="med"/>
                       <a:tailEnd type="none" w="med" len="med"/>
                     </a:lnR>
-                    <a:lnT w="3175" cap="flat" cmpd="sng" algn="ctr">
-                      <a:solidFill>
-                        <a:schemeClr val="bg1">
-                          <a:lumMod val="75000"/>
-                        </a:schemeClr>
-                      </a:solidFill>
-                      <a:prstDash val="sysDot"/>
+                    <a:lnT w="6350" cap="flat" cmpd="sng" algn="ctr">
+                      <a:noFill/>
+                      <a:prstDash val="solid"/>
                       <a:round/>
                       <a:headEnd type="none" w="med" len="med"/>
                       <a:tailEnd type="none" w="med" len="med"/>
                     </a:lnT>
                     <a:lnB w="3175" cap="flat" cmpd="sng" algn="ctr">
-                      <a:solidFill>
-                        <a:schemeClr val="bg1">
-                          <a:lumMod val="75000"/>
-                        </a:schemeClr>
-                      </a:solidFill>
+                      <a:noFill/>
                       <a:prstDash val="sysDot"/>
                       <a:round/>
                       <a:headEnd type="none" w="med" len="med"/>
@@ -19005,11 +18753,11 @@
                 </a:tc>
                 <a:extLst>
                   <a:ext uri="{0D108BD9-81ED-4DB2-BD59-A6C34878D82A}">
-                    <a16:rowId xmlns="" xmlns:a16="http://schemas.microsoft.com/office/drawing/2014/main" val="10004"/>
+                    <a16:rowId xmlns:a16="http://schemas.microsoft.com/office/drawing/2014/main" val="3635188493"/>
                   </a:ext>
                 </a:extLst>
               </a:tr>
-              <a:tr h="463755">
+              <a:tr h="485669">
                 <a:tc>
                   <a:txBody>
                     <a:bodyPr/>
@@ -19032,15 +18780,15 @@
                         <a:tabLst/>
                         <a:defRPr/>
                       </a:pPr>
-                      <a:endParaRPr lang="zh-CN" altLang="en-US" sz="1200" b="0" kern="1200" dirty="0">
+                      <a:endParaRPr lang="en-US" sz="1200" b="0" kern="1200" baseline="0" dirty="0" smtClean="0">
                         <a:solidFill>
                           <a:schemeClr val="tx1">
                             <a:lumMod val="75000"/>
                             <a:lumOff val="25000"/>
                           </a:schemeClr>
                         </a:solidFill>
-                        <a:latin typeface="+mn-lt"/>
-                        <a:ea typeface="+mn-ea"/>
+                        <a:latin typeface="Bentley Light" panose="020B0404020201020102"/>
+                        <a:ea typeface="黑体" panose="02010609060101010101" pitchFamily="49" charset="-122"/>
                         <a:cs typeface="+mn-ea"/>
                         <a:sym typeface="+mn-lt"/>
                       </a:endParaRPr>
@@ -19061,23 +18809,15 @@
                       <a:headEnd type="none" w="med" len="med"/>
                       <a:tailEnd type="none" w="med" len="med"/>
                     </a:lnR>
-                    <a:lnT w="3175" cap="flat" cmpd="sng" algn="ctr">
-                      <a:solidFill>
-                        <a:schemeClr val="bg1">
-                          <a:lumMod val="75000"/>
-                        </a:schemeClr>
-                      </a:solidFill>
-                      <a:prstDash val="sysDot"/>
+                    <a:lnT w="6350" cap="flat" cmpd="sng" algn="ctr">
+                      <a:noFill/>
+                      <a:prstDash val="solid"/>
                       <a:round/>
                       <a:headEnd type="none" w="med" len="med"/>
                       <a:tailEnd type="none" w="med" len="med"/>
                     </a:lnT>
                     <a:lnB w="3175" cap="flat" cmpd="sng" algn="ctr">
-                      <a:solidFill>
-                        <a:schemeClr val="bg1">
-                          <a:lumMod val="75000"/>
-                        </a:schemeClr>
-                      </a:solidFill>
+                      <a:noFill/>
                       <a:prstDash val="sysDot"/>
                       <a:round/>
                       <a:headEnd type="none" w="med" len="med"/>
@@ -19116,15 +18856,15 @@
                         <a:tabLst/>
                         <a:defRPr/>
                       </a:pPr>
-                      <a:endParaRPr lang="zh-CN" altLang="en-US" sz="1200" b="0" kern="1200" dirty="0">
+                      <a:endParaRPr lang="en-US" altLang="zh-CN" sz="1200" b="0" kern="1200" baseline="0" dirty="0">
                         <a:solidFill>
                           <a:schemeClr val="tx1">
                             <a:lumMod val="75000"/>
                             <a:lumOff val="25000"/>
                           </a:schemeClr>
                         </a:solidFill>
-                        <a:latin typeface="+mn-lt"/>
-                        <a:ea typeface="+mn-ea"/>
+                        <a:latin typeface="Bentley Light" panose="020B0404020201020102"/>
+                        <a:ea typeface="黑体" panose="02010609060101010101" pitchFamily="49" charset="-122"/>
                         <a:cs typeface="+mn-ea"/>
                         <a:sym typeface="+mn-lt"/>
                       </a:endParaRPr>
@@ -19145,23 +18885,15 @@
                       <a:headEnd type="none" w="med" len="med"/>
                       <a:tailEnd type="none" w="med" len="med"/>
                     </a:lnR>
-                    <a:lnT w="3175" cap="flat" cmpd="sng" algn="ctr">
-                      <a:solidFill>
-                        <a:schemeClr val="bg1">
-                          <a:lumMod val="75000"/>
-                        </a:schemeClr>
-                      </a:solidFill>
-                      <a:prstDash val="sysDot"/>
+                    <a:lnT w="6350" cap="flat" cmpd="sng" algn="ctr">
+                      <a:noFill/>
+                      <a:prstDash val="solid"/>
                       <a:round/>
                       <a:headEnd type="none" w="med" len="med"/>
                       <a:tailEnd type="none" w="med" len="med"/>
                     </a:lnT>
                     <a:lnB w="3175" cap="flat" cmpd="sng" algn="ctr">
-                      <a:solidFill>
-                        <a:schemeClr val="bg1">
-                          <a:lumMod val="75000"/>
-                        </a:schemeClr>
-                      </a:solidFill>
+                      <a:noFill/>
                       <a:prstDash val="sysDot"/>
                       <a:round/>
                       <a:headEnd type="none" w="med" len="med"/>
@@ -19200,15 +18932,15 @@
                         <a:tabLst/>
                         <a:defRPr/>
                       </a:pPr>
-                      <a:endParaRPr lang="zh-CN" altLang="en-US" sz="1200" b="0" kern="1200" dirty="0">
+                      <a:endParaRPr lang="en-US" altLang="zh-CN" sz="1200" b="0" kern="1200" baseline="0" dirty="0">
                         <a:solidFill>
                           <a:schemeClr val="tx1">
                             <a:lumMod val="75000"/>
                             <a:lumOff val="25000"/>
                           </a:schemeClr>
                         </a:solidFill>
-                        <a:latin typeface="+mn-lt"/>
-                        <a:ea typeface="+mn-ea"/>
+                        <a:latin typeface="Bentley Light" panose="020B0404020201020102"/>
+                        <a:ea typeface="黑体" panose="02010609060101010101" pitchFamily="49" charset="-122"/>
                         <a:cs typeface="+mn-ea"/>
                         <a:sym typeface="+mn-lt"/>
                       </a:endParaRPr>
@@ -19229,23 +18961,15 @@
                       <a:headEnd type="none" w="med" len="med"/>
                       <a:tailEnd type="none" w="med" len="med"/>
                     </a:lnR>
-                    <a:lnT w="3175" cap="flat" cmpd="sng" algn="ctr">
-                      <a:solidFill>
-                        <a:schemeClr val="bg1">
-                          <a:lumMod val="75000"/>
-                        </a:schemeClr>
-                      </a:solidFill>
-                      <a:prstDash val="sysDot"/>
+                    <a:lnT w="6350" cap="flat" cmpd="sng" algn="ctr">
+                      <a:noFill/>
+                      <a:prstDash val="solid"/>
                       <a:round/>
                       <a:headEnd type="none" w="med" len="med"/>
                       <a:tailEnd type="none" w="med" len="med"/>
                     </a:lnT>
                     <a:lnB w="3175" cap="flat" cmpd="sng" algn="ctr">
-                      <a:solidFill>
-                        <a:schemeClr val="bg1">
-                          <a:lumMod val="75000"/>
-                        </a:schemeClr>
-                      </a:solidFill>
+                      <a:noFill/>
                       <a:prstDash val="sysDot"/>
                       <a:round/>
                       <a:headEnd type="none" w="med" len="med"/>
@@ -19284,15 +19008,15 @@
                         <a:tabLst/>
                         <a:defRPr/>
                       </a:pPr>
-                      <a:endParaRPr lang="zh-CN" altLang="en-US" sz="1200" b="0" kern="1200" dirty="0">
+                      <a:endParaRPr lang="en-US" altLang="zh-CN" sz="1200" b="0" kern="1200" baseline="0" dirty="0">
                         <a:solidFill>
                           <a:schemeClr val="tx1">
                             <a:lumMod val="75000"/>
                             <a:lumOff val="25000"/>
                           </a:schemeClr>
                         </a:solidFill>
-                        <a:latin typeface="+mn-lt"/>
-                        <a:ea typeface="+mn-ea"/>
+                        <a:latin typeface="Bentley Light" panose="020B0404020201020102"/>
+                        <a:ea typeface="黑体" panose="02010609060101010101" pitchFamily="49" charset="-122"/>
                         <a:cs typeface="+mn-ea"/>
                         <a:sym typeface="+mn-lt"/>
                       </a:endParaRPr>
@@ -19313,23 +19037,15 @@
                       <a:headEnd type="none" w="med" len="med"/>
                       <a:tailEnd type="none" w="med" len="med"/>
                     </a:lnR>
-                    <a:lnT w="3175" cap="flat" cmpd="sng" algn="ctr">
-                      <a:solidFill>
-                        <a:schemeClr val="bg1">
-                          <a:lumMod val="75000"/>
-                        </a:schemeClr>
-                      </a:solidFill>
-                      <a:prstDash val="sysDot"/>
+                    <a:lnT w="6350" cap="flat" cmpd="sng" algn="ctr">
+                      <a:noFill/>
+                      <a:prstDash val="solid"/>
                       <a:round/>
                       <a:headEnd type="none" w="med" len="med"/>
                       <a:tailEnd type="none" w="med" len="med"/>
                     </a:lnT>
                     <a:lnB w="3175" cap="flat" cmpd="sng" algn="ctr">
-                      <a:solidFill>
-                        <a:schemeClr val="bg1">
-                          <a:lumMod val="75000"/>
-                        </a:schemeClr>
-                      </a:solidFill>
+                      <a:noFill/>
                       <a:prstDash val="sysDot"/>
                       <a:round/>
                       <a:headEnd type="none" w="med" len="med"/>
@@ -19368,15 +19084,15 @@
                         <a:tabLst/>
                         <a:defRPr/>
                       </a:pPr>
-                      <a:endParaRPr lang="zh-CN" altLang="en-US" sz="1200" b="0" kern="1200" dirty="0">
+                      <a:endParaRPr lang="en-US" altLang="zh-CN" sz="1200" b="0" kern="1200" baseline="0" dirty="0">
                         <a:solidFill>
                           <a:schemeClr val="tx1">
                             <a:lumMod val="75000"/>
                             <a:lumOff val="25000"/>
                           </a:schemeClr>
                         </a:solidFill>
-                        <a:latin typeface="+mn-lt"/>
-                        <a:ea typeface="+mn-ea"/>
+                        <a:latin typeface="Bentley Light" panose="020B0404020201020102"/>
+                        <a:ea typeface="黑体" panose="02010609060101010101" pitchFamily="49" charset="-122"/>
                         <a:cs typeface="+mn-ea"/>
                         <a:sym typeface="+mn-lt"/>
                       </a:endParaRPr>
@@ -19397,23 +19113,15 @@
                       <a:headEnd type="none" w="med" len="med"/>
                       <a:tailEnd type="none" w="med" len="med"/>
                     </a:lnR>
-                    <a:lnT w="3175" cap="flat" cmpd="sng" algn="ctr">
-                      <a:solidFill>
-                        <a:schemeClr val="bg1">
-                          <a:lumMod val="75000"/>
-                        </a:schemeClr>
-                      </a:solidFill>
-                      <a:prstDash val="sysDot"/>
+                    <a:lnT w="6350" cap="flat" cmpd="sng" algn="ctr">
+                      <a:noFill/>
+                      <a:prstDash val="solid"/>
                       <a:round/>
                       <a:headEnd type="none" w="med" len="med"/>
                       <a:tailEnd type="none" w="med" len="med"/>
                     </a:lnT>
                     <a:lnB w="3175" cap="flat" cmpd="sng" algn="ctr">
-                      <a:solidFill>
-                        <a:schemeClr val="bg1">
-                          <a:lumMod val="75000"/>
-                        </a:schemeClr>
-                      </a:solidFill>
+                      <a:noFill/>
                       <a:prstDash val="sysDot"/>
                       <a:round/>
                       <a:headEnd type="none" w="med" len="med"/>
@@ -19452,15 +19160,15 @@
                         <a:tabLst/>
                         <a:defRPr/>
                       </a:pPr>
-                      <a:endParaRPr lang="zh-CN" altLang="en-US" sz="1200" b="0" kern="1200" dirty="0">
+                      <a:endParaRPr lang="en-US" altLang="zh-CN" sz="1200" b="0" kern="1200" baseline="0" dirty="0">
                         <a:solidFill>
                           <a:schemeClr val="tx1">
                             <a:lumMod val="75000"/>
                             <a:lumOff val="25000"/>
                           </a:schemeClr>
                         </a:solidFill>
-                        <a:latin typeface="+mn-lt"/>
-                        <a:ea typeface="+mn-ea"/>
+                        <a:latin typeface="Bentley Light" panose="020B0404020201020102"/>
+                        <a:ea typeface="黑体" panose="02010609060101010101" pitchFamily="49" charset="-122"/>
                         <a:cs typeface="+mn-ea"/>
                         <a:sym typeface="+mn-lt"/>
                       </a:endParaRPr>
@@ -19481,23 +19189,15 @@
                       <a:headEnd type="none" w="med" len="med"/>
                       <a:tailEnd type="none" w="med" len="med"/>
                     </a:lnR>
-                    <a:lnT w="3175" cap="flat" cmpd="sng" algn="ctr">
-                      <a:solidFill>
-                        <a:schemeClr val="bg1">
-                          <a:lumMod val="75000"/>
-                        </a:schemeClr>
-                      </a:solidFill>
-                      <a:prstDash val="sysDot"/>
+                    <a:lnT w="6350" cap="flat" cmpd="sng" algn="ctr">
+                      <a:noFill/>
+                      <a:prstDash val="solid"/>
                       <a:round/>
                       <a:headEnd type="none" w="med" len="med"/>
                       <a:tailEnd type="none" w="med" len="med"/>
                     </a:lnT>
                     <a:lnB w="3175" cap="flat" cmpd="sng" algn="ctr">
-                      <a:solidFill>
-                        <a:schemeClr val="bg1">
-                          <a:lumMod val="75000"/>
-                        </a:schemeClr>
-                      </a:solidFill>
+                      <a:noFill/>
                       <a:prstDash val="sysDot"/>
                       <a:round/>
                       <a:headEnd type="none" w="med" len="med"/>
@@ -19536,15 +19236,15 @@
                         <a:tabLst/>
                         <a:defRPr/>
                       </a:pPr>
-                      <a:endParaRPr lang="zh-CN" altLang="en-US" sz="1200" b="0" kern="1200" dirty="0">
+                      <a:endParaRPr lang="en-US" altLang="zh-CN" sz="1200" b="0" kern="1200" baseline="0" dirty="0">
                         <a:solidFill>
                           <a:schemeClr val="tx1">
                             <a:lumMod val="75000"/>
                             <a:lumOff val="25000"/>
                           </a:schemeClr>
                         </a:solidFill>
-                        <a:latin typeface="+mn-lt"/>
-                        <a:ea typeface="+mn-ea"/>
+                        <a:latin typeface="Bentley Light" panose="020B0404020201020102"/>
+                        <a:ea typeface="黑体" panose="02010609060101010101" pitchFamily="49" charset="-122"/>
                         <a:cs typeface="+mn-ea"/>
                         <a:sym typeface="+mn-lt"/>
                       </a:endParaRPr>
@@ -19565,23 +19265,15 @@
                       <a:headEnd type="none" w="med" len="med"/>
                       <a:tailEnd type="none" w="med" len="med"/>
                     </a:lnR>
-                    <a:lnT w="3175" cap="flat" cmpd="sng" algn="ctr">
-                      <a:solidFill>
-                        <a:schemeClr val="bg1">
-                          <a:lumMod val="75000"/>
-                        </a:schemeClr>
-                      </a:solidFill>
-                      <a:prstDash val="sysDot"/>
+                    <a:lnT w="6350" cap="flat" cmpd="sng" algn="ctr">
+                      <a:noFill/>
+                      <a:prstDash val="solid"/>
                       <a:round/>
                       <a:headEnd type="none" w="med" len="med"/>
                       <a:tailEnd type="none" w="med" len="med"/>
                     </a:lnT>
                     <a:lnB w="3175" cap="flat" cmpd="sng" algn="ctr">
-                      <a:solidFill>
-                        <a:schemeClr val="bg1">
-                          <a:lumMod val="75000"/>
-                        </a:schemeClr>
-                      </a:solidFill>
+                      <a:noFill/>
                       <a:prstDash val="sysDot"/>
                       <a:round/>
                       <a:headEnd type="none" w="med" len="med"/>
@@ -19598,8 +19290,13 @@
                     <a:noFill/>
                   </a:tcPr>
                 </a:tc>
+                <a:extLst>
+                  <a:ext uri="{0D108BD9-81ED-4DB2-BD59-A6C34878D82A}">
+                    <a16:rowId xmlns:a16="http://schemas.microsoft.com/office/drawing/2014/main" val="461737410"/>
+                  </a:ext>
+                </a:extLst>
               </a:tr>
-              <a:tr h="463755">
+              <a:tr h="0">
                 <a:tc>
                   <a:txBody>
                     <a:bodyPr/>
@@ -19622,15 +19319,15 @@
                         <a:tabLst/>
                         <a:defRPr/>
                       </a:pPr>
-                      <a:endParaRPr lang="zh-CN" altLang="en-US" sz="1200" b="0" kern="1200" dirty="0">
+                      <a:endParaRPr lang="en-US" sz="1200" b="0" kern="1200" baseline="0" dirty="0" smtClean="0">
                         <a:solidFill>
                           <a:schemeClr val="tx1">
                             <a:lumMod val="75000"/>
                             <a:lumOff val="25000"/>
                           </a:schemeClr>
                         </a:solidFill>
-                        <a:latin typeface="+mn-lt"/>
-                        <a:ea typeface="+mn-ea"/>
+                        <a:latin typeface="Bentley Light" panose="020B0404020201020102"/>
+                        <a:ea typeface="黑体" panose="02010609060101010101" pitchFamily="49" charset="-122"/>
                         <a:cs typeface="+mn-ea"/>
                         <a:sym typeface="+mn-lt"/>
                       </a:endParaRPr>
@@ -19651,22 +19348,20 @@
                       <a:headEnd type="none" w="med" len="med"/>
                       <a:tailEnd type="none" w="med" len="med"/>
                     </a:lnR>
-                    <a:lnT w="3175" cap="flat" cmpd="sng" algn="ctr">
+                    <a:lnT w="6350" cap="flat" cmpd="sng" algn="ctr">
+                      <a:noFill/>
+                      <a:prstDash val="solid"/>
+                      <a:round/>
+                      <a:headEnd type="none" w="med" len="med"/>
+                      <a:tailEnd type="none" w="med" len="med"/>
+                    </a:lnT>
+                    <a:lnB w="3175" cap="flat" cmpd="sng" algn="ctr">
                       <a:solidFill>
                         <a:schemeClr val="bg1">
                           <a:lumMod val="75000"/>
                         </a:schemeClr>
                       </a:solidFill>
                       <a:prstDash val="sysDot"/>
-                      <a:round/>
-                      <a:headEnd type="none" w="med" len="med"/>
-                      <a:tailEnd type="none" w="med" len="med"/>
-                    </a:lnT>
-                    <a:lnB w="6350" cap="flat" cmpd="sng" algn="ctr">
-                      <a:solidFill>
-                        <a:srgbClr val="BBBCBC"/>
-                      </a:solidFill>
-                      <a:prstDash val="solid"/>
                       <a:round/>
                       <a:headEnd type="none" w="med" len="med"/>
                       <a:tailEnd type="none" w="med" len="med"/>
@@ -19704,15 +19399,15 @@
                         <a:tabLst/>
                         <a:defRPr/>
                       </a:pPr>
-                      <a:endParaRPr lang="zh-CN" altLang="en-US" sz="1200" b="0" kern="1200" dirty="0">
+                      <a:endParaRPr lang="en-US" altLang="zh-CN" sz="1200" b="0" kern="1200" baseline="0" dirty="0">
                         <a:solidFill>
                           <a:schemeClr val="tx1">
                             <a:lumMod val="75000"/>
                             <a:lumOff val="25000"/>
                           </a:schemeClr>
                         </a:solidFill>
-                        <a:latin typeface="+mn-lt"/>
-                        <a:ea typeface="+mn-ea"/>
+                        <a:latin typeface="Bentley Light" panose="020B0404020201020102"/>
+                        <a:ea typeface="黑体" panose="02010609060101010101" pitchFamily="49" charset="-122"/>
                         <a:cs typeface="+mn-ea"/>
                         <a:sym typeface="+mn-lt"/>
                       </a:endParaRPr>
@@ -19733,22 +19428,20 @@
                       <a:headEnd type="none" w="med" len="med"/>
                       <a:tailEnd type="none" w="med" len="med"/>
                     </a:lnR>
-                    <a:lnT w="3175" cap="flat" cmpd="sng" algn="ctr">
+                    <a:lnT w="6350" cap="flat" cmpd="sng" algn="ctr">
+                      <a:noFill/>
+                      <a:prstDash val="solid"/>
+                      <a:round/>
+                      <a:headEnd type="none" w="med" len="med"/>
+                      <a:tailEnd type="none" w="med" len="med"/>
+                    </a:lnT>
+                    <a:lnB w="3175" cap="flat" cmpd="sng" algn="ctr">
                       <a:solidFill>
                         <a:schemeClr val="bg1">
                           <a:lumMod val="75000"/>
                         </a:schemeClr>
                       </a:solidFill>
                       <a:prstDash val="sysDot"/>
-                      <a:round/>
-                      <a:headEnd type="none" w="med" len="med"/>
-                      <a:tailEnd type="none" w="med" len="med"/>
-                    </a:lnT>
-                    <a:lnB w="6350" cap="flat" cmpd="sng" algn="ctr">
-                      <a:solidFill>
-                        <a:srgbClr val="BBBCBC"/>
-                      </a:solidFill>
-                      <a:prstDash val="solid"/>
                       <a:round/>
                       <a:headEnd type="none" w="med" len="med"/>
                       <a:tailEnd type="none" w="med" len="med"/>
@@ -19786,15 +19479,15 @@
                         <a:tabLst/>
                         <a:defRPr/>
                       </a:pPr>
-                      <a:endParaRPr lang="zh-CN" altLang="en-US" sz="1200" b="0" kern="1200" dirty="0">
+                      <a:endParaRPr lang="en-US" altLang="zh-CN" sz="1200" b="0" kern="1200" baseline="0" dirty="0">
                         <a:solidFill>
                           <a:schemeClr val="tx1">
                             <a:lumMod val="75000"/>
                             <a:lumOff val="25000"/>
                           </a:schemeClr>
                         </a:solidFill>
-                        <a:latin typeface="+mn-lt"/>
-                        <a:ea typeface="+mn-ea"/>
+                        <a:latin typeface="Bentley Light" panose="020B0404020201020102"/>
+                        <a:ea typeface="黑体" panose="02010609060101010101" pitchFamily="49" charset="-122"/>
                         <a:cs typeface="+mn-ea"/>
                         <a:sym typeface="+mn-lt"/>
                       </a:endParaRPr>
@@ -19815,22 +19508,20 @@
                       <a:headEnd type="none" w="med" len="med"/>
                       <a:tailEnd type="none" w="med" len="med"/>
                     </a:lnR>
-                    <a:lnT w="3175" cap="flat" cmpd="sng" algn="ctr">
+                    <a:lnT w="6350" cap="flat" cmpd="sng" algn="ctr">
+                      <a:noFill/>
+                      <a:prstDash val="solid"/>
+                      <a:round/>
+                      <a:headEnd type="none" w="med" len="med"/>
+                      <a:tailEnd type="none" w="med" len="med"/>
+                    </a:lnT>
+                    <a:lnB w="3175" cap="flat" cmpd="sng" algn="ctr">
                       <a:solidFill>
                         <a:schemeClr val="bg1">
                           <a:lumMod val="75000"/>
                         </a:schemeClr>
                       </a:solidFill>
                       <a:prstDash val="sysDot"/>
-                      <a:round/>
-                      <a:headEnd type="none" w="med" len="med"/>
-                      <a:tailEnd type="none" w="med" len="med"/>
-                    </a:lnT>
-                    <a:lnB w="6350" cap="flat" cmpd="sng" algn="ctr">
-                      <a:solidFill>
-                        <a:srgbClr val="BBBCBC"/>
-                      </a:solidFill>
-                      <a:prstDash val="solid"/>
                       <a:round/>
                       <a:headEnd type="none" w="med" len="med"/>
                       <a:tailEnd type="none" w="med" len="med"/>
@@ -19868,15 +19559,15 @@
                         <a:tabLst/>
                         <a:defRPr/>
                       </a:pPr>
-                      <a:endParaRPr lang="zh-CN" altLang="en-US" sz="1200" b="0" kern="1200" dirty="0">
+                      <a:endParaRPr lang="en-US" altLang="zh-CN" sz="1200" b="0" kern="1200" baseline="0" dirty="0">
                         <a:solidFill>
                           <a:schemeClr val="tx1">
                             <a:lumMod val="75000"/>
                             <a:lumOff val="25000"/>
                           </a:schemeClr>
                         </a:solidFill>
-                        <a:latin typeface="+mn-lt"/>
-                        <a:ea typeface="+mn-ea"/>
+                        <a:latin typeface="Bentley Light" panose="020B0404020201020102"/>
+                        <a:ea typeface="黑体" panose="02010609060101010101" pitchFamily="49" charset="-122"/>
                         <a:cs typeface="+mn-ea"/>
                         <a:sym typeface="+mn-lt"/>
                       </a:endParaRPr>
@@ -19897,22 +19588,20 @@
                       <a:headEnd type="none" w="med" len="med"/>
                       <a:tailEnd type="none" w="med" len="med"/>
                     </a:lnR>
-                    <a:lnT w="3175" cap="flat" cmpd="sng" algn="ctr">
+                    <a:lnT w="6350" cap="flat" cmpd="sng" algn="ctr">
+                      <a:noFill/>
+                      <a:prstDash val="solid"/>
+                      <a:round/>
+                      <a:headEnd type="none" w="med" len="med"/>
+                      <a:tailEnd type="none" w="med" len="med"/>
+                    </a:lnT>
+                    <a:lnB w="3175" cap="flat" cmpd="sng" algn="ctr">
                       <a:solidFill>
                         <a:schemeClr val="bg1">
                           <a:lumMod val="75000"/>
                         </a:schemeClr>
                       </a:solidFill>
                       <a:prstDash val="sysDot"/>
-                      <a:round/>
-                      <a:headEnd type="none" w="med" len="med"/>
-                      <a:tailEnd type="none" w="med" len="med"/>
-                    </a:lnT>
-                    <a:lnB w="6350" cap="flat" cmpd="sng" algn="ctr">
-                      <a:solidFill>
-                        <a:srgbClr val="BBBCBC"/>
-                      </a:solidFill>
-                      <a:prstDash val="solid"/>
                       <a:round/>
                       <a:headEnd type="none" w="med" len="med"/>
                       <a:tailEnd type="none" w="med" len="med"/>
@@ -19950,15 +19639,15 @@
                         <a:tabLst/>
                         <a:defRPr/>
                       </a:pPr>
-                      <a:endParaRPr lang="zh-CN" altLang="en-US" sz="1200" b="0" kern="1200" dirty="0">
+                      <a:endParaRPr lang="en-US" altLang="zh-CN" sz="1200" b="0" kern="1200" baseline="0" dirty="0">
                         <a:solidFill>
                           <a:schemeClr val="tx1">
                             <a:lumMod val="75000"/>
                             <a:lumOff val="25000"/>
                           </a:schemeClr>
                         </a:solidFill>
-                        <a:latin typeface="+mn-lt"/>
-                        <a:ea typeface="+mn-ea"/>
+                        <a:latin typeface="Bentley Light" panose="020B0404020201020102"/>
+                        <a:ea typeface="黑体" panose="02010609060101010101" pitchFamily="49" charset="-122"/>
                         <a:cs typeface="+mn-ea"/>
                         <a:sym typeface="+mn-lt"/>
                       </a:endParaRPr>
@@ -19979,22 +19668,20 @@
                       <a:headEnd type="none" w="med" len="med"/>
                       <a:tailEnd type="none" w="med" len="med"/>
                     </a:lnR>
-                    <a:lnT w="3175" cap="flat" cmpd="sng" algn="ctr">
+                    <a:lnT w="6350" cap="flat" cmpd="sng" algn="ctr">
+                      <a:noFill/>
+                      <a:prstDash val="solid"/>
+                      <a:round/>
+                      <a:headEnd type="none" w="med" len="med"/>
+                      <a:tailEnd type="none" w="med" len="med"/>
+                    </a:lnT>
+                    <a:lnB w="3175" cap="flat" cmpd="sng" algn="ctr">
                       <a:solidFill>
                         <a:schemeClr val="bg1">
                           <a:lumMod val="75000"/>
                         </a:schemeClr>
                       </a:solidFill>
                       <a:prstDash val="sysDot"/>
-                      <a:round/>
-                      <a:headEnd type="none" w="med" len="med"/>
-                      <a:tailEnd type="none" w="med" len="med"/>
-                    </a:lnT>
-                    <a:lnB w="6350" cap="flat" cmpd="sng" algn="ctr">
-                      <a:solidFill>
-                        <a:srgbClr val="BBBCBC"/>
-                      </a:solidFill>
-                      <a:prstDash val="solid"/>
                       <a:round/>
                       <a:headEnd type="none" w="med" len="med"/>
                       <a:tailEnd type="none" w="med" len="med"/>
@@ -20032,15 +19719,15 @@
                         <a:tabLst/>
                         <a:defRPr/>
                       </a:pPr>
-                      <a:endParaRPr lang="zh-CN" altLang="en-US" sz="1200" b="0" kern="1200" dirty="0">
+                      <a:endParaRPr lang="en-US" altLang="zh-CN" sz="1200" b="0" kern="1200" baseline="0" dirty="0">
                         <a:solidFill>
                           <a:schemeClr val="tx1">
                             <a:lumMod val="75000"/>
                             <a:lumOff val="25000"/>
                           </a:schemeClr>
                         </a:solidFill>
-                        <a:latin typeface="+mn-lt"/>
-                        <a:ea typeface="+mn-ea"/>
+                        <a:latin typeface="Bentley Light" panose="020B0404020201020102"/>
+                        <a:ea typeface="黑体" panose="02010609060101010101" pitchFamily="49" charset="-122"/>
                         <a:cs typeface="+mn-ea"/>
                         <a:sym typeface="+mn-lt"/>
                       </a:endParaRPr>
@@ -20061,22 +19748,20 @@
                       <a:headEnd type="none" w="med" len="med"/>
                       <a:tailEnd type="none" w="med" len="med"/>
                     </a:lnR>
-                    <a:lnT w="3175" cap="flat" cmpd="sng" algn="ctr">
+                    <a:lnT w="6350" cap="flat" cmpd="sng" algn="ctr">
+                      <a:noFill/>
+                      <a:prstDash val="solid"/>
+                      <a:round/>
+                      <a:headEnd type="none" w="med" len="med"/>
+                      <a:tailEnd type="none" w="med" len="med"/>
+                    </a:lnT>
+                    <a:lnB w="3175" cap="flat" cmpd="sng" algn="ctr">
                       <a:solidFill>
                         <a:schemeClr val="bg1">
                           <a:lumMod val="75000"/>
                         </a:schemeClr>
                       </a:solidFill>
                       <a:prstDash val="sysDot"/>
-                      <a:round/>
-                      <a:headEnd type="none" w="med" len="med"/>
-                      <a:tailEnd type="none" w="med" len="med"/>
-                    </a:lnT>
-                    <a:lnB w="6350" cap="flat" cmpd="sng" algn="ctr">
-                      <a:solidFill>
-                        <a:srgbClr val="BBBCBC"/>
-                      </a:solidFill>
-                      <a:prstDash val="solid"/>
                       <a:round/>
                       <a:headEnd type="none" w="med" len="med"/>
                       <a:tailEnd type="none" w="med" len="med"/>
@@ -20114,15 +19799,15 @@
                         <a:tabLst/>
                         <a:defRPr/>
                       </a:pPr>
-                      <a:endParaRPr lang="zh-CN" altLang="en-US" sz="1200" b="0" kern="1200" dirty="0">
+                      <a:endParaRPr lang="en-US" altLang="zh-CN" sz="1200" b="0" kern="1200" baseline="0" dirty="0">
                         <a:solidFill>
                           <a:schemeClr val="tx1">
                             <a:lumMod val="75000"/>
                             <a:lumOff val="25000"/>
                           </a:schemeClr>
                         </a:solidFill>
-                        <a:latin typeface="+mn-lt"/>
-                        <a:ea typeface="+mn-ea"/>
+                        <a:latin typeface="Bentley Light" panose="020B0404020201020102"/>
+                        <a:ea typeface="黑体" panose="02010609060101010101" pitchFamily="49" charset="-122"/>
                         <a:cs typeface="+mn-ea"/>
                         <a:sym typeface="+mn-lt"/>
                       </a:endParaRPr>
@@ -20143,7 +19828,14 @@
                       <a:headEnd type="none" w="med" len="med"/>
                       <a:tailEnd type="none" w="med" len="med"/>
                     </a:lnR>
-                    <a:lnT w="3175" cap="flat" cmpd="sng" algn="ctr">
+                    <a:lnT w="6350" cap="flat" cmpd="sng" algn="ctr">
+                      <a:noFill/>
+                      <a:prstDash val="solid"/>
+                      <a:round/>
+                      <a:headEnd type="none" w="med" len="med"/>
+                      <a:tailEnd type="none" w="med" len="med"/>
+                    </a:lnT>
+                    <a:lnB w="3175" cap="flat" cmpd="sng" algn="ctr">
                       <a:solidFill>
                         <a:schemeClr val="bg1">
                           <a:lumMod val="75000"/>
@@ -20153,15 +19845,6 @@
                       <a:round/>
                       <a:headEnd type="none" w="med" len="med"/>
                       <a:tailEnd type="none" w="med" len="med"/>
-                    </a:lnT>
-                    <a:lnB w="6350" cap="flat" cmpd="sng" algn="ctr">
-                      <a:solidFill>
-                        <a:srgbClr val="BBBCBC"/>
-                      </a:solidFill>
-                      <a:prstDash val="solid"/>
-                      <a:round/>
-                      <a:headEnd type="none" w="med" len="med"/>
-                      <a:tailEnd type="none" w="med" len="med"/>
                     </a:lnB>
                     <a:lnTlToBr w="12700" cmpd="sng">
                       <a:noFill/>
@@ -20174,6 +19857,11 @@
                     <a:noFill/>
                   </a:tcPr>
                 </a:tc>
+                <a:extLst>
+                  <a:ext uri="{0D108BD9-81ED-4DB2-BD59-A6C34878D82A}">
+                    <a16:rowId xmlns:a16="http://schemas.microsoft.com/office/drawing/2014/main" val="10001"/>
+                  </a:ext>
+                </a:extLst>
               </a:tr>
             </a:tbl>
           </a:graphicData>
@@ -20273,76 +19961,6 @@
                   <a:spcPct val="0"/>
                 </a:spcAft>
               </a:pPr>
-              <a:r>
-                <a:rPr lang="zh-CN" altLang="en-US" dirty="0" smtClean="0">
-                  <a:cs typeface="+mn-ea"/>
-                  <a:sym typeface="+mn-lt"/>
-                </a:rPr>
-                <a:t>投放</a:t>
-              </a:r>
-              <a:r>
-                <a:rPr lang="zh-CN" altLang="en-US" sz="2400" b="1" u="sng" dirty="0">
-                  <a:cs typeface="+mn-ea"/>
-                  <a:sym typeface="+mn-lt"/>
-                </a:rPr>
-                <a:t>开始日期</a:t>
-              </a:r>
-              <a:r>
-                <a:rPr lang="zh-CN" altLang="en-US" dirty="0">
-                  <a:cs typeface="+mn-ea"/>
-                  <a:sym typeface="+mn-lt"/>
-                </a:rPr>
-                <a:t>截</a:t>
-              </a:r>
-              <a:r>
-                <a:rPr lang="zh-CN" altLang="en-US" dirty="0" smtClean="0">
-                  <a:cs typeface="+mn-ea"/>
-                  <a:sym typeface="+mn-lt"/>
-                </a:rPr>
-                <a:t>图</a:t>
-              </a:r>
-              <a:endParaRPr lang="en-US" altLang="zh-CN" dirty="0" smtClean="0">
-                <a:cs typeface="+mn-ea"/>
-                <a:sym typeface="+mn-lt"/>
-              </a:endParaRPr>
-            </a:p>
-            <a:p>
-              <a:pPr algn="ctr" defTabSz="813898" fontAlgn="base">
-                <a:spcBef>
-                  <a:spcPct val="0"/>
-                </a:spcBef>
-                <a:spcAft>
-                  <a:spcPct val="0"/>
-                </a:spcAft>
-              </a:pPr>
-              <a:r>
-                <a:rPr lang="zh-CN" altLang="en-US" dirty="0" smtClean="0">
-                  <a:cs typeface="+mn-ea"/>
-                  <a:sym typeface="+mn-lt"/>
-                </a:rPr>
-                <a:t>（户外广告请提供与当日报纸合影；</a:t>
-              </a:r>
-              <a:endParaRPr lang="en-US" altLang="zh-CN" dirty="0" smtClean="0">
-                <a:cs typeface="+mn-ea"/>
-                <a:sym typeface="+mn-lt"/>
-              </a:endParaRPr>
-            </a:p>
-            <a:p>
-              <a:pPr algn="ctr" defTabSz="813898" fontAlgn="base">
-                <a:spcBef>
-                  <a:spcPct val="0"/>
-                </a:spcBef>
-                <a:spcAft>
-                  <a:spcPct val="0"/>
-                </a:spcAft>
-              </a:pPr>
-              <a:r>
-                <a:rPr lang="zh-CN" altLang="en-US" dirty="0" smtClean="0">
-                  <a:cs typeface="+mn-ea"/>
-                  <a:sym typeface="+mn-lt"/>
-                </a:rPr>
-                <a:t>百度关键词及线上线索获取提供任意一日网页截屏）</a:t>
-              </a:r>
               <a:endParaRPr lang="zh-CN" altLang="en-US" dirty="0">
                 <a:cs typeface="+mn-ea"/>
                 <a:sym typeface="+mn-lt"/>
@@ -20393,76 +20011,6 @@
                   <a:spcPct val="0"/>
                 </a:spcAft>
               </a:pPr>
-              <a:r>
-                <a:rPr lang="zh-CN" altLang="en-US" dirty="0">
-                  <a:cs typeface="+mn-ea"/>
-                  <a:sym typeface="+mn-lt"/>
-                </a:rPr>
-                <a:t>投放</a:t>
-              </a:r>
-              <a:r>
-                <a:rPr lang="zh-CN" altLang="en-US" sz="2400" b="1" u="sng" dirty="0">
-                  <a:cs typeface="+mn-ea"/>
-                  <a:sym typeface="+mn-lt"/>
-                </a:rPr>
-                <a:t>结束日期</a:t>
-              </a:r>
-              <a:r>
-                <a:rPr lang="zh-CN" altLang="en-US" dirty="0">
-                  <a:cs typeface="+mn-ea"/>
-                  <a:sym typeface="+mn-lt"/>
-                </a:rPr>
-                <a:t>截</a:t>
-              </a:r>
-              <a:r>
-                <a:rPr lang="zh-CN" altLang="en-US" dirty="0" smtClean="0">
-                  <a:cs typeface="+mn-ea"/>
-                  <a:sym typeface="+mn-lt"/>
-                </a:rPr>
-                <a:t>图</a:t>
-              </a:r>
-              <a:endParaRPr lang="en-US" altLang="zh-CN" dirty="0" smtClean="0">
-                <a:cs typeface="+mn-ea"/>
-                <a:sym typeface="+mn-lt"/>
-              </a:endParaRPr>
-            </a:p>
-            <a:p>
-              <a:pPr algn="ctr" defTabSz="813898" fontAlgn="base">
-                <a:spcBef>
-                  <a:spcPct val="0"/>
-                </a:spcBef>
-                <a:spcAft>
-                  <a:spcPct val="0"/>
-                </a:spcAft>
-              </a:pPr>
-              <a:r>
-                <a:rPr lang="zh-CN" altLang="en-US" dirty="0">
-                  <a:cs typeface="+mn-ea"/>
-                  <a:sym typeface="+mn-lt"/>
-                </a:rPr>
-                <a:t>（户外广告请提供与当日报纸合影；</a:t>
-              </a:r>
-              <a:endParaRPr lang="en-US" altLang="zh-CN" dirty="0">
-                <a:cs typeface="+mn-ea"/>
-                <a:sym typeface="+mn-lt"/>
-              </a:endParaRPr>
-            </a:p>
-            <a:p>
-              <a:pPr algn="ctr" defTabSz="813898" fontAlgn="base">
-                <a:spcBef>
-                  <a:spcPct val="0"/>
-                </a:spcBef>
-                <a:spcAft>
-                  <a:spcPct val="0"/>
-                </a:spcAft>
-              </a:pPr>
-              <a:r>
-                <a:rPr lang="zh-CN" altLang="en-US" dirty="0">
-                  <a:cs typeface="+mn-ea"/>
-                  <a:sym typeface="+mn-lt"/>
-                </a:rPr>
-                <a:t>百度关键词及线上线索获取提供任意一日网页截屏</a:t>
-              </a:r>
               <a:r>
                 <a:rPr lang="zh-CN" altLang="en-US" dirty="0" smtClean="0">
                   <a:cs typeface="+mn-ea"/>
@@ -21583,28 +21131,6 @@
           </a:bodyPr>
           <a:lstStyle/>
           <a:p>
-            <a:r>
-              <a:rPr lang="zh-CN" altLang="en-US" sz="1600">
-                <a:solidFill>
-                  <a:schemeClr val="tx1">
-                    <a:lumMod val="50000"/>
-                    <a:lumOff val="50000"/>
-                  </a:schemeClr>
-                </a:solidFill>
-              </a:rPr>
-              <a:t>* </a:t>
-            </a:r>
-            <a:r>
-              <a:rPr lang="en-US" altLang="zh-CN" sz="1600">
-                <a:solidFill>
-                  <a:schemeClr val="tx1">
-                    <a:lumMod val="50000"/>
-                    <a:lumOff val="50000"/>
-                  </a:schemeClr>
-                </a:solidFill>
-              </a:rPr>
-              <a:t>If the invoice cannot be provided temporarily due to special cause, please explain accordingly.</a:t>
-            </a:r>
             <a:endParaRPr lang="en-US" sz="1600" dirty="0">
               <a:solidFill>
                 <a:schemeClr val="tx1">
@@ -21972,7 +21498,7 @@
   <a:extraClrSchemeLst/>
   <a:extLst>
     <a:ext uri="{05A4C25C-085E-4340-85A3-A5531E510DB2}">
-      <thm15:themeFamily xmlns="" xmlns:thm15="http://schemas.microsoft.com/office/thememl/2012/main" name="Bentley template 2021.potx" id="{C9F80F40-B2B1-4DB6-919B-71F3AAFFE5B0}" vid="{F9D38CA0-4F02-4029-A6BC-9642EF690A5C}"/>
+      <thm15:themeFamily xmlns:thm15="http://schemas.microsoft.com/office/thememl/2012/main" name="Bentley template 2021.potx" id="{C9F80F40-B2B1-4DB6-919B-71F3AAFFE5B0}" vid="{F9D38CA0-4F02-4029-A6BC-9642EF690A5C}"/>
     </a:ext>
   </a:extLst>
 </a:theme>
@@ -22206,7 +21732,7 @@
   <a:extraClrSchemeLst/>
   <a:extLst>
     <a:ext uri="{05A4C25C-085E-4340-85A3-A5531E510DB2}">
-      <thm15:themeFamily xmlns="" xmlns:thm15="http://schemas.microsoft.com/office/thememl/2012/main" name="Bentley template 2021.potx" id="{C9F80F40-B2B1-4DB6-919B-71F3AAFFE5B0}" vid="{F9D38CA0-4F02-4029-A6BC-9642EF690A5C}"/>
+      <thm15:themeFamily xmlns:thm15="http://schemas.microsoft.com/office/thememl/2012/main" name="Bentley template 2021.potx" id="{C9F80F40-B2B1-4DB6-919B-71F3AAFFE5B0}" vid="{F9D38CA0-4F02-4029-A6BC-9642EF690A5C}"/>
     </a:ext>
   </a:extLst>
 </a:theme>
@@ -22467,7 +21993,7 @@
   <a:extraClrSchemeLst/>
   <a:extLst>
     <a:ext uri="{05A4C25C-085E-4340-85A3-A5531E510DB2}">
-      <thm15:themeFamily xmlns="" xmlns:thm15="http://schemas.microsoft.com/office/thememl/2012/main" name="Office Theme" id="{62F939B6-93AF-4DB8-9C6B-D6C7DFDC589F}" vid="{4A3C46E8-61CC-4603-A589-7422A47A8E4A}"/>
+      <thm15:themeFamily xmlns:thm15="http://schemas.microsoft.com/office/thememl/2012/main" name="Office Theme" id="{62F939B6-93AF-4DB8-9C6B-D6C7DFDC589F}" vid="{4A3C46E8-61CC-4603-A589-7422A47A8E4A}"/>
     </a:ext>
   </a:extLst>
 </a:theme>

--- a/com.yrtech.bentleyAPI/com.yrtech.InventoryAPI/template/ReportOnLine.pptx
+++ b/com.yrtech.bentleyAPI/com.yrtech.InventoryAPI/template/ReportOnLine.pptx
@@ -216,7 +216,7 @@
           <a:p>
             <a:fld id="{69A4D669-94F9-4D70-8C76-4C2D35D4E5D0}" type="datetimeFigureOut">
               <a:rPr lang="en-US" smtClean="0"/>
-              <a:t>4/26/2022</a:t>
+              <a:t>5/5/2022</a:t>
             </a:fld>
             <a:endParaRPr lang="en-US"/>
           </a:p>
@@ -954,7 +954,7 @@
           <a:graphicData uri="http://schemas.openxmlformats.org/presentationml/2006/ole">
             <mc:AlternateContent xmlns:mc="http://schemas.openxmlformats.org/markup-compatibility/2006">
               <mc:Choice xmlns:v="urn:schemas-microsoft-com:vml" Requires="v">
-                <p:oleObj spid="_x0000_s32810" name="think-cell Slide" r:id="rId5" imgW="216" imgH="216" progId="TCLayout.ActiveDocument.1">
+                <p:oleObj spid="_x0000_s32811" name="think-cell Slide" r:id="rId5" imgW="216" imgH="216" progId="TCLayout.ActiveDocument.1">
                   <p:embed/>
                 </p:oleObj>
               </mc:Choice>
@@ -1712,7 +1712,7 @@
           <a:graphicData uri="http://schemas.openxmlformats.org/presentationml/2006/ole">
             <mc:AlternateContent xmlns:mc="http://schemas.openxmlformats.org/markup-compatibility/2006">
               <mc:Choice xmlns:v="urn:schemas-microsoft-com:vml" Requires="v">
-                <p:oleObj spid="_x0000_s33834" name="think-cell Slide" r:id="rId4" imgW="216" imgH="216" progId="TCLayout.ActiveDocument.1">
+                <p:oleObj spid="_x0000_s33835" name="think-cell Slide" r:id="rId4" imgW="216" imgH="216" progId="TCLayout.ActiveDocument.1">
                   <p:embed/>
                 </p:oleObj>
               </mc:Choice>
@@ -2449,7 +2449,7 @@
           <a:graphicData uri="http://schemas.openxmlformats.org/presentationml/2006/ole">
             <mc:AlternateContent xmlns:mc="http://schemas.openxmlformats.org/markup-compatibility/2006">
               <mc:Choice xmlns:v="urn:schemas-microsoft-com:vml" Requires="v">
-                <p:oleObj spid="_x0000_s34858" name="think-cell Slide" r:id="rId4" imgW="216" imgH="216" progId="TCLayout.ActiveDocument.1">
+                <p:oleObj spid="_x0000_s34859" name="think-cell Slide" r:id="rId4" imgW="216" imgH="216" progId="TCLayout.ActiveDocument.1">
                   <p:embed/>
                 </p:oleObj>
               </mc:Choice>
@@ -3497,7 +3497,7 @@
           <a:graphicData uri="http://schemas.openxmlformats.org/presentationml/2006/ole">
             <mc:AlternateContent xmlns:mc="http://schemas.openxmlformats.org/markup-compatibility/2006">
               <mc:Choice xmlns:v="urn:schemas-microsoft-com:vml" Requires="v">
-                <p:oleObj spid="_x0000_s35882" name="think-cell Slide" r:id="rId5" imgW="216" imgH="216" progId="TCLayout.ActiveDocument.1">
+                <p:oleObj spid="_x0000_s35883" name="think-cell Slide" r:id="rId5" imgW="216" imgH="216" progId="TCLayout.ActiveDocument.1">
                   <p:embed/>
                 </p:oleObj>
               </mc:Choice>
@@ -4289,7 +4289,7 @@
           <a:graphicData uri="http://schemas.openxmlformats.org/presentationml/2006/ole">
             <mc:AlternateContent xmlns:mc="http://schemas.openxmlformats.org/markup-compatibility/2006">
               <mc:Choice xmlns:v="urn:schemas-microsoft-com:vml" Requires="v">
-                <p:oleObj spid="_x0000_s37930" name="think-cell Slide" r:id="rId5" imgW="216" imgH="216" progId="TCLayout.ActiveDocument.1">
+                <p:oleObj spid="_x0000_s37931" name="think-cell Slide" r:id="rId5" imgW="216" imgH="216" progId="TCLayout.ActiveDocument.1">
                   <p:embed/>
                 </p:oleObj>
               </mc:Choice>
@@ -4766,7 +4766,7 @@
           <a:graphicData uri="http://schemas.openxmlformats.org/presentationml/2006/ole">
             <mc:AlternateContent xmlns:mc="http://schemas.openxmlformats.org/markup-compatibility/2006">
               <mc:Choice xmlns:v="urn:schemas-microsoft-com:vml" Requires="v">
-                <p:oleObj spid="_x0000_s38954" name="think-cell Slide" r:id="rId4" imgW="216" imgH="216" progId="TCLayout.ActiveDocument.1">
+                <p:oleObj spid="_x0000_s38955" name="think-cell Slide" r:id="rId4" imgW="216" imgH="216" progId="TCLayout.ActiveDocument.1">
                   <p:embed/>
                 </p:oleObj>
               </mc:Choice>
@@ -5503,7 +5503,7 @@
           <a:graphicData uri="http://schemas.openxmlformats.org/presentationml/2006/ole">
             <mc:AlternateContent xmlns:mc="http://schemas.openxmlformats.org/markup-compatibility/2006">
               <mc:Choice xmlns:v="urn:schemas-microsoft-com:vml" Requires="v">
-                <p:oleObj spid="_x0000_s39978" name="think-cell Slide" r:id="rId4" imgW="216" imgH="216" progId="TCLayout.ActiveDocument.1">
+                <p:oleObj spid="_x0000_s39979" name="think-cell Slide" r:id="rId4" imgW="216" imgH="216" progId="TCLayout.ActiveDocument.1">
                   <p:embed/>
                 </p:oleObj>
               </mc:Choice>
@@ -6551,7 +6551,7 @@
           <a:graphicData uri="http://schemas.openxmlformats.org/presentationml/2006/ole">
             <mc:AlternateContent xmlns:mc="http://schemas.openxmlformats.org/markup-compatibility/2006">
               <mc:Choice xmlns:v="urn:schemas-microsoft-com:vml" Requires="v">
-                <p:oleObj spid="_x0000_s41002" name="think-cell Slide" r:id="rId5" imgW="216" imgH="216" progId="TCLayout.ActiveDocument.1">
+                <p:oleObj spid="_x0000_s41003" name="think-cell Slide" r:id="rId5" imgW="216" imgH="216" progId="TCLayout.ActiveDocument.1">
                   <p:embed/>
                 </p:oleObj>
               </mc:Choice>
@@ -7071,7 +7071,7 @@
           <a:graphicData uri="http://schemas.openxmlformats.org/presentationml/2006/ole">
             <mc:AlternateContent xmlns:mc="http://schemas.openxmlformats.org/markup-compatibility/2006">
               <mc:Choice xmlns:v="urn:schemas-microsoft-com:vml" Requires="v">
-                <p:oleObj spid="_x0000_s31786" name="think-cell Slide" r:id="rId10" imgW="216" imgH="216" progId="TCLayout.ActiveDocument.1">
+                <p:oleObj spid="_x0000_s31787" name="think-cell Slide" r:id="rId10" imgW="216" imgH="216" progId="TCLayout.ActiveDocument.1">
                   <p:embed/>
                 </p:oleObj>
               </mc:Choice>
@@ -7829,7 +7829,7 @@
           <a:graphicData uri="http://schemas.openxmlformats.org/presentationml/2006/ole">
             <mc:AlternateContent xmlns:mc="http://schemas.openxmlformats.org/markup-compatibility/2006">
               <mc:Choice xmlns:v="urn:schemas-microsoft-com:vml" Requires="v">
-                <p:oleObj spid="_x0000_s36907" name="think-cell Slide" r:id="rId10" imgW="216" imgH="216" progId="TCLayout.ActiveDocument.1">
+                <p:oleObj spid="_x0000_s36908" name="think-cell Slide" r:id="rId10" imgW="216" imgH="216" progId="TCLayout.ActiveDocument.1">
                   <p:embed/>
                 </p:oleObj>
               </mc:Choice>
@@ -8582,7 +8582,7 @@
           <a:graphicData uri="http://schemas.openxmlformats.org/presentationml/2006/ole">
             <mc:AlternateContent xmlns:mc="http://schemas.openxmlformats.org/markup-compatibility/2006">
               <mc:Choice xmlns:v="urn:schemas-microsoft-com:vml" Requires="v">
-                <p:oleObj spid="_x0000_s42034" name="think-cell Slide" r:id="rId5" imgW="416" imgH="416" progId="TCLayout.ActiveDocument.1">
+                <p:oleObj spid="_x0000_s42035" name="think-cell Slide" r:id="rId5" imgW="416" imgH="416" progId="TCLayout.ActiveDocument.1">
                   <p:embed/>
                 </p:oleObj>
               </mc:Choice>
@@ -8986,14 +8986,14 @@
           <p:nvPr>
             <p:extLst>
               <p:ext uri="{D42A27DB-BD31-4B8C-83A1-F6EECF244321}">
-                <p14:modId xmlns:p14="http://schemas.microsoft.com/office/powerpoint/2010/main" val="113102570"/>
+                <p14:modId xmlns:p14="http://schemas.microsoft.com/office/powerpoint/2010/main" val="3836793782"/>
               </p:ext>
             </p:extLst>
           </p:nvPr>
         </p:nvGraphicFramePr>
         <p:xfrm>
           <a:off x="539750" y="1131428"/>
-          <a:ext cx="11064875" cy="4684793"/>
+          <a:ext cx="11064875" cy="4616229"/>
         </p:xfrm>
         <a:graphic>
           <a:graphicData uri="http://schemas.openxmlformats.org/drawingml/2006/table">
@@ -9062,7 +9062,7 @@
                         <a:defRPr/>
                       </a:pPr>
                       <a:r>
-                        <a:rPr lang="zh-CN" altLang="en-US" sz="1300" b="1" kern="1200" dirty="0" smtClean="0">
+                        <a:rPr lang="zh-CN" altLang="en-US" sz="1000" b="1" kern="1200" dirty="0" smtClean="0">
                           <a:solidFill>
                             <a:schemeClr val="bg1"/>
                           </a:solidFill>
@@ -9073,7 +9073,7 @@
                         <a:t>活动总览</a:t>
                       </a:r>
                       <a:r>
-                        <a:rPr lang="en-US" altLang="zh-CN" sz="1300" b="1" kern="1200" dirty="0" smtClean="0">
+                        <a:rPr lang="en-US" altLang="zh-CN" sz="1000" b="1" kern="1200" dirty="0" smtClean="0">
                           <a:solidFill>
                             <a:schemeClr val="bg1"/>
                           </a:solidFill>
@@ -9083,7 +9083,7 @@
                         </a:rPr>
                         <a:t> Overview</a:t>
                       </a:r>
-                      <a:endParaRPr lang="en-US" sz="1300" b="1" kern="1200" dirty="0" smtClean="0">
+                      <a:endParaRPr lang="en-US" sz="1000" b="1" kern="1200" dirty="0" smtClean="0">
                         <a:solidFill>
                           <a:schemeClr val="bg1"/>
                         </a:solidFill>
@@ -9201,24 +9201,24 @@
                         <a:defRPr/>
                       </a:pPr>
                       <a:r>
-                        <a:rPr lang="en-US" sz="1200" b="0" kern="1200" dirty="0" smtClean="0">
+                        <a:rPr lang="en-US" sz="1000" b="0" kern="1200" dirty="0" smtClean="0">
                           <a:solidFill>
                             <a:schemeClr val="tx1"/>
                           </a:solidFill>
-                          <a:latin typeface="+mn-lt"/>
-                          <a:ea typeface="+mn-ea"/>
+                          <a:latin typeface="Bentley Light" panose="020B0404020201020102"/>
+                          <a:ea typeface="黑体" panose="02010609060101010101" pitchFamily="49" charset="-122"/>
                           <a:cs typeface="+mn-ea"/>
                           <a:sym typeface="+mn-lt"/>
                         </a:rPr>
                         <a:t>Event Name</a:t>
                       </a:r>
                       <a:r>
-                        <a:rPr lang="en-US" sz="1200" b="0" kern="1200" baseline="0" dirty="0" smtClean="0">
+                        <a:rPr lang="en-US" sz="1000" b="0" kern="1200" baseline="0" dirty="0" smtClean="0">
                           <a:solidFill>
                             <a:schemeClr val="tx1"/>
                           </a:solidFill>
-                          <a:latin typeface="+mn-lt"/>
-                          <a:ea typeface="+mn-ea"/>
+                          <a:latin typeface="Bentley Light" panose="020B0404020201020102"/>
+                          <a:ea typeface="黑体" panose="02010609060101010101" pitchFamily="49" charset="-122"/>
                           <a:cs typeface="+mn-ea"/>
                           <a:sym typeface="+mn-lt"/>
                         </a:rPr>
@@ -9244,22 +9244,22 @@
                         <a:defRPr/>
                       </a:pPr>
                       <a:r>
-                        <a:rPr lang="zh-CN" altLang="en-US" sz="1200" b="0" kern="1200" dirty="0" smtClean="0">
+                        <a:rPr lang="zh-CN" altLang="en-US" sz="1000" b="0" kern="1200" dirty="0" smtClean="0">
                           <a:solidFill>
                             <a:schemeClr val="tx1"/>
                           </a:solidFill>
-                          <a:latin typeface="+mn-lt"/>
-                          <a:ea typeface="+mn-ea"/>
+                          <a:latin typeface="Bentley Light" panose="020B0404020201020102"/>
+                          <a:ea typeface="黑体" panose="02010609060101010101" pitchFamily="49" charset="-122"/>
                           <a:cs typeface="+mn-ea"/>
                         </a:rPr>
                         <a:t>活动名称</a:t>
                       </a:r>
-                      <a:endParaRPr lang="en-US" sz="1200" b="0" kern="1200" dirty="0" smtClean="0">
+                      <a:endParaRPr lang="en-US" sz="1000" b="0" kern="1200" dirty="0" smtClean="0">
                         <a:solidFill>
                           <a:schemeClr val="tx1"/>
                         </a:solidFill>
-                        <a:latin typeface="+mn-lt"/>
-                        <a:ea typeface="+mn-ea"/>
+                        <a:latin typeface="Bentley Light" panose="020B0404020201020102"/>
+                        <a:ea typeface="黑体" panose="02010609060101010101" pitchFamily="49" charset="-122"/>
                         <a:cs typeface="+mn-ea"/>
                       </a:endParaRPr>
                     </a:p>
@@ -9331,12 +9331,12 @@
                         <a:tabLst/>
                         <a:defRPr/>
                       </a:pPr>
-                      <a:endParaRPr lang="en-US" sz="1200" b="0" kern="1200" dirty="0" smtClean="0">
+                      <a:endParaRPr lang="en-US" sz="1000" b="0" kern="1200" dirty="0" smtClean="0">
                         <a:solidFill>
                           <a:schemeClr val="tx1"/>
                         </a:solidFill>
-                        <a:latin typeface="+mn-lt"/>
-                        <a:ea typeface="+mn-ea"/>
+                        <a:latin typeface="Bentley Light" panose="020B0404020201020102"/>
+                        <a:ea typeface="黑体" panose="02010609060101010101" pitchFamily="49" charset="-122"/>
                         <a:cs typeface="+mn-cs"/>
                       </a:endParaRPr>
                     </a:p>
@@ -9428,24 +9428,24 @@
                         <a:defRPr/>
                       </a:pPr>
                       <a:r>
-                        <a:rPr lang="en-US" altLang="zh-CN" sz="1200" b="0" kern="1200" dirty="0" smtClean="0">
+                        <a:rPr lang="en-US" altLang="zh-CN" sz="1000" b="0" kern="1200" dirty="0" smtClean="0">
                           <a:solidFill>
                             <a:schemeClr val="tx1"/>
                           </a:solidFill>
-                          <a:latin typeface="+mn-lt"/>
-                          <a:ea typeface="+mn-ea"/>
+                          <a:latin typeface="Bentley Light" panose="020B0404020201020102"/>
+                          <a:ea typeface="黑体" panose="02010609060101010101" pitchFamily="49" charset="-122"/>
                           <a:cs typeface="+mn-ea"/>
                           <a:sym typeface="+mn-lt"/>
                         </a:rPr>
                         <a:t>Media Platform</a:t>
                       </a:r>
                       <a:r>
-                        <a:rPr lang="en-US" altLang="zh-CN" sz="1200" b="0" kern="1200" baseline="0" dirty="0" smtClean="0">
+                        <a:rPr lang="en-US" altLang="zh-CN" sz="1000" b="0" kern="1200" baseline="0" dirty="0" smtClean="0">
                           <a:solidFill>
                             <a:schemeClr val="tx1"/>
                           </a:solidFill>
-                          <a:latin typeface="+mn-lt"/>
-                          <a:ea typeface="+mn-ea"/>
+                          <a:latin typeface="Bentley Light" panose="020B0404020201020102"/>
+                          <a:ea typeface="黑体" panose="02010609060101010101" pitchFamily="49" charset="-122"/>
                           <a:cs typeface="+mn-ea"/>
                           <a:sym typeface="+mn-lt"/>
                         </a:rPr>
@@ -9471,12 +9471,12 @@
                         <a:defRPr/>
                       </a:pPr>
                       <a:r>
-                        <a:rPr lang="zh-CN" altLang="en-US" sz="1200" b="0" kern="1200" dirty="0" smtClean="0">
+                        <a:rPr lang="zh-CN" altLang="en-US" sz="1000" b="0" kern="1200" dirty="0" smtClean="0">
                           <a:solidFill>
                             <a:schemeClr val="tx1"/>
                           </a:solidFill>
-                          <a:latin typeface="+mn-lt"/>
-                          <a:ea typeface="+mn-ea"/>
+                          <a:latin typeface="Bentley Light" panose="020B0404020201020102"/>
+                          <a:ea typeface="黑体" panose="02010609060101010101" pitchFamily="49" charset="-122"/>
                           <a:cs typeface="+mn-ea"/>
                           <a:sym typeface="+mn-lt"/>
                         </a:rPr>
@@ -9551,12 +9551,12 @@
                         <a:tabLst/>
                         <a:defRPr/>
                       </a:pPr>
-                      <a:endParaRPr lang="en-US" sz="1200" b="0" kern="1200" dirty="0" smtClean="0">
+                      <a:endParaRPr lang="en-US" sz="1000" b="0" kern="1200" dirty="0" smtClean="0">
                         <a:solidFill>
                           <a:schemeClr val="tx1"/>
                         </a:solidFill>
-                        <a:latin typeface="+mn-lt"/>
-                        <a:ea typeface="+mn-ea"/>
+                        <a:latin typeface="Bentley Light" panose="020B0404020201020102"/>
+                        <a:ea typeface="黑体" panose="02010609060101010101" pitchFamily="49" charset="-122"/>
                         <a:cs typeface="+mn-cs"/>
                       </a:endParaRPr>
                     </a:p>
@@ -9620,23 +9620,23 @@
                         <a:defRPr/>
                       </a:pPr>
                       <a:r>
-                        <a:rPr lang="en-US" sz="1200" b="0" kern="1200" dirty="0" smtClean="0">
+                        <a:rPr lang="en-US" sz="1000" b="0" kern="1200" dirty="0" smtClean="0">
                           <a:solidFill>
                             <a:schemeClr val="tx1"/>
                           </a:solidFill>
-                          <a:latin typeface="+mn-lt"/>
-                          <a:ea typeface="+mn-ea"/>
+                          <a:latin typeface="Bentley Light" panose="020B0404020201020102"/>
+                          <a:ea typeface="黑体" panose="02010609060101010101" pitchFamily="49" charset="-122"/>
                           <a:cs typeface="+mn-ea"/>
                         </a:rPr>
                         <a:t>Exposure Form</a:t>
                       </a:r>
                       <a:r>
-                        <a:rPr lang="en-US" sz="1200" b="0" kern="1200" baseline="0" dirty="0" smtClean="0">
+                        <a:rPr lang="en-US" sz="1000" b="0" kern="1200" baseline="0" dirty="0" smtClean="0">
                           <a:solidFill>
                             <a:schemeClr val="tx1"/>
                           </a:solidFill>
-                          <a:latin typeface="+mn-lt"/>
-                          <a:ea typeface="+mn-ea"/>
+                          <a:latin typeface="Bentley Light" panose="020B0404020201020102"/>
+                          <a:ea typeface="黑体" panose="02010609060101010101" pitchFamily="49" charset="-122"/>
                           <a:cs typeface="+mn-ea"/>
                         </a:rPr>
                         <a:t> </a:t>
@@ -9661,12 +9661,12 @@
                         <a:defRPr/>
                       </a:pPr>
                       <a:r>
-                        <a:rPr lang="zh-CN" altLang="en-US" sz="1200" b="0" kern="1200" dirty="0" smtClean="0">
+                        <a:rPr lang="zh-CN" altLang="en-US" sz="1000" b="0" kern="1200" dirty="0" smtClean="0">
                           <a:solidFill>
                             <a:schemeClr val="tx1"/>
                           </a:solidFill>
-                          <a:latin typeface="+mn-lt"/>
-                          <a:ea typeface="+mn-ea"/>
+                          <a:latin typeface="Bentley Light" panose="020B0404020201020102"/>
+                          <a:ea typeface="黑体" panose="02010609060101010101" pitchFamily="49" charset="-122"/>
                           <a:cs typeface="+mn-ea"/>
                         </a:rPr>
                         <a:t>曝光形式</a:t>
@@ -9740,12 +9740,12 @@
                         <a:tabLst/>
                         <a:defRPr/>
                       </a:pPr>
-                      <a:endParaRPr lang="en-US" sz="1200" b="0" kern="1200" dirty="0" smtClean="0">
+                      <a:endParaRPr lang="en-US" sz="1000" b="0" kern="1200" dirty="0" smtClean="0">
                         <a:solidFill>
                           <a:schemeClr val="tx1"/>
                         </a:solidFill>
-                        <a:latin typeface="+mn-lt"/>
-                        <a:ea typeface="+mn-ea"/>
+                        <a:latin typeface="Bentley Light" panose="020B0404020201020102"/>
+                        <a:ea typeface="黑体" panose="02010609060101010101" pitchFamily="49" charset="-122"/>
                         <a:cs typeface="+mn-cs"/>
                       </a:endParaRPr>
                     </a:p>
@@ -9809,35 +9809,35 @@
                         <a:defRPr/>
                       </a:pPr>
                       <a:r>
-                        <a:rPr lang="en-US" sz="1200" b="0" kern="1200" dirty="0" smtClean="0">
+                        <a:rPr lang="en-US" sz="1000" b="0" kern="1200" dirty="0" smtClean="0">
                           <a:solidFill>
                             <a:schemeClr val="tx1"/>
                           </a:solidFill>
-                          <a:latin typeface="+mn-lt"/>
-                          <a:ea typeface="+mn-ea"/>
+                          <a:latin typeface="Bentley Light" panose="020B0404020201020102"/>
+                          <a:ea typeface="黑体" panose="02010609060101010101" pitchFamily="49" charset="-122"/>
                           <a:cs typeface="+mn-ea"/>
                           <a:sym typeface="+mn-lt"/>
                         </a:rPr>
                         <a:t>People </a:t>
                       </a:r>
                       <a:r>
-                        <a:rPr lang="zh-CN" altLang="en-US" sz="1200" b="0" kern="1200" dirty="0" smtClean="0">
+                        <a:rPr lang="zh-CN" altLang="en-US" sz="1000" b="0" kern="1200" dirty="0" smtClean="0">
                           <a:solidFill>
                             <a:schemeClr val="tx1"/>
                           </a:solidFill>
-                          <a:latin typeface="+mn-lt"/>
-                          <a:ea typeface="+mn-ea"/>
+                          <a:latin typeface="Bentley Light" panose="020B0404020201020102"/>
+                          <a:ea typeface="黑体" panose="02010609060101010101" pitchFamily="49" charset="-122"/>
                           <a:cs typeface="+mn-ea"/>
                           <a:sym typeface="+mn-lt"/>
                         </a:rPr>
                         <a:t>人员</a:t>
                       </a:r>
-                      <a:endParaRPr lang="en-US" sz="1200" b="0" kern="1200" dirty="0" smtClean="0">
+                      <a:endParaRPr lang="en-US" sz="1000" b="0" kern="1200" dirty="0" smtClean="0">
                         <a:solidFill>
                           <a:schemeClr val="tx1"/>
                         </a:solidFill>
-                        <a:latin typeface="+mn-lt"/>
-                        <a:ea typeface="+mn-ea"/>
+                        <a:latin typeface="Bentley Light" panose="020B0404020201020102"/>
+                        <a:ea typeface="黑体" panose="02010609060101010101" pitchFamily="49" charset="-122"/>
                         <a:cs typeface="+mn-ea"/>
                       </a:endParaRPr>
                     </a:p>
@@ -9859,12 +9859,12 @@
                         <a:tabLst/>
                         <a:defRPr/>
                       </a:pPr>
-                      <a:endParaRPr lang="en-US" altLang="zh-CN" sz="1200" b="0" kern="1200" dirty="0" smtClean="0">
+                      <a:endParaRPr lang="en-US" altLang="zh-CN" sz="1000" b="0" kern="1200" dirty="0" smtClean="0">
                         <a:solidFill>
                           <a:schemeClr val="tx1"/>
                         </a:solidFill>
-                        <a:latin typeface="+mn-lt"/>
-                        <a:ea typeface="+mn-ea"/>
+                        <a:latin typeface="Bentley Light" panose="020B0404020201020102"/>
+                        <a:ea typeface="黑体" panose="02010609060101010101" pitchFamily="49" charset="-122"/>
                         <a:cs typeface="+mn-ea"/>
                         <a:sym typeface="+mn-lt"/>
                       </a:endParaRPr>
@@ -9898,12 +9898,12 @@
                         <a:tabLst/>
                         <a:defRPr/>
                       </a:pPr>
-                      <a:endParaRPr lang="en-US" sz="1200" b="0" kern="1200" dirty="0" smtClean="0">
+                      <a:endParaRPr lang="en-US" sz="1000" b="0" kern="1200" dirty="0" smtClean="0">
                         <a:solidFill>
                           <a:schemeClr val="tx1"/>
                         </a:solidFill>
-                        <a:latin typeface="+mn-lt"/>
-                        <a:ea typeface="+mn-ea"/>
+                        <a:latin typeface="Bentley Light" panose="020B0404020201020102"/>
+                        <a:ea typeface="黑体" panose="02010609060101010101" pitchFamily="49" charset="-122"/>
                         <a:cs typeface="+mn-ea"/>
                       </a:endParaRPr>
                     </a:p>
@@ -9945,12 +9945,12 @@
                         <a:defRPr/>
                       </a:pPr>
                       <a:r>
-                        <a:rPr lang="en-US" sz="1200" b="0" kern="1200" dirty="0" smtClean="0">
+                        <a:rPr lang="en-US" sz="1000" b="0" kern="1200" dirty="0" smtClean="0">
                           <a:solidFill>
                             <a:schemeClr val="tx1"/>
                           </a:solidFill>
-                          <a:latin typeface="+mn-lt"/>
-                          <a:ea typeface="+mn-ea"/>
+                          <a:latin typeface="Bentley Light" panose="020B0404020201020102"/>
+                          <a:ea typeface="黑体" panose="02010609060101010101" pitchFamily="49" charset="-122"/>
                           <a:cs typeface="+mn-ea"/>
                         </a:rPr>
                         <a:t>Actual</a:t>
@@ -9984,22 +9984,22 @@
                         <a:defRPr/>
                       </a:pPr>
                       <a:r>
-                        <a:rPr lang="en-US" altLang="zh-CN" sz="1200" b="0" kern="1200" dirty="0" smtClean="0">
+                        <a:rPr lang="en-US" altLang="zh-CN" sz="1000" b="0" kern="1200" dirty="0" smtClean="0">
                           <a:solidFill>
                             <a:schemeClr val="tx1"/>
                           </a:solidFill>
-                          <a:latin typeface="+mn-lt"/>
-                          <a:ea typeface="+mn-ea"/>
+                          <a:latin typeface="Bentley Light" panose="020B0404020201020102"/>
+                          <a:ea typeface="黑体" panose="02010609060101010101" pitchFamily="49" charset="-122"/>
                           <a:cs typeface="+mn-ea"/>
                         </a:rPr>
                         <a:t>Budget</a:t>
                       </a:r>
-                      <a:endParaRPr lang="en-US" sz="1200" b="0" kern="1200" dirty="0" smtClean="0">
+                      <a:endParaRPr lang="en-US" sz="1000" b="0" kern="1200" dirty="0" smtClean="0">
                         <a:solidFill>
                           <a:schemeClr val="tx1"/>
                         </a:solidFill>
-                        <a:latin typeface="+mn-lt"/>
-                        <a:ea typeface="+mn-ea"/>
+                        <a:latin typeface="Bentley Light" panose="020B0404020201020102"/>
+                        <a:ea typeface="黑体" panose="02010609060101010101" pitchFamily="49" charset="-122"/>
                         <a:cs typeface="+mn-ea"/>
                       </a:endParaRPr>
                     </a:p>
@@ -10077,12 +10077,12 @@
                         <a:defRPr/>
                       </a:pPr>
                       <a:r>
-                        <a:rPr lang="en-US" sz="1200" b="0" kern="1200" dirty="0" smtClean="0">
+                        <a:rPr lang="en-US" sz="1000" b="0" kern="1200" dirty="0" smtClean="0">
                           <a:solidFill>
                             <a:schemeClr val="tx1"/>
                           </a:solidFill>
-                          <a:latin typeface="+mn-lt"/>
-                          <a:ea typeface="+mn-ea"/>
+                          <a:latin typeface="Bentley Light" panose="020B0404020201020102"/>
+                          <a:ea typeface="黑体" panose="02010609060101010101" pitchFamily="49" charset="-122"/>
                           <a:cs typeface="+mn-ea"/>
                         </a:rPr>
                         <a:t>No. of DCPID</a:t>
@@ -10107,33 +10107,33 @@
                         <a:defRPr/>
                       </a:pPr>
                       <a:r>
-                        <a:rPr lang="en-US" sz="1200" b="0" kern="1200" dirty="0" smtClean="0">
+                        <a:rPr lang="en-US" sz="1000" b="0" kern="1200" dirty="0" smtClean="0">
                           <a:solidFill>
                             <a:schemeClr val="tx1"/>
                           </a:solidFill>
-                          <a:latin typeface="+mn-lt"/>
-                          <a:ea typeface="+mn-ea"/>
+                          <a:latin typeface="Bentley Light" panose="020B0404020201020102"/>
+                          <a:ea typeface="黑体" panose="02010609060101010101" pitchFamily="49" charset="-122"/>
                           <a:cs typeface="+mn-ea"/>
                         </a:rPr>
                         <a:t>DCPID </a:t>
                       </a:r>
                       <a:r>
-                        <a:rPr lang="zh-CN" altLang="en-US" sz="1200" b="0" kern="1200" dirty="0" smtClean="0">
+                        <a:rPr lang="zh-CN" altLang="en-US" sz="1000" b="0" kern="1200" dirty="0" smtClean="0">
                           <a:solidFill>
                             <a:schemeClr val="tx1"/>
                           </a:solidFill>
-                          <a:latin typeface="+mn-lt"/>
-                          <a:ea typeface="+mn-ea"/>
+                          <a:latin typeface="Bentley Light" panose="020B0404020201020102"/>
+                          <a:ea typeface="黑体" panose="02010609060101010101" pitchFamily="49" charset="-122"/>
                           <a:cs typeface="+mn-ea"/>
                         </a:rPr>
                         <a:t>客户数量</a:t>
                       </a:r>
-                      <a:endParaRPr lang="en-US" sz="1200" b="0" kern="1200" dirty="0" smtClean="0">
+                      <a:endParaRPr lang="en-US" sz="1000" b="0" kern="1200" dirty="0" smtClean="0">
                         <a:solidFill>
                           <a:schemeClr val="tx1"/>
                         </a:solidFill>
-                        <a:latin typeface="+mn-lt"/>
-                        <a:ea typeface="+mn-ea"/>
+                        <a:latin typeface="Bentley Light" panose="020B0404020201020102"/>
+                        <a:ea typeface="黑体" panose="02010609060101010101" pitchFamily="49" charset="-122"/>
                         <a:cs typeface="+mn-ea"/>
                       </a:endParaRPr>
                     </a:p>
@@ -10162,10 +10162,12 @@
                     <a:bodyPr/>
                     <a:lstStyle/>
                     <a:p>
-                      <a:endParaRPr lang="en-US" sz="1200" dirty="0">
+                      <a:endParaRPr lang="en-US" sz="1000" dirty="0">
                         <a:solidFill>
                           <a:schemeClr val="tx1"/>
                         </a:solidFill>
+                        <a:latin typeface="Bentley Light" panose="020B0404020201020102"/>
+                        <a:ea typeface="黑体" panose="02010609060101010101" pitchFamily="49" charset="-122"/>
                       </a:endParaRPr>
                     </a:p>
                   </a:txBody>
@@ -10183,10 +10185,12 @@
                     <a:bodyPr/>
                     <a:lstStyle/>
                     <a:p>
-                      <a:endParaRPr lang="en-US" sz="1200" dirty="0">
+                      <a:endParaRPr lang="en-US" sz="1000" dirty="0">
                         <a:solidFill>
                           <a:schemeClr val="tx1"/>
                         </a:solidFill>
+                        <a:latin typeface="Bentley Light" panose="020B0404020201020102"/>
+                        <a:ea typeface="黑体" panose="02010609060101010101" pitchFamily="49" charset="-122"/>
                       </a:endParaRPr>
                     </a:p>
                   </a:txBody>
@@ -10267,12 +10271,12 @@
                         <a:defRPr/>
                       </a:pPr>
                       <a:r>
-                        <a:rPr lang="en-US" sz="1200" b="0" kern="1200" dirty="0" smtClean="0">
+                        <a:rPr lang="en-US" sz="1000" b="0" kern="1200" dirty="0" smtClean="0">
                           <a:solidFill>
                             <a:schemeClr val="tx1"/>
                           </a:solidFill>
-                          <a:latin typeface="+mn-lt"/>
-                          <a:ea typeface="+mn-ea"/>
+                          <a:latin typeface="Bentley Light" panose="020B0404020201020102"/>
+                          <a:ea typeface="黑体" panose="02010609060101010101" pitchFamily="49" charset="-122"/>
                           <a:cs typeface="+mn-ea"/>
                         </a:rPr>
                         <a:t>Cost per leads</a:t>
@@ -10297,22 +10301,22 @@
                         <a:defRPr/>
                       </a:pPr>
                       <a:r>
-                        <a:rPr lang="zh-CN" altLang="en-US" sz="1200" b="0" kern="1200" dirty="0" smtClean="0">
+                        <a:rPr lang="zh-CN" altLang="en-US" sz="1000" b="0" kern="1200" dirty="0" smtClean="0">
                           <a:solidFill>
                             <a:schemeClr val="tx1"/>
                           </a:solidFill>
-                          <a:latin typeface="+mn-lt"/>
-                          <a:ea typeface="+mn-ea"/>
+                          <a:latin typeface="Bentley Light" panose="020B0404020201020102"/>
+                          <a:ea typeface="黑体" panose="02010609060101010101" pitchFamily="49" charset="-122"/>
                           <a:cs typeface="+mn-ea"/>
                         </a:rPr>
                         <a:t>每条线索成本</a:t>
                       </a:r>
-                      <a:endParaRPr lang="en-US" sz="1200" b="0" kern="1200" dirty="0" smtClean="0">
+                      <a:endParaRPr lang="en-US" sz="1000" b="0" kern="1200" dirty="0" smtClean="0">
                         <a:solidFill>
                           <a:schemeClr val="tx1"/>
                         </a:solidFill>
-                        <a:latin typeface="+mn-lt"/>
-                        <a:ea typeface="+mn-ea"/>
+                        <a:latin typeface="Bentley Light" panose="020B0404020201020102"/>
+                        <a:ea typeface="黑体" panose="02010609060101010101" pitchFamily="49" charset="-122"/>
                         <a:cs typeface="+mn-ea"/>
                       </a:endParaRPr>
                     </a:p>
@@ -10341,10 +10345,12 @@
                     <a:bodyPr/>
                     <a:lstStyle/>
                     <a:p>
-                      <a:endParaRPr lang="en-US" sz="1200" dirty="0">
+                      <a:endParaRPr lang="en-US" sz="1000" dirty="0">
                         <a:solidFill>
                           <a:schemeClr val="tx1"/>
                         </a:solidFill>
+                        <a:latin typeface="Bentley Light" panose="020B0404020201020102"/>
+                        <a:ea typeface="黑体" panose="02010609060101010101" pitchFamily="49" charset="-122"/>
                       </a:endParaRPr>
                     </a:p>
                   </a:txBody>
@@ -10362,10 +10368,12 @@
                     <a:bodyPr/>
                     <a:lstStyle/>
                     <a:p>
-                      <a:endParaRPr lang="en-US" sz="1200" dirty="0">
+                      <a:endParaRPr lang="en-US" sz="1000" dirty="0">
                         <a:solidFill>
                           <a:schemeClr val="tx1"/>
                         </a:solidFill>
+                        <a:latin typeface="Bentley Light" panose="020B0404020201020102"/>
+                        <a:ea typeface="黑体" panose="02010609060101010101" pitchFamily="49" charset="-122"/>
                       </a:endParaRPr>
                     </a:p>
                   </a:txBody>
@@ -10446,34 +10454,34 @@
                         <a:defRPr/>
                       </a:pPr>
                       <a:r>
-                        <a:rPr lang="en-US" altLang="zh-CN" sz="1200" b="0" kern="1200" dirty="0" smtClean="0">
+                        <a:rPr lang="en-US" altLang="zh-CN" sz="1000" b="0" kern="1200" dirty="0" smtClean="0">
                           <a:solidFill>
                             <a:schemeClr val="tx1"/>
                           </a:solidFill>
-                          <a:latin typeface="+mn-lt"/>
-                          <a:ea typeface="+mn-ea"/>
+                          <a:latin typeface="Bentley Light" panose="020B0404020201020102"/>
+                          <a:ea typeface="黑体" panose="02010609060101010101" pitchFamily="49" charset="-122"/>
                           <a:cs typeface="+mn-ea"/>
                         </a:rPr>
                         <a:t>No.</a:t>
                       </a:r>
                       <a:r>
-                        <a:rPr lang="en-US" sz="1200" b="0" kern="1200" dirty="0" smtClean="0">
+                        <a:rPr lang="en-US" sz="1000" b="0" kern="1200" dirty="0" smtClean="0">
                           <a:solidFill>
                             <a:schemeClr val="tx1"/>
                           </a:solidFill>
-                          <a:latin typeface="+mn-lt"/>
-                          <a:ea typeface="+mn-ea"/>
+                          <a:latin typeface="Bentley Light" panose="020B0404020201020102"/>
+                          <a:ea typeface="黑体" panose="02010609060101010101" pitchFamily="49" charset="-122"/>
                           <a:cs typeface="+mn-ea"/>
                         </a:rPr>
                         <a:t> of </a:t>
                       </a:r>
                       <a:r>
-                        <a:rPr lang="en-US" sz="1200" b="0" kern="1200" dirty="0" smtClean="0">
+                        <a:rPr lang="en-US" sz="1000" b="0" kern="1200" dirty="0" smtClean="0">
                           <a:solidFill>
                             <a:schemeClr val="tx1"/>
                           </a:solidFill>
-                          <a:latin typeface="+mn-lt"/>
-                          <a:ea typeface="+mn-ea"/>
+                          <a:latin typeface="Bentley Light" panose="020B0404020201020102"/>
+                          <a:ea typeface="黑体" panose="02010609060101010101" pitchFamily="49" charset="-122"/>
                           <a:cs typeface="+mn-ea"/>
                           <a:sym typeface="+mn-lt"/>
                         </a:rPr>
@@ -10499,23 +10507,23 @@
                         <a:defRPr/>
                       </a:pPr>
                       <a:r>
-                        <a:rPr lang="zh-CN" altLang="en-US" sz="1200" b="0" kern="1200" dirty="0" smtClean="0">
+                        <a:rPr lang="zh-CN" altLang="en-US" sz="1000" b="0" kern="1200" dirty="0" smtClean="0">
                           <a:solidFill>
                             <a:schemeClr val="tx1"/>
                           </a:solidFill>
-                          <a:latin typeface="+mn-lt"/>
-                          <a:ea typeface="+mn-ea"/>
+                          <a:latin typeface="Bentley Light" panose="020B0404020201020102"/>
+                          <a:ea typeface="黑体" panose="02010609060101010101" pitchFamily="49" charset="-122"/>
                           <a:cs typeface="+mn-ea"/>
                           <a:sym typeface="+mn-lt"/>
                         </a:rPr>
                         <a:t>今年新增线索数量</a:t>
                       </a:r>
-                      <a:endParaRPr lang="en-US" sz="1200" b="0" kern="1200" dirty="0" smtClean="0">
+                      <a:endParaRPr lang="en-US" sz="1000" b="0" kern="1200" dirty="0" smtClean="0">
                         <a:solidFill>
                           <a:schemeClr val="tx1"/>
                         </a:solidFill>
-                        <a:latin typeface="+mn-lt"/>
-                        <a:ea typeface="+mn-ea"/>
+                        <a:latin typeface="Bentley Light" panose="020B0404020201020102"/>
+                        <a:ea typeface="黑体" panose="02010609060101010101" pitchFamily="49" charset="-122"/>
                         <a:cs typeface="+mn-ea"/>
                         <a:sym typeface="+mn-lt"/>
                       </a:endParaRPr>
@@ -10545,10 +10553,12 @@
                     <a:bodyPr/>
                     <a:lstStyle/>
                     <a:p>
-                      <a:endParaRPr lang="en-US" sz="1200" dirty="0">
+                      <a:endParaRPr lang="en-US" sz="1000" dirty="0">
                         <a:solidFill>
                           <a:schemeClr val="tx1"/>
                         </a:solidFill>
+                        <a:latin typeface="Bentley Light" panose="020B0404020201020102"/>
+                        <a:ea typeface="黑体" panose="02010609060101010101" pitchFamily="49" charset="-122"/>
                       </a:endParaRPr>
                     </a:p>
                   </a:txBody>
@@ -10566,10 +10576,12 @@
                     <a:bodyPr/>
                     <a:lstStyle/>
                     <a:p>
-                      <a:endParaRPr lang="en-US" sz="1200" dirty="0">
+                      <a:endParaRPr lang="en-US" sz="1000" dirty="0">
                         <a:solidFill>
                           <a:schemeClr val="tx1"/>
                         </a:solidFill>
+                        <a:latin typeface="Bentley Light" panose="020B0404020201020102"/>
+                        <a:ea typeface="黑体" panose="02010609060101010101" pitchFamily="49" charset="-122"/>
                       </a:endParaRPr>
                     </a:p>
                   </a:txBody>
@@ -10907,7 +10919,7 @@
           <p:nvPr>
             <p:extLst>
               <p:ext uri="{D42A27DB-BD31-4B8C-83A1-F6EECF244321}">
-                <p14:modId xmlns:p14="http://schemas.microsoft.com/office/powerpoint/2010/main" val="2540942871"/>
+                <p14:modId xmlns:p14="http://schemas.microsoft.com/office/powerpoint/2010/main" val="3539592332"/>
               </p:ext>
             </p:extLst>
           </p:nvPr>
@@ -10942,7 +10954,7 @@
                         <a:buNone/>
                       </a:pPr>
                       <a:r>
-                        <a:rPr lang="en-US" altLang="zh-CN" sz="1300" b="1" dirty="0" smtClean="0">
+                        <a:rPr lang="en-US" altLang="zh-CN" sz="1000" b="1" dirty="0" smtClean="0">
                           <a:solidFill>
                             <a:schemeClr val="bg1"/>
                           </a:solidFill>
@@ -10954,7 +10966,7 @@
                         <a:t>Spending Overview </a:t>
                       </a:r>
                       <a:r>
-                        <a:rPr lang="zh-CN" altLang="en-US" sz="1300" b="1" dirty="0" smtClean="0">
+                        <a:rPr lang="zh-CN" altLang="en-US" sz="1000" b="1" dirty="0" smtClean="0">
                           <a:solidFill>
                             <a:schemeClr val="bg1"/>
                           </a:solidFill>
@@ -11030,14 +11042,14 @@
           <p:nvPr>
             <p:extLst>
               <p:ext uri="{D42A27DB-BD31-4B8C-83A1-F6EECF244321}">
-                <p14:modId xmlns:p14="http://schemas.microsoft.com/office/powerpoint/2010/main" val="2877643825"/>
+                <p14:modId xmlns:p14="http://schemas.microsoft.com/office/powerpoint/2010/main" val="2360252317"/>
               </p:ext>
             </p:extLst>
           </p:nvPr>
         </p:nvGraphicFramePr>
         <p:xfrm>
           <a:off x="544314" y="1551213"/>
-          <a:ext cx="11048526" cy="933024"/>
+          <a:ext cx="11048526" cy="765384"/>
         </p:xfrm>
         <a:graphic>
           <a:graphicData uri="http://schemas.openxmlformats.org/drawingml/2006/table">
@@ -11074,10 +11086,12 @@
                     <a:bodyPr/>
                     <a:lstStyle/>
                     <a:p>
-                      <a:endParaRPr lang="en-US" sz="1700" dirty="0">
+                      <a:endParaRPr lang="en-US" sz="1000" dirty="0">
                         <a:solidFill>
                           <a:schemeClr val="tx1"/>
                         </a:solidFill>
+                        <a:latin typeface="Bentley Light" panose="020B0404020201020102"/>
+                        <a:ea typeface="黑体" panose="02010609060101010101" pitchFamily="49" charset="-122"/>
                       </a:endParaRPr>
                     </a:p>
                   </a:txBody>
@@ -11108,12 +11122,12 @@
                         <a:defRPr/>
                       </a:pPr>
                       <a:r>
-                        <a:rPr lang="en-US" sz="1100" b="0" kern="1200" dirty="0" smtClean="0">
+                        <a:rPr lang="en-US" sz="1000" b="0" kern="1200" dirty="0" smtClean="0">
                           <a:solidFill>
                             <a:schemeClr val="tx1"/>
                           </a:solidFill>
-                          <a:latin typeface="+mn-lt"/>
-                          <a:ea typeface="+mn-ea"/>
+                          <a:latin typeface="Bentley Light" panose="020B0404020201020102"/>
+                          <a:ea typeface="黑体" panose="02010609060101010101" pitchFamily="49" charset="-122"/>
                           <a:cs typeface="+mn-ea"/>
                         </a:rPr>
                         <a:t>Actual</a:t>
@@ -11147,22 +11161,22 @@
                         <a:defRPr/>
                       </a:pPr>
                       <a:r>
-                        <a:rPr lang="en-US" altLang="zh-CN" sz="1100" b="0" kern="1200" dirty="0" smtClean="0">
+                        <a:rPr lang="en-US" altLang="zh-CN" sz="1000" b="0" kern="1200" dirty="0" smtClean="0">
                           <a:solidFill>
                             <a:schemeClr val="tx1"/>
                           </a:solidFill>
-                          <a:latin typeface="+mn-lt"/>
-                          <a:ea typeface="+mn-ea"/>
+                          <a:latin typeface="Bentley Light" panose="020B0404020201020102"/>
+                          <a:ea typeface="黑体" panose="02010609060101010101" pitchFamily="49" charset="-122"/>
                           <a:cs typeface="+mn-ea"/>
                         </a:rPr>
                         <a:t>Budget</a:t>
                       </a:r>
-                      <a:endParaRPr lang="en-US" sz="1100" b="0" kern="1200" dirty="0" smtClean="0">
+                      <a:endParaRPr lang="en-US" sz="1000" b="0" kern="1200" dirty="0" smtClean="0">
                         <a:solidFill>
                           <a:schemeClr val="tx1"/>
                         </a:solidFill>
-                        <a:latin typeface="+mn-lt"/>
-                        <a:ea typeface="+mn-ea"/>
+                        <a:latin typeface="Bentley Light" panose="020B0404020201020102"/>
+                        <a:ea typeface="黑体" panose="02010609060101010101" pitchFamily="49" charset="-122"/>
                         <a:cs typeface="+mn-ea"/>
                       </a:endParaRPr>
                     </a:p>
@@ -11201,36 +11215,36 @@
                         <a:defRPr/>
                       </a:pPr>
                       <a:r>
-                        <a:rPr lang="en-US" altLang="zh-CN" sz="1100" b="0" kern="1200" dirty="0" smtClean="0">
+                        <a:rPr lang="en-US" altLang="zh-CN" sz="1000" b="0" kern="1200" dirty="0" smtClean="0">
                           <a:solidFill>
                             <a:schemeClr val="tx1"/>
                           </a:solidFill>
-                          <a:latin typeface="+mn-lt"/>
-                          <a:ea typeface="+mn-ea"/>
+                          <a:latin typeface="Bentley Light" panose="020B0404020201020102"/>
+                          <a:ea typeface="黑体" panose="02010609060101010101" pitchFamily="49" charset="-122"/>
                           <a:cs typeface="+mn-ea"/>
                           <a:sym typeface="+mn-lt"/>
                         </a:rPr>
                         <a:t>Total Spending Amount</a:t>
                       </a:r>
                       <a:r>
-                        <a:rPr lang="en-US" altLang="zh-CN" sz="1100" b="0" kern="1200" baseline="0" dirty="0" smtClean="0">
+                        <a:rPr lang="en-US" altLang="zh-CN" sz="1000" b="0" kern="1200" baseline="0" dirty="0" smtClean="0">
                           <a:solidFill>
                             <a:schemeClr val="tx1"/>
                           </a:solidFill>
-                          <a:latin typeface="+mn-lt"/>
-                          <a:ea typeface="+mn-ea"/>
+                          <a:latin typeface="Bentley Light" panose="020B0404020201020102"/>
+                          <a:ea typeface="黑体" panose="02010609060101010101" pitchFamily="49" charset="-122"/>
                           <a:cs typeface="+mn-ea"/>
                           <a:sym typeface="+mn-lt"/>
                         </a:rPr>
                         <a:t> </a:t>
                       </a:r>
                       <a:r>
-                        <a:rPr lang="zh-CN" altLang="en-US" sz="1100" b="0" kern="1200" dirty="0" smtClean="0">
+                        <a:rPr lang="zh-CN" altLang="en-US" sz="1000" b="0" kern="1200" dirty="0" smtClean="0">
                           <a:solidFill>
                             <a:schemeClr val="tx1"/>
                           </a:solidFill>
-                          <a:latin typeface="+mn-lt"/>
-                          <a:ea typeface="+mn-ea"/>
+                          <a:latin typeface="Bentley Light" panose="020B0404020201020102"/>
+                          <a:ea typeface="黑体" panose="02010609060101010101" pitchFamily="49" charset="-122"/>
                           <a:cs typeface="+mn-ea"/>
                           <a:sym typeface="+mn-lt"/>
                         </a:rPr>
@@ -11247,10 +11261,12 @@
                     <a:bodyPr/>
                     <a:lstStyle/>
                     <a:p>
-                      <a:endParaRPr lang="en-US" sz="1200" dirty="0">
+                      <a:endParaRPr lang="en-US" sz="1000" dirty="0">
                         <a:solidFill>
                           <a:schemeClr val="tx1"/>
                         </a:solidFill>
+                        <a:latin typeface="Bentley Light" panose="020B0404020201020102"/>
+                        <a:ea typeface="黑体" panose="02010609060101010101" pitchFamily="49" charset="-122"/>
                       </a:endParaRPr>
                     </a:p>
                   </a:txBody>
@@ -11268,10 +11284,12 @@
                     <a:bodyPr/>
                     <a:lstStyle/>
                     <a:p>
-                      <a:endParaRPr lang="en-US" sz="1200" dirty="0">
+                      <a:endParaRPr lang="en-US" sz="1000" dirty="0">
                         <a:solidFill>
                           <a:schemeClr val="tx1"/>
                         </a:solidFill>
+                        <a:latin typeface="Bentley Light" panose="020B0404020201020102"/>
+                        <a:ea typeface="黑体" panose="02010609060101010101" pitchFamily="49" charset="-122"/>
                       </a:endParaRPr>
                     </a:p>
                   </a:txBody>
@@ -11311,36 +11329,36 @@
                         <a:defRPr/>
                       </a:pPr>
                       <a:r>
-                        <a:rPr lang="en-US" altLang="zh-CN" sz="1100" b="0" kern="1200" dirty="0" smtClean="0">
+                        <a:rPr lang="en-US" altLang="zh-CN" sz="1000" b="0" kern="1200" dirty="0" smtClean="0">
                           <a:solidFill>
                             <a:schemeClr val="tx1"/>
                           </a:solidFill>
-                          <a:latin typeface="+mn-lt"/>
-                          <a:ea typeface="+mn-ea"/>
+                          <a:latin typeface="Bentley Light" panose="020B0404020201020102"/>
+                          <a:ea typeface="黑体" panose="02010609060101010101" pitchFamily="49" charset="-122"/>
                           <a:cs typeface="+mn-ea"/>
                           <a:sym typeface="+mn-lt"/>
                         </a:rPr>
                         <a:t>Coop Fund Amount</a:t>
                       </a:r>
                       <a:r>
-                        <a:rPr lang="en-US" altLang="zh-CN" sz="1100" b="0" kern="1200" baseline="0" dirty="0" smtClean="0">
+                        <a:rPr lang="en-US" altLang="zh-CN" sz="1000" b="0" kern="1200" baseline="0" dirty="0" smtClean="0">
                           <a:solidFill>
                             <a:schemeClr val="tx1"/>
                           </a:solidFill>
-                          <a:latin typeface="+mn-lt"/>
-                          <a:ea typeface="+mn-ea"/>
+                          <a:latin typeface="Bentley Light" panose="020B0404020201020102"/>
+                          <a:ea typeface="黑体" panose="02010609060101010101" pitchFamily="49" charset="-122"/>
                           <a:cs typeface="+mn-ea"/>
                           <a:sym typeface="+mn-lt"/>
                         </a:rPr>
                         <a:t> </a:t>
                       </a:r>
                       <a:r>
-                        <a:rPr lang="zh-CN" altLang="en-US" sz="1100" b="0" kern="1200" dirty="0" smtClean="0">
+                        <a:rPr lang="zh-CN" altLang="en-US" sz="1000" b="0" kern="1200" dirty="0" smtClean="0">
                           <a:solidFill>
                             <a:schemeClr val="tx1"/>
                           </a:solidFill>
-                          <a:latin typeface="+mn-lt"/>
-                          <a:ea typeface="+mn-ea"/>
+                          <a:latin typeface="Bentley Light" panose="020B0404020201020102"/>
+                          <a:ea typeface="黑体" panose="02010609060101010101" pitchFamily="49" charset="-122"/>
                           <a:cs typeface="+mn-ea"/>
                           <a:sym typeface="+mn-lt"/>
                         </a:rPr>
@@ -11357,10 +11375,12 @@
                     <a:bodyPr/>
                     <a:lstStyle/>
                     <a:p>
-                      <a:endParaRPr lang="en-US" sz="1200" dirty="0">
+                      <a:endParaRPr lang="en-US" sz="1000" dirty="0">
                         <a:solidFill>
                           <a:schemeClr val="tx1"/>
                         </a:solidFill>
+                        <a:latin typeface="Bentley Light" panose="020B0404020201020102"/>
+                        <a:ea typeface="黑体" panose="02010609060101010101" pitchFamily="49" charset="-122"/>
                       </a:endParaRPr>
                     </a:p>
                   </a:txBody>
@@ -11378,10 +11398,12 @@
                     <a:bodyPr/>
                     <a:lstStyle/>
                     <a:p>
-                      <a:endParaRPr lang="en-US" sz="1200" dirty="0">
+                      <a:endParaRPr lang="en-US" sz="1000" dirty="0">
                         <a:solidFill>
                           <a:schemeClr val="tx1"/>
                         </a:solidFill>
+                        <a:latin typeface="Bentley Light" panose="020B0404020201020102"/>
+                        <a:ea typeface="黑体" panose="02010609060101010101" pitchFamily="49" charset="-122"/>
                       </a:endParaRPr>
                     </a:p>
                   </a:txBody>
@@ -11410,7 +11432,7 @@
           <p:nvPr>
             <p:extLst>
               <p:ext uri="{D42A27DB-BD31-4B8C-83A1-F6EECF244321}">
-                <p14:modId xmlns:p14="http://schemas.microsoft.com/office/powerpoint/2010/main" val="2605455749"/>
+                <p14:modId xmlns:p14="http://schemas.microsoft.com/office/powerpoint/2010/main" val="3096783322"/>
               </p:ext>
             </p:extLst>
           </p:nvPr>
@@ -11514,7 +11536,7 @@
                         <a:defRPr/>
                       </a:pPr>
                       <a:r>
-                        <a:rPr lang="zh-CN" altLang="en-US" sz="1100" b="1" dirty="0" smtClean="0">
+                        <a:rPr lang="zh-CN" altLang="en-US" sz="1000" b="1" dirty="0" smtClean="0">
                           <a:solidFill>
                             <a:schemeClr val="tx1"/>
                           </a:solidFill>
@@ -11525,7 +11547,7 @@
                         </a:rPr>
                         <a:t>费用</a:t>
                       </a:r>
-                      <a:endParaRPr lang="en-US" altLang="zh-CN" sz="1100" b="1" dirty="0" smtClean="0">
+                      <a:endParaRPr lang="en-US" altLang="zh-CN" sz="1000" b="1" dirty="0" smtClean="0">
                         <a:solidFill>
                           <a:schemeClr val="tx1"/>
                         </a:solidFill>
@@ -11577,7 +11599,7 @@
                         <a:defRPr/>
                       </a:pPr>
                       <a:r>
-                        <a:rPr lang="en-US" sz="1100" b="1" kern="1200" dirty="0" smtClean="0">
+                        <a:rPr lang="en-US" sz="1000" b="1" kern="1200" dirty="0" smtClean="0">
                           <a:solidFill>
                             <a:schemeClr val="tx1"/>
                           </a:solidFill>
@@ -11618,7 +11640,7 @@
                         <a:defRPr/>
                       </a:pPr>
                       <a:r>
-                        <a:rPr lang="en-US" altLang="zh-CN" sz="1100" b="1" kern="1200" dirty="0" smtClean="0">
+                        <a:rPr lang="en-US" altLang="zh-CN" sz="1000" b="1" kern="1200" dirty="0" smtClean="0">
                           <a:solidFill>
                             <a:schemeClr val="tx1"/>
                           </a:solidFill>
@@ -11628,7 +11650,7 @@
                         </a:rPr>
                         <a:t>Budget</a:t>
                       </a:r>
-                      <a:endParaRPr lang="en-US" sz="1100" b="1" kern="1200" dirty="0" smtClean="0">
+                      <a:endParaRPr lang="en-US" sz="1000" b="1" kern="1200" dirty="0" smtClean="0">
                         <a:solidFill>
                           <a:schemeClr val="tx1"/>
                         </a:solidFill>
@@ -11667,7 +11689,7 @@
                         <a:defRPr/>
                       </a:pPr>
                       <a:r>
-                        <a:rPr lang="zh-CN" altLang="en-US" sz="1100" b="1" kern="1200" dirty="0" smtClean="0">
+                        <a:rPr lang="zh-CN" altLang="en-US" sz="1000" b="1" kern="1200" dirty="0" smtClean="0">
                           <a:solidFill>
                             <a:schemeClr val="tx1"/>
                           </a:solidFill>
@@ -11677,7 +11699,7 @@
                         </a:rPr>
                         <a:t>是否报销</a:t>
                       </a:r>
-                      <a:endParaRPr lang="en-US" sz="1100" b="1" kern="1200" dirty="0">
+                      <a:endParaRPr lang="en-US" sz="1000" b="1" kern="1200" dirty="0">
                         <a:solidFill>
                           <a:schemeClr val="tx1"/>
                         </a:solidFill>
@@ -11703,7 +11725,7 @@
                         <a:buNone/>
                       </a:pPr>
                       <a:r>
-                        <a:rPr lang="zh-CN" altLang="en-US" sz="1100" b="1" dirty="0" smtClean="0">
+                        <a:rPr lang="zh-CN" altLang="en-US" sz="1000" b="1" dirty="0" smtClean="0">
                           <a:solidFill>
                             <a:schemeClr val="tx1"/>
                           </a:solidFill>
@@ -11714,7 +11736,7 @@
                         </a:rPr>
                         <a:t>投放开始时间</a:t>
                       </a:r>
-                      <a:endParaRPr lang="en-US" altLang="zh-CN" sz="700" b="1" dirty="0" smtClean="0">
+                      <a:endParaRPr lang="en-US" altLang="zh-CN" sz="1000" b="1" dirty="0" smtClean="0">
                         <a:solidFill>
                           <a:schemeClr val="tx1"/>
                         </a:solidFill>
@@ -11761,7 +11783,7 @@
                         <a:defRPr/>
                       </a:pPr>
                       <a:r>
-                        <a:rPr lang="zh-CN" altLang="en-US" sz="1100" b="1" kern="1200" dirty="0" smtClean="0">
+                        <a:rPr lang="zh-CN" altLang="en-US" sz="1000" b="1" kern="1200" dirty="0" smtClean="0">
                           <a:solidFill>
                             <a:schemeClr val="tx1"/>
                           </a:solidFill>
@@ -11772,7 +11794,7 @@
                         </a:rPr>
                         <a:t>投放结束时间</a:t>
                       </a:r>
-                      <a:endParaRPr lang="en-US" altLang="zh-CN" sz="1100" b="1" kern="1200" dirty="0" smtClean="0">
+                      <a:endParaRPr lang="en-US" altLang="zh-CN" sz="1000" b="1" kern="1200" dirty="0" smtClean="0">
                         <a:solidFill>
                           <a:schemeClr val="tx1"/>
                         </a:solidFill>
@@ -11822,7 +11844,7 @@
                         <a:defRPr/>
                       </a:pPr>
                       <a:r>
-                        <a:rPr lang="zh-CN" altLang="en-US" sz="1100" b="1" kern="1200" dirty="0" smtClean="0">
+                        <a:rPr lang="zh-CN" altLang="en-US" sz="1000" b="1" kern="1200" dirty="0" smtClean="0">
                           <a:solidFill>
                             <a:schemeClr val="tx1"/>
                           </a:solidFill>
@@ -11833,7 +11855,7 @@
                         <a:t>实际</a:t>
                       </a:r>
                       <a:r>
-                        <a:rPr lang="zh-CN" altLang="en-US" sz="1100" b="1" kern="1200" dirty="0" smtClean="0">
+                        <a:rPr lang="zh-CN" altLang="en-US" sz="1000" b="1" kern="1200" dirty="0" smtClean="0">
                           <a:solidFill>
                             <a:schemeClr val="tx1"/>
                           </a:solidFill>
@@ -11844,7 +11866,7 @@
                         </a:rPr>
                         <a:t>投放天数</a:t>
                       </a:r>
-                      <a:endParaRPr lang="en-US" altLang="zh-CN" sz="1100" b="1" kern="1200" dirty="0" smtClean="0">
+                      <a:endParaRPr lang="en-US" altLang="zh-CN" sz="1000" b="1" kern="1200" dirty="0" smtClean="0">
                         <a:solidFill>
                           <a:schemeClr val="tx1"/>
                         </a:solidFill>
@@ -11904,7 +11926,7 @@
                         <a:defRPr/>
                       </a:pPr>
                       <a:r>
-                        <a:rPr lang="zh-CN" altLang="en-US" sz="1100" b="1" kern="1200" dirty="0" smtClean="0">
+                        <a:rPr lang="zh-CN" altLang="en-US" sz="1000" b="1" kern="1200" dirty="0" smtClean="0">
                           <a:solidFill>
                             <a:schemeClr val="tx1"/>
                           </a:solidFill>
@@ -11915,7 +11937,7 @@
                         </a:rPr>
                         <a:t>实际每日费用</a:t>
                       </a:r>
-                      <a:endParaRPr lang="en-US" altLang="zh-CN" sz="1100" b="1" kern="1200" dirty="0" smtClean="0">
+                      <a:endParaRPr lang="en-US" altLang="zh-CN" sz="1000" b="1" kern="1200" dirty="0" smtClean="0">
                         <a:solidFill>
                           <a:schemeClr val="tx1"/>
                         </a:solidFill>
@@ -11959,7 +11981,7 @@
                         <a:buNone/>
                       </a:pPr>
                       <a:r>
-                        <a:rPr lang="en-US" altLang="zh-CN" sz="1200" b="0" baseline="0" dirty="0" smtClean="0">
+                        <a:rPr lang="en-US" altLang="zh-CN" sz="1000" b="0" baseline="0" dirty="0" smtClean="0">
                           <a:solidFill>
                             <a:schemeClr val="tx1"/>
                           </a:solidFill>
@@ -11977,7 +11999,7 @@
                         <a:buNone/>
                       </a:pPr>
                       <a:r>
-                        <a:rPr lang="zh-CN" altLang="en-US" sz="1200" b="0" baseline="0" dirty="0" smtClean="0">
+                        <a:rPr lang="zh-CN" altLang="en-US" sz="1000" b="0" baseline="0" dirty="0" smtClean="0">
                           <a:solidFill>
                             <a:schemeClr val="tx1"/>
                           </a:solidFill>
@@ -11988,7 +12010,7 @@
                         </a:rPr>
                         <a:t>百度关键词购买</a:t>
                       </a:r>
-                      <a:endParaRPr lang="en-US" altLang="zh-CN" sz="1200" b="0" baseline="0" dirty="0" smtClean="0">
+                      <a:endParaRPr lang="en-US" altLang="zh-CN" sz="1000" b="0" baseline="0" dirty="0" smtClean="0">
                         <a:solidFill>
                           <a:schemeClr val="tx1"/>
                         </a:solidFill>
@@ -12025,7 +12047,7 @@
                         <a:tabLst/>
                         <a:defRPr/>
                       </a:pPr>
-                      <a:endParaRPr lang="en-US" altLang="zh-CN" sz="1200" b="0" baseline="0" dirty="0" smtClean="0">
+                      <a:endParaRPr lang="en-US" altLang="zh-CN" sz="1000" b="0" baseline="0" dirty="0" smtClean="0">
                         <a:solidFill>
                           <a:schemeClr val="tx1"/>
                         </a:solidFill>
@@ -12067,7 +12089,7 @@
                         <a:tabLst/>
                         <a:defRPr/>
                       </a:pPr>
-                      <a:endParaRPr lang="en-US" altLang="zh-CN" sz="1200" b="0" baseline="0" dirty="0" smtClean="0">
+                      <a:endParaRPr lang="en-US" altLang="zh-CN" sz="1000" b="0" baseline="0" dirty="0" smtClean="0">
                         <a:solidFill>
                           <a:schemeClr val="tx1"/>
                         </a:solidFill>
@@ -12090,7 +12112,7 @@
                     <a:lstStyle/>
                     <a:p>
                       <a:pPr algn="ctr"/>
-                      <a:endParaRPr lang="en-US" sz="1200" baseline="0" dirty="0">
+                      <a:endParaRPr lang="en-US" sz="1000" baseline="0" dirty="0">
                         <a:solidFill>
                           <a:schemeClr val="tx1"/>
                         </a:solidFill>
@@ -12130,7 +12152,7 @@
                         <a:tabLst/>
                         <a:defRPr/>
                       </a:pPr>
-                      <a:endParaRPr lang="zh-CN" altLang="en-US" sz="1200" b="0" kern="1200" baseline="0" dirty="0" smtClean="0">
+                      <a:endParaRPr lang="zh-CN" altLang="en-US" sz="1000" b="0" kern="1200" baseline="0" dirty="0" smtClean="0">
                         <a:solidFill>
                           <a:schemeClr val="tx1"/>
                         </a:solidFill>
@@ -12184,7 +12206,7 @@
                         <a:tabLst/>
                         <a:defRPr/>
                       </a:pPr>
-                      <a:endParaRPr lang="zh-CN" altLang="en-US" sz="1200" b="0" kern="1200" baseline="0" dirty="0" smtClean="0">
+                      <a:endParaRPr lang="zh-CN" altLang="en-US" sz="1000" b="0" kern="1200" baseline="0" dirty="0" smtClean="0">
                         <a:solidFill>
                           <a:schemeClr val="tx1"/>
                         </a:solidFill>
@@ -12237,7 +12259,7 @@
                         <a:buFontTx/>
                         <a:buNone/>
                       </a:pPr>
-                      <a:endParaRPr lang="zh-CN" altLang="en-US" sz="1200" b="0" baseline="0" dirty="0" smtClean="0">
+                      <a:endParaRPr lang="zh-CN" altLang="en-US" sz="1000" b="0" baseline="0" dirty="0" smtClean="0">
                         <a:solidFill>
                           <a:schemeClr val="tx1"/>
                         </a:solidFill>
@@ -12290,7 +12312,7 @@
                         <a:buFontTx/>
                         <a:buNone/>
                       </a:pPr>
-                      <a:endParaRPr lang="en-US" altLang="zh-CN" sz="1200" b="0" baseline="0" dirty="0" smtClean="0">
+                      <a:endParaRPr lang="en-US" altLang="zh-CN" sz="1000" b="0" baseline="0" dirty="0" smtClean="0">
                         <a:solidFill>
                           <a:schemeClr val="tx1"/>
                         </a:solidFill>
@@ -12374,7 +12396,7 @@
                         <a:defRPr/>
                       </a:pPr>
                       <a:r>
-                        <a:rPr lang="en-US" altLang="zh-CN" sz="1200" b="0" baseline="0" dirty="0" smtClean="0">
+                        <a:rPr lang="en-US" altLang="zh-CN" sz="1000" b="0" baseline="0" dirty="0" smtClean="0">
                           <a:solidFill>
                             <a:schemeClr val="tx1"/>
                           </a:solidFill>
@@ -12405,7 +12427,7 @@
                         <a:defRPr/>
                       </a:pPr>
                       <a:r>
-                        <a:rPr lang="zh-CN" altLang="en-US" sz="1200" b="0" baseline="0" dirty="0" smtClean="0">
+                        <a:rPr lang="zh-CN" altLang="en-US" sz="1000" b="0" baseline="0" dirty="0" smtClean="0">
                           <a:solidFill>
                             <a:schemeClr val="tx1"/>
                           </a:solidFill>
@@ -12444,7 +12466,7 @@
                         <a:tabLst/>
                         <a:defRPr/>
                       </a:pPr>
-                      <a:endParaRPr lang="en-US" altLang="zh-CN" sz="1200" b="0" baseline="0" dirty="0" smtClean="0">
+                      <a:endParaRPr lang="en-US" altLang="zh-CN" sz="1000" b="0" baseline="0" dirty="0" smtClean="0">
                         <a:solidFill>
                           <a:schemeClr val="tx1"/>
                         </a:solidFill>
@@ -12486,7 +12508,7 @@
                         <a:tabLst/>
                         <a:defRPr/>
                       </a:pPr>
-                      <a:endParaRPr lang="en-US" altLang="zh-CN" sz="1200" b="0" baseline="0" dirty="0" smtClean="0">
+                      <a:endParaRPr lang="en-US" altLang="zh-CN" sz="1000" b="0" baseline="0" dirty="0" smtClean="0">
                         <a:solidFill>
                           <a:schemeClr val="tx1"/>
                         </a:solidFill>
@@ -12525,7 +12547,7 @@
                         <a:tabLst/>
                         <a:defRPr/>
                       </a:pPr>
-                      <a:endParaRPr lang="en-US" sz="1200" baseline="0" dirty="0" smtClean="0">
+                      <a:endParaRPr lang="en-US" sz="1000" baseline="0" dirty="0" smtClean="0">
                         <a:solidFill>
                           <a:schemeClr val="tx1"/>
                         </a:solidFill>
@@ -12565,7 +12587,7 @@
                         <a:tabLst/>
                         <a:defRPr/>
                       </a:pPr>
-                      <a:endParaRPr lang="zh-CN" altLang="en-US" sz="1200" b="0" kern="1200" baseline="0" dirty="0" smtClean="0">
+                      <a:endParaRPr lang="zh-CN" altLang="en-US" sz="1000" b="0" kern="1200" baseline="0" dirty="0" smtClean="0">
                         <a:solidFill>
                           <a:schemeClr val="tx1"/>
                         </a:solidFill>
@@ -12619,7 +12641,7 @@
                         <a:tabLst/>
                         <a:defRPr/>
                       </a:pPr>
-                      <a:endParaRPr lang="zh-CN" altLang="en-US" sz="1200" b="0" kern="1200" baseline="0" dirty="0" smtClean="0">
+                      <a:endParaRPr lang="zh-CN" altLang="en-US" sz="1000" b="0" kern="1200" baseline="0" dirty="0" smtClean="0">
                         <a:solidFill>
                           <a:schemeClr val="tx1"/>
                         </a:solidFill>
@@ -12685,7 +12707,7 @@
                         <a:tabLst/>
                         <a:defRPr/>
                       </a:pPr>
-                      <a:endParaRPr lang="en-US" altLang="zh-CN" sz="1200" b="0" baseline="0" dirty="0" smtClean="0">
+                      <a:endParaRPr lang="en-US" altLang="zh-CN" sz="1000" b="0" baseline="0" dirty="0" smtClean="0">
                         <a:solidFill>
                           <a:schemeClr val="tx1"/>
                         </a:solidFill>
@@ -12751,7 +12773,7 @@
                         <a:tabLst/>
                         <a:defRPr/>
                       </a:pPr>
-                      <a:endParaRPr lang="en-US" altLang="zh-CN" sz="1200" b="0" baseline="0" dirty="0" smtClean="0">
+                      <a:endParaRPr lang="en-US" altLang="zh-CN" sz="1000" b="0" baseline="0" dirty="0" smtClean="0">
                         <a:solidFill>
                           <a:schemeClr val="tx1"/>
                         </a:solidFill>
@@ -12835,7 +12857,7 @@
                         <a:defRPr/>
                       </a:pPr>
                       <a:r>
-                        <a:rPr lang="en-US" altLang="zh-CN" sz="1200" b="0" baseline="0" dirty="0" smtClean="0">
+                        <a:rPr lang="en-US" altLang="zh-CN" sz="1000" b="0" baseline="0" dirty="0" smtClean="0">
                           <a:solidFill>
                             <a:schemeClr val="tx1"/>
                           </a:solidFill>
@@ -12866,7 +12888,7 @@
                         <a:defRPr/>
                       </a:pPr>
                       <a:r>
-                        <a:rPr lang="zh-CN" altLang="en-US" sz="1200" b="0" baseline="0" dirty="0" smtClean="0">
+                        <a:rPr lang="zh-CN" altLang="en-US" sz="1000" b="0" baseline="0" dirty="0" smtClean="0">
                           <a:solidFill>
                             <a:schemeClr val="tx1"/>
                           </a:solidFill>
@@ -12877,7 +12899,7 @@
                         </a:rPr>
                         <a:t>媒介购买</a:t>
                       </a:r>
-                      <a:endParaRPr lang="en-US" altLang="zh-CN" sz="1200" b="0" baseline="0" dirty="0" smtClean="0">
+                      <a:endParaRPr lang="en-US" altLang="zh-CN" sz="1000" b="0" baseline="0" dirty="0" smtClean="0">
                         <a:solidFill>
                           <a:schemeClr val="tx1"/>
                         </a:solidFill>
@@ -12914,7 +12936,7 @@
                         <a:tabLst/>
                         <a:defRPr/>
                       </a:pPr>
-                      <a:endParaRPr lang="en-US" altLang="zh-CN" sz="1200" b="0" baseline="0" dirty="0" smtClean="0">
+                      <a:endParaRPr lang="en-US" altLang="zh-CN" sz="1000" b="0" baseline="0" dirty="0" smtClean="0">
                         <a:solidFill>
                           <a:schemeClr val="tx1"/>
                         </a:solidFill>
@@ -12956,7 +12978,7 @@
                         <a:tabLst/>
                         <a:defRPr/>
                       </a:pPr>
-                      <a:endParaRPr lang="en-US" altLang="zh-CN" sz="1200" b="0" baseline="0" dirty="0" smtClean="0">
+                      <a:endParaRPr lang="en-US" altLang="zh-CN" sz="1000" b="0" baseline="0" dirty="0" smtClean="0">
                         <a:solidFill>
                           <a:schemeClr val="tx1"/>
                         </a:solidFill>
@@ -12979,7 +13001,7 @@
                     <a:lstStyle/>
                     <a:p>
                       <a:pPr algn="ctr"/>
-                      <a:endParaRPr lang="en-US" sz="1200" baseline="0" dirty="0">
+                      <a:endParaRPr lang="en-US" sz="1000" baseline="0" dirty="0">
                         <a:solidFill>
                           <a:schemeClr val="tx1"/>
                         </a:solidFill>
@@ -13019,7 +13041,7 @@
                         <a:tabLst/>
                         <a:defRPr/>
                       </a:pPr>
-                      <a:endParaRPr lang="zh-CN" altLang="en-US" sz="1200" b="0" kern="1200" baseline="0" dirty="0" smtClean="0">
+                      <a:endParaRPr lang="zh-CN" altLang="en-US" sz="1000" b="0" kern="1200" baseline="0" dirty="0" smtClean="0">
                         <a:solidFill>
                           <a:schemeClr val="tx1"/>
                         </a:solidFill>
@@ -13073,7 +13095,7 @@
                         <a:tabLst/>
                         <a:defRPr/>
                       </a:pPr>
-                      <a:endParaRPr lang="zh-CN" altLang="en-US" sz="1200" b="0" kern="1200" baseline="0" dirty="0" smtClean="0">
+                      <a:endParaRPr lang="zh-CN" altLang="en-US" sz="1000" b="0" kern="1200" baseline="0" dirty="0" smtClean="0">
                         <a:solidFill>
                           <a:schemeClr val="tx1"/>
                         </a:solidFill>
@@ -13139,7 +13161,7 @@
                         <a:tabLst/>
                         <a:defRPr/>
                       </a:pPr>
-                      <a:endParaRPr kumimoji="0" lang="en-US" altLang="zh-CN" sz="1200" b="0" i="0" u="none" strike="noStrike" kern="1200" cap="none" spc="0" normalizeH="0" baseline="0" noProof="0" dirty="0" smtClean="0">
+                      <a:endParaRPr kumimoji="0" lang="en-US" altLang="zh-CN" sz="1000" b="0" i="0" u="none" strike="noStrike" kern="1200" cap="none" spc="0" normalizeH="0" baseline="0" noProof="0" dirty="0" smtClean="0">
                         <a:ln>
                           <a:noFill/>
                         </a:ln>
@@ -13211,7 +13233,7 @@
                         <a:tabLst/>
                         <a:defRPr/>
                       </a:pPr>
-                      <a:endParaRPr lang="en-US" altLang="zh-CN" sz="1200" b="0" baseline="0" dirty="0" smtClean="0">
+                      <a:endParaRPr lang="en-US" altLang="zh-CN" sz="1000" b="0" baseline="0" dirty="0" smtClean="0">
                         <a:solidFill>
                           <a:schemeClr val="tx1"/>
                         </a:solidFill>
@@ -13284,7 +13306,7 @@
           <p:nvPr>
             <p:extLst>
               <p:ext uri="{D42A27DB-BD31-4B8C-83A1-F6EECF244321}">
-                <p14:modId xmlns:p14="http://schemas.microsoft.com/office/powerpoint/2010/main" val="3042408992"/>
+                <p14:modId xmlns:p14="http://schemas.microsoft.com/office/powerpoint/2010/main" val="1019802822"/>
               </p:ext>
             </p:extLst>
           </p:nvPr>
@@ -13319,7 +13341,7 @@
                         <a:buNone/>
                       </a:pPr>
                       <a:r>
-                        <a:rPr lang="en-US" altLang="zh-CN" sz="1300" b="1" dirty="0" smtClean="0">
+                        <a:rPr lang="en-US" altLang="zh-CN" sz="1000" b="1" dirty="0" smtClean="0">
                           <a:solidFill>
                             <a:schemeClr val="bg1"/>
                           </a:solidFill>
@@ -13331,7 +13353,7 @@
                         <a:t>Spending Overview </a:t>
                       </a:r>
                       <a:r>
-                        <a:rPr lang="zh-CN" altLang="en-US" sz="1300" b="1" dirty="0" smtClean="0">
+                        <a:rPr lang="zh-CN" altLang="en-US" sz="1000" b="1" dirty="0" smtClean="0">
                           <a:solidFill>
                             <a:schemeClr val="bg1"/>
                           </a:solidFill>
@@ -13801,14 +13823,14 @@
           <p:nvPr>
             <p:extLst>
               <p:ext uri="{D42A27DB-BD31-4B8C-83A1-F6EECF244321}">
-                <p14:modId xmlns:p14="http://schemas.microsoft.com/office/powerpoint/2010/main" val="1993489058"/>
+                <p14:modId xmlns:p14="http://schemas.microsoft.com/office/powerpoint/2010/main" val="1981146151"/>
               </p:ext>
             </p:extLst>
           </p:nvPr>
         </p:nvGraphicFramePr>
         <p:xfrm>
           <a:off x="539751" y="1205410"/>
-          <a:ext cx="11079992" cy="5445289"/>
+          <a:ext cx="11079992" cy="5366041"/>
         </p:xfrm>
         <a:graphic>
           <a:graphicData uri="http://schemas.openxmlformats.org/drawingml/2006/table">
@@ -13879,7 +13901,7 @@
                         </a:lnSpc>
                       </a:pPr>
                       <a:r>
-                        <a:rPr lang="zh-CN" altLang="en-US" sz="1400" b="1" kern="1200" dirty="0" smtClean="0">
+                        <a:rPr lang="zh-CN" altLang="en-US" sz="1000" b="1" kern="1200" dirty="0" smtClean="0">
                           <a:solidFill>
                             <a:schemeClr val="lt1"/>
                           </a:solidFill>
@@ -13889,7 +13911,7 @@
                         </a:rPr>
                         <a:t>客户姓名</a:t>
                       </a:r>
-                      <a:endParaRPr lang="zh-CN" altLang="en-US" sz="1400" b="1" kern="1200" dirty="0">
+                      <a:endParaRPr lang="zh-CN" altLang="en-US" sz="1000" b="1" kern="1200" dirty="0">
                         <a:solidFill>
                           <a:schemeClr val="lt1"/>
                         </a:solidFill>
@@ -13957,7 +13979,7 @@
                         </a:lnSpc>
                       </a:pPr>
                       <a:r>
-                        <a:rPr lang="en-US" altLang="zh-CN" sz="1400" b="1" kern="1200" dirty="0" smtClean="0">
+                        <a:rPr lang="en-US" altLang="zh-CN" sz="1000" b="1" kern="1200" dirty="0" smtClean="0">
                           <a:solidFill>
                             <a:schemeClr val="lt1"/>
                           </a:solidFill>
@@ -13968,7 +13990,7 @@
                         </a:rPr>
                         <a:t>DCPID</a:t>
                       </a:r>
-                      <a:endParaRPr lang="zh-CN" altLang="en-US" sz="1400" b="1" kern="1200" dirty="0">
+                      <a:endParaRPr lang="zh-CN" altLang="en-US" sz="1000" b="1" kern="1200" dirty="0">
                         <a:solidFill>
                           <a:schemeClr val="lt1"/>
                         </a:solidFill>
@@ -14038,7 +14060,7 @@
                         </a:lnSpc>
                       </a:pPr>
                       <a:r>
-                        <a:rPr lang="zh-CN" altLang="en-US" sz="1400" b="1" kern="1200" dirty="0" smtClean="0">
+                        <a:rPr lang="zh-CN" altLang="en-US" sz="1000" b="1" kern="1200" dirty="0" smtClean="0">
                           <a:solidFill>
                             <a:schemeClr val="lt1"/>
                           </a:solidFill>
@@ -14050,7 +14072,7 @@
                         <a:t>活动前是否已有</a:t>
                       </a:r>
                       <a:r>
-                        <a:rPr lang="en-US" altLang="zh-CN" sz="1400" b="1" kern="1200" dirty="0" smtClean="0">
+                        <a:rPr lang="en-US" altLang="zh-CN" sz="1000" b="1" kern="1200" dirty="0" smtClean="0">
                           <a:solidFill>
                             <a:schemeClr val="lt1"/>
                           </a:solidFill>
@@ -14061,7 +14083,7 @@
                         </a:rPr>
                         <a:t>DCP</a:t>
                       </a:r>
-                      <a:endParaRPr lang="zh-CN" altLang="en-US" sz="1400" b="1" kern="1200" dirty="0">
+                      <a:endParaRPr lang="zh-CN" altLang="en-US" sz="1000" b="1" kern="1200" dirty="0">
                         <a:solidFill>
                           <a:schemeClr val="lt1"/>
                         </a:solidFill>
@@ -14131,7 +14153,7 @@
                         </a:lnSpc>
                       </a:pPr>
                       <a:r>
-                        <a:rPr lang="zh-CN" altLang="en-US" sz="1400" b="1" kern="1200" dirty="0" smtClean="0">
+                        <a:rPr lang="zh-CN" altLang="en-US" sz="1000" b="1" kern="1200" dirty="0" smtClean="0">
                           <a:solidFill>
                             <a:schemeClr val="lt1"/>
                           </a:solidFill>
@@ -14142,7 +14164,7 @@
                         </a:rPr>
                         <a:t>是否为线索</a:t>
                       </a:r>
-                      <a:endParaRPr lang="zh-CN" altLang="en-US" sz="1400" b="1" kern="1200" dirty="0">
+                      <a:endParaRPr lang="zh-CN" altLang="en-US" sz="1000" b="1" kern="1200" dirty="0">
                         <a:solidFill>
                           <a:schemeClr val="lt1"/>
                         </a:solidFill>
@@ -14212,7 +14234,7 @@
                         </a:lnSpc>
                       </a:pPr>
                       <a:r>
-                        <a:rPr lang="zh-CN" altLang="en-US" sz="1400" b="1" kern="1200" dirty="0" smtClean="0">
+                        <a:rPr lang="zh-CN" altLang="en-US" sz="1000" b="1" kern="1200" dirty="0" smtClean="0">
                           <a:solidFill>
                             <a:schemeClr val="lt1"/>
                           </a:solidFill>
@@ -14222,7 +14244,7 @@
                         </a:rPr>
                         <a:t>感兴趣车型</a:t>
                       </a:r>
-                      <a:endParaRPr lang="zh-CN" altLang="en-US" sz="1400" b="1" kern="1200" dirty="0">
+                      <a:endParaRPr lang="zh-CN" altLang="en-US" sz="1000" b="1" kern="1200" dirty="0">
                         <a:solidFill>
                           <a:schemeClr val="lt1"/>
                         </a:solidFill>
@@ -14292,7 +14314,7 @@
                         </a:lnSpc>
                       </a:pPr>
                       <a:r>
-                        <a:rPr lang="zh-CN" altLang="en-US" sz="1400" b="1" kern="1200" dirty="0" smtClean="0">
+                        <a:rPr lang="zh-CN" altLang="en-US" sz="1000" b="1" kern="1200" dirty="0" smtClean="0">
                           <a:solidFill>
                             <a:schemeClr val="lt1"/>
                           </a:solidFill>
@@ -14302,7 +14324,7 @@
                         </a:rPr>
                         <a:t>是否成交</a:t>
                       </a:r>
-                      <a:endParaRPr lang="zh-CN" altLang="en-US" sz="1400" b="1" kern="1200" dirty="0">
+                      <a:endParaRPr lang="zh-CN" altLang="en-US" sz="1000" b="1" kern="1200" dirty="0">
                         <a:solidFill>
                           <a:schemeClr val="lt1"/>
                         </a:solidFill>
@@ -14372,7 +14394,7 @@
                         </a:lnSpc>
                       </a:pPr>
                       <a:r>
-                        <a:rPr lang="zh-CN" altLang="en-US" sz="1400" b="1" kern="1200" dirty="0" smtClean="0">
+                        <a:rPr lang="zh-CN" altLang="en-US" sz="1000" b="1" kern="1200" dirty="0" smtClean="0">
                           <a:solidFill>
                             <a:schemeClr val="lt1"/>
                           </a:solidFill>
@@ -14382,7 +14404,7 @@
                         </a:rPr>
                         <a:t>成交车型</a:t>
                       </a:r>
-                      <a:endParaRPr lang="zh-CN" altLang="en-US" sz="1400" b="1" kern="1200" dirty="0">
+                      <a:endParaRPr lang="zh-CN" altLang="en-US" sz="1000" b="1" kern="1200" dirty="0">
                         <a:solidFill>
                           <a:schemeClr val="lt1"/>
                         </a:solidFill>
@@ -14468,7 +14490,7 @@
                         <a:tabLst/>
                         <a:defRPr/>
                       </a:pPr>
-                      <a:endParaRPr lang="en-US" sz="1200" b="0" kern="1200" baseline="0" dirty="0" smtClean="0">
+                      <a:endParaRPr lang="en-US" sz="1000" b="0" kern="1200" baseline="0" dirty="0" smtClean="0">
                         <a:solidFill>
                           <a:schemeClr val="tx1">
                             <a:lumMod val="75000"/>
@@ -14544,7 +14566,7 @@
                         <a:tabLst/>
                         <a:defRPr/>
                       </a:pPr>
-                      <a:endParaRPr lang="en-US" altLang="zh-CN" sz="1200" b="0" kern="1200" baseline="0" dirty="0">
+                      <a:endParaRPr lang="en-US" altLang="zh-CN" sz="1000" b="0" kern="1200" baseline="0" dirty="0">
                         <a:solidFill>
                           <a:schemeClr val="tx1">
                             <a:lumMod val="75000"/>
@@ -14620,7 +14642,7 @@
                         <a:tabLst/>
                         <a:defRPr/>
                       </a:pPr>
-                      <a:endParaRPr lang="en-US" altLang="zh-CN" sz="1200" b="0" kern="1200" baseline="0" dirty="0">
+                      <a:endParaRPr lang="en-US" altLang="zh-CN" sz="1000" b="0" kern="1200" baseline="0" dirty="0">
                         <a:solidFill>
                           <a:schemeClr val="tx1">
                             <a:lumMod val="75000"/>
@@ -14696,7 +14718,7 @@
                         <a:tabLst/>
                         <a:defRPr/>
                       </a:pPr>
-                      <a:endParaRPr lang="en-US" altLang="zh-CN" sz="1200" b="0" kern="1200" baseline="0" dirty="0">
+                      <a:endParaRPr lang="en-US" altLang="zh-CN" sz="1000" b="0" kern="1200" baseline="0" dirty="0">
                         <a:solidFill>
                           <a:schemeClr val="tx1">
                             <a:lumMod val="75000"/>
@@ -14772,7 +14794,7 @@
                         <a:tabLst/>
                         <a:defRPr/>
                       </a:pPr>
-                      <a:endParaRPr lang="en-US" altLang="zh-CN" sz="1200" b="0" kern="1200" baseline="0" dirty="0">
+                      <a:endParaRPr lang="en-US" altLang="zh-CN" sz="1000" b="0" kern="1200" baseline="0" dirty="0">
                         <a:solidFill>
                           <a:schemeClr val="tx1">
                             <a:lumMod val="75000"/>
@@ -14848,7 +14870,7 @@
                         <a:tabLst/>
                         <a:defRPr/>
                       </a:pPr>
-                      <a:endParaRPr lang="en-US" altLang="zh-CN" sz="1200" b="0" kern="1200" baseline="0" dirty="0">
+                      <a:endParaRPr lang="en-US" altLang="zh-CN" sz="1000" b="0" kern="1200" baseline="0" dirty="0">
                         <a:solidFill>
                           <a:schemeClr val="tx1">
                             <a:lumMod val="75000"/>
@@ -14924,7 +14946,7 @@
                         <a:tabLst/>
                         <a:defRPr/>
                       </a:pPr>
-                      <a:endParaRPr lang="en-US" altLang="zh-CN" sz="1200" b="0" kern="1200" baseline="0" dirty="0">
+                      <a:endParaRPr lang="en-US" altLang="zh-CN" sz="1000" b="0" kern="1200" baseline="0" dirty="0">
                         <a:solidFill>
                           <a:schemeClr val="tx1">
                             <a:lumMod val="75000"/>
@@ -15007,7 +15029,7 @@
                         <a:tabLst/>
                         <a:defRPr/>
                       </a:pPr>
-                      <a:endParaRPr lang="en-US" sz="1200" b="0" kern="1200" baseline="0" dirty="0" smtClean="0">
+                      <a:endParaRPr lang="en-US" sz="1000" b="0" kern="1200" baseline="0" dirty="0" smtClean="0">
                         <a:solidFill>
                           <a:schemeClr val="tx1">
                             <a:lumMod val="75000"/>
@@ -15083,7 +15105,7 @@
                         <a:tabLst/>
                         <a:defRPr/>
                       </a:pPr>
-                      <a:endParaRPr lang="en-US" altLang="zh-CN" sz="1200" b="0" kern="1200" baseline="0" dirty="0">
+                      <a:endParaRPr lang="en-US" altLang="zh-CN" sz="1000" b="0" kern="1200" baseline="0" dirty="0">
                         <a:solidFill>
                           <a:schemeClr val="tx1">
                             <a:lumMod val="75000"/>
@@ -15159,7 +15181,7 @@
                         <a:tabLst/>
                         <a:defRPr/>
                       </a:pPr>
-                      <a:endParaRPr lang="en-US" altLang="zh-CN" sz="1200" b="0" kern="1200" baseline="0" dirty="0">
+                      <a:endParaRPr lang="en-US" altLang="zh-CN" sz="1000" b="0" kern="1200" baseline="0" dirty="0">
                         <a:solidFill>
                           <a:schemeClr val="tx1">
                             <a:lumMod val="75000"/>
@@ -15235,7 +15257,7 @@
                         <a:tabLst/>
                         <a:defRPr/>
                       </a:pPr>
-                      <a:endParaRPr lang="en-US" altLang="zh-CN" sz="1200" b="0" kern="1200" baseline="0" dirty="0">
+                      <a:endParaRPr lang="en-US" altLang="zh-CN" sz="1000" b="0" kern="1200" baseline="0" dirty="0">
                         <a:solidFill>
                           <a:schemeClr val="tx1">
                             <a:lumMod val="75000"/>
@@ -15311,7 +15333,7 @@
                         <a:tabLst/>
                         <a:defRPr/>
                       </a:pPr>
-                      <a:endParaRPr lang="en-US" altLang="zh-CN" sz="1200" b="0" kern="1200" baseline="0" dirty="0">
+                      <a:endParaRPr lang="en-US" altLang="zh-CN" sz="1000" b="0" kern="1200" baseline="0" dirty="0">
                         <a:solidFill>
                           <a:schemeClr val="tx1">
                             <a:lumMod val="75000"/>
@@ -15387,7 +15409,7 @@
                         <a:tabLst/>
                         <a:defRPr/>
                       </a:pPr>
-                      <a:endParaRPr lang="en-US" altLang="zh-CN" sz="1200" b="0" kern="1200" baseline="0" dirty="0">
+                      <a:endParaRPr lang="en-US" altLang="zh-CN" sz="1000" b="0" kern="1200" baseline="0" dirty="0">
                         <a:solidFill>
                           <a:schemeClr val="tx1">
                             <a:lumMod val="75000"/>
@@ -15463,7 +15485,7 @@
                         <a:tabLst/>
                         <a:defRPr/>
                       </a:pPr>
-                      <a:endParaRPr lang="en-US" altLang="zh-CN" sz="1200" b="0" kern="1200" baseline="0" dirty="0">
+                      <a:endParaRPr lang="en-US" altLang="zh-CN" sz="1000" b="0" kern="1200" baseline="0" dirty="0">
                         <a:solidFill>
                           <a:schemeClr val="tx1">
                             <a:lumMod val="75000"/>
@@ -15546,7 +15568,7 @@
                         <a:tabLst/>
                         <a:defRPr/>
                       </a:pPr>
-                      <a:endParaRPr lang="en-US" sz="1200" b="0" kern="1200" baseline="0" dirty="0" smtClean="0">
+                      <a:endParaRPr lang="en-US" sz="1000" b="0" kern="1200" baseline="0" dirty="0" smtClean="0">
                         <a:solidFill>
                           <a:schemeClr val="tx1">
                             <a:lumMod val="75000"/>
@@ -15622,7 +15644,7 @@
                         <a:tabLst/>
                         <a:defRPr/>
                       </a:pPr>
-                      <a:endParaRPr lang="en-US" altLang="zh-CN" sz="1200" b="0" kern="1200" baseline="0" dirty="0">
+                      <a:endParaRPr lang="en-US" altLang="zh-CN" sz="1000" b="0" kern="1200" baseline="0" dirty="0">
                         <a:solidFill>
                           <a:schemeClr val="tx1">
                             <a:lumMod val="75000"/>
@@ -15698,7 +15720,7 @@
                         <a:tabLst/>
                         <a:defRPr/>
                       </a:pPr>
-                      <a:endParaRPr lang="en-US" altLang="zh-CN" sz="1200" b="0" kern="1200" baseline="0" dirty="0">
+                      <a:endParaRPr lang="en-US" altLang="zh-CN" sz="1000" b="0" kern="1200" baseline="0" dirty="0">
                         <a:solidFill>
                           <a:schemeClr val="tx1">
                             <a:lumMod val="75000"/>
@@ -15774,7 +15796,7 @@
                         <a:tabLst/>
                         <a:defRPr/>
                       </a:pPr>
-                      <a:endParaRPr lang="en-US" altLang="zh-CN" sz="1200" b="0" kern="1200" baseline="0" dirty="0">
+                      <a:endParaRPr lang="en-US" altLang="zh-CN" sz="1000" b="0" kern="1200" baseline="0" dirty="0">
                         <a:solidFill>
                           <a:schemeClr val="tx1">
                             <a:lumMod val="75000"/>
@@ -15850,7 +15872,7 @@
                         <a:tabLst/>
                         <a:defRPr/>
                       </a:pPr>
-                      <a:endParaRPr lang="en-US" altLang="zh-CN" sz="1200" b="0" kern="1200" baseline="0" dirty="0">
+                      <a:endParaRPr lang="en-US" altLang="zh-CN" sz="1000" b="0" kern="1200" baseline="0" dirty="0">
                         <a:solidFill>
                           <a:schemeClr val="tx1">
                             <a:lumMod val="75000"/>
@@ -15926,7 +15948,7 @@
                         <a:tabLst/>
                         <a:defRPr/>
                       </a:pPr>
-                      <a:endParaRPr lang="en-US" altLang="zh-CN" sz="1200" b="0" kern="1200" baseline="0" dirty="0">
+                      <a:endParaRPr lang="en-US" altLang="zh-CN" sz="1000" b="0" kern="1200" baseline="0" dirty="0">
                         <a:solidFill>
                           <a:schemeClr val="tx1">
                             <a:lumMod val="75000"/>
@@ -16002,7 +16024,7 @@
                         <a:tabLst/>
                         <a:defRPr/>
                       </a:pPr>
-                      <a:endParaRPr lang="en-US" altLang="zh-CN" sz="1200" b="0" kern="1200" baseline="0" dirty="0">
+                      <a:endParaRPr lang="en-US" altLang="zh-CN" sz="1000" b="0" kern="1200" baseline="0" dirty="0">
                         <a:solidFill>
                           <a:schemeClr val="tx1">
                             <a:lumMod val="75000"/>
@@ -16085,7 +16107,7 @@
                         <a:tabLst/>
                         <a:defRPr/>
                       </a:pPr>
-                      <a:endParaRPr lang="en-US" sz="1200" b="0" kern="1200" baseline="0" dirty="0" smtClean="0">
+                      <a:endParaRPr lang="en-US" sz="1000" b="0" kern="1200" baseline="0" dirty="0" smtClean="0">
                         <a:solidFill>
                           <a:schemeClr val="tx1">
                             <a:lumMod val="75000"/>
@@ -16161,7 +16183,7 @@
                         <a:tabLst/>
                         <a:defRPr/>
                       </a:pPr>
-                      <a:endParaRPr lang="en-US" altLang="zh-CN" sz="1200" b="0" kern="1200" baseline="0" dirty="0">
+                      <a:endParaRPr lang="en-US" altLang="zh-CN" sz="1000" b="0" kern="1200" baseline="0" dirty="0">
                         <a:solidFill>
                           <a:schemeClr val="tx1">
                             <a:lumMod val="75000"/>
@@ -16237,7 +16259,7 @@
                         <a:tabLst/>
                         <a:defRPr/>
                       </a:pPr>
-                      <a:endParaRPr lang="en-US" altLang="zh-CN" sz="1200" b="0" kern="1200" baseline="0" dirty="0">
+                      <a:endParaRPr lang="en-US" altLang="zh-CN" sz="1000" b="0" kern="1200" baseline="0" dirty="0">
                         <a:solidFill>
                           <a:schemeClr val="tx1">
                             <a:lumMod val="75000"/>
@@ -16313,7 +16335,7 @@
                         <a:tabLst/>
                         <a:defRPr/>
                       </a:pPr>
-                      <a:endParaRPr lang="en-US" altLang="zh-CN" sz="1200" b="0" kern="1200" baseline="0" dirty="0">
+                      <a:endParaRPr lang="en-US" altLang="zh-CN" sz="1000" b="0" kern="1200" baseline="0" dirty="0">
                         <a:solidFill>
                           <a:schemeClr val="tx1">
                             <a:lumMod val="75000"/>
@@ -16389,7 +16411,7 @@
                         <a:tabLst/>
                         <a:defRPr/>
                       </a:pPr>
-                      <a:endParaRPr lang="en-US" altLang="zh-CN" sz="1200" b="0" kern="1200" baseline="0" dirty="0">
+                      <a:endParaRPr lang="en-US" altLang="zh-CN" sz="1000" b="0" kern="1200" baseline="0" dirty="0">
                         <a:solidFill>
                           <a:schemeClr val="tx1">
                             <a:lumMod val="75000"/>
@@ -16465,7 +16487,7 @@
                         <a:tabLst/>
                         <a:defRPr/>
                       </a:pPr>
-                      <a:endParaRPr lang="en-US" altLang="zh-CN" sz="1200" b="0" kern="1200" baseline="0" dirty="0">
+                      <a:endParaRPr lang="en-US" altLang="zh-CN" sz="1000" b="0" kern="1200" baseline="0" dirty="0">
                         <a:solidFill>
                           <a:schemeClr val="tx1">
                             <a:lumMod val="75000"/>
@@ -16541,7 +16563,7 @@
                         <a:tabLst/>
                         <a:defRPr/>
                       </a:pPr>
-                      <a:endParaRPr lang="en-US" altLang="zh-CN" sz="1200" b="0" kern="1200" baseline="0" dirty="0">
+                      <a:endParaRPr lang="en-US" altLang="zh-CN" sz="1000" b="0" kern="1200" baseline="0" dirty="0">
                         <a:solidFill>
                           <a:schemeClr val="tx1">
                             <a:lumMod val="75000"/>
@@ -16624,7 +16646,7 @@
                         <a:tabLst/>
                         <a:defRPr/>
                       </a:pPr>
-                      <a:endParaRPr lang="en-US" sz="1200" b="0" kern="1200" baseline="0" dirty="0" smtClean="0">
+                      <a:endParaRPr lang="en-US" sz="1000" b="0" kern="1200" baseline="0" dirty="0" smtClean="0">
                         <a:solidFill>
                           <a:schemeClr val="tx1">
                             <a:lumMod val="75000"/>
@@ -16700,7 +16722,7 @@
                         <a:tabLst/>
                         <a:defRPr/>
                       </a:pPr>
-                      <a:endParaRPr lang="en-US" altLang="zh-CN" sz="1200" b="0" kern="1200" baseline="0" dirty="0">
+                      <a:endParaRPr lang="en-US" altLang="zh-CN" sz="1000" b="0" kern="1200" baseline="0" dirty="0">
                         <a:solidFill>
                           <a:schemeClr val="tx1">
                             <a:lumMod val="75000"/>
@@ -16776,7 +16798,7 @@
                         <a:tabLst/>
                         <a:defRPr/>
                       </a:pPr>
-                      <a:endParaRPr lang="en-US" altLang="zh-CN" sz="1200" b="0" kern="1200" baseline="0" dirty="0">
+                      <a:endParaRPr lang="en-US" altLang="zh-CN" sz="1000" b="0" kern="1200" baseline="0" dirty="0">
                         <a:solidFill>
                           <a:schemeClr val="tx1">
                             <a:lumMod val="75000"/>
@@ -16852,7 +16874,7 @@
                         <a:tabLst/>
                         <a:defRPr/>
                       </a:pPr>
-                      <a:endParaRPr lang="en-US" altLang="zh-CN" sz="1200" b="0" kern="1200" baseline="0" dirty="0">
+                      <a:endParaRPr lang="en-US" altLang="zh-CN" sz="1000" b="0" kern="1200" baseline="0" dirty="0">
                         <a:solidFill>
                           <a:schemeClr val="tx1">
                             <a:lumMod val="75000"/>
@@ -16928,7 +16950,7 @@
                         <a:tabLst/>
                         <a:defRPr/>
                       </a:pPr>
-                      <a:endParaRPr lang="en-US" altLang="zh-CN" sz="1200" b="0" kern="1200" baseline="0" dirty="0">
+                      <a:endParaRPr lang="en-US" altLang="zh-CN" sz="1000" b="0" kern="1200" baseline="0" dirty="0">
                         <a:solidFill>
                           <a:schemeClr val="tx1">
                             <a:lumMod val="75000"/>
@@ -17004,7 +17026,7 @@
                         <a:tabLst/>
                         <a:defRPr/>
                       </a:pPr>
-                      <a:endParaRPr lang="en-US" altLang="zh-CN" sz="1200" b="0" kern="1200" baseline="0" dirty="0">
+                      <a:endParaRPr lang="en-US" altLang="zh-CN" sz="1000" b="0" kern="1200" baseline="0" dirty="0">
                         <a:solidFill>
                           <a:schemeClr val="tx1">
                             <a:lumMod val="75000"/>
@@ -17080,7 +17102,7 @@
                         <a:tabLst/>
                         <a:defRPr/>
                       </a:pPr>
-                      <a:endParaRPr lang="en-US" altLang="zh-CN" sz="1200" b="0" kern="1200" baseline="0" dirty="0">
+                      <a:endParaRPr lang="en-US" altLang="zh-CN" sz="1000" b="0" kern="1200" baseline="0" dirty="0">
                         <a:solidFill>
                           <a:schemeClr val="tx1">
                             <a:lumMod val="75000"/>
@@ -17163,7 +17185,7 @@
                         <a:tabLst/>
                         <a:defRPr/>
                       </a:pPr>
-                      <a:endParaRPr lang="en-US" sz="1200" b="0" kern="1200" baseline="0" dirty="0" smtClean="0">
+                      <a:endParaRPr lang="en-US" sz="1000" b="0" kern="1200" baseline="0" dirty="0" smtClean="0">
                         <a:solidFill>
                           <a:schemeClr val="tx1">
                             <a:lumMod val="75000"/>
@@ -17239,7 +17261,7 @@
                         <a:tabLst/>
                         <a:defRPr/>
                       </a:pPr>
-                      <a:endParaRPr lang="en-US" altLang="zh-CN" sz="1200" b="0" kern="1200" baseline="0" dirty="0">
+                      <a:endParaRPr lang="en-US" altLang="zh-CN" sz="1000" b="0" kern="1200" baseline="0" dirty="0">
                         <a:solidFill>
                           <a:schemeClr val="tx1">
                             <a:lumMod val="75000"/>
@@ -17315,7 +17337,7 @@
                         <a:tabLst/>
                         <a:defRPr/>
                       </a:pPr>
-                      <a:endParaRPr lang="en-US" altLang="zh-CN" sz="1200" b="0" kern="1200" baseline="0" dirty="0">
+                      <a:endParaRPr lang="en-US" altLang="zh-CN" sz="1000" b="0" kern="1200" baseline="0" dirty="0">
                         <a:solidFill>
                           <a:schemeClr val="tx1">
                             <a:lumMod val="75000"/>
@@ -17391,7 +17413,7 @@
                         <a:tabLst/>
                         <a:defRPr/>
                       </a:pPr>
-                      <a:endParaRPr lang="en-US" altLang="zh-CN" sz="1200" b="0" kern="1200" baseline="0" dirty="0">
+                      <a:endParaRPr lang="en-US" altLang="zh-CN" sz="1000" b="0" kern="1200" baseline="0" dirty="0">
                         <a:solidFill>
                           <a:schemeClr val="tx1">
                             <a:lumMod val="75000"/>
@@ -17467,7 +17489,7 @@
                         <a:tabLst/>
                         <a:defRPr/>
                       </a:pPr>
-                      <a:endParaRPr lang="en-US" altLang="zh-CN" sz="1200" b="0" kern="1200" baseline="0" dirty="0">
+                      <a:endParaRPr lang="en-US" altLang="zh-CN" sz="1000" b="0" kern="1200" baseline="0" dirty="0">
                         <a:solidFill>
                           <a:schemeClr val="tx1">
                             <a:lumMod val="75000"/>
@@ -17543,7 +17565,7 @@
                         <a:tabLst/>
                         <a:defRPr/>
                       </a:pPr>
-                      <a:endParaRPr lang="en-US" altLang="zh-CN" sz="1200" b="0" kern="1200" baseline="0" dirty="0">
+                      <a:endParaRPr lang="en-US" altLang="zh-CN" sz="1000" b="0" kern="1200" baseline="0" dirty="0">
                         <a:solidFill>
                           <a:schemeClr val="tx1">
                             <a:lumMod val="75000"/>
@@ -17619,7 +17641,7 @@
                         <a:tabLst/>
                         <a:defRPr/>
                       </a:pPr>
-                      <a:endParaRPr lang="en-US" altLang="zh-CN" sz="1200" b="0" kern="1200" baseline="0" dirty="0">
+                      <a:endParaRPr lang="en-US" altLang="zh-CN" sz="1000" b="0" kern="1200" baseline="0" dirty="0">
                         <a:solidFill>
                           <a:schemeClr val="tx1">
                             <a:lumMod val="75000"/>
@@ -17702,7 +17724,7 @@
                         <a:tabLst/>
                         <a:defRPr/>
                       </a:pPr>
-                      <a:endParaRPr lang="en-US" sz="1200" b="0" kern="1200" baseline="0" dirty="0" smtClean="0">
+                      <a:endParaRPr lang="en-US" sz="1000" b="0" kern="1200" baseline="0" dirty="0" smtClean="0">
                         <a:solidFill>
                           <a:schemeClr val="tx1">
                             <a:lumMod val="75000"/>
@@ -17778,7 +17800,7 @@
                         <a:tabLst/>
                         <a:defRPr/>
                       </a:pPr>
-                      <a:endParaRPr lang="en-US" altLang="zh-CN" sz="1200" b="0" kern="1200" baseline="0" dirty="0">
+                      <a:endParaRPr lang="en-US" altLang="zh-CN" sz="1000" b="0" kern="1200" baseline="0" dirty="0">
                         <a:solidFill>
                           <a:schemeClr val="tx1">
                             <a:lumMod val="75000"/>
@@ -17854,7 +17876,7 @@
                         <a:tabLst/>
                         <a:defRPr/>
                       </a:pPr>
-                      <a:endParaRPr lang="en-US" altLang="zh-CN" sz="1200" b="0" kern="1200" baseline="0" dirty="0">
+                      <a:endParaRPr lang="en-US" altLang="zh-CN" sz="1000" b="0" kern="1200" baseline="0" dirty="0">
                         <a:solidFill>
                           <a:schemeClr val="tx1">
                             <a:lumMod val="75000"/>
@@ -17930,7 +17952,7 @@
                         <a:tabLst/>
                         <a:defRPr/>
                       </a:pPr>
-                      <a:endParaRPr lang="en-US" altLang="zh-CN" sz="1200" b="0" kern="1200" baseline="0" dirty="0">
+                      <a:endParaRPr lang="en-US" altLang="zh-CN" sz="1000" b="0" kern="1200" baseline="0" dirty="0">
                         <a:solidFill>
                           <a:schemeClr val="tx1">
                             <a:lumMod val="75000"/>
@@ -18006,7 +18028,7 @@
                         <a:tabLst/>
                         <a:defRPr/>
                       </a:pPr>
-                      <a:endParaRPr lang="en-US" altLang="zh-CN" sz="1200" b="0" kern="1200" baseline="0" dirty="0">
+                      <a:endParaRPr lang="en-US" altLang="zh-CN" sz="1000" b="0" kern="1200" baseline="0" dirty="0">
                         <a:solidFill>
                           <a:schemeClr val="tx1">
                             <a:lumMod val="75000"/>
@@ -18082,7 +18104,7 @@
                         <a:tabLst/>
                         <a:defRPr/>
                       </a:pPr>
-                      <a:endParaRPr lang="en-US" altLang="zh-CN" sz="1200" b="0" kern="1200" baseline="0" dirty="0">
+                      <a:endParaRPr lang="en-US" altLang="zh-CN" sz="1000" b="0" kern="1200" baseline="0" dirty="0">
                         <a:solidFill>
                           <a:schemeClr val="tx1">
                             <a:lumMod val="75000"/>
@@ -18158,7 +18180,7 @@
                         <a:tabLst/>
                         <a:defRPr/>
                       </a:pPr>
-                      <a:endParaRPr lang="en-US" altLang="zh-CN" sz="1200" b="0" kern="1200" baseline="0" dirty="0">
+                      <a:endParaRPr lang="en-US" altLang="zh-CN" sz="1000" b="0" kern="1200" baseline="0" dirty="0">
                         <a:solidFill>
                           <a:schemeClr val="tx1">
                             <a:lumMod val="75000"/>
@@ -18241,7 +18263,7 @@
                         <a:tabLst/>
                         <a:defRPr/>
                       </a:pPr>
-                      <a:endParaRPr lang="en-US" sz="1200" b="0" kern="1200" baseline="0" dirty="0" smtClean="0">
+                      <a:endParaRPr lang="en-US" sz="1000" b="0" kern="1200" baseline="0" dirty="0" smtClean="0">
                         <a:solidFill>
                           <a:schemeClr val="tx1">
                             <a:lumMod val="75000"/>
@@ -18317,7 +18339,7 @@
                         <a:tabLst/>
                         <a:defRPr/>
                       </a:pPr>
-                      <a:endParaRPr lang="en-US" altLang="zh-CN" sz="1200" b="0" kern="1200" baseline="0" dirty="0">
+                      <a:endParaRPr lang="en-US" altLang="zh-CN" sz="1000" b="0" kern="1200" baseline="0" dirty="0">
                         <a:solidFill>
                           <a:schemeClr val="tx1">
                             <a:lumMod val="75000"/>
@@ -18393,7 +18415,7 @@
                         <a:tabLst/>
                         <a:defRPr/>
                       </a:pPr>
-                      <a:endParaRPr lang="en-US" altLang="zh-CN" sz="1200" b="0" kern="1200" baseline="0" dirty="0">
+                      <a:endParaRPr lang="en-US" altLang="zh-CN" sz="1000" b="0" kern="1200" baseline="0" dirty="0">
                         <a:solidFill>
                           <a:schemeClr val="tx1">
                             <a:lumMod val="75000"/>
@@ -18469,7 +18491,7 @@
                         <a:tabLst/>
                         <a:defRPr/>
                       </a:pPr>
-                      <a:endParaRPr lang="en-US" altLang="zh-CN" sz="1200" b="0" kern="1200" baseline="0" dirty="0">
+                      <a:endParaRPr lang="en-US" altLang="zh-CN" sz="1000" b="0" kern="1200" baseline="0" dirty="0">
                         <a:solidFill>
                           <a:schemeClr val="tx1">
                             <a:lumMod val="75000"/>
@@ -18545,7 +18567,7 @@
                         <a:tabLst/>
                         <a:defRPr/>
                       </a:pPr>
-                      <a:endParaRPr lang="en-US" altLang="zh-CN" sz="1200" b="0" kern="1200" baseline="0" dirty="0">
+                      <a:endParaRPr lang="en-US" altLang="zh-CN" sz="1000" b="0" kern="1200" baseline="0" dirty="0">
                         <a:solidFill>
                           <a:schemeClr val="tx1">
                             <a:lumMod val="75000"/>
@@ -18621,7 +18643,7 @@
                         <a:tabLst/>
                         <a:defRPr/>
                       </a:pPr>
-                      <a:endParaRPr lang="en-US" altLang="zh-CN" sz="1200" b="0" kern="1200" baseline="0" dirty="0">
+                      <a:endParaRPr lang="en-US" altLang="zh-CN" sz="1000" b="0" kern="1200" baseline="0" dirty="0">
                         <a:solidFill>
                           <a:schemeClr val="tx1">
                             <a:lumMod val="75000"/>
@@ -18697,7 +18719,7 @@
                         <a:tabLst/>
                         <a:defRPr/>
                       </a:pPr>
-                      <a:endParaRPr lang="en-US" altLang="zh-CN" sz="1200" b="0" kern="1200" baseline="0" dirty="0">
+                      <a:endParaRPr lang="en-US" altLang="zh-CN" sz="1000" b="0" kern="1200" baseline="0" dirty="0">
                         <a:solidFill>
                           <a:schemeClr val="tx1">
                             <a:lumMod val="75000"/>
@@ -18780,7 +18802,7 @@
                         <a:tabLst/>
                         <a:defRPr/>
                       </a:pPr>
-                      <a:endParaRPr lang="en-US" sz="1200" b="0" kern="1200" baseline="0" dirty="0" smtClean="0">
+                      <a:endParaRPr lang="en-US" sz="1000" b="0" kern="1200" baseline="0" dirty="0" smtClean="0">
                         <a:solidFill>
                           <a:schemeClr val="tx1">
                             <a:lumMod val="75000"/>
@@ -18856,7 +18878,7 @@
                         <a:tabLst/>
                         <a:defRPr/>
                       </a:pPr>
-                      <a:endParaRPr lang="en-US" altLang="zh-CN" sz="1200" b="0" kern="1200" baseline="0" dirty="0">
+                      <a:endParaRPr lang="en-US" altLang="zh-CN" sz="1000" b="0" kern="1200" baseline="0" dirty="0">
                         <a:solidFill>
                           <a:schemeClr val="tx1">
                             <a:lumMod val="75000"/>
@@ -18932,7 +18954,7 @@
                         <a:tabLst/>
                         <a:defRPr/>
                       </a:pPr>
-                      <a:endParaRPr lang="en-US" altLang="zh-CN" sz="1200" b="0" kern="1200" baseline="0" dirty="0">
+                      <a:endParaRPr lang="en-US" altLang="zh-CN" sz="1000" b="0" kern="1200" baseline="0" dirty="0">
                         <a:solidFill>
                           <a:schemeClr val="tx1">
                             <a:lumMod val="75000"/>
@@ -19008,7 +19030,7 @@
                         <a:tabLst/>
                         <a:defRPr/>
                       </a:pPr>
-                      <a:endParaRPr lang="en-US" altLang="zh-CN" sz="1200" b="0" kern="1200" baseline="0" dirty="0">
+                      <a:endParaRPr lang="en-US" altLang="zh-CN" sz="1000" b="0" kern="1200" baseline="0" dirty="0">
                         <a:solidFill>
                           <a:schemeClr val="tx1">
                             <a:lumMod val="75000"/>
@@ -19084,7 +19106,7 @@
                         <a:tabLst/>
                         <a:defRPr/>
                       </a:pPr>
-                      <a:endParaRPr lang="en-US" altLang="zh-CN" sz="1200" b="0" kern="1200" baseline="0" dirty="0">
+                      <a:endParaRPr lang="en-US" altLang="zh-CN" sz="1000" b="0" kern="1200" baseline="0" dirty="0">
                         <a:solidFill>
                           <a:schemeClr val="tx1">
                             <a:lumMod val="75000"/>
@@ -19160,7 +19182,7 @@
                         <a:tabLst/>
                         <a:defRPr/>
                       </a:pPr>
-                      <a:endParaRPr lang="en-US" altLang="zh-CN" sz="1200" b="0" kern="1200" baseline="0" dirty="0">
+                      <a:endParaRPr lang="en-US" altLang="zh-CN" sz="1000" b="0" kern="1200" baseline="0" dirty="0">
                         <a:solidFill>
                           <a:schemeClr val="tx1">
                             <a:lumMod val="75000"/>
@@ -19236,7 +19258,7 @@
                         <a:tabLst/>
                         <a:defRPr/>
                       </a:pPr>
-                      <a:endParaRPr lang="en-US" altLang="zh-CN" sz="1200" b="0" kern="1200" baseline="0" dirty="0">
+                      <a:endParaRPr lang="en-US" altLang="zh-CN" sz="1000" b="0" kern="1200" baseline="0" dirty="0">
                         <a:solidFill>
                           <a:schemeClr val="tx1">
                             <a:lumMod val="75000"/>
@@ -19319,7 +19341,7 @@
                         <a:tabLst/>
                         <a:defRPr/>
                       </a:pPr>
-                      <a:endParaRPr lang="en-US" sz="1200" b="0" kern="1200" baseline="0" dirty="0" smtClean="0">
+                      <a:endParaRPr lang="en-US" sz="1000" b="0" kern="1200" baseline="0" dirty="0" smtClean="0">
                         <a:solidFill>
                           <a:schemeClr val="tx1">
                             <a:lumMod val="75000"/>
@@ -19399,7 +19421,7 @@
                         <a:tabLst/>
                         <a:defRPr/>
                       </a:pPr>
-                      <a:endParaRPr lang="en-US" altLang="zh-CN" sz="1200" b="0" kern="1200" baseline="0" dirty="0">
+                      <a:endParaRPr lang="en-US" altLang="zh-CN" sz="1000" b="0" kern="1200" baseline="0" dirty="0">
                         <a:solidFill>
                           <a:schemeClr val="tx1">
                             <a:lumMod val="75000"/>
@@ -19479,7 +19501,7 @@
                         <a:tabLst/>
                         <a:defRPr/>
                       </a:pPr>
-                      <a:endParaRPr lang="en-US" altLang="zh-CN" sz="1200" b="0" kern="1200" baseline="0" dirty="0">
+                      <a:endParaRPr lang="en-US" altLang="zh-CN" sz="1000" b="0" kern="1200" baseline="0" dirty="0">
                         <a:solidFill>
                           <a:schemeClr val="tx1">
                             <a:lumMod val="75000"/>
@@ -19559,7 +19581,7 @@
                         <a:tabLst/>
                         <a:defRPr/>
                       </a:pPr>
-                      <a:endParaRPr lang="en-US" altLang="zh-CN" sz="1200" b="0" kern="1200" baseline="0" dirty="0">
+                      <a:endParaRPr lang="en-US" altLang="zh-CN" sz="1000" b="0" kern="1200" baseline="0" dirty="0">
                         <a:solidFill>
                           <a:schemeClr val="tx1">
                             <a:lumMod val="75000"/>
@@ -19639,7 +19661,7 @@
                         <a:tabLst/>
                         <a:defRPr/>
                       </a:pPr>
-                      <a:endParaRPr lang="en-US" altLang="zh-CN" sz="1200" b="0" kern="1200" baseline="0" dirty="0">
+                      <a:endParaRPr lang="en-US" altLang="zh-CN" sz="1000" b="0" kern="1200" baseline="0" dirty="0">
                         <a:solidFill>
                           <a:schemeClr val="tx1">
                             <a:lumMod val="75000"/>
@@ -19719,7 +19741,7 @@
                         <a:tabLst/>
                         <a:defRPr/>
                       </a:pPr>
-                      <a:endParaRPr lang="en-US" altLang="zh-CN" sz="1200" b="0" kern="1200" baseline="0" dirty="0">
+                      <a:endParaRPr lang="en-US" altLang="zh-CN" sz="1000" b="0" kern="1200" baseline="0" dirty="0">
                         <a:solidFill>
                           <a:schemeClr val="tx1">
                             <a:lumMod val="75000"/>
@@ -19799,7 +19821,7 @@
                         <a:tabLst/>
                         <a:defRPr/>
                       </a:pPr>
-                      <a:endParaRPr lang="en-US" altLang="zh-CN" sz="1200" b="0" kern="1200" baseline="0" dirty="0">
+                      <a:endParaRPr lang="en-US" altLang="zh-CN" sz="1000" b="0" kern="1200" baseline="0" dirty="0">
                         <a:solidFill>
                           <a:schemeClr val="tx1">
                             <a:lumMod val="75000"/>
@@ -20035,7 +20057,7 @@
         <p:spPr>
           <a:xfrm>
             <a:off x="538850" y="1123920"/>
-            <a:ext cx="5468560" cy="530658"/>
+            <a:ext cx="5468560" cy="400110"/>
           </a:xfrm>
           <a:prstGeom prst="rect">
             <a:avLst/>
@@ -20062,7 +20084,7 @@
               <a:buSzPct val="100000"/>
             </a:pPr>
             <a:r>
-              <a:rPr lang="en-US" altLang="zh-CN" sz="1400" b="1" dirty="0" smtClean="0">
+              <a:rPr lang="en-US" altLang="zh-CN" sz="1000" b="1" dirty="0" smtClean="0">
                 <a:solidFill>
                   <a:srgbClr val="FFFFFF"/>
                 </a:solidFill>
@@ -20083,7 +20105,7 @@
               <a:buSzPct val="100000"/>
             </a:pPr>
             <a:r>
-              <a:rPr lang="zh-CN" altLang="en-US" sz="1400" b="1" dirty="0" smtClean="0">
+              <a:rPr lang="zh-CN" altLang="en-US" sz="1000" b="1" dirty="0" smtClean="0">
                 <a:solidFill>
                   <a:srgbClr val="FFFFFF"/>
                 </a:solidFill>
@@ -20093,7 +20115,7 @@
               <a:t>实际投放截图 </a:t>
             </a:r>
             <a:r>
-              <a:rPr lang="en-US" altLang="zh-CN" sz="1400" b="1" dirty="0" smtClean="0">
+              <a:rPr lang="en-US" altLang="zh-CN" sz="1000" b="1" dirty="0" smtClean="0">
                 <a:solidFill>
                   <a:srgbClr val="FFFFFF"/>
                 </a:solidFill>
@@ -20103,7 +20125,7 @@
               <a:t>/ </a:t>
             </a:r>
             <a:r>
-              <a:rPr lang="zh-CN" altLang="en-US" sz="1400" b="1" dirty="0" smtClean="0">
+              <a:rPr lang="zh-CN" altLang="en-US" sz="1000" b="1" dirty="0" smtClean="0">
                 <a:solidFill>
                   <a:srgbClr val="FFFFFF"/>
                 </a:solidFill>
@@ -20112,7 +20134,7 @@
               </a:rPr>
               <a:t>照片</a:t>
             </a:r>
-            <a:endParaRPr lang="zh-CN" altLang="en-US" sz="1400" b="1" dirty="0">
+            <a:endParaRPr lang="zh-CN" altLang="en-US" sz="1000" b="1" dirty="0">
               <a:solidFill>
                 <a:srgbClr val="FFFFFF"/>
               </a:solidFill>
@@ -20255,7 +20277,7 @@
         <p:spPr>
           <a:xfrm>
             <a:off x="6151512" y="1123920"/>
-            <a:ext cx="5468560" cy="530658"/>
+            <a:ext cx="5468560" cy="400110"/>
           </a:xfrm>
           <a:prstGeom prst="rect">
             <a:avLst/>
@@ -20282,7 +20304,7 @@
               <a:buSzPct val="100000"/>
             </a:pPr>
             <a:r>
-              <a:rPr lang="en-US" altLang="zh-CN" sz="1400" b="1" dirty="0">
+              <a:rPr lang="en-US" altLang="zh-CN" sz="1000" b="1" dirty="0">
                 <a:solidFill>
                   <a:srgbClr val="FFFFFF"/>
                 </a:solidFill>
@@ -20303,7 +20325,7 @@
               <a:buSzPct val="100000"/>
             </a:pPr>
             <a:r>
-              <a:rPr lang="zh-CN" altLang="en-US" sz="1400" b="1" dirty="0">
+              <a:rPr lang="zh-CN" altLang="en-US" sz="1000" b="1" dirty="0">
                 <a:solidFill>
                   <a:srgbClr val="FFFFFF"/>
                 </a:solidFill>
@@ -20313,7 +20335,7 @@
               <a:t>实际投放截图 </a:t>
             </a:r>
             <a:r>
-              <a:rPr lang="en-US" altLang="zh-CN" sz="1400" b="1" dirty="0">
+              <a:rPr lang="en-US" altLang="zh-CN" sz="1000" b="1" dirty="0">
                 <a:solidFill>
                   <a:srgbClr val="FFFFFF"/>
                 </a:solidFill>
@@ -20323,7 +20345,7 @@
               <a:t>/ </a:t>
             </a:r>
             <a:r>
-              <a:rPr lang="zh-CN" altLang="en-US" sz="1400" b="1" dirty="0">
+              <a:rPr lang="zh-CN" altLang="en-US" sz="1000" b="1" dirty="0">
                 <a:solidFill>
                   <a:srgbClr val="FFFFFF"/>
                 </a:solidFill>
@@ -20809,7 +20831,7 @@
         <p:spPr>
           <a:xfrm>
             <a:off x="565598" y="1146150"/>
-            <a:ext cx="3534319" cy="307777"/>
+            <a:ext cx="3534319" cy="246221"/>
           </a:xfrm>
           <a:prstGeom prst="rect">
             <a:avLst/>
@@ -20830,7 +20852,7 @@
               <a:buSzPct val="100000"/>
             </a:pPr>
             <a:r>
-              <a:rPr lang="en-US" altLang="zh-CN" sz="1400" dirty="0">
+              <a:rPr lang="en-US" altLang="zh-CN" sz="1000" b="1" dirty="0">
                 <a:solidFill>
                   <a:schemeClr val="bg1"/>
                 </a:solidFill>
@@ -20840,7 +20862,7 @@
               <a:t>Contract </a:t>
             </a:r>
             <a:r>
-              <a:rPr lang="zh-CN" altLang="en-US" sz="1400" dirty="0">
+              <a:rPr lang="zh-CN" altLang="en-US" sz="1000" b="1" dirty="0">
                 <a:solidFill>
                   <a:schemeClr val="bg1"/>
                 </a:solidFill>
@@ -20892,7 +20914,7 @@
               <a:t> </a:t>
             </a:r>
             <a:r>
-              <a:rPr lang="en-US" altLang="zh-CN" sz="1400" dirty="0">
+              <a:rPr lang="en-US" altLang="zh-CN" sz="1000" b="1" dirty="0">
                 <a:solidFill>
                   <a:schemeClr val="bg1"/>
                 </a:solidFill>
@@ -20902,7 +20924,7 @@
               <a:t>Quotation </a:t>
             </a:r>
             <a:r>
-              <a:rPr lang="zh-CN" altLang="en-US" sz="1400" dirty="0" smtClean="0">
+              <a:rPr lang="zh-CN" altLang="en-US" sz="1000" b="1" dirty="0" smtClean="0">
                 <a:solidFill>
                   <a:schemeClr val="bg1"/>
                 </a:solidFill>
@@ -20911,7 +20933,7 @@
               </a:rPr>
               <a:t>报价单</a:t>
             </a:r>
-            <a:endParaRPr lang="en-US" altLang="zh-CN" sz="1400" dirty="0">
+            <a:endParaRPr lang="en-US" altLang="zh-CN" sz="1000" b="1" dirty="0">
               <a:solidFill>
                 <a:schemeClr val="bg1"/>
               </a:solidFill>
@@ -21067,7 +21089,7 @@
               <a:t> </a:t>
             </a:r>
             <a:r>
-              <a:rPr lang="en-US" altLang="zh-CN" sz="1400" dirty="0">
+              <a:rPr lang="en-US" altLang="zh-CN" sz="1000" b="1" dirty="0">
                 <a:solidFill>
                   <a:schemeClr val="bg1"/>
                 </a:solidFill>
@@ -21077,7 +21099,7 @@
               <a:t>Invoice </a:t>
             </a:r>
             <a:r>
-              <a:rPr lang="zh-CN" altLang="en-US" sz="1400" dirty="0">
+              <a:rPr lang="zh-CN" altLang="en-US" sz="1000" b="1" dirty="0">
                 <a:solidFill>
                   <a:schemeClr val="bg1"/>
                 </a:solidFill>
@@ -21086,7 +21108,7 @@
               </a:rPr>
               <a:t>发票</a:t>
             </a:r>
-            <a:endParaRPr lang="en-US" altLang="zh-CN" sz="1400" dirty="0">
+            <a:endParaRPr lang="en-US" altLang="zh-CN" sz="1000" b="1" dirty="0">
               <a:solidFill>
                 <a:schemeClr val="bg1"/>
               </a:solidFill>
